--- a/docs/diagrams/UiComponentClassDiagram.pptx
+++ b/docs/diagrams/UiComponentClassDiagram.pptx
@@ -109,7 +109,7 @@
   </p:defaultTextStyle>
   <p:extLst>
     <p:ext uri="{EFAFB233-063F-42B5-8137-9DF3F51BA10A}">
-      <p15:sldGuideLst xmlns:p15="http://schemas.microsoft.com/office/powerpoint/2012/main">
+      <p15:sldGuideLst xmlns:p15="http://schemas.microsoft.com/office/powerpoint/2012/main" xmlns="">
         <p15:guide id="1" orient="horz" pos="1488">
           <p15:clr>
             <a:srgbClr val="A4A3A4"/>
@@ -208,7 +208,7 @@
           <a:p>
             <a:fld id="{F5CC4B3F-88C1-4FFA-B1B6-F41C21DC6924}" type="datetimeFigureOut">
               <a:rPr lang="en-US" smtClean="0"/>
-              <a:t>1/7/2017</a:t>
+              <a:t>3/5/2018</a:t>
             </a:fld>
             <a:endParaRPr lang="en-US"/>
           </a:p>
@@ -654,7 +654,7 @@
           <a:p>
             <a:fld id="{78C97017-6FC3-485B-9764-EAC9E56C1D49}" type="datetimeFigureOut">
               <a:rPr lang="en-US" smtClean="0"/>
-              <a:t>1/7/2017</a:t>
+              <a:t>3/5/2018</a:t>
             </a:fld>
             <a:endParaRPr lang="en-US"/>
           </a:p>
@@ -822,7 +822,7 @@
           <a:p>
             <a:fld id="{78C97017-6FC3-485B-9764-EAC9E56C1D49}" type="datetimeFigureOut">
               <a:rPr lang="en-US" smtClean="0"/>
-              <a:t>1/7/2017</a:t>
+              <a:t>3/5/2018</a:t>
             </a:fld>
             <a:endParaRPr lang="en-US"/>
           </a:p>
@@ -1000,7 +1000,7 @@
           <a:p>
             <a:fld id="{78C97017-6FC3-485B-9764-EAC9E56C1D49}" type="datetimeFigureOut">
               <a:rPr lang="en-US" smtClean="0"/>
-              <a:t>1/7/2017</a:t>
+              <a:t>3/5/2018</a:t>
             </a:fld>
             <a:endParaRPr lang="en-US"/>
           </a:p>
@@ -1168,7 +1168,7 @@
           <a:p>
             <a:fld id="{78C97017-6FC3-485B-9764-EAC9E56C1D49}" type="datetimeFigureOut">
               <a:rPr lang="en-US" smtClean="0"/>
-              <a:t>1/7/2017</a:t>
+              <a:t>3/5/2018</a:t>
             </a:fld>
             <a:endParaRPr lang="en-US"/>
           </a:p>
@@ -1413,7 +1413,7 @@
           <a:p>
             <a:fld id="{78C97017-6FC3-485B-9764-EAC9E56C1D49}" type="datetimeFigureOut">
               <a:rPr lang="en-US" smtClean="0"/>
-              <a:t>1/7/2017</a:t>
+              <a:t>3/5/2018</a:t>
             </a:fld>
             <a:endParaRPr lang="en-US"/>
           </a:p>
@@ -1698,7 +1698,7 @@
           <a:p>
             <a:fld id="{78C97017-6FC3-485B-9764-EAC9E56C1D49}" type="datetimeFigureOut">
               <a:rPr lang="en-US" smtClean="0"/>
-              <a:t>1/7/2017</a:t>
+              <a:t>3/5/2018</a:t>
             </a:fld>
             <a:endParaRPr lang="en-US"/>
           </a:p>
@@ -2117,7 +2117,7 @@
           <a:p>
             <a:fld id="{78C97017-6FC3-485B-9764-EAC9E56C1D49}" type="datetimeFigureOut">
               <a:rPr lang="en-US" smtClean="0"/>
-              <a:t>1/7/2017</a:t>
+              <a:t>3/5/2018</a:t>
             </a:fld>
             <a:endParaRPr lang="en-US"/>
           </a:p>
@@ -2234,7 +2234,7 @@
           <a:p>
             <a:fld id="{78C97017-6FC3-485B-9764-EAC9E56C1D49}" type="datetimeFigureOut">
               <a:rPr lang="en-US" smtClean="0"/>
-              <a:t>1/7/2017</a:t>
+              <a:t>3/5/2018</a:t>
             </a:fld>
             <a:endParaRPr lang="en-US"/>
           </a:p>
@@ -2329,7 +2329,7 @@
           <a:p>
             <a:fld id="{78C97017-6FC3-485B-9764-EAC9E56C1D49}" type="datetimeFigureOut">
               <a:rPr lang="en-US" smtClean="0"/>
-              <a:t>1/7/2017</a:t>
+              <a:t>3/5/2018</a:t>
             </a:fld>
             <a:endParaRPr lang="en-US"/>
           </a:p>
@@ -2604,7 +2604,7 @@
           <a:p>
             <a:fld id="{78C97017-6FC3-485B-9764-EAC9E56C1D49}" type="datetimeFigureOut">
               <a:rPr lang="en-US" smtClean="0"/>
-              <a:t>1/7/2017</a:t>
+              <a:t>3/5/2018</a:t>
             </a:fld>
             <a:endParaRPr lang="en-US"/>
           </a:p>
@@ -2856,7 +2856,7 @@
           <a:p>
             <a:fld id="{78C97017-6FC3-485B-9764-EAC9E56C1D49}" type="datetimeFigureOut">
               <a:rPr lang="en-US" smtClean="0"/>
-              <a:t>1/7/2017</a:t>
+              <a:t>3/5/2018</a:t>
             </a:fld>
             <a:endParaRPr lang="en-US"/>
           </a:p>
@@ -3067,7 +3067,7 @@
           <a:p>
             <a:fld id="{78C97017-6FC3-485B-9764-EAC9E56C1D49}" type="datetimeFigureOut">
               <a:rPr lang="en-US" smtClean="0"/>
-              <a:t>1/7/2017</a:t>
+              <a:t>3/5/2018</a:t>
             </a:fld>
             <a:endParaRPr lang="en-US"/>
           </a:p>
@@ -4038,14 +4038,14 @@
           <a:p>
             <a:pPr algn="ctr"/>
             <a:r>
-              <a:rPr lang="en-US" sz="1050" b="1" dirty="0" err="1">
+              <a:rPr lang="en-US" sz="1050" b="1" dirty="0" err="1" smtClean="0">
                 <a:solidFill>
                   <a:schemeClr val="accent3">
                     <a:lumMod val="75000"/>
                   </a:schemeClr>
                 </a:solidFill>
               </a:rPr>
-              <a:t>PersonListPanel</a:t>
+              <a:t>TaskListPanel</a:t>
             </a:r>
             <a:endParaRPr lang="en-SG" sz="1050" b="1" dirty="0">
               <a:solidFill>
@@ -4098,14 +4098,24 @@
           <a:p>
             <a:pPr algn="ctr"/>
             <a:r>
-              <a:rPr lang="en-US" sz="1050" b="1" dirty="0" err="1">
+              <a:rPr lang="en-US" sz="1050" b="1" dirty="0" err="1" smtClean="0">
                 <a:solidFill>
                   <a:schemeClr val="accent3">
                     <a:lumMod val="75000"/>
                   </a:schemeClr>
                 </a:solidFill>
               </a:rPr>
-              <a:t>PersonCard</a:t>
+              <a:t>Task</a:t>
+            </a:r>
+            <a:r>
+              <a:rPr lang="en-US" sz="1050" b="1" dirty="0" err="1" smtClean="0">
+                <a:solidFill>
+                  <a:schemeClr val="accent3">
+                    <a:lumMod val="75000"/>
+                  </a:schemeClr>
+                </a:solidFill>
+              </a:rPr>
+              <a:t>Card</a:t>
             </a:r>
             <a:endParaRPr lang="en-SG" sz="1050" b="1" dirty="0">
               <a:solidFill>

--- a/docs/diagrams/UiComponentClassDiagram.pptx
+++ b/docs/diagrams/UiComponentClassDiagram.pptx
@@ -208,7 +208,7 @@
           <a:p>
             <a:fld id="{F5CC4B3F-88C1-4FFA-B1B6-F41C21DC6924}" type="datetimeFigureOut">
               <a:rPr lang="en-US" smtClean="0"/>
-              <a:t>1/7/2017</a:t>
+              <a:t>3/13/2018</a:t>
             </a:fld>
             <a:endParaRPr lang="en-US"/>
           </a:p>
@@ -654,7 +654,7 @@
           <a:p>
             <a:fld id="{78C97017-6FC3-485B-9764-EAC9E56C1D49}" type="datetimeFigureOut">
               <a:rPr lang="en-US" smtClean="0"/>
-              <a:t>1/7/2017</a:t>
+              <a:t>3/13/2018</a:t>
             </a:fld>
             <a:endParaRPr lang="en-US"/>
           </a:p>
@@ -822,7 +822,7 @@
           <a:p>
             <a:fld id="{78C97017-6FC3-485B-9764-EAC9E56C1D49}" type="datetimeFigureOut">
               <a:rPr lang="en-US" smtClean="0"/>
-              <a:t>1/7/2017</a:t>
+              <a:t>3/13/2018</a:t>
             </a:fld>
             <a:endParaRPr lang="en-US"/>
           </a:p>
@@ -1000,7 +1000,7 @@
           <a:p>
             <a:fld id="{78C97017-6FC3-485B-9764-EAC9E56C1D49}" type="datetimeFigureOut">
               <a:rPr lang="en-US" smtClean="0"/>
-              <a:t>1/7/2017</a:t>
+              <a:t>3/13/2018</a:t>
             </a:fld>
             <a:endParaRPr lang="en-US"/>
           </a:p>
@@ -1168,7 +1168,7 @@
           <a:p>
             <a:fld id="{78C97017-6FC3-485B-9764-EAC9E56C1D49}" type="datetimeFigureOut">
               <a:rPr lang="en-US" smtClean="0"/>
-              <a:t>1/7/2017</a:t>
+              <a:t>3/13/2018</a:t>
             </a:fld>
             <a:endParaRPr lang="en-US"/>
           </a:p>
@@ -1413,7 +1413,7 @@
           <a:p>
             <a:fld id="{78C97017-6FC3-485B-9764-EAC9E56C1D49}" type="datetimeFigureOut">
               <a:rPr lang="en-US" smtClean="0"/>
-              <a:t>1/7/2017</a:t>
+              <a:t>3/13/2018</a:t>
             </a:fld>
             <a:endParaRPr lang="en-US"/>
           </a:p>
@@ -1698,7 +1698,7 @@
           <a:p>
             <a:fld id="{78C97017-6FC3-485B-9764-EAC9E56C1D49}" type="datetimeFigureOut">
               <a:rPr lang="en-US" smtClean="0"/>
-              <a:t>1/7/2017</a:t>
+              <a:t>3/13/2018</a:t>
             </a:fld>
             <a:endParaRPr lang="en-US"/>
           </a:p>
@@ -2117,7 +2117,7 @@
           <a:p>
             <a:fld id="{78C97017-6FC3-485B-9764-EAC9E56C1D49}" type="datetimeFigureOut">
               <a:rPr lang="en-US" smtClean="0"/>
-              <a:t>1/7/2017</a:t>
+              <a:t>3/13/2018</a:t>
             </a:fld>
             <a:endParaRPr lang="en-US"/>
           </a:p>
@@ -2234,7 +2234,7 @@
           <a:p>
             <a:fld id="{78C97017-6FC3-485B-9764-EAC9E56C1D49}" type="datetimeFigureOut">
               <a:rPr lang="en-US" smtClean="0"/>
-              <a:t>1/7/2017</a:t>
+              <a:t>3/13/2018</a:t>
             </a:fld>
             <a:endParaRPr lang="en-US"/>
           </a:p>
@@ -2329,7 +2329,7 @@
           <a:p>
             <a:fld id="{78C97017-6FC3-485B-9764-EAC9E56C1D49}" type="datetimeFigureOut">
               <a:rPr lang="en-US" smtClean="0"/>
-              <a:t>1/7/2017</a:t>
+              <a:t>3/13/2018</a:t>
             </a:fld>
             <a:endParaRPr lang="en-US"/>
           </a:p>
@@ -2604,7 +2604,7 @@
           <a:p>
             <a:fld id="{78C97017-6FC3-485B-9764-EAC9E56C1D49}" type="datetimeFigureOut">
               <a:rPr lang="en-US" smtClean="0"/>
-              <a:t>1/7/2017</a:t>
+              <a:t>3/13/2018</a:t>
             </a:fld>
             <a:endParaRPr lang="en-US"/>
           </a:p>
@@ -2856,7 +2856,7 @@
           <a:p>
             <a:fld id="{78C97017-6FC3-485B-9764-EAC9E56C1D49}" type="datetimeFigureOut">
               <a:rPr lang="en-US" smtClean="0"/>
-              <a:t>1/7/2017</a:t>
+              <a:t>3/13/2018</a:t>
             </a:fld>
             <a:endParaRPr lang="en-US"/>
           </a:p>
@@ -3067,7 +3067,7 @@
           <a:p>
             <a:fld id="{78C97017-6FC3-485B-9764-EAC9E56C1D49}" type="datetimeFigureOut">
               <a:rPr lang="en-US" smtClean="0"/>
-              <a:t>1/7/2017</a:t>
+              <a:t>3/13/2018</a:t>
             </a:fld>
             <a:endParaRPr lang="en-US"/>
           </a:p>
@@ -4045,7 +4045,7 @@
                   </a:schemeClr>
                 </a:solidFill>
               </a:rPr>
-              <a:t>PersonListPanel</a:t>
+              <a:t>BookListPanel</a:t>
             </a:r>
             <a:endParaRPr lang="en-SG" sz="1050" b="1" dirty="0">
               <a:solidFill>
@@ -4105,7 +4105,7 @@
                   </a:schemeClr>
                 </a:solidFill>
               </a:rPr>
-              <a:t>PersonCard</a:t>
+              <a:t>BookCard</a:t>
             </a:r>
             <a:endParaRPr lang="en-SG" sz="1050" b="1" dirty="0">
               <a:solidFill>

--- a/docs/diagrams/UiComponentClassDiagram.pptx
+++ b/docs/diagrams/UiComponentClassDiagram.pptx
@@ -208,7 +208,7 @@
           <a:p>
             <a:fld id="{F5CC4B3F-88C1-4FFA-B1B6-F41C21DC6924}" type="datetimeFigureOut">
               <a:rPr lang="en-US" smtClean="0"/>
-              <a:t>1/7/2017</a:t>
+              <a:t>3/22/2018</a:t>
             </a:fld>
             <a:endParaRPr lang="en-US"/>
           </a:p>
@@ -654,7 +654,7 @@
           <a:p>
             <a:fld id="{78C97017-6FC3-485B-9764-EAC9E56C1D49}" type="datetimeFigureOut">
               <a:rPr lang="en-US" smtClean="0"/>
-              <a:t>1/7/2017</a:t>
+              <a:t>3/22/2018</a:t>
             </a:fld>
             <a:endParaRPr lang="en-US"/>
           </a:p>
@@ -822,7 +822,7 @@
           <a:p>
             <a:fld id="{78C97017-6FC3-485B-9764-EAC9E56C1D49}" type="datetimeFigureOut">
               <a:rPr lang="en-US" smtClean="0"/>
-              <a:t>1/7/2017</a:t>
+              <a:t>3/22/2018</a:t>
             </a:fld>
             <a:endParaRPr lang="en-US"/>
           </a:p>
@@ -1000,7 +1000,7 @@
           <a:p>
             <a:fld id="{78C97017-6FC3-485B-9764-EAC9E56C1D49}" type="datetimeFigureOut">
               <a:rPr lang="en-US" smtClean="0"/>
-              <a:t>1/7/2017</a:t>
+              <a:t>3/22/2018</a:t>
             </a:fld>
             <a:endParaRPr lang="en-US"/>
           </a:p>
@@ -1168,7 +1168,7 @@
           <a:p>
             <a:fld id="{78C97017-6FC3-485B-9764-EAC9E56C1D49}" type="datetimeFigureOut">
               <a:rPr lang="en-US" smtClean="0"/>
-              <a:t>1/7/2017</a:t>
+              <a:t>3/22/2018</a:t>
             </a:fld>
             <a:endParaRPr lang="en-US"/>
           </a:p>
@@ -1413,7 +1413,7 @@
           <a:p>
             <a:fld id="{78C97017-6FC3-485B-9764-EAC9E56C1D49}" type="datetimeFigureOut">
               <a:rPr lang="en-US" smtClean="0"/>
-              <a:t>1/7/2017</a:t>
+              <a:t>3/22/2018</a:t>
             </a:fld>
             <a:endParaRPr lang="en-US"/>
           </a:p>
@@ -1698,7 +1698,7 @@
           <a:p>
             <a:fld id="{78C97017-6FC3-485B-9764-EAC9E56C1D49}" type="datetimeFigureOut">
               <a:rPr lang="en-US" smtClean="0"/>
-              <a:t>1/7/2017</a:t>
+              <a:t>3/22/2018</a:t>
             </a:fld>
             <a:endParaRPr lang="en-US"/>
           </a:p>
@@ -2117,7 +2117,7 @@
           <a:p>
             <a:fld id="{78C97017-6FC3-485B-9764-EAC9E56C1D49}" type="datetimeFigureOut">
               <a:rPr lang="en-US" smtClean="0"/>
-              <a:t>1/7/2017</a:t>
+              <a:t>3/22/2018</a:t>
             </a:fld>
             <a:endParaRPr lang="en-US"/>
           </a:p>
@@ -2234,7 +2234,7 @@
           <a:p>
             <a:fld id="{78C97017-6FC3-485B-9764-EAC9E56C1D49}" type="datetimeFigureOut">
               <a:rPr lang="en-US" smtClean="0"/>
-              <a:t>1/7/2017</a:t>
+              <a:t>3/22/2018</a:t>
             </a:fld>
             <a:endParaRPr lang="en-US"/>
           </a:p>
@@ -2329,7 +2329,7 @@
           <a:p>
             <a:fld id="{78C97017-6FC3-485B-9764-EAC9E56C1D49}" type="datetimeFigureOut">
               <a:rPr lang="en-US" smtClean="0"/>
-              <a:t>1/7/2017</a:t>
+              <a:t>3/22/2018</a:t>
             </a:fld>
             <a:endParaRPr lang="en-US"/>
           </a:p>
@@ -2604,7 +2604,7 @@
           <a:p>
             <a:fld id="{78C97017-6FC3-485B-9764-EAC9E56C1D49}" type="datetimeFigureOut">
               <a:rPr lang="en-US" smtClean="0"/>
-              <a:t>1/7/2017</a:t>
+              <a:t>3/22/2018</a:t>
             </a:fld>
             <a:endParaRPr lang="en-US"/>
           </a:p>
@@ -2856,7 +2856,7 @@
           <a:p>
             <a:fld id="{78C97017-6FC3-485B-9764-EAC9E56C1D49}" type="datetimeFigureOut">
               <a:rPr lang="en-US" smtClean="0"/>
-              <a:t>1/7/2017</a:t>
+              <a:t>3/22/2018</a:t>
             </a:fld>
             <a:endParaRPr lang="en-US"/>
           </a:p>
@@ -3067,7 +3067,7 @@
           <a:p>
             <a:fld id="{78C97017-6FC3-485B-9764-EAC9E56C1D49}" type="datetimeFigureOut">
               <a:rPr lang="en-US" smtClean="0"/>
-              <a:t>1/7/2017</a:t>
+              <a:t>3/22/2018</a:t>
             </a:fld>
             <a:endParaRPr lang="en-US"/>
           </a:p>
@@ -4045,7 +4045,7 @@
                   </a:schemeClr>
                 </a:solidFill>
               </a:rPr>
-              <a:t>PersonListPanel</a:t>
+              <a:t>RecipeListPanel</a:t>
             </a:r>
             <a:endParaRPr lang="en-SG" sz="1050" b="1" dirty="0">
               <a:solidFill>
@@ -4105,7 +4105,7 @@
                   </a:schemeClr>
                 </a:solidFill>
               </a:rPr>
-              <a:t>PersonCard</a:t>
+              <a:t>RecipeCard</a:t>
             </a:r>
             <a:endParaRPr lang="en-SG" sz="1050" b="1" dirty="0">
               <a:solidFill>

--- a/docs/diagrams/UiComponentClassDiagram.pptx
+++ b/docs/diagrams/UiComponentClassDiagram.pptx
@@ -208,7 +208,7 @@
           <a:p>
             <a:fld id="{F5CC4B3F-88C1-4FFA-B1B6-F41C21DC6924}" type="datetimeFigureOut">
               <a:rPr lang="en-US" smtClean="0"/>
-              <a:t>1/7/2017</a:t>
+              <a:t>3/25/2018</a:t>
             </a:fld>
             <a:endParaRPr lang="en-US"/>
           </a:p>
@@ -654,7 +654,7 @@
           <a:p>
             <a:fld id="{78C97017-6FC3-485B-9764-EAC9E56C1D49}" type="datetimeFigureOut">
               <a:rPr lang="en-US" smtClean="0"/>
-              <a:t>1/7/2017</a:t>
+              <a:t>3/25/2018</a:t>
             </a:fld>
             <a:endParaRPr lang="en-US"/>
           </a:p>
@@ -822,7 +822,7 @@
           <a:p>
             <a:fld id="{78C97017-6FC3-485B-9764-EAC9E56C1D49}" type="datetimeFigureOut">
               <a:rPr lang="en-US" smtClean="0"/>
-              <a:t>1/7/2017</a:t>
+              <a:t>3/25/2018</a:t>
             </a:fld>
             <a:endParaRPr lang="en-US"/>
           </a:p>
@@ -1000,7 +1000,7 @@
           <a:p>
             <a:fld id="{78C97017-6FC3-485B-9764-EAC9E56C1D49}" type="datetimeFigureOut">
               <a:rPr lang="en-US" smtClean="0"/>
-              <a:t>1/7/2017</a:t>
+              <a:t>3/25/2018</a:t>
             </a:fld>
             <a:endParaRPr lang="en-US"/>
           </a:p>
@@ -1168,7 +1168,7 @@
           <a:p>
             <a:fld id="{78C97017-6FC3-485B-9764-EAC9E56C1D49}" type="datetimeFigureOut">
               <a:rPr lang="en-US" smtClean="0"/>
-              <a:t>1/7/2017</a:t>
+              <a:t>3/25/2018</a:t>
             </a:fld>
             <a:endParaRPr lang="en-US"/>
           </a:p>
@@ -1413,7 +1413,7 @@
           <a:p>
             <a:fld id="{78C97017-6FC3-485B-9764-EAC9E56C1D49}" type="datetimeFigureOut">
               <a:rPr lang="en-US" smtClean="0"/>
-              <a:t>1/7/2017</a:t>
+              <a:t>3/25/2018</a:t>
             </a:fld>
             <a:endParaRPr lang="en-US"/>
           </a:p>
@@ -1698,7 +1698,7 @@
           <a:p>
             <a:fld id="{78C97017-6FC3-485B-9764-EAC9E56C1D49}" type="datetimeFigureOut">
               <a:rPr lang="en-US" smtClean="0"/>
-              <a:t>1/7/2017</a:t>
+              <a:t>3/25/2018</a:t>
             </a:fld>
             <a:endParaRPr lang="en-US"/>
           </a:p>
@@ -2117,7 +2117,7 @@
           <a:p>
             <a:fld id="{78C97017-6FC3-485B-9764-EAC9E56C1D49}" type="datetimeFigureOut">
               <a:rPr lang="en-US" smtClean="0"/>
-              <a:t>1/7/2017</a:t>
+              <a:t>3/25/2018</a:t>
             </a:fld>
             <a:endParaRPr lang="en-US"/>
           </a:p>
@@ -2234,7 +2234,7 @@
           <a:p>
             <a:fld id="{78C97017-6FC3-485B-9764-EAC9E56C1D49}" type="datetimeFigureOut">
               <a:rPr lang="en-US" smtClean="0"/>
-              <a:t>1/7/2017</a:t>
+              <a:t>3/25/2018</a:t>
             </a:fld>
             <a:endParaRPr lang="en-US"/>
           </a:p>
@@ -2329,7 +2329,7 @@
           <a:p>
             <a:fld id="{78C97017-6FC3-485B-9764-EAC9E56C1D49}" type="datetimeFigureOut">
               <a:rPr lang="en-US" smtClean="0"/>
-              <a:t>1/7/2017</a:t>
+              <a:t>3/25/2018</a:t>
             </a:fld>
             <a:endParaRPr lang="en-US"/>
           </a:p>
@@ -2604,7 +2604,7 @@
           <a:p>
             <a:fld id="{78C97017-6FC3-485B-9764-EAC9E56C1D49}" type="datetimeFigureOut">
               <a:rPr lang="en-US" smtClean="0"/>
-              <a:t>1/7/2017</a:t>
+              <a:t>3/25/2018</a:t>
             </a:fld>
             <a:endParaRPr lang="en-US"/>
           </a:p>
@@ -2856,7 +2856,7 @@
           <a:p>
             <a:fld id="{78C97017-6FC3-485B-9764-EAC9E56C1D49}" type="datetimeFigureOut">
               <a:rPr lang="en-US" smtClean="0"/>
-              <a:t>1/7/2017</a:t>
+              <a:t>3/25/2018</a:t>
             </a:fld>
             <a:endParaRPr lang="en-US"/>
           </a:p>
@@ -3067,7 +3067,7 @@
           <a:p>
             <a:fld id="{78C97017-6FC3-485B-9764-EAC9E56C1D49}" type="datetimeFigureOut">
               <a:rPr lang="en-US" smtClean="0"/>
-              <a:t>1/7/2017</a:t>
+              <a:t>3/25/2018</a:t>
             </a:fld>
             <a:endParaRPr lang="en-US"/>
           </a:p>
@@ -3885,8 +3885,8 @@
         </p:nvSpPr>
         <p:spPr>
           <a:xfrm>
-            <a:off x="2592528" y="3649359"/>
-            <a:ext cx="1093635" cy="236841"/>
+            <a:off x="3974402" y="3485412"/>
+            <a:ext cx="1040400" cy="236841"/>
           </a:xfrm>
           <a:prstGeom prst="rect">
             <a:avLst/>
@@ -4065,7 +4065,7 @@
         </p:nvSpPr>
         <p:spPr>
           <a:xfrm>
-            <a:off x="3839323" y="4228801"/>
+            <a:off x="3962783" y="4217675"/>
             <a:ext cx="1040906" cy="236841"/>
           </a:xfrm>
           <a:prstGeom prst="rect">
@@ -4330,15 +4330,16 @@
         <p:nvCxnSpPr>
           <p:cNvPr id="44" name="Elbow Connector 63"/>
           <p:cNvCxnSpPr>
+            <a:cxnSpLocks/>
             <a:stCxn id="39" idx="2"/>
-            <a:endCxn id="34" idx="1"/>
+            <a:endCxn id="45" idx="1"/>
           </p:cNvCxnSpPr>
           <p:nvPr/>
         </p:nvCxnSpPr>
         <p:spPr>
           <a:xfrm rot="16200000" flipH="1">
-            <a:off x="2054450" y="3229701"/>
-            <a:ext cx="899755" cy="176402"/>
+            <a:off x="2053593" y="3230557"/>
+            <a:ext cx="901464" cy="176399"/>
           </a:xfrm>
           <a:prstGeom prst="bentConnector2">
             <a:avLst/>
@@ -4620,8 +4621,8 @@
         </p:nvCxnSpPr>
         <p:spPr>
           <a:xfrm rot="5400000">
-            <a:off x="4174488" y="2991741"/>
-            <a:ext cx="2061222" cy="649740"/>
+            <a:off x="4241781" y="3047908"/>
+            <a:ext cx="2050096" cy="526280"/>
           </a:xfrm>
           <a:prstGeom prst="bentConnector2">
             <a:avLst/>
@@ -4654,6 +4655,7 @@
         <p:nvCxnSpPr>
           <p:cNvPr id="82" name="Elbow Connector 63"/>
           <p:cNvCxnSpPr>
+            <a:cxnSpLocks/>
             <a:stCxn id="16" idx="3"/>
             <a:endCxn id="34" idx="3"/>
           </p:cNvCxnSpPr>
@@ -4661,8 +4663,8 @@
         </p:nvCxnSpPr>
         <p:spPr>
           <a:xfrm rot="5400000">
-            <a:off x="3867176" y="2104987"/>
-            <a:ext cx="1481780" cy="1843806"/>
+            <a:off x="4613470" y="2687333"/>
+            <a:ext cx="1317833" cy="515167"/>
           </a:xfrm>
           <a:prstGeom prst="bentConnector2">
             <a:avLst/>
@@ -5168,8 +5170,8 @@
         </p:nvCxnSpPr>
         <p:spPr>
           <a:xfrm rot="16200000" flipH="1">
-            <a:off x="3430123" y="3938021"/>
-            <a:ext cx="118421" cy="699979"/>
+            <a:off x="3497416" y="3870728"/>
+            <a:ext cx="107295" cy="823439"/>
           </a:xfrm>
           <a:prstGeom prst="bentConnector2">
             <a:avLst/>
@@ -5509,6 +5511,332 @@
           </a:p>
         </p:txBody>
       </p:sp>
+      <p:sp>
+        <p:nvSpPr>
+          <p:cNvPr id="45" name="Rectangle 11">
+            <a:extLst>
+              <a:ext uri="{FF2B5EF4-FFF2-40B4-BE49-F238E27FC236}">
+                <a16:creationId xmlns:a16="http://schemas.microsoft.com/office/drawing/2014/main" id="{50ECE6AA-BF83-469B-AE5B-225A6A375CB4}"/>
+              </a:ext>
+            </a:extLst>
+          </p:cNvPr>
+          <p:cNvSpPr/>
+          <p:nvPr/>
+        </p:nvSpPr>
+        <p:spPr>
+          <a:xfrm>
+            <a:off x="2592525" y="3651068"/>
+            <a:ext cx="1093635" cy="236841"/>
+          </a:xfrm>
+          <a:prstGeom prst="rect">
+            <a:avLst/>
+          </a:prstGeom>
+          <a:ln w="19050">
+            <a:solidFill>
+              <a:schemeClr val="accent3"/>
+            </a:solidFill>
+          </a:ln>
+          <a:effectLst/>
+        </p:spPr>
+        <p:style>
+          <a:lnRef idx="1">
+            <a:schemeClr val="accent3"/>
+          </a:lnRef>
+          <a:fillRef idx="2">
+            <a:schemeClr val="accent3"/>
+          </a:fillRef>
+          <a:effectRef idx="1">
+            <a:schemeClr val="accent3"/>
+          </a:effectRef>
+          <a:fontRef idx="minor">
+            <a:schemeClr val="dk1"/>
+          </a:fontRef>
+        </p:style>
+        <p:txBody>
+          <a:bodyPr rtlCol="0" anchor="ctr"/>
+          <a:lstStyle/>
+          <a:p>
+            <a:pPr algn="ctr"/>
+            <a:r>
+              <a:rPr lang="en-US" sz="1050" b="1" dirty="0" err="1">
+                <a:solidFill>
+                  <a:schemeClr val="accent3">
+                    <a:lumMod val="75000"/>
+                  </a:schemeClr>
+                </a:solidFill>
+              </a:rPr>
+              <a:t>InfoPanel</a:t>
+            </a:r>
+            <a:endParaRPr lang="en-SG" sz="1050" b="1" dirty="0">
+              <a:solidFill>
+                <a:schemeClr val="accent3">
+                  <a:lumMod val="75000"/>
+                </a:schemeClr>
+              </a:solidFill>
+            </a:endParaRPr>
+          </a:p>
+        </p:txBody>
+      </p:sp>
+      <p:cxnSp>
+        <p:nvCxnSpPr>
+          <p:cNvPr id="48" name="Elbow Connector 63">
+            <a:extLst>
+              <a:ext uri="{FF2B5EF4-FFF2-40B4-BE49-F238E27FC236}">
+                <a16:creationId xmlns:a16="http://schemas.microsoft.com/office/drawing/2014/main" id="{A4525834-5246-4F67-8B26-73ACEA221F26}"/>
+              </a:ext>
+            </a:extLst>
+          </p:cNvPr>
+          <p:cNvCxnSpPr>
+            <a:cxnSpLocks/>
+            <a:stCxn id="45" idx="3"/>
+            <a:endCxn id="34" idx="1"/>
+          </p:cNvCxnSpPr>
+          <p:nvPr/>
+        </p:nvCxnSpPr>
+        <p:spPr>
+          <a:xfrm flipV="1">
+            <a:off x="3686160" y="3603833"/>
+            <a:ext cx="288242" cy="165656"/>
+          </a:xfrm>
+          <a:prstGeom prst="bentConnector3">
+            <a:avLst>
+              <a:gd name="adj1" fmla="val 50000"/>
+            </a:avLst>
+          </a:prstGeom>
+          <a:ln w="19050">
+            <a:solidFill>
+              <a:schemeClr val="accent3"/>
+            </a:solidFill>
+            <a:headEnd type="none" w="med" len="med"/>
+            <a:tailEnd type="arrow" w="med" len="med"/>
+          </a:ln>
+          <a:effectLst/>
+        </p:spPr>
+        <p:style>
+          <a:lnRef idx="1">
+            <a:schemeClr val="accent2"/>
+          </a:lnRef>
+          <a:fillRef idx="2">
+            <a:schemeClr val="accent2"/>
+          </a:fillRef>
+          <a:effectRef idx="1">
+            <a:schemeClr val="accent2"/>
+          </a:effectRef>
+          <a:fontRef idx="minor">
+            <a:schemeClr val="dk1"/>
+          </a:fontRef>
+        </p:style>
+      </p:cxnSp>
+      <p:cxnSp>
+        <p:nvCxnSpPr>
+          <p:cNvPr id="52" name="Elbow Connector 63">
+            <a:extLst>
+              <a:ext uri="{FF2B5EF4-FFF2-40B4-BE49-F238E27FC236}">
+                <a16:creationId xmlns:a16="http://schemas.microsoft.com/office/drawing/2014/main" id="{F1918F0C-9020-408E-B183-73073A05F3D2}"/>
+              </a:ext>
+            </a:extLst>
+          </p:cNvPr>
+          <p:cNvCxnSpPr>
+            <a:cxnSpLocks/>
+            <a:stCxn id="16" idx="3"/>
+          </p:cNvCxnSpPr>
+          <p:nvPr/>
+        </p:nvCxnSpPr>
+        <p:spPr>
+          <a:xfrm rot="5400000">
+            <a:off x="3868899" y="2123986"/>
+            <a:ext cx="1499056" cy="1823084"/>
+          </a:xfrm>
+          <a:prstGeom prst="bentConnector2">
+            <a:avLst/>
+          </a:prstGeom>
+          <a:ln w="6350">
+            <a:solidFill>
+              <a:schemeClr val="accent3"/>
+            </a:solidFill>
+            <a:headEnd type="none" w="med" len="med"/>
+            <a:tailEnd type="none" w="med" len="med"/>
+          </a:ln>
+          <a:effectLst/>
+        </p:spPr>
+        <p:style>
+          <a:lnRef idx="1">
+            <a:schemeClr val="accent2"/>
+          </a:lnRef>
+          <a:fillRef idx="2">
+            <a:schemeClr val="accent2"/>
+          </a:fillRef>
+          <a:effectRef idx="1">
+            <a:schemeClr val="accent2"/>
+          </a:effectRef>
+          <a:fontRef idx="minor">
+            <a:schemeClr val="dk1"/>
+          </a:fontRef>
+        </p:style>
+      </p:cxnSp>
+      <p:sp>
+        <p:nvSpPr>
+          <p:cNvPr id="55" name="Rectangle 11">
+            <a:extLst>
+              <a:ext uri="{FF2B5EF4-FFF2-40B4-BE49-F238E27FC236}">
+                <a16:creationId xmlns:a16="http://schemas.microsoft.com/office/drawing/2014/main" id="{EF3C6991-2DEC-4F99-A3A9-F1121B2D240A}"/>
+              </a:ext>
+            </a:extLst>
+          </p:cNvPr>
+          <p:cNvSpPr/>
+          <p:nvPr/>
+        </p:nvSpPr>
+        <p:spPr>
+          <a:xfrm>
+            <a:off x="3962783" y="3836885"/>
+            <a:ext cx="1040400" cy="236841"/>
+          </a:xfrm>
+          <a:prstGeom prst="rect">
+            <a:avLst/>
+          </a:prstGeom>
+          <a:ln w="19050">
+            <a:solidFill>
+              <a:schemeClr val="accent3"/>
+            </a:solidFill>
+          </a:ln>
+          <a:effectLst/>
+        </p:spPr>
+        <p:style>
+          <a:lnRef idx="1">
+            <a:schemeClr val="accent3"/>
+          </a:lnRef>
+          <a:fillRef idx="2">
+            <a:schemeClr val="accent3"/>
+          </a:fillRef>
+          <a:effectRef idx="1">
+            <a:schemeClr val="accent3"/>
+          </a:effectRef>
+          <a:fontRef idx="minor">
+            <a:schemeClr val="dk1"/>
+          </a:fontRef>
+        </p:style>
+        <p:txBody>
+          <a:bodyPr rtlCol="0" anchor="ctr"/>
+          <a:lstStyle/>
+          <a:p>
+            <a:pPr algn="ctr"/>
+            <a:r>
+              <a:rPr lang="en-US" sz="1050" b="1" dirty="0" err="1">
+                <a:solidFill>
+                  <a:schemeClr val="accent3">
+                    <a:lumMod val="75000"/>
+                  </a:schemeClr>
+                </a:solidFill>
+              </a:rPr>
+              <a:t>BirthdayList</a:t>
+            </a:r>
+            <a:endParaRPr lang="en-SG" sz="1050" b="1" dirty="0">
+              <a:solidFill>
+                <a:schemeClr val="accent3">
+                  <a:lumMod val="75000"/>
+                </a:schemeClr>
+              </a:solidFill>
+            </a:endParaRPr>
+          </a:p>
+        </p:txBody>
+      </p:sp>
+      <p:cxnSp>
+        <p:nvCxnSpPr>
+          <p:cNvPr id="58" name="Elbow Connector 63">
+            <a:extLst>
+              <a:ext uri="{FF2B5EF4-FFF2-40B4-BE49-F238E27FC236}">
+                <a16:creationId xmlns:a16="http://schemas.microsoft.com/office/drawing/2014/main" id="{9E318F79-EA9F-43F7-9754-4E287E7663D0}"/>
+              </a:ext>
+            </a:extLst>
+          </p:cNvPr>
+          <p:cNvCxnSpPr>
+            <a:cxnSpLocks/>
+            <a:endCxn id="55" idx="3"/>
+          </p:cNvCxnSpPr>
+          <p:nvPr/>
+        </p:nvCxnSpPr>
+        <p:spPr>
+          <a:xfrm rot="5400000">
+            <a:off x="4452405" y="2869933"/>
+            <a:ext cx="1636151" cy="534594"/>
+          </a:xfrm>
+          <a:prstGeom prst="bentConnector2">
+            <a:avLst/>
+          </a:prstGeom>
+          <a:ln w="6350">
+            <a:solidFill>
+              <a:schemeClr val="accent3"/>
+            </a:solidFill>
+            <a:headEnd type="none" w="med" len="med"/>
+            <a:tailEnd type="none" w="med" len="med"/>
+          </a:ln>
+          <a:effectLst/>
+        </p:spPr>
+        <p:style>
+          <a:lnRef idx="1">
+            <a:schemeClr val="accent2"/>
+          </a:lnRef>
+          <a:fillRef idx="2">
+            <a:schemeClr val="accent2"/>
+          </a:fillRef>
+          <a:effectRef idx="1">
+            <a:schemeClr val="accent2"/>
+          </a:effectRef>
+          <a:fontRef idx="minor">
+            <a:schemeClr val="dk1"/>
+          </a:fontRef>
+        </p:style>
+      </p:cxnSp>
+      <p:cxnSp>
+        <p:nvCxnSpPr>
+          <p:cNvPr id="63" name="Elbow Connector 63">
+            <a:extLst>
+              <a:ext uri="{FF2B5EF4-FFF2-40B4-BE49-F238E27FC236}">
+                <a16:creationId xmlns:a16="http://schemas.microsoft.com/office/drawing/2014/main" id="{3DAE4C40-D984-4A46-A10D-31EC7B0AD5F3}"/>
+              </a:ext>
+            </a:extLst>
+          </p:cNvPr>
+          <p:cNvCxnSpPr>
+            <a:cxnSpLocks/>
+            <a:stCxn id="45" idx="3"/>
+            <a:endCxn id="55" idx="1"/>
+          </p:cNvCxnSpPr>
+          <p:nvPr/>
+        </p:nvCxnSpPr>
+        <p:spPr>
+          <a:xfrm>
+            <a:off x="3686160" y="3769489"/>
+            <a:ext cx="276623" cy="185817"/>
+          </a:xfrm>
+          <a:prstGeom prst="bentConnector3">
+            <a:avLst>
+              <a:gd name="adj1" fmla="val 50000"/>
+            </a:avLst>
+          </a:prstGeom>
+          <a:ln w="19050">
+            <a:solidFill>
+              <a:schemeClr val="accent3"/>
+            </a:solidFill>
+            <a:headEnd type="none" w="med" len="med"/>
+            <a:tailEnd type="arrow" w="med" len="med"/>
+          </a:ln>
+          <a:effectLst/>
+        </p:spPr>
+        <p:style>
+          <a:lnRef idx="1">
+            <a:schemeClr val="accent2"/>
+          </a:lnRef>
+          <a:fillRef idx="2">
+            <a:schemeClr val="accent2"/>
+          </a:fillRef>
+          <a:effectRef idx="1">
+            <a:schemeClr val="accent2"/>
+          </a:effectRef>
+          <a:fontRef idx="minor">
+            <a:schemeClr val="dk1"/>
+          </a:fontRef>
+        </p:style>
+      </p:cxnSp>
     </p:spTree>
     <p:extLst>
       <p:ext uri="{BB962C8B-B14F-4D97-AF65-F5344CB8AC3E}">

--- a/docs/diagrams/UiComponentClassDiagram.pptx
+++ b/docs/diagrams/UiComponentClassDiagram.pptx
@@ -109,7 +109,7 @@
   </p:defaultTextStyle>
   <p:extLst>
     <p:ext uri="{EFAFB233-063F-42B5-8137-9DF3F51BA10A}">
-      <p15:sldGuideLst xmlns:p15="http://schemas.microsoft.com/office/powerpoint/2012/main">
+      <p15:sldGuideLst xmlns="" xmlns:p15="http://schemas.microsoft.com/office/powerpoint/2012/main">
         <p15:guide id="1" orient="horz" pos="1488">
           <p15:clr>
             <a:srgbClr val="A4A3A4"/>
@@ -208,7 +208,7 @@
           <a:p>
             <a:fld id="{F5CC4B3F-88C1-4FFA-B1B6-F41C21DC6924}" type="datetimeFigureOut">
               <a:rPr lang="en-US" smtClean="0"/>
-              <a:t>1/7/2017</a:t>
+              <a:t>4/4/2018</a:t>
             </a:fld>
             <a:endParaRPr lang="en-US"/>
           </a:p>
@@ -654,7 +654,7 @@
           <a:p>
             <a:fld id="{78C97017-6FC3-485B-9764-EAC9E56C1D49}" type="datetimeFigureOut">
               <a:rPr lang="en-US" smtClean="0"/>
-              <a:t>1/7/2017</a:t>
+              <a:t>4/4/2018</a:t>
             </a:fld>
             <a:endParaRPr lang="en-US"/>
           </a:p>
@@ -822,7 +822,7 @@
           <a:p>
             <a:fld id="{78C97017-6FC3-485B-9764-EAC9E56C1D49}" type="datetimeFigureOut">
               <a:rPr lang="en-US" smtClean="0"/>
-              <a:t>1/7/2017</a:t>
+              <a:t>4/4/2018</a:t>
             </a:fld>
             <a:endParaRPr lang="en-US"/>
           </a:p>
@@ -1000,7 +1000,7 @@
           <a:p>
             <a:fld id="{78C97017-6FC3-485B-9764-EAC9E56C1D49}" type="datetimeFigureOut">
               <a:rPr lang="en-US" smtClean="0"/>
-              <a:t>1/7/2017</a:t>
+              <a:t>4/4/2018</a:t>
             </a:fld>
             <a:endParaRPr lang="en-US"/>
           </a:p>
@@ -1168,7 +1168,7 @@
           <a:p>
             <a:fld id="{78C97017-6FC3-485B-9764-EAC9E56C1D49}" type="datetimeFigureOut">
               <a:rPr lang="en-US" smtClean="0"/>
-              <a:t>1/7/2017</a:t>
+              <a:t>4/4/2018</a:t>
             </a:fld>
             <a:endParaRPr lang="en-US"/>
           </a:p>
@@ -1413,7 +1413,7 @@
           <a:p>
             <a:fld id="{78C97017-6FC3-485B-9764-EAC9E56C1D49}" type="datetimeFigureOut">
               <a:rPr lang="en-US" smtClean="0"/>
-              <a:t>1/7/2017</a:t>
+              <a:t>4/4/2018</a:t>
             </a:fld>
             <a:endParaRPr lang="en-US"/>
           </a:p>
@@ -1698,7 +1698,7 @@
           <a:p>
             <a:fld id="{78C97017-6FC3-485B-9764-EAC9E56C1D49}" type="datetimeFigureOut">
               <a:rPr lang="en-US" smtClean="0"/>
-              <a:t>1/7/2017</a:t>
+              <a:t>4/4/2018</a:t>
             </a:fld>
             <a:endParaRPr lang="en-US"/>
           </a:p>
@@ -2117,7 +2117,7 @@
           <a:p>
             <a:fld id="{78C97017-6FC3-485B-9764-EAC9E56C1D49}" type="datetimeFigureOut">
               <a:rPr lang="en-US" smtClean="0"/>
-              <a:t>1/7/2017</a:t>
+              <a:t>4/4/2018</a:t>
             </a:fld>
             <a:endParaRPr lang="en-US"/>
           </a:p>
@@ -2234,7 +2234,7 @@
           <a:p>
             <a:fld id="{78C97017-6FC3-485B-9764-EAC9E56C1D49}" type="datetimeFigureOut">
               <a:rPr lang="en-US" smtClean="0"/>
-              <a:t>1/7/2017</a:t>
+              <a:t>4/4/2018</a:t>
             </a:fld>
             <a:endParaRPr lang="en-US"/>
           </a:p>
@@ -2329,7 +2329,7 @@
           <a:p>
             <a:fld id="{78C97017-6FC3-485B-9764-EAC9E56C1D49}" type="datetimeFigureOut">
               <a:rPr lang="en-US" smtClean="0"/>
-              <a:t>1/7/2017</a:t>
+              <a:t>4/4/2018</a:t>
             </a:fld>
             <a:endParaRPr lang="en-US"/>
           </a:p>
@@ -2604,7 +2604,7 @@
           <a:p>
             <a:fld id="{78C97017-6FC3-485B-9764-EAC9E56C1D49}" type="datetimeFigureOut">
               <a:rPr lang="en-US" smtClean="0"/>
-              <a:t>1/7/2017</a:t>
+              <a:t>4/4/2018</a:t>
             </a:fld>
             <a:endParaRPr lang="en-US"/>
           </a:p>
@@ -2856,7 +2856,7 @@
           <a:p>
             <a:fld id="{78C97017-6FC3-485B-9764-EAC9E56C1D49}" type="datetimeFigureOut">
               <a:rPr lang="en-US" smtClean="0"/>
-              <a:t>1/7/2017</a:t>
+              <a:t>4/4/2018</a:t>
             </a:fld>
             <a:endParaRPr lang="en-US"/>
           </a:p>
@@ -3067,7 +3067,7 @@
           <a:p>
             <a:fld id="{78C97017-6FC3-485B-9764-EAC9E56C1D49}" type="datetimeFigureOut">
               <a:rPr lang="en-US" smtClean="0"/>
-              <a:t>1/7/2017</a:t>
+              <a:t>4/4/2018</a:t>
             </a:fld>
             <a:endParaRPr lang="en-US"/>
           </a:p>
@@ -3572,7 +3572,7 @@
         </p:nvSpPr>
         <p:spPr>
           <a:xfrm>
-            <a:off x="2592528" y="2971800"/>
+            <a:off x="2592528" y="2948056"/>
             <a:ext cx="1093635" cy="236841"/>
           </a:xfrm>
           <a:prstGeom prst="rect">
@@ -3885,7 +3885,7 @@
         </p:nvSpPr>
         <p:spPr>
           <a:xfrm>
-            <a:off x="2592528" y="3649359"/>
+            <a:off x="2592528" y="3582887"/>
             <a:ext cx="1093635" cy="236841"/>
           </a:xfrm>
           <a:prstGeom prst="rect">
@@ -3945,7 +3945,7 @@
         </p:nvSpPr>
         <p:spPr>
           <a:xfrm>
-            <a:off x="2592527" y="4563759"/>
+            <a:off x="2592527" y="4648200"/>
             <a:ext cx="1093635" cy="236841"/>
           </a:xfrm>
           <a:prstGeom prst="rect">
@@ -4005,7 +4005,7 @@
         </p:nvSpPr>
         <p:spPr>
           <a:xfrm>
-            <a:off x="2592526" y="3991960"/>
+            <a:off x="2592526" y="3920177"/>
             <a:ext cx="1093635" cy="236841"/>
           </a:xfrm>
           <a:prstGeom prst="rect">
@@ -4038,74 +4038,14 @@
           <a:p>
             <a:pPr algn="ctr"/>
             <a:r>
-              <a:rPr lang="en-US" sz="1050" b="1" dirty="0" err="1">
+              <a:rPr lang="en-US" sz="1050" b="1" dirty="0" err="1" smtClean="0">
                 <a:solidFill>
                   <a:schemeClr val="accent3">
                     <a:lumMod val="75000"/>
                   </a:schemeClr>
                 </a:solidFill>
               </a:rPr>
-              <a:t>PersonListPanel</a:t>
-            </a:r>
-            <a:endParaRPr lang="en-SG" sz="1050" b="1" dirty="0">
-              <a:solidFill>
-                <a:schemeClr val="accent3">
-                  <a:lumMod val="75000"/>
-                </a:schemeClr>
-              </a:solidFill>
-            </a:endParaRPr>
-          </a:p>
-        </p:txBody>
-      </p:sp>
-      <p:sp>
-        <p:nvSpPr>
-          <p:cNvPr id="37" name="Rectangle 11"/>
-          <p:cNvSpPr/>
-          <p:nvPr/>
-        </p:nvSpPr>
-        <p:spPr>
-          <a:xfrm>
-            <a:off x="3839323" y="4228801"/>
-            <a:ext cx="1040906" cy="236841"/>
-          </a:xfrm>
-          <a:prstGeom prst="rect">
-            <a:avLst/>
-          </a:prstGeom>
-          <a:ln w="19050">
-            <a:solidFill>
-              <a:schemeClr val="accent3"/>
-            </a:solidFill>
-          </a:ln>
-          <a:effectLst/>
-        </p:spPr>
-        <p:style>
-          <a:lnRef idx="1">
-            <a:schemeClr val="accent3"/>
-          </a:lnRef>
-          <a:fillRef idx="2">
-            <a:schemeClr val="accent3"/>
-          </a:fillRef>
-          <a:effectRef idx="1">
-            <a:schemeClr val="accent3"/>
-          </a:effectRef>
-          <a:fontRef idx="minor">
-            <a:schemeClr val="dk1"/>
-          </a:fontRef>
-        </p:style>
-        <p:txBody>
-          <a:bodyPr rtlCol="0" anchor="ctr"/>
-          <a:lstStyle/>
-          <a:p>
-            <a:pPr algn="ctr"/>
-            <a:r>
-              <a:rPr lang="en-US" sz="1050" b="1" dirty="0" err="1">
-                <a:solidFill>
-                  <a:schemeClr val="accent3">
-                    <a:lumMod val="75000"/>
-                  </a:schemeClr>
-                </a:solidFill>
-              </a:rPr>
-              <a:t>PersonCard</a:t>
+              <a:t>TaskListPanel</a:t>
             </a:r>
             <a:endParaRPr lang="en-SG" sz="1050" b="1" dirty="0">
               <a:solidFill>
@@ -4236,8 +4176,8 @@
         </p:nvCxnSpPr>
         <p:spPr>
           <a:xfrm rot="16200000" flipH="1">
-            <a:off x="2393229" y="2890922"/>
-            <a:ext cx="222196" cy="176402"/>
+            <a:off x="2405101" y="2879050"/>
+            <a:ext cx="198452" cy="176402"/>
           </a:xfrm>
           <a:prstGeom prst="bentConnector2">
             <a:avLst/>
@@ -4274,7 +4214,7 @@
         </p:nvSpPr>
         <p:spPr>
           <a:xfrm>
-            <a:off x="2590799" y="3304308"/>
+            <a:off x="2590799" y="3251840"/>
             <a:ext cx="1095361" cy="236841"/>
           </a:xfrm>
           <a:prstGeom prst="rect">
@@ -4337,8 +4277,8 @@
         </p:nvCxnSpPr>
         <p:spPr>
           <a:xfrm rot="16200000" flipH="1">
-            <a:off x="2054450" y="3229701"/>
-            <a:ext cx="899755" cy="176402"/>
+            <a:off x="2087686" y="3196465"/>
+            <a:ext cx="833283" cy="176402"/>
           </a:xfrm>
           <a:prstGeom prst="bentConnector2">
             <a:avLst/>
@@ -4378,8 +4318,8 @@
         </p:nvCxnSpPr>
         <p:spPr>
           <a:xfrm rot="16200000" flipH="1">
-            <a:off x="1883148" y="3401003"/>
-            <a:ext cx="1242356" cy="176400"/>
+            <a:off x="1919040" y="3365111"/>
+            <a:ext cx="1170573" cy="176400"/>
           </a:xfrm>
           <a:prstGeom prst="bentConnector2">
             <a:avLst/>
@@ -4413,14 +4353,14 @@
           <p:cNvPr id="50" name="Elbow Connector 63"/>
           <p:cNvCxnSpPr>
             <a:stCxn id="39" idx="2"/>
-            <a:endCxn id="35" idx="1"/>
+            <a:endCxn id="46" idx="1"/>
           </p:cNvCxnSpPr>
           <p:nvPr/>
         </p:nvCxnSpPr>
         <p:spPr>
           <a:xfrm rot="16200000" flipH="1">
-            <a:off x="1597249" y="3686901"/>
-            <a:ext cx="1814155" cy="176401"/>
+            <a:off x="1734931" y="3549219"/>
+            <a:ext cx="1537063" cy="174673"/>
           </a:xfrm>
           <a:prstGeom prst="bentConnector2">
             <a:avLst/>
@@ -4580,7 +4520,7 @@
         <p:spPr>
           <a:xfrm flipV="1">
             <a:off x="3686160" y="2286000"/>
-            <a:ext cx="1843809" cy="1136729"/>
+            <a:ext cx="1843809" cy="1084261"/>
           </a:xfrm>
           <a:prstGeom prst="bentConnector2">
             <a:avLst/>
@@ -4620,8 +4560,8 @@
         </p:nvCxnSpPr>
         <p:spPr>
           <a:xfrm rot="5400000">
-            <a:off x="4174488" y="2991741"/>
-            <a:ext cx="2061222" cy="649740"/>
+            <a:off x="4511627" y="3210270"/>
+            <a:ext cx="1942613" cy="94073"/>
           </a:xfrm>
           <a:prstGeom prst="bentConnector2">
             <a:avLst/>
@@ -4661,8 +4601,8 @@
         </p:nvCxnSpPr>
         <p:spPr>
           <a:xfrm rot="5400000">
-            <a:off x="3867176" y="2104987"/>
-            <a:ext cx="1481780" cy="1843806"/>
+            <a:off x="3900412" y="2071751"/>
+            <a:ext cx="1415308" cy="1843806"/>
           </a:xfrm>
           <a:prstGeom prst="bentConnector2">
             <a:avLst/>
@@ -4743,8 +4683,8 @@
         </p:nvCxnSpPr>
         <p:spPr>
           <a:xfrm rot="5400000">
-            <a:off x="3409976" y="2562187"/>
-            <a:ext cx="2396180" cy="1843807"/>
+            <a:off x="3367756" y="2604407"/>
+            <a:ext cx="2480621" cy="1843807"/>
           </a:xfrm>
           <a:prstGeom prst="bentConnector2">
             <a:avLst/>
@@ -5086,8 +5026,8 @@
         </p:nvCxnSpPr>
         <p:spPr>
           <a:xfrm rot="16200000" flipH="1">
-            <a:off x="2226110" y="3058040"/>
-            <a:ext cx="554704" cy="174673"/>
+            <a:off x="2252344" y="3031806"/>
+            <a:ext cx="502236" cy="174673"/>
           </a:xfrm>
           <a:prstGeom prst="bentConnector2">
             <a:avLst/>
@@ -5127,8 +5067,8 @@
         </p:nvCxnSpPr>
         <p:spPr>
           <a:xfrm rot="5400000">
-            <a:off x="4205956" y="1766207"/>
-            <a:ext cx="804221" cy="1843806"/>
+            <a:off x="4217828" y="1754335"/>
+            <a:ext cx="780477" cy="1843806"/>
           </a:xfrm>
           <a:prstGeom prst="bentConnector2">
             <a:avLst/>
@@ -5161,18 +5101,20 @@
         <p:nvCxnSpPr>
           <p:cNvPr id="137" name="Elbow Connector 136"/>
           <p:cNvCxnSpPr>
-            <a:stCxn id="36" idx="2"/>
+            <a:stCxn id="36" idx="3"/>
             <a:endCxn id="37" idx="1"/>
           </p:cNvCxnSpPr>
           <p:nvPr/>
         </p:nvCxnSpPr>
         <p:spPr>
-          <a:xfrm rot="16200000" flipH="1">
-            <a:off x="3430123" y="3938021"/>
-            <a:ext cx="118421" cy="699979"/>
-          </a:xfrm>
-          <a:prstGeom prst="bentConnector2">
-            <a:avLst/>
+          <a:xfrm>
+            <a:off x="3686161" y="4038598"/>
+            <a:ext cx="708829" cy="190015"/>
+          </a:xfrm>
+          <a:prstGeom prst="bentConnector3">
+            <a:avLst>
+              <a:gd name="adj1" fmla="val 50000"/>
+            </a:avLst>
           </a:prstGeom>
           <a:ln w="19050">
             <a:solidFill>
@@ -5209,8 +5151,8 @@
         </p:nvCxnSpPr>
         <p:spPr>
           <a:xfrm rot="5400000">
-            <a:off x="3695875" y="2276286"/>
-            <a:ext cx="1824381" cy="1843808"/>
+            <a:off x="3731766" y="2240395"/>
+            <a:ext cx="1752598" cy="1843808"/>
           </a:xfrm>
           <a:prstGeom prst="bentConnector2">
             <a:avLst/>
@@ -5435,8 +5377,391 @@
         </p:nvSpPr>
         <p:spPr>
           <a:xfrm flipV="1">
-            <a:off x="4114799" y="4472708"/>
-            <a:ext cx="2642195" cy="101600"/>
+            <a:off x="4874910" y="4347032"/>
+            <a:ext cx="1834647" cy="141105"/>
+          </a:xfrm>
+          <a:custGeom>
+            <a:avLst/>
+            <a:gdLst>
+              <a:gd name="connsiteX0" fmla="*/ 0 w 3048000"/>
+              <a:gd name="connsiteY0" fmla="*/ 203200 h 203200"/>
+              <a:gd name="connsiteX1" fmla="*/ 221673 w 3048000"/>
+              <a:gd name="connsiteY1" fmla="*/ 0 h 203200"/>
+              <a:gd name="connsiteX2" fmla="*/ 3048000 w 3048000"/>
+              <a:gd name="connsiteY2" fmla="*/ 0 h 203200"/>
+            </a:gdLst>
+            <a:ahLst/>
+            <a:cxnLst>
+              <a:cxn ang="0">
+                <a:pos x="connsiteX0" y="connsiteY0"/>
+              </a:cxn>
+              <a:cxn ang="0">
+                <a:pos x="connsiteX1" y="connsiteY1"/>
+              </a:cxn>
+              <a:cxn ang="0">
+                <a:pos x="connsiteX2" y="connsiteY2"/>
+              </a:cxn>
+            </a:cxnLst>
+            <a:rect l="l" t="t" r="r" b="b"/>
+            <a:pathLst>
+              <a:path w="3048000" h="203200">
+                <a:moveTo>
+                  <a:pt x="0" y="203200"/>
+                </a:moveTo>
+                <a:lnTo>
+                  <a:pt x="221673" y="0"/>
+                </a:lnTo>
+                <a:lnTo>
+                  <a:pt x="3048000" y="0"/>
+                </a:lnTo>
+              </a:path>
+            </a:pathLst>
+          </a:custGeom>
+          <a:noFill/>
+          <a:ln w="19050">
+            <a:solidFill>
+              <a:schemeClr val="accent3"/>
+            </a:solidFill>
+            <a:prstDash val="sysDot"/>
+            <a:headEnd type="none" w="med" len="med"/>
+            <a:tailEnd type="arrow" w="med" len="med"/>
+          </a:ln>
+          <a:effectLst/>
+        </p:spPr>
+        <p:style>
+          <a:lnRef idx="1">
+            <a:schemeClr val="accent2"/>
+          </a:lnRef>
+          <a:fillRef idx="2">
+            <a:schemeClr val="accent2"/>
+          </a:fillRef>
+          <a:effectRef idx="1">
+            <a:schemeClr val="accent2"/>
+          </a:effectRef>
+          <a:fontRef idx="minor">
+            <a:schemeClr val="dk1"/>
+          </a:fontRef>
+        </p:style>
+        <p:txBody>
+          <a:bodyPr rtlCol="0" anchor="ctr"/>
+          <a:lstStyle/>
+          <a:p>
+            <a:pPr algn="ctr"/>
+            <a:endParaRPr lang="en-SG"/>
+          </a:p>
+        </p:txBody>
+      </p:sp>
+      <p:sp>
+        <p:nvSpPr>
+          <p:cNvPr id="46" name="Rectangle 11"/>
+          <p:cNvSpPr/>
+          <p:nvPr/>
+        </p:nvSpPr>
+        <p:spPr>
+          <a:xfrm>
+            <a:off x="2590799" y="4286667"/>
+            <a:ext cx="1093635" cy="236841"/>
+          </a:xfrm>
+          <a:prstGeom prst="rect">
+            <a:avLst/>
+          </a:prstGeom>
+          <a:ln w="19050">
+            <a:solidFill>
+              <a:schemeClr val="accent3"/>
+            </a:solidFill>
+          </a:ln>
+          <a:effectLst/>
+        </p:spPr>
+        <p:style>
+          <a:lnRef idx="1">
+            <a:schemeClr val="accent3"/>
+          </a:lnRef>
+          <a:fillRef idx="2">
+            <a:schemeClr val="accent3"/>
+          </a:fillRef>
+          <a:effectRef idx="1">
+            <a:schemeClr val="accent3"/>
+          </a:effectRef>
+          <a:fontRef idx="minor">
+            <a:schemeClr val="dk1"/>
+          </a:fontRef>
+        </p:style>
+        <p:txBody>
+          <a:bodyPr rtlCol="0" anchor="ctr"/>
+          <a:lstStyle/>
+          <a:p>
+            <a:pPr algn="ctr"/>
+            <a:r>
+              <a:rPr lang="en-US" sz="1050" b="1" dirty="0" err="1" smtClean="0">
+                <a:solidFill>
+                  <a:schemeClr val="accent3">
+                    <a:lumMod val="75000"/>
+                  </a:schemeClr>
+                </a:solidFill>
+              </a:rPr>
+              <a:t>EventListPanel</a:t>
+            </a:r>
+            <a:endParaRPr lang="en-SG" sz="1050" b="1" dirty="0">
+              <a:solidFill>
+                <a:schemeClr val="accent3">
+                  <a:lumMod val="75000"/>
+                </a:schemeClr>
+              </a:solidFill>
+            </a:endParaRPr>
+          </a:p>
+        </p:txBody>
+      </p:sp>
+      <p:cxnSp>
+        <p:nvCxnSpPr>
+          <p:cNvPr id="54" name="Elbow Connector 63"/>
+          <p:cNvCxnSpPr/>
+          <p:nvPr/>
+        </p:nvCxnSpPr>
+        <p:spPr>
+          <a:xfrm rot="16200000" flipH="1">
+            <a:off x="1710205" y="3888423"/>
+            <a:ext cx="1581724" cy="174673"/>
+          </a:xfrm>
+          <a:prstGeom prst="bentConnector2">
+            <a:avLst/>
+          </a:prstGeom>
+          <a:ln w="19050">
+            <a:solidFill>
+              <a:schemeClr val="accent3"/>
+            </a:solidFill>
+            <a:headEnd type="none" w="med" len="med"/>
+            <a:tailEnd type="arrow" w="med" len="med"/>
+          </a:ln>
+          <a:effectLst/>
+        </p:spPr>
+        <p:style>
+          <a:lnRef idx="1">
+            <a:schemeClr val="accent2"/>
+          </a:lnRef>
+          <a:fillRef idx="2">
+            <a:schemeClr val="accent2"/>
+          </a:fillRef>
+          <a:effectRef idx="1">
+            <a:schemeClr val="accent2"/>
+          </a:effectRef>
+          <a:fontRef idx="minor">
+            <a:schemeClr val="dk1"/>
+          </a:fontRef>
+        </p:style>
+      </p:cxnSp>
+      <p:cxnSp>
+        <p:nvCxnSpPr>
+          <p:cNvPr id="78" name="Elbow Connector 63"/>
+          <p:cNvCxnSpPr/>
+          <p:nvPr/>
+        </p:nvCxnSpPr>
+        <p:spPr>
+          <a:xfrm rot="10800000" flipV="1">
+            <a:off x="3687515" y="2438399"/>
+            <a:ext cx="1994854" cy="1966687"/>
+          </a:xfrm>
+          <a:prstGeom prst="bentConnector3">
+            <a:avLst>
+              <a:gd name="adj1" fmla="val 8063"/>
+            </a:avLst>
+          </a:prstGeom>
+          <a:ln w="6350">
+            <a:solidFill>
+              <a:schemeClr val="accent3"/>
+            </a:solidFill>
+            <a:headEnd type="none" w="med" len="med"/>
+            <a:tailEnd type="none" w="med" len="med"/>
+          </a:ln>
+          <a:effectLst/>
+        </p:spPr>
+        <p:style>
+          <a:lnRef idx="1">
+            <a:schemeClr val="accent2"/>
+          </a:lnRef>
+          <a:fillRef idx="2">
+            <a:schemeClr val="accent2"/>
+          </a:fillRef>
+          <a:effectRef idx="1">
+            <a:schemeClr val="accent2"/>
+          </a:effectRef>
+          <a:fontRef idx="minor">
+            <a:schemeClr val="dk1"/>
+          </a:fontRef>
+        </p:style>
+      </p:cxnSp>
+      <p:sp>
+        <p:nvSpPr>
+          <p:cNvPr id="37" name="Rectangle 11"/>
+          <p:cNvSpPr/>
+          <p:nvPr/>
+        </p:nvSpPr>
+        <p:spPr>
+          <a:xfrm>
+            <a:off x="4394990" y="4110192"/>
+            <a:ext cx="1040906" cy="236841"/>
+          </a:xfrm>
+          <a:prstGeom prst="rect">
+            <a:avLst/>
+          </a:prstGeom>
+          <a:ln w="19050">
+            <a:solidFill>
+              <a:schemeClr val="accent3"/>
+            </a:solidFill>
+          </a:ln>
+          <a:effectLst/>
+        </p:spPr>
+        <p:style>
+          <a:lnRef idx="1">
+            <a:schemeClr val="accent3"/>
+          </a:lnRef>
+          <a:fillRef idx="2">
+            <a:schemeClr val="accent3"/>
+          </a:fillRef>
+          <a:effectRef idx="1">
+            <a:schemeClr val="accent3"/>
+          </a:effectRef>
+          <a:fontRef idx="minor">
+            <a:schemeClr val="dk1"/>
+          </a:fontRef>
+        </p:style>
+        <p:txBody>
+          <a:bodyPr rtlCol="0" anchor="ctr"/>
+          <a:lstStyle/>
+          <a:p>
+            <a:pPr algn="ctr"/>
+            <a:r>
+              <a:rPr lang="en-US" sz="1050" b="1" dirty="0" err="1" smtClean="0">
+                <a:solidFill>
+                  <a:schemeClr val="accent3">
+                    <a:lumMod val="75000"/>
+                  </a:schemeClr>
+                </a:solidFill>
+              </a:rPr>
+              <a:t>TaskCard</a:t>
+            </a:r>
+            <a:endParaRPr lang="en-SG" sz="1050" b="1" dirty="0">
+              <a:solidFill>
+                <a:schemeClr val="accent3">
+                  <a:lumMod val="75000"/>
+                </a:schemeClr>
+              </a:solidFill>
+            </a:endParaRPr>
+          </a:p>
+        </p:txBody>
+      </p:sp>
+      <p:sp>
+        <p:nvSpPr>
+          <p:cNvPr id="89" name="Rectangle 11"/>
+          <p:cNvSpPr/>
+          <p:nvPr/>
+        </p:nvSpPr>
+        <p:spPr>
+          <a:xfrm>
+            <a:off x="4383369" y="4566548"/>
+            <a:ext cx="1040906" cy="236841"/>
+          </a:xfrm>
+          <a:prstGeom prst="rect">
+            <a:avLst/>
+          </a:prstGeom>
+          <a:ln w="19050">
+            <a:solidFill>
+              <a:schemeClr val="accent3"/>
+            </a:solidFill>
+          </a:ln>
+          <a:effectLst/>
+        </p:spPr>
+        <p:style>
+          <a:lnRef idx="1">
+            <a:schemeClr val="accent3"/>
+          </a:lnRef>
+          <a:fillRef idx="2">
+            <a:schemeClr val="accent3"/>
+          </a:fillRef>
+          <a:effectRef idx="1">
+            <a:schemeClr val="accent3"/>
+          </a:effectRef>
+          <a:fontRef idx="minor">
+            <a:schemeClr val="dk1"/>
+          </a:fontRef>
+        </p:style>
+        <p:txBody>
+          <a:bodyPr rtlCol="0" anchor="ctr"/>
+          <a:lstStyle/>
+          <a:p>
+            <a:pPr algn="ctr"/>
+            <a:r>
+              <a:rPr lang="en-US" sz="1050" b="1" dirty="0" err="1" smtClean="0">
+                <a:solidFill>
+                  <a:schemeClr val="accent3">
+                    <a:lumMod val="75000"/>
+                  </a:schemeClr>
+                </a:solidFill>
+              </a:rPr>
+              <a:t>EventCard</a:t>
+            </a:r>
+            <a:endParaRPr lang="en-SG" sz="1050" b="1" dirty="0">
+              <a:solidFill>
+                <a:schemeClr val="accent3">
+                  <a:lumMod val="75000"/>
+                </a:schemeClr>
+              </a:solidFill>
+            </a:endParaRPr>
+          </a:p>
+        </p:txBody>
+      </p:sp>
+      <p:cxnSp>
+        <p:nvCxnSpPr>
+          <p:cNvPr id="90" name="Elbow Connector 89"/>
+          <p:cNvCxnSpPr>
+            <a:stCxn id="46" idx="3"/>
+            <a:endCxn id="89" idx="1"/>
+          </p:cNvCxnSpPr>
+          <p:nvPr/>
+        </p:nvCxnSpPr>
+        <p:spPr>
+          <a:xfrm>
+            <a:off x="3684434" y="4405088"/>
+            <a:ext cx="698935" cy="279881"/>
+          </a:xfrm>
+          <a:prstGeom prst="bentConnector3">
+            <a:avLst>
+              <a:gd name="adj1" fmla="val 50000"/>
+            </a:avLst>
+          </a:prstGeom>
+          <a:ln w="19050">
+            <a:solidFill>
+              <a:schemeClr val="accent3"/>
+            </a:solidFill>
+            <a:headEnd type="none" w="med" len="med"/>
+            <a:tailEnd type="arrow" w="med" len="med"/>
+          </a:ln>
+          <a:effectLst/>
+        </p:spPr>
+        <p:style>
+          <a:lnRef idx="1">
+            <a:schemeClr val="accent2"/>
+          </a:lnRef>
+          <a:fillRef idx="2">
+            <a:schemeClr val="accent2"/>
+          </a:fillRef>
+          <a:effectRef idx="1">
+            <a:schemeClr val="accent2"/>
+          </a:effectRef>
+          <a:fontRef idx="minor">
+            <a:schemeClr val="dk1"/>
+          </a:fontRef>
+        </p:style>
+      </p:cxnSp>
+      <p:sp>
+        <p:nvSpPr>
+          <p:cNvPr id="102" name="Freeform 101"/>
+          <p:cNvSpPr/>
+          <p:nvPr/>
+        </p:nvSpPr>
+        <p:spPr>
+          <a:xfrm flipV="1">
+            <a:off x="4886260" y="4840586"/>
+            <a:ext cx="1834647" cy="141105"/>
           </a:xfrm>
           <a:custGeom>
             <a:avLst/>

--- a/docs/diagrams/UiComponentClassDiagram.pptx
+++ b/docs/diagrams/UiComponentClassDiagram.pptx
@@ -126,6 +126,10 @@
 </p:presentation>
 </file>
 
+<file path=ppt/revisionInfo.xml><?xml version="1.0" encoding="utf-8"?>
+<p1510:revInfo xmlns:a="http://schemas.openxmlformats.org/drawingml/2006/main" xmlns:r="http://schemas.openxmlformats.org/officeDocument/2006/relationships" xmlns:p1510="http://schemas.microsoft.com/office/powerpoint/2015/10/main"/>
+</file>
+
 <file path=ppt/notesMasters/notesMaster1.xml><?xml version="1.0" encoding="utf-8"?>
 <p:notesMaster xmlns:a="http://schemas.openxmlformats.org/drawingml/2006/main" xmlns:r="http://schemas.openxmlformats.org/officeDocument/2006/relationships" xmlns:p="http://schemas.openxmlformats.org/presentationml/2006/main">
   <p:cSld>
@@ -208,7 +212,7 @@
           <a:p>
             <a:fld id="{F5CC4B3F-88C1-4FFA-B1B6-F41C21DC6924}" type="datetimeFigureOut">
               <a:rPr lang="en-US" smtClean="0"/>
-              <a:t>1/7/2017</a:t>
+              <a:t>4/10/2018</a:t>
             </a:fld>
             <a:endParaRPr lang="en-US"/>
           </a:p>
@@ -654,7 +658,7 @@
           <a:p>
             <a:fld id="{78C97017-6FC3-485B-9764-EAC9E56C1D49}" type="datetimeFigureOut">
               <a:rPr lang="en-US" smtClean="0"/>
-              <a:t>1/7/2017</a:t>
+              <a:t>4/10/2018</a:t>
             </a:fld>
             <a:endParaRPr lang="en-US"/>
           </a:p>
@@ -822,7 +826,7 @@
           <a:p>
             <a:fld id="{78C97017-6FC3-485B-9764-EAC9E56C1D49}" type="datetimeFigureOut">
               <a:rPr lang="en-US" smtClean="0"/>
-              <a:t>1/7/2017</a:t>
+              <a:t>4/10/2018</a:t>
             </a:fld>
             <a:endParaRPr lang="en-US"/>
           </a:p>
@@ -1000,7 +1004,7 @@
           <a:p>
             <a:fld id="{78C97017-6FC3-485B-9764-EAC9E56C1D49}" type="datetimeFigureOut">
               <a:rPr lang="en-US" smtClean="0"/>
-              <a:t>1/7/2017</a:t>
+              <a:t>4/10/2018</a:t>
             </a:fld>
             <a:endParaRPr lang="en-US"/>
           </a:p>
@@ -1168,7 +1172,7 @@
           <a:p>
             <a:fld id="{78C97017-6FC3-485B-9764-EAC9E56C1D49}" type="datetimeFigureOut">
               <a:rPr lang="en-US" smtClean="0"/>
-              <a:t>1/7/2017</a:t>
+              <a:t>4/10/2018</a:t>
             </a:fld>
             <a:endParaRPr lang="en-US"/>
           </a:p>
@@ -1413,7 +1417,7 @@
           <a:p>
             <a:fld id="{78C97017-6FC3-485B-9764-EAC9E56C1D49}" type="datetimeFigureOut">
               <a:rPr lang="en-US" smtClean="0"/>
-              <a:t>1/7/2017</a:t>
+              <a:t>4/10/2018</a:t>
             </a:fld>
             <a:endParaRPr lang="en-US"/>
           </a:p>
@@ -1698,7 +1702,7 @@
           <a:p>
             <a:fld id="{78C97017-6FC3-485B-9764-EAC9E56C1D49}" type="datetimeFigureOut">
               <a:rPr lang="en-US" smtClean="0"/>
-              <a:t>1/7/2017</a:t>
+              <a:t>4/10/2018</a:t>
             </a:fld>
             <a:endParaRPr lang="en-US"/>
           </a:p>
@@ -2117,7 +2121,7 @@
           <a:p>
             <a:fld id="{78C97017-6FC3-485B-9764-EAC9E56C1D49}" type="datetimeFigureOut">
               <a:rPr lang="en-US" smtClean="0"/>
-              <a:t>1/7/2017</a:t>
+              <a:t>4/10/2018</a:t>
             </a:fld>
             <a:endParaRPr lang="en-US"/>
           </a:p>
@@ -2234,7 +2238,7 @@
           <a:p>
             <a:fld id="{78C97017-6FC3-485B-9764-EAC9E56C1D49}" type="datetimeFigureOut">
               <a:rPr lang="en-US" smtClean="0"/>
-              <a:t>1/7/2017</a:t>
+              <a:t>4/10/2018</a:t>
             </a:fld>
             <a:endParaRPr lang="en-US"/>
           </a:p>
@@ -2329,7 +2333,7 @@
           <a:p>
             <a:fld id="{78C97017-6FC3-485B-9764-EAC9E56C1D49}" type="datetimeFigureOut">
               <a:rPr lang="en-US" smtClean="0"/>
-              <a:t>1/7/2017</a:t>
+              <a:t>4/10/2018</a:t>
             </a:fld>
             <a:endParaRPr lang="en-US"/>
           </a:p>
@@ -2604,7 +2608,7 @@
           <a:p>
             <a:fld id="{78C97017-6FC3-485B-9764-EAC9E56C1D49}" type="datetimeFigureOut">
               <a:rPr lang="en-US" smtClean="0"/>
-              <a:t>1/7/2017</a:t>
+              <a:t>4/10/2018</a:t>
             </a:fld>
             <a:endParaRPr lang="en-US"/>
           </a:p>
@@ -2856,7 +2860,7 @@
           <a:p>
             <a:fld id="{78C97017-6FC3-485B-9764-EAC9E56C1D49}" type="datetimeFigureOut">
               <a:rPr lang="en-US" smtClean="0"/>
-              <a:t>1/7/2017</a:t>
+              <a:t>4/10/2018</a:t>
             </a:fld>
             <a:endParaRPr lang="en-US"/>
           </a:p>
@@ -3067,7 +3071,7 @@
           <a:p>
             <a:fld id="{78C97017-6FC3-485B-9764-EAC9E56C1D49}" type="datetimeFigureOut">
               <a:rPr lang="en-US" smtClean="0"/>
-              <a:t>1/7/2017</a:t>
+              <a:t>4/10/2018</a:t>
             </a:fld>
             <a:endParaRPr lang="en-US"/>
           </a:p>
@@ -3925,7 +3929,7 @@
                   </a:schemeClr>
                 </a:solidFill>
               </a:rPr>
-              <a:t>BrowserPanel</a:t>
+              <a:t>CalendarPanel</a:t>
             </a:r>
             <a:endParaRPr lang="en-SG" sz="1050" b="1" dirty="0">
               <a:solidFill>
@@ -5481,6 +5485,94 @@
               <a:schemeClr val="accent3"/>
             </a:solidFill>
             <a:prstDash val="sysDot"/>
+            <a:headEnd type="none" w="med" len="med"/>
+            <a:tailEnd type="arrow" w="med" len="med"/>
+          </a:ln>
+          <a:effectLst/>
+        </p:spPr>
+        <p:style>
+          <a:lnRef idx="1">
+            <a:schemeClr val="accent2"/>
+          </a:lnRef>
+          <a:fillRef idx="2">
+            <a:schemeClr val="accent2"/>
+          </a:fillRef>
+          <a:effectRef idx="1">
+            <a:schemeClr val="accent2"/>
+          </a:effectRef>
+          <a:fontRef idx="minor">
+            <a:schemeClr val="dk1"/>
+          </a:fontRef>
+        </p:style>
+        <p:txBody>
+          <a:bodyPr rtlCol="0" anchor="ctr"/>
+          <a:lstStyle/>
+          <a:p>
+            <a:pPr algn="ctr"/>
+            <a:endParaRPr lang="en-SG"/>
+          </a:p>
+        </p:txBody>
+      </p:sp>
+      <p:sp>
+        <p:nvSpPr>
+          <p:cNvPr id="42" name="Freeform 115">
+            <a:extLst>
+              <a:ext uri="{FF2B5EF4-FFF2-40B4-BE49-F238E27FC236}">
+                <a16:creationId xmlns:a16="http://schemas.microsoft.com/office/drawing/2014/main" id="{D8527401-9822-4E21-8DB3-44610E4FD394}"/>
+              </a:ext>
+            </a:extLst>
+          </p:cNvPr>
+          <p:cNvSpPr/>
+          <p:nvPr/>
+        </p:nvSpPr>
+        <p:spPr>
+          <a:xfrm flipV="1">
+            <a:off x="3686160" y="3851668"/>
+            <a:ext cx="3048000" cy="318350"/>
+          </a:xfrm>
+          <a:custGeom>
+            <a:avLst/>
+            <a:gdLst>
+              <a:gd name="connsiteX0" fmla="*/ 0 w 3048000"/>
+              <a:gd name="connsiteY0" fmla="*/ 203200 h 203200"/>
+              <a:gd name="connsiteX1" fmla="*/ 221673 w 3048000"/>
+              <a:gd name="connsiteY1" fmla="*/ 0 h 203200"/>
+              <a:gd name="connsiteX2" fmla="*/ 3048000 w 3048000"/>
+              <a:gd name="connsiteY2" fmla="*/ 0 h 203200"/>
+            </a:gdLst>
+            <a:ahLst/>
+            <a:cxnLst>
+              <a:cxn ang="0">
+                <a:pos x="connsiteX0" y="connsiteY0"/>
+              </a:cxn>
+              <a:cxn ang="0">
+                <a:pos x="connsiteX1" y="connsiteY1"/>
+              </a:cxn>
+              <a:cxn ang="0">
+                <a:pos x="connsiteX2" y="connsiteY2"/>
+              </a:cxn>
+            </a:cxnLst>
+            <a:rect l="l" t="t" r="r" b="b"/>
+            <a:pathLst>
+              <a:path w="3048000" h="203200">
+                <a:moveTo>
+                  <a:pt x="0" y="203200"/>
+                </a:moveTo>
+                <a:lnTo>
+                  <a:pt x="221673" y="0"/>
+                </a:lnTo>
+                <a:lnTo>
+                  <a:pt x="3048000" y="0"/>
+                </a:lnTo>
+              </a:path>
+            </a:pathLst>
+          </a:custGeom>
+          <a:noFill/>
+          <a:ln w="19050">
+            <a:solidFill>
+              <a:schemeClr val="accent3"/>
+            </a:solidFill>
+            <a:prstDash val="solid"/>
             <a:headEnd type="none" w="med" len="med"/>
             <a:tailEnd type="arrow" w="med" len="med"/>
           </a:ln>

--- a/docs/diagrams/UiComponentClassDiagram.pptx
+++ b/docs/diagrams/UiComponentClassDiagram.pptx
@@ -208,7 +208,7 @@
           <a:p>
             <a:fld id="{F5CC4B3F-88C1-4FFA-B1B6-F41C21DC6924}" type="datetimeFigureOut">
               <a:rPr lang="en-US" smtClean="0"/>
-              <a:t>1/7/2017</a:t>
+              <a:t>4/11/2018</a:t>
             </a:fld>
             <a:endParaRPr lang="en-US"/>
           </a:p>
@@ -654,7 +654,7 @@
           <a:p>
             <a:fld id="{78C97017-6FC3-485B-9764-EAC9E56C1D49}" type="datetimeFigureOut">
               <a:rPr lang="en-US" smtClean="0"/>
-              <a:t>1/7/2017</a:t>
+              <a:t>4/11/2018</a:t>
             </a:fld>
             <a:endParaRPr lang="en-US"/>
           </a:p>
@@ -822,7 +822,7 @@
           <a:p>
             <a:fld id="{78C97017-6FC3-485B-9764-EAC9E56C1D49}" type="datetimeFigureOut">
               <a:rPr lang="en-US" smtClean="0"/>
-              <a:t>1/7/2017</a:t>
+              <a:t>4/11/2018</a:t>
             </a:fld>
             <a:endParaRPr lang="en-US"/>
           </a:p>
@@ -1000,7 +1000,7 @@
           <a:p>
             <a:fld id="{78C97017-6FC3-485B-9764-EAC9E56C1D49}" type="datetimeFigureOut">
               <a:rPr lang="en-US" smtClean="0"/>
-              <a:t>1/7/2017</a:t>
+              <a:t>4/11/2018</a:t>
             </a:fld>
             <a:endParaRPr lang="en-US"/>
           </a:p>
@@ -1168,7 +1168,7 @@
           <a:p>
             <a:fld id="{78C97017-6FC3-485B-9764-EAC9E56C1D49}" type="datetimeFigureOut">
               <a:rPr lang="en-US" smtClean="0"/>
-              <a:t>1/7/2017</a:t>
+              <a:t>4/11/2018</a:t>
             </a:fld>
             <a:endParaRPr lang="en-US"/>
           </a:p>
@@ -1413,7 +1413,7 @@
           <a:p>
             <a:fld id="{78C97017-6FC3-485B-9764-EAC9E56C1D49}" type="datetimeFigureOut">
               <a:rPr lang="en-US" smtClean="0"/>
-              <a:t>1/7/2017</a:t>
+              <a:t>4/11/2018</a:t>
             </a:fld>
             <a:endParaRPr lang="en-US"/>
           </a:p>
@@ -1698,7 +1698,7 @@
           <a:p>
             <a:fld id="{78C97017-6FC3-485B-9764-EAC9E56C1D49}" type="datetimeFigureOut">
               <a:rPr lang="en-US" smtClean="0"/>
-              <a:t>1/7/2017</a:t>
+              <a:t>4/11/2018</a:t>
             </a:fld>
             <a:endParaRPr lang="en-US"/>
           </a:p>
@@ -2117,7 +2117,7 @@
           <a:p>
             <a:fld id="{78C97017-6FC3-485B-9764-EAC9E56C1D49}" type="datetimeFigureOut">
               <a:rPr lang="en-US" smtClean="0"/>
-              <a:t>1/7/2017</a:t>
+              <a:t>4/11/2018</a:t>
             </a:fld>
             <a:endParaRPr lang="en-US"/>
           </a:p>
@@ -2234,7 +2234,7 @@
           <a:p>
             <a:fld id="{78C97017-6FC3-485B-9764-EAC9E56C1D49}" type="datetimeFigureOut">
               <a:rPr lang="en-US" smtClean="0"/>
-              <a:t>1/7/2017</a:t>
+              <a:t>4/11/2018</a:t>
             </a:fld>
             <a:endParaRPr lang="en-US"/>
           </a:p>
@@ -2329,7 +2329,7 @@
           <a:p>
             <a:fld id="{78C97017-6FC3-485B-9764-EAC9E56C1D49}" type="datetimeFigureOut">
               <a:rPr lang="en-US" smtClean="0"/>
-              <a:t>1/7/2017</a:t>
+              <a:t>4/11/2018</a:t>
             </a:fld>
             <a:endParaRPr lang="en-US"/>
           </a:p>
@@ -2604,7 +2604,7 @@
           <a:p>
             <a:fld id="{78C97017-6FC3-485B-9764-EAC9E56C1D49}" type="datetimeFigureOut">
               <a:rPr lang="en-US" smtClean="0"/>
-              <a:t>1/7/2017</a:t>
+              <a:t>4/11/2018</a:t>
             </a:fld>
             <a:endParaRPr lang="en-US"/>
           </a:p>
@@ -2856,7 +2856,7 @@
           <a:p>
             <a:fld id="{78C97017-6FC3-485B-9764-EAC9E56C1D49}" type="datetimeFigureOut">
               <a:rPr lang="en-US" smtClean="0"/>
-              <a:t>1/7/2017</a:t>
+              <a:t>4/11/2018</a:t>
             </a:fld>
             <a:endParaRPr lang="en-US"/>
           </a:p>
@@ -3067,7 +3067,7 @@
           <a:p>
             <a:fld id="{78C97017-6FC3-485B-9764-EAC9E56C1D49}" type="datetimeFigureOut">
               <a:rPr lang="en-US" smtClean="0"/>
-              <a:t>1/7/2017</a:t>
+              <a:t>4/11/2018</a:t>
             </a:fld>
             <a:endParaRPr lang="en-US"/>
           </a:p>
@@ -3450,8 +3450,8 @@
         </p:nvSpPr>
         <p:spPr>
           <a:xfrm>
-            <a:off x="1217465" y="1447800"/>
-            <a:ext cx="4917083" cy="3962400"/>
+            <a:off x="1217465" y="1401459"/>
+            <a:ext cx="4917083" cy="4495800"/>
           </a:xfrm>
           <a:prstGeom prst="roundRect">
             <a:avLst>
@@ -3945,7 +3945,7 @@
         </p:nvSpPr>
         <p:spPr>
           <a:xfrm>
-            <a:off x="2592527" y="4563759"/>
+            <a:off x="2669027" y="4523448"/>
             <a:ext cx="1093635" cy="236841"/>
           </a:xfrm>
           <a:prstGeom prst="rect">
@@ -4125,7 +4125,7 @@
         </p:nvSpPr>
         <p:spPr>
           <a:xfrm>
-            <a:off x="2592528" y="4966000"/>
+            <a:off x="2503462" y="5566141"/>
             <a:ext cx="1093635" cy="236841"/>
           </a:xfrm>
           <a:prstGeom prst="rect">
@@ -4419,8 +4419,8 @@
         </p:nvCxnSpPr>
         <p:spPr>
           <a:xfrm rot="16200000" flipH="1">
-            <a:off x="1597249" y="3686901"/>
-            <a:ext cx="1814155" cy="176401"/>
+            <a:off x="1655654" y="3628496"/>
+            <a:ext cx="1773844" cy="252901"/>
           </a:xfrm>
           <a:prstGeom prst="bentConnector2">
             <a:avLst/>
@@ -4453,17 +4453,20 @@
         <p:nvCxnSpPr>
           <p:cNvPr id="53" name="Elbow Connector 63"/>
           <p:cNvCxnSpPr>
+            <a:stCxn id="2" idx="1"/>
             <a:endCxn id="38" idx="1"/>
           </p:cNvCxnSpPr>
           <p:nvPr/>
         </p:nvCxnSpPr>
         <p:spPr>
-          <a:xfrm rot="16200000" flipH="1">
-            <a:off x="1184119" y="3676012"/>
-            <a:ext cx="2396440" cy="420377"/>
-          </a:xfrm>
-          <a:prstGeom prst="bentConnector2">
-            <a:avLst/>
+          <a:xfrm rot="10800000" flipH="1" flipV="1">
+            <a:off x="2095948" y="2514600"/>
+            <a:ext cx="407514" cy="3169962"/>
+          </a:xfrm>
+          <a:prstGeom prst="bentConnector3">
+            <a:avLst>
+              <a:gd name="adj1" fmla="val -56096"/>
+            </a:avLst>
           </a:prstGeom>
           <a:ln w="19050">
             <a:solidFill>
@@ -4743,8 +4746,8 @@
         </p:nvCxnSpPr>
         <p:spPr>
           <a:xfrm rot="5400000">
-            <a:off x="3409976" y="2562187"/>
-            <a:ext cx="2396180" cy="1843807"/>
+            <a:off x="3468382" y="2580281"/>
+            <a:ext cx="2355869" cy="1767307"/>
           </a:xfrm>
           <a:prstGeom prst="bentConnector2">
             <a:avLst/>
@@ -4784,8 +4787,8 @@
         </p:nvCxnSpPr>
         <p:spPr>
           <a:xfrm rot="5400000">
-            <a:off x="3208856" y="2763307"/>
-            <a:ext cx="2798421" cy="1843806"/>
+            <a:off x="2864252" y="3018845"/>
+            <a:ext cx="3398562" cy="1932872"/>
           </a:xfrm>
           <a:prstGeom prst="bentConnector2">
             <a:avLst/>
@@ -4863,8 +4866,8 @@
         </p:nvSpPr>
         <p:spPr>
           <a:xfrm rot="16200000">
-            <a:off x="6213739" y="4560376"/>
-            <a:ext cx="1371599" cy="328045"/>
+            <a:off x="6017348" y="4756767"/>
+            <a:ext cx="1764384" cy="328045"/>
           </a:xfrm>
           <a:prstGeom prst="roundRect">
             <a:avLst/>
@@ -5437,6 +5440,370 @@
           <a:xfrm flipV="1">
             <a:off x="4114799" y="4472708"/>
             <a:ext cx="2642195" cy="101600"/>
+          </a:xfrm>
+          <a:custGeom>
+            <a:avLst/>
+            <a:gdLst>
+              <a:gd name="connsiteX0" fmla="*/ 0 w 3048000"/>
+              <a:gd name="connsiteY0" fmla="*/ 203200 h 203200"/>
+              <a:gd name="connsiteX1" fmla="*/ 221673 w 3048000"/>
+              <a:gd name="connsiteY1" fmla="*/ 0 h 203200"/>
+              <a:gd name="connsiteX2" fmla="*/ 3048000 w 3048000"/>
+              <a:gd name="connsiteY2" fmla="*/ 0 h 203200"/>
+            </a:gdLst>
+            <a:ahLst/>
+            <a:cxnLst>
+              <a:cxn ang="0">
+                <a:pos x="connsiteX0" y="connsiteY0"/>
+              </a:cxn>
+              <a:cxn ang="0">
+                <a:pos x="connsiteX1" y="connsiteY1"/>
+              </a:cxn>
+              <a:cxn ang="0">
+                <a:pos x="connsiteX2" y="connsiteY2"/>
+              </a:cxn>
+            </a:cxnLst>
+            <a:rect l="l" t="t" r="r" b="b"/>
+            <a:pathLst>
+              <a:path w="3048000" h="203200">
+                <a:moveTo>
+                  <a:pt x="0" y="203200"/>
+                </a:moveTo>
+                <a:lnTo>
+                  <a:pt x="221673" y="0"/>
+                </a:lnTo>
+                <a:lnTo>
+                  <a:pt x="3048000" y="0"/>
+                </a:lnTo>
+              </a:path>
+            </a:pathLst>
+          </a:custGeom>
+          <a:noFill/>
+          <a:ln w="19050">
+            <a:solidFill>
+              <a:schemeClr val="accent3"/>
+            </a:solidFill>
+            <a:prstDash val="sysDot"/>
+            <a:headEnd type="none" w="med" len="med"/>
+            <a:tailEnd type="arrow" w="med" len="med"/>
+          </a:ln>
+          <a:effectLst/>
+        </p:spPr>
+        <p:style>
+          <a:lnRef idx="1">
+            <a:schemeClr val="accent2"/>
+          </a:lnRef>
+          <a:fillRef idx="2">
+            <a:schemeClr val="accent2"/>
+          </a:fillRef>
+          <a:effectRef idx="1">
+            <a:schemeClr val="accent2"/>
+          </a:effectRef>
+          <a:fontRef idx="minor">
+            <a:schemeClr val="dk1"/>
+          </a:fontRef>
+        </p:style>
+        <p:txBody>
+          <a:bodyPr rtlCol="0" anchor="ctr"/>
+          <a:lstStyle/>
+          <a:p>
+            <a:pPr algn="ctr"/>
+            <a:endParaRPr lang="en-SG"/>
+          </a:p>
+        </p:txBody>
+      </p:sp>
+      <p:cxnSp>
+        <p:nvCxnSpPr>
+          <p:cNvPr id="54" name="Elbow Connector 63"/>
+          <p:cNvCxnSpPr>
+            <a:endCxn id="57" idx="1"/>
+          </p:cNvCxnSpPr>
+          <p:nvPr/>
+        </p:nvCxnSpPr>
+        <p:spPr>
+          <a:xfrm rot="16200000" flipH="1">
+            <a:off x="1800029" y="3989472"/>
+            <a:ext cx="1692812" cy="450656"/>
+          </a:xfrm>
+          <a:prstGeom prst="bentConnector2">
+            <a:avLst/>
+          </a:prstGeom>
+          <a:ln w="19050">
+            <a:solidFill>
+              <a:schemeClr val="accent3"/>
+            </a:solidFill>
+            <a:headEnd type="none" w="med" len="med"/>
+            <a:tailEnd type="arrow" w="med" len="med"/>
+          </a:ln>
+          <a:effectLst/>
+        </p:spPr>
+        <p:style>
+          <a:lnRef idx="1">
+            <a:schemeClr val="accent2"/>
+          </a:lnRef>
+          <a:fillRef idx="2">
+            <a:schemeClr val="accent2"/>
+          </a:fillRef>
+          <a:effectRef idx="1">
+            <a:schemeClr val="accent2"/>
+          </a:effectRef>
+          <a:fontRef idx="minor">
+            <a:schemeClr val="dk1"/>
+          </a:fontRef>
+        </p:style>
+      </p:cxnSp>
+      <p:sp>
+        <p:nvSpPr>
+          <p:cNvPr id="57" name="Rectangle 11"/>
+          <p:cNvSpPr/>
+          <p:nvPr/>
+        </p:nvSpPr>
+        <p:spPr>
+          <a:xfrm>
+            <a:off x="2871763" y="4942785"/>
+            <a:ext cx="1093635" cy="236841"/>
+          </a:xfrm>
+          <a:prstGeom prst="rect">
+            <a:avLst/>
+          </a:prstGeom>
+          <a:ln w="19050">
+            <a:solidFill>
+              <a:schemeClr val="accent3"/>
+            </a:solidFill>
+          </a:ln>
+          <a:effectLst/>
+        </p:spPr>
+        <p:style>
+          <a:lnRef idx="1">
+            <a:schemeClr val="accent3"/>
+          </a:lnRef>
+          <a:fillRef idx="2">
+            <a:schemeClr val="accent3"/>
+          </a:fillRef>
+          <a:effectRef idx="1">
+            <a:schemeClr val="accent3"/>
+          </a:effectRef>
+          <a:fontRef idx="minor">
+            <a:schemeClr val="dk1"/>
+          </a:fontRef>
+        </p:style>
+        <p:txBody>
+          <a:bodyPr rtlCol="0" anchor="ctr"/>
+          <a:lstStyle/>
+          <a:p>
+            <a:pPr algn="ctr"/>
+            <a:r>
+              <a:rPr lang="en-US" sz="1050" b="1" dirty="0" smtClean="0">
+                <a:solidFill>
+                  <a:schemeClr val="accent3">
+                    <a:lumMod val="75000"/>
+                  </a:schemeClr>
+                </a:solidFill>
+              </a:rPr>
+              <a:t>Calendar Panel</a:t>
+            </a:r>
+            <a:endParaRPr lang="en-SG" sz="1050" b="1" dirty="0">
+              <a:solidFill>
+                <a:schemeClr val="accent3">
+                  <a:lumMod val="75000"/>
+                </a:schemeClr>
+              </a:solidFill>
+            </a:endParaRPr>
+          </a:p>
+        </p:txBody>
+      </p:sp>
+      <p:sp>
+        <p:nvSpPr>
+          <p:cNvPr id="63" name="Freeform 62"/>
+          <p:cNvSpPr/>
+          <p:nvPr/>
+        </p:nvSpPr>
+        <p:spPr>
+          <a:xfrm flipV="1">
+            <a:off x="3965398" y="5004196"/>
+            <a:ext cx="2770117" cy="113721"/>
+          </a:xfrm>
+          <a:custGeom>
+            <a:avLst/>
+            <a:gdLst>
+              <a:gd name="connsiteX0" fmla="*/ 0 w 3048000"/>
+              <a:gd name="connsiteY0" fmla="*/ 203200 h 203200"/>
+              <a:gd name="connsiteX1" fmla="*/ 221673 w 3048000"/>
+              <a:gd name="connsiteY1" fmla="*/ 0 h 203200"/>
+              <a:gd name="connsiteX2" fmla="*/ 3048000 w 3048000"/>
+              <a:gd name="connsiteY2" fmla="*/ 0 h 203200"/>
+            </a:gdLst>
+            <a:ahLst/>
+            <a:cxnLst>
+              <a:cxn ang="0">
+                <a:pos x="connsiteX0" y="connsiteY0"/>
+              </a:cxn>
+              <a:cxn ang="0">
+                <a:pos x="connsiteX1" y="connsiteY1"/>
+              </a:cxn>
+              <a:cxn ang="0">
+                <a:pos x="connsiteX2" y="connsiteY2"/>
+              </a:cxn>
+            </a:cxnLst>
+            <a:rect l="l" t="t" r="r" b="b"/>
+            <a:pathLst>
+              <a:path w="3048000" h="203200">
+                <a:moveTo>
+                  <a:pt x="0" y="203200"/>
+                </a:moveTo>
+                <a:lnTo>
+                  <a:pt x="221673" y="0"/>
+                </a:lnTo>
+                <a:lnTo>
+                  <a:pt x="3048000" y="0"/>
+                </a:lnTo>
+              </a:path>
+            </a:pathLst>
+          </a:custGeom>
+          <a:noFill/>
+          <a:ln w="19050">
+            <a:solidFill>
+              <a:schemeClr val="accent3"/>
+            </a:solidFill>
+            <a:prstDash val="sysDot"/>
+            <a:headEnd type="none" w="med" len="med"/>
+            <a:tailEnd type="arrow" w="med" len="med"/>
+          </a:ln>
+          <a:effectLst/>
+        </p:spPr>
+        <p:style>
+          <a:lnRef idx="1">
+            <a:schemeClr val="accent2"/>
+          </a:lnRef>
+          <a:fillRef idx="2">
+            <a:schemeClr val="accent2"/>
+          </a:fillRef>
+          <a:effectRef idx="1">
+            <a:schemeClr val="accent2"/>
+          </a:effectRef>
+          <a:fontRef idx="minor">
+            <a:schemeClr val="dk1"/>
+          </a:fontRef>
+        </p:style>
+        <p:txBody>
+          <a:bodyPr rtlCol="0" anchor="ctr"/>
+          <a:lstStyle/>
+          <a:p>
+            <a:pPr algn="ctr"/>
+            <a:endParaRPr lang="en-SG"/>
+          </a:p>
+        </p:txBody>
+      </p:sp>
+      <p:sp>
+        <p:nvSpPr>
+          <p:cNvPr id="67" name="Rectangle 11"/>
+          <p:cNvSpPr/>
+          <p:nvPr/>
+        </p:nvSpPr>
+        <p:spPr>
+          <a:xfrm>
+            <a:off x="2871763" y="5260095"/>
+            <a:ext cx="1093635" cy="236841"/>
+          </a:xfrm>
+          <a:prstGeom prst="rect">
+            <a:avLst/>
+          </a:prstGeom>
+          <a:ln w="19050">
+            <a:solidFill>
+              <a:schemeClr val="accent3"/>
+            </a:solidFill>
+          </a:ln>
+          <a:effectLst/>
+        </p:spPr>
+        <p:style>
+          <a:lnRef idx="1">
+            <a:schemeClr val="accent3"/>
+          </a:lnRef>
+          <a:fillRef idx="2">
+            <a:schemeClr val="accent3"/>
+          </a:fillRef>
+          <a:effectRef idx="1">
+            <a:schemeClr val="accent3"/>
+          </a:effectRef>
+          <a:fontRef idx="minor">
+            <a:schemeClr val="dk1"/>
+          </a:fontRef>
+        </p:style>
+        <p:txBody>
+          <a:bodyPr rtlCol="0" anchor="ctr"/>
+          <a:lstStyle/>
+          <a:p>
+            <a:pPr algn="ctr"/>
+            <a:r>
+              <a:rPr lang="en-US" sz="1050" b="1" dirty="0" smtClean="0">
+                <a:solidFill>
+                  <a:schemeClr val="accent3">
+                    <a:lumMod val="75000"/>
+                  </a:schemeClr>
+                </a:solidFill>
+              </a:rPr>
+              <a:t>Agenda Panel</a:t>
+            </a:r>
+            <a:endParaRPr lang="en-SG" sz="1050" b="1" dirty="0">
+              <a:solidFill>
+                <a:schemeClr val="accent3">
+                  <a:lumMod val="75000"/>
+                </a:schemeClr>
+              </a:solidFill>
+            </a:endParaRPr>
+          </a:p>
+        </p:txBody>
+      </p:sp>
+      <p:cxnSp>
+        <p:nvCxnSpPr>
+          <p:cNvPr id="68" name="Elbow Connector 63"/>
+          <p:cNvCxnSpPr>
+            <a:endCxn id="67" idx="1"/>
+          </p:cNvCxnSpPr>
+          <p:nvPr/>
+        </p:nvCxnSpPr>
+        <p:spPr>
+          <a:xfrm rot="16200000" flipH="1">
+            <a:off x="1769070" y="4275822"/>
+            <a:ext cx="1754731" cy="450656"/>
+          </a:xfrm>
+          <a:prstGeom prst="bentConnector2">
+            <a:avLst/>
+          </a:prstGeom>
+          <a:ln w="19050">
+            <a:solidFill>
+              <a:schemeClr val="accent3"/>
+            </a:solidFill>
+            <a:headEnd type="none" w="med" len="med"/>
+            <a:tailEnd type="arrow" w="med" len="med"/>
+          </a:ln>
+          <a:effectLst/>
+        </p:spPr>
+        <p:style>
+          <a:lnRef idx="1">
+            <a:schemeClr val="accent2"/>
+          </a:lnRef>
+          <a:fillRef idx="2">
+            <a:schemeClr val="accent2"/>
+          </a:fillRef>
+          <a:effectRef idx="1">
+            <a:schemeClr val="accent2"/>
+          </a:effectRef>
+          <a:fontRef idx="minor">
+            <a:schemeClr val="dk1"/>
+          </a:fontRef>
+        </p:style>
+      </p:cxnSp>
+      <p:sp>
+        <p:nvSpPr>
+          <p:cNvPr id="70" name="Freeform 69"/>
+          <p:cNvSpPr/>
+          <p:nvPr/>
+        </p:nvSpPr>
+        <p:spPr>
+          <a:xfrm flipV="1">
+            <a:off x="3950789" y="5337006"/>
+            <a:ext cx="2770117" cy="113721"/>
           </a:xfrm>
           <a:custGeom>
             <a:avLst/>

--- a/docs/diagrams/UiComponentClassDiagram.pptx
+++ b/docs/diagrams/UiComponentClassDiagram.pptx
@@ -10,7 +10,7 @@
   <p:sldIdLst>
     <p:sldId id="260" r:id="rId2"/>
   </p:sldIdLst>
-  <p:sldSz cx="9144000" cy="6858000" type="screen4x3"/>
+  <p:sldSz cx="12192000" cy="6858000"/>
   <p:notesSz cx="6858000" cy="9144000"/>
   <p:defaultTextStyle>
     <a:defPPr>
@@ -110,12 +110,12 @@
   <p:extLst>
     <p:ext uri="{EFAFB233-063F-42B5-8137-9DF3F51BA10A}">
       <p15:sldGuideLst xmlns:p15="http://schemas.microsoft.com/office/powerpoint/2012/main">
-        <p15:guide id="1" orient="horz" pos="1488">
+        <p15:guide id="1" orient="horz" pos="1488" userDrawn="1">
           <p15:clr>
             <a:srgbClr val="A4A3A4"/>
           </p15:clr>
         </p15:guide>
-        <p15:guide id="2" pos="2880">
+        <p15:guide id="2" pos="3840" userDrawn="1">
           <p15:clr>
             <a:srgbClr val="A4A3A4"/>
           </p15:clr>
@@ -208,7 +208,7 @@
           <a:p>
             <a:fld id="{F5CC4B3F-88C1-4FFA-B1B6-F41C21DC6924}" type="datetimeFigureOut">
               <a:rPr lang="en-US" smtClean="0"/>
-              <a:t>1/7/2017</a:t>
+              <a:t>4/14/2018</a:t>
             </a:fld>
             <a:endParaRPr lang="en-US"/>
           </a:p>
@@ -226,8 +226,8 @@
         </p:nvSpPr>
         <p:spPr>
           <a:xfrm>
-            <a:off x="1143000" y="685800"/>
-            <a:ext cx="4572000" cy="3429000"/>
+            <a:off x="381000" y="685800"/>
+            <a:ext cx="6096000" cy="3429000"/>
           </a:xfrm>
           <a:prstGeom prst="rect">
             <a:avLst/>
@@ -475,6 +475,95 @@
 </p:notesMaster>
 </file>
 
+<file path=ppt/notesSlides/notesSlide1.xml><?xml version="1.0" encoding="utf-8"?>
+<p:notes xmlns:a="http://schemas.openxmlformats.org/drawingml/2006/main" xmlns:r="http://schemas.openxmlformats.org/officeDocument/2006/relationships" xmlns:p="http://schemas.openxmlformats.org/presentationml/2006/main">
+  <p:cSld>
+    <p:spTree>
+      <p:nvGrpSpPr>
+        <p:cNvPr id="1" name=""/>
+        <p:cNvGrpSpPr/>
+        <p:nvPr/>
+      </p:nvGrpSpPr>
+      <p:grpSpPr>
+        <a:xfrm>
+          <a:off x="0" y="0"/>
+          <a:ext cx="0" cy="0"/>
+          <a:chOff x="0" y="0"/>
+          <a:chExt cx="0" cy="0"/>
+        </a:xfrm>
+      </p:grpSpPr>
+      <p:sp>
+        <p:nvSpPr>
+          <p:cNvPr id="2" name="Slide Image Placeholder 1"/>
+          <p:cNvSpPr>
+            <a:spLocks noGrp="1" noRot="1" noChangeAspect="1"/>
+          </p:cNvSpPr>
+          <p:nvPr>
+            <p:ph type="sldImg"/>
+          </p:nvPr>
+        </p:nvSpPr>
+        <p:spPr>
+          <a:xfrm>
+            <a:off x="381000" y="685800"/>
+            <a:ext cx="6096000" cy="3429000"/>
+          </a:xfrm>
+        </p:spPr>
+      </p:sp>
+      <p:sp>
+        <p:nvSpPr>
+          <p:cNvPr id="3" name="Notes Placeholder 2"/>
+          <p:cNvSpPr>
+            <a:spLocks noGrp="1"/>
+          </p:cNvSpPr>
+          <p:nvPr>
+            <p:ph type="body" idx="1"/>
+          </p:nvPr>
+        </p:nvSpPr>
+        <p:spPr/>
+        <p:txBody>
+          <a:bodyPr/>
+          <a:lstStyle/>
+          <a:p>
+            <a:endParaRPr lang="en-SG" dirty="0"/>
+          </a:p>
+        </p:txBody>
+      </p:sp>
+      <p:sp>
+        <p:nvSpPr>
+          <p:cNvPr id="4" name="Slide Number Placeholder 3"/>
+          <p:cNvSpPr>
+            <a:spLocks noGrp="1"/>
+          </p:cNvSpPr>
+          <p:nvPr>
+            <p:ph type="sldNum" sz="quarter" idx="10"/>
+          </p:nvPr>
+        </p:nvSpPr>
+        <p:spPr/>
+        <p:txBody>
+          <a:bodyPr/>
+          <a:lstStyle/>
+          <a:p>
+            <a:fld id="{5A7AB025-77E3-4BD1-A2FD-B3183DBA47A3}" type="slidenum">
+              <a:rPr lang="en-US" smtClean="0"/>
+              <a:t>1</a:t>
+            </a:fld>
+            <a:endParaRPr lang="en-US"/>
+          </a:p>
+        </p:txBody>
+      </p:sp>
+    </p:spTree>
+    <p:extLst>
+      <p:ext uri="{BB962C8B-B14F-4D97-AF65-F5344CB8AC3E}">
+        <p14:creationId xmlns:p14="http://schemas.microsoft.com/office/powerpoint/2010/main" val="794822339"/>
+      </p:ext>
+    </p:extLst>
+  </p:cSld>
+  <p:clrMapOvr>
+    <a:masterClrMapping/>
+  </p:clrMapOvr>
+</p:notes>
+</file>
+
 <file path=ppt/slideLayouts/slideLayout1.xml><?xml version="1.0" encoding="utf-8"?>
 <p:sldLayout xmlns:a="http://schemas.openxmlformats.org/drawingml/2006/main" xmlns:r="http://schemas.openxmlformats.org/officeDocument/2006/relationships" xmlns:p="http://schemas.openxmlformats.org/presentationml/2006/main" type="title" preserve="1">
   <p:cSld name="Title Slide">
@@ -504,8 +593,8 @@
         </p:nvSpPr>
         <p:spPr>
           <a:xfrm>
-            <a:off x="685800" y="2130425"/>
-            <a:ext cx="7772400" cy="1470025"/>
+            <a:off x="914402" y="2130427"/>
+            <a:ext cx="10363200" cy="1470025"/>
           </a:xfrm>
         </p:spPr>
         <p:txBody>
@@ -531,8 +620,8 @@
         </p:nvSpPr>
         <p:spPr>
           <a:xfrm>
-            <a:off x="1371600" y="3886200"/>
-            <a:ext cx="6400800" cy="1752600"/>
+            <a:off x="1828800" y="3886200"/>
+            <a:ext cx="8534400" cy="1752600"/>
           </a:xfrm>
         </p:spPr>
         <p:txBody>
@@ -548,7 +637,7 @@
                 </a:solidFill>
               </a:defRPr>
             </a:lvl1pPr>
-            <a:lvl2pPr marL="457200" indent="0" algn="ctr">
+            <a:lvl2pPr marL="457239" indent="0" algn="ctr">
               <a:buNone/>
               <a:defRPr>
                 <a:solidFill>
@@ -558,7 +647,7 @@
                 </a:solidFill>
               </a:defRPr>
             </a:lvl2pPr>
-            <a:lvl3pPr marL="914400" indent="0" algn="ctr">
+            <a:lvl3pPr marL="914478" indent="0" algn="ctr">
               <a:buNone/>
               <a:defRPr>
                 <a:solidFill>
@@ -568,7 +657,7 @@
                 </a:solidFill>
               </a:defRPr>
             </a:lvl3pPr>
-            <a:lvl4pPr marL="1371600" indent="0" algn="ctr">
+            <a:lvl4pPr marL="1371717" indent="0" algn="ctr">
               <a:buNone/>
               <a:defRPr>
                 <a:solidFill>
@@ -578,7 +667,7 @@
                 </a:solidFill>
               </a:defRPr>
             </a:lvl4pPr>
-            <a:lvl5pPr marL="1828800" indent="0" algn="ctr">
+            <a:lvl5pPr marL="1828956" indent="0" algn="ctr">
               <a:buNone/>
               <a:defRPr>
                 <a:solidFill>
@@ -588,7 +677,7 @@
                 </a:solidFill>
               </a:defRPr>
             </a:lvl5pPr>
-            <a:lvl6pPr marL="2286000" indent="0" algn="ctr">
+            <a:lvl6pPr marL="2286193" indent="0" algn="ctr">
               <a:buNone/>
               <a:defRPr>
                 <a:solidFill>
@@ -598,7 +687,7 @@
                 </a:solidFill>
               </a:defRPr>
             </a:lvl6pPr>
-            <a:lvl7pPr marL="2743200" indent="0" algn="ctr">
+            <a:lvl7pPr marL="2743434" indent="0" algn="ctr">
               <a:buNone/>
               <a:defRPr>
                 <a:solidFill>
@@ -608,7 +697,7 @@
                 </a:solidFill>
               </a:defRPr>
             </a:lvl7pPr>
-            <a:lvl8pPr marL="3200400" indent="0" algn="ctr">
+            <a:lvl8pPr marL="3200672" indent="0" algn="ctr">
               <a:buNone/>
               <a:defRPr>
                 <a:solidFill>
@@ -618,7 +707,7 @@
                 </a:solidFill>
               </a:defRPr>
             </a:lvl8pPr>
-            <a:lvl9pPr marL="3657600" indent="0" algn="ctr">
+            <a:lvl9pPr marL="3657911" indent="0" algn="ctr">
               <a:buNone/>
               <a:defRPr>
                 <a:solidFill>
@@ -654,7 +743,7 @@
           <a:p>
             <a:fld id="{78C97017-6FC3-485B-9764-EAC9E56C1D49}" type="datetimeFigureOut">
               <a:rPr lang="en-US" smtClean="0"/>
-              <a:t>1/7/2017</a:t>
+              <a:t>4/14/2018</a:t>
             </a:fld>
             <a:endParaRPr lang="en-US"/>
           </a:p>
@@ -822,7 +911,7 @@
           <a:p>
             <a:fld id="{78C97017-6FC3-485B-9764-EAC9E56C1D49}" type="datetimeFigureOut">
               <a:rPr lang="en-US" smtClean="0"/>
-              <a:t>1/7/2017</a:t>
+              <a:t>4/14/2018</a:t>
             </a:fld>
             <a:endParaRPr lang="en-US"/>
           </a:p>
@@ -912,8 +1001,8 @@
         </p:nvSpPr>
         <p:spPr>
           <a:xfrm>
-            <a:off x="6629400" y="274638"/>
-            <a:ext cx="2057400" cy="5851525"/>
+            <a:off x="8839200" y="274640"/>
+            <a:ext cx="2743200" cy="5851525"/>
           </a:xfrm>
         </p:spPr>
         <p:txBody>
@@ -939,8 +1028,8 @@
         </p:nvSpPr>
         <p:spPr>
           <a:xfrm>
-            <a:off x="457200" y="274638"/>
-            <a:ext cx="6019800" cy="5851525"/>
+            <a:off x="609601" y="274640"/>
+            <a:ext cx="8026400" cy="5851525"/>
           </a:xfrm>
         </p:spPr>
         <p:txBody>
@@ -1000,7 +1089,7 @@
           <a:p>
             <a:fld id="{78C97017-6FC3-485B-9764-EAC9E56C1D49}" type="datetimeFigureOut">
               <a:rPr lang="en-US" smtClean="0"/>
-              <a:t>1/7/2017</a:t>
+              <a:t>4/14/2018</a:t>
             </a:fld>
             <a:endParaRPr lang="en-US"/>
           </a:p>
@@ -1168,7 +1257,7 @@
           <a:p>
             <a:fld id="{78C97017-6FC3-485B-9764-EAC9E56C1D49}" type="datetimeFigureOut">
               <a:rPr lang="en-US" smtClean="0"/>
-              <a:t>1/7/2017</a:t>
+              <a:t>4/14/2018</a:t>
             </a:fld>
             <a:endParaRPr lang="en-US"/>
           </a:p>
@@ -1258,15 +1347,15 @@
         </p:nvSpPr>
         <p:spPr>
           <a:xfrm>
-            <a:off x="722313" y="4406900"/>
-            <a:ext cx="7772400" cy="1362075"/>
+            <a:off x="963084" y="4406905"/>
+            <a:ext cx="10363200" cy="1362075"/>
           </a:xfrm>
         </p:spPr>
         <p:txBody>
           <a:bodyPr anchor="t"/>
           <a:lstStyle>
             <a:lvl1pPr algn="l">
-              <a:defRPr sz="4000" b="1" cap="all"/>
+              <a:defRPr sz="4001" b="1" cap="all"/>
             </a:lvl1pPr>
           </a:lstStyle>
           <a:p>
@@ -1289,8 +1378,8 @@
         </p:nvSpPr>
         <p:spPr>
           <a:xfrm>
-            <a:off x="722313" y="2906713"/>
-            <a:ext cx="7772400" cy="1500187"/>
+            <a:off x="963084" y="2906714"/>
+            <a:ext cx="10363200" cy="1500187"/>
           </a:xfrm>
         </p:spPr>
         <p:txBody>
@@ -1306,7 +1395,7 @@
                 </a:solidFill>
               </a:defRPr>
             </a:lvl1pPr>
-            <a:lvl2pPr marL="457200" indent="0">
+            <a:lvl2pPr marL="457239" indent="0">
               <a:buNone/>
               <a:defRPr sz="1800">
                 <a:solidFill>
@@ -1316,7 +1405,7 @@
                 </a:solidFill>
               </a:defRPr>
             </a:lvl2pPr>
-            <a:lvl3pPr marL="914400" indent="0">
+            <a:lvl3pPr marL="914478" indent="0">
               <a:buNone/>
               <a:defRPr sz="1600">
                 <a:solidFill>
@@ -1326,7 +1415,7 @@
                 </a:solidFill>
               </a:defRPr>
             </a:lvl3pPr>
-            <a:lvl4pPr marL="1371600" indent="0">
+            <a:lvl4pPr marL="1371717" indent="0">
               <a:buNone/>
               <a:defRPr sz="1400">
                 <a:solidFill>
@@ -1336,7 +1425,7 @@
                 </a:solidFill>
               </a:defRPr>
             </a:lvl4pPr>
-            <a:lvl5pPr marL="1828800" indent="0">
+            <a:lvl5pPr marL="1828956" indent="0">
               <a:buNone/>
               <a:defRPr sz="1400">
                 <a:solidFill>
@@ -1346,7 +1435,7 @@
                 </a:solidFill>
               </a:defRPr>
             </a:lvl5pPr>
-            <a:lvl6pPr marL="2286000" indent="0">
+            <a:lvl6pPr marL="2286193" indent="0">
               <a:buNone/>
               <a:defRPr sz="1400">
                 <a:solidFill>
@@ -1356,7 +1445,7 @@
                 </a:solidFill>
               </a:defRPr>
             </a:lvl6pPr>
-            <a:lvl7pPr marL="2743200" indent="0">
+            <a:lvl7pPr marL="2743434" indent="0">
               <a:buNone/>
               <a:defRPr sz="1400">
                 <a:solidFill>
@@ -1366,7 +1455,7 @@
                 </a:solidFill>
               </a:defRPr>
             </a:lvl7pPr>
-            <a:lvl8pPr marL="3200400" indent="0">
+            <a:lvl8pPr marL="3200672" indent="0">
               <a:buNone/>
               <a:defRPr sz="1400">
                 <a:solidFill>
@@ -1376,7 +1465,7 @@
                 </a:solidFill>
               </a:defRPr>
             </a:lvl8pPr>
-            <a:lvl9pPr marL="3657600" indent="0">
+            <a:lvl9pPr marL="3657911" indent="0">
               <a:buNone/>
               <a:defRPr sz="1400">
                 <a:solidFill>
@@ -1413,7 +1502,7 @@
           <a:p>
             <a:fld id="{78C97017-6FC3-485B-9764-EAC9E56C1D49}" type="datetimeFigureOut">
               <a:rPr lang="en-US" smtClean="0"/>
-              <a:t>1/7/2017</a:t>
+              <a:t>4/14/2018</a:t>
             </a:fld>
             <a:endParaRPr lang="en-US"/>
           </a:p>
@@ -1525,8 +1614,8 @@
         </p:nvSpPr>
         <p:spPr>
           <a:xfrm>
-            <a:off x="457200" y="1600200"/>
-            <a:ext cx="4038600" cy="4525963"/>
+            <a:off x="609600" y="1600202"/>
+            <a:ext cx="5384800" cy="4525963"/>
           </a:xfrm>
         </p:spPr>
         <p:txBody>
@@ -1609,8 +1698,8 @@
         </p:nvSpPr>
         <p:spPr>
           <a:xfrm>
-            <a:off x="4648200" y="1600200"/>
-            <a:ext cx="4038600" cy="4525963"/>
+            <a:off x="6197600" y="1600202"/>
+            <a:ext cx="5384800" cy="4525963"/>
           </a:xfrm>
         </p:spPr>
         <p:txBody>
@@ -1698,7 +1787,7 @@
           <a:p>
             <a:fld id="{78C97017-6FC3-485B-9764-EAC9E56C1D49}" type="datetimeFigureOut">
               <a:rPr lang="en-US" smtClean="0"/>
-              <a:t>1/7/2017</a:t>
+              <a:t>4/14/2018</a:t>
             </a:fld>
             <a:endParaRPr lang="en-US"/>
           </a:p>
@@ -1814,8 +1903,8 @@
         </p:nvSpPr>
         <p:spPr>
           <a:xfrm>
-            <a:off x="457200" y="1535113"/>
-            <a:ext cx="4040188" cy="639762"/>
+            <a:off x="609605" y="1535113"/>
+            <a:ext cx="5386917" cy="639762"/>
           </a:xfrm>
         </p:spPr>
         <p:txBody>
@@ -1825,35 +1914,35 @@
               <a:buNone/>
               <a:defRPr sz="2400" b="1"/>
             </a:lvl1pPr>
-            <a:lvl2pPr marL="457200" indent="0">
+            <a:lvl2pPr marL="457239" indent="0">
               <a:buNone/>
               <a:defRPr sz="2000" b="1"/>
             </a:lvl2pPr>
-            <a:lvl3pPr marL="914400" indent="0">
+            <a:lvl3pPr marL="914478" indent="0">
               <a:buNone/>
               <a:defRPr sz="1800" b="1"/>
             </a:lvl3pPr>
-            <a:lvl4pPr marL="1371600" indent="0">
+            <a:lvl4pPr marL="1371717" indent="0">
               <a:buNone/>
               <a:defRPr sz="1600" b="1"/>
             </a:lvl4pPr>
-            <a:lvl5pPr marL="1828800" indent="0">
+            <a:lvl5pPr marL="1828956" indent="0">
               <a:buNone/>
               <a:defRPr sz="1600" b="1"/>
             </a:lvl5pPr>
-            <a:lvl6pPr marL="2286000" indent="0">
+            <a:lvl6pPr marL="2286193" indent="0">
               <a:buNone/>
               <a:defRPr sz="1600" b="1"/>
             </a:lvl6pPr>
-            <a:lvl7pPr marL="2743200" indent="0">
+            <a:lvl7pPr marL="2743434" indent="0">
               <a:buNone/>
               <a:defRPr sz="1600" b="1"/>
             </a:lvl7pPr>
-            <a:lvl8pPr marL="3200400" indent="0">
+            <a:lvl8pPr marL="3200672" indent="0">
               <a:buNone/>
               <a:defRPr sz="1600" b="1"/>
             </a:lvl8pPr>
-            <a:lvl9pPr marL="3657600" indent="0">
+            <a:lvl9pPr marL="3657911" indent="0">
               <a:buNone/>
               <a:defRPr sz="1600" b="1"/>
             </a:lvl9pPr>
@@ -1879,8 +1968,8 @@
         </p:nvSpPr>
         <p:spPr>
           <a:xfrm>
-            <a:off x="457200" y="2174875"/>
-            <a:ext cx="4040188" cy="3951288"/>
+            <a:off x="609605" y="2174876"/>
+            <a:ext cx="5386917" cy="3951288"/>
           </a:xfrm>
         </p:spPr>
         <p:txBody>
@@ -1963,8 +2052,8 @@
         </p:nvSpPr>
         <p:spPr>
           <a:xfrm>
-            <a:off x="4645025" y="1535113"/>
-            <a:ext cx="4041775" cy="639762"/>
+            <a:off x="6193374" y="1535113"/>
+            <a:ext cx="5389033" cy="639762"/>
           </a:xfrm>
         </p:spPr>
         <p:txBody>
@@ -1974,35 +2063,35 @@
               <a:buNone/>
               <a:defRPr sz="2400" b="1"/>
             </a:lvl1pPr>
-            <a:lvl2pPr marL="457200" indent="0">
+            <a:lvl2pPr marL="457239" indent="0">
               <a:buNone/>
               <a:defRPr sz="2000" b="1"/>
             </a:lvl2pPr>
-            <a:lvl3pPr marL="914400" indent="0">
+            <a:lvl3pPr marL="914478" indent="0">
               <a:buNone/>
               <a:defRPr sz="1800" b="1"/>
             </a:lvl3pPr>
-            <a:lvl4pPr marL="1371600" indent="0">
+            <a:lvl4pPr marL="1371717" indent="0">
               <a:buNone/>
               <a:defRPr sz="1600" b="1"/>
             </a:lvl4pPr>
-            <a:lvl5pPr marL="1828800" indent="0">
+            <a:lvl5pPr marL="1828956" indent="0">
               <a:buNone/>
               <a:defRPr sz="1600" b="1"/>
             </a:lvl5pPr>
-            <a:lvl6pPr marL="2286000" indent="0">
+            <a:lvl6pPr marL="2286193" indent="0">
               <a:buNone/>
               <a:defRPr sz="1600" b="1"/>
             </a:lvl6pPr>
-            <a:lvl7pPr marL="2743200" indent="0">
+            <a:lvl7pPr marL="2743434" indent="0">
               <a:buNone/>
               <a:defRPr sz="1600" b="1"/>
             </a:lvl7pPr>
-            <a:lvl8pPr marL="3200400" indent="0">
+            <a:lvl8pPr marL="3200672" indent="0">
               <a:buNone/>
               <a:defRPr sz="1600" b="1"/>
             </a:lvl8pPr>
-            <a:lvl9pPr marL="3657600" indent="0">
+            <a:lvl9pPr marL="3657911" indent="0">
               <a:buNone/>
               <a:defRPr sz="1600" b="1"/>
             </a:lvl9pPr>
@@ -2028,8 +2117,8 @@
         </p:nvSpPr>
         <p:spPr>
           <a:xfrm>
-            <a:off x="4645025" y="2174875"/>
-            <a:ext cx="4041775" cy="3951288"/>
+            <a:off x="6193374" y="2174876"/>
+            <a:ext cx="5389033" cy="3951288"/>
           </a:xfrm>
         </p:spPr>
         <p:txBody>
@@ -2117,7 +2206,7 @@
           <a:p>
             <a:fld id="{78C97017-6FC3-485B-9764-EAC9E56C1D49}" type="datetimeFigureOut">
               <a:rPr lang="en-US" smtClean="0"/>
-              <a:t>1/7/2017</a:t>
+              <a:t>4/14/2018</a:t>
             </a:fld>
             <a:endParaRPr lang="en-US"/>
           </a:p>
@@ -2234,7 +2323,7 @@
           <a:p>
             <a:fld id="{78C97017-6FC3-485B-9764-EAC9E56C1D49}" type="datetimeFigureOut">
               <a:rPr lang="en-US" smtClean="0"/>
-              <a:t>1/7/2017</a:t>
+              <a:t>4/14/2018</a:t>
             </a:fld>
             <a:endParaRPr lang="en-US"/>
           </a:p>
@@ -2329,7 +2418,7 @@
           <a:p>
             <a:fld id="{78C97017-6FC3-485B-9764-EAC9E56C1D49}" type="datetimeFigureOut">
               <a:rPr lang="en-US" smtClean="0"/>
-              <a:t>1/7/2017</a:t>
+              <a:t>4/14/2018</a:t>
             </a:fld>
             <a:endParaRPr lang="en-US"/>
           </a:p>
@@ -2419,8 +2508,8 @@
         </p:nvSpPr>
         <p:spPr>
           <a:xfrm>
-            <a:off x="457200" y="273050"/>
-            <a:ext cx="3008313" cy="1162050"/>
+            <a:off x="609602" y="273054"/>
+            <a:ext cx="4011084" cy="1162050"/>
           </a:xfrm>
         </p:spPr>
         <p:txBody>
@@ -2450,8 +2539,8 @@
         </p:nvSpPr>
         <p:spPr>
           <a:xfrm>
-            <a:off x="3575050" y="273050"/>
-            <a:ext cx="5111750" cy="5853113"/>
+            <a:off x="4766739" y="273052"/>
+            <a:ext cx="6815667" cy="5853113"/>
           </a:xfrm>
         </p:spPr>
         <p:txBody>
@@ -2534,8 +2623,8 @@
         </p:nvSpPr>
         <p:spPr>
           <a:xfrm>
-            <a:off x="457200" y="1435100"/>
-            <a:ext cx="3008313" cy="4691063"/>
+            <a:off x="609602" y="1435104"/>
+            <a:ext cx="4011084" cy="4691063"/>
           </a:xfrm>
         </p:spPr>
         <p:txBody>
@@ -2545,35 +2634,35 @@
               <a:buNone/>
               <a:defRPr sz="1400"/>
             </a:lvl1pPr>
-            <a:lvl2pPr marL="457200" indent="0">
+            <a:lvl2pPr marL="457239" indent="0">
               <a:buNone/>
               <a:defRPr sz="1200"/>
             </a:lvl2pPr>
-            <a:lvl3pPr marL="914400" indent="0">
+            <a:lvl3pPr marL="914478" indent="0">
               <a:buNone/>
               <a:defRPr sz="1000"/>
             </a:lvl3pPr>
-            <a:lvl4pPr marL="1371600" indent="0">
+            <a:lvl4pPr marL="1371717" indent="0">
               <a:buNone/>
               <a:defRPr sz="900"/>
             </a:lvl4pPr>
-            <a:lvl5pPr marL="1828800" indent="0">
+            <a:lvl5pPr marL="1828956" indent="0">
               <a:buNone/>
               <a:defRPr sz="900"/>
             </a:lvl5pPr>
-            <a:lvl6pPr marL="2286000" indent="0">
+            <a:lvl6pPr marL="2286193" indent="0">
               <a:buNone/>
               <a:defRPr sz="900"/>
             </a:lvl6pPr>
-            <a:lvl7pPr marL="2743200" indent="0">
+            <a:lvl7pPr marL="2743434" indent="0">
               <a:buNone/>
               <a:defRPr sz="900"/>
             </a:lvl7pPr>
-            <a:lvl8pPr marL="3200400" indent="0">
+            <a:lvl8pPr marL="3200672" indent="0">
               <a:buNone/>
               <a:defRPr sz="900"/>
             </a:lvl8pPr>
-            <a:lvl9pPr marL="3657600" indent="0">
+            <a:lvl9pPr marL="3657911" indent="0">
               <a:buNone/>
               <a:defRPr sz="900"/>
             </a:lvl9pPr>
@@ -2604,7 +2693,7 @@
           <a:p>
             <a:fld id="{78C97017-6FC3-485B-9764-EAC9E56C1D49}" type="datetimeFigureOut">
               <a:rPr lang="en-US" smtClean="0"/>
-              <a:t>1/7/2017</a:t>
+              <a:t>4/14/2018</a:t>
             </a:fld>
             <a:endParaRPr lang="en-US"/>
           </a:p>
@@ -2694,8 +2783,8 @@
         </p:nvSpPr>
         <p:spPr>
           <a:xfrm>
-            <a:off x="1792288" y="4800600"/>
-            <a:ext cx="5486400" cy="566738"/>
+            <a:off x="2389717" y="4800601"/>
+            <a:ext cx="7315200" cy="566738"/>
           </a:xfrm>
         </p:spPr>
         <p:txBody>
@@ -2725,8 +2814,8 @@
         </p:nvSpPr>
         <p:spPr>
           <a:xfrm>
-            <a:off x="1792288" y="612775"/>
-            <a:ext cx="5486400" cy="4114800"/>
+            <a:off x="2389717" y="612775"/>
+            <a:ext cx="7315200" cy="4114800"/>
           </a:xfrm>
         </p:spPr>
         <p:txBody>
@@ -2736,35 +2825,35 @@
               <a:buNone/>
               <a:defRPr sz="3200"/>
             </a:lvl1pPr>
-            <a:lvl2pPr marL="457200" indent="0">
+            <a:lvl2pPr marL="457239" indent="0">
               <a:buNone/>
               <a:defRPr sz="2800"/>
             </a:lvl2pPr>
-            <a:lvl3pPr marL="914400" indent="0">
+            <a:lvl3pPr marL="914478" indent="0">
               <a:buNone/>
               <a:defRPr sz="2400"/>
             </a:lvl3pPr>
-            <a:lvl4pPr marL="1371600" indent="0">
+            <a:lvl4pPr marL="1371717" indent="0">
               <a:buNone/>
               <a:defRPr sz="2000"/>
             </a:lvl4pPr>
-            <a:lvl5pPr marL="1828800" indent="0">
+            <a:lvl5pPr marL="1828956" indent="0">
               <a:buNone/>
               <a:defRPr sz="2000"/>
             </a:lvl5pPr>
-            <a:lvl6pPr marL="2286000" indent="0">
+            <a:lvl6pPr marL="2286193" indent="0">
               <a:buNone/>
               <a:defRPr sz="2000"/>
             </a:lvl6pPr>
-            <a:lvl7pPr marL="2743200" indent="0">
+            <a:lvl7pPr marL="2743434" indent="0">
               <a:buNone/>
               <a:defRPr sz="2000"/>
             </a:lvl7pPr>
-            <a:lvl8pPr marL="3200400" indent="0">
+            <a:lvl8pPr marL="3200672" indent="0">
               <a:buNone/>
               <a:defRPr sz="2000"/>
             </a:lvl8pPr>
-            <a:lvl9pPr marL="3657600" indent="0">
+            <a:lvl9pPr marL="3657911" indent="0">
               <a:buNone/>
               <a:defRPr sz="2000"/>
             </a:lvl9pPr>
@@ -2786,8 +2875,8 @@
         </p:nvSpPr>
         <p:spPr>
           <a:xfrm>
-            <a:off x="1792288" y="5367338"/>
-            <a:ext cx="5486400" cy="804862"/>
+            <a:off x="2389717" y="5367342"/>
+            <a:ext cx="7315200" cy="804862"/>
           </a:xfrm>
         </p:spPr>
         <p:txBody>
@@ -2797,35 +2886,35 @@
               <a:buNone/>
               <a:defRPr sz="1400"/>
             </a:lvl1pPr>
-            <a:lvl2pPr marL="457200" indent="0">
+            <a:lvl2pPr marL="457239" indent="0">
               <a:buNone/>
               <a:defRPr sz="1200"/>
             </a:lvl2pPr>
-            <a:lvl3pPr marL="914400" indent="0">
+            <a:lvl3pPr marL="914478" indent="0">
               <a:buNone/>
               <a:defRPr sz="1000"/>
             </a:lvl3pPr>
-            <a:lvl4pPr marL="1371600" indent="0">
+            <a:lvl4pPr marL="1371717" indent="0">
               <a:buNone/>
               <a:defRPr sz="900"/>
             </a:lvl4pPr>
-            <a:lvl5pPr marL="1828800" indent="0">
+            <a:lvl5pPr marL="1828956" indent="0">
               <a:buNone/>
               <a:defRPr sz="900"/>
             </a:lvl5pPr>
-            <a:lvl6pPr marL="2286000" indent="0">
+            <a:lvl6pPr marL="2286193" indent="0">
               <a:buNone/>
               <a:defRPr sz="900"/>
             </a:lvl6pPr>
-            <a:lvl7pPr marL="2743200" indent="0">
+            <a:lvl7pPr marL="2743434" indent="0">
               <a:buNone/>
               <a:defRPr sz="900"/>
             </a:lvl7pPr>
-            <a:lvl8pPr marL="3200400" indent="0">
+            <a:lvl8pPr marL="3200672" indent="0">
               <a:buNone/>
               <a:defRPr sz="900"/>
             </a:lvl8pPr>
-            <a:lvl9pPr marL="3657600" indent="0">
+            <a:lvl9pPr marL="3657911" indent="0">
               <a:buNone/>
               <a:defRPr sz="900"/>
             </a:lvl9pPr>
@@ -2856,7 +2945,7 @@
           <a:p>
             <a:fld id="{78C97017-6FC3-485B-9764-EAC9E56C1D49}" type="datetimeFigureOut">
               <a:rPr lang="en-US" smtClean="0"/>
-              <a:t>1/7/2017</a:t>
+              <a:t>4/14/2018</a:t>
             </a:fld>
             <a:endParaRPr lang="en-US"/>
           </a:p>
@@ -2951,8 +3040,8 @@
         </p:nvSpPr>
         <p:spPr>
           <a:xfrm>
-            <a:off x="457200" y="274638"/>
-            <a:ext cx="8229600" cy="1143000"/>
+            <a:off x="609602" y="274638"/>
+            <a:ext cx="10972800" cy="1143000"/>
           </a:xfrm>
           <a:prstGeom prst="rect">
             <a:avLst/>
@@ -2983,8 +3072,8 @@
         </p:nvSpPr>
         <p:spPr>
           <a:xfrm>
-            <a:off x="457200" y="1600200"/>
-            <a:ext cx="8229600" cy="4525963"/>
+            <a:off x="609602" y="1600202"/>
+            <a:ext cx="10972800" cy="4525963"/>
           </a:xfrm>
           <a:prstGeom prst="rect">
             <a:avLst/>
@@ -3044,8 +3133,8 @@
         </p:nvSpPr>
         <p:spPr>
           <a:xfrm>
-            <a:off x="457200" y="6356350"/>
-            <a:ext cx="2133600" cy="365125"/>
+            <a:off x="609602" y="6356356"/>
+            <a:ext cx="2844800" cy="365125"/>
           </a:xfrm>
           <a:prstGeom prst="rect">
             <a:avLst/>
@@ -3067,7 +3156,7 @@
           <a:p>
             <a:fld id="{78C97017-6FC3-485B-9764-EAC9E56C1D49}" type="datetimeFigureOut">
               <a:rPr lang="en-US" smtClean="0"/>
-              <a:t>1/7/2017</a:t>
+              <a:t>4/14/2018</a:t>
             </a:fld>
             <a:endParaRPr lang="en-US"/>
           </a:p>
@@ -3085,8 +3174,8 @@
         </p:nvSpPr>
         <p:spPr>
           <a:xfrm>
-            <a:off x="3124200" y="6356350"/>
-            <a:ext cx="2895600" cy="365125"/>
+            <a:off x="4165602" y="6356356"/>
+            <a:ext cx="3860800" cy="365125"/>
           </a:xfrm>
           <a:prstGeom prst="rect">
             <a:avLst/>
@@ -3122,8 +3211,8 @@
         </p:nvSpPr>
         <p:spPr>
           <a:xfrm>
-            <a:off x="6553200" y="6356350"/>
-            <a:ext cx="2133600" cy="365125"/>
+            <a:off x="8737602" y="6356356"/>
+            <a:ext cx="2844800" cy="365125"/>
           </a:xfrm>
           <a:prstGeom prst="rect">
             <a:avLst/>
@@ -3174,12 +3263,12 @@
   </p:sldLayoutIdLst>
   <p:txStyles>
     <p:titleStyle>
-      <a:lvl1pPr algn="ctr" defTabSz="914400" rtl="0" eaLnBrk="1" latinLnBrk="0" hangingPunct="1">
+      <a:lvl1pPr algn="ctr" defTabSz="914478" rtl="0" eaLnBrk="1" latinLnBrk="0" hangingPunct="1">
         <a:spcBef>
           <a:spcPct val="0"/>
         </a:spcBef>
         <a:buNone/>
-        <a:defRPr sz="4400" kern="1200">
+        <a:defRPr sz="4401" kern="1200">
           <a:solidFill>
             <a:schemeClr val="tx1"/>
           </a:solidFill>
@@ -3190,7 +3279,7 @@
       </a:lvl1pPr>
     </p:titleStyle>
     <p:bodyStyle>
-      <a:lvl1pPr marL="342900" indent="-342900" algn="l" defTabSz="914400" rtl="0" eaLnBrk="1" latinLnBrk="0" hangingPunct="1">
+      <a:lvl1pPr marL="342930" indent="-342930" algn="l" defTabSz="914478" rtl="0" eaLnBrk="1" latinLnBrk="0" hangingPunct="1">
         <a:spcBef>
           <a:spcPct val="20000"/>
         </a:spcBef>
@@ -3205,7 +3294,7 @@
           <a:cs typeface="+mn-cs"/>
         </a:defRPr>
       </a:lvl1pPr>
-      <a:lvl2pPr marL="742950" indent="-285750" algn="l" defTabSz="914400" rtl="0" eaLnBrk="1" latinLnBrk="0" hangingPunct="1">
+      <a:lvl2pPr marL="743014" indent="-285775" algn="l" defTabSz="914478" rtl="0" eaLnBrk="1" latinLnBrk="0" hangingPunct="1">
         <a:spcBef>
           <a:spcPct val="20000"/>
         </a:spcBef>
@@ -3220,7 +3309,7 @@
           <a:cs typeface="+mn-cs"/>
         </a:defRPr>
       </a:lvl2pPr>
-      <a:lvl3pPr marL="1143000" indent="-228600" algn="l" defTabSz="914400" rtl="0" eaLnBrk="1" latinLnBrk="0" hangingPunct="1">
+      <a:lvl3pPr marL="1143097" indent="-228619" algn="l" defTabSz="914478" rtl="0" eaLnBrk="1" latinLnBrk="0" hangingPunct="1">
         <a:spcBef>
           <a:spcPct val="20000"/>
         </a:spcBef>
@@ -3235,7 +3324,7 @@
           <a:cs typeface="+mn-cs"/>
         </a:defRPr>
       </a:lvl3pPr>
-      <a:lvl4pPr marL="1600200" indent="-228600" algn="l" defTabSz="914400" rtl="0" eaLnBrk="1" latinLnBrk="0" hangingPunct="1">
+      <a:lvl4pPr marL="1600335" indent="-228619" algn="l" defTabSz="914478" rtl="0" eaLnBrk="1" latinLnBrk="0" hangingPunct="1">
         <a:spcBef>
           <a:spcPct val="20000"/>
         </a:spcBef>
@@ -3250,7 +3339,7 @@
           <a:cs typeface="+mn-cs"/>
         </a:defRPr>
       </a:lvl4pPr>
-      <a:lvl5pPr marL="2057400" indent="-228600" algn="l" defTabSz="914400" rtl="0" eaLnBrk="1" latinLnBrk="0" hangingPunct="1">
+      <a:lvl5pPr marL="2057575" indent="-228619" algn="l" defTabSz="914478" rtl="0" eaLnBrk="1" latinLnBrk="0" hangingPunct="1">
         <a:spcBef>
           <a:spcPct val="20000"/>
         </a:spcBef>
@@ -3265,7 +3354,7 @@
           <a:cs typeface="+mn-cs"/>
         </a:defRPr>
       </a:lvl5pPr>
-      <a:lvl6pPr marL="2514600" indent="-228600" algn="l" defTabSz="914400" rtl="0" eaLnBrk="1" latinLnBrk="0" hangingPunct="1">
+      <a:lvl6pPr marL="2514814" indent="-228619" algn="l" defTabSz="914478" rtl="0" eaLnBrk="1" latinLnBrk="0" hangingPunct="1">
         <a:spcBef>
           <a:spcPct val="20000"/>
         </a:spcBef>
@@ -3280,7 +3369,7 @@
           <a:cs typeface="+mn-cs"/>
         </a:defRPr>
       </a:lvl6pPr>
-      <a:lvl7pPr marL="2971800" indent="-228600" algn="l" defTabSz="914400" rtl="0" eaLnBrk="1" latinLnBrk="0" hangingPunct="1">
+      <a:lvl7pPr marL="2972052" indent="-228619" algn="l" defTabSz="914478" rtl="0" eaLnBrk="1" latinLnBrk="0" hangingPunct="1">
         <a:spcBef>
           <a:spcPct val="20000"/>
         </a:spcBef>
@@ -3295,7 +3384,7 @@
           <a:cs typeface="+mn-cs"/>
         </a:defRPr>
       </a:lvl7pPr>
-      <a:lvl8pPr marL="3429000" indent="-228600" algn="l" defTabSz="914400" rtl="0" eaLnBrk="1" latinLnBrk="0" hangingPunct="1">
+      <a:lvl8pPr marL="3429292" indent="-228619" algn="l" defTabSz="914478" rtl="0" eaLnBrk="1" latinLnBrk="0" hangingPunct="1">
         <a:spcBef>
           <a:spcPct val="20000"/>
         </a:spcBef>
@@ -3310,7 +3399,7 @@
           <a:cs typeface="+mn-cs"/>
         </a:defRPr>
       </a:lvl8pPr>
-      <a:lvl9pPr marL="3886200" indent="-228600" algn="l" defTabSz="914400" rtl="0" eaLnBrk="1" latinLnBrk="0" hangingPunct="1">
+      <a:lvl9pPr marL="3886530" indent="-228619" algn="l" defTabSz="914478" rtl="0" eaLnBrk="1" latinLnBrk="0" hangingPunct="1">
         <a:spcBef>
           <a:spcPct val="20000"/>
         </a:spcBef>
@@ -3330,7 +3419,7 @@
       <a:defPPr>
         <a:defRPr lang="en-US"/>
       </a:defPPr>
-      <a:lvl1pPr marL="0" algn="l" defTabSz="914400" rtl="0" eaLnBrk="1" latinLnBrk="0" hangingPunct="1">
+      <a:lvl1pPr marL="0" algn="l" defTabSz="914478" rtl="0" eaLnBrk="1" latinLnBrk="0" hangingPunct="1">
         <a:defRPr sz="1800" kern="1200">
           <a:solidFill>
             <a:schemeClr val="tx1"/>
@@ -3340,7 +3429,7 @@
           <a:cs typeface="+mn-cs"/>
         </a:defRPr>
       </a:lvl1pPr>
-      <a:lvl2pPr marL="457200" algn="l" defTabSz="914400" rtl="0" eaLnBrk="1" latinLnBrk="0" hangingPunct="1">
+      <a:lvl2pPr marL="457239" algn="l" defTabSz="914478" rtl="0" eaLnBrk="1" latinLnBrk="0" hangingPunct="1">
         <a:defRPr sz="1800" kern="1200">
           <a:solidFill>
             <a:schemeClr val="tx1"/>
@@ -3350,7 +3439,7 @@
           <a:cs typeface="+mn-cs"/>
         </a:defRPr>
       </a:lvl2pPr>
-      <a:lvl3pPr marL="914400" algn="l" defTabSz="914400" rtl="0" eaLnBrk="1" latinLnBrk="0" hangingPunct="1">
+      <a:lvl3pPr marL="914478" algn="l" defTabSz="914478" rtl="0" eaLnBrk="1" latinLnBrk="0" hangingPunct="1">
         <a:defRPr sz="1800" kern="1200">
           <a:solidFill>
             <a:schemeClr val="tx1"/>
@@ -3360,7 +3449,7 @@
           <a:cs typeface="+mn-cs"/>
         </a:defRPr>
       </a:lvl3pPr>
-      <a:lvl4pPr marL="1371600" algn="l" defTabSz="914400" rtl="0" eaLnBrk="1" latinLnBrk="0" hangingPunct="1">
+      <a:lvl4pPr marL="1371717" algn="l" defTabSz="914478" rtl="0" eaLnBrk="1" latinLnBrk="0" hangingPunct="1">
         <a:defRPr sz="1800" kern="1200">
           <a:solidFill>
             <a:schemeClr val="tx1"/>
@@ -3370,7 +3459,7 @@
           <a:cs typeface="+mn-cs"/>
         </a:defRPr>
       </a:lvl4pPr>
-      <a:lvl5pPr marL="1828800" algn="l" defTabSz="914400" rtl="0" eaLnBrk="1" latinLnBrk="0" hangingPunct="1">
+      <a:lvl5pPr marL="1828956" algn="l" defTabSz="914478" rtl="0" eaLnBrk="1" latinLnBrk="0" hangingPunct="1">
         <a:defRPr sz="1800" kern="1200">
           <a:solidFill>
             <a:schemeClr val="tx1"/>
@@ -3380,7 +3469,7 @@
           <a:cs typeface="+mn-cs"/>
         </a:defRPr>
       </a:lvl5pPr>
-      <a:lvl6pPr marL="2286000" algn="l" defTabSz="914400" rtl="0" eaLnBrk="1" latinLnBrk="0" hangingPunct="1">
+      <a:lvl6pPr marL="2286193" algn="l" defTabSz="914478" rtl="0" eaLnBrk="1" latinLnBrk="0" hangingPunct="1">
         <a:defRPr sz="1800" kern="1200">
           <a:solidFill>
             <a:schemeClr val="tx1"/>
@@ -3390,7 +3479,7 @@
           <a:cs typeface="+mn-cs"/>
         </a:defRPr>
       </a:lvl6pPr>
-      <a:lvl7pPr marL="2743200" algn="l" defTabSz="914400" rtl="0" eaLnBrk="1" latinLnBrk="0" hangingPunct="1">
+      <a:lvl7pPr marL="2743434" algn="l" defTabSz="914478" rtl="0" eaLnBrk="1" latinLnBrk="0" hangingPunct="1">
         <a:defRPr sz="1800" kern="1200">
           <a:solidFill>
             <a:schemeClr val="tx1"/>
@@ -3400,7 +3489,7 @@
           <a:cs typeface="+mn-cs"/>
         </a:defRPr>
       </a:lvl7pPr>
-      <a:lvl8pPr marL="3200400" algn="l" defTabSz="914400" rtl="0" eaLnBrk="1" latinLnBrk="0" hangingPunct="1">
+      <a:lvl8pPr marL="3200672" algn="l" defTabSz="914478" rtl="0" eaLnBrk="1" latinLnBrk="0" hangingPunct="1">
         <a:defRPr sz="1800" kern="1200">
           <a:solidFill>
             <a:schemeClr val="tx1"/>
@@ -3410,7 +3499,7 @@
           <a:cs typeface="+mn-cs"/>
         </a:defRPr>
       </a:lvl8pPr>
-      <a:lvl9pPr marL="3657600" algn="l" defTabSz="914400" rtl="0" eaLnBrk="1" latinLnBrk="0" hangingPunct="1">
+      <a:lvl9pPr marL="3657911" algn="l" defTabSz="914478" rtl="0" eaLnBrk="1" latinLnBrk="0" hangingPunct="1">
         <a:defRPr sz="1800" kern="1200">
           <a:solidFill>
             <a:schemeClr val="tx1"/>
@@ -3442,2073 +3531,3453 @@
           <a:chExt cx="0" cy="0"/>
         </a:xfrm>
       </p:grpSpPr>
-      <p:sp>
-        <p:nvSpPr>
-          <p:cNvPr id="23" name="Rectangle 65"/>
-          <p:cNvSpPr/>
+      <p:grpSp>
+        <p:nvGrpSpPr>
+          <p:cNvPr id="193" name="Group 192">
+            <a:extLst>
+              <a:ext uri="{FF2B5EF4-FFF2-40B4-BE49-F238E27FC236}">
+                <a16:creationId xmlns:a16="http://schemas.microsoft.com/office/drawing/2014/main" id="{CC03D5A6-A199-4DCE-B90B-7022C07F45C6}"/>
+              </a:ext>
+            </a:extLst>
+          </p:cNvPr>
+          <p:cNvGrpSpPr/>
           <p:nvPr/>
-        </p:nvSpPr>
-        <p:spPr>
+        </p:nvGrpSpPr>
+        <p:grpSpPr>
           <a:xfrm>
-            <a:off x="1217465" y="1447800"/>
-            <a:ext cx="4917083" cy="3962400"/>
+            <a:off x="1143000" y="152400"/>
+            <a:ext cx="9386239" cy="6359673"/>
+            <a:chOff x="1143000" y="152400"/>
+            <a:chExt cx="9386239" cy="6359673"/>
           </a:xfrm>
-          <a:prstGeom prst="roundRect">
-            <a:avLst>
-              <a:gd name="adj" fmla="val 3484"/>
-            </a:avLst>
-          </a:prstGeom>
-          <a:solidFill>
-            <a:srgbClr val="F1F5E9"/>
-          </a:solidFill>
-          <a:ln w="19050">
-            <a:noFill/>
-          </a:ln>
-          <a:effectLst/>
-        </p:spPr>
-        <p:style>
-          <a:lnRef idx="1">
-            <a:schemeClr val="accent2"/>
-          </a:lnRef>
-          <a:fillRef idx="2">
-            <a:schemeClr val="accent2"/>
-          </a:fillRef>
-          <a:effectRef idx="1">
-            <a:schemeClr val="accent2"/>
-          </a:effectRef>
-          <a:fontRef idx="minor">
-            <a:schemeClr val="dk1"/>
-          </a:fontRef>
-        </p:style>
-        <p:txBody>
-          <a:bodyPr rtlCol="0" anchor="t"/>
-          <a:lstStyle/>
-          <a:p>
-            <a:r>
-              <a:rPr lang="en-US" sz="1200" b="1" dirty="0">
+        </p:grpSpPr>
+        <p:sp>
+          <p:nvSpPr>
+            <p:cNvPr id="23" name="Rectangle 65"/>
+            <p:cNvSpPr/>
+            <p:nvPr/>
+          </p:nvSpPr>
+          <p:spPr>
+            <a:xfrm>
+              <a:off x="1143000" y="231446"/>
+              <a:ext cx="8476514" cy="6280627"/>
+            </a:xfrm>
+            <a:prstGeom prst="roundRect">
+              <a:avLst>
+                <a:gd name="adj" fmla="val 3484"/>
+              </a:avLst>
+            </a:prstGeom>
+            <a:solidFill>
+              <a:srgbClr val="F1F5E9"/>
+            </a:solidFill>
+            <a:ln w="19050">
+              <a:noFill/>
+            </a:ln>
+            <a:effectLst/>
+          </p:spPr>
+          <p:style>
+            <a:lnRef idx="1">
+              <a:schemeClr val="accent2"/>
+            </a:lnRef>
+            <a:fillRef idx="2">
+              <a:schemeClr val="accent2"/>
+            </a:fillRef>
+            <a:effectRef idx="1">
+              <a:schemeClr val="accent2"/>
+            </a:effectRef>
+            <a:fontRef idx="minor">
+              <a:schemeClr val="dk1"/>
+            </a:fontRef>
+          </p:style>
+          <p:txBody>
+            <a:bodyPr rtlCol="0" anchor="t"/>
+            <a:lstStyle/>
+            <a:p>
+              <a:r>
+                <a:rPr lang="en-US" sz="1200" b="1" dirty="0">
+                  <a:solidFill>
+                    <a:schemeClr val="accent3">
+                      <a:lumMod val="75000"/>
+                    </a:schemeClr>
+                  </a:solidFill>
+                </a:rPr>
+                <a:t>UI</a:t>
+              </a:r>
+              <a:endParaRPr lang="en-SG" sz="1200" b="1" dirty="0">
                 <a:solidFill>
                   <a:schemeClr val="accent3">
                     <a:lumMod val="75000"/>
                   </a:schemeClr>
                 </a:solidFill>
-              </a:rPr>
-              <a:t>UI</a:t>
-            </a:r>
-            <a:endParaRPr lang="en-SG" sz="1200" b="1" dirty="0">
+              </a:endParaRPr>
+            </a:p>
+          </p:txBody>
+        </p:sp>
+        <p:sp>
+          <p:nvSpPr>
+            <p:cNvPr id="2" name="Rectangle 8"/>
+            <p:cNvSpPr/>
+            <p:nvPr/>
+          </p:nvSpPr>
+          <p:spPr>
+            <a:xfrm>
+              <a:off x="2972801" y="1265578"/>
+              <a:ext cx="1355458" cy="346760"/>
+            </a:xfrm>
+            <a:prstGeom prst="rect">
+              <a:avLst/>
+            </a:prstGeom>
+            <a:ln w="19050">
               <a:solidFill>
-                <a:schemeClr val="accent3">
-                  <a:lumMod val="75000"/>
-                </a:schemeClr>
+                <a:schemeClr val="accent3"/>
               </a:solidFill>
-            </a:endParaRPr>
-          </a:p>
-        </p:txBody>
-      </p:sp>
-      <p:sp>
-        <p:nvSpPr>
-          <p:cNvPr id="2" name="Rectangle 8"/>
-          <p:cNvSpPr/>
-          <p:nvPr/>
-        </p:nvSpPr>
-        <p:spPr>
-          <a:xfrm>
-            <a:off x="2095948" y="2341220"/>
-            <a:ext cx="1093635" cy="346760"/>
-          </a:xfrm>
-          <a:prstGeom prst="rect">
-            <a:avLst/>
-          </a:prstGeom>
-          <a:ln w="19050">
-            <a:solidFill>
+            </a:ln>
+            <a:effectLst/>
+          </p:spPr>
+          <p:style>
+            <a:lnRef idx="1">
               <a:schemeClr val="accent3"/>
-            </a:solidFill>
-          </a:ln>
-          <a:effectLst/>
-        </p:spPr>
-        <p:style>
-          <a:lnRef idx="1">
-            <a:schemeClr val="accent3"/>
-          </a:lnRef>
-          <a:fillRef idx="2">
-            <a:schemeClr val="accent3"/>
-          </a:fillRef>
-          <a:effectRef idx="1">
-            <a:schemeClr val="accent3"/>
-          </a:effectRef>
-          <a:fontRef idx="minor">
-            <a:schemeClr val="dk1"/>
-          </a:fontRef>
-        </p:style>
-        <p:txBody>
-          <a:bodyPr rtlCol="0" anchor="ctr"/>
-          <a:lstStyle/>
-          <a:p>
-            <a:pPr algn="ctr"/>
-            <a:r>
-              <a:rPr lang="en-US" sz="1050" b="1" dirty="0" err="1">
+            </a:lnRef>
+            <a:fillRef idx="2">
+              <a:schemeClr val="accent3"/>
+            </a:fillRef>
+            <a:effectRef idx="1">
+              <a:schemeClr val="accent3"/>
+            </a:effectRef>
+            <a:fontRef idx="minor">
+              <a:schemeClr val="dk1"/>
+            </a:fontRef>
+          </p:style>
+          <p:txBody>
+            <a:bodyPr rtlCol="0" anchor="ctr"/>
+            <a:lstStyle/>
+            <a:p>
+              <a:pPr algn="ctr"/>
+              <a:r>
+                <a:rPr lang="en-US" sz="1050" b="1" dirty="0" err="1">
+                  <a:solidFill>
+                    <a:schemeClr val="accent3">
+                      <a:lumMod val="75000"/>
+                    </a:schemeClr>
+                  </a:solidFill>
+                </a:rPr>
+                <a:t>MainWindow</a:t>
+              </a:r>
+              <a:endParaRPr lang="en-SG" sz="1050" b="1" dirty="0">
                 <a:solidFill>
                   <a:schemeClr val="accent3">
                     <a:lumMod val="75000"/>
                   </a:schemeClr>
                 </a:solidFill>
-              </a:rPr>
-              <a:t>MainWindow</a:t>
-            </a:r>
-            <a:endParaRPr lang="en-SG" sz="1050" b="1" dirty="0">
+              </a:endParaRPr>
+            </a:p>
+          </p:txBody>
+        </p:sp>
+        <p:sp>
+          <p:nvSpPr>
+            <p:cNvPr id="9" name="Rectangle 62"/>
+            <p:cNvSpPr/>
+            <p:nvPr/>
+          </p:nvSpPr>
+          <p:spPr>
+            <a:xfrm>
+              <a:off x="3125351" y="667428"/>
+              <a:ext cx="1355458" cy="346760"/>
+            </a:xfrm>
+            <a:prstGeom prst="rect">
+              <a:avLst/>
+            </a:prstGeom>
+            <a:solidFill>
+              <a:srgbClr val="00B050"/>
+            </a:solidFill>
+            <a:ln w="19050">
               <a:solidFill>
-                <a:schemeClr val="accent3">
+                <a:srgbClr val="00B050"/>
+              </a:solidFill>
+            </a:ln>
+            <a:effectLst/>
+          </p:spPr>
+          <p:style>
+            <a:lnRef idx="1">
+              <a:schemeClr val="accent2"/>
+            </a:lnRef>
+            <a:fillRef idx="2">
+              <a:schemeClr val="accent2"/>
+            </a:fillRef>
+            <a:effectRef idx="1">
+              <a:schemeClr val="accent2"/>
+            </a:effectRef>
+            <a:fontRef idx="minor">
+              <a:schemeClr val="dk1"/>
+            </a:fontRef>
+          </p:style>
+          <p:txBody>
+            <a:bodyPr rtlCol="0" anchor="ctr"/>
+            <a:lstStyle/>
+            <a:p>
+              <a:pPr algn="ctr"/>
+              <a:r>
+                <a:rPr lang="en-US" sz="1050" dirty="0" err="1">
+                  <a:solidFill>
+                    <a:schemeClr val="bg1"/>
+                  </a:solidFill>
+                </a:rPr>
+                <a:t>UiManager</a:t>
+              </a:r>
+              <a:endParaRPr lang="en-SG" sz="1050" dirty="0">
+                <a:solidFill>
+                  <a:schemeClr val="bg1"/>
+                </a:solidFill>
+              </a:endParaRPr>
+            </a:p>
+          </p:txBody>
+        </p:sp>
+        <p:cxnSp>
+          <p:nvCxnSpPr>
+            <p:cNvPr id="10" name="Elbow Connector 63"/>
+            <p:cNvCxnSpPr>
+              <a:stCxn id="9" idx="2"/>
+              <a:endCxn id="2" idx="0"/>
+            </p:cNvCxnSpPr>
+            <p:nvPr/>
+          </p:nvCxnSpPr>
+          <p:spPr>
+            <a:xfrm rot="5400000">
+              <a:off x="3601110" y="1063608"/>
+              <a:ext cx="251390" cy="152550"/>
+            </a:xfrm>
+            <a:prstGeom prst="bentConnector3">
+              <a:avLst>
+                <a:gd name="adj1" fmla="val 50000"/>
+              </a:avLst>
+            </a:prstGeom>
+            <a:ln w="19050">
+              <a:solidFill>
+                <a:srgbClr val="00B050"/>
+              </a:solidFill>
+              <a:headEnd type="none" w="med" len="med"/>
+              <a:tailEnd type="arrow" w="med" len="med"/>
+            </a:ln>
+            <a:effectLst/>
+          </p:spPr>
+          <p:style>
+            <a:lnRef idx="1">
+              <a:schemeClr val="accent2"/>
+            </a:lnRef>
+            <a:fillRef idx="2">
+              <a:schemeClr val="accent2"/>
+            </a:fillRef>
+            <a:effectRef idx="1">
+              <a:schemeClr val="accent2"/>
+            </a:effectRef>
+            <a:fontRef idx="minor">
+              <a:schemeClr val="dk1"/>
+            </a:fontRef>
+          </p:style>
+        </p:cxnSp>
+        <p:cxnSp>
+          <p:nvCxnSpPr>
+            <p:cNvPr id="19" name="Elbow Connector 122"/>
+            <p:cNvCxnSpPr/>
+            <p:nvPr/>
+          </p:nvCxnSpPr>
+          <p:spPr>
+            <a:xfrm flipV="1">
+              <a:off x="1161314" y="2281135"/>
+              <a:ext cx="848874" cy="1"/>
+            </a:xfrm>
+            <a:prstGeom prst="bentConnector3">
+              <a:avLst>
+                <a:gd name="adj1" fmla="val 50000"/>
+              </a:avLst>
+            </a:prstGeom>
+            <a:ln w="19050">
+              <a:solidFill>
+                <a:schemeClr val="bg1">
                   <a:lumMod val="75000"/>
                 </a:schemeClr>
               </a:solidFill>
-            </a:endParaRPr>
-          </a:p>
-        </p:txBody>
-      </p:sp>
-      <p:sp>
-        <p:nvSpPr>
-          <p:cNvPr id="3" name="Rectangle 11"/>
-          <p:cNvSpPr/>
-          <p:nvPr/>
-        </p:nvSpPr>
-        <p:spPr>
-          <a:xfrm>
-            <a:off x="2592528" y="2971800"/>
-            <a:ext cx="1093635" cy="236841"/>
-          </a:xfrm>
-          <a:prstGeom prst="rect">
-            <a:avLst/>
-          </a:prstGeom>
-          <a:ln w="19050">
+              <a:prstDash val="sysDot"/>
+              <a:headEnd type="none" w="med" len="med"/>
+              <a:tailEnd type="arrow" w="med" len="med"/>
+            </a:ln>
+            <a:effectLst/>
+          </p:spPr>
+          <p:style>
+            <a:lnRef idx="1">
+              <a:schemeClr val="accent2"/>
+            </a:lnRef>
+            <a:fillRef idx="2">
+              <a:schemeClr val="accent2"/>
+            </a:fillRef>
+            <a:effectRef idx="1">
+              <a:schemeClr val="accent2"/>
+            </a:effectRef>
+            <a:fontRef idx="minor">
+              <a:schemeClr val="dk1"/>
+            </a:fontRef>
+          </p:style>
+        </p:cxnSp>
+        <p:sp>
+          <p:nvSpPr>
+            <p:cNvPr id="22" name="Rectangle 65"/>
+            <p:cNvSpPr/>
+            <p:nvPr/>
+          </p:nvSpPr>
+          <p:spPr>
+            <a:xfrm rot="16200000">
+              <a:off x="9144848" y="1130210"/>
+              <a:ext cx="2362201" cy="406581"/>
+            </a:xfrm>
+            <a:prstGeom prst="roundRect">
+              <a:avLst/>
+            </a:prstGeom>
             <a:solidFill>
+              <a:schemeClr val="accent1">
+                <a:lumMod val="20000"/>
+                <a:lumOff val="80000"/>
+              </a:schemeClr>
+            </a:solidFill>
+            <a:ln w="19050">
+              <a:noFill/>
+            </a:ln>
+            <a:effectLst/>
+          </p:spPr>
+          <p:style>
+            <a:lnRef idx="1">
+              <a:schemeClr val="accent2"/>
+            </a:lnRef>
+            <a:fillRef idx="2">
+              <a:schemeClr val="accent2"/>
+            </a:fillRef>
+            <a:effectRef idx="1">
+              <a:schemeClr val="accent2"/>
+            </a:effectRef>
+            <a:fontRef idx="minor">
+              <a:schemeClr val="dk1"/>
+            </a:fontRef>
+          </p:style>
+          <p:txBody>
+            <a:bodyPr rtlCol="0" anchor="ctr"/>
+            <a:lstStyle/>
+            <a:p>
+              <a:pPr algn="ctr"/>
+              <a:r>
+                <a:rPr lang="en-US" sz="1100" b="1" dirty="0">
+                  <a:solidFill>
+                    <a:schemeClr val="bg1"/>
+                  </a:solidFill>
+                </a:rPr>
+                <a:t>Logic</a:t>
+              </a:r>
+              <a:endParaRPr lang="en-SG" sz="1100" b="1" dirty="0">
+                <a:solidFill>
+                  <a:schemeClr val="bg1"/>
+                </a:solidFill>
+              </a:endParaRPr>
+            </a:p>
+          </p:txBody>
+        </p:sp>
+        <p:sp>
+          <p:nvSpPr>
+            <p:cNvPr id="38" name="Rectangle 11"/>
+            <p:cNvSpPr/>
+            <p:nvPr/>
+          </p:nvSpPr>
+          <p:spPr>
+            <a:xfrm>
+              <a:off x="3889119" y="6275232"/>
+              <a:ext cx="1355458" cy="236841"/>
+            </a:xfrm>
+            <a:prstGeom prst="rect">
+              <a:avLst/>
+            </a:prstGeom>
+            <a:ln w="19050">
+              <a:solidFill>
+                <a:schemeClr val="accent3"/>
+              </a:solidFill>
+            </a:ln>
+            <a:effectLst/>
+          </p:spPr>
+          <p:style>
+            <a:lnRef idx="1">
               <a:schemeClr val="accent3"/>
-            </a:solidFill>
-          </a:ln>
-          <a:effectLst/>
-        </p:spPr>
-        <p:style>
-          <a:lnRef idx="1">
-            <a:schemeClr val="accent3"/>
-          </a:lnRef>
-          <a:fillRef idx="2">
-            <a:schemeClr val="accent3"/>
-          </a:fillRef>
-          <a:effectRef idx="1">
-            <a:schemeClr val="accent3"/>
-          </a:effectRef>
-          <a:fontRef idx="minor">
-            <a:schemeClr val="dk1"/>
-          </a:fontRef>
-        </p:style>
-        <p:txBody>
-          <a:bodyPr rtlCol="0" anchor="ctr"/>
-          <a:lstStyle/>
-          <a:p>
-            <a:pPr algn="ctr"/>
-            <a:r>
-              <a:rPr lang="en-US" sz="1050" b="1" dirty="0" err="1">
+            </a:lnRef>
+            <a:fillRef idx="2">
+              <a:schemeClr val="accent3"/>
+            </a:fillRef>
+            <a:effectRef idx="1">
+              <a:schemeClr val="accent3"/>
+            </a:effectRef>
+            <a:fontRef idx="minor">
+              <a:schemeClr val="dk1"/>
+            </a:fontRef>
+          </p:style>
+          <p:txBody>
+            <a:bodyPr rtlCol="0" anchor="ctr"/>
+            <a:lstStyle/>
+            <a:p>
+              <a:pPr algn="ctr"/>
+              <a:r>
+                <a:rPr lang="en-US" sz="1050" b="1" dirty="0" err="1">
+                  <a:solidFill>
+                    <a:schemeClr val="accent3">
+                      <a:lumMod val="75000"/>
+                    </a:schemeClr>
+                  </a:solidFill>
+                </a:rPr>
+                <a:t>HelpWindow</a:t>
+              </a:r>
+              <a:endParaRPr lang="en-SG" sz="1050" b="1" dirty="0">
                 <a:solidFill>
                   <a:schemeClr val="accent3">
                     <a:lumMod val="75000"/>
                   </a:schemeClr>
                 </a:solidFill>
-              </a:rPr>
-              <a:t>CommandBox</a:t>
-            </a:r>
-            <a:endParaRPr lang="en-SG" sz="1050" b="1" dirty="0">
+              </a:endParaRPr>
+            </a:p>
+          </p:txBody>
+        </p:sp>
+        <p:cxnSp>
+          <p:nvCxnSpPr>
+            <p:cNvPr id="88" name="Elbow Connector 63"/>
+            <p:cNvCxnSpPr>
+              <a:cxnSpLocks/>
+              <a:stCxn id="2" idx="3"/>
+              <a:endCxn id="16" idx="3"/>
+            </p:cNvCxnSpPr>
+            <p:nvPr/>
+          </p:nvCxnSpPr>
+          <p:spPr>
+            <a:xfrm>
+              <a:off x="4328259" y="1438958"/>
+              <a:ext cx="4610324" cy="75956"/>
+            </a:xfrm>
+            <a:prstGeom prst="bentConnector4">
+              <a:avLst>
+                <a:gd name="adj1" fmla="val 47940"/>
+                <a:gd name="adj2" fmla="val 400964"/>
+              </a:avLst>
+            </a:prstGeom>
+            <a:ln w="6350">
               <a:solidFill>
-                <a:schemeClr val="accent3">
-                  <a:lumMod val="75000"/>
-                </a:schemeClr>
+                <a:schemeClr val="accent3"/>
               </a:solidFill>
-            </a:endParaRPr>
-          </a:p>
-        </p:txBody>
-      </p:sp>
-      <p:sp>
-        <p:nvSpPr>
-          <p:cNvPr id="9" name="Rectangle 62"/>
-          <p:cNvSpPr/>
-          <p:nvPr/>
-        </p:nvSpPr>
-        <p:spPr>
-          <a:xfrm>
-            <a:off x="2092842" y="1770924"/>
-            <a:ext cx="1093635" cy="346760"/>
-          </a:xfrm>
-          <a:prstGeom prst="rect">
-            <a:avLst/>
-          </a:prstGeom>
-          <a:solidFill>
-            <a:srgbClr val="00B050"/>
-          </a:solidFill>
-          <a:ln w="19050">
+              <a:headEnd type="none" w="med" len="med"/>
+              <a:tailEnd type="none" w="med" len="med"/>
+            </a:ln>
+            <a:effectLst/>
+          </p:spPr>
+          <p:style>
+            <a:lnRef idx="1">
+              <a:schemeClr val="accent2"/>
+            </a:lnRef>
+            <a:fillRef idx="2">
+              <a:schemeClr val="accent2"/>
+            </a:fillRef>
+            <a:effectRef idx="1">
+              <a:schemeClr val="accent2"/>
+            </a:effectRef>
+            <a:fontRef idx="minor">
+              <a:schemeClr val="dk1"/>
+            </a:fontRef>
+          </p:style>
+        </p:cxnSp>
+        <p:cxnSp>
+          <p:nvCxnSpPr>
+            <p:cNvPr id="107" name="Elbow Connector 106"/>
+            <p:cNvCxnSpPr>
+              <a:cxnSpLocks/>
+              <a:stCxn id="9" idx="0"/>
+            </p:cNvCxnSpPr>
+            <p:nvPr/>
+          </p:nvCxnSpPr>
+          <p:spPr>
+            <a:xfrm rot="5400000" flipH="1" flipV="1">
+              <a:off x="6898110" y="-2557120"/>
+              <a:ext cx="129519" cy="6319578"/>
+            </a:xfrm>
+            <a:prstGeom prst="bentConnector2">
+              <a:avLst/>
+            </a:prstGeom>
+            <a:ln w="19050">
+              <a:solidFill>
+                <a:srgbClr val="00B050"/>
+              </a:solidFill>
+              <a:prstDash val="solid"/>
+              <a:headEnd type="none" w="med" len="med"/>
+              <a:tailEnd type="arrow" w="med" len="med"/>
+            </a:ln>
+            <a:effectLst/>
+          </p:spPr>
+          <p:style>
+            <a:lnRef idx="1">
+              <a:schemeClr val="accent2"/>
+            </a:lnRef>
+            <a:fillRef idx="2">
+              <a:schemeClr val="accent2"/>
+            </a:fillRef>
+            <a:effectRef idx="1">
+              <a:schemeClr val="accent2"/>
+            </a:effectRef>
+            <a:fontRef idx="minor">
+              <a:schemeClr val="dk1"/>
+            </a:fontRef>
+          </p:style>
+        </p:cxnSp>
+        <p:sp>
+          <p:nvSpPr>
+            <p:cNvPr id="117" name="Rectangle 65"/>
+            <p:cNvSpPr/>
+            <p:nvPr/>
+          </p:nvSpPr>
+          <p:spPr>
+            <a:xfrm rot="16200000">
+              <a:off x="9611443" y="4094907"/>
+              <a:ext cx="1371599" cy="406581"/>
+            </a:xfrm>
+            <a:prstGeom prst="roundRect">
+              <a:avLst/>
+            </a:prstGeom>
+            <a:solidFill>
+              <a:schemeClr val="accent4">
+                <a:lumMod val="20000"/>
+                <a:lumOff val="80000"/>
+              </a:schemeClr>
+            </a:solidFill>
+            <a:ln w="19050">
+              <a:noFill/>
+            </a:ln>
+            <a:effectLst/>
+          </p:spPr>
+          <p:style>
+            <a:lnRef idx="1">
+              <a:schemeClr val="accent2"/>
+            </a:lnRef>
+            <a:fillRef idx="2">
+              <a:schemeClr val="accent2"/>
+            </a:fillRef>
+            <a:effectRef idx="1">
+              <a:schemeClr val="accent2"/>
+            </a:effectRef>
+            <a:fontRef idx="minor">
+              <a:schemeClr val="dk1"/>
+            </a:fontRef>
+          </p:style>
+          <p:txBody>
+            <a:bodyPr rtlCol="0" anchor="ctr"/>
+            <a:lstStyle/>
+            <a:p>
+              <a:pPr algn="ctr"/>
+              <a:r>
+                <a:rPr lang="en-US" sz="1100" b="1" dirty="0">
+                  <a:solidFill>
+                    <a:schemeClr val="bg1"/>
+                  </a:solidFill>
+                </a:rPr>
+                <a:t>Model</a:t>
+              </a:r>
+              <a:endParaRPr lang="en-SG" sz="1100" b="1" dirty="0">
+                <a:solidFill>
+                  <a:schemeClr val="bg1"/>
+                </a:solidFill>
+              </a:endParaRPr>
+            </a:p>
+          </p:txBody>
+        </p:sp>
+        <p:sp>
+          <p:nvSpPr>
+            <p:cNvPr id="119" name="Rectangle 62"/>
+            <p:cNvSpPr/>
+            <p:nvPr/>
+          </p:nvSpPr>
+          <p:spPr>
+            <a:xfrm rot="16200000">
+              <a:off x="1647256" y="2035451"/>
+              <a:ext cx="1147084" cy="523209"/>
+            </a:xfrm>
+            <a:prstGeom prst="rect">
+              <a:avLst/>
+            </a:prstGeom>
             <a:solidFill>
               <a:srgbClr val="00B050"/>
             </a:solidFill>
-          </a:ln>
-          <a:effectLst/>
-        </p:spPr>
-        <p:style>
-          <a:lnRef idx="1">
-            <a:schemeClr val="accent2"/>
-          </a:lnRef>
-          <a:fillRef idx="2">
-            <a:schemeClr val="accent2"/>
-          </a:fillRef>
-          <a:effectRef idx="1">
-            <a:schemeClr val="accent2"/>
-          </a:effectRef>
-          <a:fontRef idx="minor">
-            <a:schemeClr val="dk1"/>
-          </a:fontRef>
-        </p:style>
-        <p:txBody>
-          <a:bodyPr rtlCol="0" anchor="ctr"/>
-          <a:lstStyle/>
-          <a:p>
-            <a:pPr algn="ctr"/>
-            <a:r>
-              <a:rPr lang="en-US" sz="1050" dirty="0" err="1">
+            <a:ln w="19050">
+              <a:solidFill>
+                <a:srgbClr val="00B050"/>
+              </a:solidFill>
+            </a:ln>
+            <a:effectLst/>
+          </p:spPr>
+          <p:style>
+            <a:lnRef idx="1">
+              <a:schemeClr val="accent2"/>
+            </a:lnRef>
+            <a:fillRef idx="2">
+              <a:schemeClr val="accent2"/>
+            </a:fillRef>
+            <a:effectRef idx="1">
+              <a:schemeClr val="accent2"/>
+            </a:effectRef>
+            <a:fontRef idx="minor">
+              <a:schemeClr val="dk1"/>
+            </a:fontRef>
+          </p:style>
+          <p:txBody>
+            <a:bodyPr rtlCol="0" anchor="ctr"/>
+            <a:lstStyle/>
+            <a:p>
+              <a:pPr algn="ctr"/>
+              <a:r>
+                <a:rPr lang="en-US" sz="1050" dirty="0">
+                  <a:solidFill>
+                    <a:schemeClr val="bg1"/>
+                  </a:solidFill>
+                </a:rPr>
+                <a:t>&lt;&lt;interface&gt;&gt;</a:t>
+              </a:r>
+            </a:p>
+            <a:p>
+              <a:pPr algn="ctr"/>
+              <a:r>
+                <a:rPr lang="en-US" sz="1050" dirty="0" err="1">
+                  <a:solidFill>
+                    <a:schemeClr val="bg1"/>
+                  </a:solidFill>
+                </a:rPr>
+                <a:t>Ui</a:t>
+              </a:r>
+              <a:endParaRPr lang="en-SG" sz="1050" dirty="0">
                 <a:solidFill>
                   <a:schemeClr val="bg1"/>
                 </a:solidFill>
-              </a:rPr>
-              <a:t>UiManager</a:t>
-            </a:r>
-            <a:endParaRPr lang="en-SG" sz="1050" dirty="0">
+              </a:endParaRPr>
+            </a:p>
+          </p:txBody>
+        </p:sp>
+        <p:sp>
+          <p:nvSpPr>
+            <p:cNvPr id="120" name="Isosceles Triangle 102"/>
+            <p:cNvSpPr/>
+            <p:nvPr/>
+          </p:nvSpPr>
+          <p:spPr>
+            <a:xfrm flipV="1">
+              <a:off x="2055839" y="1547991"/>
+              <a:ext cx="335264" cy="175523"/>
+            </a:xfrm>
+            <a:prstGeom prst="triangle">
+              <a:avLst/>
+            </a:prstGeom>
+            <a:ln w="19050">
               <a:solidFill>
-                <a:schemeClr val="bg1"/>
+                <a:srgbClr val="00B050"/>
               </a:solidFill>
-            </a:endParaRPr>
-          </a:p>
-        </p:txBody>
-      </p:sp>
-      <p:cxnSp>
-        <p:nvCxnSpPr>
-          <p:cNvPr id="10" name="Elbow Connector 63"/>
-          <p:cNvCxnSpPr>
-            <a:stCxn id="9" idx="2"/>
-            <a:endCxn id="2" idx="0"/>
-          </p:cNvCxnSpPr>
-          <p:nvPr/>
-        </p:nvCxnSpPr>
-        <p:spPr>
-          <a:xfrm rot="16200000" flipH="1">
-            <a:off x="2529445" y="2227899"/>
-            <a:ext cx="223536" cy="3106"/>
-          </a:xfrm>
-          <a:prstGeom prst="bentConnector3">
-            <a:avLst>
-              <a:gd name="adj1" fmla="val 50000"/>
-            </a:avLst>
-          </a:prstGeom>
-          <a:ln w="19050">
+            </a:ln>
+            <a:effectLst/>
+          </p:spPr>
+          <p:style>
+            <a:lnRef idx="1">
+              <a:schemeClr val="accent3"/>
+            </a:lnRef>
+            <a:fillRef idx="2">
+              <a:schemeClr val="accent3"/>
+            </a:fillRef>
+            <a:effectRef idx="1">
+              <a:schemeClr val="accent3"/>
+            </a:effectRef>
+            <a:fontRef idx="minor">
+              <a:schemeClr val="dk1"/>
+            </a:fontRef>
+          </p:style>
+          <p:txBody>
+            <a:bodyPr rtlCol="0" anchor="ctr"/>
+            <a:lstStyle/>
+            <a:p>
+              <a:pPr algn="ctr"/>
+              <a:endParaRPr lang="en-SG" sz="1050" b="1" dirty="0">
+                <a:solidFill>
+                  <a:srgbClr val="92D050"/>
+                </a:solidFill>
+              </a:endParaRPr>
+            </a:p>
+          </p:txBody>
+        </p:sp>
+        <p:cxnSp>
+          <p:nvCxnSpPr>
+            <p:cNvPr id="121" name="Elbow Connector 63"/>
+            <p:cNvCxnSpPr>
+              <a:cxnSpLocks/>
+            </p:cNvCxnSpPr>
+            <p:nvPr/>
+          </p:nvCxnSpPr>
+          <p:spPr>
+            <a:xfrm rot="10800000" flipV="1">
+              <a:off x="2215850" y="813600"/>
+              <a:ext cx="857839" cy="734391"/>
+            </a:xfrm>
+            <a:prstGeom prst="bentConnector2">
+              <a:avLst/>
+            </a:prstGeom>
+            <a:ln w="19050">
+              <a:solidFill>
+                <a:srgbClr val="00B050"/>
+              </a:solidFill>
+              <a:prstDash val="sysDot"/>
+              <a:headEnd type="none" w="med" len="med"/>
+              <a:tailEnd type="none" w="med" len="med"/>
+            </a:ln>
+            <a:effectLst/>
+          </p:spPr>
+          <p:style>
+            <a:lnRef idx="1">
+              <a:schemeClr val="accent2"/>
+            </a:lnRef>
+            <a:fillRef idx="2">
+              <a:schemeClr val="accent2"/>
+            </a:fillRef>
+            <a:effectRef idx="1">
+              <a:schemeClr val="accent2"/>
+            </a:effectRef>
+            <a:fontRef idx="minor">
+              <a:schemeClr val="dk1"/>
+            </a:fontRef>
+          </p:style>
+        </p:cxnSp>
+        <p:sp>
+          <p:nvSpPr>
+            <p:cNvPr id="143" name="Rectangle 142"/>
+            <p:cNvSpPr/>
+            <p:nvPr/>
+          </p:nvSpPr>
+          <p:spPr>
+            <a:xfrm>
+              <a:off x="7141943" y="2032398"/>
+              <a:ext cx="284227" cy="166560"/>
+            </a:xfrm>
+            <a:prstGeom prst="rect">
+              <a:avLst/>
+            </a:prstGeom>
             <a:solidFill>
-              <a:srgbClr val="00B050"/>
-            </a:solidFill>
-            <a:headEnd type="none" w="med" len="med"/>
-            <a:tailEnd type="arrow" w="med" len="med"/>
-          </a:ln>
-          <a:effectLst/>
-        </p:spPr>
-        <p:style>
-          <a:lnRef idx="1">
-            <a:schemeClr val="accent2"/>
-          </a:lnRef>
-          <a:fillRef idx="2">
-            <a:schemeClr val="accent2"/>
-          </a:fillRef>
-          <a:effectRef idx="1">
-            <a:schemeClr val="accent2"/>
-          </a:effectRef>
-          <a:fontRef idx="minor">
-            <a:schemeClr val="dk1"/>
-          </a:fontRef>
-        </p:style>
-      </p:cxnSp>
-      <p:sp>
-        <p:nvSpPr>
-          <p:cNvPr id="16" name="Isosceles Triangle 102"/>
-          <p:cNvSpPr/>
-          <p:nvPr/>
-        </p:nvSpPr>
-        <p:spPr>
-          <a:xfrm rot="10800000" flipV="1">
-            <a:off x="5394717" y="2110477"/>
-            <a:ext cx="270504" cy="175523"/>
-          </a:xfrm>
-          <a:prstGeom prst="triangle">
-            <a:avLst/>
-          </a:prstGeom>
-          <a:ln w="6350">
-            <a:solidFill>
-              <a:schemeClr val="accent3"/>
-            </a:solidFill>
-          </a:ln>
-          <a:effectLst/>
-        </p:spPr>
-        <p:style>
-          <a:lnRef idx="1">
-            <a:schemeClr val="accent3"/>
-          </a:lnRef>
-          <a:fillRef idx="2">
-            <a:schemeClr val="accent3"/>
-          </a:fillRef>
-          <a:effectRef idx="1">
-            <a:schemeClr val="accent3"/>
-          </a:effectRef>
-          <a:fontRef idx="minor">
-            <a:schemeClr val="dk1"/>
-          </a:fontRef>
-        </p:style>
-        <p:txBody>
-          <a:bodyPr rtlCol="0" anchor="ctr"/>
-          <a:lstStyle/>
-          <a:p>
-            <a:pPr algn="ctr"/>
-            <a:endParaRPr lang="en-SG" sz="1050" b="1">
-              <a:solidFill>
-                <a:srgbClr val="92D050"/>
-              </a:solidFill>
-            </a:endParaRPr>
-          </a:p>
-        </p:txBody>
-      </p:sp>
-      <p:cxnSp>
-        <p:nvCxnSpPr>
-          <p:cNvPr id="19" name="Elbow Connector 122"/>
-          <p:cNvCxnSpPr/>
-          <p:nvPr/>
-        </p:nvCxnSpPr>
-        <p:spPr>
-          <a:xfrm flipV="1">
-            <a:off x="644735" y="2991937"/>
-            <a:ext cx="684904" cy="1"/>
-          </a:xfrm>
-          <a:prstGeom prst="bentConnector3">
-            <a:avLst>
-              <a:gd name="adj1" fmla="val 50000"/>
-            </a:avLst>
-          </a:prstGeom>
-          <a:ln w="19050">
-            <a:solidFill>
-              <a:schemeClr val="bg1">
-                <a:lumMod val="75000"/>
+              <a:schemeClr val="accent3">
+                <a:lumMod val="20000"/>
+                <a:lumOff val="80000"/>
+                <a:alpha val="80000"/>
               </a:schemeClr>
             </a:solidFill>
-            <a:prstDash val="sysDot"/>
-            <a:headEnd type="none" w="med" len="med"/>
-            <a:tailEnd type="arrow" w="med" len="med"/>
-          </a:ln>
-          <a:effectLst/>
-        </p:spPr>
-        <p:style>
-          <a:lnRef idx="1">
-            <a:schemeClr val="accent2"/>
-          </a:lnRef>
-          <a:fillRef idx="2">
-            <a:schemeClr val="accent2"/>
-          </a:fillRef>
-          <a:effectRef idx="1">
-            <a:schemeClr val="accent2"/>
-          </a:effectRef>
-          <a:fontRef idx="minor">
-            <a:schemeClr val="dk1"/>
-          </a:fontRef>
-        </p:style>
-      </p:cxnSp>
-      <p:sp>
-        <p:nvSpPr>
-          <p:cNvPr id="22" name="Rectangle 65"/>
-          <p:cNvSpPr/>
-          <p:nvPr/>
-        </p:nvSpPr>
-        <p:spPr>
-          <a:xfrm rot="16200000">
-            <a:off x="5703829" y="2464877"/>
-            <a:ext cx="2362201" cy="328045"/>
-          </a:xfrm>
-          <a:prstGeom prst="roundRect">
-            <a:avLst/>
-          </a:prstGeom>
-          <a:solidFill>
-            <a:schemeClr val="accent1">
-              <a:lumMod val="20000"/>
-              <a:lumOff val="80000"/>
-            </a:schemeClr>
-          </a:solidFill>
-          <a:ln w="19050">
-            <a:noFill/>
-          </a:ln>
-          <a:effectLst/>
-        </p:spPr>
-        <p:style>
-          <a:lnRef idx="1">
-            <a:schemeClr val="accent2"/>
-          </a:lnRef>
-          <a:fillRef idx="2">
-            <a:schemeClr val="accent2"/>
-          </a:fillRef>
-          <a:effectRef idx="1">
-            <a:schemeClr val="accent2"/>
-          </a:effectRef>
-          <a:fontRef idx="minor">
-            <a:schemeClr val="dk1"/>
-          </a:fontRef>
-        </p:style>
-        <p:txBody>
-          <a:bodyPr rtlCol="0" anchor="ctr"/>
-          <a:lstStyle/>
-          <a:p>
-            <a:pPr algn="ctr"/>
-            <a:r>
-              <a:rPr lang="en-US" sz="1100" b="1" dirty="0">
+            <a:ln>
+              <a:noFill/>
+            </a:ln>
+            <a:effectLst>
+              <a:softEdge rad="31750"/>
+            </a:effectLst>
+          </p:spPr>
+          <p:style>
+            <a:lnRef idx="2">
+              <a:schemeClr val="accent1">
+                <a:shade val="50000"/>
+              </a:schemeClr>
+            </a:lnRef>
+            <a:fillRef idx="1">
+              <a:schemeClr val="accent1"/>
+            </a:fillRef>
+            <a:effectRef idx="0">
+              <a:schemeClr val="accent1"/>
+            </a:effectRef>
+            <a:fontRef idx="minor">
+              <a:schemeClr val="lt1"/>
+            </a:fontRef>
+          </p:style>
+          <p:txBody>
+            <a:bodyPr rtlCol="0" anchor="ctr"/>
+            <a:lstStyle/>
+            <a:p>
+              <a:pPr algn="ctr"/>
+              <a:endParaRPr lang="en-SG"/>
+            </a:p>
+          </p:txBody>
+        </p:sp>
+        <p:sp>
+          <p:nvSpPr>
+            <p:cNvPr id="16" name="Isosceles Triangle 102"/>
+            <p:cNvSpPr/>
+            <p:nvPr/>
+          </p:nvSpPr>
+          <p:spPr>
+            <a:xfrm rot="10800000" flipV="1">
+              <a:off x="8748636" y="1293878"/>
+              <a:ext cx="379895" cy="221036"/>
+            </a:xfrm>
+            <a:prstGeom prst="triangle">
+              <a:avLst/>
+            </a:prstGeom>
+            <a:ln w="6350">
+              <a:solidFill>
+                <a:schemeClr val="accent3"/>
+              </a:solidFill>
+            </a:ln>
+            <a:effectLst/>
+          </p:spPr>
+          <p:style>
+            <a:lnRef idx="1">
+              <a:schemeClr val="accent3"/>
+            </a:lnRef>
+            <a:fillRef idx="2">
+              <a:schemeClr val="accent3"/>
+            </a:fillRef>
+            <a:effectRef idx="1">
+              <a:schemeClr val="accent3"/>
+            </a:effectRef>
+            <a:fontRef idx="minor">
+              <a:schemeClr val="dk1"/>
+            </a:fontRef>
+          </p:style>
+          <p:txBody>
+            <a:bodyPr rtlCol="0" anchor="ctr"/>
+            <a:lstStyle/>
+            <a:p>
+              <a:pPr algn="ctr"/>
+              <a:endParaRPr lang="en-SG" sz="1050" b="1">
                 <a:solidFill>
-                  <a:schemeClr val="bg1"/>
+                  <a:srgbClr val="92D050"/>
                 </a:solidFill>
-              </a:rPr>
-              <a:t>Logic</a:t>
-            </a:r>
-            <a:endParaRPr lang="en-SG" sz="1100" b="1" dirty="0">
+              </a:endParaRPr>
+            </a:p>
+          </p:txBody>
+        </p:sp>
+        <p:cxnSp>
+          <p:nvCxnSpPr>
+            <p:cNvPr id="53" name="Elbow Connector 63"/>
+            <p:cNvCxnSpPr>
+              <a:cxnSpLocks/>
+              <a:endCxn id="38" idx="1"/>
+            </p:cNvCxnSpPr>
+            <p:nvPr/>
+          </p:nvCxnSpPr>
+          <p:spPr>
+            <a:xfrm rot="16200000" flipH="1">
+              <a:off x="1212879" y="3717412"/>
+              <a:ext cx="4779979" cy="572501"/>
+            </a:xfrm>
+            <a:prstGeom prst="bentConnector2">
+              <a:avLst/>
+            </a:prstGeom>
+            <a:ln w="19050">
               <a:solidFill>
-                <a:schemeClr val="bg1"/>
+                <a:schemeClr val="accent3"/>
               </a:solidFill>
-            </a:endParaRPr>
-          </a:p>
-        </p:txBody>
-      </p:sp>
-      <p:sp>
-        <p:nvSpPr>
-          <p:cNvPr id="34" name="Rectangle 11"/>
-          <p:cNvSpPr/>
-          <p:nvPr/>
-        </p:nvSpPr>
-        <p:spPr>
-          <a:xfrm>
-            <a:off x="2592528" y="3649359"/>
-            <a:ext cx="1093635" cy="236841"/>
-          </a:xfrm>
-          <a:prstGeom prst="rect">
-            <a:avLst/>
-          </a:prstGeom>
-          <a:ln w="19050">
-            <a:solidFill>
+              <a:headEnd type="none" w="med" len="med"/>
+              <a:tailEnd type="arrow" w="med" len="med"/>
+            </a:ln>
+            <a:effectLst/>
+          </p:spPr>
+          <p:style>
+            <a:lnRef idx="1">
+              <a:schemeClr val="accent2"/>
+            </a:lnRef>
+            <a:fillRef idx="2">
+              <a:schemeClr val="accent2"/>
+            </a:fillRef>
+            <a:effectRef idx="1">
+              <a:schemeClr val="accent2"/>
+            </a:effectRef>
+            <a:fontRef idx="minor">
+              <a:schemeClr val="dk1"/>
+            </a:fontRef>
+          </p:style>
+        </p:cxnSp>
+        <p:sp>
+          <p:nvSpPr>
+            <p:cNvPr id="73" name="Rectangle 62"/>
+            <p:cNvSpPr/>
+            <p:nvPr/>
+          </p:nvSpPr>
+          <p:spPr>
+            <a:xfrm>
+              <a:off x="8396455" y="857203"/>
+              <a:ext cx="1084256" cy="436674"/>
+            </a:xfrm>
+            <a:prstGeom prst="rect">
+              <a:avLst/>
+            </a:prstGeom>
+            <a:ln w="6350">
+              <a:solidFill>
+                <a:schemeClr val="accent3"/>
+              </a:solidFill>
+            </a:ln>
+            <a:effectLst/>
+          </p:spPr>
+          <p:style>
+            <a:lnRef idx="1">
               <a:schemeClr val="accent3"/>
-            </a:solidFill>
-          </a:ln>
-          <a:effectLst/>
-        </p:spPr>
-        <p:style>
-          <a:lnRef idx="1">
-            <a:schemeClr val="accent3"/>
-          </a:lnRef>
-          <a:fillRef idx="2">
-            <a:schemeClr val="accent3"/>
-          </a:fillRef>
-          <a:effectRef idx="1">
-            <a:schemeClr val="accent3"/>
-          </a:effectRef>
-          <a:fontRef idx="minor">
-            <a:schemeClr val="dk1"/>
-          </a:fontRef>
-        </p:style>
-        <p:txBody>
-          <a:bodyPr rtlCol="0" anchor="ctr"/>
-          <a:lstStyle/>
-          <a:p>
-            <a:pPr algn="ctr"/>
-            <a:r>
-              <a:rPr lang="en-US" sz="1050" b="1" dirty="0" err="1">
+            </a:lnRef>
+            <a:fillRef idx="2">
+              <a:schemeClr val="accent3"/>
+            </a:fillRef>
+            <a:effectRef idx="1">
+              <a:schemeClr val="accent3"/>
+            </a:effectRef>
+            <a:fontRef idx="minor">
+              <a:schemeClr val="dk1"/>
+            </a:fontRef>
+          </p:style>
+          <p:txBody>
+            <a:bodyPr rtlCol="0" anchor="ctr"/>
+            <a:lstStyle/>
+            <a:p>
+              <a:pPr algn="ctr"/>
+              <a:r>
+                <a:rPr lang="en-US" sz="1050" b="1" dirty="0">
+                  <a:solidFill>
+                    <a:schemeClr val="accent3">
+                      <a:lumMod val="75000"/>
+                    </a:schemeClr>
+                  </a:solidFill>
+                </a:rPr>
+                <a:t>{abstract}</a:t>
+              </a:r>
+              <a:br>
+                <a:rPr lang="en-US" sz="1050" b="1" dirty="0">
+                  <a:solidFill>
+                    <a:schemeClr val="accent3">
+                      <a:lumMod val="75000"/>
+                    </a:schemeClr>
+                  </a:solidFill>
+                </a:rPr>
+              </a:br>
+              <a:r>
+                <a:rPr lang="en-US" sz="1050" b="1" dirty="0" err="1">
+                  <a:solidFill>
+                    <a:schemeClr val="accent3">
+                      <a:lumMod val="75000"/>
+                    </a:schemeClr>
+                  </a:solidFill>
+                </a:rPr>
+                <a:t>UiPart</a:t>
+              </a:r>
+              <a:endParaRPr lang="en-SG" sz="1050" b="1" dirty="0">
                 <a:solidFill>
                   <a:schemeClr val="accent3">
                     <a:lumMod val="75000"/>
                   </a:schemeClr>
                 </a:solidFill>
-              </a:rPr>
-              <a:t>BrowserPanel</a:t>
-            </a:r>
-            <a:endParaRPr lang="en-SG" sz="1050" b="1" dirty="0">
+              </a:endParaRPr>
+            </a:p>
+          </p:txBody>
+        </p:sp>
+        <p:cxnSp>
+          <p:nvCxnSpPr>
+            <p:cNvPr id="94" name="Elbow Connector 63"/>
+            <p:cNvCxnSpPr>
+              <a:cxnSpLocks/>
+              <a:stCxn id="16" idx="3"/>
+              <a:endCxn id="38" idx="3"/>
+            </p:cNvCxnSpPr>
+            <p:nvPr/>
+          </p:nvCxnSpPr>
+          <p:spPr>
+            <a:xfrm rot="5400000">
+              <a:off x="4652211" y="2107280"/>
+              <a:ext cx="4878739" cy="3694006"/>
+            </a:xfrm>
+            <a:prstGeom prst="bentConnector2">
+              <a:avLst/>
+            </a:prstGeom>
+            <a:ln w="6350">
               <a:solidFill>
-                <a:schemeClr val="accent3">
-                  <a:lumMod val="75000"/>
+                <a:schemeClr val="accent3"/>
+              </a:solidFill>
+              <a:headEnd type="none" w="med" len="med"/>
+              <a:tailEnd type="none" w="med" len="med"/>
+            </a:ln>
+            <a:effectLst/>
+          </p:spPr>
+          <p:style>
+            <a:lnRef idx="1">
+              <a:schemeClr val="accent2"/>
+            </a:lnRef>
+            <a:fillRef idx="2">
+              <a:schemeClr val="accent2"/>
+            </a:fillRef>
+            <a:effectRef idx="1">
+              <a:schemeClr val="accent2"/>
+            </a:effectRef>
+            <a:fontRef idx="minor">
+              <a:schemeClr val="dk1"/>
+            </a:fontRef>
+          </p:style>
+        </p:cxnSp>
+        <p:sp>
+          <p:nvSpPr>
+            <p:cNvPr id="116" name="Freeform 115"/>
+            <p:cNvSpPr/>
+            <p:nvPr/>
+          </p:nvSpPr>
+          <p:spPr>
+            <a:xfrm>
+              <a:off x="5447554" y="1809696"/>
+              <a:ext cx="4675103" cy="318284"/>
+            </a:xfrm>
+            <a:custGeom>
+              <a:avLst/>
+              <a:gdLst>
+                <a:gd name="connsiteX0" fmla="*/ 0 w 3048000"/>
+                <a:gd name="connsiteY0" fmla="*/ 203200 h 203200"/>
+                <a:gd name="connsiteX1" fmla="*/ 221673 w 3048000"/>
+                <a:gd name="connsiteY1" fmla="*/ 0 h 203200"/>
+                <a:gd name="connsiteX2" fmla="*/ 3048000 w 3048000"/>
+                <a:gd name="connsiteY2" fmla="*/ 0 h 203200"/>
+              </a:gdLst>
+              <a:ahLst/>
+              <a:cxnLst>
+                <a:cxn ang="0">
+                  <a:pos x="connsiteX0" y="connsiteY0"/>
+                </a:cxn>
+                <a:cxn ang="0">
+                  <a:pos x="connsiteX1" y="connsiteY1"/>
+                </a:cxn>
+                <a:cxn ang="0">
+                  <a:pos x="connsiteX2" y="connsiteY2"/>
+                </a:cxn>
+              </a:cxnLst>
+              <a:rect l="l" t="t" r="r" b="b"/>
+              <a:pathLst>
+                <a:path w="3048000" h="203200">
+                  <a:moveTo>
+                    <a:pt x="0" y="203200"/>
+                  </a:moveTo>
+                  <a:lnTo>
+                    <a:pt x="221673" y="0"/>
+                  </a:lnTo>
+                  <a:lnTo>
+                    <a:pt x="3048000" y="0"/>
+                  </a:lnTo>
+                </a:path>
+              </a:pathLst>
+            </a:custGeom>
+            <a:noFill/>
+            <a:ln w="19050">
+              <a:solidFill>
+                <a:schemeClr val="accent3"/>
+              </a:solidFill>
+              <a:prstDash val="solid"/>
+              <a:headEnd type="none" w="med" len="med"/>
+              <a:tailEnd type="arrow" w="med" len="med"/>
+            </a:ln>
+            <a:effectLst/>
+          </p:spPr>
+          <p:style>
+            <a:lnRef idx="1">
+              <a:schemeClr val="accent2"/>
+            </a:lnRef>
+            <a:fillRef idx="2">
+              <a:schemeClr val="accent2"/>
+            </a:fillRef>
+            <a:effectRef idx="1">
+              <a:schemeClr val="accent2"/>
+            </a:effectRef>
+            <a:fontRef idx="minor">
+              <a:schemeClr val="dk1"/>
+            </a:fontRef>
+          </p:style>
+          <p:txBody>
+            <a:bodyPr rtlCol="0" anchor="ctr"/>
+            <a:lstStyle/>
+            <a:p>
+              <a:pPr algn="ctr"/>
+              <a:endParaRPr lang="en-SG"/>
+            </a:p>
+          </p:txBody>
+        </p:sp>
+        <p:sp>
+          <p:nvSpPr>
+            <p:cNvPr id="144" name="Rectangle 143"/>
+            <p:cNvSpPr/>
+            <p:nvPr/>
+          </p:nvSpPr>
+          <p:spPr>
+            <a:xfrm>
+              <a:off x="7136585" y="3777336"/>
+              <a:ext cx="284227" cy="160062"/>
+            </a:xfrm>
+            <a:prstGeom prst="rect">
+              <a:avLst/>
+            </a:prstGeom>
+            <a:solidFill>
+              <a:schemeClr val="accent3">
+                <a:lumMod val="20000"/>
+                <a:lumOff val="80000"/>
+                <a:alpha val="80000"/>
+              </a:schemeClr>
+            </a:solidFill>
+            <a:ln>
+              <a:noFill/>
+            </a:ln>
+            <a:effectLst>
+              <a:softEdge rad="31750"/>
+            </a:effectLst>
+          </p:spPr>
+          <p:style>
+            <a:lnRef idx="2">
+              <a:schemeClr val="accent1">
+                <a:shade val="50000"/>
+              </a:schemeClr>
+            </a:lnRef>
+            <a:fillRef idx="1">
+              <a:schemeClr val="accent1"/>
+            </a:fillRef>
+            <a:effectRef idx="0">
+              <a:schemeClr val="accent1"/>
+            </a:effectRef>
+            <a:fontRef idx="minor">
+              <a:schemeClr val="lt1"/>
+            </a:fontRef>
+          </p:style>
+          <p:txBody>
+            <a:bodyPr rtlCol="0" anchor="ctr"/>
+            <a:lstStyle/>
+            <a:p>
+              <a:pPr algn="ctr"/>
+              <a:endParaRPr lang="en-SG"/>
+            </a:p>
+          </p:txBody>
+        </p:sp>
+        <p:grpSp>
+          <p:nvGrpSpPr>
+            <p:cNvPr id="25" name="Group 24">
+              <a:extLst>
+                <a:ext uri="{FF2B5EF4-FFF2-40B4-BE49-F238E27FC236}">
+                  <a16:creationId xmlns:a16="http://schemas.microsoft.com/office/drawing/2014/main" id="{91294252-36A0-4A71-A797-D04E994C39BE}"/>
+                </a:ext>
+              </a:extLst>
+            </p:cNvPr>
+            <p:cNvGrpSpPr/>
+            <p:nvPr/>
+          </p:nvGrpSpPr>
+          <p:grpSpPr>
+            <a:xfrm>
+              <a:off x="3556742" y="1514914"/>
+              <a:ext cx="6537210" cy="4665289"/>
+              <a:chOff x="2524390" y="2546359"/>
+              <a:chExt cx="5274471" cy="4665289"/>
+            </a:xfrm>
+          </p:grpSpPr>
+          <p:cxnSp>
+            <p:nvCxnSpPr>
+              <p:cNvPr id="140" name="Elbow Connector 63"/>
+              <p:cNvCxnSpPr>
+                <a:cxnSpLocks/>
+                <a:stCxn id="16" idx="3"/>
+                <a:endCxn id="36" idx="3"/>
+              </p:cNvCxnSpPr>
+              <p:nvPr/>
+            </p:nvCxnSpPr>
+            <p:spPr>
+              <a:xfrm rot="5400000">
+                <a:off x="4492149" y="2121474"/>
+                <a:ext cx="1949631" cy="2799401"/>
+              </a:xfrm>
+              <a:prstGeom prst="bentConnector2">
+                <a:avLst/>
+              </a:prstGeom>
+              <a:ln w="6350">
+                <a:solidFill>
+                  <a:schemeClr val="accent3"/>
+                </a:solidFill>
+                <a:headEnd type="none" w="med" len="med"/>
+                <a:tailEnd type="none" w="med" len="med"/>
+              </a:ln>
+              <a:effectLst/>
+            </p:spPr>
+            <p:style>
+              <a:lnRef idx="1">
+                <a:schemeClr val="accent2"/>
+              </a:lnRef>
+              <a:fillRef idx="2">
+                <a:schemeClr val="accent2"/>
+              </a:fillRef>
+              <a:effectRef idx="1">
+                <a:schemeClr val="accent2"/>
+              </a:effectRef>
+              <a:fontRef idx="minor">
+                <a:schemeClr val="dk1"/>
+              </a:fontRef>
+            </p:style>
+          </p:cxnSp>
+          <p:sp>
+            <p:nvSpPr>
+              <p:cNvPr id="3" name="Rectangle 11"/>
+              <p:cNvSpPr/>
+              <p:nvPr/>
+            </p:nvSpPr>
+            <p:spPr>
+              <a:xfrm>
+                <a:off x="2828044" y="3062178"/>
+                <a:ext cx="1239222" cy="298253"/>
+              </a:xfrm>
+              <a:prstGeom prst="rect">
+                <a:avLst/>
+              </a:prstGeom>
+              <a:ln w="19050">
+                <a:solidFill>
+                  <a:schemeClr val="accent3"/>
+                </a:solidFill>
+              </a:ln>
+              <a:effectLst/>
+            </p:spPr>
+            <p:style>
+              <a:lnRef idx="1">
+                <a:schemeClr val="accent3"/>
+              </a:lnRef>
+              <a:fillRef idx="2">
+                <a:schemeClr val="accent3"/>
+              </a:fillRef>
+              <a:effectRef idx="1">
+                <a:schemeClr val="accent3"/>
+              </a:effectRef>
+              <a:fontRef idx="minor">
+                <a:schemeClr val="dk1"/>
+              </a:fontRef>
+            </p:style>
+            <p:txBody>
+              <a:bodyPr rtlCol="0" anchor="ctr"/>
+              <a:lstStyle/>
+              <a:p>
+                <a:pPr algn="ctr"/>
+                <a:r>
+                  <a:rPr lang="en-US" sz="1050" b="1" dirty="0" err="1">
+                    <a:solidFill>
+                      <a:schemeClr val="accent3">
+                        <a:lumMod val="75000"/>
+                      </a:schemeClr>
+                    </a:solidFill>
+                  </a:rPr>
+                  <a:t>CommandBox</a:t>
+                </a:r>
+                <a:endParaRPr lang="en-SG" sz="1050" b="1" dirty="0">
+                  <a:solidFill>
+                    <a:schemeClr val="accent3">
+                      <a:lumMod val="75000"/>
+                    </a:schemeClr>
+                  </a:solidFill>
+                </a:endParaRPr>
+              </a:p>
+            </p:txBody>
+          </p:sp>
+          <p:sp>
+            <p:nvSpPr>
+              <p:cNvPr id="34" name="Rectangle 11"/>
+              <p:cNvSpPr/>
+              <p:nvPr/>
+            </p:nvSpPr>
+            <p:spPr>
+              <a:xfrm>
+                <a:off x="2828044" y="3915426"/>
+                <a:ext cx="1239222" cy="298253"/>
+              </a:xfrm>
+              <a:prstGeom prst="rect">
+                <a:avLst/>
+              </a:prstGeom>
+              <a:ln w="19050">
+                <a:solidFill>
+                  <a:schemeClr val="accent3"/>
+                </a:solidFill>
+              </a:ln>
+              <a:effectLst/>
+            </p:spPr>
+            <p:style>
+              <a:lnRef idx="1">
+                <a:schemeClr val="accent3"/>
+              </a:lnRef>
+              <a:fillRef idx="2">
+                <a:schemeClr val="accent3"/>
+              </a:fillRef>
+              <a:effectRef idx="1">
+                <a:schemeClr val="accent3"/>
+              </a:effectRef>
+              <a:fontRef idx="minor">
+                <a:schemeClr val="dk1"/>
+              </a:fontRef>
+            </p:style>
+            <p:txBody>
+              <a:bodyPr rtlCol="0" anchor="ctr"/>
+              <a:lstStyle/>
+              <a:p>
+                <a:pPr algn="ctr"/>
+                <a:r>
+                  <a:rPr lang="en-US" sz="1050" b="1" dirty="0" err="1">
+                    <a:solidFill>
+                      <a:schemeClr val="accent3">
+                        <a:lumMod val="75000"/>
+                      </a:schemeClr>
+                    </a:solidFill>
+                  </a:rPr>
+                  <a:t>BrowserPanel</a:t>
+                </a:r>
+                <a:endParaRPr lang="en-SG" sz="1050" b="1" dirty="0">
+                  <a:solidFill>
+                    <a:schemeClr val="accent3">
+                      <a:lumMod val="75000"/>
+                    </a:schemeClr>
+                  </a:solidFill>
+                </a:endParaRPr>
+              </a:p>
+            </p:txBody>
+          </p:sp>
+          <p:sp>
+            <p:nvSpPr>
+              <p:cNvPr id="35" name="Rectangle 11"/>
+              <p:cNvSpPr/>
+              <p:nvPr/>
+            </p:nvSpPr>
+            <p:spPr>
+              <a:xfrm>
+                <a:off x="2783223" y="6913395"/>
+                <a:ext cx="1239222" cy="298253"/>
+              </a:xfrm>
+              <a:prstGeom prst="rect">
+                <a:avLst/>
+              </a:prstGeom>
+              <a:ln w="19050">
+                <a:solidFill>
+                  <a:schemeClr val="accent3"/>
+                </a:solidFill>
+              </a:ln>
+              <a:effectLst/>
+            </p:spPr>
+            <p:style>
+              <a:lnRef idx="1">
+                <a:schemeClr val="accent3"/>
+              </a:lnRef>
+              <a:fillRef idx="2">
+                <a:schemeClr val="accent3"/>
+              </a:fillRef>
+              <a:effectRef idx="1">
+                <a:schemeClr val="accent3"/>
+              </a:effectRef>
+              <a:fontRef idx="minor">
+                <a:schemeClr val="dk1"/>
+              </a:fontRef>
+            </p:style>
+            <p:txBody>
+              <a:bodyPr rtlCol="0" anchor="ctr"/>
+              <a:lstStyle/>
+              <a:p>
+                <a:pPr algn="ctr"/>
+                <a:r>
+                  <a:rPr lang="en-US" sz="1050" b="1" dirty="0" err="1">
+                    <a:solidFill>
+                      <a:schemeClr val="accent3">
+                        <a:lumMod val="75000"/>
+                      </a:schemeClr>
+                    </a:solidFill>
+                  </a:rPr>
+                  <a:t>StatusBarFooter</a:t>
+                </a:r>
+                <a:endParaRPr lang="en-SG" sz="1050" b="1" dirty="0">
+                  <a:solidFill>
+                    <a:schemeClr val="accent3">
+                      <a:lumMod val="75000"/>
+                    </a:schemeClr>
+                  </a:solidFill>
+                </a:endParaRPr>
+              </a:p>
+            </p:txBody>
+          </p:sp>
+          <p:sp>
+            <p:nvSpPr>
+              <p:cNvPr id="36" name="Rectangle 11"/>
+              <p:cNvSpPr/>
+              <p:nvPr/>
+            </p:nvSpPr>
+            <p:spPr>
+              <a:xfrm>
+                <a:off x="2828041" y="4346863"/>
+                <a:ext cx="1239222" cy="298253"/>
+              </a:xfrm>
+              <a:prstGeom prst="rect">
+                <a:avLst/>
+              </a:prstGeom>
+              <a:ln w="19050">
+                <a:solidFill>
+                  <a:schemeClr val="accent3"/>
+                </a:solidFill>
+              </a:ln>
+              <a:effectLst/>
+            </p:spPr>
+            <p:style>
+              <a:lnRef idx="1">
+                <a:schemeClr val="accent3"/>
+              </a:lnRef>
+              <a:fillRef idx="2">
+                <a:schemeClr val="accent3"/>
+              </a:fillRef>
+              <a:effectRef idx="1">
+                <a:schemeClr val="accent3"/>
+              </a:effectRef>
+              <a:fontRef idx="minor">
+                <a:schemeClr val="dk1"/>
+              </a:fontRef>
+            </p:style>
+            <p:txBody>
+              <a:bodyPr rtlCol="0" anchor="ctr"/>
+              <a:lstStyle/>
+              <a:p>
+                <a:pPr algn="ctr"/>
+                <a:r>
+                  <a:rPr lang="en-US" sz="1050" b="1" dirty="0" err="1">
+                    <a:solidFill>
+                      <a:schemeClr val="accent3">
+                        <a:lumMod val="75000"/>
+                      </a:schemeClr>
+                    </a:solidFill>
+                  </a:rPr>
+                  <a:t>PersonListPanel</a:t>
+                </a:r>
+                <a:endParaRPr lang="en-SG" sz="1050" b="1" dirty="0">
+                  <a:solidFill>
+                    <a:schemeClr val="accent3">
+                      <a:lumMod val="75000"/>
+                    </a:schemeClr>
+                  </a:solidFill>
+                </a:endParaRPr>
+              </a:p>
+            </p:txBody>
+          </p:sp>
+          <p:sp>
+            <p:nvSpPr>
+              <p:cNvPr id="37" name="Rectangle 11"/>
+              <p:cNvSpPr/>
+              <p:nvPr/>
+            </p:nvSpPr>
+            <p:spPr>
+              <a:xfrm>
+                <a:off x="4240815" y="4645116"/>
+                <a:ext cx="1179474" cy="298253"/>
+              </a:xfrm>
+              <a:prstGeom prst="rect">
+                <a:avLst/>
+              </a:prstGeom>
+              <a:ln w="19050">
+                <a:solidFill>
+                  <a:schemeClr val="accent3"/>
+                </a:solidFill>
+              </a:ln>
+              <a:effectLst/>
+            </p:spPr>
+            <p:style>
+              <a:lnRef idx="1">
+                <a:schemeClr val="accent3"/>
+              </a:lnRef>
+              <a:fillRef idx="2">
+                <a:schemeClr val="accent3"/>
+              </a:fillRef>
+              <a:effectRef idx="1">
+                <a:schemeClr val="accent3"/>
+              </a:effectRef>
+              <a:fontRef idx="minor">
+                <a:schemeClr val="dk1"/>
+              </a:fontRef>
+            </p:style>
+            <p:txBody>
+              <a:bodyPr rtlCol="0" anchor="ctr"/>
+              <a:lstStyle/>
+              <a:p>
+                <a:pPr algn="ctr"/>
+                <a:r>
+                  <a:rPr lang="en-US" sz="1050" b="1" dirty="0" err="1">
+                    <a:solidFill>
+                      <a:schemeClr val="accent3">
+                        <a:lumMod val="75000"/>
+                      </a:schemeClr>
+                    </a:solidFill>
+                  </a:rPr>
+                  <a:t>PersonCard</a:t>
+                </a:r>
+                <a:endParaRPr lang="en-SG" sz="1050" b="1" dirty="0">
+                  <a:solidFill>
+                    <a:schemeClr val="accent3">
+                      <a:lumMod val="75000"/>
+                    </a:schemeClr>
+                  </a:solidFill>
+                </a:endParaRPr>
+              </a:p>
+            </p:txBody>
+          </p:sp>
+          <p:sp>
+            <p:nvSpPr>
+              <p:cNvPr id="39" name="Flowchart: Decision 38"/>
+              <p:cNvSpPr/>
+              <p:nvPr/>
+            </p:nvSpPr>
+            <p:spPr>
+              <a:xfrm>
+                <a:off x="2524390" y="2645117"/>
+                <a:ext cx="198756" cy="286377"/>
+              </a:xfrm>
+              <a:prstGeom prst="flowChartDecision">
+                <a:avLst/>
+              </a:prstGeom>
+              <a:solidFill>
+                <a:schemeClr val="accent3"/>
+              </a:solidFill>
+              <a:ln>
+                <a:solidFill>
+                  <a:schemeClr val="accent3"/>
+                </a:solidFill>
+              </a:ln>
+            </p:spPr>
+            <p:style>
+              <a:lnRef idx="2">
+                <a:schemeClr val="accent1">
+                  <a:shade val="50000"/>
                 </a:schemeClr>
+              </a:lnRef>
+              <a:fillRef idx="1">
+                <a:schemeClr val="accent1"/>
+              </a:fillRef>
+              <a:effectRef idx="0">
+                <a:schemeClr val="accent1"/>
+              </a:effectRef>
+              <a:fontRef idx="minor">
+                <a:schemeClr val="lt1"/>
+              </a:fontRef>
+            </p:style>
+            <p:txBody>
+              <a:bodyPr rtlCol="0" anchor="ctr"/>
+              <a:lstStyle/>
+              <a:p>
+                <a:pPr algn="ctr"/>
+                <a:endParaRPr lang="en-SG"/>
+              </a:p>
+            </p:txBody>
+          </p:sp>
+          <p:cxnSp>
+            <p:nvCxnSpPr>
+              <p:cNvPr id="40" name="Elbow Connector 63"/>
+              <p:cNvCxnSpPr>
+                <a:cxnSpLocks/>
+                <a:stCxn id="39" idx="2"/>
+                <a:endCxn id="3" idx="1"/>
+              </p:cNvCxnSpPr>
+              <p:nvPr/>
+            </p:nvCxnSpPr>
+            <p:spPr>
+              <a:xfrm rot="16200000" flipH="1">
+                <a:off x="2586001" y="2969260"/>
+                <a:ext cx="279811" cy="204276"/>
+              </a:xfrm>
+              <a:prstGeom prst="bentConnector2">
+                <a:avLst/>
+              </a:prstGeom>
+              <a:ln w="19050">
+                <a:solidFill>
+                  <a:schemeClr val="accent3"/>
+                </a:solidFill>
+                <a:headEnd type="none" w="med" len="med"/>
+                <a:tailEnd type="arrow" w="med" len="med"/>
+              </a:ln>
+              <a:effectLst/>
+            </p:spPr>
+            <p:style>
+              <a:lnRef idx="1">
+                <a:schemeClr val="accent2"/>
+              </a:lnRef>
+              <a:fillRef idx="2">
+                <a:schemeClr val="accent2"/>
+              </a:fillRef>
+              <a:effectRef idx="1">
+                <a:schemeClr val="accent2"/>
+              </a:effectRef>
+              <a:fontRef idx="minor">
+                <a:schemeClr val="dk1"/>
+              </a:fontRef>
+            </p:style>
+          </p:cxnSp>
+          <p:sp>
+            <p:nvSpPr>
+              <p:cNvPr id="43" name="Rectangle 11"/>
+              <p:cNvSpPr/>
+              <p:nvPr/>
+            </p:nvSpPr>
+            <p:spPr>
+              <a:xfrm>
+                <a:off x="2826085" y="3480905"/>
+                <a:ext cx="1241178" cy="298253"/>
+              </a:xfrm>
+              <a:prstGeom prst="rect">
+                <a:avLst/>
+              </a:prstGeom>
+              <a:ln w="19050">
+                <a:solidFill>
+                  <a:schemeClr val="accent3"/>
+                </a:solidFill>
+              </a:ln>
+              <a:effectLst/>
+            </p:spPr>
+            <p:style>
+              <a:lnRef idx="1">
+                <a:schemeClr val="accent3"/>
+              </a:lnRef>
+              <a:fillRef idx="2">
+                <a:schemeClr val="accent3"/>
+              </a:fillRef>
+              <a:effectRef idx="1">
+                <a:schemeClr val="accent3"/>
+              </a:effectRef>
+              <a:fontRef idx="minor">
+                <a:schemeClr val="dk1"/>
+              </a:fontRef>
+            </p:style>
+            <p:txBody>
+              <a:bodyPr rtlCol="0" anchor="ctr"/>
+              <a:lstStyle/>
+              <a:p>
+                <a:pPr algn="ctr"/>
+                <a:r>
+                  <a:rPr lang="en-US" sz="1050" b="1" dirty="0" err="1">
+                    <a:solidFill>
+                      <a:schemeClr val="accent3">
+                        <a:lumMod val="75000"/>
+                      </a:schemeClr>
+                    </a:solidFill>
+                  </a:rPr>
+                  <a:t>ResultDisplay</a:t>
+                </a:r>
+                <a:endParaRPr lang="en-SG" sz="1050" b="1" dirty="0">
+                  <a:solidFill>
+                    <a:schemeClr val="accent3">
+                      <a:lumMod val="75000"/>
+                    </a:schemeClr>
+                  </a:solidFill>
+                </a:endParaRPr>
+              </a:p>
+            </p:txBody>
+          </p:sp>
+          <p:cxnSp>
+            <p:nvCxnSpPr>
+              <p:cNvPr id="44" name="Elbow Connector 63"/>
+              <p:cNvCxnSpPr>
+                <a:cxnSpLocks/>
+                <a:stCxn id="39" idx="2"/>
+                <a:endCxn id="34" idx="1"/>
+              </p:cNvCxnSpPr>
+              <p:nvPr/>
+            </p:nvCxnSpPr>
+            <p:spPr>
+              <a:xfrm rot="16200000" flipH="1">
+                <a:off x="2159377" y="3395884"/>
+                <a:ext cx="1133059" cy="204276"/>
+              </a:xfrm>
+              <a:prstGeom prst="bentConnector2">
+                <a:avLst/>
+              </a:prstGeom>
+              <a:ln w="19050">
+                <a:solidFill>
+                  <a:schemeClr val="accent3"/>
+                </a:solidFill>
+                <a:headEnd type="none" w="med" len="med"/>
+                <a:tailEnd type="arrow" w="med" len="med"/>
+              </a:ln>
+              <a:effectLst/>
+            </p:spPr>
+            <p:style>
+              <a:lnRef idx="1">
+                <a:schemeClr val="accent2"/>
+              </a:lnRef>
+              <a:fillRef idx="2">
+                <a:schemeClr val="accent2"/>
+              </a:fillRef>
+              <a:effectRef idx="1">
+                <a:schemeClr val="accent2"/>
+              </a:effectRef>
+              <a:fontRef idx="minor">
+                <a:schemeClr val="dk1"/>
+              </a:fontRef>
+            </p:style>
+          </p:cxnSp>
+          <p:cxnSp>
+            <p:nvCxnSpPr>
+              <p:cNvPr id="47" name="Elbow Connector 63"/>
+              <p:cNvCxnSpPr>
+                <a:cxnSpLocks/>
+                <a:stCxn id="39" idx="2"/>
+                <a:endCxn id="36" idx="1"/>
+              </p:cNvCxnSpPr>
+              <p:nvPr/>
+            </p:nvCxnSpPr>
+            <p:spPr>
+              <a:xfrm rot="16200000" flipH="1">
+                <a:off x="1943656" y="3611605"/>
+                <a:ext cx="1564496" cy="204273"/>
+              </a:xfrm>
+              <a:prstGeom prst="bentConnector2">
+                <a:avLst/>
+              </a:prstGeom>
+              <a:ln w="19050">
+                <a:solidFill>
+                  <a:schemeClr val="accent3"/>
+                </a:solidFill>
+                <a:headEnd type="none" w="med" len="med"/>
+                <a:tailEnd type="arrow" w="med" len="med"/>
+              </a:ln>
+              <a:effectLst/>
+            </p:spPr>
+            <p:style>
+              <a:lnRef idx="1">
+                <a:schemeClr val="accent2"/>
+              </a:lnRef>
+              <a:fillRef idx="2">
+                <a:schemeClr val="accent2"/>
+              </a:fillRef>
+              <a:effectRef idx="1">
+                <a:schemeClr val="accent2"/>
+              </a:effectRef>
+              <a:fontRef idx="minor">
+                <a:schemeClr val="dk1"/>
+              </a:fontRef>
+            </p:style>
+          </p:cxnSp>
+          <p:cxnSp>
+            <p:nvCxnSpPr>
+              <p:cNvPr id="50" name="Elbow Connector 63"/>
+              <p:cNvCxnSpPr>
+                <a:cxnSpLocks/>
+                <a:stCxn id="39" idx="2"/>
+                <a:endCxn id="35" idx="1"/>
+              </p:cNvCxnSpPr>
+              <p:nvPr/>
+            </p:nvCxnSpPr>
+            <p:spPr>
+              <a:xfrm rot="16200000" flipH="1">
+                <a:off x="637981" y="4917280"/>
+                <a:ext cx="4131028" cy="159455"/>
+              </a:xfrm>
+              <a:prstGeom prst="bentConnector2">
+                <a:avLst/>
+              </a:prstGeom>
+              <a:ln w="19050">
+                <a:solidFill>
+                  <a:schemeClr val="accent3"/>
+                </a:solidFill>
+                <a:headEnd type="none" w="med" len="med"/>
+                <a:tailEnd type="arrow" w="med" len="med"/>
+              </a:ln>
+              <a:effectLst/>
+            </p:spPr>
+            <p:style>
+              <a:lnRef idx="1">
+                <a:schemeClr val="accent2"/>
+              </a:lnRef>
+              <a:fillRef idx="2">
+                <a:schemeClr val="accent2"/>
+              </a:fillRef>
+              <a:effectRef idx="1">
+                <a:schemeClr val="accent2"/>
+              </a:effectRef>
+              <a:fontRef idx="minor">
+                <a:schemeClr val="dk1"/>
+              </a:fontRef>
+            </p:style>
+          </p:cxnSp>
+          <p:cxnSp>
+            <p:nvCxnSpPr>
+              <p:cNvPr id="74" name="Elbow Connector 63"/>
+              <p:cNvCxnSpPr>
+                <a:cxnSpLocks/>
+                <a:stCxn id="43" idx="3"/>
+                <a:endCxn id="16" idx="3"/>
+              </p:cNvCxnSpPr>
+              <p:nvPr/>
+            </p:nvCxnSpPr>
+            <p:spPr>
+              <a:xfrm flipV="1">
+                <a:off x="4067263" y="2546359"/>
+                <a:ext cx="2799401" cy="1083673"/>
+              </a:xfrm>
+              <a:prstGeom prst="bentConnector2">
+                <a:avLst/>
+              </a:prstGeom>
+              <a:ln w="6350">
+                <a:solidFill>
+                  <a:schemeClr val="accent3"/>
+                </a:solidFill>
+                <a:headEnd type="none" w="med" len="med"/>
+                <a:tailEnd type="none" w="med" len="med"/>
+              </a:ln>
+              <a:effectLst/>
+            </p:spPr>
+            <p:style>
+              <a:lnRef idx="1">
+                <a:schemeClr val="accent2"/>
+              </a:lnRef>
+              <a:fillRef idx="2">
+                <a:schemeClr val="accent2"/>
+              </a:fillRef>
+              <a:effectRef idx="1">
+                <a:schemeClr val="accent2"/>
+              </a:effectRef>
+              <a:fontRef idx="minor">
+                <a:schemeClr val="dk1"/>
+              </a:fontRef>
+            </p:style>
+          </p:cxnSp>
+          <p:cxnSp>
+            <p:nvCxnSpPr>
+              <p:cNvPr id="77" name="Elbow Connector 63"/>
+              <p:cNvCxnSpPr>
+                <a:cxnSpLocks/>
+                <a:stCxn id="16" idx="3"/>
+                <a:endCxn id="37" idx="3"/>
+              </p:cNvCxnSpPr>
+              <p:nvPr/>
+            </p:nvCxnSpPr>
+            <p:spPr>
+              <a:xfrm rot="5400000">
+                <a:off x="5019535" y="2947114"/>
+                <a:ext cx="2247884" cy="1446376"/>
+              </a:xfrm>
+              <a:prstGeom prst="bentConnector2">
+                <a:avLst/>
+              </a:prstGeom>
+              <a:ln w="6350">
+                <a:solidFill>
+                  <a:schemeClr val="accent3"/>
+                </a:solidFill>
+                <a:headEnd type="none" w="med" len="med"/>
+                <a:tailEnd type="none" w="med" len="med"/>
+              </a:ln>
+              <a:effectLst/>
+            </p:spPr>
+            <p:style>
+              <a:lnRef idx="1">
+                <a:schemeClr val="accent2"/>
+              </a:lnRef>
+              <a:fillRef idx="2">
+                <a:schemeClr val="accent2"/>
+              </a:fillRef>
+              <a:effectRef idx="1">
+                <a:schemeClr val="accent2"/>
+              </a:effectRef>
+              <a:fontRef idx="minor">
+                <a:schemeClr val="dk1"/>
+              </a:fontRef>
+            </p:style>
+          </p:cxnSp>
+          <p:cxnSp>
+            <p:nvCxnSpPr>
+              <p:cNvPr id="82" name="Elbow Connector 63"/>
+              <p:cNvCxnSpPr>
+                <a:cxnSpLocks/>
+                <a:stCxn id="16" idx="3"/>
+                <a:endCxn id="34" idx="3"/>
+              </p:cNvCxnSpPr>
+              <p:nvPr/>
+            </p:nvCxnSpPr>
+            <p:spPr>
+              <a:xfrm rot="5400000">
+                <a:off x="4707869" y="1905757"/>
+                <a:ext cx="1518194" cy="2799398"/>
+              </a:xfrm>
+              <a:prstGeom prst="bentConnector2">
+                <a:avLst/>
+              </a:prstGeom>
+              <a:ln w="6350">
+                <a:solidFill>
+                  <a:schemeClr val="accent3"/>
+                </a:solidFill>
+                <a:headEnd type="none" w="med" len="med"/>
+                <a:tailEnd type="none" w="med" len="med"/>
+              </a:ln>
+              <a:effectLst/>
+            </p:spPr>
+            <p:style>
+              <a:lnRef idx="1">
+                <a:schemeClr val="accent2"/>
+              </a:lnRef>
+              <a:fillRef idx="2">
+                <a:schemeClr val="accent2"/>
+              </a:fillRef>
+              <a:effectRef idx="1">
+                <a:schemeClr val="accent2"/>
+              </a:effectRef>
+              <a:fontRef idx="minor">
+                <a:schemeClr val="dk1"/>
+              </a:fontRef>
+            </p:style>
+          </p:cxnSp>
+          <p:cxnSp>
+            <p:nvCxnSpPr>
+              <p:cNvPr id="91" name="Elbow Connector 63"/>
+              <p:cNvCxnSpPr>
+                <a:cxnSpLocks/>
+                <a:stCxn id="16" idx="3"/>
+                <a:endCxn id="35" idx="3"/>
+              </p:cNvCxnSpPr>
+              <p:nvPr/>
+            </p:nvCxnSpPr>
+            <p:spPr>
+              <a:xfrm rot="5400000">
+                <a:off x="3186474" y="3382331"/>
+                <a:ext cx="4516163" cy="2844220"/>
+              </a:xfrm>
+              <a:prstGeom prst="bentConnector2">
+                <a:avLst/>
+              </a:prstGeom>
+              <a:ln w="6350">
+                <a:solidFill>
+                  <a:schemeClr val="accent3"/>
+                </a:solidFill>
+                <a:headEnd type="none" w="med" len="med"/>
+                <a:tailEnd type="none" w="med" len="med"/>
+              </a:ln>
+              <a:effectLst/>
+            </p:spPr>
+            <p:style>
+              <a:lnRef idx="1">
+                <a:schemeClr val="accent2"/>
+              </a:lnRef>
+              <a:fillRef idx="2">
+                <a:schemeClr val="accent2"/>
+              </a:fillRef>
+              <a:effectRef idx="1">
+                <a:schemeClr val="accent2"/>
+              </a:effectRef>
+              <a:fontRef idx="minor">
+                <a:schemeClr val="dk1"/>
+              </a:fontRef>
+            </p:style>
+          </p:cxnSp>
+          <p:cxnSp>
+            <p:nvCxnSpPr>
+              <p:cNvPr id="131" name="Elbow Connector 130"/>
+              <p:cNvCxnSpPr>
+                <a:cxnSpLocks/>
+                <a:stCxn id="39" idx="2"/>
+                <a:endCxn id="43" idx="1"/>
+              </p:cNvCxnSpPr>
+              <p:nvPr/>
+            </p:nvCxnSpPr>
+            <p:spPr>
+              <a:xfrm rot="16200000" flipH="1">
+                <a:off x="2375657" y="3179604"/>
+                <a:ext cx="698538" cy="202317"/>
+              </a:xfrm>
+              <a:prstGeom prst="bentConnector2">
+                <a:avLst/>
+              </a:prstGeom>
+              <a:ln w="19050">
+                <a:solidFill>
+                  <a:schemeClr val="accent3"/>
+                </a:solidFill>
+                <a:headEnd type="none" w="med" len="med"/>
+                <a:tailEnd type="arrow" w="med" len="med"/>
+              </a:ln>
+              <a:effectLst/>
+            </p:spPr>
+            <p:style>
+              <a:lnRef idx="1">
+                <a:schemeClr val="accent2"/>
+              </a:lnRef>
+              <a:fillRef idx="2">
+                <a:schemeClr val="accent2"/>
+              </a:fillRef>
+              <a:effectRef idx="1">
+                <a:schemeClr val="accent2"/>
+              </a:effectRef>
+              <a:fontRef idx="minor">
+                <a:schemeClr val="dk1"/>
+              </a:fontRef>
+            </p:style>
+          </p:cxnSp>
+          <p:cxnSp>
+            <p:nvCxnSpPr>
+              <p:cNvPr id="132" name="Elbow Connector 63"/>
+              <p:cNvCxnSpPr>
+                <a:cxnSpLocks/>
+                <a:stCxn id="16" idx="3"/>
+                <a:endCxn id="3" idx="3"/>
+              </p:cNvCxnSpPr>
+              <p:nvPr/>
+            </p:nvCxnSpPr>
+            <p:spPr>
+              <a:xfrm rot="5400000">
+                <a:off x="5134493" y="1479133"/>
+                <a:ext cx="664946" cy="2799398"/>
+              </a:xfrm>
+              <a:prstGeom prst="bentConnector2">
+                <a:avLst/>
+              </a:prstGeom>
+              <a:ln w="6350">
+                <a:solidFill>
+                  <a:schemeClr val="accent3"/>
+                </a:solidFill>
+                <a:headEnd type="none" w="med" len="med"/>
+                <a:tailEnd type="none" w="med" len="med"/>
+              </a:ln>
+              <a:effectLst/>
+            </p:spPr>
+            <p:style>
+              <a:lnRef idx="1">
+                <a:schemeClr val="accent2"/>
+              </a:lnRef>
+              <a:fillRef idx="2">
+                <a:schemeClr val="accent2"/>
+              </a:fillRef>
+              <a:effectRef idx="1">
+                <a:schemeClr val="accent2"/>
+              </a:effectRef>
+              <a:fontRef idx="minor">
+                <a:schemeClr val="dk1"/>
+              </a:fontRef>
+            </p:style>
+          </p:cxnSp>
+          <p:cxnSp>
+            <p:nvCxnSpPr>
+              <p:cNvPr id="137" name="Elbow Connector 136"/>
+              <p:cNvCxnSpPr>
+                <a:stCxn id="36" idx="2"/>
+                <a:endCxn id="37" idx="1"/>
+              </p:cNvCxnSpPr>
+              <p:nvPr/>
+            </p:nvCxnSpPr>
+            <p:spPr>
+              <a:xfrm rot="16200000" flipH="1">
+                <a:off x="3769671" y="4323097"/>
+                <a:ext cx="149127" cy="793162"/>
+              </a:xfrm>
+              <a:prstGeom prst="bentConnector2">
+                <a:avLst/>
+              </a:prstGeom>
+              <a:ln w="19050">
+                <a:solidFill>
+                  <a:schemeClr val="accent3"/>
+                </a:solidFill>
+                <a:headEnd type="none" w="med" len="med"/>
+                <a:tailEnd type="arrow" w="med" len="med"/>
+              </a:ln>
+              <a:effectLst/>
+            </p:spPr>
+            <p:style>
+              <a:lnRef idx="1">
+                <a:schemeClr val="accent2"/>
+              </a:lnRef>
+              <a:fillRef idx="2">
+                <a:schemeClr val="accent2"/>
+              </a:fillRef>
+              <a:effectRef idx="1">
+                <a:schemeClr val="accent2"/>
+              </a:effectRef>
+              <a:fontRef idx="minor">
+                <a:schemeClr val="dk1"/>
+              </a:fontRef>
+            </p:style>
+          </p:cxnSp>
+          <p:sp>
+            <p:nvSpPr>
+              <p:cNvPr id="118" name="Freeform 117"/>
+              <p:cNvSpPr/>
+              <p:nvPr/>
+            </p:nvSpPr>
+            <p:spPr>
+              <a:xfrm flipV="1">
+                <a:off x="5356184" y="4953508"/>
+                <a:ext cx="2442677" cy="135517"/>
+              </a:xfrm>
+              <a:custGeom>
+                <a:avLst/>
+                <a:gdLst>
+                  <a:gd name="connsiteX0" fmla="*/ 0 w 3048000"/>
+                  <a:gd name="connsiteY0" fmla="*/ 203200 h 203200"/>
+                  <a:gd name="connsiteX1" fmla="*/ 221673 w 3048000"/>
+                  <a:gd name="connsiteY1" fmla="*/ 0 h 203200"/>
+                  <a:gd name="connsiteX2" fmla="*/ 3048000 w 3048000"/>
+                  <a:gd name="connsiteY2" fmla="*/ 0 h 203200"/>
+                </a:gdLst>
+                <a:ahLst/>
+                <a:cxnLst>
+                  <a:cxn ang="0">
+                    <a:pos x="connsiteX0" y="connsiteY0"/>
+                  </a:cxn>
+                  <a:cxn ang="0">
+                    <a:pos x="connsiteX1" y="connsiteY1"/>
+                  </a:cxn>
+                  <a:cxn ang="0">
+                    <a:pos x="connsiteX2" y="connsiteY2"/>
+                  </a:cxn>
+                </a:cxnLst>
+                <a:rect l="l" t="t" r="r" b="b"/>
+                <a:pathLst>
+                  <a:path w="3048000" h="203200">
+                    <a:moveTo>
+                      <a:pt x="0" y="203200"/>
+                    </a:moveTo>
+                    <a:lnTo>
+                      <a:pt x="221673" y="0"/>
+                    </a:lnTo>
+                    <a:lnTo>
+                      <a:pt x="3048000" y="0"/>
+                    </a:lnTo>
+                  </a:path>
+                </a:pathLst>
+              </a:custGeom>
+              <a:noFill/>
+              <a:ln w="19050">
+                <a:solidFill>
+                  <a:schemeClr val="accent3"/>
+                </a:solidFill>
+                <a:prstDash val="sysDot"/>
+                <a:headEnd type="none" w="med" len="med"/>
+                <a:tailEnd type="arrow" w="med" len="med"/>
+              </a:ln>
+              <a:effectLst/>
+            </p:spPr>
+            <p:style>
+              <a:lnRef idx="1">
+                <a:schemeClr val="accent2"/>
+              </a:lnRef>
+              <a:fillRef idx="2">
+                <a:schemeClr val="accent2"/>
+              </a:fillRef>
+              <a:effectRef idx="1">
+                <a:schemeClr val="accent2"/>
+              </a:effectRef>
+              <a:fontRef idx="minor">
+                <a:schemeClr val="dk1"/>
+              </a:fontRef>
+            </p:style>
+            <p:txBody>
+              <a:bodyPr rtlCol="0" anchor="ctr"/>
+              <a:lstStyle/>
+              <a:p>
+                <a:pPr algn="ctr"/>
+                <a:endParaRPr lang="en-SG"/>
+              </a:p>
+            </p:txBody>
+          </p:sp>
+        </p:grpSp>
+        <p:sp>
+          <p:nvSpPr>
+            <p:cNvPr id="81" name="Rectangle 11">
+              <a:extLst>
+                <a:ext uri="{FF2B5EF4-FFF2-40B4-BE49-F238E27FC236}">
+                  <a16:creationId xmlns:a16="http://schemas.microsoft.com/office/drawing/2014/main" id="{9E7E878D-69C3-472C-B15A-173D927BE300}"/>
+                </a:ext>
+              </a:extLst>
+            </p:cNvPr>
+            <p:cNvSpPr/>
+            <p:nvPr/>
+          </p:nvSpPr>
+          <p:spPr>
+            <a:xfrm>
+              <a:off x="3925361" y="3954283"/>
+              <a:ext cx="1535899" cy="298253"/>
+            </a:xfrm>
+            <a:prstGeom prst="rect">
+              <a:avLst/>
+            </a:prstGeom>
+            <a:ln w="19050">
+              <a:solidFill>
+                <a:schemeClr val="accent3"/>
               </a:solidFill>
-            </a:endParaRPr>
-          </a:p>
-        </p:txBody>
-      </p:sp>
-      <p:sp>
-        <p:nvSpPr>
-          <p:cNvPr id="35" name="Rectangle 11"/>
-          <p:cNvSpPr/>
-          <p:nvPr/>
-        </p:nvSpPr>
-        <p:spPr>
-          <a:xfrm>
-            <a:off x="2592527" y="4563759"/>
-            <a:ext cx="1093635" cy="236841"/>
-          </a:xfrm>
-          <a:prstGeom prst="rect">
-            <a:avLst/>
-          </a:prstGeom>
-          <a:ln w="19050">
-            <a:solidFill>
+            </a:ln>
+            <a:effectLst/>
+          </p:spPr>
+          <p:style>
+            <a:lnRef idx="1">
               <a:schemeClr val="accent3"/>
-            </a:solidFill>
-          </a:ln>
-          <a:effectLst/>
-        </p:spPr>
-        <p:style>
-          <a:lnRef idx="1">
-            <a:schemeClr val="accent3"/>
-          </a:lnRef>
-          <a:fillRef idx="2">
-            <a:schemeClr val="accent3"/>
-          </a:fillRef>
-          <a:effectRef idx="1">
-            <a:schemeClr val="accent3"/>
-          </a:effectRef>
-          <a:fontRef idx="minor">
-            <a:schemeClr val="dk1"/>
-          </a:fontRef>
-        </p:style>
-        <p:txBody>
-          <a:bodyPr rtlCol="0" anchor="ctr"/>
-          <a:lstStyle/>
-          <a:p>
-            <a:pPr algn="ctr"/>
-            <a:r>
-              <a:rPr lang="en-US" sz="1050" b="1" dirty="0" err="1">
+            </a:lnRef>
+            <a:fillRef idx="2">
+              <a:schemeClr val="accent3"/>
+            </a:fillRef>
+            <a:effectRef idx="1">
+              <a:schemeClr val="accent3"/>
+            </a:effectRef>
+            <a:fontRef idx="minor">
+              <a:schemeClr val="dk1"/>
+            </a:fontRef>
+          </p:style>
+          <p:txBody>
+            <a:bodyPr rtlCol="0" anchor="ctr"/>
+            <a:lstStyle/>
+            <a:p>
+              <a:pPr algn="ctr"/>
+              <a:r>
+                <a:rPr lang="en-US" sz="1050" b="1" dirty="0" err="1">
+                  <a:solidFill>
+                    <a:schemeClr val="accent3">
+                      <a:lumMod val="75000"/>
+                    </a:schemeClr>
+                  </a:solidFill>
+                </a:rPr>
+                <a:t>ToDoListPanel</a:t>
+              </a:r>
+              <a:endParaRPr lang="en-SG" sz="1050" b="1" dirty="0">
                 <a:solidFill>
                   <a:schemeClr val="accent3">
                     <a:lumMod val="75000"/>
                   </a:schemeClr>
                 </a:solidFill>
-              </a:rPr>
-              <a:t>StatusBarFooter</a:t>
-            </a:r>
-            <a:endParaRPr lang="en-SG" sz="1050" b="1" dirty="0">
+              </a:endParaRPr>
+            </a:p>
+          </p:txBody>
+        </p:sp>
+        <p:cxnSp>
+          <p:nvCxnSpPr>
+            <p:cNvPr id="85" name="Elbow Connector 63">
+              <a:extLst>
+                <a:ext uri="{FF2B5EF4-FFF2-40B4-BE49-F238E27FC236}">
+                  <a16:creationId xmlns:a16="http://schemas.microsoft.com/office/drawing/2014/main" id="{6B3C67DC-CD02-4BB0-B1ED-8A593782393E}"/>
+                </a:ext>
+              </a:extLst>
+            </p:cNvPr>
+            <p:cNvCxnSpPr>
+              <a:cxnSpLocks/>
+              <a:stCxn id="39" idx="2"/>
+              <a:endCxn id="81" idx="1"/>
+            </p:cNvCxnSpPr>
+            <p:nvPr/>
+          </p:nvCxnSpPr>
+          <p:spPr>
+            <a:xfrm rot="16200000" flipH="1">
+              <a:off x="2700956" y="2879004"/>
+              <a:ext cx="2203361" cy="245449"/>
+            </a:xfrm>
+            <a:prstGeom prst="bentConnector2">
+              <a:avLst/>
+            </a:prstGeom>
+            <a:ln w="19050">
               <a:solidFill>
-                <a:schemeClr val="accent3">
-                  <a:lumMod val="75000"/>
-                </a:schemeClr>
+                <a:schemeClr val="accent3"/>
               </a:solidFill>
-            </a:endParaRPr>
-          </a:p>
-        </p:txBody>
-      </p:sp>
-      <p:sp>
-        <p:nvSpPr>
-          <p:cNvPr id="36" name="Rectangle 11"/>
-          <p:cNvSpPr/>
-          <p:nvPr/>
-        </p:nvSpPr>
-        <p:spPr>
-          <a:xfrm>
-            <a:off x="2592526" y="3991960"/>
-            <a:ext cx="1093635" cy="236841"/>
-          </a:xfrm>
-          <a:prstGeom prst="rect">
-            <a:avLst/>
-          </a:prstGeom>
-          <a:ln w="19050">
-            <a:solidFill>
+              <a:headEnd type="none" w="med" len="med"/>
+              <a:tailEnd type="arrow" w="med" len="med"/>
+            </a:ln>
+            <a:effectLst/>
+          </p:spPr>
+          <p:style>
+            <a:lnRef idx="1">
+              <a:schemeClr val="accent2"/>
+            </a:lnRef>
+            <a:fillRef idx="2">
+              <a:schemeClr val="accent2"/>
+            </a:fillRef>
+            <a:effectRef idx="1">
+              <a:schemeClr val="accent2"/>
+            </a:effectRef>
+            <a:fontRef idx="minor">
+              <a:schemeClr val="dk1"/>
+            </a:fontRef>
+          </p:style>
+        </p:cxnSp>
+        <p:cxnSp>
+          <p:nvCxnSpPr>
+            <p:cNvPr id="89" name="Elbow Connector 136">
+              <a:extLst>
+                <a:ext uri="{FF2B5EF4-FFF2-40B4-BE49-F238E27FC236}">
+                  <a16:creationId xmlns:a16="http://schemas.microsoft.com/office/drawing/2014/main" id="{44940975-A869-4F75-9124-C8D163316182}"/>
+                </a:ext>
+              </a:extLst>
+            </p:cNvPr>
+            <p:cNvCxnSpPr>
+              <a:cxnSpLocks/>
+              <a:stCxn id="81" idx="2"/>
+              <a:endCxn id="90" idx="1"/>
+            </p:cNvCxnSpPr>
+            <p:nvPr/>
+          </p:nvCxnSpPr>
+          <p:spPr>
+            <a:xfrm rot="16200000" flipH="1">
+              <a:off x="5140915" y="3804931"/>
+              <a:ext cx="84884" cy="980093"/>
+            </a:xfrm>
+            <a:prstGeom prst="bentConnector2">
+              <a:avLst/>
+            </a:prstGeom>
+            <a:ln w="19050">
+              <a:solidFill>
+                <a:schemeClr val="accent3"/>
+              </a:solidFill>
+              <a:headEnd type="none" w="med" len="med"/>
+              <a:tailEnd type="arrow" w="med" len="med"/>
+            </a:ln>
+            <a:effectLst/>
+          </p:spPr>
+          <p:style>
+            <a:lnRef idx="1">
+              <a:schemeClr val="accent2"/>
+            </a:lnRef>
+            <a:fillRef idx="2">
+              <a:schemeClr val="accent2"/>
+            </a:fillRef>
+            <a:effectRef idx="1">
+              <a:schemeClr val="accent2"/>
+            </a:effectRef>
+            <a:fontRef idx="minor">
+              <a:schemeClr val="dk1"/>
+            </a:fontRef>
+          </p:style>
+        </p:cxnSp>
+        <p:sp>
+          <p:nvSpPr>
+            <p:cNvPr id="90" name="Rectangle 11">
+              <a:extLst>
+                <a:ext uri="{FF2B5EF4-FFF2-40B4-BE49-F238E27FC236}">
+                  <a16:creationId xmlns:a16="http://schemas.microsoft.com/office/drawing/2014/main" id="{D326BE70-B7F4-402D-A865-13B2ED366F24}"/>
+                </a:ext>
+              </a:extLst>
+            </p:cNvPr>
+            <p:cNvSpPr/>
+            <p:nvPr/>
+          </p:nvSpPr>
+          <p:spPr>
+            <a:xfrm>
+              <a:off x="5673404" y="4188293"/>
+              <a:ext cx="1461847" cy="298253"/>
+            </a:xfrm>
+            <a:prstGeom prst="rect">
+              <a:avLst/>
+            </a:prstGeom>
+            <a:ln w="19050">
+              <a:solidFill>
+                <a:schemeClr val="accent3"/>
+              </a:solidFill>
+            </a:ln>
+            <a:effectLst/>
+          </p:spPr>
+          <p:style>
+            <a:lnRef idx="1">
               <a:schemeClr val="accent3"/>
-            </a:solidFill>
-          </a:ln>
-          <a:effectLst/>
-        </p:spPr>
-        <p:style>
-          <a:lnRef idx="1">
-            <a:schemeClr val="accent3"/>
-          </a:lnRef>
-          <a:fillRef idx="2">
-            <a:schemeClr val="accent3"/>
-          </a:fillRef>
-          <a:effectRef idx="1">
-            <a:schemeClr val="accent3"/>
-          </a:effectRef>
-          <a:fontRef idx="minor">
-            <a:schemeClr val="dk1"/>
-          </a:fontRef>
-        </p:style>
-        <p:txBody>
-          <a:bodyPr rtlCol="0" anchor="ctr"/>
-          <a:lstStyle/>
-          <a:p>
-            <a:pPr algn="ctr"/>
-            <a:r>
-              <a:rPr lang="en-US" sz="1050" b="1" dirty="0" err="1">
+            </a:lnRef>
+            <a:fillRef idx="2">
+              <a:schemeClr val="accent3"/>
+            </a:fillRef>
+            <a:effectRef idx="1">
+              <a:schemeClr val="accent3"/>
+            </a:effectRef>
+            <a:fontRef idx="minor">
+              <a:schemeClr val="dk1"/>
+            </a:fontRef>
+          </p:style>
+          <p:txBody>
+            <a:bodyPr rtlCol="0" anchor="ctr"/>
+            <a:lstStyle/>
+            <a:p>
+              <a:pPr algn="ctr"/>
+              <a:r>
+                <a:rPr lang="en-US" sz="1050" b="1" dirty="0" err="1">
+                  <a:solidFill>
+                    <a:schemeClr val="accent3">
+                      <a:lumMod val="75000"/>
+                    </a:schemeClr>
+                  </a:solidFill>
+                </a:rPr>
+                <a:t>ToDoCard</a:t>
+              </a:r>
+              <a:endParaRPr lang="en-SG" sz="1050" b="1" dirty="0">
                 <a:solidFill>
                   <a:schemeClr val="accent3">
                     <a:lumMod val="75000"/>
                   </a:schemeClr>
                 </a:solidFill>
-              </a:rPr>
-              <a:t>PersonListPanel</a:t>
-            </a:r>
-            <a:endParaRPr lang="en-SG" sz="1050" b="1" dirty="0">
+              </a:endParaRPr>
+            </a:p>
+          </p:txBody>
+        </p:sp>
+        <p:cxnSp>
+          <p:nvCxnSpPr>
+            <p:cNvPr id="92" name="Elbow Connector 63">
+              <a:extLst>
+                <a:ext uri="{FF2B5EF4-FFF2-40B4-BE49-F238E27FC236}">
+                  <a16:creationId xmlns:a16="http://schemas.microsoft.com/office/drawing/2014/main" id="{B493E37A-1588-44B1-B9EB-A730A32A9A02}"/>
+                </a:ext>
+              </a:extLst>
+            </p:cNvPr>
+            <p:cNvCxnSpPr>
+              <a:cxnSpLocks/>
+              <a:stCxn id="16" idx="3"/>
+              <a:endCxn id="90" idx="3"/>
+            </p:cNvCxnSpPr>
+            <p:nvPr/>
+          </p:nvCxnSpPr>
+          <p:spPr>
+            <a:xfrm rot="5400000">
+              <a:off x="6625664" y="2024501"/>
+              <a:ext cx="2822506" cy="1803332"/>
+            </a:xfrm>
+            <a:prstGeom prst="bentConnector2">
+              <a:avLst/>
+            </a:prstGeom>
+            <a:ln w="6350">
               <a:solidFill>
-                <a:schemeClr val="accent3">
-                  <a:lumMod val="75000"/>
-                </a:schemeClr>
+                <a:schemeClr val="accent3"/>
               </a:solidFill>
-            </a:endParaRPr>
-          </a:p>
-        </p:txBody>
-      </p:sp>
-      <p:sp>
-        <p:nvSpPr>
-          <p:cNvPr id="37" name="Rectangle 11"/>
-          <p:cNvSpPr/>
-          <p:nvPr/>
-        </p:nvSpPr>
-        <p:spPr>
-          <a:xfrm>
-            <a:off x="3839323" y="4228801"/>
-            <a:ext cx="1040906" cy="236841"/>
-          </a:xfrm>
-          <a:prstGeom prst="rect">
-            <a:avLst/>
-          </a:prstGeom>
-          <a:ln w="19050">
-            <a:solidFill>
+              <a:headEnd type="none" w="med" len="med"/>
+              <a:tailEnd type="none" w="med" len="med"/>
+            </a:ln>
+            <a:effectLst/>
+          </p:spPr>
+          <p:style>
+            <a:lnRef idx="1">
+              <a:schemeClr val="accent2"/>
+            </a:lnRef>
+            <a:fillRef idx="2">
+              <a:schemeClr val="accent2"/>
+            </a:fillRef>
+            <a:effectRef idx="1">
+              <a:schemeClr val="accent2"/>
+            </a:effectRef>
+            <a:fontRef idx="minor">
+              <a:schemeClr val="dk1"/>
+            </a:fontRef>
+          </p:style>
+        </p:cxnSp>
+        <p:sp>
+          <p:nvSpPr>
+            <p:cNvPr id="95" name="Rectangle 11">
+              <a:extLst>
+                <a:ext uri="{FF2B5EF4-FFF2-40B4-BE49-F238E27FC236}">
+                  <a16:creationId xmlns:a16="http://schemas.microsoft.com/office/drawing/2014/main" id="{9AE37783-D69F-4051-A6C7-A01A34CB8F47}"/>
+                </a:ext>
+              </a:extLst>
+            </p:cNvPr>
+            <p:cNvSpPr/>
+            <p:nvPr/>
+          </p:nvSpPr>
+          <p:spPr>
+            <a:xfrm>
+              <a:off x="3922404" y="4492347"/>
+              <a:ext cx="1535899" cy="298253"/>
+            </a:xfrm>
+            <a:prstGeom prst="rect">
+              <a:avLst/>
+            </a:prstGeom>
+            <a:ln w="19050">
+              <a:solidFill>
+                <a:schemeClr val="accent3"/>
+              </a:solidFill>
+            </a:ln>
+            <a:effectLst/>
+          </p:spPr>
+          <p:style>
+            <a:lnRef idx="1">
               <a:schemeClr val="accent3"/>
-            </a:solidFill>
-          </a:ln>
-          <a:effectLst/>
-        </p:spPr>
-        <p:style>
-          <a:lnRef idx="1">
-            <a:schemeClr val="accent3"/>
-          </a:lnRef>
-          <a:fillRef idx="2">
-            <a:schemeClr val="accent3"/>
-          </a:fillRef>
-          <a:effectRef idx="1">
-            <a:schemeClr val="accent3"/>
-          </a:effectRef>
-          <a:fontRef idx="minor">
-            <a:schemeClr val="dk1"/>
-          </a:fontRef>
-        </p:style>
-        <p:txBody>
-          <a:bodyPr rtlCol="0" anchor="ctr"/>
-          <a:lstStyle/>
-          <a:p>
-            <a:pPr algn="ctr"/>
-            <a:r>
-              <a:rPr lang="en-US" sz="1050" b="1" dirty="0" err="1">
+            </a:lnRef>
+            <a:fillRef idx="2">
+              <a:schemeClr val="accent3"/>
+            </a:fillRef>
+            <a:effectRef idx="1">
+              <a:schemeClr val="accent3"/>
+            </a:effectRef>
+            <a:fontRef idx="minor">
+              <a:schemeClr val="dk1"/>
+            </a:fontRef>
+          </p:style>
+          <p:txBody>
+            <a:bodyPr rtlCol="0" anchor="ctr"/>
+            <a:lstStyle/>
+            <a:p>
+              <a:pPr algn="ctr"/>
+              <a:r>
+                <a:rPr lang="en-US" sz="1050" b="1" dirty="0" err="1">
+                  <a:solidFill>
+                    <a:schemeClr val="accent3">
+                      <a:lumMod val="75000"/>
+                    </a:schemeClr>
+                  </a:solidFill>
+                </a:rPr>
+                <a:t>GroupListPanel</a:t>
+              </a:r>
+              <a:endParaRPr lang="en-SG" sz="1050" b="1" dirty="0">
                 <a:solidFill>
                   <a:schemeClr val="accent3">
                     <a:lumMod val="75000"/>
                   </a:schemeClr>
                 </a:solidFill>
-              </a:rPr>
-              <a:t>PersonCard</a:t>
-            </a:r>
-            <a:endParaRPr lang="en-SG" sz="1050" b="1" dirty="0">
+              </a:endParaRPr>
+            </a:p>
+          </p:txBody>
+        </p:sp>
+        <p:cxnSp>
+          <p:nvCxnSpPr>
+            <p:cNvPr id="96" name="Elbow Connector 63">
+              <a:extLst>
+                <a:ext uri="{FF2B5EF4-FFF2-40B4-BE49-F238E27FC236}">
+                  <a16:creationId xmlns:a16="http://schemas.microsoft.com/office/drawing/2014/main" id="{8E09E22B-10AE-4ED4-AF69-7B519AC49295}"/>
+                </a:ext>
+              </a:extLst>
+            </p:cNvPr>
+            <p:cNvCxnSpPr>
+              <a:cxnSpLocks/>
+              <a:stCxn id="39" idx="2"/>
+              <a:endCxn id="95" idx="1"/>
+            </p:cNvCxnSpPr>
+            <p:nvPr/>
+          </p:nvCxnSpPr>
+          <p:spPr>
+            <a:xfrm rot="16200000" flipH="1">
+              <a:off x="2430446" y="3149515"/>
+              <a:ext cx="2741425" cy="242492"/>
+            </a:xfrm>
+            <a:prstGeom prst="bentConnector2">
+              <a:avLst/>
+            </a:prstGeom>
+            <a:ln w="19050">
               <a:solidFill>
-                <a:schemeClr val="accent3">
-                  <a:lumMod val="75000"/>
-                </a:schemeClr>
+                <a:schemeClr val="accent3"/>
               </a:solidFill>
-            </a:endParaRPr>
-          </a:p>
-        </p:txBody>
-      </p:sp>
-      <p:sp>
-        <p:nvSpPr>
-          <p:cNvPr id="38" name="Rectangle 11"/>
-          <p:cNvSpPr/>
-          <p:nvPr/>
-        </p:nvSpPr>
-        <p:spPr>
-          <a:xfrm>
-            <a:off x="2592528" y="4966000"/>
-            <a:ext cx="1093635" cy="236841"/>
-          </a:xfrm>
-          <a:prstGeom prst="rect">
-            <a:avLst/>
-          </a:prstGeom>
-          <a:ln w="19050">
-            <a:solidFill>
+              <a:headEnd type="none" w="med" len="med"/>
+              <a:tailEnd type="arrow" w="med" len="med"/>
+            </a:ln>
+            <a:effectLst/>
+          </p:spPr>
+          <p:style>
+            <a:lnRef idx="1">
+              <a:schemeClr val="accent2"/>
+            </a:lnRef>
+            <a:fillRef idx="2">
+              <a:schemeClr val="accent2"/>
+            </a:fillRef>
+            <a:effectRef idx="1">
+              <a:schemeClr val="accent2"/>
+            </a:effectRef>
+            <a:fontRef idx="minor">
+              <a:schemeClr val="dk1"/>
+            </a:fontRef>
+          </p:style>
+        </p:cxnSp>
+        <p:sp>
+          <p:nvSpPr>
+            <p:cNvPr id="97" name="Rectangle 11">
+              <a:extLst>
+                <a:ext uri="{FF2B5EF4-FFF2-40B4-BE49-F238E27FC236}">
+                  <a16:creationId xmlns:a16="http://schemas.microsoft.com/office/drawing/2014/main" id="{4E39F5E1-599A-40E0-97CE-7222DADF83C2}"/>
+                </a:ext>
+              </a:extLst>
+            </p:cNvPr>
+            <p:cNvSpPr/>
+            <p:nvPr/>
+          </p:nvSpPr>
+          <p:spPr>
+            <a:xfrm>
+              <a:off x="5673403" y="4679833"/>
+              <a:ext cx="1461847" cy="298253"/>
+            </a:xfrm>
+            <a:prstGeom prst="rect">
+              <a:avLst/>
+            </a:prstGeom>
+            <a:ln w="19050">
+              <a:solidFill>
+                <a:schemeClr val="accent3"/>
+              </a:solidFill>
+            </a:ln>
+            <a:effectLst/>
+          </p:spPr>
+          <p:style>
+            <a:lnRef idx="1">
               <a:schemeClr val="accent3"/>
-            </a:solidFill>
-          </a:ln>
-          <a:effectLst/>
-        </p:spPr>
-        <p:style>
-          <a:lnRef idx="1">
-            <a:schemeClr val="accent3"/>
-          </a:lnRef>
-          <a:fillRef idx="2">
-            <a:schemeClr val="accent3"/>
-          </a:fillRef>
-          <a:effectRef idx="1">
-            <a:schemeClr val="accent3"/>
-          </a:effectRef>
-          <a:fontRef idx="minor">
-            <a:schemeClr val="dk1"/>
-          </a:fontRef>
-        </p:style>
-        <p:txBody>
-          <a:bodyPr rtlCol="0" anchor="ctr"/>
-          <a:lstStyle/>
-          <a:p>
-            <a:pPr algn="ctr"/>
-            <a:r>
-              <a:rPr lang="en-US" sz="1050" b="1" dirty="0" err="1">
+            </a:lnRef>
+            <a:fillRef idx="2">
+              <a:schemeClr val="accent3"/>
+            </a:fillRef>
+            <a:effectRef idx="1">
+              <a:schemeClr val="accent3"/>
+            </a:effectRef>
+            <a:fontRef idx="minor">
+              <a:schemeClr val="dk1"/>
+            </a:fontRef>
+          </p:style>
+          <p:txBody>
+            <a:bodyPr rtlCol="0" anchor="ctr"/>
+            <a:lstStyle/>
+            <a:p>
+              <a:pPr algn="ctr"/>
+              <a:r>
+                <a:rPr lang="en-SG" sz="1050" b="1" dirty="0" err="1">
+                  <a:solidFill>
+                    <a:schemeClr val="accent3">
+                      <a:lumMod val="75000"/>
+                    </a:schemeClr>
+                  </a:solidFill>
+                </a:rPr>
+                <a:t>GroupCard</a:t>
+              </a:r>
+              <a:endParaRPr lang="en-SG" sz="1050" b="1" dirty="0">
                 <a:solidFill>
                   <a:schemeClr val="accent3">
                     <a:lumMod val="75000"/>
                   </a:schemeClr>
                 </a:solidFill>
-              </a:rPr>
-              <a:t>HelpWindow</a:t>
-            </a:r>
-            <a:endParaRPr lang="en-SG" sz="1050" b="1" dirty="0">
+              </a:endParaRPr>
+            </a:p>
+          </p:txBody>
+        </p:sp>
+        <p:cxnSp>
+          <p:nvCxnSpPr>
+            <p:cNvPr id="98" name="Elbow Connector 63">
+              <a:extLst>
+                <a:ext uri="{FF2B5EF4-FFF2-40B4-BE49-F238E27FC236}">
+                  <a16:creationId xmlns:a16="http://schemas.microsoft.com/office/drawing/2014/main" id="{447431D4-EA1D-4603-8891-290F90382584}"/>
+                </a:ext>
+              </a:extLst>
+            </p:cNvPr>
+            <p:cNvCxnSpPr>
+              <a:cxnSpLocks/>
+              <a:stCxn id="16" idx="3"/>
+              <a:endCxn id="97" idx="3"/>
+            </p:cNvCxnSpPr>
+            <p:nvPr/>
+          </p:nvCxnSpPr>
+          <p:spPr>
+            <a:xfrm rot="5400000">
+              <a:off x="6379894" y="2270271"/>
+              <a:ext cx="3314046" cy="1803333"/>
+            </a:xfrm>
+            <a:prstGeom prst="bentConnector2">
+              <a:avLst/>
+            </a:prstGeom>
+            <a:ln w="6350">
               <a:solidFill>
-                <a:schemeClr val="accent3">
-                  <a:lumMod val="75000"/>
-                </a:schemeClr>
+                <a:schemeClr val="accent3"/>
               </a:solidFill>
-            </a:endParaRPr>
-          </a:p>
-        </p:txBody>
-      </p:sp>
-      <p:sp>
-        <p:nvSpPr>
-          <p:cNvPr id="39" name="Flowchart: Decision 38"/>
-          <p:cNvSpPr/>
-          <p:nvPr/>
-        </p:nvSpPr>
-        <p:spPr>
-          <a:xfrm>
-            <a:off x="2324548" y="2706452"/>
-            <a:ext cx="183156" cy="161573"/>
-          </a:xfrm>
-          <a:prstGeom prst="flowChartDecision">
-            <a:avLst/>
-          </a:prstGeom>
-          <a:solidFill>
-            <a:schemeClr val="accent3"/>
-          </a:solidFill>
-          <a:ln>
-            <a:solidFill>
+              <a:headEnd type="none" w="med" len="med"/>
+              <a:tailEnd type="none" w="med" len="med"/>
+            </a:ln>
+            <a:effectLst/>
+          </p:spPr>
+          <p:style>
+            <a:lnRef idx="1">
+              <a:schemeClr val="accent2"/>
+            </a:lnRef>
+            <a:fillRef idx="2">
+              <a:schemeClr val="accent2"/>
+            </a:fillRef>
+            <a:effectRef idx="1">
+              <a:schemeClr val="accent2"/>
+            </a:effectRef>
+            <a:fontRef idx="minor">
+              <a:schemeClr val="dk1"/>
+            </a:fontRef>
+          </p:style>
+        </p:cxnSp>
+        <p:cxnSp>
+          <p:nvCxnSpPr>
+            <p:cNvPr id="100" name="Elbow Connector 136">
+              <a:extLst>
+                <a:ext uri="{FF2B5EF4-FFF2-40B4-BE49-F238E27FC236}">
+                  <a16:creationId xmlns:a16="http://schemas.microsoft.com/office/drawing/2014/main" id="{4E03291A-14FB-42A8-9CE2-574EC761A867}"/>
+                </a:ext>
+              </a:extLst>
+            </p:cNvPr>
+            <p:cNvCxnSpPr>
+              <a:cxnSpLocks/>
+              <a:stCxn id="95" idx="2"/>
+              <a:endCxn id="97" idx="1"/>
+            </p:cNvCxnSpPr>
+            <p:nvPr/>
+          </p:nvCxnSpPr>
+          <p:spPr>
+            <a:xfrm rot="16200000" flipH="1">
+              <a:off x="5162698" y="4318255"/>
+              <a:ext cx="38360" cy="983049"/>
+            </a:xfrm>
+            <a:prstGeom prst="bentConnector2">
+              <a:avLst/>
+            </a:prstGeom>
+            <a:ln w="19050">
+              <a:solidFill>
+                <a:schemeClr val="accent3"/>
+              </a:solidFill>
+              <a:headEnd type="none" w="med" len="med"/>
+              <a:tailEnd type="arrow" w="med" len="med"/>
+            </a:ln>
+            <a:effectLst/>
+          </p:spPr>
+          <p:style>
+            <a:lnRef idx="1">
+              <a:schemeClr val="accent2"/>
+            </a:lnRef>
+            <a:fillRef idx="2">
+              <a:schemeClr val="accent2"/>
+            </a:fillRef>
+            <a:effectRef idx="1">
+              <a:schemeClr val="accent2"/>
+            </a:effectRef>
+            <a:fontRef idx="minor">
+              <a:schemeClr val="dk1"/>
+            </a:fontRef>
+          </p:style>
+        </p:cxnSp>
+        <p:sp>
+          <p:nvSpPr>
+            <p:cNvPr id="127" name="Rectangle 11">
+              <a:extLst>
+                <a:ext uri="{FF2B5EF4-FFF2-40B4-BE49-F238E27FC236}">
+                  <a16:creationId xmlns:a16="http://schemas.microsoft.com/office/drawing/2014/main" id="{5B1B66E9-7C7C-4286-9643-8F0C78571024}"/>
+                </a:ext>
+              </a:extLst>
+            </p:cNvPr>
+            <p:cNvSpPr/>
+            <p:nvPr/>
+          </p:nvSpPr>
+          <p:spPr>
+            <a:xfrm>
+              <a:off x="3931876" y="4967669"/>
+              <a:ext cx="1535899" cy="298253"/>
+            </a:xfrm>
+            <a:prstGeom prst="rect">
+              <a:avLst/>
+            </a:prstGeom>
+            <a:ln w="19050">
+              <a:solidFill>
+                <a:schemeClr val="accent3"/>
+              </a:solidFill>
+            </a:ln>
+            <a:effectLst/>
+          </p:spPr>
+          <p:style>
+            <a:lnRef idx="1">
               <a:schemeClr val="accent3"/>
-            </a:solidFill>
-          </a:ln>
-        </p:spPr>
-        <p:style>
-          <a:lnRef idx="2">
-            <a:schemeClr val="accent1">
-              <a:shade val="50000"/>
-            </a:schemeClr>
-          </a:lnRef>
-          <a:fillRef idx="1">
-            <a:schemeClr val="accent1"/>
-          </a:fillRef>
-          <a:effectRef idx="0">
-            <a:schemeClr val="accent1"/>
-          </a:effectRef>
-          <a:fontRef idx="minor">
-            <a:schemeClr val="lt1"/>
-          </a:fontRef>
-        </p:style>
-        <p:txBody>
-          <a:bodyPr rtlCol="0" anchor="ctr"/>
-          <a:lstStyle/>
-          <a:p>
-            <a:pPr algn="ctr"/>
-            <a:endParaRPr lang="en-SG"/>
-          </a:p>
-        </p:txBody>
-      </p:sp>
-      <p:cxnSp>
-        <p:nvCxnSpPr>
-          <p:cNvPr id="40" name="Elbow Connector 63"/>
-          <p:cNvCxnSpPr>
-            <a:stCxn id="39" idx="2"/>
-            <a:endCxn id="3" idx="1"/>
-          </p:cNvCxnSpPr>
-          <p:nvPr/>
-        </p:nvCxnSpPr>
-        <p:spPr>
-          <a:xfrm rot="16200000" flipH="1">
-            <a:off x="2393229" y="2890922"/>
-            <a:ext cx="222196" cy="176402"/>
-          </a:xfrm>
-          <a:prstGeom prst="bentConnector2">
-            <a:avLst/>
-          </a:prstGeom>
-          <a:ln w="19050">
-            <a:solidFill>
+            </a:lnRef>
+            <a:fillRef idx="2">
               <a:schemeClr val="accent3"/>
-            </a:solidFill>
-            <a:headEnd type="none" w="med" len="med"/>
-            <a:tailEnd type="arrow" w="med" len="med"/>
-          </a:ln>
-          <a:effectLst/>
-        </p:spPr>
-        <p:style>
-          <a:lnRef idx="1">
-            <a:schemeClr val="accent2"/>
-          </a:lnRef>
-          <a:fillRef idx="2">
-            <a:schemeClr val="accent2"/>
-          </a:fillRef>
-          <a:effectRef idx="1">
-            <a:schemeClr val="accent2"/>
-          </a:effectRef>
-          <a:fontRef idx="minor">
-            <a:schemeClr val="dk1"/>
-          </a:fontRef>
-        </p:style>
-      </p:cxnSp>
-      <p:sp>
-        <p:nvSpPr>
-          <p:cNvPr id="43" name="Rectangle 11"/>
-          <p:cNvSpPr/>
-          <p:nvPr/>
-        </p:nvSpPr>
-        <p:spPr>
-          <a:xfrm>
-            <a:off x="2590799" y="3304308"/>
-            <a:ext cx="1095361" cy="236841"/>
-          </a:xfrm>
-          <a:prstGeom prst="rect">
-            <a:avLst/>
-          </a:prstGeom>
-          <a:ln w="19050">
-            <a:solidFill>
+            </a:fillRef>
+            <a:effectRef idx="1">
               <a:schemeClr val="accent3"/>
-            </a:solidFill>
-          </a:ln>
-          <a:effectLst/>
-        </p:spPr>
-        <p:style>
-          <a:lnRef idx="1">
-            <a:schemeClr val="accent3"/>
-          </a:lnRef>
-          <a:fillRef idx="2">
-            <a:schemeClr val="accent3"/>
-          </a:fillRef>
-          <a:effectRef idx="1">
-            <a:schemeClr val="accent3"/>
-          </a:effectRef>
-          <a:fontRef idx="minor">
-            <a:schemeClr val="dk1"/>
-          </a:fontRef>
-        </p:style>
-        <p:txBody>
-          <a:bodyPr rtlCol="0" anchor="ctr"/>
-          <a:lstStyle/>
-          <a:p>
-            <a:pPr algn="ctr"/>
-            <a:r>
-              <a:rPr lang="en-US" sz="1050" b="1" dirty="0" err="1">
+            </a:effectRef>
+            <a:fontRef idx="minor">
+              <a:schemeClr val="dk1"/>
+            </a:fontRef>
+          </p:style>
+          <p:txBody>
+            <a:bodyPr rtlCol="0" anchor="ctr"/>
+            <a:lstStyle/>
+            <a:p>
+              <a:pPr algn="ctr"/>
+              <a:r>
+                <a:rPr lang="en-SG" sz="1050" b="1" dirty="0">
+                  <a:solidFill>
+                    <a:schemeClr val="accent3">
+                      <a:lumMod val="75000"/>
+                    </a:schemeClr>
+                  </a:solidFill>
+                </a:rPr>
+                <a:t>Calendar</a:t>
+              </a:r>
+            </a:p>
+          </p:txBody>
+        </p:sp>
+        <p:cxnSp>
+          <p:nvCxnSpPr>
+            <p:cNvPr id="145" name="Elbow Connector 63">
+              <a:extLst>
+                <a:ext uri="{FF2B5EF4-FFF2-40B4-BE49-F238E27FC236}">
+                  <a16:creationId xmlns:a16="http://schemas.microsoft.com/office/drawing/2014/main" id="{EFF71991-489E-446B-897A-B4BC848B2409}"/>
+                </a:ext>
+              </a:extLst>
+            </p:cNvPr>
+            <p:cNvCxnSpPr>
+              <a:cxnSpLocks/>
+              <a:stCxn id="39" idx="2"/>
+              <a:endCxn id="127" idx="1"/>
+            </p:cNvCxnSpPr>
+            <p:nvPr/>
+          </p:nvCxnSpPr>
+          <p:spPr>
+            <a:xfrm rot="16200000" flipH="1">
+              <a:off x="2197521" y="3382440"/>
+              <a:ext cx="3216747" cy="251964"/>
+            </a:xfrm>
+            <a:prstGeom prst="bentConnector2">
+              <a:avLst/>
+            </a:prstGeom>
+            <a:ln w="19050">
+              <a:solidFill>
+                <a:schemeClr val="accent3"/>
+              </a:solidFill>
+              <a:headEnd type="none" w="med" len="med"/>
+              <a:tailEnd type="arrow" w="med" len="med"/>
+            </a:ln>
+            <a:effectLst/>
+          </p:spPr>
+          <p:style>
+            <a:lnRef idx="1">
+              <a:schemeClr val="accent2"/>
+            </a:lnRef>
+            <a:fillRef idx="2">
+              <a:schemeClr val="accent2"/>
+            </a:fillRef>
+            <a:effectRef idx="1">
+              <a:schemeClr val="accent2"/>
+            </a:effectRef>
+            <a:fontRef idx="minor">
+              <a:schemeClr val="dk1"/>
+            </a:fontRef>
+          </p:style>
+        </p:cxnSp>
+        <p:sp>
+          <p:nvSpPr>
+            <p:cNvPr id="147" name="Freeform 117">
+              <a:extLst>
+                <a:ext uri="{FF2B5EF4-FFF2-40B4-BE49-F238E27FC236}">
+                  <a16:creationId xmlns:a16="http://schemas.microsoft.com/office/drawing/2014/main" id="{AF26E0CF-9927-44F8-B4ED-BC9A28831DDF}"/>
+                </a:ext>
+              </a:extLst>
+            </p:cNvPr>
+            <p:cNvSpPr/>
+            <p:nvPr/>
+          </p:nvSpPr>
+          <p:spPr>
+            <a:xfrm>
+              <a:off x="7141942" y="4175375"/>
+              <a:ext cx="2952009" cy="122823"/>
+            </a:xfrm>
+            <a:custGeom>
+              <a:avLst/>
+              <a:gdLst>
+                <a:gd name="connsiteX0" fmla="*/ 0 w 3048000"/>
+                <a:gd name="connsiteY0" fmla="*/ 203200 h 203200"/>
+                <a:gd name="connsiteX1" fmla="*/ 221673 w 3048000"/>
+                <a:gd name="connsiteY1" fmla="*/ 0 h 203200"/>
+                <a:gd name="connsiteX2" fmla="*/ 3048000 w 3048000"/>
+                <a:gd name="connsiteY2" fmla="*/ 0 h 203200"/>
+              </a:gdLst>
+              <a:ahLst/>
+              <a:cxnLst>
+                <a:cxn ang="0">
+                  <a:pos x="connsiteX0" y="connsiteY0"/>
+                </a:cxn>
+                <a:cxn ang="0">
+                  <a:pos x="connsiteX1" y="connsiteY1"/>
+                </a:cxn>
+                <a:cxn ang="0">
+                  <a:pos x="connsiteX2" y="connsiteY2"/>
+                </a:cxn>
+              </a:cxnLst>
+              <a:rect l="l" t="t" r="r" b="b"/>
+              <a:pathLst>
+                <a:path w="3048000" h="203200">
+                  <a:moveTo>
+                    <a:pt x="0" y="203200"/>
+                  </a:moveTo>
+                  <a:lnTo>
+                    <a:pt x="221673" y="0"/>
+                  </a:lnTo>
+                  <a:lnTo>
+                    <a:pt x="3048000" y="0"/>
+                  </a:lnTo>
+                </a:path>
+              </a:pathLst>
+            </a:custGeom>
+            <a:noFill/>
+            <a:ln w="19050">
+              <a:solidFill>
+                <a:schemeClr val="accent3"/>
+              </a:solidFill>
+              <a:prstDash val="sysDot"/>
+              <a:headEnd type="none" w="med" len="med"/>
+              <a:tailEnd type="arrow" w="med" len="med"/>
+            </a:ln>
+            <a:effectLst/>
+          </p:spPr>
+          <p:style>
+            <a:lnRef idx="1">
+              <a:schemeClr val="accent2"/>
+            </a:lnRef>
+            <a:fillRef idx="2">
+              <a:schemeClr val="accent2"/>
+            </a:fillRef>
+            <a:effectRef idx="1">
+              <a:schemeClr val="accent2"/>
+            </a:effectRef>
+            <a:fontRef idx="minor">
+              <a:schemeClr val="dk1"/>
+            </a:fontRef>
+          </p:style>
+          <p:txBody>
+            <a:bodyPr rtlCol="0" anchor="ctr"/>
+            <a:lstStyle/>
+            <a:p>
+              <a:pPr algn="ctr"/>
+              <a:endParaRPr lang="en-SG"/>
+            </a:p>
+          </p:txBody>
+        </p:sp>
+        <p:sp>
+          <p:nvSpPr>
+            <p:cNvPr id="148" name="Freeform 117">
+              <a:extLst>
+                <a:ext uri="{FF2B5EF4-FFF2-40B4-BE49-F238E27FC236}">
+                  <a16:creationId xmlns:a16="http://schemas.microsoft.com/office/drawing/2014/main" id="{444ED2A7-4FF8-41B8-AF90-C45725C44D15}"/>
+                </a:ext>
+              </a:extLst>
+            </p:cNvPr>
+            <p:cNvSpPr/>
+            <p:nvPr/>
+          </p:nvSpPr>
+          <p:spPr>
+            <a:xfrm>
+              <a:off x="7131290" y="4606812"/>
+              <a:ext cx="2962661" cy="151747"/>
+            </a:xfrm>
+            <a:custGeom>
+              <a:avLst/>
+              <a:gdLst>
+                <a:gd name="connsiteX0" fmla="*/ 0 w 3048000"/>
+                <a:gd name="connsiteY0" fmla="*/ 203200 h 203200"/>
+                <a:gd name="connsiteX1" fmla="*/ 221673 w 3048000"/>
+                <a:gd name="connsiteY1" fmla="*/ 0 h 203200"/>
+                <a:gd name="connsiteX2" fmla="*/ 3048000 w 3048000"/>
+                <a:gd name="connsiteY2" fmla="*/ 0 h 203200"/>
+              </a:gdLst>
+              <a:ahLst/>
+              <a:cxnLst>
+                <a:cxn ang="0">
+                  <a:pos x="connsiteX0" y="connsiteY0"/>
+                </a:cxn>
+                <a:cxn ang="0">
+                  <a:pos x="connsiteX1" y="connsiteY1"/>
+                </a:cxn>
+                <a:cxn ang="0">
+                  <a:pos x="connsiteX2" y="connsiteY2"/>
+                </a:cxn>
+              </a:cxnLst>
+              <a:rect l="l" t="t" r="r" b="b"/>
+              <a:pathLst>
+                <a:path w="3048000" h="203200">
+                  <a:moveTo>
+                    <a:pt x="0" y="203200"/>
+                  </a:moveTo>
+                  <a:lnTo>
+                    <a:pt x="221673" y="0"/>
+                  </a:lnTo>
+                  <a:lnTo>
+                    <a:pt x="3048000" y="0"/>
+                  </a:lnTo>
+                </a:path>
+              </a:pathLst>
+            </a:custGeom>
+            <a:noFill/>
+            <a:ln w="19050">
+              <a:solidFill>
+                <a:schemeClr val="accent3"/>
+              </a:solidFill>
+              <a:prstDash val="sysDot"/>
+              <a:headEnd type="none" w="med" len="med"/>
+              <a:tailEnd type="arrow" w="med" len="med"/>
+            </a:ln>
+            <a:effectLst/>
+          </p:spPr>
+          <p:style>
+            <a:lnRef idx="1">
+              <a:schemeClr val="accent2"/>
+            </a:lnRef>
+            <a:fillRef idx="2">
+              <a:schemeClr val="accent2"/>
+            </a:fillRef>
+            <a:effectRef idx="1">
+              <a:schemeClr val="accent2"/>
+            </a:effectRef>
+            <a:fontRef idx="minor">
+              <a:schemeClr val="dk1"/>
+            </a:fontRef>
+          </p:style>
+          <p:txBody>
+            <a:bodyPr rtlCol="0" anchor="ctr"/>
+            <a:lstStyle/>
+            <a:p>
+              <a:pPr algn="ctr"/>
+              <a:endParaRPr lang="en-SG"/>
+            </a:p>
+          </p:txBody>
+        </p:sp>
+        <p:cxnSp>
+          <p:nvCxnSpPr>
+            <p:cNvPr id="149" name="Elbow Connector 63">
+              <a:extLst>
+                <a:ext uri="{FF2B5EF4-FFF2-40B4-BE49-F238E27FC236}">
+                  <a16:creationId xmlns:a16="http://schemas.microsoft.com/office/drawing/2014/main" id="{2EDDD074-A919-4C29-B366-F1B572C66FB5}"/>
+                </a:ext>
+              </a:extLst>
+            </p:cNvPr>
+            <p:cNvCxnSpPr>
+              <a:cxnSpLocks/>
+              <a:stCxn id="16" idx="3"/>
+              <a:endCxn id="127" idx="3"/>
+            </p:cNvCxnSpPr>
+            <p:nvPr/>
+          </p:nvCxnSpPr>
+          <p:spPr>
+            <a:xfrm rot="5400000">
+              <a:off x="5402238" y="1580451"/>
+              <a:ext cx="3601882" cy="3470808"/>
+            </a:xfrm>
+            <a:prstGeom prst="bentConnector2">
+              <a:avLst/>
+            </a:prstGeom>
+            <a:ln w="6350">
+              <a:solidFill>
+                <a:schemeClr val="accent3"/>
+              </a:solidFill>
+              <a:headEnd type="none" w="med" len="med"/>
+              <a:tailEnd type="none" w="med" len="med"/>
+            </a:ln>
+            <a:effectLst/>
+          </p:spPr>
+          <p:style>
+            <a:lnRef idx="1">
+              <a:schemeClr val="accent2"/>
+            </a:lnRef>
+            <a:fillRef idx="2">
+              <a:schemeClr val="accent2"/>
+            </a:fillRef>
+            <a:effectRef idx="1">
+              <a:schemeClr val="accent2"/>
+            </a:effectRef>
+            <a:fontRef idx="minor">
+              <a:schemeClr val="dk1"/>
+            </a:fontRef>
+          </p:style>
+        </p:cxnSp>
+        <p:cxnSp>
+          <p:nvCxnSpPr>
+            <p:cNvPr id="152" name="Elbow Connector 63">
+              <a:extLst>
+                <a:ext uri="{FF2B5EF4-FFF2-40B4-BE49-F238E27FC236}">
+                  <a16:creationId xmlns:a16="http://schemas.microsoft.com/office/drawing/2014/main" id="{6B9CAB14-E9C9-4F52-B64D-F65D8B6C7190}"/>
+                </a:ext>
+              </a:extLst>
+            </p:cNvPr>
+            <p:cNvCxnSpPr>
+              <a:cxnSpLocks/>
+              <a:stCxn id="39" idx="2"/>
+              <a:endCxn id="154" idx="1"/>
+            </p:cNvCxnSpPr>
+            <p:nvPr/>
+          </p:nvCxnSpPr>
+          <p:spPr>
+            <a:xfrm rot="16200000" flipH="1">
+              <a:off x="1959333" y="3620627"/>
+              <a:ext cx="3683648" cy="242491"/>
+            </a:xfrm>
+            <a:prstGeom prst="bentConnector2">
+              <a:avLst/>
+            </a:prstGeom>
+            <a:ln w="19050">
+              <a:solidFill>
+                <a:schemeClr val="accent3"/>
+              </a:solidFill>
+              <a:headEnd type="none" w="med" len="med"/>
+              <a:tailEnd type="arrow" w="med" len="med"/>
+            </a:ln>
+            <a:effectLst/>
+          </p:spPr>
+          <p:style>
+            <a:lnRef idx="1">
+              <a:schemeClr val="accent2"/>
+            </a:lnRef>
+            <a:fillRef idx="2">
+              <a:schemeClr val="accent2"/>
+            </a:fillRef>
+            <a:effectRef idx="1">
+              <a:schemeClr val="accent2"/>
+            </a:effectRef>
+            <a:fontRef idx="minor">
+              <a:schemeClr val="dk1"/>
+            </a:fontRef>
+          </p:style>
+        </p:cxnSp>
+        <p:sp>
+          <p:nvSpPr>
+            <p:cNvPr id="154" name="Rectangle 11">
+              <a:extLst>
+                <a:ext uri="{FF2B5EF4-FFF2-40B4-BE49-F238E27FC236}">
+                  <a16:creationId xmlns:a16="http://schemas.microsoft.com/office/drawing/2014/main" id="{430CE5DF-BAAC-4EDD-AA1D-CE41B3ACCB63}"/>
+                </a:ext>
+              </a:extLst>
+            </p:cNvPr>
+            <p:cNvSpPr/>
+            <p:nvPr/>
+          </p:nvSpPr>
+          <p:spPr>
+            <a:xfrm>
+              <a:off x="3922403" y="5434570"/>
+              <a:ext cx="1535899" cy="298253"/>
+            </a:xfrm>
+            <a:prstGeom prst="rect">
+              <a:avLst/>
+            </a:prstGeom>
+            <a:ln w="19050">
+              <a:solidFill>
+                <a:schemeClr val="accent3"/>
+              </a:solidFill>
+            </a:ln>
+            <a:effectLst/>
+          </p:spPr>
+          <p:style>
+            <a:lnRef idx="1">
+              <a:schemeClr val="accent3"/>
+            </a:lnRef>
+            <a:fillRef idx="2">
+              <a:schemeClr val="accent3"/>
+            </a:fillRef>
+            <a:effectRef idx="1">
+              <a:schemeClr val="accent3"/>
+            </a:effectRef>
+            <a:fontRef idx="minor">
+              <a:schemeClr val="dk1"/>
+            </a:fontRef>
+          </p:style>
+          <p:txBody>
+            <a:bodyPr rtlCol="0" anchor="ctr"/>
+            <a:lstStyle/>
+            <a:p>
+              <a:pPr algn="ctr"/>
+              <a:r>
+                <a:rPr lang="en-SG" sz="1050" b="1" dirty="0" err="1">
+                  <a:solidFill>
+                    <a:schemeClr val="accent3">
+                      <a:lumMod val="75000"/>
+                    </a:schemeClr>
+                  </a:solidFill>
+                </a:rPr>
+                <a:t>TimeTable</a:t>
+              </a:r>
+              <a:endParaRPr lang="en-SG" sz="1050" b="1" dirty="0">
                 <a:solidFill>
                   <a:schemeClr val="accent3">
                     <a:lumMod val="75000"/>
                   </a:schemeClr>
                 </a:solidFill>
-              </a:rPr>
-              <a:t>ResultDisplay</a:t>
-            </a:r>
-            <a:endParaRPr lang="en-SG" sz="1050" b="1" dirty="0">
+              </a:endParaRPr>
+            </a:p>
+          </p:txBody>
+        </p:sp>
+        <p:cxnSp>
+          <p:nvCxnSpPr>
+            <p:cNvPr id="157" name="Elbow Connector 136">
+              <a:extLst>
+                <a:ext uri="{FF2B5EF4-FFF2-40B4-BE49-F238E27FC236}">
+                  <a16:creationId xmlns:a16="http://schemas.microsoft.com/office/drawing/2014/main" id="{EF0C2BD7-D59A-499F-9C04-01692271F882}"/>
+                </a:ext>
+              </a:extLst>
+            </p:cNvPr>
+            <p:cNvCxnSpPr>
+              <a:cxnSpLocks/>
+              <a:stCxn id="154" idx="2"/>
+              <a:endCxn id="158" idx="1"/>
+            </p:cNvCxnSpPr>
+            <p:nvPr/>
+          </p:nvCxnSpPr>
+          <p:spPr>
+            <a:xfrm rot="16200000" flipH="1">
+              <a:off x="5156643" y="5266533"/>
+              <a:ext cx="68800" cy="1001380"/>
+            </a:xfrm>
+            <a:prstGeom prst="bentConnector2">
+              <a:avLst/>
+            </a:prstGeom>
+            <a:ln w="19050">
               <a:solidFill>
-                <a:schemeClr val="accent3">
-                  <a:lumMod val="75000"/>
-                </a:schemeClr>
+                <a:schemeClr val="accent3"/>
               </a:solidFill>
-            </a:endParaRPr>
-          </a:p>
-        </p:txBody>
-      </p:sp>
-      <p:cxnSp>
-        <p:nvCxnSpPr>
-          <p:cNvPr id="44" name="Elbow Connector 63"/>
-          <p:cNvCxnSpPr>
-            <a:stCxn id="39" idx="2"/>
-            <a:endCxn id="34" idx="1"/>
-          </p:cNvCxnSpPr>
-          <p:nvPr/>
-        </p:nvCxnSpPr>
-        <p:spPr>
-          <a:xfrm rot="16200000" flipH="1">
-            <a:off x="2054450" y="3229701"/>
-            <a:ext cx="899755" cy="176402"/>
-          </a:xfrm>
-          <a:prstGeom prst="bentConnector2">
-            <a:avLst/>
-          </a:prstGeom>
-          <a:ln w="19050">
-            <a:solidFill>
+              <a:headEnd type="none" w="med" len="med"/>
+              <a:tailEnd type="arrow" w="med" len="med"/>
+            </a:ln>
+            <a:effectLst/>
+          </p:spPr>
+          <p:style>
+            <a:lnRef idx="1">
+              <a:schemeClr val="accent2"/>
+            </a:lnRef>
+            <a:fillRef idx="2">
+              <a:schemeClr val="accent2"/>
+            </a:fillRef>
+            <a:effectRef idx="1">
+              <a:schemeClr val="accent2"/>
+            </a:effectRef>
+            <a:fontRef idx="minor">
+              <a:schemeClr val="dk1"/>
+            </a:fontRef>
+          </p:style>
+        </p:cxnSp>
+        <p:sp>
+          <p:nvSpPr>
+            <p:cNvPr id="158" name="Rectangle 11">
+              <a:extLst>
+                <a:ext uri="{FF2B5EF4-FFF2-40B4-BE49-F238E27FC236}">
+                  <a16:creationId xmlns:a16="http://schemas.microsoft.com/office/drawing/2014/main" id="{8FFBC88F-BE8D-4CDD-BCA0-B2B892ADF623}"/>
+                </a:ext>
+              </a:extLst>
+            </p:cNvPr>
+            <p:cNvSpPr/>
+            <p:nvPr/>
+          </p:nvSpPr>
+          <p:spPr>
+            <a:xfrm>
+              <a:off x="5691733" y="5652496"/>
+              <a:ext cx="1461847" cy="298253"/>
+            </a:xfrm>
+            <a:prstGeom prst="rect">
+              <a:avLst/>
+            </a:prstGeom>
+            <a:ln w="19050">
+              <a:solidFill>
+                <a:schemeClr val="accent3"/>
+              </a:solidFill>
+            </a:ln>
+            <a:effectLst/>
+          </p:spPr>
+          <p:style>
+            <a:lnRef idx="1">
               <a:schemeClr val="accent3"/>
-            </a:solidFill>
-            <a:headEnd type="none" w="med" len="med"/>
-            <a:tailEnd type="arrow" w="med" len="med"/>
-          </a:ln>
-          <a:effectLst/>
-        </p:spPr>
-        <p:style>
-          <a:lnRef idx="1">
-            <a:schemeClr val="accent2"/>
-          </a:lnRef>
-          <a:fillRef idx="2">
-            <a:schemeClr val="accent2"/>
-          </a:fillRef>
-          <a:effectRef idx="1">
-            <a:schemeClr val="accent2"/>
-          </a:effectRef>
-          <a:fontRef idx="minor">
-            <a:schemeClr val="dk1"/>
-          </a:fontRef>
-        </p:style>
-      </p:cxnSp>
-      <p:cxnSp>
-        <p:nvCxnSpPr>
-          <p:cNvPr id="47" name="Elbow Connector 63"/>
-          <p:cNvCxnSpPr>
-            <a:stCxn id="39" idx="2"/>
-            <a:endCxn id="36" idx="1"/>
-          </p:cNvCxnSpPr>
-          <p:nvPr/>
-        </p:nvCxnSpPr>
-        <p:spPr>
-          <a:xfrm rot="16200000" flipH="1">
-            <a:off x="1883148" y="3401003"/>
-            <a:ext cx="1242356" cy="176400"/>
-          </a:xfrm>
-          <a:prstGeom prst="bentConnector2">
-            <a:avLst/>
-          </a:prstGeom>
-          <a:ln w="19050">
-            <a:solidFill>
+            </a:lnRef>
+            <a:fillRef idx="2">
               <a:schemeClr val="accent3"/>
-            </a:solidFill>
-            <a:headEnd type="none" w="med" len="med"/>
-            <a:tailEnd type="arrow" w="med" len="med"/>
-          </a:ln>
-          <a:effectLst/>
-        </p:spPr>
-        <p:style>
-          <a:lnRef idx="1">
-            <a:schemeClr val="accent2"/>
-          </a:lnRef>
-          <a:fillRef idx="2">
-            <a:schemeClr val="accent2"/>
-          </a:fillRef>
-          <a:effectRef idx="1">
-            <a:schemeClr val="accent2"/>
-          </a:effectRef>
-          <a:fontRef idx="minor">
-            <a:schemeClr val="dk1"/>
-          </a:fontRef>
-        </p:style>
-      </p:cxnSp>
-      <p:cxnSp>
-        <p:nvCxnSpPr>
-          <p:cNvPr id="50" name="Elbow Connector 63"/>
-          <p:cNvCxnSpPr>
-            <a:stCxn id="39" idx="2"/>
-            <a:endCxn id="35" idx="1"/>
-          </p:cNvCxnSpPr>
-          <p:nvPr/>
-        </p:nvCxnSpPr>
-        <p:spPr>
-          <a:xfrm rot="16200000" flipH="1">
-            <a:off x="1597249" y="3686901"/>
-            <a:ext cx="1814155" cy="176401"/>
-          </a:xfrm>
-          <a:prstGeom prst="bentConnector2">
-            <a:avLst/>
-          </a:prstGeom>
-          <a:ln w="19050">
-            <a:solidFill>
+            </a:fillRef>
+            <a:effectRef idx="1">
               <a:schemeClr val="accent3"/>
-            </a:solidFill>
-            <a:headEnd type="none" w="med" len="med"/>
-            <a:tailEnd type="arrow" w="med" len="med"/>
-          </a:ln>
-          <a:effectLst/>
-        </p:spPr>
-        <p:style>
-          <a:lnRef idx="1">
-            <a:schemeClr val="accent2"/>
-          </a:lnRef>
-          <a:fillRef idx="2">
-            <a:schemeClr val="accent2"/>
-          </a:fillRef>
-          <a:effectRef idx="1">
-            <a:schemeClr val="accent2"/>
-          </a:effectRef>
-          <a:fontRef idx="minor">
-            <a:schemeClr val="dk1"/>
-          </a:fontRef>
-        </p:style>
-      </p:cxnSp>
-      <p:cxnSp>
-        <p:nvCxnSpPr>
-          <p:cNvPr id="53" name="Elbow Connector 63"/>
-          <p:cNvCxnSpPr>
-            <a:endCxn id="38" idx="1"/>
-          </p:cNvCxnSpPr>
-          <p:nvPr/>
-        </p:nvCxnSpPr>
-        <p:spPr>
-          <a:xfrm rot="16200000" flipH="1">
-            <a:off x="1184119" y="3676012"/>
-            <a:ext cx="2396440" cy="420377"/>
-          </a:xfrm>
-          <a:prstGeom prst="bentConnector2">
-            <a:avLst/>
-          </a:prstGeom>
-          <a:ln w="19050">
-            <a:solidFill>
-              <a:schemeClr val="accent3"/>
-            </a:solidFill>
-            <a:headEnd type="none" w="med" len="med"/>
-            <a:tailEnd type="arrow" w="med" len="med"/>
-          </a:ln>
-          <a:effectLst/>
-        </p:spPr>
-        <p:style>
-          <a:lnRef idx="1">
-            <a:schemeClr val="accent2"/>
-          </a:lnRef>
-          <a:fillRef idx="2">
-            <a:schemeClr val="accent2"/>
-          </a:fillRef>
-          <a:effectRef idx="1">
-            <a:schemeClr val="accent2"/>
-          </a:effectRef>
-          <a:fontRef idx="minor">
-            <a:schemeClr val="dk1"/>
-          </a:fontRef>
-        </p:style>
-      </p:cxnSp>
-      <p:sp>
-        <p:nvSpPr>
-          <p:cNvPr id="73" name="Rectangle 62"/>
-          <p:cNvSpPr/>
-          <p:nvPr/>
-        </p:nvSpPr>
-        <p:spPr>
-          <a:xfrm>
-            <a:off x="5143948" y="1770924"/>
-            <a:ext cx="772043" cy="346760"/>
-          </a:xfrm>
-          <a:prstGeom prst="rect">
-            <a:avLst/>
-          </a:prstGeom>
-          <a:ln w="6350">
-            <a:solidFill>
-              <a:schemeClr val="accent3"/>
-            </a:solidFill>
-          </a:ln>
-          <a:effectLst/>
-        </p:spPr>
-        <p:style>
-          <a:lnRef idx="1">
-            <a:schemeClr val="accent3"/>
-          </a:lnRef>
-          <a:fillRef idx="2">
-            <a:schemeClr val="accent3"/>
-          </a:fillRef>
-          <a:effectRef idx="1">
-            <a:schemeClr val="accent3"/>
-          </a:effectRef>
-          <a:fontRef idx="minor">
-            <a:schemeClr val="dk1"/>
-          </a:fontRef>
-        </p:style>
-        <p:txBody>
-          <a:bodyPr rtlCol="0" anchor="ctr"/>
-          <a:lstStyle/>
-          <a:p>
-            <a:pPr algn="ctr"/>
-            <a:r>
-              <a:rPr lang="en-US" sz="1050" b="1" dirty="0">
+            </a:effectRef>
+            <a:fontRef idx="minor">
+              <a:schemeClr val="dk1"/>
+            </a:fontRef>
+          </p:style>
+          <p:txBody>
+            <a:bodyPr rtlCol="0" anchor="ctr"/>
+            <a:lstStyle/>
+            <a:p>
+              <a:pPr algn="ctr"/>
+              <a:r>
+                <a:rPr lang="en-SG" sz="1050" b="1" dirty="0" err="1">
+                  <a:solidFill>
+                    <a:schemeClr val="accent3">
+                      <a:lumMod val="75000"/>
+                    </a:schemeClr>
+                  </a:solidFill>
+                </a:rPr>
+                <a:t>TimeTableSlot</a:t>
+              </a:r>
+              <a:endParaRPr lang="en-SG" sz="1050" b="1" dirty="0">
                 <a:solidFill>
                   <a:schemeClr val="accent3">
                     <a:lumMod val="75000"/>
                   </a:schemeClr>
                 </a:solidFill>
-              </a:rPr>
-              <a:t>{abstract}</a:t>
-            </a:r>
-            <a:br>
-              <a:rPr lang="en-US" sz="1050" b="1" dirty="0">
+              </a:endParaRPr>
+            </a:p>
+          </p:txBody>
+        </p:sp>
+        <p:cxnSp>
+          <p:nvCxnSpPr>
+            <p:cNvPr id="166" name="Elbow Connector 63">
+              <a:extLst>
+                <a:ext uri="{FF2B5EF4-FFF2-40B4-BE49-F238E27FC236}">
+                  <a16:creationId xmlns:a16="http://schemas.microsoft.com/office/drawing/2014/main" id="{7C940A33-7551-442D-8494-C620121F7553}"/>
+                </a:ext>
+              </a:extLst>
+            </p:cNvPr>
+            <p:cNvCxnSpPr>
+              <a:cxnSpLocks/>
+              <a:stCxn id="16" idx="3"/>
+              <a:endCxn id="158" idx="3"/>
+            </p:cNvCxnSpPr>
+            <p:nvPr/>
+          </p:nvCxnSpPr>
+          <p:spPr>
+            <a:xfrm rot="5400000">
+              <a:off x="5902728" y="2765767"/>
+              <a:ext cx="4286709" cy="1785003"/>
+            </a:xfrm>
+            <a:prstGeom prst="bentConnector2">
+              <a:avLst/>
+            </a:prstGeom>
+            <a:ln w="6350">
+              <a:solidFill>
+                <a:schemeClr val="accent3"/>
+              </a:solidFill>
+              <a:headEnd type="none" w="med" len="med"/>
+              <a:tailEnd type="none" w="med" len="med"/>
+            </a:ln>
+            <a:effectLst/>
+          </p:spPr>
+          <p:style>
+            <a:lnRef idx="1">
+              <a:schemeClr val="accent2"/>
+            </a:lnRef>
+            <a:fillRef idx="2">
+              <a:schemeClr val="accent2"/>
+            </a:fillRef>
+            <a:effectRef idx="1">
+              <a:schemeClr val="accent2"/>
+            </a:effectRef>
+            <a:fontRef idx="minor">
+              <a:schemeClr val="dk1"/>
+            </a:fontRef>
+          </p:style>
+        </p:cxnSp>
+        <p:cxnSp>
+          <p:nvCxnSpPr>
+            <p:cNvPr id="171" name="Elbow Connector 136">
+              <a:extLst>
+                <a:ext uri="{FF2B5EF4-FFF2-40B4-BE49-F238E27FC236}">
+                  <a16:creationId xmlns:a16="http://schemas.microsoft.com/office/drawing/2014/main" id="{E0636CDE-744E-46D0-9F27-D737C0659EDC}"/>
+                </a:ext>
+              </a:extLst>
+            </p:cNvPr>
+            <p:cNvCxnSpPr>
+              <a:cxnSpLocks/>
+              <a:stCxn id="127" idx="2"/>
+              <a:endCxn id="172" idx="1"/>
+            </p:cNvCxnSpPr>
+            <p:nvPr/>
+          </p:nvCxnSpPr>
+          <p:spPr>
+            <a:xfrm rot="16200000" flipH="1">
+              <a:off x="5150269" y="4815479"/>
+              <a:ext cx="79385" cy="980270"/>
+            </a:xfrm>
+            <a:prstGeom prst="bentConnector2">
+              <a:avLst/>
+            </a:prstGeom>
+            <a:ln w="19050">
+              <a:solidFill>
+                <a:schemeClr val="accent3"/>
+              </a:solidFill>
+              <a:headEnd type="none" w="med" len="med"/>
+              <a:tailEnd type="arrow" w="med" len="med"/>
+            </a:ln>
+            <a:effectLst/>
+          </p:spPr>
+          <p:style>
+            <a:lnRef idx="1">
+              <a:schemeClr val="accent2"/>
+            </a:lnRef>
+            <a:fillRef idx="2">
+              <a:schemeClr val="accent2"/>
+            </a:fillRef>
+            <a:effectRef idx="1">
+              <a:schemeClr val="accent2"/>
+            </a:effectRef>
+            <a:fontRef idx="minor">
+              <a:schemeClr val="dk1"/>
+            </a:fontRef>
+          </p:style>
+        </p:cxnSp>
+        <p:sp>
+          <p:nvSpPr>
+            <p:cNvPr id="172" name="Rectangle 11">
+              <a:extLst>
+                <a:ext uri="{FF2B5EF4-FFF2-40B4-BE49-F238E27FC236}">
+                  <a16:creationId xmlns:a16="http://schemas.microsoft.com/office/drawing/2014/main" id="{0DB75F30-FD8A-47EE-8F8F-DA71026DA057}"/>
+                </a:ext>
+              </a:extLst>
+            </p:cNvPr>
+            <p:cNvSpPr/>
+            <p:nvPr/>
+          </p:nvSpPr>
+          <p:spPr>
+            <a:xfrm>
+              <a:off x="5680096" y="5196180"/>
+              <a:ext cx="1461847" cy="298253"/>
+            </a:xfrm>
+            <a:prstGeom prst="rect">
+              <a:avLst/>
+            </a:prstGeom>
+            <a:ln w="19050">
+              <a:solidFill>
+                <a:schemeClr val="accent3"/>
+              </a:solidFill>
+            </a:ln>
+            <a:effectLst/>
+          </p:spPr>
+          <p:style>
+            <a:lnRef idx="1">
+              <a:schemeClr val="accent3"/>
+            </a:lnRef>
+            <a:fillRef idx="2">
+              <a:schemeClr val="accent3"/>
+            </a:fillRef>
+            <a:effectRef idx="1">
+              <a:schemeClr val="accent3"/>
+            </a:effectRef>
+            <a:fontRef idx="minor">
+              <a:schemeClr val="dk1"/>
+            </a:fontRef>
+          </p:style>
+          <p:txBody>
+            <a:bodyPr rtlCol="0" anchor="ctr"/>
+            <a:lstStyle/>
+            <a:p>
+              <a:pPr algn="ctr"/>
+              <a:r>
+                <a:rPr lang="en-SG" sz="1050" b="1" dirty="0" err="1">
+                  <a:solidFill>
+                    <a:schemeClr val="accent3">
+                      <a:lumMod val="75000"/>
+                    </a:schemeClr>
+                  </a:solidFill>
+                </a:rPr>
+                <a:t>CalendarDate</a:t>
+              </a:r>
+              <a:endParaRPr lang="en-SG" sz="1050" b="1" dirty="0">
                 <a:solidFill>
                   <a:schemeClr val="accent3">
                     <a:lumMod val="75000"/>
                   </a:schemeClr>
                 </a:solidFill>
-              </a:rPr>
-            </a:br>
-            <a:r>
-              <a:rPr lang="en-US" sz="1050" b="1" dirty="0" err="1">
-                <a:solidFill>
-                  <a:schemeClr val="accent3">
-                    <a:lumMod val="75000"/>
-                  </a:schemeClr>
-                </a:solidFill>
-              </a:rPr>
-              <a:t>UiPart</a:t>
-            </a:r>
-            <a:endParaRPr lang="en-SG" sz="1050" b="1" dirty="0">
+              </a:endParaRPr>
+            </a:p>
+          </p:txBody>
+        </p:sp>
+        <p:cxnSp>
+          <p:nvCxnSpPr>
+            <p:cNvPr id="185" name="Elbow Connector 63">
+              <a:extLst>
+                <a:ext uri="{FF2B5EF4-FFF2-40B4-BE49-F238E27FC236}">
+                  <a16:creationId xmlns:a16="http://schemas.microsoft.com/office/drawing/2014/main" id="{2E55CA87-F4FB-4438-B582-8EEEF45F575F}"/>
+                </a:ext>
+              </a:extLst>
+            </p:cNvPr>
+            <p:cNvCxnSpPr>
+              <a:cxnSpLocks/>
+              <a:stCxn id="16" idx="3"/>
+              <a:endCxn id="172" idx="3"/>
+            </p:cNvCxnSpPr>
+            <p:nvPr/>
+          </p:nvCxnSpPr>
+          <p:spPr>
+            <a:xfrm rot="5400000">
+              <a:off x="6125067" y="2531790"/>
+              <a:ext cx="3830393" cy="1796640"/>
+            </a:xfrm>
+            <a:prstGeom prst="bentConnector2">
+              <a:avLst/>
+            </a:prstGeom>
+            <a:ln w="6350">
               <a:solidFill>
-                <a:schemeClr val="accent3">
-                  <a:lumMod val="75000"/>
-                </a:schemeClr>
+                <a:schemeClr val="accent3"/>
               </a:solidFill>
-            </a:endParaRPr>
-          </a:p>
-        </p:txBody>
-      </p:sp>
-      <p:cxnSp>
-        <p:nvCxnSpPr>
-          <p:cNvPr id="74" name="Elbow Connector 63"/>
-          <p:cNvCxnSpPr>
-            <a:stCxn id="43" idx="3"/>
-            <a:endCxn id="16" idx="3"/>
-          </p:cNvCxnSpPr>
-          <p:nvPr/>
-        </p:nvCxnSpPr>
-        <p:spPr>
-          <a:xfrm flipV="1">
-            <a:off x="3686160" y="2286000"/>
-            <a:ext cx="1843809" cy="1136729"/>
-          </a:xfrm>
-          <a:prstGeom prst="bentConnector2">
-            <a:avLst/>
-          </a:prstGeom>
-          <a:ln w="6350">
-            <a:solidFill>
-              <a:schemeClr val="accent3"/>
-            </a:solidFill>
-            <a:headEnd type="none" w="med" len="med"/>
-            <a:tailEnd type="none" w="med" len="med"/>
-          </a:ln>
-          <a:effectLst/>
-        </p:spPr>
-        <p:style>
-          <a:lnRef idx="1">
-            <a:schemeClr val="accent2"/>
-          </a:lnRef>
-          <a:fillRef idx="2">
-            <a:schemeClr val="accent2"/>
-          </a:fillRef>
-          <a:effectRef idx="1">
-            <a:schemeClr val="accent2"/>
-          </a:effectRef>
-          <a:fontRef idx="minor">
-            <a:schemeClr val="dk1"/>
-          </a:fontRef>
-        </p:style>
-      </p:cxnSp>
-      <p:cxnSp>
-        <p:nvCxnSpPr>
-          <p:cNvPr id="77" name="Elbow Connector 63"/>
-          <p:cNvCxnSpPr>
-            <a:stCxn id="16" idx="3"/>
-            <a:endCxn id="37" idx="3"/>
-          </p:cNvCxnSpPr>
-          <p:nvPr/>
-        </p:nvCxnSpPr>
-        <p:spPr>
-          <a:xfrm rot="5400000">
-            <a:off x="4174488" y="2991741"/>
-            <a:ext cx="2061222" cy="649740"/>
-          </a:xfrm>
-          <a:prstGeom prst="bentConnector2">
-            <a:avLst/>
-          </a:prstGeom>
-          <a:ln w="6350">
-            <a:solidFill>
-              <a:schemeClr val="accent3"/>
-            </a:solidFill>
-            <a:headEnd type="none" w="med" len="med"/>
-            <a:tailEnd type="none" w="med" len="med"/>
-          </a:ln>
-          <a:effectLst/>
-        </p:spPr>
-        <p:style>
-          <a:lnRef idx="1">
-            <a:schemeClr val="accent2"/>
-          </a:lnRef>
-          <a:fillRef idx="2">
-            <a:schemeClr val="accent2"/>
-          </a:fillRef>
-          <a:effectRef idx="1">
-            <a:schemeClr val="accent2"/>
-          </a:effectRef>
-          <a:fontRef idx="minor">
-            <a:schemeClr val="dk1"/>
-          </a:fontRef>
-        </p:style>
-      </p:cxnSp>
-      <p:cxnSp>
-        <p:nvCxnSpPr>
-          <p:cNvPr id="82" name="Elbow Connector 63"/>
-          <p:cNvCxnSpPr>
-            <a:stCxn id="16" idx="3"/>
-            <a:endCxn id="34" idx="3"/>
-          </p:cNvCxnSpPr>
-          <p:nvPr/>
-        </p:nvCxnSpPr>
-        <p:spPr>
-          <a:xfrm rot="5400000">
-            <a:off x="3867176" y="2104987"/>
-            <a:ext cx="1481780" cy="1843806"/>
-          </a:xfrm>
-          <a:prstGeom prst="bentConnector2">
-            <a:avLst/>
-          </a:prstGeom>
-          <a:ln w="6350">
-            <a:solidFill>
-              <a:schemeClr val="accent3"/>
-            </a:solidFill>
-            <a:headEnd type="none" w="med" len="med"/>
-            <a:tailEnd type="none" w="med" len="med"/>
-          </a:ln>
-          <a:effectLst/>
-        </p:spPr>
-        <p:style>
-          <a:lnRef idx="1">
-            <a:schemeClr val="accent2"/>
-          </a:lnRef>
-          <a:fillRef idx="2">
-            <a:schemeClr val="accent2"/>
-          </a:fillRef>
-          <a:effectRef idx="1">
-            <a:schemeClr val="accent2"/>
-          </a:effectRef>
-          <a:fontRef idx="minor">
-            <a:schemeClr val="dk1"/>
-          </a:fontRef>
-        </p:style>
-      </p:cxnSp>
-      <p:cxnSp>
-        <p:nvCxnSpPr>
-          <p:cNvPr id="88" name="Elbow Connector 63"/>
-          <p:cNvCxnSpPr>
-            <a:stCxn id="2" idx="3"/>
-            <a:endCxn id="16" idx="3"/>
-          </p:cNvCxnSpPr>
-          <p:nvPr/>
-        </p:nvCxnSpPr>
-        <p:spPr>
-          <a:xfrm flipV="1">
-            <a:off x="3189583" y="2286000"/>
-            <a:ext cx="2340386" cy="228600"/>
-          </a:xfrm>
-          <a:prstGeom prst="bentConnector2">
-            <a:avLst/>
-          </a:prstGeom>
-          <a:ln w="6350">
-            <a:solidFill>
-              <a:schemeClr val="accent3"/>
-            </a:solidFill>
-            <a:headEnd type="none" w="med" len="med"/>
-            <a:tailEnd type="none" w="med" len="med"/>
-          </a:ln>
-          <a:effectLst/>
-        </p:spPr>
-        <p:style>
-          <a:lnRef idx="1">
-            <a:schemeClr val="accent2"/>
-          </a:lnRef>
-          <a:fillRef idx="2">
-            <a:schemeClr val="accent2"/>
-          </a:fillRef>
-          <a:effectRef idx="1">
-            <a:schemeClr val="accent2"/>
-          </a:effectRef>
-          <a:fontRef idx="minor">
-            <a:schemeClr val="dk1"/>
-          </a:fontRef>
-        </p:style>
-      </p:cxnSp>
-      <p:cxnSp>
-        <p:nvCxnSpPr>
-          <p:cNvPr id="91" name="Elbow Connector 63"/>
-          <p:cNvCxnSpPr>
-            <a:stCxn id="16" idx="3"/>
-            <a:endCxn id="35" idx="3"/>
-          </p:cNvCxnSpPr>
-          <p:nvPr/>
-        </p:nvCxnSpPr>
-        <p:spPr>
-          <a:xfrm rot="5400000">
-            <a:off x="3409976" y="2562187"/>
-            <a:ext cx="2396180" cy="1843807"/>
-          </a:xfrm>
-          <a:prstGeom prst="bentConnector2">
-            <a:avLst/>
-          </a:prstGeom>
-          <a:ln w="6350">
-            <a:solidFill>
-              <a:schemeClr val="accent3"/>
-            </a:solidFill>
-            <a:headEnd type="none" w="med" len="med"/>
-            <a:tailEnd type="none" w="med" len="med"/>
-          </a:ln>
-          <a:effectLst/>
-        </p:spPr>
-        <p:style>
-          <a:lnRef idx="1">
-            <a:schemeClr val="accent2"/>
-          </a:lnRef>
-          <a:fillRef idx="2">
-            <a:schemeClr val="accent2"/>
-          </a:fillRef>
-          <a:effectRef idx="1">
-            <a:schemeClr val="accent2"/>
-          </a:effectRef>
-          <a:fontRef idx="minor">
-            <a:schemeClr val="dk1"/>
-          </a:fontRef>
-        </p:style>
-      </p:cxnSp>
-      <p:cxnSp>
-        <p:nvCxnSpPr>
-          <p:cNvPr id="94" name="Elbow Connector 63"/>
-          <p:cNvCxnSpPr>
-            <a:stCxn id="16" idx="3"/>
-            <a:endCxn id="38" idx="3"/>
-          </p:cNvCxnSpPr>
-          <p:nvPr/>
-        </p:nvCxnSpPr>
-        <p:spPr>
-          <a:xfrm rot="5400000">
-            <a:off x="3208856" y="2763307"/>
-            <a:ext cx="2798421" cy="1843806"/>
-          </a:xfrm>
-          <a:prstGeom prst="bentConnector2">
-            <a:avLst/>
-          </a:prstGeom>
-          <a:ln w="6350">
-            <a:solidFill>
-              <a:schemeClr val="accent3"/>
-            </a:solidFill>
-            <a:headEnd type="none" w="med" len="med"/>
-            <a:tailEnd type="none" w="med" len="med"/>
-          </a:ln>
-          <a:effectLst/>
-        </p:spPr>
-        <p:style>
-          <a:lnRef idx="1">
-            <a:schemeClr val="accent2"/>
-          </a:lnRef>
-          <a:fillRef idx="2">
-            <a:schemeClr val="accent2"/>
-          </a:fillRef>
-          <a:effectRef idx="1">
-            <a:schemeClr val="accent2"/>
-          </a:effectRef>
-          <a:fontRef idx="minor">
-            <a:schemeClr val="dk1"/>
-          </a:fontRef>
-        </p:style>
-      </p:cxnSp>
-      <p:cxnSp>
-        <p:nvCxnSpPr>
-          <p:cNvPr id="107" name="Elbow Connector 106"/>
-          <p:cNvCxnSpPr>
-            <a:stCxn id="9" idx="0"/>
-          </p:cNvCxnSpPr>
-          <p:nvPr/>
-        </p:nvCxnSpPr>
-        <p:spPr>
-          <a:xfrm rot="5400000" flipH="1" flipV="1">
-            <a:off x="4594921" y="-355061"/>
-            <a:ext cx="170724" cy="4081246"/>
-          </a:xfrm>
-          <a:prstGeom prst="bentConnector2">
-            <a:avLst/>
-          </a:prstGeom>
-          <a:ln w="19050">
-            <a:solidFill>
-              <a:srgbClr val="00B050"/>
-            </a:solidFill>
-            <a:prstDash val="solid"/>
-            <a:headEnd type="none" w="med" len="med"/>
-            <a:tailEnd type="arrow" w="med" len="med"/>
-          </a:ln>
-          <a:effectLst/>
-        </p:spPr>
-        <p:style>
-          <a:lnRef idx="1">
-            <a:schemeClr val="accent2"/>
-          </a:lnRef>
-          <a:fillRef idx="2">
-            <a:schemeClr val="accent2"/>
-          </a:fillRef>
-          <a:effectRef idx="1">
-            <a:schemeClr val="accent2"/>
-          </a:effectRef>
-          <a:fontRef idx="minor">
-            <a:schemeClr val="dk1"/>
-          </a:fontRef>
-        </p:style>
-      </p:cxnSp>
-      <p:sp>
-        <p:nvSpPr>
-          <p:cNvPr id="117" name="Rectangle 65"/>
-          <p:cNvSpPr/>
-          <p:nvPr/>
-        </p:nvSpPr>
-        <p:spPr>
-          <a:xfrm rot="16200000">
-            <a:off x="6213739" y="4560376"/>
-            <a:ext cx="1371599" cy="328045"/>
-          </a:xfrm>
-          <a:prstGeom prst="roundRect">
-            <a:avLst/>
-          </a:prstGeom>
-          <a:solidFill>
-            <a:schemeClr val="accent4">
-              <a:lumMod val="20000"/>
-              <a:lumOff val="80000"/>
-            </a:schemeClr>
-          </a:solidFill>
-          <a:ln w="19050">
-            <a:noFill/>
-          </a:ln>
-          <a:effectLst/>
-        </p:spPr>
-        <p:style>
-          <a:lnRef idx="1">
-            <a:schemeClr val="accent2"/>
-          </a:lnRef>
-          <a:fillRef idx="2">
-            <a:schemeClr val="accent2"/>
-          </a:fillRef>
-          <a:effectRef idx="1">
-            <a:schemeClr val="accent2"/>
-          </a:effectRef>
-          <a:fontRef idx="minor">
-            <a:schemeClr val="dk1"/>
-          </a:fontRef>
-        </p:style>
-        <p:txBody>
-          <a:bodyPr rtlCol="0" anchor="ctr"/>
-          <a:lstStyle/>
-          <a:p>
-            <a:pPr algn="ctr"/>
-            <a:r>
-              <a:rPr lang="en-US" sz="1100" b="1" dirty="0">
-                <a:solidFill>
-                  <a:schemeClr val="bg1"/>
-                </a:solidFill>
-              </a:rPr>
-              <a:t>Model</a:t>
-            </a:r>
-            <a:endParaRPr lang="en-SG" sz="1100" b="1" dirty="0">
-              <a:solidFill>
-                <a:schemeClr val="bg1"/>
-              </a:solidFill>
-            </a:endParaRPr>
-          </a:p>
-        </p:txBody>
-      </p:sp>
-      <p:sp>
-        <p:nvSpPr>
-          <p:cNvPr id="119" name="Rectangle 62"/>
-          <p:cNvSpPr/>
-          <p:nvPr/>
-        </p:nvSpPr>
-        <p:spPr>
-          <a:xfrm rot="16200000">
-            <a:off x="956202" y="2861202"/>
-            <a:ext cx="1093635" cy="346760"/>
-          </a:xfrm>
-          <a:prstGeom prst="rect">
-            <a:avLst/>
-          </a:prstGeom>
-          <a:solidFill>
-            <a:srgbClr val="00B050"/>
-          </a:solidFill>
-          <a:ln w="19050">
-            <a:solidFill>
-              <a:srgbClr val="00B050"/>
-            </a:solidFill>
-          </a:ln>
-          <a:effectLst/>
-        </p:spPr>
-        <p:style>
-          <a:lnRef idx="1">
-            <a:schemeClr val="accent2"/>
-          </a:lnRef>
-          <a:fillRef idx="2">
-            <a:schemeClr val="accent2"/>
-          </a:fillRef>
-          <a:effectRef idx="1">
-            <a:schemeClr val="accent2"/>
-          </a:effectRef>
-          <a:fontRef idx="minor">
-            <a:schemeClr val="dk1"/>
-          </a:fontRef>
-        </p:style>
-        <p:txBody>
-          <a:bodyPr rtlCol="0" anchor="ctr"/>
-          <a:lstStyle/>
-          <a:p>
-            <a:pPr algn="ctr"/>
-            <a:r>
-              <a:rPr lang="en-US" sz="1050" dirty="0">
-                <a:solidFill>
-                  <a:schemeClr val="bg1"/>
-                </a:solidFill>
-              </a:rPr>
-              <a:t>&lt;&lt;interface&gt;&gt;</a:t>
-            </a:r>
-          </a:p>
-          <a:p>
-            <a:pPr algn="ctr"/>
-            <a:r>
-              <a:rPr lang="en-US" sz="1050" dirty="0" err="1">
-                <a:solidFill>
-                  <a:schemeClr val="bg1"/>
-                </a:solidFill>
-              </a:rPr>
-              <a:t>Ui</a:t>
-            </a:r>
-            <a:endParaRPr lang="en-SG" sz="1050" dirty="0">
-              <a:solidFill>
-                <a:schemeClr val="bg1"/>
-              </a:solidFill>
-            </a:endParaRPr>
-          </a:p>
-        </p:txBody>
-      </p:sp>
-      <p:sp>
-        <p:nvSpPr>
-          <p:cNvPr id="120" name="Isosceles Triangle 102"/>
-          <p:cNvSpPr/>
-          <p:nvPr/>
-        </p:nvSpPr>
-        <p:spPr>
-          <a:xfrm flipV="1">
-            <a:off x="1367767" y="2286001"/>
-            <a:ext cx="270504" cy="175523"/>
-          </a:xfrm>
-          <a:prstGeom prst="triangle">
-            <a:avLst/>
-          </a:prstGeom>
-          <a:ln w="19050">
-            <a:solidFill>
-              <a:srgbClr val="00B050"/>
-            </a:solidFill>
-          </a:ln>
-          <a:effectLst/>
-        </p:spPr>
-        <p:style>
-          <a:lnRef idx="1">
-            <a:schemeClr val="accent3"/>
-          </a:lnRef>
-          <a:fillRef idx="2">
-            <a:schemeClr val="accent3"/>
-          </a:fillRef>
-          <a:effectRef idx="1">
-            <a:schemeClr val="accent3"/>
-          </a:effectRef>
-          <a:fontRef idx="minor">
-            <a:schemeClr val="dk1"/>
-          </a:fontRef>
-        </p:style>
-        <p:txBody>
-          <a:bodyPr rtlCol="0" anchor="ctr"/>
-          <a:lstStyle/>
-          <a:p>
-            <a:pPr algn="ctr"/>
-            <a:endParaRPr lang="en-SG" sz="1050" b="1">
-              <a:solidFill>
-                <a:srgbClr val="92D050"/>
-              </a:solidFill>
-            </a:endParaRPr>
-          </a:p>
-        </p:txBody>
-      </p:sp>
-      <p:cxnSp>
-        <p:nvCxnSpPr>
-          <p:cNvPr id="121" name="Elbow Connector 63"/>
-          <p:cNvCxnSpPr>
-            <a:stCxn id="9" idx="1"/>
-            <a:endCxn id="120" idx="3"/>
-          </p:cNvCxnSpPr>
-          <p:nvPr/>
-        </p:nvCxnSpPr>
-        <p:spPr>
-          <a:xfrm rot="10800000" flipV="1">
-            <a:off x="1503020" y="1944303"/>
-            <a:ext cx="589823" cy="341697"/>
-          </a:xfrm>
-          <a:prstGeom prst="bentConnector2">
-            <a:avLst/>
-          </a:prstGeom>
-          <a:ln w="19050">
-            <a:solidFill>
-              <a:srgbClr val="00B050"/>
-            </a:solidFill>
-            <a:prstDash val="sysDot"/>
-            <a:headEnd type="none" w="med" len="med"/>
-            <a:tailEnd type="none" w="med" len="med"/>
-          </a:ln>
-          <a:effectLst/>
-        </p:spPr>
-        <p:style>
-          <a:lnRef idx="1">
-            <a:schemeClr val="accent2"/>
-          </a:lnRef>
-          <a:fillRef idx="2">
-            <a:schemeClr val="accent2"/>
-          </a:fillRef>
-          <a:effectRef idx="1">
-            <a:schemeClr val="accent2"/>
-          </a:effectRef>
-          <a:fontRef idx="minor">
-            <a:schemeClr val="dk1"/>
-          </a:fontRef>
-        </p:style>
-      </p:cxnSp>
-      <p:cxnSp>
-        <p:nvCxnSpPr>
-          <p:cNvPr id="131" name="Elbow Connector 130"/>
-          <p:cNvCxnSpPr>
-            <a:stCxn id="39" idx="2"/>
-            <a:endCxn id="43" idx="1"/>
-          </p:cNvCxnSpPr>
-          <p:nvPr/>
-        </p:nvCxnSpPr>
-        <p:spPr>
-          <a:xfrm rot="16200000" flipH="1">
-            <a:off x="2226110" y="3058040"/>
-            <a:ext cx="554704" cy="174673"/>
-          </a:xfrm>
-          <a:prstGeom prst="bentConnector2">
-            <a:avLst/>
-          </a:prstGeom>
-          <a:ln w="19050">
-            <a:solidFill>
-              <a:schemeClr val="accent3"/>
-            </a:solidFill>
-            <a:headEnd type="none" w="med" len="med"/>
-            <a:tailEnd type="arrow" w="med" len="med"/>
-          </a:ln>
-          <a:effectLst/>
-        </p:spPr>
-        <p:style>
-          <a:lnRef idx="1">
-            <a:schemeClr val="accent2"/>
-          </a:lnRef>
-          <a:fillRef idx="2">
-            <a:schemeClr val="accent2"/>
-          </a:fillRef>
-          <a:effectRef idx="1">
-            <a:schemeClr val="accent2"/>
-          </a:effectRef>
-          <a:fontRef idx="minor">
-            <a:schemeClr val="dk1"/>
-          </a:fontRef>
-        </p:style>
-      </p:cxnSp>
-      <p:cxnSp>
-        <p:nvCxnSpPr>
-          <p:cNvPr id="132" name="Elbow Connector 63"/>
-          <p:cNvCxnSpPr>
-            <a:stCxn id="16" idx="3"/>
-            <a:endCxn id="3" idx="3"/>
-          </p:cNvCxnSpPr>
-          <p:nvPr/>
-        </p:nvCxnSpPr>
-        <p:spPr>
-          <a:xfrm rot="5400000">
-            <a:off x="4205956" y="1766207"/>
-            <a:ext cx="804221" cy="1843806"/>
-          </a:xfrm>
-          <a:prstGeom prst="bentConnector2">
-            <a:avLst/>
-          </a:prstGeom>
-          <a:ln w="6350">
-            <a:solidFill>
-              <a:schemeClr val="accent3"/>
-            </a:solidFill>
-            <a:headEnd type="none" w="med" len="med"/>
-            <a:tailEnd type="none" w="med" len="med"/>
-          </a:ln>
-          <a:effectLst/>
-        </p:spPr>
-        <p:style>
-          <a:lnRef idx="1">
-            <a:schemeClr val="accent2"/>
-          </a:lnRef>
-          <a:fillRef idx="2">
-            <a:schemeClr val="accent2"/>
-          </a:fillRef>
-          <a:effectRef idx="1">
-            <a:schemeClr val="accent2"/>
-          </a:effectRef>
-          <a:fontRef idx="minor">
-            <a:schemeClr val="dk1"/>
-          </a:fontRef>
-        </p:style>
-      </p:cxnSp>
-      <p:cxnSp>
-        <p:nvCxnSpPr>
-          <p:cNvPr id="137" name="Elbow Connector 136"/>
-          <p:cNvCxnSpPr>
-            <a:stCxn id="36" idx="2"/>
-            <a:endCxn id="37" idx="1"/>
-          </p:cNvCxnSpPr>
-          <p:nvPr/>
-        </p:nvCxnSpPr>
-        <p:spPr>
-          <a:xfrm rot="16200000" flipH="1">
-            <a:off x="3430123" y="3938021"/>
-            <a:ext cx="118421" cy="699979"/>
-          </a:xfrm>
-          <a:prstGeom prst="bentConnector2">
-            <a:avLst/>
-          </a:prstGeom>
-          <a:ln w="19050">
-            <a:solidFill>
-              <a:schemeClr val="accent3"/>
-            </a:solidFill>
-            <a:headEnd type="none" w="med" len="med"/>
-            <a:tailEnd type="arrow" w="med" len="med"/>
-          </a:ln>
-          <a:effectLst/>
-        </p:spPr>
-        <p:style>
-          <a:lnRef idx="1">
-            <a:schemeClr val="accent2"/>
-          </a:lnRef>
-          <a:fillRef idx="2">
-            <a:schemeClr val="accent2"/>
-          </a:fillRef>
-          <a:effectRef idx="1">
-            <a:schemeClr val="accent2"/>
-          </a:effectRef>
-          <a:fontRef idx="minor">
-            <a:schemeClr val="dk1"/>
-          </a:fontRef>
-        </p:style>
-      </p:cxnSp>
-      <p:cxnSp>
-        <p:nvCxnSpPr>
-          <p:cNvPr id="140" name="Elbow Connector 63"/>
-          <p:cNvCxnSpPr>
-            <a:stCxn id="16" idx="3"/>
-            <a:endCxn id="36" idx="3"/>
-          </p:cNvCxnSpPr>
-          <p:nvPr/>
-        </p:nvCxnSpPr>
-        <p:spPr>
-          <a:xfrm rot="5400000">
-            <a:off x="3695875" y="2276286"/>
-            <a:ext cx="1824381" cy="1843808"/>
-          </a:xfrm>
-          <a:prstGeom prst="bentConnector2">
-            <a:avLst/>
-          </a:prstGeom>
-          <a:ln w="6350">
-            <a:solidFill>
-              <a:schemeClr val="accent3"/>
-            </a:solidFill>
-            <a:headEnd type="none" w="med" len="med"/>
-            <a:tailEnd type="none" w="med" len="med"/>
-          </a:ln>
-          <a:effectLst/>
-        </p:spPr>
-        <p:style>
-          <a:lnRef idx="1">
-            <a:schemeClr val="accent2"/>
-          </a:lnRef>
-          <a:fillRef idx="2">
-            <a:schemeClr val="accent2"/>
-          </a:fillRef>
-          <a:effectRef idx="1">
-            <a:schemeClr val="accent2"/>
-          </a:effectRef>
-          <a:fontRef idx="minor">
-            <a:schemeClr val="dk1"/>
-          </a:fontRef>
-        </p:style>
-      </p:cxnSp>
-      <p:sp>
-        <p:nvSpPr>
-          <p:cNvPr id="143" name="Rectangle 142"/>
-          <p:cNvSpPr/>
-          <p:nvPr/>
-        </p:nvSpPr>
-        <p:spPr>
-          <a:xfrm>
-            <a:off x="5435896" y="2743200"/>
-            <a:ext cx="229325" cy="166560"/>
-          </a:xfrm>
-          <a:prstGeom prst="rect">
-            <a:avLst/>
-          </a:prstGeom>
-          <a:solidFill>
-            <a:schemeClr val="accent3">
-              <a:lumMod val="20000"/>
-              <a:lumOff val="80000"/>
-              <a:alpha val="80000"/>
-            </a:schemeClr>
-          </a:solidFill>
-          <a:ln>
-            <a:noFill/>
-          </a:ln>
-          <a:effectLst>
-            <a:softEdge rad="31750"/>
-          </a:effectLst>
-        </p:spPr>
-        <p:style>
-          <a:lnRef idx="2">
-            <a:schemeClr val="accent1">
-              <a:shade val="50000"/>
-            </a:schemeClr>
-          </a:lnRef>
-          <a:fillRef idx="1">
-            <a:schemeClr val="accent1"/>
-          </a:fillRef>
-          <a:effectRef idx="0">
-            <a:schemeClr val="accent1"/>
-          </a:effectRef>
-          <a:fontRef idx="minor">
-            <a:schemeClr val="lt1"/>
-          </a:fontRef>
-        </p:style>
-        <p:txBody>
-          <a:bodyPr rtlCol="0" anchor="ctr"/>
-          <a:lstStyle/>
-          <a:p>
-            <a:pPr algn="ctr"/>
-            <a:endParaRPr lang="en-SG"/>
-          </a:p>
-        </p:txBody>
-      </p:sp>
-      <p:sp>
-        <p:nvSpPr>
-          <p:cNvPr id="116" name="Freeform 115"/>
-          <p:cNvSpPr/>
-          <p:nvPr/>
-        </p:nvSpPr>
-        <p:spPr>
-          <a:xfrm>
-            <a:off x="3687515" y="2828802"/>
-            <a:ext cx="3048000" cy="203200"/>
-          </a:xfrm>
-          <a:custGeom>
-            <a:avLst/>
-            <a:gdLst>
-              <a:gd name="connsiteX0" fmla="*/ 0 w 3048000"/>
-              <a:gd name="connsiteY0" fmla="*/ 203200 h 203200"/>
-              <a:gd name="connsiteX1" fmla="*/ 221673 w 3048000"/>
-              <a:gd name="connsiteY1" fmla="*/ 0 h 203200"/>
-              <a:gd name="connsiteX2" fmla="*/ 3048000 w 3048000"/>
-              <a:gd name="connsiteY2" fmla="*/ 0 h 203200"/>
-            </a:gdLst>
-            <a:ahLst/>
-            <a:cxnLst>
-              <a:cxn ang="0">
-                <a:pos x="connsiteX0" y="connsiteY0"/>
-              </a:cxn>
-              <a:cxn ang="0">
-                <a:pos x="connsiteX1" y="connsiteY1"/>
-              </a:cxn>
-              <a:cxn ang="0">
-                <a:pos x="connsiteX2" y="connsiteY2"/>
-              </a:cxn>
-            </a:cxnLst>
-            <a:rect l="l" t="t" r="r" b="b"/>
-            <a:pathLst>
-              <a:path w="3048000" h="203200">
-                <a:moveTo>
-                  <a:pt x="0" y="203200"/>
-                </a:moveTo>
-                <a:lnTo>
-                  <a:pt x="221673" y="0"/>
-                </a:lnTo>
-                <a:lnTo>
-                  <a:pt x="3048000" y="0"/>
-                </a:lnTo>
-              </a:path>
-            </a:pathLst>
-          </a:custGeom>
-          <a:noFill/>
-          <a:ln w="19050">
-            <a:solidFill>
-              <a:schemeClr val="accent3"/>
-            </a:solidFill>
-            <a:prstDash val="solid"/>
-            <a:headEnd type="none" w="med" len="med"/>
-            <a:tailEnd type="arrow" w="med" len="med"/>
-          </a:ln>
-          <a:effectLst/>
-        </p:spPr>
-        <p:style>
-          <a:lnRef idx="1">
-            <a:schemeClr val="accent2"/>
-          </a:lnRef>
-          <a:fillRef idx="2">
-            <a:schemeClr val="accent2"/>
-          </a:fillRef>
-          <a:effectRef idx="1">
-            <a:schemeClr val="accent2"/>
-          </a:effectRef>
-          <a:fontRef idx="minor">
-            <a:schemeClr val="dk1"/>
-          </a:fontRef>
-        </p:style>
-        <p:txBody>
-          <a:bodyPr rtlCol="0" anchor="ctr"/>
-          <a:lstStyle/>
-          <a:p>
-            <a:pPr algn="ctr"/>
-            <a:endParaRPr lang="en-SG"/>
-          </a:p>
-        </p:txBody>
-      </p:sp>
-      <p:sp>
-        <p:nvSpPr>
-          <p:cNvPr id="144" name="Rectangle 143"/>
-          <p:cNvSpPr/>
-          <p:nvPr/>
-        </p:nvSpPr>
-        <p:spPr>
-          <a:xfrm>
-            <a:off x="5431573" y="4488138"/>
-            <a:ext cx="229325" cy="160062"/>
-          </a:xfrm>
-          <a:prstGeom prst="rect">
-            <a:avLst/>
-          </a:prstGeom>
-          <a:solidFill>
-            <a:schemeClr val="accent3">
-              <a:lumMod val="20000"/>
-              <a:lumOff val="80000"/>
-              <a:alpha val="80000"/>
-            </a:schemeClr>
-          </a:solidFill>
-          <a:ln>
-            <a:noFill/>
-          </a:ln>
-          <a:effectLst>
-            <a:softEdge rad="31750"/>
-          </a:effectLst>
-        </p:spPr>
-        <p:style>
-          <a:lnRef idx="2">
-            <a:schemeClr val="accent1">
-              <a:shade val="50000"/>
-            </a:schemeClr>
-          </a:lnRef>
-          <a:fillRef idx="1">
-            <a:schemeClr val="accent1"/>
-          </a:fillRef>
-          <a:effectRef idx="0">
-            <a:schemeClr val="accent1"/>
-          </a:effectRef>
-          <a:fontRef idx="minor">
-            <a:schemeClr val="lt1"/>
-          </a:fontRef>
-        </p:style>
-        <p:txBody>
-          <a:bodyPr rtlCol="0" anchor="ctr"/>
-          <a:lstStyle/>
-          <a:p>
-            <a:pPr algn="ctr"/>
-            <a:endParaRPr lang="en-SG"/>
-          </a:p>
-        </p:txBody>
-      </p:sp>
-      <p:sp>
-        <p:nvSpPr>
-          <p:cNvPr id="118" name="Freeform 117"/>
-          <p:cNvSpPr/>
-          <p:nvPr/>
-        </p:nvSpPr>
-        <p:spPr>
-          <a:xfrm flipV="1">
-            <a:off x="4114799" y="4472708"/>
-            <a:ext cx="2642195" cy="101600"/>
-          </a:xfrm>
-          <a:custGeom>
-            <a:avLst/>
-            <a:gdLst>
-              <a:gd name="connsiteX0" fmla="*/ 0 w 3048000"/>
-              <a:gd name="connsiteY0" fmla="*/ 203200 h 203200"/>
-              <a:gd name="connsiteX1" fmla="*/ 221673 w 3048000"/>
-              <a:gd name="connsiteY1" fmla="*/ 0 h 203200"/>
-              <a:gd name="connsiteX2" fmla="*/ 3048000 w 3048000"/>
-              <a:gd name="connsiteY2" fmla="*/ 0 h 203200"/>
-            </a:gdLst>
-            <a:ahLst/>
-            <a:cxnLst>
-              <a:cxn ang="0">
-                <a:pos x="connsiteX0" y="connsiteY0"/>
-              </a:cxn>
-              <a:cxn ang="0">
-                <a:pos x="connsiteX1" y="connsiteY1"/>
-              </a:cxn>
-              <a:cxn ang="0">
-                <a:pos x="connsiteX2" y="connsiteY2"/>
-              </a:cxn>
-            </a:cxnLst>
-            <a:rect l="l" t="t" r="r" b="b"/>
-            <a:pathLst>
-              <a:path w="3048000" h="203200">
-                <a:moveTo>
-                  <a:pt x="0" y="203200"/>
-                </a:moveTo>
-                <a:lnTo>
-                  <a:pt x="221673" y="0"/>
-                </a:lnTo>
-                <a:lnTo>
-                  <a:pt x="3048000" y="0"/>
-                </a:lnTo>
-              </a:path>
-            </a:pathLst>
-          </a:custGeom>
-          <a:noFill/>
-          <a:ln w="19050">
-            <a:solidFill>
-              <a:schemeClr val="accent3"/>
-            </a:solidFill>
-            <a:prstDash val="sysDot"/>
-            <a:headEnd type="none" w="med" len="med"/>
-            <a:tailEnd type="arrow" w="med" len="med"/>
-          </a:ln>
-          <a:effectLst/>
-        </p:spPr>
-        <p:style>
-          <a:lnRef idx="1">
-            <a:schemeClr val="accent2"/>
-          </a:lnRef>
-          <a:fillRef idx="2">
-            <a:schemeClr val="accent2"/>
-          </a:fillRef>
-          <a:effectRef idx="1">
-            <a:schemeClr val="accent2"/>
-          </a:effectRef>
-          <a:fontRef idx="minor">
-            <a:schemeClr val="dk1"/>
-          </a:fontRef>
-        </p:style>
-        <p:txBody>
-          <a:bodyPr rtlCol="0" anchor="ctr"/>
-          <a:lstStyle/>
-          <a:p>
-            <a:pPr algn="ctr"/>
-            <a:endParaRPr lang="en-SG"/>
-          </a:p>
-        </p:txBody>
-      </p:sp>
+              <a:headEnd type="none" w="med" len="med"/>
+              <a:tailEnd type="none" w="med" len="med"/>
+            </a:ln>
+            <a:effectLst/>
+          </p:spPr>
+          <p:style>
+            <a:lnRef idx="1">
+              <a:schemeClr val="accent2"/>
+            </a:lnRef>
+            <a:fillRef idx="2">
+              <a:schemeClr val="accent2"/>
+            </a:fillRef>
+            <a:effectRef idx="1">
+              <a:schemeClr val="accent2"/>
+            </a:effectRef>
+            <a:fontRef idx="minor">
+              <a:schemeClr val="dk1"/>
+            </a:fontRef>
+          </p:style>
+        </p:cxnSp>
+      </p:grpSp>
     </p:spTree>
     <p:extLst>
       <p:ext uri="{BB962C8B-B14F-4D97-AF65-F5344CB8AC3E}">

--- a/docs/diagrams/UiComponentClassDiagram.pptx
+++ b/docs/diagrams/UiComponentClassDiagram.pptx
@@ -3545,10 +3545,10 @@
         </p:nvGrpSpPr>
         <p:grpSpPr>
           <a:xfrm>
-            <a:off x="1143000" y="152400"/>
-            <a:ext cx="9386239" cy="6359673"/>
-            <a:chOff x="1143000" y="152400"/>
-            <a:chExt cx="9386239" cy="6359673"/>
+            <a:off x="685800" y="152400"/>
+            <a:ext cx="9843439" cy="6359673"/>
+            <a:chOff x="685800" y="152400"/>
+            <a:chExt cx="9843439" cy="6359673"/>
           </a:xfrm>
         </p:grpSpPr>
         <p:sp>
@@ -3778,13 +3778,15 @@
         <p:cxnSp>
           <p:nvCxnSpPr>
             <p:cNvPr id="19" name="Elbow Connector 122"/>
-            <p:cNvCxnSpPr/>
+            <p:cNvCxnSpPr>
+              <a:cxnSpLocks/>
+            </p:cNvCxnSpPr>
             <p:nvPr/>
           </p:nvCxnSpPr>
           <p:spPr>
             <a:xfrm flipV="1">
-              <a:off x="1161314" y="2281135"/>
-              <a:ext cx="848874" cy="1"/>
+              <a:off x="685800" y="2293836"/>
+              <a:ext cx="1324388" cy="35150"/>
             </a:xfrm>
             <a:prstGeom prst="bentConnector3">
               <a:avLst>

--- a/docs/diagrams/UiComponentClassDiagram.pptx
+++ b/docs/diagrams/UiComponentClassDiagram.pptx
@@ -3533,10 +3533,10 @@
       </p:grpSpPr>
       <p:grpSp>
         <p:nvGrpSpPr>
-          <p:cNvPr id="193" name="Group 192">
+          <p:cNvPr id="17" name="Group 16">
             <a:extLst>
               <a:ext uri="{FF2B5EF4-FFF2-40B4-BE49-F238E27FC236}">
-                <a16:creationId xmlns:a16="http://schemas.microsoft.com/office/drawing/2014/main" id="{CC03D5A6-A199-4DCE-B90B-7022C07F45C6}"/>
+                <a16:creationId xmlns:a16="http://schemas.microsoft.com/office/drawing/2014/main" id="{F0BAF78E-F7E2-4011-BCA5-F874A53EB379}"/>
               </a:ext>
             </a:extLst>
           </p:cNvPr>
@@ -3545,1111 +3545,18 @@
         </p:nvGrpSpPr>
         <p:grpSpPr>
           <a:xfrm>
-            <a:off x="685800" y="152400"/>
-            <a:ext cx="9843439" cy="6359673"/>
-            <a:chOff x="685800" y="152400"/>
-            <a:chExt cx="9843439" cy="6359673"/>
+            <a:off x="685800" y="111350"/>
+            <a:ext cx="9843439" cy="6746650"/>
+            <a:chOff x="685800" y="111350"/>
+            <a:chExt cx="9843439" cy="6746650"/>
           </a:xfrm>
         </p:grpSpPr>
-        <p:sp>
-          <p:nvSpPr>
-            <p:cNvPr id="23" name="Rectangle 65"/>
-            <p:cNvSpPr/>
-            <p:nvPr/>
-          </p:nvSpPr>
-          <p:spPr>
-            <a:xfrm>
-              <a:off x="1143000" y="231446"/>
-              <a:ext cx="8476514" cy="6280627"/>
-            </a:xfrm>
-            <a:prstGeom prst="roundRect">
-              <a:avLst>
-                <a:gd name="adj" fmla="val 3484"/>
-              </a:avLst>
-            </a:prstGeom>
-            <a:solidFill>
-              <a:srgbClr val="F1F5E9"/>
-            </a:solidFill>
-            <a:ln w="19050">
-              <a:noFill/>
-            </a:ln>
-            <a:effectLst/>
-          </p:spPr>
-          <p:style>
-            <a:lnRef idx="1">
-              <a:schemeClr val="accent2"/>
-            </a:lnRef>
-            <a:fillRef idx="2">
-              <a:schemeClr val="accent2"/>
-            </a:fillRef>
-            <a:effectRef idx="1">
-              <a:schemeClr val="accent2"/>
-            </a:effectRef>
-            <a:fontRef idx="minor">
-              <a:schemeClr val="dk1"/>
-            </a:fontRef>
-          </p:style>
-          <p:txBody>
-            <a:bodyPr rtlCol="0" anchor="t"/>
-            <a:lstStyle/>
-            <a:p>
-              <a:r>
-                <a:rPr lang="en-US" sz="1200" b="1" dirty="0">
-                  <a:solidFill>
-                    <a:schemeClr val="accent3">
-                      <a:lumMod val="75000"/>
-                    </a:schemeClr>
-                  </a:solidFill>
-                </a:rPr>
-                <a:t>UI</a:t>
-              </a:r>
-              <a:endParaRPr lang="en-SG" sz="1200" b="1" dirty="0">
-                <a:solidFill>
-                  <a:schemeClr val="accent3">
-                    <a:lumMod val="75000"/>
-                  </a:schemeClr>
-                </a:solidFill>
-              </a:endParaRPr>
-            </a:p>
-          </p:txBody>
-        </p:sp>
-        <p:sp>
-          <p:nvSpPr>
-            <p:cNvPr id="2" name="Rectangle 8"/>
-            <p:cNvSpPr/>
-            <p:nvPr/>
-          </p:nvSpPr>
-          <p:spPr>
-            <a:xfrm>
-              <a:off x="2972801" y="1265578"/>
-              <a:ext cx="1355458" cy="346760"/>
-            </a:xfrm>
-            <a:prstGeom prst="rect">
-              <a:avLst/>
-            </a:prstGeom>
-            <a:ln w="19050">
-              <a:solidFill>
-                <a:schemeClr val="accent3"/>
-              </a:solidFill>
-            </a:ln>
-            <a:effectLst/>
-          </p:spPr>
-          <p:style>
-            <a:lnRef idx="1">
-              <a:schemeClr val="accent3"/>
-            </a:lnRef>
-            <a:fillRef idx="2">
-              <a:schemeClr val="accent3"/>
-            </a:fillRef>
-            <a:effectRef idx="1">
-              <a:schemeClr val="accent3"/>
-            </a:effectRef>
-            <a:fontRef idx="minor">
-              <a:schemeClr val="dk1"/>
-            </a:fontRef>
-          </p:style>
-          <p:txBody>
-            <a:bodyPr rtlCol="0" anchor="ctr"/>
-            <a:lstStyle/>
-            <a:p>
-              <a:pPr algn="ctr"/>
-              <a:r>
-                <a:rPr lang="en-US" sz="1050" b="1" dirty="0" err="1">
-                  <a:solidFill>
-                    <a:schemeClr val="accent3">
-                      <a:lumMod val="75000"/>
-                    </a:schemeClr>
-                  </a:solidFill>
-                </a:rPr>
-                <a:t>MainWindow</a:t>
-              </a:r>
-              <a:endParaRPr lang="en-SG" sz="1050" b="1" dirty="0">
-                <a:solidFill>
-                  <a:schemeClr val="accent3">
-                    <a:lumMod val="75000"/>
-                  </a:schemeClr>
-                </a:solidFill>
-              </a:endParaRPr>
-            </a:p>
-          </p:txBody>
-        </p:sp>
-        <p:sp>
-          <p:nvSpPr>
-            <p:cNvPr id="9" name="Rectangle 62"/>
-            <p:cNvSpPr/>
-            <p:nvPr/>
-          </p:nvSpPr>
-          <p:spPr>
-            <a:xfrm>
-              <a:off x="3125351" y="667428"/>
-              <a:ext cx="1355458" cy="346760"/>
-            </a:xfrm>
-            <a:prstGeom prst="rect">
-              <a:avLst/>
-            </a:prstGeom>
-            <a:solidFill>
-              <a:srgbClr val="00B050"/>
-            </a:solidFill>
-            <a:ln w="19050">
-              <a:solidFill>
-                <a:srgbClr val="00B050"/>
-              </a:solidFill>
-            </a:ln>
-            <a:effectLst/>
-          </p:spPr>
-          <p:style>
-            <a:lnRef idx="1">
-              <a:schemeClr val="accent2"/>
-            </a:lnRef>
-            <a:fillRef idx="2">
-              <a:schemeClr val="accent2"/>
-            </a:fillRef>
-            <a:effectRef idx="1">
-              <a:schemeClr val="accent2"/>
-            </a:effectRef>
-            <a:fontRef idx="minor">
-              <a:schemeClr val="dk1"/>
-            </a:fontRef>
-          </p:style>
-          <p:txBody>
-            <a:bodyPr rtlCol="0" anchor="ctr"/>
-            <a:lstStyle/>
-            <a:p>
-              <a:pPr algn="ctr"/>
-              <a:r>
-                <a:rPr lang="en-US" sz="1050" dirty="0" err="1">
-                  <a:solidFill>
-                    <a:schemeClr val="bg1"/>
-                  </a:solidFill>
-                </a:rPr>
-                <a:t>UiManager</a:t>
-              </a:r>
-              <a:endParaRPr lang="en-SG" sz="1050" dirty="0">
-                <a:solidFill>
-                  <a:schemeClr val="bg1"/>
-                </a:solidFill>
-              </a:endParaRPr>
-            </a:p>
-          </p:txBody>
-        </p:sp>
-        <p:cxnSp>
-          <p:nvCxnSpPr>
-            <p:cNvPr id="10" name="Elbow Connector 63"/>
-            <p:cNvCxnSpPr>
-              <a:stCxn id="9" idx="2"/>
-              <a:endCxn id="2" idx="0"/>
-            </p:cNvCxnSpPr>
-            <p:nvPr/>
-          </p:nvCxnSpPr>
-          <p:spPr>
-            <a:xfrm rot="5400000">
-              <a:off x="3601110" y="1063608"/>
-              <a:ext cx="251390" cy="152550"/>
-            </a:xfrm>
-            <a:prstGeom prst="bentConnector3">
-              <a:avLst>
-                <a:gd name="adj1" fmla="val 50000"/>
-              </a:avLst>
-            </a:prstGeom>
-            <a:ln w="19050">
-              <a:solidFill>
-                <a:srgbClr val="00B050"/>
-              </a:solidFill>
-              <a:headEnd type="none" w="med" len="med"/>
-              <a:tailEnd type="arrow" w="med" len="med"/>
-            </a:ln>
-            <a:effectLst/>
-          </p:spPr>
-          <p:style>
-            <a:lnRef idx="1">
-              <a:schemeClr val="accent2"/>
-            </a:lnRef>
-            <a:fillRef idx="2">
-              <a:schemeClr val="accent2"/>
-            </a:fillRef>
-            <a:effectRef idx="1">
-              <a:schemeClr val="accent2"/>
-            </a:effectRef>
-            <a:fontRef idx="minor">
-              <a:schemeClr val="dk1"/>
-            </a:fontRef>
-          </p:style>
-        </p:cxnSp>
-        <p:cxnSp>
-          <p:nvCxnSpPr>
-            <p:cNvPr id="19" name="Elbow Connector 122"/>
-            <p:cNvCxnSpPr>
-              <a:cxnSpLocks/>
-            </p:cNvCxnSpPr>
-            <p:nvPr/>
-          </p:nvCxnSpPr>
-          <p:spPr>
-            <a:xfrm flipV="1">
-              <a:off x="685800" y="2293836"/>
-              <a:ext cx="1324388" cy="35150"/>
-            </a:xfrm>
-            <a:prstGeom prst="bentConnector3">
-              <a:avLst>
-                <a:gd name="adj1" fmla="val 50000"/>
-              </a:avLst>
-            </a:prstGeom>
-            <a:ln w="19050">
-              <a:solidFill>
-                <a:schemeClr val="bg1">
-                  <a:lumMod val="75000"/>
-                </a:schemeClr>
-              </a:solidFill>
-              <a:prstDash val="sysDot"/>
-              <a:headEnd type="none" w="med" len="med"/>
-              <a:tailEnd type="arrow" w="med" len="med"/>
-            </a:ln>
-            <a:effectLst/>
-          </p:spPr>
-          <p:style>
-            <a:lnRef idx="1">
-              <a:schemeClr val="accent2"/>
-            </a:lnRef>
-            <a:fillRef idx="2">
-              <a:schemeClr val="accent2"/>
-            </a:fillRef>
-            <a:effectRef idx="1">
-              <a:schemeClr val="accent2"/>
-            </a:effectRef>
-            <a:fontRef idx="minor">
-              <a:schemeClr val="dk1"/>
-            </a:fontRef>
-          </p:style>
-        </p:cxnSp>
-        <p:sp>
-          <p:nvSpPr>
-            <p:cNvPr id="22" name="Rectangle 65"/>
-            <p:cNvSpPr/>
-            <p:nvPr/>
-          </p:nvSpPr>
-          <p:spPr>
-            <a:xfrm rot="16200000">
-              <a:off x="9144848" y="1130210"/>
-              <a:ext cx="2362201" cy="406581"/>
-            </a:xfrm>
-            <a:prstGeom prst="roundRect">
-              <a:avLst/>
-            </a:prstGeom>
-            <a:solidFill>
-              <a:schemeClr val="accent1">
-                <a:lumMod val="20000"/>
-                <a:lumOff val="80000"/>
-              </a:schemeClr>
-            </a:solidFill>
-            <a:ln w="19050">
-              <a:noFill/>
-            </a:ln>
-            <a:effectLst/>
-          </p:spPr>
-          <p:style>
-            <a:lnRef idx="1">
-              <a:schemeClr val="accent2"/>
-            </a:lnRef>
-            <a:fillRef idx="2">
-              <a:schemeClr val="accent2"/>
-            </a:fillRef>
-            <a:effectRef idx="1">
-              <a:schemeClr val="accent2"/>
-            </a:effectRef>
-            <a:fontRef idx="minor">
-              <a:schemeClr val="dk1"/>
-            </a:fontRef>
-          </p:style>
-          <p:txBody>
-            <a:bodyPr rtlCol="0" anchor="ctr"/>
-            <a:lstStyle/>
-            <a:p>
-              <a:pPr algn="ctr"/>
-              <a:r>
-                <a:rPr lang="en-US" sz="1100" b="1" dirty="0">
-                  <a:solidFill>
-                    <a:schemeClr val="bg1"/>
-                  </a:solidFill>
-                </a:rPr>
-                <a:t>Logic</a:t>
-              </a:r>
-              <a:endParaRPr lang="en-SG" sz="1100" b="1" dirty="0">
-                <a:solidFill>
-                  <a:schemeClr val="bg1"/>
-                </a:solidFill>
-              </a:endParaRPr>
-            </a:p>
-          </p:txBody>
-        </p:sp>
-        <p:sp>
-          <p:nvSpPr>
-            <p:cNvPr id="38" name="Rectangle 11"/>
-            <p:cNvSpPr/>
-            <p:nvPr/>
-          </p:nvSpPr>
-          <p:spPr>
-            <a:xfrm>
-              <a:off x="3889119" y="6275232"/>
-              <a:ext cx="1355458" cy="236841"/>
-            </a:xfrm>
-            <a:prstGeom prst="rect">
-              <a:avLst/>
-            </a:prstGeom>
-            <a:ln w="19050">
-              <a:solidFill>
-                <a:schemeClr val="accent3"/>
-              </a:solidFill>
-            </a:ln>
-            <a:effectLst/>
-          </p:spPr>
-          <p:style>
-            <a:lnRef idx="1">
-              <a:schemeClr val="accent3"/>
-            </a:lnRef>
-            <a:fillRef idx="2">
-              <a:schemeClr val="accent3"/>
-            </a:fillRef>
-            <a:effectRef idx="1">
-              <a:schemeClr val="accent3"/>
-            </a:effectRef>
-            <a:fontRef idx="minor">
-              <a:schemeClr val="dk1"/>
-            </a:fontRef>
-          </p:style>
-          <p:txBody>
-            <a:bodyPr rtlCol="0" anchor="ctr"/>
-            <a:lstStyle/>
-            <a:p>
-              <a:pPr algn="ctr"/>
-              <a:r>
-                <a:rPr lang="en-US" sz="1050" b="1" dirty="0" err="1">
-                  <a:solidFill>
-                    <a:schemeClr val="accent3">
-                      <a:lumMod val="75000"/>
-                    </a:schemeClr>
-                  </a:solidFill>
-                </a:rPr>
-                <a:t>HelpWindow</a:t>
-              </a:r>
-              <a:endParaRPr lang="en-SG" sz="1050" b="1" dirty="0">
-                <a:solidFill>
-                  <a:schemeClr val="accent3">
-                    <a:lumMod val="75000"/>
-                  </a:schemeClr>
-                </a:solidFill>
-              </a:endParaRPr>
-            </a:p>
-          </p:txBody>
-        </p:sp>
-        <p:cxnSp>
-          <p:nvCxnSpPr>
-            <p:cNvPr id="88" name="Elbow Connector 63"/>
-            <p:cNvCxnSpPr>
-              <a:cxnSpLocks/>
-              <a:stCxn id="2" idx="3"/>
-              <a:endCxn id="16" idx="3"/>
-            </p:cNvCxnSpPr>
-            <p:nvPr/>
-          </p:nvCxnSpPr>
-          <p:spPr>
-            <a:xfrm>
-              <a:off x="4328259" y="1438958"/>
-              <a:ext cx="4610324" cy="75956"/>
-            </a:xfrm>
-            <a:prstGeom prst="bentConnector4">
-              <a:avLst>
-                <a:gd name="adj1" fmla="val 47940"/>
-                <a:gd name="adj2" fmla="val 400964"/>
-              </a:avLst>
-            </a:prstGeom>
-            <a:ln w="6350">
-              <a:solidFill>
-                <a:schemeClr val="accent3"/>
-              </a:solidFill>
-              <a:headEnd type="none" w="med" len="med"/>
-              <a:tailEnd type="none" w="med" len="med"/>
-            </a:ln>
-            <a:effectLst/>
-          </p:spPr>
-          <p:style>
-            <a:lnRef idx="1">
-              <a:schemeClr val="accent2"/>
-            </a:lnRef>
-            <a:fillRef idx="2">
-              <a:schemeClr val="accent2"/>
-            </a:fillRef>
-            <a:effectRef idx="1">
-              <a:schemeClr val="accent2"/>
-            </a:effectRef>
-            <a:fontRef idx="minor">
-              <a:schemeClr val="dk1"/>
-            </a:fontRef>
-          </p:style>
-        </p:cxnSp>
-        <p:cxnSp>
-          <p:nvCxnSpPr>
-            <p:cNvPr id="107" name="Elbow Connector 106"/>
-            <p:cNvCxnSpPr>
-              <a:cxnSpLocks/>
-              <a:stCxn id="9" idx="0"/>
-            </p:cNvCxnSpPr>
-            <p:nvPr/>
-          </p:nvCxnSpPr>
-          <p:spPr>
-            <a:xfrm rot="5400000" flipH="1" flipV="1">
-              <a:off x="6898110" y="-2557120"/>
-              <a:ext cx="129519" cy="6319578"/>
-            </a:xfrm>
-            <a:prstGeom prst="bentConnector2">
-              <a:avLst/>
-            </a:prstGeom>
-            <a:ln w="19050">
-              <a:solidFill>
-                <a:srgbClr val="00B050"/>
-              </a:solidFill>
-              <a:prstDash val="solid"/>
-              <a:headEnd type="none" w="med" len="med"/>
-              <a:tailEnd type="arrow" w="med" len="med"/>
-            </a:ln>
-            <a:effectLst/>
-          </p:spPr>
-          <p:style>
-            <a:lnRef idx="1">
-              <a:schemeClr val="accent2"/>
-            </a:lnRef>
-            <a:fillRef idx="2">
-              <a:schemeClr val="accent2"/>
-            </a:fillRef>
-            <a:effectRef idx="1">
-              <a:schemeClr val="accent2"/>
-            </a:effectRef>
-            <a:fontRef idx="minor">
-              <a:schemeClr val="dk1"/>
-            </a:fontRef>
-          </p:style>
-        </p:cxnSp>
-        <p:sp>
-          <p:nvSpPr>
-            <p:cNvPr id="117" name="Rectangle 65"/>
-            <p:cNvSpPr/>
-            <p:nvPr/>
-          </p:nvSpPr>
-          <p:spPr>
-            <a:xfrm rot="16200000">
-              <a:off x="9611443" y="4094907"/>
-              <a:ext cx="1371599" cy="406581"/>
-            </a:xfrm>
-            <a:prstGeom prst="roundRect">
-              <a:avLst/>
-            </a:prstGeom>
-            <a:solidFill>
-              <a:schemeClr val="accent4">
-                <a:lumMod val="20000"/>
-                <a:lumOff val="80000"/>
-              </a:schemeClr>
-            </a:solidFill>
-            <a:ln w="19050">
-              <a:noFill/>
-            </a:ln>
-            <a:effectLst/>
-          </p:spPr>
-          <p:style>
-            <a:lnRef idx="1">
-              <a:schemeClr val="accent2"/>
-            </a:lnRef>
-            <a:fillRef idx="2">
-              <a:schemeClr val="accent2"/>
-            </a:fillRef>
-            <a:effectRef idx="1">
-              <a:schemeClr val="accent2"/>
-            </a:effectRef>
-            <a:fontRef idx="minor">
-              <a:schemeClr val="dk1"/>
-            </a:fontRef>
-          </p:style>
-          <p:txBody>
-            <a:bodyPr rtlCol="0" anchor="ctr"/>
-            <a:lstStyle/>
-            <a:p>
-              <a:pPr algn="ctr"/>
-              <a:r>
-                <a:rPr lang="en-US" sz="1100" b="1" dirty="0">
-                  <a:solidFill>
-                    <a:schemeClr val="bg1"/>
-                  </a:solidFill>
-                </a:rPr>
-                <a:t>Model</a:t>
-              </a:r>
-              <a:endParaRPr lang="en-SG" sz="1100" b="1" dirty="0">
-                <a:solidFill>
-                  <a:schemeClr val="bg1"/>
-                </a:solidFill>
-              </a:endParaRPr>
-            </a:p>
-          </p:txBody>
-        </p:sp>
-        <p:sp>
-          <p:nvSpPr>
-            <p:cNvPr id="119" name="Rectangle 62"/>
-            <p:cNvSpPr/>
-            <p:nvPr/>
-          </p:nvSpPr>
-          <p:spPr>
-            <a:xfrm rot="16200000">
-              <a:off x="1647256" y="2035451"/>
-              <a:ext cx="1147084" cy="523209"/>
-            </a:xfrm>
-            <a:prstGeom prst="rect">
-              <a:avLst/>
-            </a:prstGeom>
-            <a:solidFill>
-              <a:srgbClr val="00B050"/>
-            </a:solidFill>
-            <a:ln w="19050">
-              <a:solidFill>
-                <a:srgbClr val="00B050"/>
-              </a:solidFill>
-            </a:ln>
-            <a:effectLst/>
-          </p:spPr>
-          <p:style>
-            <a:lnRef idx="1">
-              <a:schemeClr val="accent2"/>
-            </a:lnRef>
-            <a:fillRef idx="2">
-              <a:schemeClr val="accent2"/>
-            </a:fillRef>
-            <a:effectRef idx="1">
-              <a:schemeClr val="accent2"/>
-            </a:effectRef>
-            <a:fontRef idx="minor">
-              <a:schemeClr val="dk1"/>
-            </a:fontRef>
-          </p:style>
-          <p:txBody>
-            <a:bodyPr rtlCol="0" anchor="ctr"/>
-            <a:lstStyle/>
-            <a:p>
-              <a:pPr algn="ctr"/>
-              <a:r>
-                <a:rPr lang="en-US" sz="1050" dirty="0">
-                  <a:solidFill>
-                    <a:schemeClr val="bg1"/>
-                  </a:solidFill>
-                </a:rPr>
-                <a:t>&lt;&lt;interface&gt;&gt;</a:t>
-              </a:r>
-            </a:p>
-            <a:p>
-              <a:pPr algn="ctr"/>
-              <a:r>
-                <a:rPr lang="en-US" sz="1050" dirty="0" err="1">
-                  <a:solidFill>
-                    <a:schemeClr val="bg1"/>
-                  </a:solidFill>
-                </a:rPr>
-                <a:t>Ui</a:t>
-              </a:r>
-              <a:endParaRPr lang="en-SG" sz="1050" dirty="0">
-                <a:solidFill>
-                  <a:schemeClr val="bg1"/>
-                </a:solidFill>
-              </a:endParaRPr>
-            </a:p>
-          </p:txBody>
-        </p:sp>
-        <p:sp>
-          <p:nvSpPr>
-            <p:cNvPr id="120" name="Isosceles Triangle 102"/>
-            <p:cNvSpPr/>
-            <p:nvPr/>
-          </p:nvSpPr>
-          <p:spPr>
-            <a:xfrm flipV="1">
-              <a:off x="2055839" y="1547991"/>
-              <a:ext cx="335264" cy="175523"/>
-            </a:xfrm>
-            <a:prstGeom prst="triangle">
-              <a:avLst/>
-            </a:prstGeom>
-            <a:ln w="19050">
-              <a:solidFill>
-                <a:srgbClr val="00B050"/>
-              </a:solidFill>
-            </a:ln>
-            <a:effectLst/>
-          </p:spPr>
-          <p:style>
-            <a:lnRef idx="1">
-              <a:schemeClr val="accent3"/>
-            </a:lnRef>
-            <a:fillRef idx="2">
-              <a:schemeClr val="accent3"/>
-            </a:fillRef>
-            <a:effectRef idx="1">
-              <a:schemeClr val="accent3"/>
-            </a:effectRef>
-            <a:fontRef idx="minor">
-              <a:schemeClr val="dk1"/>
-            </a:fontRef>
-          </p:style>
-          <p:txBody>
-            <a:bodyPr rtlCol="0" anchor="ctr"/>
-            <a:lstStyle/>
-            <a:p>
-              <a:pPr algn="ctr"/>
-              <a:endParaRPr lang="en-SG" sz="1050" b="1" dirty="0">
-                <a:solidFill>
-                  <a:srgbClr val="92D050"/>
-                </a:solidFill>
-              </a:endParaRPr>
-            </a:p>
-          </p:txBody>
-        </p:sp>
-        <p:cxnSp>
-          <p:nvCxnSpPr>
-            <p:cNvPr id="121" name="Elbow Connector 63"/>
-            <p:cNvCxnSpPr>
-              <a:cxnSpLocks/>
-            </p:cNvCxnSpPr>
-            <p:nvPr/>
-          </p:nvCxnSpPr>
-          <p:spPr>
-            <a:xfrm rot="10800000" flipV="1">
-              <a:off x="2215850" y="813600"/>
-              <a:ext cx="857839" cy="734391"/>
-            </a:xfrm>
-            <a:prstGeom prst="bentConnector2">
-              <a:avLst/>
-            </a:prstGeom>
-            <a:ln w="19050">
-              <a:solidFill>
-                <a:srgbClr val="00B050"/>
-              </a:solidFill>
-              <a:prstDash val="sysDot"/>
-              <a:headEnd type="none" w="med" len="med"/>
-              <a:tailEnd type="none" w="med" len="med"/>
-            </a:ln>
-            <a:effectLst/>
-          </p:spPr>
-          <p:style>
-            <a:lnRef idx="1">
-              <a:schemeClr val="accent2"/>
-            </a:lnRef>
-            <a:fillRef idx="2">
-              <a:schemeClr val="accent2"/>
-            </a:fillRef>
-            <a:effectRef idx="1">
-              <a:schemeClr val="accent2"/>
-            </a:effectRef>
-            <a:fontRef idx="minor">
-              <a:schemeClr val="dk1"/>
-            </a:fontRef>
-          </p:style>
-        </p:cxnSp>
-        <p:sp>
-          <p:nvSpPr>
-            <p:cNvPr id="143" name="Rectangle 142"/>
-            <p:cNvSpPr/>
-            <p:nvPr/>
-          </p:nvSpPr>
-          <p:spPr>
-            <a:xfrm>
-              <a:off x="7141943" y="2032398"/>
-              <a:ext cx="284227" cy="166560"/>
-            </a:xfrm>
-            <a:prstGeom prst="rect">
-              <a:avLst/>
-            </a:prstGeom>
-            <a:solidFill>
-              <a:schemeClr val="accent3">
-                <a:lumMod val="20000"/>
-                <a:lumOff val="80000"/>
-                <a:alpha val="80000"/>
-              </a:schemeClr>
-            </a:solidFill>
-            <a:ln>
-              <a:noFill/>
-            </a:ln>
-            <a:effectLst>
-              <a:softEdge rad="31750"/>
-            </a:effectLst>
-          </p:spPr>
-          <p:style>
-            <a:lnRef idx="2">
-              <a:schemeClr val="accent1">
-                <a:shade val="50000"/>
-              </a:schemeClr>
-            </a:lnRef>
-            <a:fillRef idx="1">
-              <a:schemeClr val="accent1"/>
-            </a:fillRef>
-            <a:effectRef idx="0">
-              <a:schemeClr val="accent1"/>
-            </a:effectRef>
-            <a:fontRef idx="minor">
-              <a:schemeClr val="lt1"/>
-            </a:fontRef>
-          </p:style>
-          <p:txBody>
-            <a:bodyPr rtlCol="0" anchor="ctr"/>
-            <a:lstStyle/>
-            <a:p>
-              <a:pPr algn="ctr"/>
-              <a:endParaRPr lang="en-SG"/>
-            </a:p>
-          </p:txBody>
-        </p:sp>
-        <p:sp>
-          <p:nvSpPr>
-            <p:cNvPr id="16" name="Isosceles Triangle 102"/>
-            <p:cNvSpPr/>
-            <p:nvPr/>
-          </p:nvSpPr>
-          <p:spPr>
-            <a:xfrm rot="10800000" flipV="1">
-              <a:off x="8748636" y="1293878"/>
-              <a:ext cx="379895" cy="221036"/>
-            </a:xfrm>
-            <a:prstGeom prst="triangle">
-              <a:avLst/>
-            </a:prstGeom>
-            <a:ln w="6350">
-              <a:solidFill>
-                <a:schemeClr val="accent3"/>
-              </a:solidFill>
-            </a:ln>
-            <a:effectLst/>
-          </p:spPr>
-          <p:style>
-            <a:lnRef idx="1">
-              <a:schemeClr val="accent3"/>
-            </a:lnRef>
-            <a:fillRef idx="2">
-              <a:schemeClr val="accent3"/>
-            </a:fillRef>
-            <a:effectRef idx="1">
-              <a:schemeClr val="accent3"/>
-            </a:effectRef>
-            <a:fontRef idx="minor">
-              <a:schemeClr val="dk1"/>
-            </a:fontRef>
-          </p:style>
-          <p:txBody>
-            <a:bodyPr rtlCol="0" anchor="ctr"/>
-            <a:lstStyle/>
-            <a:p>
-              <a:pPr algn="ctr"/>
-              <a:endParaRPr lang="en-SG" sz="1050" b="1">
-                <a:solidFill>
-                  <a:srgbClr val="92D050"/>
-                </a:solidFill>
-              </a:endParaRPr>
-            </a:p>
-          </p:txBody>
-        </p:sp>
-        <p:cxnSp>
-          <p:nvCxnSpPr>
-            <p:cNvPr id="53" name="Elbow Connector 63"/>
-            <p:cNvCxnSpPr>
-              <a:cxnSpLocks/>
-              <a:endCxn id="38" idx="1"/>
-            </p:cNvCxnSpPr>
-            <p:nvPr/>
-          </p:nvCxnSpPr>
-          <p:spPr>
-            <a:xfrm rot="16200000" flipH="1">
-              <a:off x="1212879" y="3717412"/>
-              <a:ext cx="4779979" cy="572501"/>
-            </a:xfrm>
-            <a:prstGeom prst="bentConnector2">
-              <a:avLst/>
-            </a:prstGeom>
-            <a:ln w="19050">
-              <a:solidFill>
-                <a:schemeClr val="accent3"/>
-              </a:solidFill>
-              <a:headEnd type="none" w="med" len="med"/>
-              <a:tailEnd type="arrow" w="med" len="med"/>
-            </a:ln>
-            <a:effectLst/>
-          </p:spPr>
-          <p:style>
-            <a:lnRef idx="1">
-              <a:schemeClr val="accent2"/>
-            </a:lnRef>
-            <a:fillRef idx="2">
-              <a:schemeClr val="accent2"/>
-            </a:fillRef>
-            <a:effectRef idx="1">
-              <a:schemeClr val="accent2"/>
-            </a:effectRef>
-            <a:fontRef idx="minor">
-              <a:schemeClr val="dk1"/>
-            </a:fontRef>
-          </p:style>
-        </p:cxnSp>
-        <p:sp>
-          <p:nvSpPr>
-            <p:cNvPr id="73" name="Rectangle 62"/>
-            <p:cNvSpPr/>
-            <p:nvPr/>
-          </p:nvSpPr>
-          <p:spPr>
-            <a:xfrm>
-              <a:off x="8396455" y="857203"/>
-              <a:ext cx="1084256" cy="436674"/>
-            </a:xfrm>
-            <a:prstGeom prst="rect">
-              <a:avLst/>
-            </a:prstGeom>
-            <a:ln w="6350">
-              <a:solidFill>
-                <a:schemeClr val="accent3"/>
-              </a:solidFill>
-            </a:ln>
-            <a:effectLst/>
-          </p:spPr>
-          <p:style>
-            <a:lnRef idx="1">
-              <a:schemeClr val="accent3"/>
-            </a:lnRef>
-            <a:fillRef idx="2">
-              <a:schemeClr val="accent3"/>
-            </a:fillRef>
-            <a:effectRef idx="1">
-              <a:schemeClr val="accent3"/>
-            </a:effectRef>
-            <a:fontRef idx="minor">
-              <a:schemeClr val="dk1"/>
-            </a:fontRef>
-          </p:style>
-          <p:txBody>
-            <a:bodyPr rtlCol="0" anchor="ctr"/>
-            <a:lstStyle/>
-            <a:p>
-              <a:pPr algn="ctr"/>
-              <a:r>
-                <a:rPr lang="en-US" sz="1050" b="1" dirty="0">
-                  <a:solidFill>
-                    <a:schemeClr val="accent3">
-                      <a:lumMod val="75000"/>
-                    </a:schemeClr>
-                  </a:solidFill>
-                </a:rPr>
-                <a:t>{abstract}</a:t>
-              </a:r>
-              <a:br>
-                <a:rPr lang="en-US" sz="1050" b="1" dirty="0">
-                  <a:solidFill>
-                    <a:schemeClr val="accent3">
-                      <a:lumMod val="75000"/>
-                    </a:schemeClr>
-                  </a:solidFill>
-                </a:rPr>
-              </a:br>
-              <a:r>
-                <a:rPr lang="en-US" sz="1050" b="1" dirty="0" err="1">
-                  <a:solidFill>
-                    <a:schemeClr val="accent3">
-                      <a:lumMod val="75000"/>
-                    </a:schemeClr>
-                  </a:solidFill>
-                </a:rPr>
-                <a:t>UiPart</a:t>
-              </a:r>
-              <a:endParaRPr lang="en-SG" sz="1050" b="1" dirty="0">
-                <a:solidFill>
-                  <a:schemeClr val="accent3">
-                    <a:lumMod val="75000"/>
-                  </a:schemeClr>
-                </a:solidFill>
-              </a:endParaRPr>
-            </a:p>
-          </p:txBody>
-        </p:sp>
-        <p:cxnSp>
-          <p:nvCxnSpPr>
-            <p:cNvPr id="94" name="Elbow Connector 63"/>
-            <p:cNvCxnSpPr>
-              <a:cxnSpLocks/>
-              <a:stCxn id="16" idx="3"/>
-              <a:endCxn id="38" idx="3"/>
-            </p:cNvCxnSpPr>
-            <p:nvPr/>
-          </p:nvCxnSpPr>
-          <p:spPr>
-            <a:xfrm rot="5400000">
-              <a:off x="4652211" y="2107280"/>
-              <a:ext cx="4878739" cy="3694006"/>
-            </a:xfrm>
-            <a:prstGeom prst="bentConnector2">
-              <a:avLst/>
-            </a:prstGeom>
-            <a:ln w="6350">
-              <a:solidFill>
-                <a:schemeClr val="accent3"/>
-              </a:solidFill>
-              <a:headEnd type="none" w="med" len="med"/>
-              <a:tailEnd type="none" w="med" len="med"/>
-            </a:ln>
-            <a:effectLst/>
-          </p:spPr>
-          <p:style>
-            <a:lnRef idx="1">
-              <a:schemeClr val="accent2"/>
-            </a:lnRef>
-            <a:fillRef idx="2">
-              <a:schemeClr val="accent2"/>
-            </a:fillRef>
-            <a:effectRef idx="1">
-              <a:schemeClr val="accent2"/>
-            </a:effectRef>
-            <a:fontRef idx="minor">
-              <a:schemeClr val="dk1"/>
-            </a:fontRef>
-          </p:style>
-        </p:cxnSp>
-        <p:sp>
-          <p:nvSpPr>
-            <p:cNvPr id="116" name="Freeform 115"/>
-            <p:cNvSpPr/>
-            <p:nvPr/>
-          </p:nvSpPr>
-          <p:spPr>
-            <a:xfrm>
-              <a:off x="5447554" y="1809696"/>
-              <a:ext cx="4675103" cy="318284"/>
-            </a:xfrm>
-            <a:custGeom>
-              <a:avLst/>
-              <a:gdLst>
-                <a:gd name="connsiteX0" fmla="*/ 0 w 3048000"/>
-                <a:gd name="connsiteY0" fmla="*/ 203200 h 203200"/>
-                <a:gd name="connsiteX1" fmla="*/ 221673 w 3048000"/>
-                <a:gd name="connsiteY1" fmla="*/ 0 h 203200"/>
-                <a:gd name="connsiteX2" fmla="*/ 3048000 w 3048000"/>
-                <a:gd name="connsiteY2" fmla="*/ 0 h 203200"/>
-              </a:gdLst>
-              <a:ahLst/>
-              <a:cxnLst>
-                <a:cxn ang="0">
-                  <a:pos x="connsiteX0" y="connsiteY0"/>
-                </a:cxn>
-                <a:cxn ang="0">
-                  <a:pos x="connsiteX1" y="connsiteY1"/>
-                </a:cxn>
-                <a:cxn ang="0">
-                  <a:pos x="connsiteX2" y="connsiteY2"/>
-                </a:cxn>
-              </a:cxnLst>
-              <a:rect l="l" t="t" r="r" b="b"/>
-              <a:pathLst>
-                <a:path w="3048000" h="203200">
-                  <a:moveTo>
-                    <a:pt x="0" y="203200"/>
-                  </a:moveTo>
-                  <a:lnTo>
-                    <a:pt x="221673" y="0"/>
-                  </a:lnTo>
-                  <a:lnTo>
-                    <a:pt x="3048000" y="0"/>
-                  </a:lnTo>
-                </a:path>
-              </a:pathLst>
-            </a:custGeom>
-            <a:noFill/>
-            <a:ln w="19050">
-              <a:solidFill>
-                <a:schemeClr val="accent3"/>
-              </a:solidFill>
-              <a:prstDash val="solid"/>
-              <a:headEnd type="none" w="med" len="med"/>
-              <a:tailEnd type="arrow" w="med" len="med"/>
-            </a:ln>
-            <a:effectLst/>
-          </p:spPr>
-          <p:style>
-            <a:lnRef idx="1">
-              <a:schemeClr val="accent2"/>
-            </a:lnRef>
-            <a:fillRef idx="2">
-              <a:schemeClr val="accent2"/>
-            </a:fillRef>
-            <a:effectRef idx="1">
-              <a:schemeClr val="accent2"/>
-            </a:effectRef>
-            <a:fontRef idx="minor">
-              <a:schemeClr val="dk1"/>
-            </a:fontRef>
-          </p:style>
-          <p:txBody>
-            <a:bodyPr rtlCol="0" anchor="ctr"/>
-            <a:lstStyle/>
-            <a:p>
-              <a:pPr algn="ctr"/>
-              <a:endParaRPr lang="en-SG"/>
-            </a:p>
-          </p:txBody>
-        </p:sp>
-        <p:sp>
-          <p:nvSpPr>
-            <p:cNvPr id="144" name="Rectangle 143"/>
-            <p:cNvSpPr/>
-            <p:nvPr/>
-          </p:nvSpPr>
-          <p:spPr>
-            <a:xfrm>
-              <a:off x="7136585" y="3777336"/>
-              <a:ext cx="284227" cy="160062"/>
-            </a:xfrm>
-            <a:prstGeom prst="rect">
-              <a:avLst/>
-            </a:prstGeom>
-            <a:solidFill>
-              <a:schemeClr val="accent3">
-                <a:lumMod val="20000"/>
-                <a:lumOff val="80000"/>
-                <a:alpha val="80000"/>
-              </a:schemeClr>
-            </a:solidFill>
-            <a:ln>
-              <a:noFill/>
-            </a:ln>
-            <a:effectLst>
-              <a:softEdge rad="31750"/>
-            </a:effectLst>
-          </p:spPr>
-          <p:style>
-            <a:lnRef idx="2">
-              <a:schemeClr val="accent1">
-                <a:shade val="50000"/>
-              </a:schemeClr>
-            </a:lnRef>
-            <a:fillRef idx="1">
-              <a:schemeClr val="accent1"/>
-            </a:fillRef>
-            <a:effectRef idx="0">
-              <a:schemeClr val="accent1"/>
-            </a:effectRef>
-            <a:fontRef idx="minor">
-              <a:schemeClr val="lt1"/>
-            </a:fontRef>
-          </p:style>
-          <p:txBody>
-            <a:bodyPr rtlCol="0" anchor="ctr"/>
-            <a:lstStyle/>
-            <a:p>
-              <a:pPr algn="ctr"/>
-              <a:endParaRPr lang="en-SG"/>
-            </a:p>
-          </p:txBody>
-        </p:sp>
         <p:grpSp>
           <p:nvGrpSpPr>
-            <p:cNvPr id="25" name="Group 24">
+            <p:cNvPr id="193" name="Group 192">
               <a:extLst>
                 <a:ext uri="{FF2B5EF4-FFF2-40B4-BE49-F238E27FC236}">
-                  <a16:creationId xmlns:a16="http://schemas.microsoft.com/office/drawing/2014/main" id="{91294252-36A0-4A71-A797-D04E994C39BE}"/>
+                  <a16:creationId xmlns:a16="http://schemas.microsoft.com/office/drawing/2014/main" id="{CC03D5A6-A199-4DCE-B90B-7022C07F45C6}"/>
                 </a:ext>
               </a:extLst>
             </p:cNvPr>
@@ -4658,36 +3565,33 @@
           </p:nvGrpSpPr>
           <p:grpSpPr>
             <a:xfrm>
-              <a:off x="3556742" y="1514914"/>
-              <a:ext cx="6537210" cy="4665289"/>
-              <a:chOff x="2524390" y="2546359"/>
-              <a:chExt cx="5274471" cy="4665289"/>
+              <a:off x="685800" y="111350"/>
+              <a:ext cx="9843439" cy="6746650"/>
+              <a:chOff x="685800" y="152400"/>
+              <a:chExt cx="9843439" cy="6746650"/>
             </a:xfrm>
           </p:grpSpPr>
-          <p:cxnSp>
-            <p:nvCxnSpPr>
-              <p:cNvPr id="140" name="Elbow Connector 63"/>
-              <p:cNvCxnSpPr>
-                <a:cxnSpLocks/>
-                <a:stCxn id="16" idx="3"/>
-                <a:endCxn id="36" idx="3"/>
-              </p:cNvCxnSpPr>
+          <p:sp>
+            <p:nvSpPr>
+              <p:cNvPr id="23" name="Rectangle 65"/>
+              <p:cNvSpPr/>
               <p:nvPr/>
-            </p:nvCxnSpPr>
+            </p:nvSpPr>
             <p:spPr>
-              <a:xfrm rot="5400000">
-                <a:off x="4492149" y="2121474"/>
-                <a:ext cx="1949631" cy="2799401"/>
+              <a:xfrm>
+                <a:off x="1295400" y="231446"/>
+                <a:ext cx="8324114" cy="6667604"/>
               </a:xfrm>
-              <a:prstGeom prst="bentConnector2">
-                <a:avLst/>
+              <a:prstGeom prst="roundRect">
+                <a:avLst>
+                  <a:gd name="adj" fmla="val 3484"/>
+                </a:avLst>
               </a:prstGeom>
-              <a:ln w="6350">
-                <a:solidFill>
-                  <a:schemeClr val="accent3"/>
-                </a:solidFill>
-                <a:headEnd type="none" w="med" len="med"/>
-                <a:tailEnd type="none" w="med" len="med"/>
+              <a:solidFill>
+                <a:srgbClr val="F1F5E9"/>
+              </a:solidFill>
+              <a:ln w="19050">
+                <a:noFill/>
               </a:ln>
               <a:effectLst/>
             </p:spPr>
@@ -4705,17 +3609,40 @@
                 <a:schemeClr val="dk1"/>
               </a:fontRef>
             </p:style>
-          </p:cxnSp>
+            <p:txBody>
+              <a:bodyPr rtlCol="0" anchor="t"/>
+              <a:lstStyle/>
+              <a:p>
+                <a:r>
+                  <a:rPr lang="en-US" sz="1200" b="1" dirty="0">
+                    <a:solidFill>
+                      <a:schemeClr val="accent3">
+                        <a:lumMod val="75000"/>
+                      </a:schemeClr>
+                    </a:solidFill>
+                  </a:rPr>
+                  <a:t>UI</a:t>
+                </a:r>
+                <a:endParaRPr lang="en-SG" sz="1200" b="1" dirty="0">
+                  <a:solidFill>
+                    <a:schemeClr val="accent3">
+                      <a:lumMod val="75000"/>
+                    </a:schemeClr>
+                  </a:solidFill>
+                </a:endParaRPr>
+              </a:p>
+            </p:txBody>
+          </p:sp>
           <p:sp>
             <p:nvSpPr>
-              <p:cNvPr id="3" name="Rectangle 11"/>
+              <p:cNvPr id="2" name="Rectangle 8"/>
               <p:cNvSpPr/>
               <p:nvPr/>
             </p:nvSpPr>
             <p:spPr>
               <a:xfrm>
-                <a:off x="2828044" y="3062178"/>
-                <a:ext cx="1239222" cy="298253"/>
+                <a:off x="2972801" y="1265578"/>
+                <a:ext cx="1355458" cy="346760"/>
               </a:xfrm>
               <a:prstGeom prst="rect">
                 <a:avLst/>
@@ -4754,7 +3681,7 @@
                       </a:schemeClr>
                     </a:solidFill>
                   </a:rPr>
-                  <a:t>CommandBox</a:t>
+                  <a:t>MainWindow</a:t>
                 </a:r>
                 <a:endParaRPr lang="en-SG" sz="1050" b="1" dirty="0">
                   <a:solidFill>
@@ -4768,14 +3695,221 @@
           </p:sp>
           <p:sp>
             <p:nvSpPr>
-              <p:cNvPr id="34" name="Rectangle 11"/>
+              <p:cNvPr id="9" name="Rectangle 62"/>
               <p:cNvSpPr/>
               <p:nvPr/>
             </p:nvSpPr>
             <p:spPr>
               <a:xfrm>
-                <a:off x="2828044" y="3915426"/>
-                <a:ext cx="1239222" cy="298253"/>
+                <a:off x="3125351" y="667428"/>
+                <a:ext cx="1355458" cy="346760"/>
+              </a:xfrm>
+              <a:prstGeom prst="rect">
+                <a:avLst/>
+              </a:prstGeom>
+              <a:solidFill>
+                <a:srgbClr val="00B050"/>
+              </a:solidFill>
+              <a:ln w="19050">
+                <a:solidFill>
+                  <a:srgbClr val="00B050"/>
+                </a:solidFill>
+              </a:ln>
+              <a:effectLst/>
+            </p:spPr>
+            <p:style>
+              <a:lnRef idx="1">
+                <a:schemeClr val="accent2"/>
+              </a:lnRef>
+              <a:fillRef idx="2">
+                <a:schemeClr val="accent2"/>
+              </a:fillRef>
+              <a:effectRef idx="1">
+                <a:schemeClr val="accent2"/>
+              </a:effectRef>
+              <a:fontRef idx="minor">
+                <a:schemeClr val="dk1"/>
+              </a:fontRef>
+            </p:style>
+            <p:txBody>
+              <a:bodyPr rtlCol="0" anchor="ctr"/>
+              <a:lstStyle/>
+              <a:p>
+                <a:pPr algn="ctr"/>
+                <a:r>
+                  <a:rPr lang="en-US" sz="1050" dirty="0" err="1">
+                    <a:solidFill>
+                      <a:schemeClr val="bg1"/>
+                    </a:solidFill>
+                  </a:rPr>
+                  <a:t>UiManager</a:t>
+                </a:r>
+                <a:endParaRPr lang="en-SG" sz="1050" dirty="0">
+                  <a:solidFill>
+                    <a:schemeClr val="bg1"/>
+                  </a:solidFill>
+                </a:endParaRPr>
+              </a:p>
+            </p:txBody>
+          </p:sp>
+          <p:cxnSp>
+            <p:nvCxnSpPr>
+              <p:cNvPr id="10" name="Elbow Connector 63"/>
+              <p:cNvCxnSpPr>
+                <a:stCxn id="9" idx="2"/>
+                <a:endCxn id="2" idx="0"/>
+              </p:cNvCxnSpPr>
+              <p:nvPr/>
+            </p:nvCxnSpPr>
+            <p:spPr>
+              <a:xfrm rot="5400000">
+                <a:off x="3601110" y="1063608"/>
+                <a:ext cx="251390" cy="152550"/>
+              </a:xfrm>
+              <a:prstGeom prst="bentConnector3">
+                <a:avLst>
+                  <a:gd name="adj1" fmla="val 50000"/>
+                </a:avLst>
+              </a:prstGeom>
+              <a:ln w="19050">
+                <a:solidFill>
+                  <a:srgbClr val="00B050"/>
+                </a:solidFill>
+                <a:headEnd type="none" w="med" len="med"/>
+                <a:tailEnd type="arrow" w="med" len="med"/>
+              </a:ln>
+              <a:effectLst/>
+            </p:spPr>
+            <p:style>
+              <a:lnRef idx="1">
+                <a:schemeClr val="accent2"/>
+              </a:lnRef>
+              <a:fillRef idx="2">
+                <a:schemeClr val="accent2"/>
+              </a:fillRef>
+              <a:effectRef idx="1">
+                <a:schemeClr val="accent2"/>
+              </a:effectRef>
+              <a:fontRef idx="minor">
+                <a:schemeClr val="dk1"/>
+              </a:fontRef>
+            </p:style>
+          </p:cxnSp>
+          <p:cxnSp>
+            <p:nvCxnSpPr>
+              <p:cNvPr id="19" name="Elbow Connector 122"/>
+              <p:cNvCxnSpPr>
+                <a:cxnSpLocks/>
+              </p:cNvCxnSpPr>
+              <p:nvPr/>
+            </p:nvCxnSpPr>
+            <p:spPr>
+              <a:xfrm flipV="1">
+                <a:off x="685800" y="2293836"/>
+                <a:ext cx="1324388" cy="35150"/>
+              </a:xfrm>
+              <a:prstGeom prst="bentConnector3">
+                <a:avLst>
+                  <a:gd name="adj1" fmla="val 50000"/>
+                </a:avLst>
+              </a:prstGeom>
+              <a:ln w="19050">
+                <a:solidFill>
+                  <a:schemeClr val="bg1">
+                    <a:lumMod val="75000"/>
+                  </a:schemeClr>
+                </a:solidFill>
+                <a:prstDash val="sysDot"/>
+                <a:headEnd type="none" w="med" len="med"/>
+                <a:tailEnd type="arrow" w="med" len="med"/>
+              </a:ln>
+              <a:effectLst/>
+            </p:spPr>
+            <p:style>
+              <a:lnRef idx="1">
+                <a:schemeClr val="accent2"/>
+              </a:lnRef>
+              <a:fillRef idx="2">
+                <a:schemeClr val="accent2"/>
+              </a:fillRef>
+              <a:effectRef idx="1">
+                <a:schemeClr val="accent2"/>
+              </a:effectRef>
+              <a:fontRef idx="minor">
+                <a:schemeClr val="dk1"/>
+              </a:fontRef>
+            </p:style>
+          </p:cxnSp>
+          <p:sp>
+            <p:nvSpPr>
+              <p:cNvPr id="22" name="Rectangle 65"/>
+              <p:cNvSpPr/>
+              <p:nvPr/>
+            </p:nvSpPr>
+            <p:spPr>
+              <a:xfrm rot="16200000">
+                <a:off x="9144848" y="1130210"/>
+                <a:ext cx="2362201" cy="406581"/>
+              </a:xfrm>
+              <a:prstGeom prst="roundRect">
+                <a:avLst/>
+              </a:prstGeom>
+              <a:solidFill>
+                <a:schemeClr val="accent1">
+                  <a:lumMod val="20000"/>
+                  <a:lumOff val="80000"/>
+                </a:schemeClr>
+              </a:solidFill>
+              <a:ln w="19050">
+                <a:noFill/>
+              </a:ln>
+              <a:effectLst/>
+            </p:spPr>
+            <p:style>
+              <a:lnRef idx="1">
+                <a:schemeClr val="accent2"/>
+              </a:lnRef>
+              <a:fillRef idx="2">
+                <a:schemeClr val="accent2"/>
+              </a:fillRef>
+              <a:effectRef idx="1">
+                <a:schemeClr val="accent2"/>
+              </a:effectRef>
+              <a:fontRef idx="minor">
+                <a:schemeClr val="dk1"/>
+              </a:fontRef>
+            </p:style>
+            <p:txBody>
+              <a:bodyPr rtlCol="0" anchor="ctr"/>
+              <a:lstStyle/>
+              <a:p>
+                <a:pPr algn="ctr"/>
+                <a:r>
+                  <a:rPr lang="en-US" sz="1100" b="1" dirty="0">
+                    <a:solidFill>
+                      <a:schemeClr val="bg1"/>
+                    </a:solidFill>
+                  </a:rPr>
+                  <a:t>Logic</a:t>
+                </a:r>
+                <a:endParaRPr lang="en-SG" sz="1100" b="1" dirty="0">
+                  <a:solidFill>
+                    <a:schemeClr val="bg1"/>
+                  </a:solidFill>
+                </a:endParaRPr>
+              </a:p>
+            </p:txBody>
+          </p:sp>
+          <p:sp>
+            <p:nvSpPr>
+              <p:cNvPr id="38" name="Rectangle 11"/>
+              <p:cNvSpPr/>
+              <p:nvPr/>
+            </p:nvSpPr>
+            <p:spPr>
+              <a:xfrm>
+                <a:off x="3935142" y="6600889"/>
+                <a:ext cx="1355458" cy="236841"/>
               </a:xfrm>
               <a:prstGeom prst="rect">
                 <a:avLst/>
@@ -4814,7 +3948,7 @@
                       </a:schemeClr>
                     </a:solidFill>
                   </a:rPr>
-                  <a:t>BrowserPanel</a:t>
+                  <a:t>HelpWindow</a:t>
                 </a:r>
                 <a:endParaRPr lang="en-SG" sz="1050" b="1" dirty="0">
                   <a:solidFill>
@@ -4826,16 +3960,1740 @@
               </a:p>
             </p:txBody>
           </p:sp>
+          <p:cxnSp>
+            <p:nvCxnSpPr>
+              <p:cNvPr id="88" name="Elbow Connector 63"/>
+              <p:cNvCxnSpPr>
+                <a:cxnSpLocks/>
+                <a:stCxn id="2" idx="3"/>
+                <a:endCxn id="16" idx="3"/>
+              </p:cNvCxnSpPr>
+              <p:nvPr/>
+            </p:nvCxnSpPr>
+            <p:spPr>
+              <a:xfrm>
+                <a:off x="4328259" y="1438958"/>
+                <a:ext cx="4610324" cy="75956"/>
+              </a:xfrm>
+              <a:prstGeom prst="bentConnector4">
+                <a:avLst>
+                  <a:gd name="adj1" fmla="val 47940"/>
+                  <a:gd name="adj2" fmla="val 400964"/>
+                </a:avLst>
+              </a:prstGeom>
+              <a:ln w="6350">
+                <a:solidFill>
+                  <a:schemeClr val="accent3"/>
+                </a:solidFill>
+                <a:headEnd type="none" w="med" len="med"/>
+                <a:tailEnd type="none" w="med" len="med"/>
+              </a:ln>
+              <a:effectLst/>
+            </p:spPr>
+            <p:style>
+              <a:lnRef idx="1">
+                <a:schemeClr val="accent2"/>
+              </a:lnRef>
+              <a:fillRef idx="2">
+                <a:schemeClr val="accent2"/>
+              </a:fillRef>
+              <a:effectRef idx="1">
+                <a:schemeClr val="accent2"/>
+              </a:effectRef>
+              <a:fontRef idx="minor">
+                <a:schemeClr val="dk1"/>
+              </a:fontRef>
+            </p:style>
+          </p:cxnSp>
+          <p:cxnSp>
+            <p:nvCxnSpPr>
+              <p:cNvPr id="107" name="Elbow Connector 106"/>
+              <p:cNvCxnSpPr>
+                <a:cxnSpLocks/>
+                <a:stCxn id="9" idx="0"/>
+              </p:cNvCxnSpPr>
+              <p:nvPr/>
+            </p:nvCxnSpPr>
+            <p:spPr>
+              <a:xfrm rot="5400000" flipH="1" flipV="1">
+                <a:off x="6898110" y="-2557120"/>
+                <a:ext cx="129519" cy="6319578"/>
+              </a:xfrm>
+              <a:prstGeom prst="bentConnector2">
+                <a:avLst/>
+              </a:prstGeom>
+              <a:ln w="19050">
+                <a:solidFill>
+                  <a:srgbClr val="00B050"/>
+                </a:solidFill>
+                <a:prstDash val="solid"/>
+                <a:headEnd type="none" w="med" len="med"/>
+                <a:tailEnd type="arrow" w="med" len="med"/>
+              </a:ln>
+              <a:effectLst/>
+            </p:spPr>
+            <p:style>
+              <a:lnRef idx="1">
+                <a:schemeClr val="accent2"/>
+              </a:lnRef>
+              <a:fillRef idx="2">
+                <a:schemeClr val="accent2"/>
+              </a:fillRef>
+              <a:effectRef idx="1">
+                <a:schemeClr val="accent2"/>
+              </a:effectRef>
+              <a:fontRef idx="minor">
+                <a:schemeClr val="dk1"/>
+              </a:fontRef>
+            </p:style>
+          </p:cxnSp>
           <p:sp>
             <p:nvSpPr>
-              <p:cNvPr id="35" name="Rectangle 11"/>
+              <p:cNvPr id="117" name="Rectangle 65"/>
+              <p:cNvSpPr/>
+              <p:nvPr/>
+            </p:nvSpPr>
+            <p:spPr>
+              <a:xfrm rot="16200000">
+                <a:off x="9611443" y="4094907"/>
+                <a:ext cx="1371599" cy="406581"/>
+              </a:xfrm>
+              <a:prstGeom prst="roundRect">
+                <a:avLst/>
+              </a:prstGeom>
+              <a:solidFill>
+                <a:schemeClr val="accent4">
+                  <a:lumMod val="20000"/>
+                  <a:lumOff val="80000"/>
+                </a:schemeClr>
+              </a:solidFill>
+              <a:ln w="19050">
+                <a:noFill/>
+              </a:ln>
+              <a:effectLst/>
+            </p:spPr>
+            <p:style>
+              <a:lnRef idx="1">
+                <a:schemeClr val="accent2"/>
+              </a:lnRef>
+              <a:fillRef idx="2">
+                <a:schemeClr val="accent2"/>
+              </a:fillRef>
+              <a:effectRef idx="1">
+                <a:schemeClr val="accent2"/>
+              </a:effectRef>
+              <a:fontRef idx="minor">
+                <a:schemeClr val="dk1"/>
+              </a:fontRef>
+            </p:style>
+            <p:txBody>
+              <a:bodyPr rtlCol="0" anchor="ctr"/>
+              <a:lstStyle/>
+              <a:p>
+                <a:pPr algn="ctr"/>
+                <a:r>
+                  <a:rPr lang="en-US" sz="1100" b="1" dirty="0">
+                    <a:solidFill>
+                      <a:schemeClr val="bg1"/>
+                    </a:solidFill>
+                  </a:rPr>
+                  <a:t>Model</a:t>
+                </a:r>
+                <a:endParaRPr lang="en-SG" sz="1100" b="1" dirty="0">
+                  <a:solidFill>
+                    <a:schemeClr val="bg1"/>
+                  </a:solidFill>
+                </a:endParaRPr>
+              </a:p>
+            </p:txBody>
+          </p:sp>
+          <p:sp>
+            <p:nvSpPr>
+              <p:cNvPr id="119" name="Rectangle 62"/>
+              <p:cNvSpPr/>
+              <p:nvPr/>
+            </p:nvSpPr>
+            <p:spPr>
+              <a:xfrm rot="16200000">
+                <a:off x="1647256" y="2035451"/>
+                <a:ext cx="1147084" cy="523209"/>
+              </a:xfrm>
+              <a:prstGeom prst="rect">
+                <a:avLst/>
+              </a:prstGeom>
+              <a:solidFill>
+                <a:srgbClr val="00B050"/>
+              </a:solidFill>
+              <a:ln w="19050">
+                <a:solidFill>
+                  <a:srgbClr val="00B050"/>
+                </a:solidFill>
+              </a:ln>
+              <a:effectLst/>
+            </p:spPr>
+            <p:style>
+              <a:lnRef idx="1">
+                <a:schemeClr val="accent2"/>
+              </a:lnRef>
+              <a:fillRef idx="2">
+                <a:schemeClr val="accent2"/>
+              </a:fillRef>
+              <a:effectRef idx="1">
+                <a:schemeClr val="accent2"/>
+              </a:effectRef>
+              <a:fontRef idx="minor">
+                <a:schemeClr val="dk1"/>
+              </a:fontRef>
+            </p:style>
+            <p:txBody>
+              <a:bodyPr rtlCol="0" anchor="ctr"/>
+              <a:lstStyle/>
+              <a:p>
+                <a:pPr algn="ctr"/>
+                <a:r>
+                  <a:rPr lang="en-US" sz="1050" dirty="0">
+                    <a:solidFill>
+                      <a:schemeClr val="bg1"/>
+                    </a:solidFill>
+                  </a:rPr>
+                  <a:t>&lt;&lt;interface&gt;&gt;</a:t>
+                </a:r>
+              </a:p>
+              <a:p>
+                <a:pPr algn="ctr"/>
+                <a:r>
+                  <a:rPr lang="en-US" sz="1050" dirty="0" err="1">
+                    <a:solidFill>
+                      <a:schemeClr val="bg1"/>
+                    </a:solidFill>
+                  </a:rPr>
+                  <a:t>Ui</a:t>
+                </a:r>
+                <a:endParaRPr lang="en-SG" sz="1050" dirty="0">
+                  <a:solidFill>
+                    <a:schemeClr val="bg1"/>
+                  </a:solidFill>
+                </a:endParaRPr>
+              </a:p>
+            </p:txBody>
+          </p:sp>
+          <p:sp>
+            <p:nvSpPr>
+              <p:cNvPr id="120" name="Isosceles Triangle 102"/>
+              <p:cNvSpPr/>
+              <p:nvPr/>
+            </p:nvSpPr>
+            <p:spPr>
+              <a:xfrm flipV="1">
+                <a:off x="2055839" y="1547991"/>
+                <a:ext cx="335264" cy="175523"/>
+              </a:xfrm>
+              <a:prstGeom prst="triangle">
+                <a:avLst/>
+              </a:prstGeom>
+              <a:ln w="19050">
+                <a:solidFill>
+                  <a:srgbClr val="00B050"/>
+                </a:solidFill>
+              </a:ln>
+              <a:effectLst/>
+            </p:spPr>
+            <p:style>
+              <a:lnRef idx="1">
+                <a:schemeClr val="accent3"/>
+              </a:lnRef>
+              <a:fillRef idx="2">
+                <a:schemeClr val="accent3"/>
+              </a:fillRef>
+              <a:effectRef idx="1">
+                <a:schemeClr val="accent3"/>
+              </a:effectRef>
+              <a:fontRef idx="minor">
+                <a:schemeClr val="dk1"/>
+              </a:fontRef>
+            </p:style>
+            <p:txBody>
+              <a:bodyPr rtlCol="0" anchor="ctr"/>
+              <a:lstStyle/>
+              <a:p>
+                <a:pPr algn="ctr"/>
+                <a:endParaRPr lang="en-SG" sz="1050" b="1" dirty="0">
+                  <a:solidFill>
+                    <a:srgbClr val="92D050"/>
+                  </a:solidFill>
+                </a:endParaRPr>
+              </a:p>
+            </p:txBody>
+          </p:sp>
+          <p:cxnSp>
+            <p:nvCxnSpPr>
+              <p:cNvPr id="121" name="Elbow Connector 63"/>
+              <p:cNvCxnSpPr>
+                <a:cxnSpLocks/>
+              </p:cNvCxnSpPr>
+              <p:nvPr/>
+            </p:nvCxnSpPr>
+            <p:spPr>
+              <a:xfrm rot="10800000" flipV="1">
+                <a:off x="2215850" y="813600"/>
+                <a:ext cx="857839" cy="734391"/>
+              </a:xfrm>
+              <a:prstGeom prst="bentConnector2">
+                <a:avLst/>
+              </a:prstGeom>
+              <a:ln w="19050">
+                <a:solidFill>
+                  <a:srgbClr val="00B050"/>
+                </a:solidFill>
+                <a:prstDash val="sysDot"/>
+                <a:headEnd type="none" w="med" len="med"/>
+                <a:tailEnd type="none" w="med" len="med"/>
+              </a:ln>
+              <a:effectLst/>
+            </p:spPr>
+            <p:style>
+              <a:lnRef idx="1">
+                <a:schemeClr val="accent2"/>
+              </a:lnRef>
+              <a:fillRef idx="2">
+                <a:schemeClr val="accent2"/>
+              </a:fillRef>
+              <a:effectRef idx="1">
+                <a:schemeClr val="accent2"/>
+              </a:effectRef>
+              <a:fontRef idx="minor">
+                <a:schemeClr val="dk1"/>
+              </a:fontRef>
+            </p:style>
+          </p:cxnSp>
+          <p:sp>
+            <p:nvSpPr>
+              <p:cNvPr id="143" name="Rectangle 142"/>
               <p:cNvSpPr/>
               <p:nvPr/>
             </p:nvSpPr>
             <p:spPr>
               <a:xfrm>
-                <a:off x="2783223" y="6913395"/>
-                <a:ext cx="1239222" cy="298253"/>
+                <a:off x="7141943" y="2032398"/>
+                <a:ext cx="284227" cy="166560"/>
+              </a:xfrm>
+              <a:prstGeom prst="rect">
+                <a:avLst/>
+              </a:prstGeom>
+              <a:solidFill>
+                <a:schemeClr val="accent3">
+                  <a:lumMod val="20000"/>
+                  <a:lumOff val="80000"/>
+                  <a:alpha val="80000"/>
+                </a:schemeClr>
+              </a:solidFill>
+              <a:ln>
+                <a:noFill/>
+              </a:ln>
+              <a:effectLst>
+                <a:softEdge rad="31750"/>
+              </a:effectLst>
+            </p:spPr>
+            <p:style>
+              <a:lnRef idx="2">
+                <a:schemeClr val="accent1">
+                  <a:shade val="50000"/>
+                </a:schemeClr>
+              </a:lnRef>
+              <a:fillRef idx="1">
+                <a:schemeClr val="accent1"/>
+              </a:fillRef>
+              <a:effectRef idx="0">
+                <a:schemeClr val="accent1"/>
+              </a:effectRef>
+              <a:fontRef idx="minor">
+                <a:schemeClr val="lt1"/>
+              </a:fontRef>
+            </p:style>
+            <p:txBody>
+              <a:bodyPr rtlCol="0" anchor="ctr"/>
+              <a:lstStyle/>
+              <a:p>
+                <a:pPr algn="ctr"/>
+                <a:endParaRPr lang="en-SG"/>
+              </a:p>
+            </p:txBody>
+          </p:sp>
+          <p:sp>
+            <p:nvSpPr>
+              <p:cNvPr id="16" name="Isosceles Triangle 102"/>
+              <p:cNvSpPr/>
+              <p:nvPr/>
+            </p:nvSpPr>
+            <p:spPr>
+              <a:xfrm rot="10800000" flipV="1">
+                <a:off x="8748636" y="1293878"/>
+                <a:ext cx="379895" cy="221036"/>
+              </a:xfrm>
+              <a:prstGeom prst="triangle">
+                <a:avLst/>
+              </a:prstGeom>
+              <a:ln w="6350">
+                <a:solidFill>
+                  <a:schemeClr val="accent3"/>
+                </a:solidFill>
+              </a:ln>
+              <a:effectLst/>
+            </p:spPr>
+            <p:style>
+              <a:lnRef idx="1">
+                <a:schemeClr val="accent3"/>
+              </a:lnRef>
+              <a:fillRef idx="2">
+                <a:schemeClr val="accent3"/>
+              </a:fillRef>
+              <a:effectRef idx="1">
+                <a:schemeClr val="accent3"/>
+              </a:effectRef>
+              <a:fontRef idx="minor">
+                <a:schemeClr val="dk1"/>
+              </a:fontRef>
+            </p:style>
+            <p:txBody>
+              <a:bodyPr rtlCol="0" anchor="ctr"/>
+              <a:lstStyle/>
+              <a:p>
+                <a:pPr algn="ctr"/>
+                <a:endParaRPr lang="en-SG" sz="1050" b="1">
+                  <a:solidFill>
+                    <a:srgbClr val="92D050"/>
+                  </a:solidFill>
+                </a:endParaRPr>
+              </a:p>
+            </p:txBody>
+          </p:sp>
+          <p:cxnSp>
+            <p:nvCxnSpPr>
+              <p:cNvPr id="53" name="Elbow Connector 63"/>
+              <p:cNvCxnSpPr>
+                <a:cxnSpLocks/>
+                <a:endCxn id="38" idx="1"/>
+              </p:cNvCxnSpPr>
+              <p:nvPr/>
+            </p:nvCxnSpPr>
+            <p:spPr>
+              <a:xfrm rot="16200000" flipH="1">
+                <a:off x="1258902" y="4043069"/>
+                <a:ext cx="4779979" cy="572501"/>
+              </a:xfrm>
+              <a:prstGeom prst="bentConnector2">
+                <a:avLst/>
+              </a:prstGeom>
+              <a:ln w="19050">
+                <a:solidFill>
+                  <a:schemeClr val="accent3"/>
+                </a:solidFill>
+                <a:headEnd type="none" w="med" len="med"/>
+                <a:tailEnd type="arrow" w="med" len="med"/>
+              </a:ln>
+              <a:effectLst/>
+            </p:spPr>
+            <p:style>
+              <a:lnRef idx="1">
+                <a:schemeClr val="accent2"/>
+              </a:lnRef>
+              <a:fillRef idx="2">
+                <a:schemeClr val="accent2"/>
+              </a:fillRef>
+              <a:effectRef idx="1">
+                <a:schemeClr val="accent2"/>
+              </a:effectRef>
+              <a:fontRef idx="minor">
+                <a:schemeClr val="dk1"/>
+              </a:fontRef>
+            </p:style>
+          </p:cxnSp>
+          <p:sp>
+            <p:nvSpPr>
+              <p:cNvPr id="73" name="Rectangle 62"/>
+              <p:cNvSpPr/>
+              <p:nvPr/>
+            </p:nvSpPr>
+            <p:spPr>
+              <a:xfrm>
+                <a:off x="8396455" y="857203"/>
+                <a:ext cx="1084256" cy="436674"/>
+              </a:xfrm>
+              <a:prstGeom prst="rect">
+                <a:avLst/>
+              </a:prstGeom>
+              <a:ln w="6350">
+                <a:solidFill>
+                  <a:schemeClr val="accent3"/>
+                </a:solidFill>
+              </a:ln>
+              <a:effectLst/>
+            </p:spPr>
+            <p:style>
+              <a:lnRef idx="1">
+                <a:schemeClr val="accent3"/>
+              </a:lnRef>
+              <a:fillRef idx="2">
+                <a:schemeClr val="accent3"/>
+              </a:fillRef>
+              <a:effectRef idx="1">
+                <a:schemeClr val="accent3"/>
+              </a:effectRef>
+              <a:fontRef idx="minor">
+                <a:schemeClr val="dk1"/>
+              </a:fontRef>
+            </p:style>
+            <p:txBody>
+              <a:bodyPr rtlCol="0" anchor="ctr"/>
+              <a:lstStyle/>
+              <a:p>
+                <a:pPr algn="ctr"/>
+                <a:r>
+                  <a:rPr lang="en-US" sz="1050" b="1" dirty="0">
+                    <a:solidFill>
+                      <a:schemeClr val="accent3">
+                        <a:lumMod val="75000"/>
+                      </a:schemeClr>
+                    </a:solidFill>
+                  </a:rPr>
+                  <a:t>{abstract}</a:t>
+                </a:r>
+                <a:br>
+                  <a:rPr lang="en-US" sz="1050" b="1" dirty="0">
+                    <a:solidFill>
+                      <a:schemeClr val="accent3">
+                        <a:lumMod val="75000"/>
+                      </a:schemeClr>
+                    </a:solidFill>
+                  </a:rPr>
+                </a:br>
+                <a:r>
+                  <a:rPr lang="en-US" sz="1050" b="1" dirty="0" err="1">
+                    <a:solidFill>
+                      <a:schemeClr val="accent3">
+                        <a:lumMod val="75000"/>
+                      </a:schemeClr>
+                    </a:solidFill>
+                  </a:rPr>
+                  <a:t>UiPart</a:t>
+                </a:r>
+                <a:endParaRPr lang="en-SG" sz="1050" b="1" dirty="0">
+                  <a:solidFill>
+                    <a:schemeClr val="accent3">
+                      <a:lumMod val="75000"/>
+                    </a:schemeClr>
+                  </a:solidFill>
+                </a:endParaRPr>
+              </a:p>
+            </p:txBody>
+          </p:sp>
+          <p:cxnSp>
+            <p:nvCxnSpPr>
+              <p:cNvPr id="94" name="Elbow Connector 63"/>
+              <p:cNvCxnSpPr>
+                <a:cxnSpLocks/>
+                <a:stCxn id="16" idx="3"/>
+                <a:endCxn id="38" idx="3"/>
+              </p:cNvCxnSpPr>
+              <p:nvPr/>
+            </p:nvCxnSpPr>
+            <p:spPr>
+              <a:xfrm rot="5400000">
+                <a:off x="4512394" y="2293121"/>
+                <a:ext cx="5204396" cy="3647983"/>
+              </a:xfrm>
+              <a:prstGeom prst="bentConnector2">
+                <a:avLst/>
+              </a:prstGeom>
+              <a:ln w="6350">
+                <a:solidFill>
+                  <a:schemeClr val="accent3"/>
+                </a:solidFill>
+                <a:headEnd type="none" w="med" len="med"/>
+                <a:tailEnd type="none" w="med" len="med"/>
+              </a:ln>
+              <a:effectLst/>
+            </p:spPr>
+            <p:style>
+              <a:lnRef idx="1">
+                <a:schemeClr val="accent2"/>
+              </a:lnRef>
+              <a:fillRef idx="2">
+                <a:schemeClr val="accent2"/>
+              </a:fillRef>
+              <a:effectRef idx="1">
+                <a:schemeClr val="accent2"/>
+              </a:effectRef>
+              <a:fontRef idx="minor">
+                <a:schemeClr val="dk1"/>
+              </a:fontRef>
+            </p:style>
+          </p:cxnSp>
+          <p:sp>
+            <p:nvSpPr>
+              <p:cNvPr id="116" name="Freeform 115"/>
+              <p:cNvSpPr/>
+              <p:nvPr/>
+            </p:nvSpPr>
+            <p:spPr>
+              <a:xfrm>
+                <a:off x="5447554" y="1809696"/>
+                <a:ext cx="4675103" cy="318284"/>
+              </a:xfrm>
+              <a:custGeom>
+                <a:avLst/>
+                <a:gdLst>
+                  <a:gd name="connsiteX0" fmla="*/ 0 w 3048000"/>
+                  <a:gd name="connsiteY0" fmla="*/ 203200 h 203200"/>
+                  <a:gd name="connsiteX1" fmla="*/ 221673 w 3048000"/>
+                  <a:gd name="connsiteY1" fmla="*/ 0 h 203200"/>
+                  <a:gd name="connsiteX2" fmla="*/ 3048000 w 3048000"/>
+                  <a:gd name="connsiteY2" fmla="*/ 0 h 203200"/>
+                </a:gdLst>
+                <a:ahLst/>
+                <a:cxnLst>
+                  <a:cxn ang="0">
+                    <a:pos x="connsiteX0" y="connsiteY0"/>
+                  </a:cxn>
+                  <a:cxn ang="0">
+                    <a:pos x="connsiteX1" y="connsiteY1"/>
+                  </a:cxn>
+                  <a:cxn ang="0">
+                    <a:pos x="connsiteX2" y="connsiteY2"/>
+                  </a:cxn>
+                </a:cxnLst>
+                <a:rect l="l" t="t" r="r" b="b"/>
+                <a:pathLst>
+                  <a:path w="3048000" h="203200">
+                    <a:moveTo>
+                      <a:pt x="0" y="203200"/>
+                    </a:moveTo>
+                    <a:lnTo>
+                      <a:pt x="221673" y="0"/>
+                    </a:lnTo>
+                    <a:lnTo>
+                      <a:pt x="3048000" y="0"/>
+                    </a:lnTo>
+                  </a:path>
+                </a:pathLst>
+              </a:custGeom>
+              <a:noFill/>
+              <a:ln w="19050">
+                <a:solidFill>
+                  <a:schemeClr val="accent3"/>
+                </a:solidFill>
+                <a:prstDash val="solid"/>
+                <a:headEnd type="none" w="med" len="med"/>
+                <a:tailEnd type="arrow" w="med" len="med"/>
+              </a:ln>
+              <a:effectLst/>
+            </p:spPr>
+            <p:style>
+              <a:lnRef idx="1">
+                <a:schemeClr val="accent2"/>
+              </a:lnRef>
+              <a:fillRef idx="2">
+                <a:schemeClr val="accent2"/>
+              </a:fillRef>
+              <a:effectRef idx="1">
+                <a:schemeClr val="accent2"/>
+              </a:effectRef>
+              <a:fontRef idx="minor">
+                <a:schemeClr val="dk1"/>
+              </a:fontRef>
+            </p:style>
+            <p:txBody>
+              <a:bodyPr rtlCol="0" anchor="ctr"/>
+              <a:lstStyle/>
+              <a:p>
+                <a:pPr algn="ctr"/>
+                <a:endParaRPr lang="en-SG"/>
+              </a:p>
+            </p:txBody>
+          </p:sp>
+          <p:sp>
+            <p:nvSpPr>
+              <p:cNvPr id="144" name="Rectangle 143"/>
+              <p:cNvSpPr/>
+              <p:nvPr/>
+            </p:nvSpPr>
+            <p:spPr>
+              <a:xfrm>
+                <a:off x="7136585" y="3777336"/>
+                <a:ext cx="284227" cy="160062"/>
+              </a:xfrm>
+              <a:prstGeom prst="rect">
+                <a:avLst/>
+              </a:prstGeom>
+              <a:solidFill>
+                <a:schemeClr val="accent3">
+                  <a:lumMod val="20000"/>
+                  <a:lumOff val="80000"/>
+                  <a:alpha val="80000"/>
+                </a:schemeClr>
+              </a:solidFill>
+              <a:ln>
+                <a:noFill/>
+              </a:ln>
+              <a:effectLst>
+                <a:softEdge rad="31750"/>
+              </a:effectLst>
+            </p:spPr>
+            <p:style>
+              <a:lnRef idx="2">
+                <a:schemeClr val="accent1">
+                  <a:shade val="50000"/>
+                </a:schemeClr>
+              </a:lnRef>
+              <a:fillRef idx="1">
+                <a:schemeClr val="accent1"/>
+              </a:fillRef>
+              <a:effectRef idx="0">
+                <a:schemeClr val="accent1"/>
+              </a:effectRef>
+              <a:fontRef idx="minor">
+                <a:schemeClr val="lt1"/>
+              </a:fontRef>
+            </p:style>
+            <p:txBody>
+              <a:bodyPr rtlCol="0" anchor="ctr"/>
+              <a:lstStyle/>
+              <a:p>
+                <a:pPr algn="ctr"/>
+                <a:endParaRPr lang="en-SG"/>
+              </a:p>
+            </p:txBody>
+          </p:sp>
+          <p:grpSp>
+            <p:nvGrpSpPr>
+              <p:cNvPr id="25" name="Group 24">
+                <a:extLst>
+                  <a:ext uri="{FF2B5EF4-FFF2-40B4-BE49-F238E27FC236}">
+                    <a16:creationId xmlns:a16="http://schemas.microsoft.com/office/drawing/2014/main" id="{91294252-36A0-4A71-A797-D04E994C39BE}"/>
+                  </a:ext>
+                </a:extLst>
+              </p:cNvPr>
+              <p:cNvGrpSpPr/>
+              <p:nvPr/>
+            </p:nvGrpSpPr>
+            <p:grpSpPr>
+              <a:xfrm>
+                <a:off x="3556742" y="1514914"/>
+                <a:ext cx="6537210" cy="4665289"/>
+                <a:chOff x="2524390" y="2546359"/>
+                <a:chExt cx="5274471" cy="4665289"/>
+              </a:xfrm>
+            </p:grpSpPr>
+            <p:cxnSp>
+              <p:nvCxnSpPr>
+                <p:cNvPr id="140" name="Elbow Connector 63"/>
+                <p:cNvCxnSpPr>
+                  <a:cxnSpLocks/>
+                  <a:stCxn id="16" idx="3"/>
+                  <a:endCxn id="36" idx="3"/>
+                </p:cNvCxnSpPr>
+                <p:nvPr/>
+              </p:nvCxnSpPr>
+              <p:spPr>
+                <a:xfrm rot="5400000">
+                  <a:off x="4492149" y="2121474"/>
+                  <a:ext cx="1949631" cy="2799401"/>
+                </a:xfrm>
+                <a:prstGeom prst="bentConnector2">
+                  <a:avLst/>
+                </a:prstGeom>
+                <a:ln w="6350">
+                  <a:solidFill>
+                    <a:schemeClr val="accent3"/>
+                  </a:solidFill>
+                  <a:headEnd type="none" w="med" len="med"/>
+                  <a:tailEnd type="none" w="med" len="med"/>
+                </a:ln>
+                <a:effectLst/>
+              </p:spPr>
+              <p:style>
+                <a:lnRef idx="1">
+                  <a:schemeClr val="accent2"/>
+                </a:lnRef>
+                <a:fillRef idx="2">
+                  <a:schemeClr val="accent2"/>
+                </a:fillRef>
+                <a:effectRef idx="1">
+                  <a:schemeClr val="accent2"/>
+                </a:effectRef>
+                <a:fontRef idx="minor">
+                  <a:schemeClr val="dk1"/>
+                </a:fontRef>
+              </p:style>
+            </p:cxnSp>
+            <p:sp>
+              <p:nvSpPr>
+                <p:cNvPr id="3" name="Rectangle 11"/>
+                <p:cNvSpPr/>
+                <p:nvPr/>
+              </p:nvSpPr>
+              <p:spPr>
+                <a:xfrm>
+                  <a:off x="2828044" y="3062178"/>
+                  <a:ext cx="1239222" cy="298253"/>
+                </a:xfrm>
+                <a:prstGeom prst="rect">
+                  <a:avLst/>
+                </a:prstGeom>
+                <a:ln w="19050">
+                  <a:solidFill>
+                    <a:schemeClr val="accent3"/>
+                  </a:solidFill>
+                </a:ln>
+                <a:effectLst/>
+              </p:spPr>
+              <p:style>
+                <a:lnRef idx="1">
+                  <a:schemeClr val="accent3"/>
+                </a:lnRef>
+                <a:fillRef idx="2">
+                  <a:schemeClr val="accent3"/>
+                </a:fillRef>
+                <a:effectRef idx="1">
+                  <a:schemeClr val="accent3"/>
+                </a:effectRef>
+                <a:fontRef idx="minor">
+                  <a:schemeClr val="dk1"/>
+                </a:fontRef>
+              </p:style>
+              <p:txBody>
+                <a:bodyPr rtlCol="0" anchor="ctr"/>
+                <a:lstStyle/>
+                <a:p>
+                  <a:pPr algn="ctr"/>
+                  <a:r>
+                    <a:rPr lang="en-US" sz="1050" b="1" dirty="0" err="1">
+                      <a:solidFill>
+                        <a:schemeClr val="accent3">
+                          <a:lumMod val="75000"/>
+                        </a:schemeClr>
+                      </a:solidFill>
+                    </a:rPr>
+                    <a:t>CommandBox</a:t>
+                  </a:r>
+                  <a:endParaRPr lang="en-SG" sz="1050" b="1" dirty="0">
+                    <a:solidFill>
+                      <a:schemeClr val="accent3">
+                        <a:lumMod val="75000"/>
+                      </a:schemeClr>
+                    </a:solidFill>
+                  </a:endParaRPr>
+                </a:p>
+              </p:txBody>
+            </p:sp>
+            <p:sp>
+              <p:nvSpPr>
+                <p:cNvPr id="34" name="Rectangle 11"/>
+                <p:cNvSpPr/>
+                <p:nvPr/>
+              </p:nvSpPr>
+              <p:spPr>
+                <a:xfrm>
+                  <a:off x="2828044" y="3915426"/>
+                  <a:ext cx="1239222" cy="298253"/>
+                </a:xfrm>
+                <a:prstGeom prst="rect">
+                  <a:avLst/>
+                </a:prstGeom>
+                <a:ln w="19050">
+                  <a:solidFill>
+                    <a:schemeClr val="accent3"/>
+                  </a:solidFill>
+                </a:ln>
+                <a:effectLst/>
+              </p:spPr>
+              <p:style>
+                <a:lnRef idx="1">
+                  <a:schemeClr val="accent3"/>
+                </a:lnRef>
+                <a:fillRef idx="2">
+                  <a:schemeClr val="accent3"/>
+                </a:fillRef>
+                <a:effectRef idx="1">
+                  <a:schemeClr val="accent3"/>
+                </a:effectRef>
+                <a:fontRef idx="minor">
+                  <a:schemeClr val="dk1"/>
+                </a:fontRef>
+              </p:style>
+              <p:txBody>
+                <a:bodyPr rtlCol="0" anchor="ctr"/>
+                <a:lstStyle/>
+                <a:p>
+                  <a:pPr algn="ctr"/>
+                  <a:r>
+                    <a:rPr lang="en-US" sz="1050" b="1" dirty="0" err="1">
+                      <a:solidFill>
+                        <a:schemeClr val="accent3">
+                          <a:lumMod val="75000"/>
+                        </a:schemeClr>
+                      </a:solidFill>
+                    </a:rPr>
+                    <a:t>BrowserPanel</a:t>
+                  </a:r>
+                  <a:endParaRPr lang="en-SG" sz="1050" b="1" dirty="0">
+                    <a:solidFill>
+                      <a:schemeClr val="accent3">
+                        <a:lumMod val="75000"/>
+                      </a:schemeClr>
+                    </a:solidFill>
+                  </a:endParaRPr>
+                </a:p>
+              </p:txBody>
+            </p:sp>
+            <p:sp>
+              <p:nvSpPr>
+                <p:cNvPr id="35" name="Rectangle 11"/>
+                <p:cNvSpPr/>
+                <p:nvPr/>
+              </p:nvSpPr>
+              <p:spPr>
+                <a:xfrm>
+                  <a:off x="2819419" y="6913395"/>
+                  <a:ext cx="1239222" cy="298253"/>
+                </a:xfrm>
+                <a:prstGeom prst="rect">
+                  <a:avLst/>
+                </a:prstGeom>
+                <a:ln w="19050">
+                  <a:solidFill>
+                    <a:schemeClr val="accent3"/>
+                  </a:solidFill>
+                </a:ln>
+                <a:effectLst/>
+              </p:spPr>
+              <p:style>
+                <a:lnRef idx="1">
+                  <a:schemeClr val="accent3"/>
+                </a:lnRef>
+                <a:fillRef idx="2">
+                  <a:schemeClr val="accent3"/>
+                </a:fillRef>
+                <a:effectRef idx="1">
+                  <a:schemeClr val="accent3"/>
+                </a:effectRef>
+                <a:fontRef idx="minor">
+                  <a:schemeClr val="dk1"/>
+                </a:fontRef>
+              </p:style>
+              <p:txBody>
+                <a:bodyPr rtlCol="0" anchor="ctr"/>
+                <a:lstStyle/>
+                <a:p>
+                  <a:pPr algn="ctr"/>
+                  <a:r>
+                    <a:rPr lang="en-US" sz="1050" b="1" dirty="0" err="1">
+                      <a:solidFill>
+                        <a:schemeClr val="accent3">
+                          <a:lumMod val="75000"/>
+                        </a:schemeClr>
+                      </a:solidFill>
+                    </a:rPr>
+                    <a:t>StatusBarFooter</a:t>
+                  </a:r>
+                  <a:endParaRPr lang="en-SG" sz="1050" b="1" dirty="0">
+                    <a:solidFill>
+                      <a:schemeClr val="accent3">
+                        <a:lumMod val="75000"/>
+                      </a:schemeClr>
+                    </a:solidFill>
+                  </a:endParaRPr>
+                </a:p>
+              </p:txBody>
+            </p:sp>
+            <p:sp>
+              <p:nvSpPr>
+                <p:cNvPr id="36" name="Rectangle 11"/>
+                <p:cNvSpPr/>
+                <p:nvPr/>
+              </p:nvSpPr>
+              <p:spPr>
+                <a:xfrm>
+                  <a:off x="2828041" y="4346863"/>
+                  <a:ext cx="1239222" cy="298253"/>
+                </a:xfrm>
+                <a:prstGeom prst="rect">
+                  <a:avLst/>
+                </a:prstGeom>
+                <a:ln w="19050">
+                  <a:solidFill>
+                    <a:schemeClr val="accent3"/>
+                  </a:solidFill>
+                </a:ln>
+                <a:effectLst/>
+              </p:spPr>
+              <p:style>
+                <a:lnRef idx="1">
+                  <a:schemeClr val="accent3"/>
+                </a:lnRef>
+                <a:fillRef idx="2">
+                  <a:schemeClr val="accent3"/>
+                </a:fillRef>
+                <a:effectRef idx="1">
+                  <a:schemeClr val="accent3"/>
+                </a:effectRef>
+                <a:fontRef idx="minor">
+                  <a:schemeClr val="dk1"/>
+                </a:fontRef>
+              </p:style>
+              <p:txBody>
+                <a:bodyPr rtlCol="0" anchor="ctr"/>
+                <a:lstStyle/>
+                <a:p>
+                  <a:pPr algn="ctr"/>
+                  <a:r>
+                    <a:rPr lang="en-US" sz="1050" b="1" dirty="0" err="1">
+                      <a:solidFill>
+                        <a:schemeClr val="accent3">
+                          <a:lumMod val="75000"/>
+                        </a:schemeClr>
+                      </a:solidFill>
+                    </a:rPr>
+                    <a:t>PersonListPanel</a:t>
+                  </a:r>
+                  <a:endParaRPr lang="en-SG" sz="1050" b="1" dirty="0">
+                    <a:solidFill>
+                      <a:schemeClr val="accent3">
+                        <a:lumMod val="75000"/>
+                      </a:schemeClr>
+                    </a:solidFill>
+                  </a:endParaRPr>
+                </a:p>
+              </p:txBody>
+            </p:sp>
+            <p:sp>
+              <p:nvSpPr>
+                <p:cNvPr id="37" name="Rectangle 11"/>
+                <p:cNvSpPr/>
+                <p:nvPr/>
+              </p:nvSpPr>
+              <p:spPr>
+                <a:xfrm>
+                  <a:off x="4240815" y="4645116"/>
+                  <a:ext cx="1179474" cy="298253"/>
+                </a:xfrm>
+                <a:prstGeom prst="rect">
+                  <a:avLst/>
+                </a:prstGeom>
+                <a:ln w="19050">
+                  <a:solidFill>
+                    <a:schemeClr val="accent3"/>
+                  </a:solidFill>
+                </a:ln>
+                <a:effectLst/>
+              </p:spPr>
+              <p:style>
+                <a:lnRef idx="1">
+                  <a:schemeClr val="accent3"/>
+                </a:lnRef>
+                <a:fillRef idx="2">
+                  <a:schemeClr val="accent3"/>
+                </a:fillRef>
+                <a:effectRef idx="1">
+                  <a:schemeClr val="accent3"/>
+                </a:effectRef>
+                <a:fontRef idx="minor">
+                  <a:schemeClr val="dk1"/>
+                </a:fontRef>
+              </p:style>
+              <p:txBody>
+                <a:bodyPr rtlCol="0" anchor="ctr"/>
+                <a:lstStyle/>
+                <a:p>
+                  <a:pPr algn="ctr"/>
+                  <a:r>
+                    <a:rPr lang="en-US" sz="1050" b="1" dirty="0" err="1">
+                      <a:solidFill>
+                        <a:schemeClr val="accent3">
+                          <a:lumMod val="75000"/>
+                        </a:schemeClr>
+                      </a:solidFill>
+                    </a:rPr>
+                    <a:t>PersonCard</a:t>
+                  </a:r>
+                  <a:endParaRPr lang="en-SG" sz="1050" b="1" dirty="0">
+                    <a:solidFill>
+                      <a:schemeClr val="accent3">
+                        <a:lumMod val="75000"/>
+                      </a:schemeClr>
+                    </a:solidFill>
+                  </a:endParaRPr>
+                </a:p>
+              </p:txBody>
+            </p:sp>
+            <p:sp>
+              <p:nvSpPr>
+                <p:cNvPr id="39" name="Flowchart: Decision 38"/>
+                <p:cNvSpPr/>
+                <p:nvPr/>
+              </p:nvSpPr>
+              <p:spPr>
+                <a:xfrm>
+                  <a:off x="2524390" y="2645117"/>
+                  <a:ext cx="198756" cy="286377"/>
+                </a:xfrm>
+                <a:prstGeom prst="flowChartDecision">
+                  <a:avLst/>
+                </a:prstGeom>
+                <a:solidFill>
+                  <a:schemeClr val="accent3"/>
+                </a:solidFill>
+                <a:ln>
+                  <a:solidFill>
+                    <a:schemeClr val="accent3"/>
+                  </a:solidFill>
+                </a:ln>
+              </p:spPr>
+              <p:style>
+                <a:lnRef idx="2">
+                  <a:schemeClr val="accent1">
+                    <a:shade val="50000"/>
+                  </a:schemeClr>
+                </a:lnRef>
+                <a:fillRef idx="1">
+                  <a:schemeClr val="accent1"/>
+                </a:fillRef>
+                <a:effectRef idx="0">
+                  <a:schemeClr val="accent1"/>
+                </a:effectRef>
+                <a:fontRef idx="minor">
+                  <a:schemeClr val="lt1"/>
+                </a:fontRef>
+              </p:style>
+              <p:txBody>
+                <a:bodyPr rtlCol="0" anchor="ctr"/>
+                <a:lstStyle/>
+                <a:p>
+                  <a:pPr algn="ctr"/>
+                  <a:endParaRPr lang="en-SG"/>
+                </a:p>
+              </p:txBody>
+            </p:sp>
+            <p:cxnSp>
+              <p:nvCxnSpPr>
+                <p:cNvPr id="40" name="Elbow Connector 63"/>
+                <p:cNvCxnSpPr>
+                  <a:cxnSpLocks/>
+                  <a:stCxn id="39" idx="2"/>
+                  <a:endCxn id="3" idx="1"/>
+                </p:cNvCxnSpPr>
+                <p:nvPr/>
+              </p:nvCxnSpPr>
+              <p:spPr>
+                <a:xfrm rot="16200000" flipH="1">
+                  <a:off x="2586001" y="2969260"/>
+                  <a:ext cx="279811" cy="204276"/>
+                </a:xfrm>
+                <a:prstGeom prst="bentConnector2">
+                  <a:avLst/>
+                </a:prstGeom>
+                <a:ln w="19050">
+                  <a:solidFill>
+                    <a:schemeClr val="accent3"/>
+                  </a:solidFill>
+                  <a:headEnd type="none" w="med" len="med"/>
+                  <a:tailEnd type="arrow" w="med" len="med"/>
+                </a:ln>
+                <a:effectLst/>
+              </p:spPr>
+              <p:style>
+                <a:lnRef idx="1">
+                  <a:schemeClr val="accent2"/>
+                </a:lnRef>
+                <a:fillRef idx="2">
+                  <a:schemeClr val="accent2"/>
+                </a:fillRef>
+                <a:effectRef idx="1">
+                  <a:schemeClr val="accent2"/>
+                </a:effectRef>
+                <a:fontRef idx="minor">
+                  <a:schemeClr val="dk1"/>
+                </a:fontRef>
+              </p:style>
+            </p:cxnSp>
+            <p:sp>
+              <p:nvSpPr>
+                <p:cNvPr id="43" name="Rectangle 11"/>
+                <p:cNvSpPr/>
+                <p:nvPr/>
+              </p:nvSpPr>
+              <p:spPr>
+                <a:xfrm>
+                  <a:off x="2826085" y="3480905"/>
+                  <a:ext cx="1241178" cy="298253"/>
+                </a:xfrm>
+                <a:prstGeom prst="rect">
+                  <a:avLst/>
+                </a:prstGeom>
+                <a:ln w="19050">
+                  <a:solidFill>
+                    <a:schemeClr val="accent3"/>
+                  </a:solidFill>
+                </a:ln>
+                <a:effectLst/>
+              </p:spPr>
+              <p:style>
+                <a:lnRef idx="1">
+                  <a:schemeClr val="accent3"/>
+                </a:lnRef>
+                <a:fillRef idx="2">
+                  <a:schemeClr val="accent3"/>
+                </a:fillRef>
+                <a:effectRef idx="1">
+                  <a:schemeClr val="accent3"/>
+                </a:effectRef>
+                <a:fontRef idx="minor">
+                  <a:schemeClr val="dk1"/>
+                </a:fontRef>
+              </p:style>
+              <p:txBody>
+                <a:bodyPr rtlCol="0" anchor="ctr"/>
+                <a:lstStyle/>
+                <a:p>
+                  <a:pPr algn="ctr"/>
+                  <a:r>
+                    <a:rPr lang="en-US" sz="1050" b="1" dirty="0" err="1">
+                      <a:solidFill>
+                        <a:schemeClr val="accent3">
+                          <a:lumMod val="75000"/>
+                        </a:schemeClr>
+                      </a:solidFill>
+                    </a:rPr>
+                    <a:t>ResultDisplay</a:t>
+                  </a:r>
+                  <a:endParaRPr lang="en-SG" sz="1050" b="1" dirty="0">
+                    <a:solidFill>
+                      <a:schemeClr val="accent3">
+                        <a:lumMod val="75000"/>
+                      </a:schemeClr>
+                    </a:solidFill>
+                  </a:endParaRPr>
+                </a:p>
+              </p:txBody>
+            </p:sp>
+            <p:cxnSp>
+              <p:nvCxnSpPr>
+                <p:cNvPr id="44" name="Elbow Connector 63"/>
+                <p:cNvCxnSpPr>
+                  <a:cxnSpLocks/>
+                  <a:stCxn id="39" idx="2"/>
+                  <a:endCxn id="34" idx="1"/>
+                </p:cNvCxnSpPr>
+                <p:nvPr/>
+              </p:nvCxnSpPr>
+              <p:spPr>
+                <a:xfrm rot="16200000" flipH="1">
+                  <a:off x="2159377" y="3395884"/>
+                  <a:ext cx="1133059" cy="204276"/>
+                </a:xfrm>
+                <a:prstGeom prst="bentConnector2">
+                  <a:avLst/>
+                </a:prstGeom>
+                <a:ln w="19050">
+                  <a:solidFill>
+                    <a:schemeClr val="accent3"/>
+                  </a:solidFill>
+                  <a:headEnd type="none" w="med" len="med"/>
+                  <a:tailEnd type="arrow" w="med" len="med"/>
+                </a:ln>
+                <a:effectLst/>
+              </p:spPr>
+              <p:style>
+                <a:lnRef idx="1">
+                  <a:schemeClr val="accent2"/>
+                </a:lnRef>
+                <a:fillRef idx="2">
+                  <a:schemeClr val="accent2"/>
+                </a:fillRef>
+                <a:effectRef idx="1">
+                  <a:schemeClr val="accent2"/>
+                </a:effectRef>
+                <a:fontRef idx="minor">
+                  <a:schemeClr val="dk1"/>
+                </a:fontRef>
+              </p:style>
+            </p:cxnSp>
+            <p:cxnSp>
+              <p:nvCxnSpPr>
+                <p:cNvPr id="47" name="Elbow Connector 63"/>
+                <p:cNvCxnSpPr>
+                  <a:cxnSpLocks/>
+                  <a:stCxn id="39" idx="2"/>
+                  <a:endCxn id="36" idx="1"/>
+                </p:cNvCxnSpPr>
+                <p:nvPr/>
+              </p:nvCxnSpPr>
+              <p:spPr>
+                <a:xfrm rot="16200000" flipH="1">
+                  <a:off x="1943656" y="3611605"/>
+                  <a:ext cx="1564496" cy="204273"/>
+                </a:xfrm>
+                <a:prstGeom prst="bentConnector2">
+                  <a:avLst/>
+                </a:prstGeom>
+                <a:ln w="19050">
+                  <a:solidFill>
+                    <a:schemeClr val="accent3"/>
+                  </a:solidFill>
+                  <a:headEnd type="none" w="med" len="med"/>
+                  <a:tailEnd type="arrow" w="med" len="med"/>
+                </a:ln>
+                <a:effectLst/>
+              </p:spPr>
+              <p:style>
+                <a:lnRef idx="1">
+                  <a:schemeClr val="accent2"/>
+                </a:lnRef>
+                <a:fillRef idx="2">
+                  <a:schemeClr val="accent2"/>
+                </a:fillRef>
+                <a:effectRef idx="1">
+                  <a:schemeClr val="accent2"/>
+                </a:effectRef>
+                <a:fontRef idx="minor">
+                  <a:schemeClr val="dk1"/>
+                </a:fontRef>
+              </p:style>
+            </p:cxnSp>
+            <p:cxnSp>
+              <p:nvCxnSpPr>
+                <p:cNvPr id="50" name="Elbow Connector 63"/>
+                <p:cNvCxnSpPr>
+                  <a:cxnSpLocks/>
+                  <a:stCxn id="39" idx="2"/>
+                  <a:endCxn id="35" idx="1"/>
+                </p:cNvCxnSpPr>
+                <p:nvPr/>
+              </p:nvCxnSpPr>
+              <p:spPr>
+                <a:xfrm rot="16200000" flipH="1">
+                  <a:off x="656079" y="4899182"/>
+                  <a:ext cx="4131028" cy="195651"/>
+                </a:xfrm>
+                <a:prstGeom prst="bentConnector2">
+                  <a:avLst/>
+                </a:prstGeom>
+                <a:ln w="19050">
+                  <a:solidFill>
+                    <a:schemeClr val="accent3"/>
+                  </a:solidFill>
+                  <a:headEnd type="none" w="med" len="med"/>
+                  <a:tailEnd type="arrow" w="med" len="med"/>
+                </a:ln>
+                <a:effectLst/>
+              </p:spPr>
+              <p:style>
+                <a:lnRef idx="1">
+                  <a:schemeClr val="accent2"/>
+                </a:lnRef>
+                <a:fillRef idx="2">
+                  <a:schemeClr val="accent2"/>
+                </a:fillRef>
+                <a:effectRef idx="1">
+                  <a:schemeClr val="accent2"/>
+                </a:effectRef>
+                <a:fontRef idx="minor">
+                  <a:schemeClr val="dk1"/>
+                </a:fontRef>
+              </p:style>
+            </p:cxnSp>
+            <p:cxnSp>
+              <p:nvCxnSpPr>
+                <p:cNvPr id="74" name="Elbow Connector 63"/>
+                <p:cNvCxnSpPr>
+                  <a:cxnSpLocks/>
+                  <a:stCxn id="43" idx="3"/>
+                  <a:endCxn id="16" idx="3"/>
+                </p:cNvCxnSpPr>
+                <p:nvPr/>
+              </p:nvCxnSpPr>
+              <p:spPr>
+                <a:xfrm flipV="1">
+                  <a:off x="4067263" y="2546359"/>
+                  <a:ext cx="2799401" cy="1083673"/>
+                </a:xfrm>
+                <a:prstGeom prst="bentConnector2">
+                  <a:avLst/>
+                </a:prstGeom>
+                <a:ln w="6350">
+                  <a:solidFill>
+                    <a:schemeClr val="accent3"/>
+                  </a:solidFill>
+                  <a:headEnd type="none" w="med" len="med"/>
+                  <a:tailEnd type="none" w="med" len="med"/>
+                </a:ln>
+                <a:effectLst/>
+              </p:spPr>
+              <p:style>
+                <a:lnRef idx="1">
+                  <a:schemeClr val="accent2"/>
+                </a:lnRef>
+                <a:fillRef idx="2">
+                  <a:schemeClr val="accent2"/>
+                </a:fillRef>
+                <a:effectRef idx="1">
+                  <a:schemeClr val="accent2"/>
+                </a:effectRef>
+                <a:fontRef idx="minor">
+                  <a:schemeClr val="dk1"/>
+                </a:fontRef>
+              </p:style>
+            </p:cxnSp>
+            <p:cxnSp>
+              <p:nvCxnSpPr>
+                <p:cNvPr id="77" name="Elbow Connector 63"/>
+                <p:cNvCxnSpPr>
+                  <a:cxnSpLocks/>
+                  <a:stCxn id="16" idx="3"/>
+                  <a:endCxn id="37" idx="3"/>
+                </p:cNvCxnSpPr>
+                <p:nvPr/>
+              </p:nvCxnSpPr>
+              <p:spPr>
+                <a:xfrm rot="5400000">
+                  <a:off x="5019535" y="2947114"/>
+                  <a:ext cx="2247884" cy="1446376"/>
+                </a:xfrm>
+                <a:prstGeom prst="bentConnector2">
+                  <a:avLst/>
+                </a:prstGeom>
+                <a:ln w="6350">
+                  <a:solidFill>
+                    <a:schemeClr val="accent3"/>
+                  </a:solidFill>
+                  <a:headEnd type="none" w="med" len="med"/>
+                  <a:tailEnd type="none" w="med" len="med"/>
+                </a:ln>
+                <a:effectLst/>
+              </p:spPr>
+              <p:style>
+                <a:lnRef idx="1">
+                  <a:schemeClr val="accent2"/>
+                </a:lnRef>
+                <a:fillRef idx="2">
+                  <a:schemeClr val="accent2"/>
+                </a:fillRef>
+                <a:effectRef idx="1">
+                  <a:schemeClr val="accent2"/>
+                </a:effectRef>
+                <a:fontRef idx="minor">
+                  <a:schemeClr val="dk1"/>
+                </a:fontRef>
+              </p:style>
+            </p:cxnSp>
+            <p:cxnSp>
+              <p:nvCxnSpPr>
+                <p:cNvPr id="82" name="Elbow Connector 63"/>
+                <p:cNvCxnSpPr>
+                  <a:cxnSpLocks/>
+                  <a:stCxn id="16" idx="3"/>
+                  <a:endCxn id="34" idx="3"/>
+                </p:cNvCxnSpPr>
+                <p:nvPr/>
+              </p:nvCxnSpPr>
+              <p:spPr>
+                <a:xfrm rot="5400000">
+                  <a:off x="4707869" y="1905757"/>
+                  <a:ext cx="1518194" cy="2799398"/>
+                </a:xfrm>
+                <a:prstGeom prst="bentConnector2">
+                  <a:avLst/>
+                </a:prstGeom>
+                <a:ln w="6350">
+                  <a:solidFill>
+                    <a:schemeClr val="accent3"/>
+                  </a:solidFill>
+                  <a:headEnd type="none" w="med" len="med"/>
+                  <a:tailEnd type="none" w="med" len="med"/>
+                </a:ln>
+                <a:effectLst/>
+              </p:spPr>
+              <p:style>
+                <a:lnRef idx="1">
+                  <a:schemeClr val="accent2"/>
+                </a:lnRef>
+                <a:fillRef idx="2">
+                  <a:schemeClr val="accent2"/>
+                </a:fillRef>
+                <a:effectRef idx="1">
+                  <a:schemeClr val="accent2"/>
+                </a:effectRef>
+                <a:fontRef idx="minor">
+                  <a:schemeClr val="dk1"/>
+                </a:fontRef>
+              </p:style>
+            </p:cxnSp>
+            <p:cxnSp>
+              <p:nvCxnSpPr>
+                <p:cNvPr id="91" name="Elbow Connector 63"/>
+                <p:cNvCxnSpPr>
+                  <a:cxnSpLocks/>
+                  <a:stCxn id="16" idx="3"/>
+                  <a:endCxn id="35" idx="3"/>
+                </p:cNvCxnSpPr>
+                <p:nvPr/>
+              </p:nvCxnSpPr>
+              <p:spPr>
+                <a:xfrm rot="5400000">
+                  <a:off x="3204573" y="3400429"/>
+                  <a:ext cx="4516163" cy="2808024"/>
+                </a:xfrm>
+                <a:prstGeom prst="bentConnector2">
+                  <a:avLst/>
+                </a:prstGeom>
+                <a:ln w="6350">
+                  <a:solidFill>
+                    <a:schemeClr val="accent3"/>
+                  </a:solidFill>
+                  <a:headEnd type="none" w="med" len="med"/>
+                  <a:tailEnd type="none" w="med" len="med"/>
+                </a:ln>
+                <a:effectLst/>
+              </p:spPr>
+              <p:style>
+                <a:lnRef idx="1">
+                  <a:schemeClr val="accent2"/>
+                </a:lnRef>
+                <a:fillRef idx="2">
+                  <a:schemeClr val="accent2"/>
+                </a:fillRef>
+                <a:effectRef idx="1">
+                  <a:schemeClr val="accent2"/>
+                </a:effectRef>
+                <a:fontRef idx="minor">
+                  <a:schemeClr val="dk1"/>
+                </a:fontRef>
+              </p:style>
+            </p:cxnSp>
+            <p:cxnSp>
+              <p:nvCxnSpPr>
+                <p:cNvPr id="131" name="Elbow Connector 130"/>
+                <p:cNvCxnSpPr>
+                  <a:cxnSpLocks/>
+                  <a:stCxn id="39" idx="2"/>
+                  <a:endCxn id="43" idx="1"/>
+                </p:cNvCxnSpPr>
+                <p:nvPr/>
+              </p:nvCxnSpPr>
+              <p:spPr>
+                <a:xfrm rot="16200000" flipH="1">
+                  <a:off x="2375657" y="3179604"/>
+                  <a:ext cx="698538" cy="202317"/>
+                </a:xfrm>
+                <a:prstGeom prst="bentConnector2">
+                  <a:avLst/>
+                </a:prstGeom>
+                <a:ln w="19050">
+                  <a:solidFill>
+                    <a:schemeClr val="accent3"/>
+                  </a:solidFill>
+                  <a:headEnd type="none" w="med" len="med"/>
+                  <a:tailEnd type="arrow" w="med" len="med"/>
+                </a:ln>
+                <a:effectLst/>
+              </p:spPr>
+              <p:style>
+                <a:lnRef idx="1">
+                  <a:schemeClr val="accent2"/>
+                </a:lnRef>
+                <a:fillRef idx="2">
+                  <a:schemeClr val="accent2"/>
+                </a:fillRef>
+                <a:effectRef idx="1">
+                  <a:schemeClr val="accent2"/>
+                </a:effectRef>
+                <a:fontRef idx="minor">
+                  <a:schemeClr val="dk1"/>
+                </a:fontRef>
+              </p:style>
+            </p:cxnSp>
+            <p:cxnSp>
+              <p:nvCxnSpPr>
+                <p:cNvPr id="132" name="Elbow Connector 63"/>
+                <p:cNvCxnSpPr>
+                  <a:cxnSpLocks/>
+                  <a:stCxn id="16" idx="3"/>
+                  <a:endCxn id="3" idx="3"/>
+                </p:cNvCxnSpPr>
+                <p:nvPr/>
+              </p:nvCxnSpPr>
+              <p:spPr>
+                <a:xfrm rot="5400000">
+                  <a:off x="5134493" y="1479133"/>
+                  <a:ext cx="664946" cy="2799398"/>
+                </a:xfrm>
+                <a:prstGeom prst="bentConnector2">
+                  <a:avLst/>
+                </a:prstGeom>
+                <a:ln w="6350">
+                  <a:solidFill>
+                    <a:schemeClr val="accent3"/>
+                  </a:solidFill>
+                  <a:headEnd type="none" w="med" len="med"/>
+                  <a:tailEnd type="none" w="med" len="med"/>
+                </a:ln>
+                <a:effectLst/>
+              </p:spPr>
+              <p:style>
+                <a:lnRef idx="1">
+                  <a:schemeClr val="accent2"/>
+                </a:lnRef>
+                <a:fillRef idx="2">
+                  <a:schemeClr val="accent2"/>
+                </a:fillRef>
+                <a:effectRef idx="1">
+                  <a:schemeClr val="accent2"/>
+                </a:effectRef>
+                <a:fontRef idx="minor">
+                  <a:schemeClr val="dk1"/>
+                </a:fontRef>
+              </p:style>
+            </p:cxnSp>
+            <p:cxnSp>
+              <p:nvCxnSpPr>
+                <p:cNvPr id="137" name="Elbow Connector 136"/>
+                <p:cNvCxnSpPr>
+                  <a:stCxn id="36" idx="2"/>
+                  <a:endCxn id="37" idx="1"/>
+                </p:cNvCxnSpPr>
+                <p:nvPr/>
+              </p:nvCxnSpPr>
+              <p:spPr>
+                <a:xfrm rot="16200000" flipH="1">
+                  <a:off x="3769671" y="4323097"/>
+                  <a:ext cx="149127" cy="793162"/>
+                </a:xfrm>
+                <a:prstGeom prst="bentConnector2">
+                  <a:avLst/>
+                </a:prstGeom>
+                <a:ln w="19050">
+                  <a:solidFill>
+                    <a:schemeClr val="accent3"/>
+                  </a:solidFill>
+                  <a:headEnd type="none" w="med" len="med"/>
+                  <a:tailEnd type="arrow" w="med" len="med"/>
+                </a:ln>
+                <a:effectLst/>
+              </p:spPr>
+              <p:style>
+                <a:lnRef idx="1">
+                  <a:schemeClr val="accent2"/>
+                </a:lnRef>
+                <a:fillRef idx="2">
+                  <a:schemeClr val="accent2"/>
+                </a:fillRef>
+                <a:effectRef idx="1">
+                  <a:schemeClr val="accent2"/>
+                </a:effectRef>
+                <a:fontRef idx="minor">
+                  <a:schemeClr val="dk1"/>
+                </a:fontRef>
+              </p:style>
+            </p:cxnSp>
+            <p:sp>
+              <p:nvSpPr>
+                <p:cNvPr id="118" name="Freeform 117"/>
+                <p:cNvSpPr/>
+                <p:nvPr/>
+              </p:nvSpPr>
+              <p:spPr>
+                <a:xfrm flipV="1">
+                  <a:off x="5356184" y="4953508"/>
+                  <a:ext cx="2442677" cy="135517"/>
+                </a:xfrm>
+                <a:custGeom>
+                  <a:avLst/>
+                  <a:gdLst>
+                    <a:gd name="connsiteX0" fmla="*/ 0 w 3048000"/>
+                    <a:gd name="connsiteY0" fmla="*/ 203200 h 203200"/>
+                    <a:gd name="connsiteX1" fmla="*/ 221673 w 3048000"/>
+                    <a:gd name="connsiteY1" fmla="*/ 0 h 203200"/>
+                    <a:gd name="connsiteX2" fmla="*/ 3048000 w 3048000"/>
+                    <a:gd name="connsiteY2" fmla="*/ 0 h 203200"/>
+                  </a:gdLst>
+                  <a:ahLst/>
+                  <a:cxnLst>
+                    <a:cxn ang="0">
+                      <a:pos x="connsiteX0" y="connsiteY0"/>
+                    </a:cxn>
+                    <a:cxn ang="0">
+                      <a:pos x="connsiteX1" y="connsiteY1"/>
+                    </a:cxn>
+                    <a:cxn ang="0">
+                      <a:pos x="connsiteX2" y="connsiteY2"/>
+                    </a:cxn>
+                  </a:cxnLst>
+                  <a:rect l="l" t="t" r="r" b="b"/>
+                  <a:pathLst>
+                    <a:path w="3048000" h="203200">
+                      <a:moveTo>
+                        <a:pt x="0" y="203200"/>
+                      </a:moveTo>
+                      <a:lnTo>
+                        <a:pt x="221673" y="0"/>
+                      </a:lnTo>
+                      <a:lnTo>
+                        <a:pt x="3048000" y="0"/>
+                      </a:lnTo>
+                    </a:path>
+                  </a:pathLst>
+                </a:custGeom>
+                <a:noFill/>
+                <a:ln w="19050">
+                  <a:solidFill>
+                    <a:schemeClr val="accent3"/>
+                  </a:solidFill>
+                  <a:prstDash val="sysDot"/>
+                  <a:headEnd type="none" w="med" len="med"/>
+                  <a:tailEnd type="arrow" w="med" len="med"/>
+                </a:ln>
+                <a:effectLst/>
+              </p:spPr>
+              <p:style>
+                <a:lnRef idx="1">
+                  <a:schemeClr val="accent2"/>
+                </a:lnRef>
+                <a:fillRef idx="2">
+                  <a:schemeClr val="accent2"/>
+                </a:fillRef>
+                <a:effectRef idx="1">
+                  <a:schemeClr val="accent2"/>
+                </a:effectRef>
+                <a:fontRef idx="minor">
+                  <a:schemeClr val="dk1"/>
+                </a:fontRef>
+              </p:style>
+              <p:txBody>
+                <a:bodyPr rtlCol="0" anchor="ctr"/>
+                <a:lstStyle/>
+                <a:p>
+                  <a:pPr algn="ctr"/>
+                  <a:endParaRPr lang="en-SG"/>
+                </a:p>
+              </p:txBody>
+            </p:sp>
+          </p:grpSp>
+          <p:sp>
+            <p:nvSpPr>
+              <p:cNvPr id="81" name="Rectangle 11">
+                <a:extLst>
+                  <a:ext uri="{FF2B5EF4-FFF2-40B4-BE49-F238E27FC236}">
+                    <a16:creationId xmlns:a16="http://schemas.microsoft.com/office/drawing/2014/main" id="{9E7E878D-69C3-472C-B15A-173D927BE300}"/>
+                  </a:ext>
+                </a:extLst>
+              </p:cNvPr>
+              <p:cNvSpPr/>
+              <p:nvPr/>
+            </p:nvSpPr>
+            <p:spPr>
+              <a:xfrm>
+                <a:off x="3925361" y="3954283"/>
+                <a:ext cx="1535899" cy="298253"/>
               </a:xfrm>
               <a:prstGeom prst="rect">
                 <a:avLst/>
@@ -4874,7 +5732,7 @@
                       </a:schemeClr>
                     </a:solidFill>
                   </a:rPr>
-                  <a:t>StatusBarFooter</a:t>
+                  <a:t>ToDoListPanel</a:t>
                 </a:r>
                 <a:endParaRPr lang="en-SG" sz="1050" b="1" dirty="0">
                   <a:solidFill>
@@ -4886,16 +5744,118 @@
               </a:p>
             </p:txBody>
           </p:sp>
+          <p:cxnSp>
+            <p:nvCxnSpPr>
+              <p:cNvPr id="85" name="Elbow Connector 63">
+                <a:extLst>
+                  <a:ext uri="{FF2B5EF4-FFF2-40B4-BE49-F238E27FC236}">
+                    <a16:creationId xmlns:a16="http://schemas.microsoft.com/office/drawing/2014/main" id="{6B3C67DC-CD02-4BB0-B1ED-8A593782393E}"/>
+                  </a:ext>
+                </a:extLst>
+              </p:cNvPr>
+              <p:cNvCxnSpPr>
+                <a:cxnSpLocks/>
+                <a:stCxn id="39" idx="2"/>
+                <a:endCxn id="81" idx="1"/>
+              </p:cNvCxnSpPr>
+              <p:nvPr/>
+            </p:nvCxnSpPr>
+            <p:spPr>
+              <a:xfrm rot="16200000" flipH="1">
+                <a:off x="2700956" y="2879004"/>
+                <a:ext cx="2203361" cy="245449"/>
+              </a:xfrm>
+              <a:prstGeom prst="bentConnector2">
+                <a:avLst/>
+              </a:prstGeom>
+              <a:ln w="19050">
+                <a:solidFill>
+                  <a:schemeClr val="accent3"/>
+                </a:solidFill>
+                <a:headEnd type="none" w="med" len="med"/>
+                <a:tailEnd type="arrow" w="med" len="med"/>
+              </a:ln>
+              <a:effectLst/>
+            </p:spPr>
+            <p:style>
+              <a:lnRef idx="1">
+                <a:schemeClr val="accent2"/>
+              </a:lnRef>
+              <a:fillRef idx="2">
+                <a:schemeClr val="accent2"/>
+              </a:fillRef>
+              <a:effectRef idx="1">
+                <a:schemeClr val="accent2"/>
+              </a:effectRef>
+              <a:fontRef idx="minor">
+                <a:schemeClr val="dk1"/>
+              </a:fontRef>
+            </p:style>
+          </p:cxnSp>
+          <p:cxnSp>
+            <p:nvCxnSpPr>
+              <p:cNvPr id="89" name="Elbow Connector 136">
+                <a:extLst>
+                  <a:ext uri="{FF2B5EF4-FFF2-40B4-BE49-F238E27FC236}">
+                    <a16:creationId xmlns:a16="http://schemas.microsoft.com/office/drawing/2014/main" id="{44940975-A869-4F75-9124-C8D163316182}"/>
+                  </a:ext>
+                </a:extLst>
+              </p:cNvPr>
+              <p:cNvCxnSpPr>
+                <a:cxnSpLocks/>
+                <a:stCxn id="81" idx="2"/>
+                <a:endCxn id="90" idx="1"/>
+              </p:cNvCxnSpPr>
+              <p:nvPr/>
+            </p:nvCxnSpPr>
+            <p:spPr>
+              <a:xfrm rot="16200000" flipH="1">
+                <a:off x="5140915" y="3804931"/>
+                <a:ext cx="84884" cy="980093"/>
+              </a:xfrm>
+              <a:prstGeom prst="bentConnector2">
+                <a:avLst/>
+              </a:prstGeom>
+              <a:ln w="19050">
+                <a:solidFill>
+                  <a:schemeClr val="accent3"/>
+                </a:solidFill>
+                <a:headEnd type="none" w="med" len="med"/>
+                <a:tailEnd type="arrow" w="med" len="med"/>
+              </a:ln>
+              <a:effectLst/>
+            </p:spPr>
+            <p:style>
+              <a:lnRef idx="1">
+                <a:schemeClr val="accent2"/>
+              </a:lnRef>
+              <a:fillRef idx="2">
+                <a:schemeClr val="accent2"/>
+              </a:fillRef>
+              <a:effectRef idx="1">
+                <a:schemeClr val="accent2"/>
+              </a:effectRef>
+              <a:fontRef idx="minor">
+                <a:schemeClr val="dk1"/>
+              </a:fontRef>
+            </p:style>
+          </p:cxnSp>
           <p:sp>
             <p:nvSpPr>
-              <p:cNvPr id="36" name="Rectangle 11"/>
+              <p:cNvPr id="90" name="Rectangle 11">
+                <a:extLst>
+                  <a:ext uri="{FF2B5EF4-FFF2-40B4-BE49-F238E27FC236}">
+                    <a16:creationId xmlns:a16="http://schemas.microsoft.com/office/drawing/2014/main" id="{D326BE70-B7F4-402D-A865-13B2ED366F24}"/>
+                  </a:ext>
+                </a:extLst>
+              </p:cNvPr>
               <p:cNvSpPr/>
               <p:nvPr/>
             </p:nvSpPr>
             <p:spPr>
               <a:xfrm>
-                <a:off x="2828041" y="4346863"/>
-                <a:ext cx="1239222" cy="298253"/>
+                <a:off x="5673404" y="4188293"/>
+                <a:ext cx="1461847" cy="298253"/>
               </a:xfrm>
               <a:prstGeom prst="rect">
                 <a:avLst/>
@@ -4934,7 +5894,7 @@
                       </a:schemeClr>
                     </a:solidFill>
                   </a:rPr>
-                  <a:t>PersonListPanel</a:t>
+                  <a:t>ToDoCard</a:t>
                 </a:r>
                 <a:endParaRPr lang="en-SG" sz="1050" b="1" dirty="0">
                   <a:solidFill>
@@ -4946,16 +5906,70 @@
               </a:p>
             </p:txBody>
           </p:sp>
+          <p:cxnSp>
+            <p:nvCxnSpPr>
+              <p:cNvPr id="92" name="Elbow Connector 63">
+                <a:extLst>
+                  <a:ext uri="{FF2B5EF4-FFF2-40B4-BE49-F238E27FC236}">
+                    <a16:creationId xmlns:a16="http://schemas.microsoft.com/office/drawing/2014/main" id="{B493E37A-1588-44B1-B9EB-A730A32A9A02}"/>
+                  </a:ext>
+                </a:extLst>
+              </p:cNvPr>
+              <p:cNvCxnSpPr>
+                <a:cxnSpLocks/>
+                <a:stCxn id="16" idx="3"/>
+                <a:endCxn id="90" idx="3"/>
+              </p:cNvCxnSpPr>
+              <p:nvPr/>
+            </p:nvCxnSpPr>
+            <p:spPr>
+              <a:xfrm rot="5400000">
+                <a:off x="6625664" y="2024501"/>
+                <a:ext cx="2822506" cy="1803332"/>
+              </a:xfrm>
+              <a:prstGeom prst="bentConnector2">
+                <a:avLst/>
+              </a:prstGeom>
+              <a:ln w="6350">
+                <a:solidFill>
+                  <a:schemeClr val="accent3"/>
+                </a:solidFill>
+                <a:headEnd type="none" w="med" len="med"/>
+                <a:tailEnd type="none" w="med" len="med"/>
+              </a:ln>
+              <a:effectLst/>
+            </p:spPr>
+            <p:style>
+              <a:lnRef idx="1">
+                <a:schemeClr val="accent2"/>
+              </a:lnRef>
+              <a:fillRef idx="2">
+                <a:schemeClr val="accent2"/>
+              </a:fillRef>
+              <a:effectRef idx="1">
+                <a:schemeClr val="accent2"/>
+              </a:effectRef>
+              <a:fontRef idx="minor">
+                <a:schemeClr val="dk1"/>
+              </a:fontRef>
+            </p:style>
+          </p:cxnSp>
           <p:sp>
             <p:nvSpPr>
-              <p:cNvPr id="37" name="Rectangle 11"/>
+              <p:cNvPr id="95" name="Rectangle 11">
+                <a:extLst>
+                  <a:ext uri="{FF2B5EF4-FFF2-40B4-BE49-F238E27FC236}">
+                    <a16:creationId xmlns:a16="http://schemas.microsoft.com/office/drawing/2014/main" id="{9AE37783-D69F-4051-A6C7-A01A34CB8F47}"/>
+                  </a:ext>
+                </a:extLst>
+              </p:cNvPr>
               <p:cNvSpPr/>
               <p:nvPr/>
             </p:nvSpPr>
             <p:spPr>
               <a:xfrm>
-                <a:off x="4240815" y="4645116"/>
-                <a:ext cx="1179474" cy="298253"/>
+                <a:off x="3922404" y="4492347"/>
+                <a:ext cx="1535899" cy="298253"/>
               </a:xfrm>
               <a:prstGeom prst="rect">
                 <a:avLst/>
@@ -4994,7 +6008,7 @@
                       </a:schemeClr>
                     </a:solidFill>
                   </a:rPr>
-                  <a:t>PersonCard</a:t>
+                  <a:t>GroupListPanel</a:t>
                 </a:r>
                 <a:endParaRPr lang="en-SG" sz="1050" b="1" dirty="0">
                   <a:solidFill>
@@ -5006,68 +6020,26 @@
               </a:p>
             </p:txBody>
           </p:sp>
-          <p:sp>
-            <p:nvSpPr>
-              <p:cNvPr id="39" name="Flowchart: Decision 38"/>
-              <p:cNvSpPr/>
-              <p:nvPr/>
-            </p:nvSpPr>
-            <p:spPr>
-              <a:xfrm>
-                <a:off x="2524390" y="2645117"/>
-                <a:ext cx="198756" cy="286377"/>
-              </a:xfrm>
-              <a:prstGeom prst="flowChartDecision">
-                <a:avLst/>
-              </a:prstGeom>
-              <a:solidFill>
-                <a:schemeClr val="accent3"/>
-              </a:solidFill>
-              <a:ln>
-                <a:solidFill>
-                  <a:schemeClr val="accent3"/>
-                </a:solidFill>
-              </a:ln>
-            </p:spPr>
-            <p:style>
-              <a:lnRef idx="2">
-                <a:schemeClr val="accent1">
-                  <a:shade val="50000"/>
-                </a:schemeClr>
-              </a:lnRef>
-              <a:fillRef idx="1">
-                <a:schemeClr val="accent1"/>
-              </a:fillRef>
-              <a:effectRef idx="0">
-                <a:schemeClr val="accent1"/>
-              </a:effectRef>
-              <a:fontRef idx="minor">
-                <a:schemeClr val="lt1"/>
-              </a:fontRef>
-            </p:style>
-            <p:txBody>
-              <a:bodyPr rtlCol="0" anchor="ctr"/>
-              <a:lstStyle/>
-              <a:p>
-                <a:pPr algn="ctr"/>
-                <a:endParaRPr lang="en-SG"/>
-              </a:p>
-            </p:txBody>
-          </p:sp>
           <p:cxnSp>
             <p:nvCxnSpPr>
-              <p:cNvPr id="40" name="Elbow Connector 63"/>
+              <p:cNvPr id="96" name="Elbow Connector 63">
+                <a:extLst>
+                  <a:ext uri="{FF2B5EF4-FFF2-40B4-BE49-F238E27FC236}">
+                    <a16:creationId xmlns:a16="http://schemas.microsoft.com/office/drawing/2014/main" id="{8E09E22B-10AE-4ED4-AF69-7B519AC49295}"/>
+                  </a:ext>
+                </a:extLst>
+              </p:cNvPr>
               <p:cNvCxnSpPr>
                 <a:cxnSpLocks/>
                 <a:stCxn id="39" idx="2"/>
-                <a:endCxn id="3" idx="1"/>
+                <a:endCxn id="95" idx="1"/>
               </p:cNvCxnSpPr>
               <p:nvPr/>
             </p:nvCxnSpPr>
             <p:spPr>
               <a:xfrm rot="16200000" flipH="1">
-                <a:off x="2586001" y="2969260"/>
-                <a:ext cx="279811" cy="204276"/>
+                <a:off x="2430446" y="3149515"/>
+                <a:ext cx="2741425" cy="242492"/>
               </a:xfrm>
               <a:prstGeom prst="bentConnector2">
                 <a:avLst/>
@@ -5098,14 +6070,20 @@
           </p:cxnSp>
           <p:sp>
             <p:nvSpPr>
-              <p:cNvPr id="43" name="Rectangle 11"/>
+              <p:cNvPr id="97" name="Rectangle 11">
+                <a:extLst>
+                  <a:ext uri="{FF2B5EF4-FFF2-40B4-BE49-F238E27FC236}">
+                    <a16:creationId xmlns:a16="http://schemas.microsoft.com/office/drawing/2014/main" id="{4E39F5E1-599A-40E0-97CE-7222DADF83C2}"/>
+                  </a:ext>
+                </a:extLst>
+              </p:cNvPr>
               <p:cNvSpPr/>
               <p:nvPr/>
             </p:nvSpPr>
             <p:spPr>
               <a:xfrm>
-                <a:off x="2826085" y="3480905"/>
-                <a:ext cx="1241178" cy="298253"/>
+                <a:off x="5673403" y="4679833"/>
+                <a:ext cx="1461847" cy="298253"/>
               </a:xfrm>
               <a:prstGeom prst="rect">
                 <a:avLst/>
@@ -5137,14 +6115,14 @@
               <a:p>
                 <a:pPr algn="ctr"/>
                 <a:r>
-                  <a:rPr lang="en-US" sz="1050" b="1" dirty="0" err="1">
+                  <a:rPr lang="en-SG" sz="1050" b="1" dirty="0" err="1">
                     <a:solidFill>
                       <a:schemeClr val="accent3">
                         <a:lumMod val="75000"/>
                       </a:schemeClr>
                     </a:solidFill>
                   </a:rPr>
-                  <a:t>ResultDisplay</a:t>
+                  <a:t>GroupCard</a:t>
                 </a:r>
                 <a:endParaRPr lang="en-SG" sz="1050" b="1" dirty="0">
                   <a:solidFill>
@@ -5158,18 +6136,72 @@
           </p:sp>
           <p:cxnSp>
             <p:nvCxnSpPr>
-              <p:cNvPr id="44" name="Elbow Connector 63"/>
+              <p:cNvPr id="98" name="Elbow Connector 63">
+                <a:extLst>
+                  <a:ext uri="{FF2B5EF4-FFF2-40B4-BE49-F238E27FC236}">
+                    <a16:creationId xmlns:a16="http://schemas.microsoft.com/office/drawing/2014/main" id="{447431D4-EA1D-4603-8891-290F90382584}"/>
+                  </a:ext>
+                </a:extLst>
+              </p:cNvPr>
               <p:cNvCxnSpPr>
                 <a:cxnSpLocks/>
-                <a:stCxn id="39" idx="2"/>
-                <a:endCxn id="34" idx="1"/>
+                <a:stCxn id="16" idx="3"/>
+                <a:endCxn id="97" idx="3"/>
+              </p:cNvCxnSpPr>
+              <p:nvPr/>
+            </p:nvCxnSpPr>
+            <p:spPr>
+              <a:xfrm rot="5400000">
+                <a:off x="6379894" y="2270271"/>
+                <a:ext cx="3314046" cy="1803333"/>
+              </a:xfrm>
+              <a:prstGeom prst="bentConnector2">
+                <a:avLst/>
+              </a:prstGeom>
+              <a:ln w="6350">
+                <a:solidFill>
+                  <a:schemeClr val="accent3"/>
+                </a:solidFill>
+                <a:headEnd type="none" w="med" len="med"/>
+                <a:tailEnd type="none" w="med" len="med"/>
+              </a:ln>
+              <a:effectLst/>
+            </p:spPr>
+            <p:style>
+              <a:lnRef idx="1">
+                <a:schemeClr val="accent2"/>
+              </a:lnRef>
+              <a:fillRef idx="2">
+                <a:schemeClr val="accent2"/>
+              </a:fillRef>
+              <a:effectRef idx="1">
+                <a:schemeClr val="accent2"/>
+              </a:effectRef>
+              <a:fontRef idx="minor">
+                <a:schemeClr val="dk1"/>
+              </a:fontRef>
+            </p:style>
+          </p:cxnSp>
+          <p:cxnSp>
+            <p:nvCxnSpPr>
+              <p:cNvPr id="100" name="Elbow Connector 136">
+                <a:extLst>
+                  <a:ext uri="{FF2B5EF4-FFF2-40B4-BE49-F238E27FC236}">
+                    <a16:creationId xmlns:a16="http://schemas.microsoft.com/office/drawing/2014/main" id="{4E03291A-14FB-42A8-9CE2-574EC761A867}"/>
+                  </a:ext>
+                </a:extLst>
+              </p:cNvPr>
+              <p:cNvCxnSpPr>
+                <a:cxnSpLocks/>
+                <a:stCxn id="95" idx="2"/>
+                <a:endCxn id="97" idx="1"/>
               </p:cNvCxnSpPr>
               <p:nvPr/>
             </p:nvCxnSpPr>
             <p:spPr>
               <a:xfrm rot="16200000" flipH="1">
-                <a:off x="2159377" y="3395884"/>
-                <a:ext cx="1133059" cy="204276"/>
+                <a:off x="5162698" y="4318255"/>
+                <a:ext cx="38360" cy="983049"/>
               </a:xfrm>
               <a:prstGeom prst="bentConnector2">
                 <a:avLst/>
@@ -5198,20 +6230,85 @@
               </a:fontRef>
             </p:style>
           </p:cxnSp>
+          <p:sp>
+            <p:nvSpPr>
+              <p:cNvPr id="127" name="Rectangle 11">
+                <a:extLst>
+                  <a:ext uri="{FF2B5EF4-FFF2-40B4-BE49-F238E27FC236}">
+                    <a16:creationId xmlns:a16="http://schemas.microsoft.com/office/drawing/2014/main" id="{5B1B66E9-7C7C-4286-9643-8F0C78571024}"/>
+                  </a:ext>
+                </a:extLst>
+              </p:cNvPr>
+              <p:cNvSpPr/>
+              <p:nvPr/>
+            </p:nvSpPr>
+            <p:spPr>
+              <a:xfrm>
+                <a:off x="3931876" y="4967669"/>
+                <a:ext cx="1535899" cy="298253"/>
+              </a:xfrm>
+              <a:prstGeom prst="rect">
+                <a:avLst/>
+              </a:prstGeom>
+              <a:ln w="19050">
+                <a:solidFill>
+                  <a:schemeClr val="accent3"/>
+                </a:solidFill>
+              </a:ln>
+              <a:effectLst/>
+            </p:spPr>
+            <p:style>
+              <a:lnRef idx="1">
+                <a:schemeClr val="accent3"/>
+              </a:lnRef>
+              <a:fillRef idx="2">
+                <a:schemeClr val="accent3"/>
+              </a:fillRef>
+              <a:effectRef idx="1">
+                <a:schemeClr val="accent3"/>
+              </a:effectRef>
+              <a:fontRef idx="minor">
+                <a:schemeClr val="dk1"/>
+              </a:fontRef>
+            </p:style>
+            <p:txBody>
+              <a:bodyPr rtlCol="0" anchor="ctr"/>
+              <a:lstStyle/>
+              <a:p>
+                <a:pPr algn="ctr"/>
+                <a:r>
+                  <a:rPr lang="en-SG" sz="1050" b="1" dirty="0">
+                    <a:solidFill>
+                      <a:schemeClr val="accent3">
+                        <a:lumMod val="75000"/>
+                      </a:schemeClr>
+                    </a:solidFill>
+                  </a:rPr>
+                  <a:t>Calendar</a:t>
+                </a:r>
+              </a:p>
+            </p:txBody>
+          </p:sp>
           <p:cxnSp>
             <p:nvCxnSpPr>
-              <p:cNvPr id="47" name="Elbow Connector 63"/>
+              <p:cNvPr id="145" name="Elbow Connector 63">
+                <a:extLst>
+                  <a:ext uri="{FF2B5EF4-FFF2-40B4-BE49-F238E27FC236}">
+                    <a16:creationId xmlns:a16="http://schemas.microsoft.com/office/drawing/2014/main" id="{EFF71991-489E-446B-897A-B4BC848B2409}"/>
+                  </a:ext>
+                </a:extLst>
+              </p:cNvPr>
               <p:cNvCxnSpPr>
                 <a:cxnSpLocks/>
                 <a:stCxn id="39" idx="2"/>
-                <a:endCxn id="36" idx="1"/>
+                <a:endCxn id="127" idx="1"/>
               </p:cNvCxnSpPr>
               <p:nvPr/>
             </p:nvCxnSpPr>
             <p:spPr>
               <a:xfrm rot="16200000" flipH="1">
-                <a:off x="1943656" y="3611605"/>
-                <a:ext cx="1564496" cy="204273"/>
+                <a:off x="2197521" y="3382440"/>
+                <a:ext cx="3216747" cy="251964"/>
               </a:xfrm>
               <a:prstGeom prst="bentConnector2">
                 <a:avLst/>
@@ -5240,351 +6337,22 @@
               </a:fontRef>
             </p:style>
           </p:cxnSp>
-          <p:cxnSp>
-            <p:nvCxnSpPr>
-              <p:cNvPr id="50" name="Elbow Connector 63"/>
-              <p:cNvCxnSpPr>
-                <a:cxnSpLocks/>
-                <a:stCxn id="39" idx="2"/>
-                <a:endCxn id="35" idx="1"/>
-              </p:cNvCxnSpPr>
-              <p:nvPr/>
-            </p:nvCxnSpPr>
-            <p:spPr>
-              <a:xfrm rot="16200000" flipH="1">
-                <a:off x="637981" y="4917280"/>
-                <a:ext cx="4131028" cy="159455"/>
-              </a:xfrm>
-              <a:prstGeom prst="bentConnector2">
-                <a:avLst/>
-              </a:prstGeom>
-              <a:ln w="19050">
-                <a:solidFill>
-                  <a:schemeClr val="accent3"/>
-                </a:solidFill>
-                <a:headEnd type="none" w="med" len="med"/>
-                <a:tailEnd type="arrow" w="med" len="med"/>
-              </a:ln>
-              <a:effectLst/>
-            </p:spPr>
-            <p:style>
-              <a:lnRef idx="1">
-                <a:schemeClr val="accent2"/>
-              </a:lnRef>
-              <a:fillRef idx="2">
-                <a:schemeClr val="accent2"/>
-              </a:fillRef>
-              <a:effectRef idx="1">
-                <a:schemeClr val="accent2"/>
-              </a:effectRef>
-              <a:fontRef idx="minor">
-                <a:schemeClr val="dk1"/>
-              </a:fontRef>
-            </p:style>
-          </p:cxnSp>
-          <p:cxnSp>
-            <p:nvCxnSpPr>
-              <p:cNvPr id="74" name="Elbow Connector 63"/>
-              <p:cNvCxnSpPr>
-                <a:cxnSpLocks/>
-                <a:stCxn id="43" idx="3"/>
-                <a:endCxn id="16" idx="3"/>
-              </p:cNvCxnSpPr>
-              <p:nvPr/>
-            </p:nvCxnSpPr>
-            <p:spPr>
-              <a:xfrm flipV="1">
-                <a:off x="4067263" y="2546359"/>
-                <a:ext cx="2799401" cy="1083673"/>
-              </a:xfrm>
-              <a:prstGeom prst="bentConnector2">
-                <a:avLst/>
-              </a:prstGeom>
-              <a:ln w="6350">
-                <a:solidFill>
-                  <a:schemeClr val="accent3"/>
-                </a:solidFill>
-                <a:headEnd type="none" w="med" len="med"/>
-                <a:tailEnd type="none" w="med" len="med"/>
-              </a:ln>
-              <a:effectLst/>
-            </p:spPr>
-            <p:style>
-              <a:lnRef idx="1">
-                <a:schemeClr val="accent2"/>
-              </a:lnRef>
-              <a:fillRef idx="2">
-                <a:schemeClr val="accent2"/>
-              </a:fillRef>
-              <a:effectRef idx="1">
-                <a:schemeClr val="accent2"/>
-              </a:effectRef>
-              <a:fontRef idx="minor">
-                <a:schemeClr val="dk1"/>
-              </a:fontRef>
-            </p:style>
-          </p:cxnSp>
-          <p:cxnSp>
-            <p:nvCxnSpPr>
-              <p:cNvPr id="77" name="Elbow Connector 63"/>
-              <p:cNvCxnSpPr>
-                <a:cxnSpLocks/>
-                <a:stCxn id="16" idx="3"/>
-                <a:endCxn id="37" idx="3"/>
-              </p:cNvCxnSpPr>
-              <p:nvPr/>
-            </p:nvCxnSpPr>
-            <p:spPr>
-              <a:xfrm rot="5400000">
-                <a:off x="5019535" y="2947114"/>
-                <a:ext cx="2247884" cy="1446376"/>
-              </a:xfrm>
-              <a:prstGeom prst="bentConnector2">
-                <a:avLst/>
-              </a:prstGeom>
-              <a:ln w="6350">
-                <a:solidFill>
-                  <a:schemeClr val="accent3"/>
-                </a:solidFill>
-                <a:headEnd type="none" w="med" len="med"/>
-                <a:tailEnd type="none" w="med" len="med"/>
-              </a:ln>
-              <a:effectLst/>
-            </p:spPr>
-            <p:style>
-              <a:lnRef idx="1">
-                <a:schemeClr val="accent2"/>
-              </a:lnRef>
-              <a:fillRef idx="2">
-                <a:schemeClr val="accent2"/>
-              </a:fillRef>
-              <a:effectRef idx="1">
-                <a:schemeClr val="accent2"/>
-              </a:effectRef>
-              <a:fontRef idx="minor">
-                <a:schemeClr val="dk1"/>
-              </a:fontRef>
-            </p:style>
-          </p:cxnSp>
-          <p:cxnSp>
-            <p:nvCxnSpPr>
-              <p:cNvPr id="82" name="Elbow Connector 63"/>
-              <p:cNvCxnSpPr>
-                <a:cxnSpLocks/>
-                <a:stCxn id="16" idx="3"/>
-                <a:endCxn id="34" idx="3"/>
-              </p:cNvCxnSpPr>
-              <p:nvPr/>
-            </p:nvCxnSpPr>
-            <p:spPr>
-              <a:xfrm rot="5400000">
-                <a:off x="4707869" y="1905757"/>
-                <a:ext cx="1518194" cy="2799398"/>
-              </a:xfrm>
-              <a:prstGeom prst="bentConnector2">
-                <a:avLst/>
-              </a:prstGeom>
-              <a:ln w="6350">
-                <a:solidFill>
-                  <a:schemeClr val="accent3"/>
-                </a:solidFill>
-                <a:headEnd type="none" w="med" len="med"/>
-                <a:tailEnd type="none" w="med" len="med"/>
-              </a:ln>
-              <a:effectLst/>
-            </p:spPr>
-            <p:style>
-              <a:lnRef idx="1">
-                <a:schemeClr val="accent2"/>
-              </a:lnRef>
-              <a:fillRef idx="2">
-                <a:schemeClr val="accent2"/>
-              </a:fillRef>
-              <a:effectRef idx="1">
-                <a:schemeClr val="accent2"/>
-              </a:effectRef>
-              <a:fontRef idx="minor">
-                <a:schemeClr val="dk1"/>
-              </a:fontRef>
-            </p:style>
-          </p:cxnSp>
-          <p:cxnSp>
-            <p:nvCxnSpPr>
-              <p:cNvPr id="91" name="Elbow Connector 63"/>
-              <p:cNvCxnSpPr>
-                <a:cxnSpLocks/>
-                <a:stCxn id="16" idx="3"/>
-                <a:endCxn id="35" idx="3"/>
-              </p:cNvCxnSpPr>
-              <p:nvPr/>
-            </p:nvCxnSpPr>
-            <p:spPr>
-              <a:xfrm rot="5400000">
-                <a:off x="3186474" y="3382331"/>
-                <a:ext cx="4516163" cy="2844220"/>
-              </a:xfrm>
-              <a:prstGeom prst="bentConnector2">
-                <a:avLst/>
-              </a:prstGeom>
-              <a:ln w="6350">
-                <a:solidFill>
-                  <a:schemeClr val="accent3"/>
-                </a:solidFill>
-                <a:headEnd type="none" w="med" len="med"/>
-                <a:tailEnd type="none" w="med" len="med"/>
-              </a:ln>
-              <a:effectLst/>
-            </p:spPr>
-            <p:style>
-              <a:lnRef idx="1">
-                <a:schemeClr val="accent2"/>
-              </a:lnRef>
-              <a:fillRef idx="2">
-                <a:schemeClr val="accent2"/>
-              </a:fillRef>
-              <a:effectRef idx="1">
-                <a:schemeClr val="accent2"/>
-              </a:effectRef>
-              <a:fontRef idx="minor">
-                <a:schemeClr val="dk1"/>
-              </a:fontRef>
-            </p:style>
-          </p:cxnSp>
-          <p:cxnSp>
-            <p:nvCxnSpPr>
-              <p:cNvPr id="131" name="Elbow Connector 130"/>
-              <p:cNvCxnSpPr>
-                <a:cxnSpLocks/>
-                <a:stCxn id="39" idx="2"/>
-                <a:endCxn id="43" idx="1"/>
-              </p:cNvCxnSpPr>
-              <p:nvPr/>
-            </p:nvCxnSpPr>
-            <p:spPr>
-              <a:xfrm rot="16200000" flipH="1">
-                <a:off x="2375657" y="3179604"/>
-                <a:ext cx="698538" cy="202317"/>
-              </a:xfrm>
-              <a:prstGeom prst="bentConnector2">
-                <a:avLst/>
-              </a:prstGeom>
-              <a:ln w="19050">
-                <a:solidFill>
-                  <a:schemeClr val="accent3"/>
-                </a:solidFill>
-                <a:headEnd type="none" w="med" len="med"/>
-                <a:tailEnd type="arrow" w="med" len="med"/>
-              </a:ln>
-              <a:effectLst/>
-            </p:spPr>
-            <p:style>
-              <a:lnRef idx="1">
-                <a:schemeClr val="accent2"/>
-              </a:lnRef>
-              <a:fillRef idx="2">
-                <a:schemeClr val="accent2"/>
-              </a:fillRef>
-              <a:effectRef idx="1">
-                <a:schemeClr val="accent2"/>
-              </a:effectRef>
-              <a:fontRef idx="minor">
-                <a:schemeClr val="dk1"/>
-              </a:fontRef>
-            </p:style>
-          </p:cxnSp>
-          <p:cxnSp>
-            <p:nvCxnSpPr>
-              <p:cNvPr id="132" name="Elbow Connector 63"/>
-              <p:cNvCxnSpPr>
-                <a:cxnSpLocks/>
-                <a:stCxn id="16" idx="3"/>
-                <a:endCxn id="3" idx="3"/>
-              </p:cNvCxnSpPr>
-              <p:nvPr/>
-            </p:nvCxnSpPr>
-            <p:spPr>
-              <a:xfrm rot="5400000">
-                <a:off x="5134493" y="1479133"/>
-                <a:ext cx="664946" cy="2799398"/>
-              </a:xfrm>
-              <a:prstGeom prst="bentConnector2">
-                <a:avLst/>
-              </a:prstGeom>
-              <a:ln w="6350">
-                <a:solidFill>
-                  <a:schemeClr val="accent3"/>
-                </a:solidFill>
-                <a:headEnd type="none" w="med" len="med"/>
-                <a:tailEnd type="none" w="med" len="med"/>
-              </a:ln>
-              <a:effectLst/>
-            </p:spPr>
-            <p:style>
-              <a:lnRef idx="1">
-                <a:schemeClr val="accent2"/>
-              </a:lnRef>
-              <a:fillRef idx="2">
-                <a:schemeClr val="accent2"/>
-              </a:fillRef>
-              <a:effectRef idx="1">
-                <a:schemeClr val="accent2"/>
-              </a:effectRef>
-              <a:fontRef idx="minor">
-                <a:schemeClr val="dk1"/>
-              </a:fontRef>
-            </p:style>
-          </p:cxnSp>
-          <p:cxnSp>
-            <p:nvCxnSpPr>
-              <p:cNvPr id="137" name="Elbow Connector 136"/>
-              <p:cNvCxnSpPr>
-                <a:stCxn id="36" idx="2"/>
-                <a:endCxn id="37" idx="1"/>
-              </p:cNvCxnSpPr>
-              <p:nvPr/>
-            </p:nvCxnSpPr>
-            <p:spPr>
-              <a:xfrm rot="16200000" flipH="1">
-                <a:off x="3769671" y="4323097"/>
-                <a:ext cx="149127" cy="793162"/>
-              </a:xfrm>
-              <a:prstGeom prst="bentConnector2">
-                <a:avLst/>
-              </a:prstGeom>
-              <a:ln w="19050">
-                <a:solidFill>
-                  <a:schemeClr val="accent3"/>
-                </a:solidFill>
-                <a:headEnd type="none" w="med" len="med"/>
-                <a:tailEnd type="arrow" w="med" len="med"/>
-              </a:ln>
-              <a:effectLst/>
-            </p:spPr>
-            <p:style>
-              <a:lnRef idx="1">
-                <a:schemeClr val="accent2"/>
-              </a:lnRef>
-              <a:fillRef idx="2">
-                <a:schemeClr val="accent2"/>
-              </a:fillRef>
-              <a:effectRef idx="1">
-                <a:schemeClr val="accent2"/>
-              </a:effectRef>
-              <a:fontRef idx="minor">
-                <a:schemeClr val="dk1"/>
-              </a:fontRef>
-            </p:style>
-          </p:cxnSp>
           <p:sp>
             <p:nvSpPr>
-              <p:cNvPr id="118" name="Freeform 117"/>
+              <p:cNvPr id="147" name="Freeform 117">
+                <a:extLst>
+                  <a:ext uri="{FF2B5EF4-FFF2-40B4-BE49-F238E27FC236}">
+                    <a16:creationId xmlns:a16="http://schemas.microsoft.com/office/drawing/2014/main" id="{AF26E0CF-9927-44F8-B4ED-BC9A28831DDF}"/>
+                  </a:ext>
+                </a:extLst>
+              </p:cNvPr>
               <p:cNvSpPr/>
               <p:nvPr/>
             </p:nvSpPr>
             <p:spPr>
-              <a:xfrm flipV="1">
-                <a:off x="5356184" y="4953508"/>
-                <a:ext cx="2442677" cy="135517"/>
+              <a:xfrm>
+                <a:off x="7141942" y="4175375"/>
+                <a:ext cx="2952009" cy="122823"/>
               </a:xfrm>
               <a:custGeom>
                 <a:avLst/>
@@ -5657,13 +6425,587 @@
               </a:p>
             </p:txBody>
           </p:sp>
+          <p:sp>
+            <p:nvSpPr>
+              <p:cNvPr id="148" name="Freeform 117">
+                <a:extLst>
+                  <a:ext uri="{FF2B5EF4-FFF2-40B4-BE49-F238E27FC236}">
+                    <a16:creationId xmlns:a16="http://schemas.microsoft.com/office/drawing/2014/main" id="{444ED2A7-4FF8-41B8-AF90-C45725C44D15}"/>
+                  </a:ext>
+                </a:extLst>
+              </p:cNvPr>
+              <p:cNvSpPr/>
+              <p:nvPr/>
+            </p:nvSpPr>
+            <p:spPr>
+              <a:xfrm>
+                <a:off x="7131290" y="4606812"/>
+                <a:ext cx="2962661" cy="151747"/>
+              </a:xfrm>
+              <a:custGeom>
+                <a:avLst/>
+                <a:gdLst>
+                  <a:gd name="connsiteX0" fmla="*/ 0 w 3048000"/>
+                  <a:gd name="connsiteY0" fmla="*/ 203200 h 203200"/>
+                  <a:gd name="connsiteX1" fmla="*/ 221673 w 3048000"/>
+                  <a:gd name="connsiteY1" fmla="*/ 0 h 203200"/>
+                  <a:gd name="connsiteX2" fmla="*/ 3048000 w 3048000"/>
+                  <a:gd name="connsiteY2" fmla="*/ 0 h 203200"/>
+                </a:gdLst>
+                <a:ahLst/>
+                <a:cxnLst>
+                  <a:cxn ang="0">
+                    <a:pos x="connsiteX0" y="connsiteY0"/>
+                  </a:cxn>
+                  <a:cxn ang="0">
+                    <a:pos x="connsiteX1" y="connsiteY1"/>
+                  </a:cxn>
+                  <a:cxn ang="0">
+                    <a:pos x="connsiteX2" y="connsiteY2"/>
+                  </a:cxn>
+                </a:cxnLst>
+                <a:rect l="l" t="t" r="r" b="b"/>
+                <a:pathLst>
+                  <a:path w="3048000" h="203200">
+                    <a:moveTo>
+                      <a:pt x="0" y="203200"/>
+                    </a:moveTo>
+                    <a:lnTo>
+                      <a:pt x="221673" y="0"/>
+                    </a:lnTo>
+                    <a:lnTo>
+                      <a:pt x="3048000" y="0"/>
+                    </a:lnTo>
+                  </a:path>
+                </a:pathLst>
+              </a:custGeom>
+              <a:noFill/>
+              <a:ln w="19050">
+                <a:solidFill>
+                  <a:schemeClr val="accent3"/>
+                </a:solidFill>
+                <a:prstDash val="sysDot"/>
+                <a:headEnd type="none" w="med" len="med"/>
+                <a:tailEnd type="arrow" w="med" len="med"/>
+              </a:ln>
+              <a:effectLst/>
+            </p:spPr>
+            <p:style>
+              <a:lnRef idx="1">
+                <a:schemeClr val="accent2"/>
+              </a:lnRef>
+              <a:fillRef idx="2">
+                <a:schemeClr val="accent2"/>
+              </a:fillRef>
+              <a:effectRef idx="1">
+                <a:schemeClr val="accent2"/>
+              </a:effectRef>
+              <a:fontRef idx="minor">
+                <a:schemeClr val="dk1"/>
+              </a:fontRef>
+            </p:style>
+            <p:txBody>
+              <a:bodyPr rtlCol="0" anchor="ctr"/>
+              <a:lstStyle/>
+              <a:p>
+                <a:pPr algn="ctr"/>
+                <a:endParaRPr lang="en-SG"/>
+              </a:p>
+            </p:txBody>
+          </p:sp>
+          <p:cxnSp>
+            <p:nvCxnSpPr>
+              <p:cNvPr id="149" name="Elbow Connector 63">
+                <a:extLst>
+                  <a:ext uri="{FF2B5EF4-FFF2-40B4-BE49-F238E27FC236}">
+                    <a16:creationId xmlns:a16="http://schemas.microsoft.com/office/drawing/2014/main" id="{2EDDD074-A919-4C29-B366-F1B572C66FB5}"/>
+                  </a:ext>
+                </a:extLst>
+              </p:cNvPr>
+              <p:cNvCxnSpPr>
+                <a:cxnSpLocks/>
+                <a:stCxn id="16" idx="3"/>
+                <a:endCxn id="127" idx="3"/>
+              </p:cNvCxnSpPr>
+              <p:nvPr/>
+            </p:nvCxnSpPr>
+            <p:spPr>
+              <a:xfrm rot="5400000">
+                <a:off x="5402238" y="1580451"/>
+                <a:ext cx="3601882" cy="3470808"/>
+              </a:xfrm>
+              <a:prstGeom prst="bentConnector2">
+                <a:avLst/>
+              </a:prstGeom>
+              <a:ln w="6350">
+                <a:solidFill>
+                  <a:schemeClr val="accent3"/>
+                </a:solidFill>
+                <a:headEnd type="none" w="med" len="med"/>
+                <a:tailEnd type="none" w="med" len="med"/>
+              </a:ln>
+              <a:effectLst/>
+            </p:spPr>
+            <p:style>
+              <a:lnRef idx="1">
+                <a:schemeClr val="accent2"/>
+              </a:lnRef>
+              <a:fillRef idx="2">
+                <a:schemeClr val="accent2"/>
+              </a:fillRef>
+              <a:effectRef idx="1">
+                <a:schemeClr val="accent2"/>
+              </a:effectRef>
+              <a:fontRef idx="minor">
+                <a:schemeClr val="dk1"/>
+              </a:fontRef>
+            </p:style>
+          </p:cxnSp>
+          <p:cxnSp>
+            <p:nvCxnSpPr>
+              <p:cNvPr id="152" name="Elbow Connector 63">
+                <a:extLst>
+                  <a:ext uri="{FF2B5EF4-FFF2-40B4-BE49-F238E27FC236}">
+                    <a16:creationId xmlns:a16="http://schemas.microsoft.com/office/drawing/2014/main" id="{6B9CAB14-E9C9-4F52-B64D-F65D8B6C7190}"/>
+                  </a:ext>
+                </a:extLst>
+              </p:cNvPr>
+              <p:cNvCxnSpPr>
+                <a:cxnSpLocks/>
+                <a:stCxn id="39" idx="2"/>
+                <a:endCxn id="154" idx="1"/>
+              </p:cNvCxnSpPr>
+              <p:nvPr/>
+            </p:nvCxnSpPr>
+            <p:spPr>
+              <a:xfrm rot="16200000" flipH="1">
+                <a:off x="1959333" y="3620627"/>
+                <a:ext cx="3683648" cy="242491"/>
+              </a:xfrm>
+              <a:prstGeom prst="bentConnector2">
+                <a:avLst/>
+              </a:prstGeom>
+              <a:ln w="19050">
+                <a:solidFill>
+                  <a:schemeClr val="accent3"/>
+                </a:solidFill>
+                <a:headEnd type="none" w="med" len="med"/>
+                <a:tailEnd type="arrow" w="med" len="med"/>
+              </a:ln>
+              <a:effectLst/>
+            </p:spPr>
+            <p:style>
+              <a:lnRef idx="1">
+                <a:schemeClr val="accent2"/>
+              </a:lnRef>
+              <a:fillRef idx="2">
+                <a:schemeClr val="accent2"/>
+              </a:fillRef>
+              <a:effectRef idx="1">
+                <a:schemeClr val="accent2"/>
+              </a:effectRef>
+              <a:fontRef idx="minor">
+                <a:schemeClr val="dk1"/>
+              </a:fontRef>
+            </p:style>
+          </p:cxnSp>
+          <p:sp>
+            <p:nvSpPr>
+              <p:cNvPr id="154" name="Rectangle 11">
+                <a:extLst>
+                  <a:ext uri="{FF2B5EF4-FFF2-40B4-BE49-F238E27FC236}">
+                    <a16:creationId xmlns:a16="http://schemas.microsoft.com/office/drawing/2014/main" id="{430CE5DF-BAAC-4EDD-AA1D-CE41B3ACCB63}"/>
+                  </a:ext>
+                </a:extLst>
+              </p:cNvPr>
+              <p:cNvSpPr/>
+              <p:nvPr/>
+            </p:nvSpPr>
+            <p:spPr>
+              <a:xfrm>
+                <a:off x="3922403" y="5434570"/>
+                <a:ext cx="1535899" cy="298253"/>
+              </a:xfrm>
+              <a:prstGeom prst="rect">
+                <a:avLst/>
+              </a:prstGeom>
+              <a:ln w="19050">
+                <a:solidFill>
+                  <a:schemeClr val="accent3"/>
+                </a:solidFill>
+              </a:ln>
+              <a:effectLst/>
+            </p:spPr>
+            <p:style>
+              <a:lnRef idx="1">
+                <a:schemeClr val="accent3"/>
+              </a:lnRef>
+              <a:fillRef idx="2">
+                <a:schemeClr val="accent3"/>
+              </a:fillRef>
+              <a:effectRef idx="1">
+                <a:schemeClr val="accent3"/>
+              </a:effectRef>
+              <a:fontRef idx="minor">
+                <a:schemeClr val="dk1"/>
+              </a:fontRef>
+            </p:style>
+            <p:txBody>
+              <a:bodyPr rtlCol="0" anchor="ctr"/>
+              <a:lstStyle/>
+              <a:p>
+                <a:pPr algn="ctr"/>
+                <a:r>
+                  <a:rPr lang="en-SG" sz="1050" b="1" dirty="0" err="1">
+                    <a:solidFill>
+                      <a:schemeClr val="accent3">
+                        <a:lumMod val="75000"/>
+                      </a:schemeClr>
+                    </a:solidFill>
+                  </a:rPr>
+                  <a:t>TimeTable</a:t>
+                </a:r>
+                <a:endParaRPr lang="en-SG" sz="1050" b="1" dirty="0">
+                  <a:solidFill>
+                    <a:schemeClr val="accent3">
+                      <a:lumMod val="75000"/>
+                    </a:schemeClr>
+                  </a:solidFill>
+                </a:endParaRPr>
+              </a:p>
+            </p:txBody>
+          </p:sp>
+          <p:cxnSp>
+            <p:nvCxnSpPr>
+              <p:cNvPr id="157" name="Elbow Connector 136">
+                <a:extLst>
+                  <a:ext uri="{FF2B5EF4-FFF2-40B4-BE49-F238E27FC236}">
+                    <a16:creationId xmlns:a16="http://schemas.microsoft.com/office/drawing/2014/main" id="{EF0C2BD7-D59A-499F-9C04-01692271F882}"/>
+                  </a:ext>
+                </a:extLst>
+              </p:cNvPr>
+              <p:cNvCxnSpPr>
+                <a:cxnSpLocks/>
+                <a:stCxn id="154" idx="2"/>
+                <a:endCxn id="158" idx="1"/>
+              </p:cNvCxnSpPr>
+              <p:nvPr/>
+            </p:nvCxnSpPr>
+            <p:spPr>
+              <a:xfrm rot="16200000" flipH="1">
+                <a:off x="5156643" y="5266533"/>
+                <a:ext cx="68800" cy="1001380"/>
+              </a:xfrm>
+              <a:prstGeom prst="bentConnector2">
+                <a:avLst/>
+              </a:prstGeom>
+              <a:ln w="19050">
+                <a:solidFill>
+                  <a:schemeClr val="accent3"/>
+                </a:solidFill>
+                <a:headEnd type="none" w="med" len="med"/>
+                <a:tailEnd type="arrow" w="med" len="med"/>
+              </a:ln>
+              <a:effectLst/>
+            </p:spPr>
+            <p:style>
+              <a:lnRef idx="1">
+                <a:schemeClr val="accent2"/>
+              </a:lnRef>
+              <a:fillRef idx="2">
+                <a:schemeClr val="accent2"/>
+              </a:fillRef>
+              <a:effectRef idx="1">
+                <a:schemeClr val="accent2"/>
+              </a:effectRef>
+              <a:fontRef idx="minor">
+                <a:schemeClr val="dk1"/>
+              </a:fontRef>
+            </p:style>
+          </p:cxnSp>
+          <p:sp>
+            <p:nvSpPr>
+              <p:cNvPr id="158" name="Rectangle 11">
+                <a:extLst>
+                  <a:ext uri="{FF2B5EF4-FFF2-40B4-BE49-F238E27FC236}">
+                    <a16:creationId xmlns:a16="http://schemas.microsoft.com/office/drawing/2014/main" id="{8FFBC88F-BE8D-4CDD-BCA0-B2B892ADF623}"/>
+                  </a:ext>
+                </a:extLst>
+              </p:cNvPr>
+              <p:cNvSpPr/>
+              <p:nvPr/>
+            </p:nvSpPr>
+            <p:spPr>
+              <a:xfrm>
+                <a:off x="5691733" y="5652496"/>
+                <a:ext cx="1461847" cy="298253"/>
+              </a:xfrm>
+              <a:prstGeom prst="rect">
+                <a:avLst/>
+              </a:prstGeom>
+              <a:ln w="19050">
+                <a:solidFill>
+                  <a:schemeClr val="accent3"/>
+                </a:solidFill>
+              </a:ln>
+              <a:effectLst/>
+            </p:spPr>
+            <p:style>
+              <a:lnRef idx="1">
+                <a:schemeClr val="accent3"/>
+              </a:lnRef>
+              <a:fillRef idx="2">
+                <a:schemeClr val="accent3"/>
+              </a:fillRef>
+              <a:effectRef idx="1">
+                <a:schemeClr val="accent3"/>
+              </a:effectRef>
+              <a:fontRef idx="minor">
+                <a:schemeClr val="dk1"/>
+              </a:fontRef>
+            </p:style>
+            <p:txBody>
+              <a:bodyPr rtlCol="0" anchor="ctr"/>
+              <a:lstStyle/>
+              <a:p>
+                <a:pPr algn="ctr"/>
+                <a:r>
+                  <a:rPr lang="en-SG" sz="1050" b="1" dirty="0" err="1">
+                    <a:solidFill>
+                      <a:schemeClr val="accent3">
+                        <a:lumMod val="75000"/>
+                      </a:schemeClr>
+                    </a:solidFill>
+                  </a:rPr>
+                  <a:t>TimeTableSlot</a:t>
+                </a:r>
+                <a:endParaRPr lang="en-SG" sz="1050" b="1" dirty="0">
+                  <a:solidFill>
+                    <a:schemeClr val="accent3">
+                      <a:lumMod val="75000"/>
+                    </a:schemeClr>
+                  </a:solidFill>
+                </a:endParaRPr>
+              </a:p>
+            </p:txBody>
+          </p:sp>
+          <p:cxnSp>
+            <p:nvCxnSpPr>
+              <p:cNvPr id="166" name="Elbow Connector 63">
+                <a:extLst>
+                  <a:ext uri="{FF2B5EF4-FFF2-40B4-BE49-F238E27FC236}">
+                    <a16:creationId xmlns:a16="http://schemas.microsoft.com/office/drawing/2014/main" id="{7C940A33-7551-442D-8494-C620121F7553}"/>
+                  </a:ext>
+                </a:extLst>
+              </p:cNvPr>
+              <p:cNvCxnSpPr>
+                <a:cxnSpLocks/>
+                <a:stCxn id="16" idx="3"/>
+                <a:endCxn id="158" idx="3"/>
+              </p:cNvCxnSpPr>
+              <p:nvPr/>
+            </p:nvCxnSpPr>
+            <p:spPr>
+              <a:xfrm rot="5400000">
+                <a:off x="5902728" y="2765767"/>
+                <a:ext cx="4286709" cy="1785003"/>
+              </a:xfrm>
+              <a:prstGeom prst="bentConnector2">
+                <a:avLst/>
+              </a:prstGeom>
+              <a:ln w="6350">
+                <a:solidFill>
+                  <a:schemeClr val="accent3"/>
+                </a:solidFill>
+                <a:headEnd type="none" w="med" len="med"/>
+                <a:tailEnd type="none" w="med" len="med"/>
+              </a:ln>
+              <a:effectLst/>
+            </p:spPr>
+            <p:style>
+              <a:lnRef idx="1">
+                <a:schemeClr val="accent2"/>
+              </a:lnRef>
+              <a:fillRef idx="2">
+                <a:schemeClr val="accent2"/>
+              </a:fillRef>
+              <a:effectRef idx="1">
+                <a:schemeClr val="accent2"/>
+              </a:effectRef>
+              <a:fontRef idx="minor">
+                <a:schemeClr val="dk1"/>
+              </a:fontRef>
+            </p:style>
+          </p:cxnSp>
+          <p:cxnSp>
+            <p:nvCxnSpPr>
+              <p:cNvPr id="171" name="Elbow Connector 136">
+                <a:extLst>
+                  <a:ext uri="{FF2B5EF4-FFF2-40B4-BE49-F238E27FC236}">
+                    <a16:creationId xmlns:a16="http://schemas.microsoft.com/office/drawing/2014/main" id="{E0636CDE-744E-46D0-9F27-D737C0659EDC}"/>
+                  </a:ext>
+                </a:extLst>
+              </p:cNvPr>
+              <p:cNvCxnSpPr>
+                <a:cxnSpLocks/>
+                <a:stCxn id="127" idx="2"/>
+                <a:endCxn id="172" idx="1"/>
+              </p:cNvCxnSpPr>
+              <p:nvPr/>
+            </p:nvCxnSpPr>
+            <p:spPr>
+              <a:xfrm rot="16200000" flipH="1">
+                <a:off x="5150269" y="4815479"/>
+                <a:ext cx="79385" cy="980270"/>
+              </a:xfrm>
+              <a:prstGeom prst="bentConnector2">
+                <a:avLst/>
+              </a:prstGeom>
+              <a:ln w="19050">
+                <a:solidFill>
+                  <a:schemeClr val="accent3"/>
+                </a:solidFill>
+                <a:headEnd type="none" w="med" len="med"/>
+                <a:tailEnd type="arrow" w="med" len="med"/>
+              </a:ln>
+              <a:effectLst/>
+            </p:spPr>
+            <p:style>
+              <a:lnRef idx="1">
+                <a:schemeClr val="accent2"/>
+              </a:lnRef>
+              <a:fillRef idx="2">
+                <a:schemeClr val="accent2"/>
+              </a:fillRef>
+              <a:effectRef idx="1">
+                <a:schemeClr val="accent2"/>
+              </a:effectRef>
+              <a:fontRef idx="minor">
+                <a:schemeClr val="dk1"/>
+              </a:fontRef>
+            </p:style>
+          </p:cxnSp>
+          <p:sp>
+            <p:nvSpPr>
+              <p:cNvPr id="172" name="Rectangle 11">
+                <a:extLst>
+                  <a:ext uri="{FF2B5EF4-FFF2-40B4-BE49-F238E27FC236}">
+                    <a16:creationId xmlns:a16="http://schemas.microsoft.com/office/drawing/2014/main" id="{0DB75F30-FD8A-47EE-8F8F-DA71026DA057}"/>
+                  </a:ext>
+                </a:extLst>
+              </p:cNvPr>
+              <p:cNvSpPr/>
+              <p:nvPr/>
+            </p:nvSpPr>
+            <p:spPr>
+              <a:xfrm>
+                <a:off x="5680096" y="5196180"/>
+                <a:ext cx="1461847" cy="298253"/>
+              </a:xfrm>
+              <a:prstGeom prst="rect">
+                <a:avLst/>
+              </a:prstGeom>
+              <a:ln w="19050">
+                <a:solidFill>
+                  <a:schemeClr val="accent3"/>
+                </a:solidFill>
+              </a:ln>
+              <a:effectLst/>
+            </p:spPr>
+            <p:style>
+              <a:lnRef idx="1">
+                <a:schemeClr val="accent3"/>
+              </a:lnRef>
+              <a:fillRef idx="2">
+                <a:schemeClr val="accent3"/>
+              </a:fillRef>
+              <a:effectRef idx="1">
+                <a:schemeClr val="accent3"/>
+              </a:effectRef>
+              <a:fontRef idx="minor">
+                <a:schemeClr val="dk1"/>
+              </a:fontRef>
+            </p:style>
+            <p:txBody>
+              <a:bodyPr rtlCol="0" anchor="ctr"/>
+              <a:lstStyle/>
+              <a:p>
+                <a:pPr algn="ctr"/>
+                <a:r>
+                  <a:rPr lang="en-SG" sz="1050" b="1" dirty="0" err="1">
+                    <a:solidFill>
+                      <a:schemeClr val="accent3">
+                        <a:lumMod val="75000"/>
+                      </a:schemeClr>
+                    </a:solidFill>
+                  </a:rPr>
+                  <a:t>CalendarDate</a:t>
+                </a:r>
+                <a:endParaRPr lang="en-SG" sz="1050" b="1" dirty="0">
+                  <a:solidFill>
+                    <a:schemeClr val="accent3">
+                      <a:lumMod val="75000"/>
+                    </a:schemeClr>
+                  </a:solidFill>
+                </a:endParaRPr>
+              </a:p>
+            </p:txBody>
+          </p:sp>
+          <p:cxnSp>
+            <p:nvCxnSpPr>
+              <p:cNvPr id="185" name="Elbow Connector 63">
+                <a:extLst>
+                  <a:ext uri="{FF2B5EF4-FFF2-40B4-BE49-F238E27FC236}">
+                    <a16:creationId xmlns:a16="http://schemas.microsoft.com/office/drawing/2014/main" id="{2E55CA87-F4FB-4438-B582-8EEEF45F575F}"/>
+                  </a:ext>
+                </a:extLst>
+              </p:cNvPr>
+              <p:cNvCxnSpPr>
+                <a:cxnSpLocks/>
+                <a:stCxn id="16" idx="3"/>
+                <a:endCxn id="172" idx="3"/>
+              </p:cNvCxnSpPr>
+              <p:nvPr/>
+            </p:nvCxnSpPr>
+            <p:spPr>
+              <a:xfrm rot="5400000">
+                <a:off x="6125067" y="2531790"/>
+                <a:ext cx="3830393" cy="1796640"/>
+              </a:xfrm>
+              <a:prstGeom prst="bentConnector2">
+                <a:avLst/>
+              </a:prstGeom>
+              <a:ln w="6350">
+                <a:solidFill>
+                  <a:schemeClr val="accent3"/>
+                </a:solidFill>
+                <a:headEnd type="none" w="med" len="med"/>
+                <a:tailEnd type="none" w="med" len="med"/>
+              </a:ln>
+              <a:effectLst/>
+            </p:spPr>
+            <p:style>
+              <a:lnRef idx="1">
+                <a:schemeClr val="accent2"/>
+              </a:lnRef>
+              <a:fillRef idx="2">
+                <a:schemeClr val="accent2"/>
+              </a:fillRef>
+              <a:effectRef idx="1">
+                <a:schemeClr val="accent2"/>
+              </a:effectRef>
+              <a:fontRef idx="minor">
+                <a:schemeClr val="dk1"/>
+              </a:fontRef>
+            </p:style>
+          </p:cxnSp>
         </p:grpSp>
         <p:sp>
           <p:nvSpPr>
-            <p:cNvPr id="81" name="Rectangle 11">
+            <p:cNvPr id="69" name="Rectangle 11">
               <a:extLst>
                 <a:ext uri="{FF2B5EF4-FFF2-40B4-BE49-F238E27FC236}">
-                  <a16:creationId xmlns:a16="http://schemas.microsoft.com/office/drawing/2014/main" id="{9E7E878D-69C3-472C-B15A-173D927BE300}"/>
+                  <a16:creationId xmlns:a16="http://schemas.microsoft.com/office/drawing/2014/main" id="{8CB3A62D-FB36-46DF-87A5-0FBEC59E4816}"/>
                 </a:ext>
               </a:extLst>
             </p:cNvPr>
@@ -5672,398 +7014,8 @@
           </p:nvSpPr>
           <p:spPr>
             <a:xfrm>
-              <a:off x="3925361" y="3954283"/>
-              <a:ext cx="1535899" cy="298253"/>
-            </a:xfrm>
-            <a:prstGeom prst="rect">
-              <a:avLst/>
-            </a:prstGeom>
-            <a:ln w="19050">
-              <a:solidFill>
-                <a:schemeClr val="accent3"/>
-              </a:solidFill>
-            </a:ln>
-            <a:effectLst/>
-          </p:spPr>
-          <p:style>
-            <a:lnRef idx="1">
-              <a:schemeClr val="accent3"/>
-            </a:lnRef>
-            <a:fillRef idx="2">
-              <a:schemeClr val="accent3"/>
-            </a:fillRef>
-            <a:effectRef idx="1">
-              <a:schemeClr val="accent3"/>
-            </a:effectRef>
-            <a:fontRef idx="minor">
-              <a:schemeClr val="dk1"/>
-            </a:fontRef>
-          </p:style>
-          <p:txBody>
-            <a:bodyPr rtlCol="0" anchor="ctr"/>
-            <a:lstStyle/>
-            <a:p>
-              <a:pPr algn="ctr"/>
-              <a:r>
-                <a:rPr lang="en-US" sz="1050" b="1" dirty="0" err="1">
-                  <a:solidFill>
-                    <a:schemeClr val="accent3">
-                      <a:lumMod val="75000"/>
-                    </a:schemeClr>
-                  </a:solidFill>
-                </a:rPr>
-                <a:t>ToDoListPanel</a:t>
-              </a:r>
-              <a:endParaRPr lang="en-SG" sz="1050" b="1" dirty="0">
-                <a:solidFill>
-                  <a:schemeClr val="accent3">
-                    <a:lumMod val="75000"/>
-                  </a:schemeClr>
-                </a:solidFill>
-              </a:endParaRPr>
-            </a:p>
-          </p:txBody>
-        </p:sp>
-        <p:cxnSp>
-          <p:nvCxnSpPr>
-            <p:cNvPr id="85" name="Elbow Connector 63">
-              <a:extLst>
-                <a:ext uri="{FF2B5EF4-FFF2-40B4-BE49-F238E27FC236}">
-                  <a16:creationId xmlns:a16="http://schemas.microsoft.com/office/drawing/2014/main" id="{6B3C67DC-CD02-4BB0-B1ED-8A593782393E}"/>
-                </a:ext>
-              </a:extLst>
-            </p:cNvPr>
-            <p:cNvCxnSpPr>
-              <a:cxnSpLocks/>
-              <a:stCxn id="39" idx="2"/>
-              <a:endCxn id="81" idx="1"/>
-            </p:cNvCxnSpPr>
-            <p:nvPr/>
-          </p:nvCxnSpPr>
-          <p:spPr>
-            <a:xfrm rot="16200000" flipH="1">
-              <a:off x="2700956" y="2879004"/>
-              <a:ext cx="2203361" cy="245449"/>
-            </a:xfrm>
-            <a:prstGeom prst="bentConnector2">
-              <a:avLst/>
-            </a:prstGeom>
-            <a:ln w="19050">
-              <a:solidFill>
-                <a:schemeClr val="accent3"/>
-              </a:solidFill>
-              <a:headEnd type="none" w="med" len="med"/>
-              <a:tailEnd type="arrow" w="med" len="med"/>
-            </a:ln>
-            <a:effectLst/>
-          </p:spPr>
-          <p:style>
-            <a:lnRef idx="1">
-              <a:schemeClr val="accent2"/>
-            </a:lnRef>
-            <a:fillRef idx="2">
-              <a:schemeClr val="accent2"/>
-            </a:fillRef>
-            <a:effectRef idx="1">
-              <a:schemeClr val="accent2"/>
-            </a:effectRef>
-            <a:fontRef idx="minor">
-              <a:schemeClr val="dk1"/>
-            </a:fontRef>
-          </p:style>
-        </p:cxnSp>
-        <p:cxnSp>
-          <p:nvCxnSpPr>
-            <p:cNvPr id="89" name="Elbow Connector 136">
-              <a:extLst>
-                <a:ext uri="{FF2B5EF4-FFF2-40B4-BE49-F238E27FC236}">
-                  <a16:creationId xmlns:a16="http://schemas.microsoft.com/office/drawing/2014/main" id="{44940975-A869-4F75-9124-C8D163316182}"/>
-                </a:ext>
-              </a:extLst>
-            </p:cNvPr>
-            <p:cNvCxnSpPr>
-              <a:cxnSpLocks/>
-              <a:stCxn id="81" idx="2"/>
-              <a:endCxn id="90" idx="1"/>
-            </p:cNvCxnSpPr>
-            <p:nvPr/>
-          </p:nvCxnSpPr>
-          <p:spPr>
-            <a:xfrm rot="16200000" flipH="1">
-              <a:off x="5140915" y="3804931"/>
-              <a:ext cx="84884" cy="980093"/>
-            </a:xfrm>
-            <a:prstGeom prst="bentConnector2">
-              <a:avLst/>
-            </a:prstGeom>
-            <a:ln w="19050">
-              <a:solidFill>
-                <a:schemeClr val="accent3"/>
-              </a:solidFill>
-              <a:headEnd type="none" w="med" len="med"/>
-              <a:tailEnd type="arrow" w="med" len="med"/>
-            </a:ln>
-            <a:effectLst/>
-          </p:spPr>
-          <p:style>
-            <a:lnRef idx="1">
-              <a:schemeClr val="accent2"/>
-            </a:lnRef>
-            <a:fillRef idx="2">
-              <a:schemeClr val="accent2"/>
-            </a:fillRef>
-            <a:effectRef idx="1">
-              <a:schemeClr val="accent2"/>
-            </a:effectRef>
-            <a:fontRef idx="minor">
-              <a:schemeClr val="dk1"/>
-            </a:fontRef>
-          </p:style>
-        </p:cxnSp>
-        <p:sp>
-          <p:nvSpPr>
-            <p:cNvPr id="90" name="Rectangle 11">
-              <a:extLst>
-                <a:ext uri="{FF2B5EF4-FFF2-40B4-BE49-F238E27FC236}">
-                  <a16:creationId xmlns:a16="http://schemas.microsoft.com/office/drawing/2014/main" id="{D326BE70-B7F4-402D-A865-13B2ED366F24}"/>
-                </a:ext>
-              </a:extLst>
-            </p:cNvPr>
-            <p:cNvSpPr/>
-            <p:nvPr/>
-          </p:nvSpPr>
-          <p:spPr>
-            <a:xfrm>
-              <a:off x="5673404" y="4188293"/>
-              <a:ext cx="1461847" cy="298253"/>
-            </a:xfrm>
-            <a:prstGeom prst="rect">
-              <a:avLst/>
-            </a:prstGeom>
-            <a:ln w="19050">
-              <a:solidFill>
-                <a:schemeClr val="accent3"/>
-              </a:solidFill>
-            </a:ln>
-            <a:effectLst/>
-          </p:spPr>
-          <p:style>
-            <a:lnRef idx="1">
-              <a:schemeClr val="accent3"/>
-            </a:lnRef>
-            <a:fillRef idx="2">
-              <a:schemeClr val="accent3"/>
-            </a:fillRef>
-            <a:effectRef idx="1">
-              <a:schemeClr val="accent3"/>
-            </a:effectRef>
-            <a:fontRef idx="minor">
-              <a:schemeClr val="dk1"/>
-            </a:fontRef>
-          </p:style>
-          <p:txBody>
-            <a:bodyPr rtlCol="0" anchor="ctr"/>
-            <a:lstStyle/>
-            <a:p>
-              <a:pPr algn="ctr"/>
-              <a:r>
-                <a:rPr lang="en-US" sz="1050" b="1" dirty="0" err="1">
-                  <a:solidFill>
-                    <a:schemeClr val="accent3">
-                      <a:lumMod val="75000"/>
-                    </a:schemeClr>
-                  </a:solidFill>
-                </a:rPr>
-                <a:t>ToDoCard</a:t>
-              </a:r>
-              <a:endParaRPr lang="en-SG" sz="1050" b="1" dirty="0">
-                <a:solidFill>
-                  <a:schemeClr val="accent3">
-                    <a:lumMod val="75000"/>
-                  </a:schemeClr>
-                </a:solidFill>
-              </a:endParaRPr>
-            </a:p>
-          </p:txBody>
-        </p:sp>
-        <p:cxnSp>
-          <p:nvCxnSpPr>
-            <p:cNvPr id="92" name="Elbow Connector 63">
-              <a:extLst>
-                <a:ext uri="{FF2B5EF4-FFF2-40B4-BE49-F238E27FC236}">
-                  <a16:creationId xmlns:a16="http://schemas.microsoft.com/office/drawing/2014/main" id="{B493E37A-1588-44B1-B9EB-A730A32A9A02}"/>
-                </a:ext>
-              </a:extLst>
-            </p:cNvPr>
-            <p:cNvCxnSpPr>
-              <a:cxnSpLocks/>
-              <a:stCxn id="16" idx="3"/>
-              <a:endCxn id="90" idx="3"/>
-            </p:cNvCxnSpPr>
-            <p:nvPr/>
-          </p:nvCxnSpPr>
-          <p:spPr>
-            <a:xfrm rot="5400000">
-              <a:off x="6625664" y="2024501"/>
-              <a:ext cx="2822506" cy="1803332"/>
-            </a:xfrm>
-            <a:prstGeom prst="bentConnector2">
-              <a:avLst/>
-            </a:prstGeom>
-            <a:ln w="6350">
-              <a:solidFill>
-                <a:schemeClr val="accent3"/>
-              </a:solidFill>
-              <a:headEnd type="none" w="med" len="med"/>
-              <a:tailEnd type="none" w="med" len="med"/>
-            </a:ln>
-            <a:effectLst/>
-          </p:spPr>
-          <p:style>
-            <a:lnRef idx="1">
-              <a:schemeClr val="accent2"/>
-            </a:lnRef>
-            <a:fillRef idx="2">
-              <a:schemeClr val="accent2"/>
-            </a:fillRef>
-            <a:effectRef idx="1">
-              <a:schemeClr val="accent2"/>
-            </a:effectRef>
-            <a:fontRef idx="minor">
-              <a:schemeClr val="dk1"/>
-            </a:fontRef>
-          </p:style>
-        </p:cxnSp>
-        <p:sp>
-          <p:nvSpPr>
-            <p:cNvPr id="95" name="Rectangle 11">
-              <a:extLst>
-                <a:ext uri="{FF2B5EF4-FFF2-40B4-BE49-F238E27FC236}">
-                  <a16:creationId xmlns:a16="http://schemas.microsoft.com/office/drawing/2014/main" id="{9AE37783-D69F-4051-A6C7-A01A34CB8F47}"/>
-                </a:ext>
-              </a:extLst>
-            </p:cNvPr>
-            <p:cNvSpPr/>
-            <p:nvPr/>
-          </p:nvSpPr>
-          <p:spPr>
-            <a:xfrm>
-              <a:off x="3922404" y="4492347"/>
-              <a:ext cx="1535899" cy="298253"/>
-            </a:xfrm>
-            <a:prstGeom prst="rect">
-              <a:avLst/>
-            </a:prstGeom>
-            <a:ln w="19050">
-              <a:solidFill>
-                <a:schemeClr val="accent3"/>
-              </a:solidFill>
-            </a:ln>
-            <a:effectLst/>
-          </p:spPr>
-          <p:style>
-            <a:lnRef idx="1">
-              <a:schemeClr val="accent3"/>
-            </a:lnRef>
-            <a:fillRef idx="2">
-              <a:schemeClr val="accent3"/>
-            </a:fillRef>
-            <a:effectRef idx="1">
-              <a:schemeClr val="accent3"/>
-            </a:effectRef>
-            <a:fontRef idx="minor">
-              <a:schemeClr val="dk1"/>
-            </a:fontRef>
-          </p:style>
-          <p:txBody>
-            <a:bodyPr rtlCol="0" anchor="ctr"/>
-            <a:lstStyle/>
-            <a:p>
-              <a:pPr algn="ctr"/>
-              <a:r>
-                <a:rPr lang="en-US" sz="1050" b="1" dirty="0" err="1">
-                  <a:solidFill>
-                    <a:schemeClr val="accent3">
-                      <a:lumMod val="75000"/>
-                    </a:schemeClr>
-                  </a:solidFill>
-                </a:rPr>
-                <a:t>GroupListPanel</a:t>
-              </a:r>
-              <a:endParaRPr lang="en-SG" sz="1050" b="1" dirty="0">
-                <a:solidFill>
-                  <a:schemeClr val="accent3">
-                    <a:lumMod val="75000"/>
-                  </a:schemeClr>
-                </a:solidFill>
-              </a:endParaRPr>
-            </a:p>
-          </p:txBody>
-        </p:sp>
-        <p:cxnSp>
-          <p:nvCxnSpPr>
-            <p:cNvPr id="96" name="Elbow Connector 63">
-              <a:extLst>
-                <a:ext uri="{FF2B5EF4-FFF2-40B4-BE49-F238E27FC236}">
-                  <a16:creationId xmlns:a16="http://schemas.microsoft.com/office/drawing/2014/main" id="{8E09E22B-10AE-4ED4-AF69-7B519AC49295}"/>
-                </a:ext>
-              </a:extLst>
-            </p:cNvPr>
-            <p:cNvCxnSpPr>
-              <a:cxnSpLocks/>
-              <a:stCxn id="39" idx="2"/>
-              <a:endCxn id="95" idx="1"/>
-            </p:cNvCxnSpPr>
-            <p:nvPr/>
-          </p:nvCxnSpPr>
-          <p:spPr>
-            <a:xfrm rot="16200000" flipH="1">
-              <a:off x="2430446" y="3149515"/>
-              <a:ext cx="2741425" cy="242492"/>
-            </a:xfrm>
-            <a:prstGeom prst="bentConnector2">
-              <a:avLst/>
-            </a:prstGeom>
-            <a:ln w="19050">
-              <a:solidFill>
-                <a:schemeClr val="accent3"/>
-              </a:solidFill>
-              <a:headEnd type="none" w="med" len="med"/>
-              <a:tailEnd type="arrow" w="med" len="med"/>
-            </a:ln>
-            <a:effectLst/>
-          </p:spPr>
-          <p:style>
-            <a:lnRef idx="1">
-              <a:schemeClr val="accent2"/>
-            </a:lnRef>
-            <a:fillRef idx="2">
-              <a:schemeClr val="accent2"/>
-            </a:fillRef>
-            <a:effectRef idx="1">
-              <a:schemeClr val="accent2"/>
-            </a:effectRef>
-            <a:fontRef idx="minor">
-              <a:schemeClr val="dk1"/>
-            </a:fontRef>
-          </p:style>
-        </p:cxnSp>
-        <p:sp>
-          <p:nvSpPr>
-            <p:cNvPr id="97" name="Rectangle 11">
-              <a:extLst>
-                <a:ext uri="{FF2B5EF4-FFF2-40B4-BE49-F238E27FC236}">
-                  <a16:creationId xmlns:a16="http://schemas.microsoft.com/office/drawing/2014/main" id="{4E39F5E1-599A-40E0-97CE-7222DADF83C2}"/>
-                </a:ext>
-              </a:extLst>
-            </p:cNvPr>
-            <p:cNvSpPr/>
-            <p:nvPr/>
-          </p:nvSpPr>
-          <p:spPr>
-            <a:xfrm>
-              <a:off x="5673403" y="4679833"/>
-              <a:ext cx="1461847" cy="298253"/>
+              <a:off x="3911655" y="6200370"/>
+              <a:ext cx="1780078" cy="265776"/>
             </a:xfrm>
             <a:prstGeom prst="rect">
               <a:avLst/>
@@ -6102,7 +7054,7 @@
                     </a:schemeClr>
                   </a:solidFill>
                 </a:rPr>
-                <a:t>GroupCard</a:t>
+                <a:t>ProgressIndicatorProperties</a:t>
               </a:r>
               <a:endParaRPr lang="en-SG" sz="1050" b="1" dirty="0">
                 <a:solidFill>
@@ -6116,72 +7068,24 @@
         </p:sp>
         <p:cxnSp>
           <p:nvCxnSpPr>
-            <p:cNvPr id="98" name="Elbow Connector 63">
+            <p:cNvPr id="72" name="Elbow Connector 63">
               <a:extLst>
                 <a:ext uri="{FF2B5EF4-FFF2-40B4-BE49-F238E27FC236}">
-                  <a16:creationId xmlns:a16="http://schemas.microsoft.com/office/drawing/2014/main" id="{447431D4-EA1D-4603-8891-290F90382584}"/>
+                  <a16:creationId xmlns:a16="http://schemas.microsoft.com/office/drawing/2014/main" id="{AB88F3E7-A16C-4AF9-A216-0A670DC16610}"/>
                 </a:ext>
               </a:extLst>
             </p:cNvPr>
             <p:cNvCxnSpPr>
               <a:cxnSpLocks/>
-              <a:stCxn id="16" idx="3"/>
-              <a:endCxn id="97" idx="3"/>
-            </p:cNvCxnSpPr>
-            <p:nvPr/>
-          </p:nvCxnSpPr>
-          <p:spPr>
-            <a:xfrm rot="5400000">
-              <a:off x="6379894" y="2270271"/>
-              <a:ext cx="3314046" cy="1803333"/>
-            </a:xfrm>
-            <a:prstGeom prst="bentConnector2">
-              <a:avLst/>
-            </a:prstGeom>
-            <a:ln w="6350">
-              <a:solidFill>
-                <a:schemeClr val="accent3"/>
-              </a:solidFill>
-              <a:headEnd type="none" w="med" len="med"/>
-              <a:tailEnd type="none" w="med" len="med"/>
-            </a:ln>
-            <a:effectLst/>
-          </p:spPr>
-          <p:style>
-            <a:lnRef idx="1">
-              <a:schemeClr val="accent2"/>
-            </a:lnRef>
-            <a:fillRef idx="2">
-              <a:schemeClr val="accent2"/>
-            </a:fillRef>
-            <a:effectRef idx="1">
-              <a:schemeClr val="accent2"/>
-            </a:effectRef>
-            <a:fontRef idx="minor">
-              <a:schemeClr val="dk1"/>
-            </a:fontRef>
-          </p:style>
-        </p:cxnSp>
-        <p:cxnSp>
-          <p:nvCxnSpPr>
-            <p:cNvPr id="100" name="Elbow Connector 136">
-              <a:extLst>
-                <a:ext uri="{FF2B5EF4-FFF2-40B4-BE49-F238E27FC236}">
-                  <a16:creationId xmlns:a16="http://schemas.microsoft.com/office/drawing/2014/main" id="{4E03291A-14FB-42A8-9CE2-574EC761A867}"/>
-                </a:ext>
-              </a:extLst>
-            </p:cNvPr>
-            <p:cNvCxnSpPr>
-              <a:cxnSpLocks/>
-              <a:stCxn id="95" idx="2"/>
-              <a:endCxn id="97" idx="1"/>
+              <a:stCxn id="39" idx="2"/>
+              <a:endCxn id="69" idx="1"/>
             </p:cNvCxnSpPr>
             <p:nvPr/>
           </p:nvCxnSpPr>
           <p:spPr>
             <a:xfrm rot="16200000" flipH="1">
-              <a:off x="5162698" y="4318255"/>
-              <a:ext cx="38360" cy="983049"/>
+              <a:off x="1558654" y="3980256"/>
+              <a:ext cx="4474259" cy="231743"/>
             </a:xfrm>
             <a:prstGeom prst="bentConnector2">
               <a:avLst/>
@@ -6210,747 +7114,25 @@
             </a:fontRef>
           </p:style>
         </p:cxnSp>
-        <p:sp>
-          <p:nvSpPr>
-            <p:cNvPr id="127" name="Rectangle 11">
+        <p:cxnSp>
+          <p:nvCxnSpPr>
+            <p:cNvPr id="78" name="Elbow Connector 63">
               <a:extLst>
                 <a:ext uri="{FF2B5EF4-FFF2-40B4-BE49-F238E27FC236}">
-                  <a16:creationId xmlns:a16="http://schemas.microsoft.com/office/drawing/2014/main" id="{5B1B66E9-7C7C-4286-9643-8F0C78571024}"/>
-                </a:ext>
-              </a:extLst>
-            </p:cNvPr>
-            <p:cNvSpPr/>
-            <p:nvPr/>
-          </p:nvSpPr>
-          <p:spPr>
-            <a:xfrm>
-              <a:off x="3931876" y="4967669"/>
-              <a:ext cx="1535899" cy="298253"/>
-            </a:xfrm>
-            <a:prstGeom prst="rect">
-              <a:avLst/>
-            </a:prstGeom>
-            <a:ln w="19050">
-              <a:solidFill>
-                <a:schemeClr val="accent3"/>
-              </a:solidFill>
-            </a:ln>
-            <a:effectLst/>
-          </p:spPr>
-          <p:style>
-            <a:lnRef idx="1">
-              <a:schemeClr val="accent3"/>
-            </a:lnRef>
-            <a:fillRef idx="2">
-              <a:schemeClr val="accent3"/>
-            </a:fillRef>
-            <a:effectRef idx="1">
-              <a:schemeClr val="accent3"/>
-            </a:effectRef>
-            <a:fontRef idx="minor">
-              <a:schemeClr val="dk1"/>
-            </a:fontRef>
-          </p:style>
-          <p:txBody>
-            <a:bodyPr rtlCol="0" anchor="ctr"/>
-            <a:lstStyle/>
-            <a:p>
-              <a:pPr algn="ctr"/>
-              <a:r>
-                <a:rPr lang="en-SG" sz="1050" b="1" dirty="0">
-                  <a:solidFill>
-                    <a:schemeClr val="accent3">
-                      <a:lumMod val="75000"/>
-                    </a:schemeClr>
-                  </a:solidFill>
-                </a:rPr>
-                <a:t>Calendar</a:t>
-              </a:r>
-            </a:p>
-          </p:txBody>
-        </p:sp>
-        <p:cxnSp>
-          <p:nvCxnSpPr>
-            <p:cNvPr id="145" name="Elbow Connector 63">
-              <a:extLst>
-                <a:ext uri="{FF2B5EF4-FFF2-40B4-BE49-F238E27FC236}">
-                  <a16:creationId xmlns:a16="http://schemas.microsoft.com/office/drawing/2014/main" id="{EFF71991-489E-446B-897A-B4BC848B2409}"/>
+                  <a16:creationId xmlns:a16="http://schemas.microsoft.com/office/drawing/2014/main" id="{6FC97D62-C4EE-445F-8EDE-04941FD70161}"/>
                 </a:ext>
               </a:extLst>
             </p:cNvPr>
             <p:cNvCxnSpPr>
               <a:cxnSpLocks/>
-              <a:stCxn id="39" idx="2"/>
-              <a:endCxn id="127" idx="1"/>
-            </p:cNvCxnSpPr>
-            <p:nvPr/>
-          </p:nvCxnSpPr>
-          <p:spPr>
-            <a:xfrm rot="16200000" flipH="1">
-              <a:off x="2197521" y="3382440"/>
-              <a:ext cx="3216747" cy="251964"/>
-            </a:xfrm>
-            <a:prstGeom prst="bentConnector2">
-              <a:avLst/>
-            </a:prstGeom>
-            <a:ln w="19050">
-              <a:solidFill>
-                <a:schemeClr val="accent3"/>
-              </a:solidFill>
-              <a:headEnd type="none" w="med" len="med"/>
-              <a:tailEnd type="arrow" w="med" len="med"/>
-            </a:ln>
-            <a:effectLst/>
-          </p:spPr>
-          <p:style>
-            <a:lnRef idx="1">
-              <a:schemeClr val="accent2"/>
-            </a:lnRef>
-            <a:fillRef idx="2">
-              <a:schemeClr val="accent2"/>
-            </a:fillRef>
-            <a:effectRef idx="1">
-              <a:schemeClr val="accent2"/>
-            </a:effectRef>
-            <a:fontRef idx="minor">
-              <a:schemeClr val="dk1"/>
-            </a:fontRef>
-          </p:style>
-        </p:cxnSp>
-        <p:sp>
-          <p:nvSpPr>
-            <p:cNvPr id="147" name="Freeform 117">
-              <a:extLst>
-                <a:ext uri="{FF2B5EF4-FFF2-40B4-BE49-F238E27FC236}">
-                  <a16:creationId xmlns:a16="http://schemas.microsoft.com/office/drawing/2014/main" id="{AF26E0CF-9927-44F8-B4ED-BC9A28831DDF}"/>
-                </a:ext>
-              </a:extLst>
-            </p:cNvPr>
-            <p:cNvSpPr/>
-            <p:nvPr/>
-          </p:nvSpPr>
-          <p:spPr>
-            <a:xfrm>
-              <a:off x="7141942" y="4175375"/>
-              <a:ext cx="2952009" cy="122823"/>
-            </a:xfrm>
-            <a:custGeom>
-              <a:avLst/>
-              <a:gdLst>
-                <a:gd name="connsiteX0" fmla="*/ 0 w 3048000"/>
-                <a:gd name="connsiteY0" fmla="*/ 203200 h 203200"/>
-                <a:gd name="connsiteX1" fmla="*/ 221673 w 3048000"/>
-                <a:gd name="connsiteY1" fmla="*/ 0 h 203200"/>
-                <a:gd name="connsiteX2" fmla="*/ 3048000 w 3048000"/>
-                <a:gd name="connsiteY2" fmla="*/ 0 h 203200"/>
-              </a:gdLst>
-              <a:ahLst/>
-              <a:cxnLst>
-                <a:cxn ang="0">
-                  <a:pos x="connsiteX0" y="connsiteY0"/>
-                </a:cxn>
-                <a:cxn ang="0">
-                  <a:pos x="connsiteX1" y="connsiteY1"/>
-                </a:cxn>
-                <a:cxn ang="0">
-                  <a:pos x="connsiteX2" y="connsiteY2"/>
-                </a:cxn>
-              </a:cxnLst>
-              <a:rect l="l" t="t" r="r" b="b"/>
-              <a:pathLst>
-                <a:path w="3048000" h="203200">
-                  <a:moveTo>
-                    <a:pt x="0" y="203200"/>
-                  </a:moveTo>
-                  <a:lnTo>
-                    <a:pt x="221673" y="0"/>
-                  </a:lnTo>
-                  <a:lnTo>
-                    <a:pt x="3048000" y="0"/>
-                  </a:lnTo>
-                </a:path>
-              </a:pathLst>
-            </a:custGeom>
-            <a:noFill/>
-            <a:ln w="19050">
-              <a:solidFill>
-                <a:schemeClr val="accent3"/>
-              </a:solidFill>
-              <a:prstDash val="sysDot"/>
-              <a:headEnd type="none" w="med" len="med"/>
-              <a:tailEnd type="arrow" w="med" len="med"/>
-            </a:ln>
-            <a:effectLst/>
-          </p:spPr>
-          <p:style>
-            <a:lnRef idx="1">
-              <a:schemeClr val="accent2"/>
-            </a:lnRef>
-            <a:fillRef idx="2">
-              <a:schemeClr val="accent2"/>
-            </a:fillRef>
-            <a:effectRef idx="1">
-              <a:schemeClr val="accent2"/>
-            </a:effectRef>
-            <a:fontRef idx="minor">
-              <a:schemeClr val="dk1"/>
-            </a:fontRef>
-          </p:style>
-          <p:txBody>
-            <a:bodyPr rtlCol="0" anchor="ctr"/>
-            <a:lstStyle/>
-            <a:p>
-              <a:pPr algn="ctr"/>
-              <a:endParaRPr lang="en-SG"/>
-            </a:p>
-          </p:txBody>
-        </p:sp>
-        <p:sp>
-          <p:nvSpPr>
-            <p:cNvPr id="148" name="Freeform 117">
-              <a:extLst>
-                <a:ext uri="{FF2B5EF4-FFF2-40B4-BE49-F238E27FC236}">
-                  <a16:creationId xmlns:a16="http://schemas.microsoft.com/office/drawing/2014/main" id="{444ED2A7-4FF8-41B8-AF90-C45725C44D15}"/>
-                </a:ext>
-              </a:extLst>
-            </p:cNvPr>
-            <p:cNvSpPr/>
-            <p:nvPr/>
-          </p:nvSpPr>
-          <p:spPr>
-            <a:xfrm>
-              <a:off x="7131290" y="4606812"/>
-              <a:ext cx="2962661" cy="151747"/>
-            </a:xfrm>
-            <a:custGeom>
-              <a:avLst/>
-              <a:gdLst>
-                <a:gd name="connsiteX0" fmla="*/ 0 w 3048000"/>
-                <a:gd name="connsiteY0" fmla="*/ 203200 h 203200"/>
-                <a:gd name="connsiteX1" fmla="*/ 221673 w 3048000"/>
-                <a:gd name="connsiteY1" fmla="*/ 0 h 203200"/>
-                <a:gd name="connsiteX2" fmla="*/ 3048000 w 3048000"/>
-                <a:gd name="connsiteY2" fmla="*/ 0 h 203200"/>
-              </a:gdLst>
-              <a:ahLst/>
-              <a:cxnLst>
-                <a:cxn ang="0">
-                  <a:pos x="connsiteX0" y="connsiteY0"/>
-                </a:cxn>
-                <a:cxn ang="0">
-                  <a:pos x="connsiteX1" y="connsiteY1"/>
-                </a:cxn>
-                <a:cxn ang="0">
-                  <a:pos x="connsiteX2" y="connsiteY2"/>
-                </a:cxn>
-              </a:cxnLst>
-              <a:rect l="l" t="t" r="r" b="b"/>
-              <a:pathLst>
-                <a:path w="3048000" h="203200">
-                  <a:moveTo>
-                    <a:pt x="0" y="203200"/>
-                  </a:moveTo>
-                  <a:lnTo>
-                    <a:pt x="221673" y="0"/>
-                  </a:lnTo>
-                  <a:lnTo>
-                    <a:pt x="3048000" y="0"/>
-                  </a:lnTo>
-                </a:path>
-              </a:pathLst>
-            </a:custGeom>
-            <a:noFill/>
-            <a:ln w="19050">
-              <a:solidFill>
-                <a:schemeClr val="accent3"/>
-              </a:solidFill>
-              <a:prstDash val="sysDot"/>
-              <a:headEnd type="none" w="med" len="med"/>
-              <a:tailEnd type="arrow" w="med" len="med"/>
-            </a:ln>
-            <a:effectLst/>
-          </p:spPr>
-          <p:style>
-            <a:lnRef idx="1">
-              <a:schemeClr val="accent2"/>
-            </a:lnRef>
-            <a:fillRef idx="2">
-              <a:schemeClr val="accent2"/>
-            </a:fillRef>
-            <a:effectRef idx="1">
-              <a:schemeClr val="accent2"/>
-            </a:effectRef>
-            <a:fontRef idx="minor">
-              <a:schemeClr val="dk1"/>
-            </a:fontRef>
-          </p:style>
-          <p:txBody>
-            <a:bodyPr rtlCol="0" anchor="ctr"/>
-            <a:lstStyle/>
-            <a:p>
-              <a:pPr algn="ctr"/>
-              <a:endParaRPr lang="en-SG"/>
-            </a:p>
-          </p:txBody>
-        </p:sp>
-        <p:cxnSp>
-          <p:nvCxnSpPr>
-            <p:cNvPr id="149" name="Elbow Connector 63">
-              <a:extLst>
-                <a:ext uri="{FF2B5EF4-FFF2-40B4-BE49-F238E27FC236}">
-                  <a16:creationId xmlns:a16="http://schemas.microsoft.com/office/drawing/2014/main" id="{2EDDD074-A919-4C29-B366-F1B572C66FB5}"/>
-                </a:ext>
-              </a:extLst>
-            </p:cNvPr>
-            <p:cNvCxnSpPr>
-              <a:cxnSpLocks/>
-              <a:stCxn id="16" idx="3"/>
-              <a:endCxn id="127" idx="3"/>
+              <a:endCxn id="69" idx="3"/>
             </p:cNvCxnSpPr>
             <p:nvPr/>
           </p:nvCxnSpPr>
           <p:spPr>
             <a:xfrm rot="5400000">
-              <a:off x="5402238" y="1580451"/>
-              <a:ext cx="3601882" cy="3470808"/>
-            </a:xfrm>
-            <a:prstGeom prst="bentConnector2">
-              <a:avLst/>
-            </a:prstGeom>
-            <a:ln w="6350">
-              <a:solidFill>
-                <a:schemeClr val="accent3"/>
-              </a:solidFill>
-              <a:headEnd type="none" w="med" len="med"/>
-              <a:tailEnd type="none" w="med" len="med"/>
-            </a:ln>
-            <a:effectLst/>
-          </p:spPr>
-          <p:style>
-            <a:lnRef idx="1">
-              <a:schemeClr val="accent2"/>
-            </a:lnRef>
-            <a:fillRef idx="2">
-              <a:schemeClr val="accent2"/>
-            </a:fillRef>
-            <a:effectRef idx="1">
-              <a:schemeClr val="accent2"/>
-            </a:effectRef>
-            <a:fontRef idx="minor">
-              <a:schemeClr val="dk1"/>
-            </a:fontRef>
-          </p:style>
-        </p:cxnSp>
-        <p:cxnSp>
-          <p:nvCxnSpPr>
-            <p:cNvPr id="152" name="Elbow Connector 63">
-              <a:extLst>
-                <a:ext uri="{FF2B5EF4-FFF2-40B4-BE49-F238E27FC236}">
-                  <a16:creationId xmlns:a16="http://schemas.microsoft.com/office/drawing/2014/main" id="{6B9CAB14-E9C9-4F52-B64D-F65D8B6C7190}"/>
-                </a:ext>
-              </a:extLst>
-            </p:cNvPr>
-            <p:cNvCxnSpPr>
-              <a:cxnSpLocks/>
-              <a:stCxn id="39" idx="2"/>
-              <a:endCxn id="154" idx="1"/>
-            </p:cNvCxnSpPr>
-            <p:nvPr/>
-          </p:nvCxnSpPr>
-          <p:spPr>
-            <a:xfrm rot="16200000" flipH="1">
-              <a:off x="1959333" y="3620627"/>
-              <a:ext cx="3683648" cy="242491"/>
-            </a:xfrm>
-            <a:prstGeom prst="bentConnector2">
-              <a:avLst/>
-            </a:prstGeom>
-            <a:ln w="19050">
-              <a:solidFill>
-                <a:schemeClr val="accent3"/>
-              </a:solidFill>
-              <a:headEnd type="none" w="med" len="med"/>
-              <a:tailEnd type="arrow" w="med" len="med"/>
-            </a:ln>
-            <a:effectLst/>
-          </p:spPr>
-          <p:style>
-            <a:lnRef idx="1">
-              <a:schemeClr val="accent2"/>
-            </a:lnRef>
-            <a:fillRef idx="2">
-              <a:schemeClr val="accent2"/>
-            </a:fillRef>
-            <a:effectRef idx="1">
-              <a:schemeClr val="accent2"/>
-            </a:effectRef>
-            <a:fontRef idx="minor">
-              <a:schemeClr val="dk1"/>
-            </a:fontRef>
-          </p:style>
-        </p:cxnSp>
-        <p:sp>
-          <p:nvSpPr>
-            <p:cNvPr id="154" name="Rectangle 11">
-              <a:extLst>
-                <a:ext uri="{FF2B5EF4-FFF2-40B4-BE49-F238E27FC236}">
-                  <a16:creationId xmlns:a16="http://schemas.microsoft.com/office/drawing/2014/main" id="{430CE5DF-BAAC-4EDD-AA1D-CE41B3ACCB63}"/>
-                </a:ext>
-              </a:extLst>
-            </p:cNvPr>
-            <p:cNvSpPr/>
-            <p:nvPr/>
-          </p:nvSpPr>
-          <p:spPr>
-            <a:xfrm>
-              <a:off x="3922403" y="5434570"/>
-              <a:ext cx="1535899" cy="298253"/>
-            </a:xfrm>
-            <a:prstGeom prst="rect">
-              <a:avLst/>
-            </a:prstGeom>
-            <a:ln w="19050">
-              <a:solidFill>
-                <a:schemeClr val="accent3"/>
-              </a:solidFill>
-            </a:ln>
-            <a:effectLst/>
-          </p:spPr>
-          <p:style>
-            <a:lnRef idx="1">
-              <a:schemeClr val="accent3"/>
-            </a:lnRef>
-            <a:fillRef idx="2">
-              <a:schemeClr val="accent3"/>
-            </a:fillRef>
-            <a:effectRef idx="1">
-              <a:schemeClr val="accent3"/>
-            </a:effectRef>
-            <a:fontRef idx="minor">
-              <a:schemeClr val="dk1"/>
-            </a:fontRef>
-          </p:style>
-          <p:txBody>
-            <a:bodyPr rtlCol="0" anchor="ctr"/>
-            <a:lstStyle/>
-            <a:p>
-              <a:pPr algn="ctr"/>
-              <a:r>
-                <a:rPr lang="en-SG" sz="1050" b="1" dirty="0" err="1">
-                  <a:solidFill>
-                    <a:schemeClr val="accent3">
-                      <a:lumMod val="75000"/>
-                    </a:schemeClr>
-                  </a:solidFill>
-                </a:rPr>
-                <a:t>TimeTable</a:t>
-              </a:r>
-              <a:endParaRPr lang="en-SG" sz="1050" b="1" dirty="0">
-                <a:solidFill>
-                  <a:schemeClr val="accent3">
-                    <a:lumMod val="75000"/>
-                  </a:schemeClr>
-                </a:solidFill>
-              </a:endParaRPr>
-            </a:p>
-          </p:txBody>
-        </p:sp>
-        <p:cxnSp>
-          <p:nvCxnSpPr>
-            <p:cNvPr id="157" name="Elbow Connector 136">
-              <a:extLst>
-                <a:ext uri="{FF2B5EF4-FFF2-40B4-BE49-F238E27FC236}">
-                  <a16:creationId xmlns:a16="http://schemas.microsoft.com/office/drawing/2014/main" id="{EF0C2BD7-D59A-499F-9C04-01692271F882}"/>
-                </a:ext>
-              </a:extLst>
-            </p:cNvPr>
-            <p:cNvCxnSpPr>
-              <a:cxnSpLocks/>
-              <a:stCxn id="154" idx="2"/>
-              <a:endCxn id="158" idx="1"/>
-            </p:cNvCxnSpPr>
-            <p:nvPr/>
-          </p:nvCxnSpPr>
-          <p:spPr>
-            <a:xfrm rot="16200000" flipH="1">
-              <a:off x="5156643" y="5266533"/>
-              <a:ext cx="68800" cy="1001380"/>
-            </a:xfrm>
-            <a:prstGeom prst="bentConnector2">
-              <a:avLst/>
-            </a:prstGeom>
-            <a:ln w="19050">
-              <a:solidFill>
-                <a:schemeClr val="accent3"/>
-              </a:solidFill>
-              <a:headEnd type="none" w="med" len="med"/>
-              <a:tailEnd type="arrow" w="med" len="med"/>
-            </a:ln>
-            <a:effectLst/>
-          </p:spPr>
-          <p:style>
-            <a:lnRef idx="1">
-              <a:schemeClr val="accent2"/>
-            </a:lnRef>
-            <a:fillRef idx="2">
-              <a:schemeClr val="accent2"/>
-            </a:fillRef>
-            <a:effectRef idx="1">
-              <a:schemeClr val="accent2"/>
-            </a:effectRef>
-            <a:fontRef idx="minor">
-              <a:schemeClr val="dk1"/>
-            </a:fontRef>
-          </p:style>
-        </p:cxnSp>
-        <p:sp>
-          <p:nvSpPr>
-            <p:cNvPr id="158" name="Rectangle 11">
-              <a:extLst>
-                <a:ext uri="{FF2B5EF4-FFF2-40B4-BE49-F238E27FC236}">
-                  <a16:creationId xmlns:a16="http://schemas.microsoft.com/office/drawing/2014/main" id="{8FFBC88F-BE8D-4CDD-BCA0-B2B892ADF623}"/>
-                </a:ext>
-              </a:extLst>
-            </p:cNvPr>
-            <p:cNvSpPr/>
-            <p:nvPr/>
-          </p:nvSpPr>
-          <p:spPr>
-            <a:xfrm>
-              <a:off x="5691733" y="5652496"/>
-              <a:ext cx="1461847" cy="298253"/>
-            </a:xfrm>
-            <a:prstGeom prst="rect">
-              <a:avLst/>
-            </a:prstGeom>
-            <a:ln w="19050">
-              <a:solidFill>
-                <a:schemeClr val="accent3"/>
-              </a:solidFill>
-            </a:ln>
-            <a:effectLst/>
-          </p:spPr>
-          <p:style>
-            <a:lnRef idx="1">
-              <a:schemeClr val="accent3"/>
-            </a:lnRef>
-            <a:fillRef idx="2">
-              <a:schemeClr val="accent3"/>
-            </a:fillRef>
-            <a:effectRef idx="1">
-              <a:schemeClr val="accent3"/>
-            </a:effectRef>
-            <a:fontRef idx="minor">
-              <a:schemeClr val="dk1"/>
-            </a:fontRef>
-          </p:style>
-          <p:txBody>
-            <a:bodyPr rtlCol="0" anchor="ctr"/>
-            <a:lstStyle/>
-            <a:p>
-              <a:pPr algn="ctr"/>
-              <a:r>
-                <a:rPr lang="en-SG" sz="1050" b="1" dirty="0" err="1">
-                  <a:solidFill>
-                    <a:schemeClr val="accent3">
-                      <a:lumMod val="75000"/>
-                    </a:schemeClr>
-                  </a:solidFill>
-                </a:rPr>
-                <a:t>TimeTableSlot</a:t>
-              </a:r>
-              <a:endParaRPr lang="en-SG" sz="1050" b="1" dirty="0">
-                <a:solidFill>
-                  <a:schemeClr val="accent3">
-                    <a:lumMod val="75000"/>
-                  </a:schemeClr>
-                </a:solidFill>
-              </a:endParaRPr>
-            </a:p>
-          </p:txBody>
-        </p:sp>
-        <p:cxnSp>
-          <p:nvCxnSpPr>
-            <p:cNvPr id="166" name="Elbow Connector 63">
-              <a:extLst>
-                <a:ext uri="{FF2B5EF4-FFF2-40B4-BE49-F238E27FC236}">
-                  <a16:creationId xmlns:a16="http://schemas.microsoft.com/office/drawing/2014/main" id="{7C940A33-7551-442D-8494-C620121F7553}"/>
-                </a:ext>
-              </a:extLst>
-            </p:cNvPr>
-            <p:cNvCxnSpPr>
-              <a:cxnSpLocks/>
-              <a:stCxn id="16" idx="3"/>
-              <a:endCxn id="158" idx="3"/>
-            </p:cNvCxnSpPr>
-            <p:nvPr/>
-          </p:nvCxnSpPr>
-          <p:spPr>
-            <a:xfrm rot="5400000">
-              <a:off x="5902728" y="2765767"/>
-              <a:ext cx="4286709" cy="1785003"/>
-            </a:xfrm>
-            <a:prstGeom prst="bentConnector2">
-              <a:avLst/>
-            </a:prstGeom>
-            <a:ln w="6350">
-              <a:solidFill>
-                <a:schemeClr val="accent3"/>
-              </a:solidFill>
-              <a:headEnd type="none" w="med" len="med"/>
-              <a:tailEnd type="none" w="med" len="med"/>
-            </a:ln>
-            <a:effectLst/>
-          </p:spPr>
-          <p:style>
-            <a:lnRef idx="1">
-              <a:schemeClr val="accent2"/>
-            </a:lnRef>
-            <a:fillRef idx="2">
-              <a:schemeClr val="accent2"/>
-            </a:fillRef>
-            <a:effectRef idx="1">
-              <a:schemeClr val="accent2"/>
-            </a:effectRef>
-            <a:fontRef idx="minor">
-              <a:schemeClr val="dk1"/>
-            </a:fontRef>
-          </p:style>
-        </p:cxnSp>
-        <p:cxnSp>
-          <p:nvCxnSpPr>
-            <p:cNvPr id="171" name="Elbow Connector 136">
-              <a:extLst>
-                <a:ext uri="{FF2B5EF4-FFF2-40B4-BE49-F238E27FC236}">
-                  <a16:creationId xmlns:a16="http://schemas.microsoft.com/office/drawing/2014/main" id="{E0636CDE-744E-46D0-9F27-D737C0659EDC}"/>
-                </a:ext>
-              </a:extLst>
-            </p:cNvPr>
-            <p:cNvCxnSpPr>
-              <a:cxnSpLocks/>
-              <a:stCxn id="127" idx="2"/>
-              <a:endCxn id="172" idx="1"/>
-            </p:cNvCxnSpPr>
-            <p:nvPr/>
-          </p:nvCxnSpPr>
-          <p:spPr>
-            <a:xfrm rot="16200000" flipH="1">
-              <a:off x="5150269" y="4815479"/>
-              <a:ext cx="79385" cy="980270"/>
-            </a:xfrm>
-            <a:prstGeom prst="bentConnector2">
-              <a:avLst/>
-            </a:prstGeom>
-            <a:ln w="19050">
-              <a:solidFill>
-                <a:schemeClr val="accent3"/>
-              </a:solidFill>
-              <a:headEnd type="none" w="med" len="med"/>
-              <a:tailEnd type="arrow" w="med" len="med"/>
-            </a:ln>
-            <a:effectLst/>
-          </p:spPr>
-          <p:style>
-            <a:lnRef idx="1">
-              <a:schemeClr val="accent2"/>
-            </a:lnRef>
-            <a:fillRef idx="2">
-              <a:schemeClr val="accent2"/>
-            </a:fillRef>
-            <a:effectRef idx="1">
-              <a:schemeClr val="accent2"/>
-            </a:effectRef>
-            <a:fontRef idx="minor">
-              <a:schemeClr val="dk1"/>
-            </a:fontRef>
-          </p:style>
-        </p:cxnSp>
-        <p:sp>
-          <p:nvSpPr>
-            <p:cNvPr id="172" name="Rectangle 11">
-              <a:extLst>
-                <a:ext uri="{FF2B5EF4-FFF2-40B4-BE49-F238E27FC236}">
-                  <a16:creationId xmlns:a16="http://schemas.microsoft.com/office/drawing/2014/main" id="{0DB75F30-FD8A-47EE-8F8F-DA71026DA057}"/>
-                </a:ext>
-              </a:extLst>
-            </p:cNvPr>
-            <p:cNvSpPr/>
-            <p:nvPr/>
-          </p:nvSpPr>
-          <p:spPr>
-            <a:xfrm>
-              <a:off x="5680096" y="5196180"/>
-              <a:ext cx="1461847" cy="298253"/>
-            </a:xfrm>
-            <a:prstGeom prst="rect">
-              <a:avLst/>
-            </a:prstGeom>
-            <a:ln w="19050">
-              <a:solidFill>
-                <a:schemeClr val="accent3"/>
-              </a:solidFill>
-            </a:ln>
-            <a:effectLst/>
-          </p:spPr>
-          <p:style>
-            <a:lnRef idx="1">
-              <a:schemeClr val="accent3"/>
-            </a:lnRef>
-            <a:fillRef idx="2">
-              <a:schemeClr val="accent3"/>
-            </a:fillRef>
-            <a:effectRef idx="1">
-              <a:schemeClr val="accent3"/>
-            </a:effectRef>
-            <a:fontRef idx="minor">
-              <a:schemeClr val="dk1"/>
-            </a:fontRef>
-          </p:style>
-          <p:txBody>
-            <a:bodyPr rtlCol="0" anchor="ctr"/>
-            <a:lstStyle/>
-            <a:p>
-              <a:pPr algn="ctr"/>
-              <a:r>
-                <a:rPr lang="en-SG" sz="1050" b="1" dirty="0" err="1">
-                  <a:solidFill>
-                    <a:schemeClr val="accent3">
-                      <a:lumMod val="75000"/>
-                    </a:schemeClr>
-                  </a:solidFill>
-                </a:rPr>
-                <a:t>CalendarDate</a:t>
-              </a:r>
-              <a:endParaRPr lang="en-SG" sz="1050" b="1" dirty="0">
-                <a:solidFill>
-                  <a:schemeClr val="accent3">
-                    <a:lumMod val="75000"/>
-                  </a:schemeClr>
-                </a:solidFill>
-              </a:endParaRPr>
-            </a:p>
-          </p:txBody>
-        </p:sp>
-        <p:cxnSp>
-          <p:nvCxnSpPr>
-            <p:cNvPr id="185" name="Elbow Connector 63">
-              <a:extLst>
-                <a:ext uri="{FF2B5EF4-FFF2-40B4-BE49-F238E27FC236}">
-                  <a16:creationId xmlns:a16="http://schemas.microsoft.com/office/drawing/2014/main" id="{2E55CA87-F4FB-4438-B582-8EEEF45F575F}"/>
-                </a:ext>
-              </a:extLst>
-            </p:cNvPr>
-            <p:cNvCxnSpPr>
-              <a:cxnSpLocks/>
-              <a:stCxn id="16" idx="3"/>
-              <a:endCxn id="172" idx="3"/>
-            </p:cNvCxnSpPr>
-            <p:nvPr/>
-          </p:nvCxnSpPr>
-          <p:spPr>
-            <a:xfrm rot="5400000">
-              <a:off x="6125067" y="2531790"/>
-              <a:ext cx="3830393" cy="1796640"/>
+              <a:off x="4890839" y="2285515"/>
+              <a:ext cx="4848638" cy="3246849"/>
             </a:xfrm>
             <a:prstGeom prst="bentConnector2">
               <a:avLst/>

--- a/docs/diagrams/UiComponentClassDiagram.pptx
+++ b/docs/diagrams/UiComponentClassDiagram.pptx
@@ -3533,10 +3533,10 @@
       </p:grpSpPr>
       <p:grpSp>
         <p:nvGrpSpPr>
-          <p:cNvPr id="17" name="Group 16">
+          <p:cNvPr id="6" name="Group 5">
             <a:extLst>
               <a:ext uri="{FF2B5EF4-FFF2-40B4-BE49-F238E27FC236}">
-                <a16:creationId xmlns:a16="http://schemas.microsoft.com/office/drawing/2014/main" id="{F0BAF78E-F7E2-4011-BCA5-F874A53EB379}"/>
+                <a16:creationId xmlns:a16="http://schemas.microsoft.com/office/drawing/2014/main" id="{D96AACA3-A868-4743-8FF4-CA68E1FC5309}"/>
               </a:ext>
             </a:extLst>
           </p:cNvPr>
@@ -3545,10 +3545,10 @@
         </p:nvGrpSpPr>
         <p:grpSpPr>
           <a:xfrm>
-            <a:off x="685800" y="111350"/>
-            <a:ext cx="9843439" cy="6746650"/>
-            <a:chOff x="685800" y="111350"/>
-            <a:chExt cx="9843439" cy="6746650"/>
+            <a:off x="838200" y="111350"/>
+            <a:ext cx="9691039" cy="6746650"/>
+            <a:chOff x="838200" y="111350"/>
+            <a:chExt cx="9691039" cy="6746650"/>
           </a:xfrm>
         </p:grpSpPr>
         <p:grpSp>
@@ -3565,10 +3565,10 @@
           </p:nvGrpSpPr>
           <p:grpSpPr>
             <a:xfrm>
-              <a:off x="685800" y="111350"/>
-              <a:ext cx="9843439" cy="6746650"/>
-              <a:chOff x="685800" y="152400"/>
-              <a:chExt cx="9843439" cy="6746650"/>
+              <a:off x="838200" y="111350"/>
+              <a:ext cx="9691039" cy="6746650"/>
+              <a:chOff x="838200" y="152400"/>
+              <a:chExt cx="9691039" cy="6746650"/>
             </a:xfrm>
           </p:grpSpPr>
           <p:sp>
@@ -3800,13 +3800,14 @@
               <p:cNvPr id="19" name="Elbow Connector 122"/>
               <p:cNvCxnSpPr>
                 <a:cxnSpLocks/>
+                <a:endCxn id="119" idx="0"/>
               </p:cNvCxnSpPr>
               <p:nvPr/>
             </p:nvCxnSpPr>
             <p:spPr>
-              <a:xfrm flipV="1">
-                <a:off x="685800" y="2293836"/>
-                <a:ext cx="1324388" cy="35150"/>
+              <a:xfrm>
+                <a:off x="838200" y="2293836"/>
+                <a:ext cx="1120994" cy="3220"/>
               </a:xfrm>
               <a:prstGeom prst="bentConnector3">
                 <a:avLst>
@@ -7114,53 +7115,6 @@
             </a:fontRef>
           </p:style>
         </p:cxnSp>
-        <p:cxnSp>
-          <p:nvCxnSpPr>
-            <p:cNvPr id="78" name="Elbow Connector 63">
-              <a:extLst>
-                <a:ext uri="{FF2B5EF4-FFF2-40B4-BE49-F238E27FC236}">
-                  <a16:creationId xmlns:a16="http://schemas.microsoft.com/office/drawing/2014/main" id="{6FC97D62-C4EE-445F-8EDE-04941FD70161}"/>
-                </a:ext>
-              </a:extLst>
-            </p:cNvPr>
-            <p:cNvCxnSpPr>
-              <a:cxnSpLocks/>
-              <a:endCxn id="69" idx="3"/>
-            </p:cNvCxnSpPr>
-            <p:nvPr/>
-          </p:nvCxnSpPr>
-          <p:spPr>
-            <a:xfrm rot="5400000">
-              <a:off x="4890839" y="2285515"/>
-              <a:ext cx="4848638" cy="3246849"/>
-            </a:xfrm>
-            <a:prstGeom prst="bentConnector2">
-              <a:avLst/>
-            </a:prstGeom>
-            <a:ln w="6350">
-              <a:solidFill>
-                <a:schemeClr val="accent3"/>
-              </a:solidFill>
-              <a:headEnd type="none" w="med" len="med"/>
-              <a:tailEnd type="none" w="med" len="med"/>
-            </a:ln>
-            <a:effectLst/>
-          </p:spPr>
-          <p:style>
-            <a:lnRef idx="1">
-              <a:schemeClr val="accent2"/>
-            </a:lnRef>
-            <a:fillRef idx="2">
-              <a:schemeClr val="accent2"/>
-            </a:fillRef>
-            <a:effectRef idx="1">
-              <a:schemeClr val="accent2"/>
-            </a:effectRef>
-            <a:fontRef idx="minor">
-              <a:schemeClr val="dk1"/>
-            </a:fontRef>
-          </p:style>
-        </p:cxnSp>
       </p:grpSp>
     </p:spTree>
     <p:extLst>

--- a/docs/diagrams/UiComponentClassDiagram.pptx
+++ b/docs/diagrams/UiComponentClassDiagram.pptx
@@ -3533,10 +3533,10 @@
       </p:grpSpPr>
       <p:grpSp>
         <p:nvGrpSpPr>
-          <p:cNvPr id="6" name="Group 5">
+          <p:cNvPr id="60" name="Group 59">
             <a:extLst>
               <a:ext uri="{FF2B5EF4-FFF2-40B4-BE49-F238E27FC236}">
-                <a16:creationId xmlns:a16="http://schemas.microsoft.com/office/drawing/2014/main" id="{D96AACA3-A868-4743-8FF4-CA68E1FC5309}"/>
+                <a16:creationId xmlns:a16="http://schemas.microsoft.com/office/drawing/2014/main" id="{4DEF090E-F543-4884-BD78-B55BDA1750EF}"/>
               </a:ext>
             </a:extLst>
           </p:cNvPr>
@@ -3545,10 +3545,10 @@
         </p:nvGrpSpPr>
         <p:grpSpPr>
           <a:xfrm>
-            <a:off x="838200" y="111350"/>
-            <a:ext cx="9691039" cy="6746650"/>
-            <a:chOff x="838200" y="111350"/>
-            <a:chExt cx="9691039" cy="6746650"/>
+            <a:off x="838200" y="-76200"/>
+            <a:ext cx="9691039" cy="6918955"/>
+            <a:chOff x="838200" y="0"/>
+            <a:chExt cx="9691039" cy="6918955"/>
           </a:xfrm>
         </p:grpSpPr>
         <p:grpSp>
@@ -3565,10 +3565,10 @@
           </p:nvGrpSpPr>
           <p:grpSpPr>
             <a:xfrm>
-              <a:off x="838200" y="111350"/>
-              <a:ext cx="9691039" cy="6746650"/>
+              <a:off x="838200" y="0"/>
+              <a:ext cx="9691039" cy="6918955"/>
               <a:chOff x="838200" y="152400"/>
-              <a:chExt cx="9691039" cy="6746650"/>
+              <a:chExt cx="9691039" cy="6918955"/>
             </a:xfrm>
           </p:grpSpPr>
           <p:sp>
@@ -3579,8 +3579,8 @@
             </p:nvSpPr>
             <p:spPr>
               <a:xfrm>
-                <a:off x="1295400" y="231446"/>
-                <a:ext cx="8324114" cy="6667604"/>
+                <a:off x="1305718" y="245181"/>
+                <a:ext cx="8324114" cy="6826174"/>
               </a:xfrm>
               <a:prstGeom prst="roundRect">
                 <a:avLst>
@@ -3909,7 +3909,7 @@
             </p:nvSpPr>
             <p:spPr>
               <a:xfrm>
-                <a:off x="3935142" y="6600889"/>
+                <a:off x="3904737" y="6762310"/>
                 <a:ext cx="1355458" cy="236841"/>
               </a:xfrm>
               <a:prstGeom prst="rect">
@@ -4379,8 +4379,8 @@
             </p:nvCxnSpPr>
             <p:spPr>
               <a:xfrm rot="16200000" flipH="1">
-                <a:off x="1258902" y="4043069"/>
-                <a:ext cx="4779979" cy="572501"/>
+                <a:off x="981334" y="3957328"/>
+                <a:ext cx="5275634" cy="571172"/>
               </a:xfrm>
               <a:prstGeom prst="bentConnector2">
                 <a:avLst/>
@@ -4500,8 +4500,8 @@
             </p:nvCxnSpPr>
             <p:spPr>
               <a:xfrm rot="5400000">
-                <a:off x="4512394" y="2293121"/>
-                <a:ext cx="5204396" cy="3647983"/>
+                <a:off x="4416481" y="2358628"/>
+                <a:ext cx="5365817" cy="3678388"/>
               </a:xfrm>
               <a:prstGeom prst="bentConnector2">
                 <a:avLst/>
@@ -4680,9 +4680,9 @@
             <p:grpSpPr>
               <a:xfrm>
                 <a:off x="3556742" y="1514914"/>
-                <a:ext cx="6537210" cy="4665289"/>
+                <a:ext cx="6537209" cy="4686277"/>
                 <a:chOff x="2524390" y="2546359"/>
-                <a:chExt cx="5274471" cy="4665289"/>
+                <a:chExt cx="5274470" cy="4686277"/>
               </a:xfrm>
             </p:grpSpPr>
             <p:cxnSp>
@@ -4855,7 +4855,7 @@
               </p:nvSpPr>
               <p:spPr>
                 <a:xfrm>
-                  <a:off x="2819419" y="6913395"/>
+                  <a:off x="2819419" y="6934383"/>
                   <a:ext cx="1239222" cy="298253"/>
                 </a:xfrm>
                 <a:prstGeom prst="rect">
@@ -5273,8 +5273,8 @@
               </p:nvCxnSpPr>
               <p:spPr>
                 <a:xfrm rot="16200000" flipH="1">
-                  <a:off x="656079" y="4899182"/>
-                  <a:ext cx="4131028" cy="195651"/>
+                  <a:off x="645585" y="4909676"/>
+                  <a:ext cx="4152016" cy="195651"/>
                 </a:xfrm>
                 <a:prstGeom prst="bentConnector2">
                   <a:avLst/>
@@ -5441,8 +5441,8 @@
               </p:nvCxnSpPr>
               <p:spPr>
                 <a:xfrm rot="5400000">
-                  <a:off x="3204573" y="3400429"/>
-                  <a:ext cx="4516163" cy="2808024"/>
+                  <a:off x="3194078" y="3410923"/>
+                  <a:ext cx="4537151" cy="2808024"/>
                 </a:xfrm>
                 <a:prstGeom prst="bentConnector2">
                   <a:avLst/>
@@ -5604,8 +5604,8 @@
               </p:nvSpPr>
               <p:spPr>
                 <a:xfrm flipV="1">
-                  <a:off x="5356184" y="4953508"/>
-                  <a:ext cx="2442677" cy="135517"/>
+                  <a:off x="5429405" y="4851225"/>
+                  <a:ext cx="2369455" cy="127083"/>
                 </a:xfrm>
                 <a:custGeom>
                   <a:avLst/>
@@ -5693,7 +5693,7 @@
             </p:nvSpPr>
             <p:spPr>
               <a:xfrm>
-                <a:off x="3925361" y="3954283"/>
+                <a:off x="3926057" y="3843077"/>
                 <a:ext cx="1535899" cy="298253"/>
               </a:xfrm>
               <a:prstGeom prst="rect">
@@ -5763,8 +5763,8 @@
             </p:nvCxnSpPr>
             <p:spPr>
               <a:xfrm rot="16200000" flipH="1">
-                <a:off x="2700956" y="2879004"/>
-                <a:ext cx="2203361" cy="245449"/>
+                <a:off x="2756907" y="2823053"/>
+                <a:ext cx="2092155" cy="246145"/>
               </a:xfrm>
               <a:prstGeom prst="bentConnector2">
                 <a:avLst/>
@@ -5811,8 +5811,8 @@
             </p:nvCxnSpPr>
             <p:spPr>
               <a:xfrm rot="16200000" flipH="1">
-                <a:off x="5140915" y="3804931"/>
-                <a:ext cx="84884" cy="980093"/>
+                <a:off x="5137646" y="3697690"/>
+                <a:ext cx="102357" cy="989635"/>
               </a:xfrm>
               <a:prstGeom prst="bentConnector2">
                 <a:avLst/>
@@ -5855,7 +5855,7 @@
             </p:nvSpPr>
             <p:spPr>
               <a:xfrm>
-                <a:off x="5673404" y="4188293"/>
+                <a:off x="5683642" y="4094560"/>
                 <a:ext cx="1461847" cy="298253"/>
               </a:xfrm>
               <a:prstGeom prst="rect">
@@ -5925,8 +5925,8 @@
             </p:nvCxnSpPr>
             <p:spPr>
               <a:xfrm rot="5400000">
-                <a:off x="6625664" y="2024501"/>
-                <a:ext cx="2822506" cy="1803332"/>
+                <a:off x="6677650" y="1982753"/>
+                <a:ext cx="2728773" cy="1793094"/>
               </a:xfrm>
               <a:prstGeom prst="bentConnector2">
                 <a:avLst/>
@@ -5969,7 +5969,7 @@
             </p:nvSpPr>
             <p:spPr>
               <a:xfrm>
-                <a:off x="3922404" y="4492347"/>
+                <a:off x="3931874" y="4362017"/>
                 <a:ext cx="1535899" cy="298253"/>
               </a:xfrm>
               <a:prstGeom prst="rect">
@@ -6039,8 +6039,8 @@
             </p:nvCxnSpPr>
             <p:spPr>
               <a:xfrm rot="16200000" flipH="1">
-                <a:off x="2430446" y="3149515"/>
-                <a:ext cx="2741425" cy="242492"/>
+                <a:off x="2500346" y="3079615"/>
+                <a:ext cx="2611095" cy="251962"/>
               </a:xfrm>
               <a:prstGeom prst="bentConnector2">
                 <a:avLst/>
@@ -6083,7 +6083,7 @@
             </p:nvSpPr>
             <p:spPr>
               <a:xfrm>
-                <a:off x="5673403" y="4679833"/>
+                <a:off x="5664771" y="4599341"/>
                 <a:ext cx="1461847" cy="298253"/>
               </a:xfrm>
               <a:prstGeom prst="rect">
@@ -6153,8 +6153,8 @@
             </p:nvCxnSpPr>
             <p:spPr>
               <a:xfrm rot="5400000">
-                <a:off x="6379894" y="2270271"/>
-                <a:ext cx="3314046" cy="1803333"/>
+                <a:off x="6415824" y="2225709"/>
+                <a:ext cx="3233554" cy="1811965"/>
               </a:xfrm>
               <a:prstGeom prst="bentConnector2">
                 <a:avLst/>
@@ -6201,8 +6201,8 @@
             </p:nvCxnSpPr>
             <p:spPr>
               <a:xfrm rot="16200000" flipH="1">
-                <a:off x="5162698" y="4318255"/>
-                <a:ext cx="38360" cy="983049"/>
+                <a:off x="5138198" y="4221895"/>
+                <a:ext cx="88198" cy="964947"/>
               </a:xfrm>
               <a:prstGeom prst="bentConnector2">
                 <a:avLst/>
@@ -6245,7 +6245,7 @@
             </p:nvSpPr>
             <p:spPr>
               <a:xfrm>
-                <a:off x="3931876" y="4967669"/>
+                <a:off x="3950518" y="4883846"/>
                 <a:ext cx="1535899" cy="298253"/>
               </a:xfrm>
               <a:prstGeom prst="rect">
@@ -6308,8 +6308,8 @@
             </p:nvCxnSpPr>
             <p:spPr>
               <a:xfrm rot="16200000" flipH="1">
-                <a:off x="2197521" y="3382440"/>
-                <a:ext cx="3216747" cy="251964"/>
+                <a:off x="2248753" y="3331208"/>
+                <a:ext cx="3132924" cy="270606"/>
               </a:xfrm>
               <a:prstGeom prst="bentConnector2">
                 <a:avLst/>
@@ -6352,8 +6352,8 @@
             </p:nvSpPr>
             <p:spPr>
               <a:xfrm>
-                <a:off x="7141942" y="4175375"/>
-                <a:ext cx="2952009" cy="122823"/>
+                <a:off x="7157127" y="4101063"/>
+                <a:ext cx="2936716" cy="74313"/>
               </a:xfrm>
               <a:custGeom>
                 <a:avLst/>
@@ -6422,7 +6422,7 @@
               <a:lstStyle/>
               <a:p>
                 <a:pPr algn="ctr"/>
-                <a:endParaRPr lang="en-SG"/>
+                <a:endParaRPr lang="en-SG" dirty="0"/>
               </a:p>
             </p:txBody>
           </p:sp>
@@ -6440,8 +6440,8 @@
             </p:nvSpPr>
             <p:spPr>
               <a:xfrm>
-                <a:off x="7131290" y="4606812"/>
-                <a:ext cx="2962661" cy="151747"/>
+                <a:off x="7136585" y="4606813"/>
+                <a:ext cx="2957366" cy="74314"/>
               </a:xfrm>
               <a:custGeom>
                 <a:avLst/>
@@ -6532,8 +6532,8 @@
             </p:nvCxnSpPr>
             <p:spPr>
               <a:xfrm rot="5400000">
-                <a:off x="5402238" y="1580451"/>
-                <a:ext cx="3601882" cy="3470808"/>
+                <a:off x="5453471" y="1547860"/>
+                <a:ext cx="3518059" cy="3452166"/>
               </a:xfrm>
               <a:prstGeom prst="bentConnector2">
                 <a:avLst/>
@@ -6580,8 +6580,8 @@
             </p:nvCxnSpPr>
             <p:spPr>
               <a:xfrm rot="16200000" flipH="1">
-                <a:off x="1959333" y="3620627"/>
-                <a:ext cx="3683648" cy="242491"/>
+                <a:off x="1973781" y="3606179"/>
+                <a:ext cx="3654753" cy="242491"/>
               </a:xfrm>
               <a:prstGeom prst="bentConnector2">
                 <a:avLst/>
@@ -6624,7 +6624,7 @@
             </p:nvSpPr>
             <p:spPr>
               <a:xfrm>
-                <a:off x="3922403" y="5434570"/>
+                <a:off x="3922403" y="5405675"/>
                 <a:ext cx="1535899" cy="298253"/>
               </a:xfrm>
               <a:prstGeom prst="rect">
@@ -6694,8 +6694,8 @@
             </p:nvCxnSpPr>
             <p:spPr>
               <a:xfrm rot="16200000" flipH="1">
-                <a:off x="5156643" y="5266533"/>
-                <a:ext cx="68800" cy="1001380"/>
+                <a:off x="5142196" y="5252085"/>
+                <a:ext cx="97695" cy="1001380"/>
               </a:xfrm>
               <a:prstGeom prst="bentConnector2">
                 <a:avLst/>
@@ -6856,8 +6856,8 @@
             </p:nvCxnSpPr>
             <p:spPr>
               <a:xfrm rot="16200000" flipH="1">
-                <a:off x="5150269" y="4815479"/>
-                <a:ext cx="79385" cy="980270"/>
+                <a:off x="5137794" y="4762772"/>
+                <a:ext cx="97482" cy="936135"/>
               </a:xfrm>
               <a:prstGeom prst="bentConnector2">
                 <a:avLst/>
@@ -6900,7 +6900,7 @@
             </p:nvSpPr>
             <p:spPr>
               <a:xfrm>
-                <a:off x="5680096" y="5196180"/>
+                <a:off x="5654603" y="5130454"/>
                 <a:ext cx="1461847" cy="298253"/>
               </a:xfrm>
               <a:prstGeom prst="rect">
@@ -6970,8 +6970,8 @@
             </p:nvCxnSpPr>
             <p:spPr>
               <a:xfrm rot="5400000">
-                <a:off x="6125067" y="2531790"/>
-                <a:ext cx="3830393" cy="1796640"/>
+                <a:off x="6145184" y="2486181"/>
+                <a:ext cx="3764667" cy="1822133"/>
               </a:xfrm>
               <a:prstGeom prst="bentConnector2">
                 <a:avLst/>
@@ -7015,7 +7015,7 @@
           </p:nvSpPr>
           <p:spPr>
             <a:xfrm>
-              <a:off x="3911655" y="6200370"/>
+              <a:off x="3903564" y="6191123"/>
               <a:ext cx="1780078" cy="265776"/>
             </a:xfrm>
             <a:prstGeom prst="rect">
@@ -7085,8 +7085,8 @@
           </p:nvCxnSpPr>
           <p:spPr>
             <a:xfrm rot="16200000" flipH="1">
-              <a:off x="1558654" y="3980256"/>
-              <a:ext cx="4474259" cy="231743"/>
+              <a:off x="1503557" y="3924004"/>
+              <a:ext cx="4576362" cy="223652"/>
             </a:xfrm>
             <a:prstGeom prst="bentConnector2">
               <a:avLst/>

--- a/docs/diagrams/UiComponentClassDiagram.pptx
+++ b/docs/diagrams/UiComponentClassDiagram.pptx
@@ -4231,13 +4231,15 @@
               <p:cNvPr id="121" name="Elbow Connector 63"/>
               <p:cNvCxnSpPr>
                 <a:cxnSpLocks/>
+                <a:stCxn id="9" idx="1"/>
+                <a:endCxn id="120" idx="3"/>
               </p:cNvCxnSpPr>
               <p:nvPr/>
             </p:nvCxnSpPr>
             <p:spPr>
               <a:xfrm rot="10800000" flipV="1">
-                <a:off x="2215850" y="813600"/>
-                <a:ext cx="857839" cy="734391"/>
+                <a:off x="2223471" y="840807"/>
+                <a:ext cx="901880" cy="707183"/>
               </a:xfrm>
               <a:prstGeom prst="bentConnector2">
                 <a:avLst/>

--- a/docs/diagrams/UiComponentClassDiagram.pptx
+++ b/docs/diagrams/UiComponentClassDiagram.pptx
@@ -208,7 +208,7 @@
           <a:p>
             <a:fld id="{F5CC4B3F-88C1-4FFA-B1B6-F41C21DC6924}" type="datetimeFigureOut">
               <a:rPr lang="en-US" smtClean="0"/>
-              <a:t>1/7/2017</a:t>
+              <a:t>4/15/18</a:t>
             </a:fld>
             <a:endParaRPr lang="en-US"/>
           </a:p>
@@ -654,7 +654,7 @@
           <a:p>
             <a:fld id="{78C97017-6FC3-485B-9764-EAC9E56C1D49}" type="datetimeFigureOut">
               <a:rPr lang="en-US" smtClean="0"/>
-              <a:t>1/7/2017</a:t>
+              <a:t>4/15/18</a:t>
             </a:fld>
             <a:endParaRPr lang="en-US"/>
           </a:p>
@@ -822,7 +822,7 @@
           <a:p>
             <a:fld id="{78C97017-6FC3-485B-9764-EAC9E56C1D49}" type="datetimeFigureOut">
               <a:rPr lang="en-US" smtClean="0"/>
-              <a:t>1/7/2017</a:t>
+              <a:t>4/15/18</a:t>
             </a:fld>
             <a:endParaRPr lang="en-US"/>
           </a:p>
@@ -1000,7 +1000,7 @@
           <a:p>
             <a:fld id="{78C97017-6FC3-485B-9764-EAC9E56C1D49}" type="datetimeFigureOut">
               <a:rPr lang="en-US" smtClean="0"/>
-              <a:t>1/7/2017</a:t>
+              <a:t>4/15/18</a:t>
             </a:fld>
             <a:endParaRPr lang="en-US"/>
           </a:p>
@@ -1168,7 +1168,7 @@
           <a:p>
             <a:fld id="{78C97017-6FC3-485B-9764-EAC9E56C1D49}" type="datetimeFigureOut">
               <a:rPr lang="en-US" smtClean="0"/>
-              <a:t>1/7/2017</a:t>
+              <a:t>4/15/18</a:t>
             </a:fld>
             <a:endParaRPr lang="en-US"/>
           </a:p>
@@ -1413,7 +1413,7 @@
           <a:p>
             <a:fld id="{78C97017-6FC3-485B-9764-EAC9E56C1D49}" type="datetimeFigureOut">
               <a:rPr lang="en-US" smtClean="0"/>
-              <a:t>1/7/2017</a:t>
+              <a:t>4/15/18</a:t>
             </a:fld>
             <a:endParaRPr lang="en-US"/>
           </a:p>
@@ -1698,7 +1698,7 @@
           <a:p>
             <a:fld id="{78C97017-6FC3-485B-9764-EAC9E56C1D49}" type="datetimeFigureOut">
               <a:rPr lang="en-US" smtClean="0"/>
-              <a:t>1/7/2017</a:t>
+              <a:t>4/15/18</a:t>
             </a:fld>
             <a:endParaRPr lang="en-US"/>
           </a:p>
@@ -2117,7 +2117,7 @@
           <a:p>
             <a:fld id="{78C97017-6FC3-485B-9764-EAC9E56C1D49}" type="datetimeFigureOut">
               <a:rPr lang="en-US" smtClean="0"/>
-              <a:t>1/7/2017</a:t>
+              <a:t>4/15/18</a:t>
             </a:fld>
             <a:endParaRPr lang="en-US"/>
           </a:p>
@@ -2234,7 +2234,7 @@
           <a:p>
             <a:fld id="{78C97017-6FC3-485B-9764-EAC9E56C1D49}" type="datetimeFigureOut">
               <a:rPr lang="en-US" smtClean="0"/>
-              <a:t>1/7/2017</a:t>
+              <a:t>4/15/18</a:t>
             </a:fld>
             <a:endParaRPr lang="en-US"/>
           </a:p>
@@ -2329,7 +2329,7 @@
           <a:p>
             <a:fld id="{78C97017-6FC3-485B-9764-EAC9E56C1D49}" type="datetimeFigureOut">
               <a:rPr lang="en-US" smtClean="0"/>
-              <a:t>1/7/2017</a:t>
+              <a:t>4/15/18</a:t>
             </a:fld>
             <a:endParaRPr lang="en-US"/>
           </a:p>
@@ -2604,7 +2604,7 @@
           <a:p>
             <a:fld id="{78C97017-6FC3-485B-9764-EAC9E56C1D49}" type="datetimeFigureOut">
               <a:rPr lang="en-US" smtClean="0"/>
-              <a:t>1/7/2017</a:t>
+              <a:t>4/15/18</a:t>
             </a:fld>
             <a:endParaRPr lang="en-US"/>
           </a:p>
@@ -2856,7 +2856,7 @@
           <a:p>
             <a:fld id="{78C97017-6FC3-485B-9764-EAC9E56C1D49}" type="datetimeFigureOut">
               <a:rPr lang="en-US" smtClean="0"/>
-              <a:t>1/7/2017</a:t>
+              <a:t>4/15/18</a:t>
             </a:fld>
             <a:endParaRPr lang="en-US"/>
           </a:p>
@@ -3067,7 +3067,7 @@
           <a:p>
             <a:fld id="{78C97017-6FC3-485B-9764-EAC9E56C1D49}" type="datetimeFigureOut">
               <a:rPr lang="en-US" smtClean="0"/>
-              <a:t>1/7/2017</a:t>
+              <a:t>4/15/18</a:t>
             </a:fld>
             <a:endParaRPr lang="en-US"/>
           </a:p>
@@ -4038,14 +4038,24 @@
           <a:p>
             <a:pPr algn="ctr"/>
             <a:r>
-              <a:rPr lang="en-US" sz="1050" b="1" dirty="0" err="1">
+              <a:rPr lang="en-US" sz="1050" b="1" dirty="0" err="1" smtClean="0">
                 <a:solidFill>
                   <a:schemeClr val="accent3">
                     <a:lumMod val="75000"/>
                   </a:schemeClr>
                 </a:solidFill>
               </a:rPr>
-              <a:t>PersonListPanel</a:t>
+              <a:t>Book</a:t>
+            </a:r>
+            <a:r>
+              <a:rPr lang="en-US" sz="1050" b="1" dirty="0" err="1" smtClean="0">
+                <a:solidFill>
+                  <a:schemeClr val="accent3">
+                    <a:lumMod val="75000"/>
+                  </a:schemeClr>
+                </a:solidFill>
+              </a:rPr>
+              <a:t>ListPanel</a:t>
             </a:r>
             <a:endParaRPr lang="en-SG" sz="1050" b="1" dirty="0">
               <a:solidFill>
@@ -4098,14 +4108,24 @@
           <a:p>
             <a:pPr algn="ctr"/>
             <a:r>
-              <a:rPr lang="en-US" sz="1050" b="1" dirty="0" err="1">
+              <a:rPr lang="en-US" sz="1050" b="1" smtClean="0">
                 <a:solidFill>
                   <a:schemeClr val="accent3">
                     <a:lumMod val="75000"/>
                   </a:schemeClr>
                 </a:solidFill>
               </a:rPr>
-              <a:t>PersonCard</a:t>
+              <a:t>Book</a:t>
+            </a:r>
+            <a:r>
+              <a:rPr lang="en-US" sz="1050" b="1" smtClean="0">
+                <a:solidFill>
+                  <a:schemeClr val="accent3">
+                    <a:lumMod val="75000"/>
+                  </a:schemeClr>
+                </a:solidFill>
+              </a:rPr>
+              <a:t>Card</a:t>
             </a:r>
             <a:endParaRPr lang="en-SG" sz="1050" b="1" dirty="0">
               <a:solidFill>

--- a/docs/diagrams/UiComponentClassDiagram.pptx
+++ b/docs/diagrams/UiComponentClassDiagram.pptx
@@ -208,7 +208,7 @@
           <a:p>
             <a:fld id="{F5CC4B3F-88C1-4FFA-B1B6-F41C21DC6924}" type="datetimeFigureOut">
               <a:rPr lang="en-US" smtClean="0"/>
-              <a:t>4/4/2018</a:t>
+              <a:t>4/15/2018</a:t>
             </a:fld>
             <a:endParaRPr lang="en-US"/>
           </a:p>
@@ -654,7 +654,7 @@
           <a:p>
             <a:fld id="{78C97017-6FC3-485B-9764-EAC9E56C1D49}" type="datetimeFigureOut">
               <a:rPr lang="en-US" smtClean="0"/>
-              <a:t>4/4/2018</a:t>
+              <a:t>4/15/2018</a:t>
             </a:fld>
             <a:endParaRPr lang="en-US"/>
           </a:p>
@@ -822,7 +822,7 @@
           <a:p>
             <a:fld id="{78C97017-6FC3-485B-9764-EAC9E56C1D49}" type="datetimeFigureOut">
               <a:rPr lang="en-US" smtClean="0"/>
-              <a:t>4/4/2018</a:t>
+              <a:t>4/15/2018</a:t>
             </a:fld>
             <a:endParaRPr lang="en-US"/>
           </a:p>
@@ -1000,7 +1000,7 @@
           <a:p>
             <a:fld id="{78C97017-6FC3-485B-9764-EAC9E56C1D49}" type="datetimeFigureOut">
               <a:rPr lang="en-US" smtClean="0"/>
-              <a:t>4/4/2018</a:t>
+              <a:t>4/15/2018</a:t>
             </a:fld>
             <a:endParaRPr lang="en-US"/>
           </a:p>
@@ -1168,7 +1168,7 @@
           <a:p>
             <a:fld id="{78C97017-6FC3-485B-9764-EAC9E56C1D49}" type="datetimeFigureOut">
               <a:rPr lang="en-US" smtClean="0"/>
-              <a:t>4/4/2018</a:t>
+              <a:t>4/15/2018</a:t>
             </a:fld>
             <a:endParaRPr lang="en-US"/>
           </a:p>
@@ -1413,7 +1413,7 @@
           <a:p>
             <a:fld id="{78C97017-6FC3-485B-9764-EAC9E56C1D49}" type="datetimeFigureOut">
               <a:rPr lang="en-US" smtClean="0"/>
-              <a:t>4/4/2018</a:t>
+              <a:t>4/15/2018</a:t>
             </a:fld>
             <a:endParaRPr lang="en-US"/>
           </a:p>
@@ -1698,7 +1698,7 @@
           <a:p>
             <a:fld id="{78C97017-6FC3-485B-9764-EAC9E56C1D49}" type="datetimeFigureOut">
               <a:rPr lang="en-US" smtClean="0"/>
-              <a:t>4/4/2018</a:t>
+              <a:t>4/15/2018</a:t>
             </a:fld>
             <a:endParaRPr lang="en-US"/>
           </a:p>
@@ -2117,7 +2117,7 @@
           <a:p>
             <a:fld id="{78C97017-6FC3-485B-9764-EAC9E56C1D49}" type="datetimeFigureOut">
               <a:rPr lang="en-US" smtClean="0"/>
-              <a:t>4/4/2018</a:t>
+              <a:t>4/15/2018</a:t>
             </a:fld>
             <a:endParaRPr lang="en-US"/>
           </a:p>
@@ -2234,7 +2234,7 @@
           <a:p>
             <a:fld id="{78C97017-6FC3-485B-9764-EAC9E56C1D49}" type="datetimeFigureOut">
               <a:rPr lang="en-US" smtClean="0"/>
-              <a:t>4/4/2018</a:t>
+              <a:t>4/15/2018</a:t>
             </a:fld>
             <a:endParaRPr lang="en-US"/>
           </a:p>
@@ -2329,7 +2329,7 @@
           <a:p>
             <a:fld id="{78C97017-6FC3-485B-9764-EAC9E56C1D49}" type="datetimeFigureOut">
               <a:rPr lang="en-US" smtClean="0"/>
-              <a:t>4/4/2018</a:t>
+              <a:t>4/15/2018</a:t>
             </a:fld>
             <a:endParaRPr lang="en-US"/>
           </a:p>
@@ -2604,7 +2604,7 @@
           <a:p>
             <a:fld id="{78C97017-6FC3-485B-9764-EAC9E56C1D49}" type="datetimeFigureOut">
               <a:rPr lang="en-US" smtClean="0"/>
-              <a:t>4/4/2018</a:t>
+              <a:t>4/15/2018</a:t>
             </a:fld>
             <a:endParaRPr lang="en-US"/>
           </a:p>
@@ -2856,7 +2856,7 @@
           <a:p>
             <a:fld id="{78C97017-6FC3-485B-9764-EAC9E56C1D49}" type="datetimeFigureOut">
               <a:rPr lang="en-US" smtClean="0"/>
-              <a:t>4/4/2018</a:t>
+              <a:t>4/15/2018</a:t>
             </a:fld>
             <a:endParaRPr lang="en-US"/>
           </a:p>
@@ -3067,7 +3067,7 @@
           <a:p>
             <a:fld id="{78C97017-6FC3-485B-9764-EAC9E56C1D49}" type="datetimeFigureOut">
               <a:rPr lang="en-US" smtClean="0"/>
-              <a:t>4/4/2018</a:t>
+              <a:t>4/15/2018</a:t>
             </a:fld>
             <a:endParaRPr lang="en-US"/>
           </a:p>
@@ -3885,7 +3885,7 @@
         </p:nvSpPr>
         <p:spPr>
           <a:xfrm>
-            <a:off x="2592528" y="3582887"/>
+            <a:off x="3514431" y="3845534"/>
             <a:ext cx="1093635" cy="236841"/>
           </a:xfrm>
           <a:prstGeom prst="rect">
@@ -3945,7 +3945,7 @@
         </p:nvSpPr>
         <p:spPr>
           <a:xfrm>
-            <a:off x="2592527" y="4648200"/>
+            <a:off x="2582371" y="3573159"/>
             <a:ext cx="1093635" cy="236841"/>
           </a:xfrm>
           <a:prstGeom prst="rect">
@@ -4005,7 +4005,7 @@
         </p:nvSpPr>
         <p:spPr>
           <a:xfrm>
-            <a:off x="2592526" y="3920177"/>
+            <a:off x="3515107" y="4449748"/>
             <a:ext cx="1093635" cy="236841"/>
           </a:xfrm>
           <a:prstGeom prst="rect">
@@ -4065,7 +4065,7 @@
         </p:nvSpPr>
         <p:spPr>
           <a:xfrm>
-            <a:off x="2592528" y="4966000"/>
+            <a:off x="2593880" y="5073528"/>
             <a:ext cx="1093635" cy="236841"/>
           </a:xfrm>
           <a:prstGeom prst="rect">
@@ -4271,17 +4271,20 @@
           <p:cNvPr id="44" name="Elbow Connector 63"/>
           <p:cNvCxnSpPr>
             <a:stCxn id="39" idx="2"/>
-            <a:endCxn id="34" idx="1"/>
+            <a:endCxn id="60" idx="1"/>
           </p:cNvCxnSpPr>
           <p:nvPr/>
         </p:nvCxnSpPr>
         <p:spPr>
-          <a:xfrm rot="16200000" flipH="1">
-            <a:off x="2087686" y="3196465"/>
-            <a:ext cx="833283" cy="176402"/>
-          </a:xfrm>
-          <a:prstGeom prst="bentConnector2">
-            <a:avLst/>
+          <a:xfrm rot="5400000">
+            <a:off x="1401895" y="3427016"/>
+            <a:ext cx="1573222" cy="455240"/>
+          </a:xfrm>
+          <a:prstGeom prst="bentConnector4">
+            <a:avLst>
+              <a:gd name="adj1" fmla="val 46236"/>
+              <a:gd name="adj2" fmla="val 150215"/>
+            </a:avLst>
           </a:prstGeom>
           <a:ln w="19050">
             <a:solidFill>
@@ -4311,18 +4314,20 @@
         <p:nvCxnSpPr>
           <p:cNvPr id="47" name="Elbow Connector 63"/>
           <p:cNvCxnSpPr>
-            <a:stCxn id="39" idx="2"/>
+            <a:stCxn id="60" idx="3"/>
             <a:endCxn id="36" idx="1"/>
           </p:cNvCxnSpPr>
           <p:nvPr/>
         </p:nvCxnSpPr>
         <p:spPr>
-          <a:xfrm rot="16200000" flipH="1">
-            <a:off x="1919040" y="3365111"/>
-            <a:ext cx="1170573" cy="176400"/>
-          </a:xfrm>
-          <a:prstGeom prst="bentConnector2">
-            <a:avLst/>
+          <a:xfrm>
+            <a:off x="3054521" y="4441247"/>
+            <a:ext cx="460586" cy="126922"/>
+          </a:xfrm>
+          <a:prstGeom prst="bentConnector3">
+            <a:avLst>
+              <a:gd name="adj1" fmla="val 50000"/>
+            </a:avLst>
           </a:prstGeom>
           <a:ln w="19050">
             <a:solidFill>
@@ -4352,18 +4357,20 @@
         <p:nvCxnSpPr>
           <p:cNvPr id="50" name="Elbow Connector 63"/>
           <p:cNvCxnSpPr>
-            <a:stCxn id="39" idx="2"/>
+            <a:stCxn id="60" idx="3"/>
             <a:endCxn id="46" idx="1"/>
           </p:cNvCxnSpPr>
           <p:nvPr/>
         </p:nvCxnSpPr>
         <p:spPr>
-          <a:xfrm rot="16200000" flipH="1">
-            <a:off x="1734931" y="3549219"/>
-            <a:ext cx="1537063" cy="174673"/>
-          </a:xfrm>
-          <a:prstGeom prst="bentConnector2">
-            <a:avLst/>
+          <a:xfrm>
+            <a:off x="3054521" y="4441247"/>
+            <a:ext cx="478534" cy="422024"/>
+          </a:xfrm>
+          <a:prstGeom prst="bentConnector3">
+            <a:avLst>
+              <a:gd name="adj1" fmla="val 50000"/>
+            </a:avLst>
           </a:prstGeom>
           <a:ln w="19050">
             <a:solidFill>
@@ -4399,8 +4406,8 @@
         </p:nvCxnSpPr>
         <p:spPr>
           <a:xfrm rot="16200000" flipH="1">
-            <a:off x="1184119" y="3676012"/>
-            <a:ext cx="2396440" cy="420377"/>
+            <a:off x="1204459" y="3802527"/>
+            <a:ext cx="2485495" cy="293347"/>
           </a:xfrm>
           <a:prstGeom prst="bentConnector2">
             <a:avLst/>
@@ -4559,12 +4566,15 @@
           <p:nvPr/>
         </p:nvCxnSpPr>
         <p:spPr>
-          <a:xfrm rot="5400000">
-            <a:off x="4511627" y="3210270"/>
-            <a:ext cx="1942613" cy="94073"/>
-          </a:xfrm>
-          <a:prstGeom prst="bentConnector2">
-            <a:avLst/>
+          <a:xfrm rot="16200000" flipH="1">
+            <a:off x="4803137" y="3012831"/>
+            <a:ext cx="1927081" cy="473417"/>
+          </a:xfrm>
+          <a:prstGeom prst="bentConnector4">
+            <a:avLst>
+              <a:gd name="adj1" fmla="val 46927"/>
+              <a:gd name="adj2" fmla="val 148287"/>
+            </a:avLst>
           </a:prstGeom>
           <a:ln w="6350">
             <a:solidFill>
@@ -4601,8 +4611,8 @@
         </p:nvCxnSpPr>
         <p:spPr>
           <a:xfrm rot="5400000">
-            <a:off x="3900412" y="2071751"/>
-            <a:ext cx="1415308" cy="1843806"/>
+            <a:off x="4230041" y="2664026"/>
+            <a:ext cx="1677955" cy="921903"/>
           </a:xfrm>
           <a:prstGeom prst="bentConnector2">
             <a:avLst/>
@@ -4683,8 +4693,8 @@
         </p:nvCxnSpPr>
         <p:spPr>
           <a:xfrm rot="5400000">
-            <a:off x="3367756" y="2604407"/>
-            <a:ext cx="2480621" cy="1843807"/>
+            <a:off x="3900198" y="2061809"/>
+            <a:ext cx="1405580" cy="1853963"/>
           </a:xfrm>
           <a:prstGeom prst="bentConnector2">
             <a:avLst/>
@@ -4724,8 +4734,8 @@
         </p:nvCxnSpPr>
         <p:spPr>
           <a:xfrm rot="5400000">
-            <a:off x="3208856" y="2763307"/>
-            <a:ext cx="2798421" cy="1843806"/>
+            <a:off x="3155768" y="2817747"/>
+            <a:ext cx="2905949" cy="1842454"/>
           </a:xfrm>
           <a:prstGeom prst="bentConnector2">
             <a:avLst/>
@@ -5107,9 +5117,9 @@
           <p:nvPr/>
         </p:nvCxnSpPr>
         <p:spPr>
-          <a:xfrm>
-            <a:off x="3686161" y="4038598"/>
-            <a:ext cx="708829" cy="190015"/>
+          <a:xfrm flipV="1">
+            <a:off x="4608742" y="4213081"/>
+            <a:ext cx="353738" cy="355088"/>
           </a:xfrm>
           <a:prstGeom prst="bentConnector3">
             <a:avLst>
@@ -5151,8 +5161,8 @@
         </p:nvCxnSpPr>
         <p:spPr>
           <a:xfrm rot="5400000">
-            <a:off x="3731766" y="2240395"/>
-            <a:ext cx="1752598" cy="1843808"/>
+            <a:off x="3928272" y="2966471"/>
+            <a:ext cx="2282169" cy="921227"/>
           </a:xfrm>
           <a:prstGeom prst="bentConnector2">
             <a:avLst/>
@@ -5459,7 +5469,7 @@
         </p:nvSpPr>
         <p:spPr>
           <a:xfrm>
-            <a:off x="2590799" y="4286667"/>
+            <a:off x="3533055" y="4744850"/>
             <a:ext cx="1093635" cy="236841"/>
           </a:xfrm>
           <a:prstGeom prst="rect">
@@ -5514,13 +5524,15 @@
       <p:cxnSp>
         <p:nvCxnSpPr>
           <p:cNvPr id="54" name="Elbow Connector 63"/>
-          <p:cNvCxnSpPr/>
+          <p:cNvCxnSpPr>
+            <a:endCxn id="35" idx="1"/>
+          </p:cNvCxnSpPr>
           <p:nvPr/>
         </p:nvCxnSpPr>
         <p:spPr>
           <a:xfrm rot="16200000" flipH="1">
-            <a:off x="1710205" y="3888423"/>
-            <a:ext cx="1581724" cy="174673"/>
+            <a:off x="2244709" y="3353918"/>
+            <a:ext cx="506682" cy="168641"/>
           </a:xfrm>
           <a:prstGeom prst="bentConnector2">
             <a:avLst/>
@@ -5597,7 +5609,7 @@
         </p:nvSpPr>
         <p:spPr>
           <a:xfrm>
-            <a:off x="4394990" y="4110192"/>
+            <a:off x="4962480" y="4094660"/>
             <a:ext cx="1040906" cy="236841"/>
           </a:xfrm>
           <a:prstGeom prst="rect">
@@ -5657,7 +5669,7 @@
         </p:nvSpPr>
         <p:spPr>
           <a:xfrm>
-            <a:off x="4383369" y="4566548"/>
+            <a:off x="4962480" y="4550990"/>
             <a:ext cx="1040906" cy="236841"/>
           </a:xfrm>
           <a:prstGeom prst="rect">
@@ -5719,9 +5731,9 @@
           <p:nvPr/>
         </p:nvCxnSpPr>
         <p:spPr>
-          <a:xfrm>
-            <a:off x="3684434" y="4405088"/>
-            <a:ext cx="698935" cy="279881"/>
+          <a:xfrm flipV="1">
+            <a:off x="4626690" y="4669411"/>
+            <a:ext cx="335790" cy="193860"/>
           </a:xfrm>
           <a:prstGeom prst="bentConnector3">
             <a:avLst>
@@ -5834,6 +5846,339 @@
           </a:p>
         </p:txBody>
       </p:sp>
+      <p:sp>
+        <p:nvSpPr>
+          <p:cNvPr id="58" name="Rectangle 11"/>
+          <p:cNvSpPr/>
+          <p:nvPr/>
+        </p:nvSpPr>
+        <p:spPr>
+          <a:xfrm>
+            <a:off x="3509353" y="4153784"/>
+            <a:ext cx="1093635" cy="236841"/>
+          </a:xfrm>
+          <a:prstGeom prst="rect">
+            <a:avLst/>
+          </a:prstGeom>
+          <a:ln w="19050">
+            <a:solidFill>
+              <a:schemeClr val="accent3"/>
+            </a:solidFill>
+          </a:ln>
+          <a:effectLst/>
+        </p:spPr>
+        <p:style>
+          <a:lnRef idx="1">
+            <a:schemeClr val="accent3"/>
+          </a:lnRef>
+          <a:fillRef idx="2">
+            <a:schemeClr val="accent3"/>
+          </a:fillRef>
+          <a:effectRef idx="1">
+            <a:schemeClr val="accent3"/>
+          </a:effectRef>
+          <a:fontRef idx="minor">
+            <a:schemeClr val="dk1"/>
+          </a:fontRef>
+        </p:style>
+        <p:txBody>
+          <a:bodyPr rtlCol="0" anchor="ctr"/>
+          <a:lstStyle/>
+          <a:p>
+            <a:pPr algn="ctr"/>
+            <a:r>
+              <a:rPr lang="en-US" sz="1050" b="1" dirty="0" err="1" smtClean="0">
+                <a:solidFill>
+                  <a:schemeClr val="accent3">
+                    <a:lumMod val="75000"/>
+                  </a:schemeClr>
+                </a:solidFill>
+              </a:rPr>
+              <a:t>CalendarPanel</a:t>
+            </a:r>
+            <a:endParaRPr lang="en-SG" sz="1050" b="1" dirty="0">
+              <a:solidFill>
+                <a:schemeClr val="accent3">
+                  <a:lumMod val="75000"/>
+                </a:schemeClr>
+              </a:solidFill>
+            </a:endParaRPr>
+          </a:p>
+        </p:txBody>
+      </p:sp>
+      <p:cxnSp>
+        <p:nvCxnSpPr>
+          <p:cNvPr id="59" name="Elbow Connector 63"/>
+          <p:cNvCxnSpPr>
+            <a:stCxn id="60" idx="3"/>
+            <a:endCxn id="58" idx="1"/>
+          </p:cNvCxnSpPr>
+          <p:nvPr/>
+        </p:nvCxnSpPr>
+        <p:spPr>
+          <a:xfrm flipV="1">
+            <a:off x="3054521" y="4272205"/>
+            <a:ext cx="454832" cy="169042"/>
+          </a:xfrm>
+          <a:prstGeom prst="bentConnector3">
+            <a:avLst>
+              <a:gd name="adj1" fmla="val 50000"/>
+            </a:avLst>
+          </a:prstGeom>
+          <a:ln w="19050">
+            <a:solidFill>
+              <a:schemeClr val="accent3"/>
+            </a:solidFill>
+            <a:headEnd type="none" w="med" len="med"/>
+            <a:tailEnd type="arrow" w="med" len="med"/>
+          </a:ln>
+          <a:effectLst/>
+        </p:spPr>
+        <p:style>
+          <a:lnRef idx="1">
+            <a:schemeClr val="accent2"/>
+          </a:lnRef>
+          <a:fillRef idx="2">
+            <a:schemeClr val="accent2"/>
+          </a:fillRef>
+          <a:effectRef idx="1">
+            <a:schemeClr val="accent2"/>
+          </a:effectRef>
+          <a:fontRef idx="minor">
+            <a:schemeClr val="dk1"/>
+          </a:fontRef>
+        </p:style>
+      </p:cxnSp>
+      <p:cxnSp>
+        <p:nvCxnSpPr>
+          <p:cNvPr id="62" name="Elbow Connector 63"/>
+          <p:cNvCxnSpPr>
+            <a:stCxn id="58" idx="3"/>
+            <a:endCxn id="16" idx="3"/>
+          </p:cNvCxnSpPr>
+          <p:nvPr/>
+        </p:nvCxnSpPr>
+        <p:spPr>
+          <a:xfrm flipV="1">
+            <a:off x="4602988" y="2286000"/>
+            <a:ext cx="926981" cy="1986205"/>
+          </a:xfrm>
+          <a:prstGeom prst="bentConnector2">
+            <a:avLst/>
+          </a:prstGeom>
+          <a:ln w="6350">
+            <a:solidFill>
+              <a:schemeClr val="accent3"/>
+            </a:solidFill>
+            <a:headEnd type="none" w="med" len="med"/>
+            <a:tailEnd type="none" w="med" len="med"/>
+          </a:ln>
+          <a:effectLst/>
+        </p:spPr>
+        <p:style>
+          <a:lnRef idx="1">
+            <a:schemeClr val="accent2"/>
+          </a:lnRef>
+          <a:fillRef idx="2">
+            <a:schemeClr val="accent2"/>
+          </a:fillRef>
+          <a:effectRef idx="1">
+            <a:schemeClr val="accent2"/>
+          </a:effectRef>
+          <a:fontRef idx="minor">
+            <a:schemeClr val="dk1"/>
+          </a:fontRef>
+        </p:style>
+      </p:cxnSp>
+      <p:sp>
+        <p:nvSpPr>
+          <p:cNvPr id="60" name="Rectangle 11"/>
+          <p:cNvSpPr/>
+          <p:nvPr/>
+        </p:nvSpPr>
+        <p:spPr>
+          <a:xfrm>
+            <a:off x="1960886" y="4322826"/>
+            <a:ext cx="1093635" cy="236841"/>
+          </a:xfrm>
+          <a:prstGeom prst="rect">
+            <a:avLst/>
+          </a:prstGeom>
+          <a:ln w="19050">
+            <a:solidFill>
+              <a:schemeClr val="accent3"/>
+            </a:solidFill>
+          </a:ln>
+          <a:effectLst/>
+        </p:spPr>
+        <p:style>
+          <a:lnRef idx="1">
+            <a:schemeClr val="accent3"/>
+          </a:lnRef>
+          <a:fillRef idx="2">
+            <a:schemeClr val="accent3"/>
+          </a:fillRef>
+          <a:effectRef idx="1">
+            <a:schemeClr val="accent3"/>
+          </a:effectRef>
+          <a:fontRef idx="minor">
+            <a:schemeClr val="dk1"/>
+          </a:fontRef>
+        </p:style>
+        <p:txBody>
+          <a:bodyPr rtlCol="0" anchor="ctr"/>
+          <a:lstStyle/>
+          <a:p>
+            <a:pPr algn="ctr"/>
+            <a:r>
+              <a:rPr lang="en-US" sz="1050" b="1" dirty="0" err="1" smtClean="0">
+                <a:solidFill>
+                  <a:schemeClr val="accent3">
+                    <a:lumMod val="75000"/>
+                  </a:schemeClr>
+                </a:solidFill>
+              </a:rPr>
+              <a:t>MainView</a:t>
+            </a:r>
+            <a:endParaRPr lang="en-SG" sz="1050" b="1" dirty="0">
+              <a:solidFill>
+                <a:schemeClr val="accent3">
+                  <a:lumMod val="75000"/>
+                </a:schemeClr>
+              </a:solidFill>
+            </a:endParaRPr>
+          </a:p>
+        </p:txBody>
+      </p:sp>
+      <p:cxnSp>
+        <p:nvCxnSpPr>
+          <p:cNvPr id="83" name="Elbow Connector 63"/>
+          <p:cNvCxnSpPr>
+            <a:stCxn id="60" idx="3"/>
+            <a:endCxn id="34" idx="1"/>
+          </p:cNvCxnSpPr>
+          <p:nvPr/>
+        </p:nvCxnSpPr>
+        <p:spPr>
+          <a:xfrm flipV="1">
+            <a:off x="3054521" y="3963955"/>
+            <a:ext cx="459910" cy="477292"/>
+          </a:xfrm>
+          <a:prstGeom prst="bentConnector3">
+            <a:avLst>
+              <a:gd name="adj1" fmla="val 50000"/>
+            </a:avLst>
+          </a:prstGeom>
+          <a:ln w="19050">
+            <a:solidFill>
+              <a:schemeClr val="accent3"/>
+            </a:solidFill>
+            <a:headEnd type="none" w="med" len="med"/>
+            <a:tailEnd type="arrow" w="med" len="med"/>
+          </a:ln>
+          <a:effectLst/>
+        </p:spPr>
+        <p:style>
+          <a:lnRef idx="1">
+            <a:schemeClr val="accent2"/>
+          </a:lnRef>
+          <a:fillRef idx="2">
+            <a:schemeClr val="accent2"/>
+          </a:fillRef>
+          <a:effectRef idx="1">
+            <a:schemeClr val="accent2"/>
+          </a:effectRef>
+          <a:fontRef idx="minor">
+            <a:schemeClr val="dk1"/>
+          </a:fontRef>
+        </p:style>
+      </p:cxnSp>
+      <p:cxnSp>
+        <p:nvCxnSpPr>
+          <p:cNvPr id="106" name="Elbow Connector 63"/>
+          <p:cNvCxnSpPr>
+            <a:endCxn id="89" idx="3"/>
+          </p:cNvCxnSpPr>
+          <p:nvPr/>
+        </p:nvCxnSpPr>
+        <p:spPr>
+          <a:xfrm rot="16200000" flipH="1">
+            <a:off x="4574972" y="3240996"/>
+            <a:ext cx="2383411" cy="473417"/>
+          </a:xfrm>
+          <a:prstGeom prst="bentConnector4">
+            <a:avLst>
+              <a:gd name="adj1" fmla="val 47516"/>
+              <a:gd name="adj2" fmla="val 148287"/>
+            </a:avLst>
+          </a:prstGeom>
+          <a:ln w="6350">
+            <a:solidFill>
+              <a:schemeClr val="accent3"/>
+            </a:solidFill>
+            <a:headEnd type="none" w="med" len="med"/>
+            <a:tailEnd type="none" w="med" len="med"/>
+          </a:ln>
+          <a:effectLst/>
+        </p:spPr>
+        <p:style>
+          <a:lnRef idx="1">
+            <a:schemeClr val="accent2"/>
+          </a:lnRef>
+          <a:fillRef idx="2">
+            <a:schemeClr val="accent2"/>
+          </a:fillRef>
+          <a:effectRef idx="1">
+            <a:schemeClr val="accent2"/>
+          </a:effectRef>
+          <a:fontRef idx="minor">
+            <a:schemeClr val="dk1"/>
+          </a:fontRef>
+        </p:style>
+      </p:cxnSp>
+      <p:cxnSp>
+        <p:nvCxnSpPr>
+          <p:cNvPr id="109" name="Elbow Connector 63"/>
+          <p:cNvCxnSpPr>
+            <a:stCxn id="16" idx="3"/>
+            <a:endCxn id="60" idx="0"/>
+          </p:cNvCxnSpPr>
+          <p:nvPr/>
+        </p:nvCxnSpPr>
+        <p:spPr>
+          <a:xfrm rot="5400000">
+            <a:off x="3000424" y="1793281"/>
+            <a:ext cx="2036826" cy="3022265"/>
+          </a:xfrm>
+          <a:prstGeom prst="bentConnector3">
+            <a:avLst>
+              <a:gd name="adj1" fmla="val 28031"/>
+            </a:avLst>
+          </a:prstGeom>
+          <a:ln w="6350">
+            <a:solidFill>
+              <a:schemeClr val="accent3"/>
+            </a:solidFill>
+            <a:headEnd type="none" w="med" len="med"/>
+            <a:tailEnd type="none" w="med" len="med"/>
+          </a:ln>
+          <a:effectLst/>
+        </p:spPr>
+        <p:style>
+          <a:lnRef idx="1">
+            <a:schemeClr val="accent2"/>
+          </a:lnRef>
+          <a:fillRef idx="2">
+            <a:schemeClr val="accent2"/>
+          </a:fillRef>
+          <a:effectRef idx="1">
+            <a:schemeClr val="accent2"/>
+          </a:effectRef>
+          <a:fontRef idx="minor">
+            <a:schemeClr val="dk1"/>
+          </a:fontRef>
+        </p:style>
+      </p:cxnSp>
     </p:spTree>
     <p:extLst>
       <p:ext uri="{BB962C8B-B14F-4D97-AF65-F5344CB8AC3E}">

--- a/docs/diagrams/UiComponentClassDiagram.pptx
+++ b/docs/diagrams/UiComponentClassDiagram.pptx
@@ -208,7 +208,7 @@
           <a:p>
             <a:fld id="{F5CC4B3F-88C1-4FFA-B1B6-F41C21DC6924}" type="datetimeFigureOut">
               <a:rPr lang="en-US" smtClean="0"/>
-              <a:t>3/25/2018</a:t>
+              <a:t>4/15/18</a:t>
             </a:fld>
             <a:endParaRPr lang="en-US"/>
           </a:p>
@@ -654,7 +654,7 @@
           <a:p>
             <a:fld id="{78C97017-6FC3-485B-9764-EAC9E56C1D49}" type="datetimeFigureOut">
               <a:rPr lang="en-US" smtClean="0"/>
-              <a:t>3/25/2018</a:t>
+              <a:t>4/15/18</a:t>
             </a:fld>
             <a:endParaRPr lang="en-US"/>
           </a:p>
@@ -822,7 +822,7 @@
           <a:p>
             <a:fld id="{78C97017-6FC3-485B-9764-EAC9E56C1D49}" type="datetimeFigureOut">
               <a:rPr lang="en-US" smtClean="0"/>
-              <a:t>3/25/2018</a:t>
+              <a:t>4/15/18</a:t>
             </a:fld>
             <a:endParaRPr lang="en-US"/>
           </a:p>
@@ -1000,7 +1000,7 @@
           <a:p>
             <a:fld id="{78C97017-6FC3-485B-9764-EAC9E56C1D49}" type="datetimeFigureOut">
               <a:rPr lang="en-US" smtClean="0"/>
-              <a:t>3/25/2018</a:t>
+              <a:t>4/15/18</a:t>
             </a:fld>
             <a:endParaRPr lang="en-US"/>
           </a:p>
@@ -1168,7 +1168,7 @@
           <a:p>
             <a:fld id="{78C97017-6FC3-485B-9764-EAC9E56C1D49}" type="datetimeFigureOut">
               <a:rPr lang="en-US" smtClean="0"/>
-              <a:t>3/25/2018</a:t>
+              <a:t>4/15/18</a:t>
             </a:fld>
             <a:endParaRPr lang="en-US"/>
           </a:p>
@@ -1413,7 +1413,7 @@
           <a:p>
             <a:fld id="{78C97017-6FC3-485B-9764-EAC9E56C1D49}" type="datetimeFigureOut">
               <a:rPr lang="en-US" smtClean="0"/>
-              <a:t>3/25/2018</a:t>
+              <a:t>4/15/18</a:t>
             </a:fld>
             <a:endParaRPr lang="en-US"/>
           </a:p>
@@ -1698,7 +1698,7 @@
           <a:p>
             <a:fld id="{78C97017-6FC3-485B-9764-EAC9E56C1D49}" type="datetimeFigureOut">
               <a:rPr lang="en-US" smtClean="0"/>
-              <a:t>3/25/2018</a:t>
+              <a:t>4/15/18</a:t>
             </a:fld>
             <a:endParaRPr lang="en-US"/>
           </a:p>
@@ -2117,7 +2117,7 @@
           <a:p>
             <a:fld id="{78C97017-6FC3-485B-9764-EAC9E56C1D49}" type="datetimeFigureOut">
               <a:rPr lang="en-US" smtClean="0"/>
-              <a:t>3/25/2018</a:t>
+              <a:t>4/15/18</a:t>
             </a:fld>
             <a:endParaRPr lang="en-US"/>
           </a:p>
@@ -2234,7 +2234,7 @@
           <a:p>
             <a:fld id="{78C97017-6FC3-485B-9764-EAC9E56C1D49}" type="datetimeFigureOut">
               <a:rPr lang="en-US" smtClean="0"/>
-              <a:t>3/25/2018</a:t>
+              <a:t>4/15/18</a:t>
             </a:fld>
             <a:endParaRPr lang="en-US"/>
           </a:p>
@@ -2329,7 +2329,7 @@
           <a:p>
             <a:fld id="{78C97017-6FC3-485B-9764-EAC9E56C1D49}" type="datetimeFigureOut">
               <a:rPr lang="en-US" smtClean="0"/>
-              <a:t>3/25/2018</a:t>
+              <a:t>4/15/18</a:t>
             </a:fld>
             <a:endParaRPr lang="en-US"/>
           </a:p>
@@ -2604,7 +2604,7 @@
           <a:p>
             <a:fld id="{78C97017-6FC3-485B-9764-EAC9E56C1D49}" type="datetimeFigureOut">
               <a:rPr lang="en-US" smtClean="0"/>
-              <a:t>3/25/2018</a:t>
+              <a:t>4/15/18</a:t>
             </a:fld>
             <a:endParaRPr lang="en-US"/>
           </a:p>
@@ -2856,7 +2856,7 @@
           <a:p>
             <a:fld id="{78C97017-6FC3-485B-9764-EAC9E56C1D49}" type="datetimeFigureOut">
               <a:rPr lang="en-US" smtClean="0"/>
-              <a:t>3/25/2018</a:t>
+              <a:t>4/15/18</a:t>
             </a:fld>
             <a:endParaRPr lang="en-US"/>
           </a:p>
@@ -3067,7 +3067,7 @@
           <a:p>
             <a:fld id="{78C97017-6FC3-485B-9764-EAC9E56C1D49}" type="datetimeFigureOut">
               <a:rPr lang="en-US" smtClean="0"/>
-              <a:t>3/25/2018</a:t>
+              <a:t>4/15/18</a:t>
             </a:fld>
             <a:endParaRPr lang="en-US"/>
           </a:p>
@@ -3885,8 +3885,8 @@
         </p:nvSpPr>
         <p:spPr>
           <a:xfrm>
-            <a:off x="3974402" y="3485412"/>
-            <a:ext cx="1040400" cy="236841"/>
+            <a:off x="3944771" y="3486072"/>
+            <a:ext cx="1420315" cy="267517"/>
           </a:xfrm>
           <a:prstGeom prst="rect">
             <a:avLst/>
@@ -3925,7 +3925,7 @@
                   </a:schemeClr>
                 </a:solidFill>
               </a:rPr>
-              <a:t>BrowserPanel</a:t>
+              <a:t>GoogleMapsDisplay</a:t>
             </a:r>
             <a:endParaRPr lang="en-SG" sz="1050" b="1" dirty="0">
               <a:solidFill>
@@ -4663,8 +4663,8 @@
         </p:nvCxnSpPr>
         <p:spPr>
           <a:xfrm rot="5400000">
-            <a:off x="4613470" y="2687333"/>
-            <a:ext cx="1317833" cy="515167"/>
+            <a:off x="4780613" y="2870474"/>
+            <a:ext cx="1333831" cy="164883"/>
           </a:xfrm>
           <a:prstGeom prst="bentConnector2">
             <a:avLst/>
@@ -5595,8 +5595,8 @@
         </p:nvCxnSpPr>
         <p:spPr>
           <a:xfrm flipV="1">
-            <a:off x="3686160" y="3603833"/>
-            <a:ext cx="288242" cy="165656"/>
+            <a:off x="3686160" y="3619831"/>
+            <a:ext cx="258611" cy="149658"/>
           </a:xfrm>
           <a:prstGeom prst="bentConnector3">
             <a:avLst>
@@ -5807,6 +5807,470 @@
           <a:xfrm>
             <a:off x="3686160" y="3769489"/>
             <a:ext cx="276623" cy="185817"/>
+          </a:xfrm>
+          <a:prstGeom prst="bentConnector3">
+            <a:avLst>
+              <a:gd name="adj1" fmla="val 50000"/>
+            </a:avLst>
+          </a:prstGeom>
+          <a:ln w="19050">
+            <a:solidFill>
+              <a:schemeClr val="accent3"/>
+            </a:solidFill>
+            <a:headEnd type="none" w="med" len="med"/>
+            <a:tailEnd type="arrow" w="med" len="med"/>
+          </a:ln>
+          <a:effectLst/>
+        </p:spPr>
+        <p:style>
+          <a:lnRef idx="1">
+            <a:schemeClr val="accent2"/>
+          </a:lnRef>
+          <a:fillRef idx="2">
+            <a:schemeClr val="accent2"/>
+          </a:fillRef>
+          <a:effectRef idx="1">
+            <a:schemeClr val="accent2"/>
+          </a:effectRef>
+          <a:fontRef idx="minor">
+            <a:schemeClr val="dk1"/>
+          </a:fontRef>
+        </p:style>
+      </p:cxnSp>
+      <p:sp>
+        <p:nvSpPr>
+          <p:cNvPr id="51" name="Rectangle 11">
+            <a:extLst>
+              <a:ext uri="{FF2B5EF4-FFF2-40B4-BE49-F238E27FC236}">
+                <a16:creationId xmlns:a16="http://schemas.microsoft.com/office/drawing/2014/main" id="{7F718407-94AF-A641-B7B2-0CBF9D55E805}"/>
+              </a:ext>
+            </a:extLst>
+          </p:cNvPr>
+          <p:cNvSpPr/>
+          <p:nvPr/>
+        </p:nvSpPr>
+        <p:spPr>
+          <a:xfrm>
+            <a:off x="3958873" y="2830290"/>
+            <a:ext cx="1435844" cy="234866"/>
+          </a:xfrm>
+          <a:prstGeom prst="rect">
+            <a:avLst/>
+          </a:prstGeom>
+          <a:ln w="19050">
+            <a:solidFill>
+              <a:schemeClr val="accent3"/>
+            </a:solidFill>
+          </a:ln>
+          <a:effectLst/>
+        </p:spPr>
+        <p:style>
+          <a:lnRef idx="1">
+            <a:schemeClr val="accent3"/>
+          </a:lnRef>
+          <a:fillRef idx="2">
+            <a:schemeClr val="accent3"/>
+          </a:fillRef>
+          <a:effectRef idx="1">
+            <a:schemeClr val="accent3"/>
+          </a:effectRef>
+          <a:fontRef idx="minor">
+            <a:schemeClr val="dk1"/>
+          </a:fontRef>
+        </p:style>
+        <p:txBody>
+          <a:bodyPr rtlCol="0" anchor="ctr"/>
+          <a:lstStyle/>
+          <a:p>
+            <a:pPr algn="ctr"/>
+            <a:r>
+              <a:rPr lang="en-SG" sz="1050" b="1" dirty="0" err="1">
+                <a:solidFill>
+                  <a:schemeClr val="accent3">
+                    <a:lumMod val="75000"/>
+                  </a:schemeClr>
+                </a:solidFill>
+              </a:rPr>
+              <a:t>TimetableUnionPanel</a:t>
+            </a:r>
+            <a:endParaRPr lang="en-SG" sz="1050" b="1" dirty="0">
+              <a:solidFill>
+                <a:schemeClr val="accent3">
+                  <a:lumMod val="75000"/>
+                </a:schemeClr>
+              </a:solidFill>
+            </a:endParaRPr>
+          </a:p>
+        </p:txBody>
+      </p:sp>
+      <p:sp>
+        <p:nvSpPr>
+          <p:cNvPr id="54" name="Rectangle 11">
+            <a:extLst>
+              <a:ext uri="{FF2B5EF4-FFF2-40B4-BE49-F238E27FC236}">
+                <a16:creationId xmlns:a16="http://schemas.microsoft.com/office/drawing/2014/main" id="{96CA71A3-855E-6647-8F8C-EA701FEE1746}"/>
+              </a:ext>
+            </a:extLst>
+          </p:cNvPr>
+          <p:cNvSpPr/>
+          <p:nvPr/>
+        </p:nvSpPr>
+        <p:spPr>
+          <a:xfrm>
+            <a:off x="3943066" y="2507239"/>
+            <a:ext cx="1040400" cy="236841"/>
+          </a:xfrm>
+          <a:prstGeom prst="rect">
+            <a:avLst/>
+          </a:prstGeom>
+          <a:ln w="19050">
+            <a:solidFill>
+              <a:schemeClr val="accent3"/>
+            </a:solidFill>
+          </a:ln>
+          <a:effectLst/>
+        </p:spPr>
+        <p:style>
+          <a:lnRef idx="1">
+            <a:schemeClr val="accent3"/>
+          </a:lnRef>
+          <a:fillRef idx="2">
+            <a:schemeClr val="accent3"/>
+          </a:fillRef>
+          <a:effectRef idx="1">
+            <a:schemeClr val="accent3"/>
+          </a:effectRef>
+          <a:fontRef idx="minor">
+            <a:schemeClr val="dk1"/>
+          </a:fontRef>
+        </p:style>
+        <p:txBody>
+          <a:bodyPr rtlCol="0" anchor="ctr"/>
+          <a:lstStyle/>
+          <a:p>
+            <a:pPr algn="ctr"/>
+            <a:r>
+              <a:rPr lang="en-US" sz="1050" b="1" dirty="0" err="1">
+                <a:solidFill>
+                  <a:schemeClr val="accent3">
+                    <a:lumMod val="75000"/>
+                  </a:schemeClr>
+                </a:solidFill>
+              </a:rPr>
+              <a:t>AliasList</a:t>
+            </a:r>
+            <a:endParaRPr lang="en-SG" sz="1050" b="1" dirty="0">
+              <a:solidFill>
+                <a:schemeClr val="accent3">
+                  <a:lumMod val="75000"/>
+                </a:schemeClr>
+              </a:solidFill>
+            </a:endParaRPr>
+          </a:p>
+        </p:txBody>
+      </p:sp>
+      <p:sp>
+        <p:nvSpPr>
+          <p:cNvPr id="56" name="Rectangle 11">
+            <a:extLst>
+              <a:ext uri="{FF2B5EF4-FFF2-40B4-BE49-F238E27FC236}">
+                <a16:creationId xmlns:a16="http://schemas.microsoft.com/office/drawing/2014/main" id="{412050FC-86F5-CF4E-AFE6-A9A689DFC911}"/>
+              </a:ext>
+            </a:extLst>
+          </p:cNvPr>
+          <p:cNvSpPr/>
+          <p:nvPr/>
+        </p:nvSpPr>
+        <p:spPr>
+          <a:xfrm>
+            <a:off x="3942817" y="3168614"/>
+            <a:ext cx="1420315" cy="267517"/>
+          </a:xfrm>
+          <a:prstGeom prst="rect">
+            <a:avLst/>
+          </a:prstGeom>
+          <a:ln w="19050">
+            <a:solidFill>
+              <a:schemeClr val="accent3"/>
+            </a:solidFill>
+          </a:ln>
+          <a:effectLst/>
+        </p:spPr>
+        <p:style>
+          <a:lnRef idx="1">
+            <a:schemeClr val="accent3"/>
+          </a:lnRef>
+          <a:fillRef idx="2">
+            <a:schemeClr val="accent3"/>
+          </a:fillRef>
+          <a:effectRef idx="1">
+            <a:schemeClr val="accent3"/>
+          </a:effectRef>
+          <a:fontRef idx="minor">
+            <a:schemeClr val="dk1"/>
+          </a:fontRef>
+        </p:style>
+        <p:txBody>
+          <a:bodyPr rtlCol="0" anchor="ctr"/>
+          <a:lstStyle/>
+          <a:p>
+            <a:pPr algn="ctr"/>
+            <a:r>
+              <a:rPr lang="en-US" sz="1050" b="1" dirty="0" err="1">
+                <a:solidFill>
+                  <a:schemeClr val="accent3">
+                    <a:lumMod val="75000"/>
+                  </a:schemeClr>
+                </a:solidFill>
+              </a:rPr>
+              <a:t>TimeTablePanel</a:t>
+            </a:r>
+            <a:endParaRPr lang="en-SG" sz="1050" b="1" dirty="0">
+              <a:solidFill>
+                <a:schemeClr val="accent3">
+                  <a:lumMod val="75000"/>
+                </a:schemeClr>
+              </a:solidFill>
+            </a:endParaRPr>
+          </a:p>
+        </p:txBody>
+      </p:sp>
+      <p:sp>
+        <p:nvSpPr>
+          <p:cNvPr id="57" name="Rectangle 11">
+            <a:extLst>
+              <a:ext uri="{FF2B5EF4-FFF2-40B4-BE49-F238E27FC236}">
+                <a16:creationId xmlns:a16="http://schemas.microsoft.com/office/drawing/2014/main" id="{AE9D0196-B817-644D-AC58-D12C48923528}"/>
+              </a:ext>
+            </a:extLst>
+          </p:cNvPr>
+          <p:cNvSpPr/>
+          <p:nvPr/>
+        </p:nvSpPr>
+        <p:spPr>
+          <a:xfrm>
+            <a:off x="3952422" y="2190793"/>
+            <a:ext cx="1040400" cy="236841"/>
+          </a:xfrm>
+          <a:prstGeom prst="rect">
+            <a:avLst/>
+          </a:prstGeom>
+          <a:ln w="19050">
+            <a:solidFill>
+              <a:schemeClr val="accent3"/>
+            </a:solidFill>
+          </a:ln>
+          <a:effectLst/>
+        </p:spPr>
+        <p:style>
+          <a:lnRef idx="1">
+            <a:schemeClr val="accent3"/>
+          </a:lnRef>
+          <a:fillRef idx="2">
+            <a:schemeClr val="accent3"/>
+          </a:fillRef>
+          <a:effectRef idx="1">
+            <a:schemeClr val="accent3"/>
+          </a:effectRef>
+          <a:fontRef idx="minor">
+            <a:schemeClr val="dk1"/>
+          </a:fontRef>
+        </p:style>
+        <p:txBody>
+          <a:bodyPr rtlCol="0" anchor="ctr"/>
+          <a:lstStyle/>
+          <a:p>
+            <a:pPr algn="ctr"/>
+            <a:r>
+              <a:rPr lang="en-US" sz="1050" b="1" dirty="0" err="1">
+                <a:solidFill>
+                  <a:schemeClr val="accent3">
+                    <a:lumMod val="75000"/>
+                  </a:schemeClr>
+                </a:solidFill>
+              </a:rPr>
+              <a:t>VenueTable</a:t>
+            </a:r>
+            <a:endParaRPr lang="en-SG" sz="1050" b="1" dirty="0">
+              <a:solidFill>
+                <a:schemeClr val="accent3">
+                  <a:lumMod val="75000"/>
+                </a:schemeClr>
+              </a:solidFill>
+            </a:endParaRPr>
+          </a:p>
+        </p:txBody>
+      </p:sp>
+      <p:cxnSp>
+        <p:nvCxnSpPr>
+          <p:cNvPr id="59" name="Elbow Connector 63">
+            <a:extLst>
+              <a:ext uri="{FF2B5EF4-FFF2-40B4-BE49-F238E27FC236}">
+                <a16:creationId xmlns:a16="http://schemas.microsoft.com/office/drawing/2014/main" id="{47B278D4-60C0-E34C-8993-68A8C9E8F266}"/>
+              </a:ext>
+            </a:extLst>
+          </p:cNvPr>
+          <p:cNvCxnSpPr>
+            <a:cxnSpLocks/>
+            <a:stCxn id="45" idx="3"/>
+            <a:endCxn id="57" idx="1"/>
+          </p:cNvCxnSpPr>
+          <p:nvPr/>
+        </p:nvCxnSpPr>
+        <p:spPr>
+          <a:xfrm flipV="1">
+            <a:off x="3686160" y="2309214"/>
+            <a:ext cx="266262" cy="1460275"/>
+          </a:xfrm>
+          <a:prstGeom prst="bentConnector3">
+            <a:avLst>
+              <a:gd name="adj1" fmla="val 50000"/>
+            </a:avLst>
+          </a:prstGeom>
+          <a:ln w="19050">
+            <a:solidFill>
+              <a:schemeClr val="accent3"/>
+            </a:solidFill>
+            <a:headEnd type="none" w="med" len="med"/>
+            <a:tailEnd type="arrow" w="med" len="med"/>
+          </a:ln>
+          <a:effectLst/>
+        </p:spPr>
+        <p:style>
+          <a:lnRef idx="1">
+            <a:schemeClr val="accent2"/>
+          </a:lnRef>
+          <a:fillRef idx="2">
+            <a:schemeClr val="accent2"/>
+          </a:fillRef>
+          <a:effectRef idx="1">
+            <a:schemeClr val="accent2"/>
+          </a:effectRef>
+          <a:fontRef idx="minor">
+            <a:schemeClr val="dk1"/>
+          </a:fontRef>
+        </p:style>
+      </p:cxnSp>
+      <p:cxnSp>
+        <p:nvCxnSpPr>
+          <p:cNvPr id="60" name="Elbow Connector 63">
+            <a:extLst>
+              <a:ext uri="{FF2B5EF4-FFF2-40B4-BE49-F238E27FC236}">
+                <a16:creationId xmlns:a16="http://schemas.microsoft.com/office/drawing/2014/main" id="{BD872FAA-7F25-9B4F-B51C-E79A0B5FBC99}"/>
+              </a:ext>
+            </a:extLst>
+          </p:cNvPr>
+          <p:cNvCxnSpPr>
+            <a:cxnSpLocks/>
+            <a:stCxn id="45" idx="3"/>
+            <a:endCxn id="54" idx="1"/>
+          </p:cNvCxnSpPr>
+          <p:nvPr/>
+        </p:nvCxnSpPr>
+        <p:spPr>
+          <a:xfrm flipV="1">
+            <a:off x="3686160" y="2625660"/>
+            <a:ext cx="256906" cy="1143829"/>
+          </a:xfrm>
+          <a:prstGeom prst="bentConnector3">
+            <a:avLst>
+              <a:gd name="adj1" fmla="val 50000"/>
+            </a:avLst>
+          </a:prstGeom>
+          <a:ln w="19050">
+            <a:solidFill>
+              <a:schemeClr val="accent3"/>
+            </a:solidFill>
+            <a:headEnd type="none" w="med" len="med"/>
+            <a:tailEnd type="arrow" w="med" len="med"/>
+          </a:ln>
+          <a:effectLst/>
+        </p:spPr>
+        <p:style>
+          <a:lnRef idx="1">
+            <a:schemeClr val="accent2"/>
+          </a:lnRef>
+          <a:fillRef idx="2">
+            <a:schemeClr val="accent2"/>
+          </a:fillRef>
+          <a:effectRef idx="1">
+            <a:schemeClr val="accent2"/>
+          </a:effectRef>
+          <a:fontRef idx="minor">
+            <a:schemeClr val="dk1"/>
+          </a:fontRef>
+        </p:style>
+      </p:cxnSp>
+      <p:cxnSp>
+        <p:nvCxnSpPr>
+          <p:cNvPr id="64" name="Elbow Connector 63">
+            <a:extLst>
+              <a:ext uri="{FF2B5EF4-FFF2-40B4-BE49-F238E27FC236}">
+                <a16:creationId xmlns:a16="http://schemas.microsoft.com/office/drawing/2014/main" id="{6209EAA3-259F-114A-A876-0A5D5850F0B0}"/>
+              </a:ext>
+            </a:extLst>
+          </p:cNvPr>
+          <p:cNvCxnSpPr>
+            <a:cxnSpLocks/>
+            <a:stCxn id="45" idx="3"/>
+            <a:endCxn id="51" idx="1"/>
+          </p:cNvCxnSpPr>
+          <p:nvPr/>
+        </p:nvCxnSpPr>
+        <p:spPr>
+          <a:xfrm flipV="1">
+            <a:off x="3686160" y="2947723"/>
+            <a:ext cx="272713" cy="821766"/>
+          </a:xfrm>
+          <a:prstGeom prst="bentConnector3">
+            <a:avLst>
+              <a:gd name="adj1" fmla="val 50000"/>
+            </a:avLst>
+          </a:prstGeom>
+          <a:ln w="19050">
+            <a:solidFill>
+              <a:schemeClr val="accent3"/>
+            </a:solidFill>
+            <a:headEnd type="none" w="med" len="med"/>
+            <a:tailEnd type="arrow" w="med" len="med"/>
+          </a:ln>
+          <a:effectLst/>
+        </p:spPr>
+        <p:style>
+          <a:lnRef idx="1">
+            <a:schemeClr val="accent2"/>
+          </a:lnRef>
+          <a:fillRef idx="2">
+            <a:schemeClr val="accent2"/>
+          </a:fillRef>
+          <a:effectRef idx="1">
+            <a:schemeClr val="accent2"/>
+          </a:effectRef>
+          <a:fontRef idx="minor">
+            <a:schemeClr val="dk1"/>
+          </a:fontRef>
+        </p:style>
+      </p:cxnSp>
+      <p:cxnSp>
+        <p:nvCxnSpPr>
+          <p:cNvPr id="67" name="Elbow Connector 63">
+            <a:extLst>
+              <a:ext uri="{FF2B5EF4-FFF2-40B4-BE49-F238E27FC236}">
+                <a16:creationId xmlns:a16="http://schemas.microsoft.com/office/drawing/2014/main" id="{5AE7B745-603B-3842-8589-E44A3EC9EA9E}"/>
+              </a:ext>
+            </a:extLst>
+          </p:cNvPr>
+          <p:cNvCxnSpPr>
+            <a:cxnSpLocks/>
+            <a:stCxn id="45" idx="3"/>
+            <a:endCxn id="56" idx="1"/>
+          </p:cNvCxnSpPr>
+          <p:nvPr/>
+        </p:nvCxnSpPr>
+        <p:spPr>
+          <a:xfrm flipV="1">
+            <a:off x="3686160" y="3302373"/>
+            <a:ext cx="256657" cy="467116"/>
           </a:xfrm>
           <a:prstGeom prst="bentConnector3">
             <a:avLst>

--- a/docs/diagrams/UiComponentClassDiagram.pptx
+++ b/docs/diagrams/UiComponentClassDiagram.pptx
@@ -5851,7 +5851,7 @@
         </p:nvSpPr>
         <p:spPr>
           <a:xfrm>
-            <a:off x="3958873" y="2830290"/>
+            <a:off x="3944401" y="3129889"/>
             <a:ext cx="1435844" cy="234866"/>
           </a:xfrm>
           <a:prstGeom prst="rect">
@@ -5971,72 +5971,6 @@
       </p:sp>
       <p:sp>
         <p:nvSpPr>
-          <p:cNvPr id="56" name="Rectangle 11">
-            <a:extLst>
-              <a:ext uri="{FF2B5EF4-FFF2-40B4-BE49-F238E27FC236}">
-                <a16:creationId xmlns:a16="http://schemas.microsoft.com/office/drawing/2014/main" id="{412050FC-86F5-CF4E-AFE6-A9A689DFC911}"/>
-              </a:ext>
-            </a:extLst>
-          </p:cNvPr>
-          <p:cNvSpPr/>
-          <p:nvPr/>
-        </p:nvSpPr>
-        <p:spPr>
-          <a:xfrm>
-            <a:off x="3942817" y="3168614"/>
-            <a:ext cx="1420315" cy="267517"/>
-          </a:xfrm>
-          <a:prstGeom prst="rect">
-            <a:avLst/>
-          </a:prstGeom>
-          <a:ln w="19050">
-            <a:solidFill>
-              <a:schemeClr val="accent3"/>
-            </a:solidFill>
-          </a:ln>
-          <a:effectLst/>
-        </p:spPr>
-        <p:style>
-          <a:lnRef idx="1">
-            <a:schemeClr val="accent3"/>
-          </a:lnRef>
-          <a:fillRef idx="2">
-            <a:schemeClr val="accent3"/>
-          </a:fillRef>
-          <a:effectRef idx="1">
-            <a:schemeClr val="accent3"/>
-          </a:effectRef>
-          <a:fontRef idx="minor">
-            <a:schemeClr val="dk1"/>
-          </a:fontRef>
-        </p:style>
-        <p:txBody>
-          <a:bodyPr rtlCol="0" anchor="ctr"/>
-          <a:lstStyle/>
-          <a:p>
-            <a:pPr algn="ctr"/>
-            <a:r>
-              <a:rPr lang="en-US" sz="1050" b="1" dirty="0" err="1">
-                <a:solidFill>
-                  <a:schemeClr val="accent3">
-                    <a:lumMod val="75000"/>
-                  </a:schemeClr>
-                </a:solidFill>
-              </a:rPr>
-              <a:t>TimeTablePanel</a:t>
-            </a:r>
-            <a:endParaRPr lang="en-SG" sz="1050" b="1" dirty="0">
-              <a:solidFill>
-                <a:schemeClr val="accent3">
-                  <a:lumMod val="75000"/>
-                </a:schemeClr>
-              </a:solidFill>
-            </a:endParaRPr>
-          </a:p>
-        </p:txBody>
-      </p:sp>
-      <p:sp>
-        <p:nvSpPr>
           <p:cNvPr id="57" name="Rectangle 11">
             <a:extLst>
               <a:ext uri="{FF2B5EF4-FFF2-40B4-BE49-F238E27FC236}">
@@ -6049,7 +5983,7 @@
         </p:nvSpPr>
         <p:spPr>
           <a:xfrm>
-            <a:off x="3952422" y="2190793"/>
+            <a:off x="3962783" y="2828314"/>
             <a:ext cx="1040400" cy="236841"/>
           </a:xfrm>
           <a:prstGeom prst="rect">
@@ -6119,8 +6053,8 @@
         </p:nvCxnSpPr>
         <p:spPr>
           <a:xfrm flipV="1">
-            <a:off x="3686160" y="2309214"/>
-            <a:ext cx="266262" cy="1460275"/>
+            <a:off x="3686160" y="2946735"/>
+            <a:ext cx="276623" cy="822754"/>
           </a:xfrm>
           <a:prstGeom prst="bentConnector3">
             <a:avLst>
@@ -6219,58 +6153,8 @@
         </p:nvCxnSpPr>
         <p:spPr>
           <a:xfrm flipV="1">
-            <a:off x="3686160" y="2947723"/>
-            <a:ext cx="272713" cy="821766"/>
-          </a:xfrm>
-          <a:prstGeom prst="bentConnector3">
-            <a:avLst>
-              <a:gd name="adj1" fmla="val 50000"/>
-            </a:avLst>
-          </a:prstGeom>
-          <a:ln w="19050">
-            <a:solidFill>
-              <a:schemeClr val="accent3"/>
-            </a:solidFill>
-            <a:headEnd type="none" w="med" len="med"/>
-            <a:tailEnd type="arrow" w="med" len="med"/>
-          </a:ln>
-          <a:effectLst/>
-        </p:spPr>
-        <p:style>
-          <a:lnRef idx="1">
-            <a:schemeClr val="accent2"/>
-          </a:lnRef>
-          <a:fillRef idx="2">
-            <a:schemeClr val="accent2"/>
-          </a:fillRef>
-          <a:effectRef idx="1">
-            <a:schemeClr val="accent2"/>
-          </a:effectRef>
-          <a:fontRef idx="minor">
-            <a:schemeClr val="dk1"/>
-          </a:fontRef>
-        </p:style>
-      </p:cxnSp>
-      <p:cxnSp>
-        <p:nvCxnSpPr>
-          <p:cNvPr id="67" name="Elbow Connector 63">
-            <a:extLst>
-              <a:ext uri="{FF2B5EF4-FFF2-40B4-BE49-F238E27FC236}">
-                <a16:creationId xmlns:a16="http://schemas.microsoft.com/office/drawing/2014/main" id="{5AE7B745-603B-3842-8589-E44A3EC9EA9E}"/>
-              </a:ext>
-            </a:extLst>
-          </p:cNvPr>
-          <p:cNvCxnSpPr>
-            <a:cxnSpLocks/>
-            <a:stCxn id="45" idx="3"/>
-            <a:endCxn id="56" idx="1"/>
-          </p:cNvCxnSpPr>
-          <p:nvPr/>
-        </p:nvCxnSpPr>
-        <p:spPr>
-          <a:xfrm flipV="1">
-            <a:off x="3686160" y="3302373"/>
-            <a:ext cx="256657" cy="467116"/>
+            <a:off x="3686160" y="3247322"/>
+            <a:ext cx="258241" cy="522167"/>
           </a:xfrm>
           <a:prstGeom prst="bentConnector3">
             <a:avLst>

--- a/docs/diagrams/UiComponentClassDiagram.pptx
+++ b/docs/diagrams/UiComponentClassDiagram.pptx
@@ -208,7 +208,7 @@
           <a:p>
             <a:fld id="{F5CC4B3F-88C1-4FFA-B1B6-F41C21DC6924}" type="datetimeFigureOut">
               <a:rPr lang="en-US" smtClean="0"/>
-              <a:t>1/7/2017</a:t>
+              <a:t>4/15/2018</a:t>
             </a:fld>
             <a:endParaRPr lang="en-US"/>
           </a:p>
@@ -654,7 +654,7 @@
           <a:p>
             <a:fld id="{78C97017-6FC3-485B-9764-EAC9E56C1D49}" type="datetimeFigureOut">
               <a:rPr lang="en-US" smtClean="0"/>
-              <a:t>1/7/2017</a:t>
+              <a:t>4/15/2018</a:t>
             </a:fld>
             <a:endParaRPr lang="en-US"/>
           </a:p>
@@ -822,7 +822,7 @@
           <a:p>
             <a:fld id="{78C97017-6FC3-485B-9764-EAC9E56C1D49}" type="datetimeFigureOut">
               <a:rPr lang="en-US" smtClean="0"/>
-              <a:t>1/7/2017</a:t>
+              <a:t>4/15/2018</a:t>
             </a:fld>
             <a:endParaRPr lang="en-US"/>
           </a:p>
@@ -1000,7 +1000,7 @@
           <a:p>
             <a:fld id="{78C97017-6FC3-485B-9764-EAC9E56C1D49}" type="datetimeFigureOut">
               <a:rPr lang="en-US" smtClean="0"/>
-              <a:t>1/7/2017</a:t>
+              <a:t>4/15/2018</a:t>
             </a:fld>
             <a:endParaRPr lang="en-US"/>
           </a:p>
@@ -1168,7 +1168,7 @@
           <a:p>
             <a:fld id="{78C97017-6FC3-485B-9764-EAC9E56C1D49}" type="datetimeFigureOut">
               <a:rPr lang="en-US" smtClean="0"/>
-              <a:t>1/7/2017</a:t>
+              <a:t>4/15/2018</a:t>
             </a:fld>
             <a:endParaRPr lang="en-US"/>
           </a:p>
@@ -1413,7 +1413,7 @@
           <a:p>
             <a:fld id="{78C97017-6FC3-485B-9764-EAC9E56C1D49}" type="datetimeFigureOut">
               <a:rPr lang="en-US" smtClean="0"/>
-              <a:t>1/7/2017</a:t>
+              <a:t>4/15/2018</a:t>
             </a:fld>
             <a:endParaRPr lang="en-US"/>
           </a:p>
@@ -1698,7 +1698,7 @@
           <a:p>
             <a:fld id="{78C97017-6FC3-485B-9764-EAC9E56C1D49}" type="datetimeFigureOut">
               <a:rPr lang="en-US" smtClean="0"/>
-              <a:t>1/7/2017</a:t>
+              <a:t>4/15/2018</a:t>
             </a:fld>
             <a:endParaRPr lang="en-US"/>
           </a:p>
@@ -2117,7 +2117,7 @@
           <a:p>
             <a:fld id="{78C97017-6FC3-485B-9764-EAC9E56C1D49}" type="datetimeFigureOut">
               <a:rPr lang="en-US" smtClean="0"/>
-              <a:t>1/7/2017</a:t>
+              <a:t>4/15/2018</a:t>
             </a:fld>
             <a:endParaRPr lang="en-US"/>
           </a:p>
@@ -2234,7 +2234,7 @@
           <a:p>
             <a:fld id="{78C97017-6FC3-485B-9764-EAC9E56C1D49}" type="datetimeFigureOut">
               <a:rPr lang="en-US" smtClean="0"/>
-              <a:t>1/7/2017</a:t>
+              <a:t>4/15/2018</a:t>
             </a:fld>
             <a:endParaRPr lang="en-US"/>
           </a:p>
@@ -2329,7 +2329,7 @@
           <a:p>
             <a:fld id="{78C97017-6FC3-485B-9764-EAC9E56C1D49}" type="datetimeFigureOut">
               <a:rPr lang="en-US" smtClean="0"/>
-              <a:t>1/7/2017</a:t>
+              <a:t>4/15/2018</a:t>
             </a:fld>
             <a:endParaRPr lang="en-US"/>
           </a:p>
@@ -2604,7 +2604,7 @@
           <a:p>
             <a:fld id="{78C97017-6FC3-485B-9764-EAC9E56C1D49}" type="datetimeFigureOut">
               <a:rPr lang="en-US" smtClean="0"/>
-              <a:t>1/7/2017</a:t>
+              <a:t>4/15/2018</a:t>
             </a:fld>
             <a:endParaRPr lang="en-US"/>
           </a:p>
@@ -2856,7 +2856,7 @@
           <a:p>
             <a:fld id="{78C97017-6FC3-485B-9764-EAC9E56C1D49}" type="datetimeFigureOut">
               <a:rPr lang="en-US" smtClean="0"/>
-              <a:t>1/7/2017</a:t>
+              <a:t>4/15/2018</a:t>
             </a:fld>
             <a:endParaRPr lang="en-US"/>
           </a:p>
@@ -3067,7 +3067,7 @@
           <a:p>
             <a:fld id="{78C97017-6FC3-485B-9764-EAC9E56C1D49}" type="datetimeFigureOut">
               <a:rPr lang="en-US" smtClean="0"/>
-              <a:t>1/7/2017</a:t>
+              <a:t>4/15/2018</a:t>
             </a:fld>
             <a:endParaRPr lang="en-US"/>
           </a:p>
@@ -3442,2073 +3442,3042 @@
           <a:chExt cx="0" cy="0"/>
         </a:xfrm>
       </p:grpSpPr>
-      <p:sp>
-        <p:nvSpPr>
-          <p:cNvPr id="23" name="Rectangle 65"/>
-          <p:cNvSpPr/>
+      <p:grpSp>
+        <p:nvGrpSpPr>
+          <p:cNvPr id="33" name="Group 32">
+            <a:extLst>
+              <a:ext uri="{FF2B5EF4-FFF2-40B4-BE49-F238E27FC236}">
+                <a16:creationId xmlns:a16="http://schemas.microsoft.com/office/drawing/2014/main" id="{AA46F48B-9D8B-4F2E-89F9-74C092F78DA3}"/>
+              </a:ext>
+            </a:extLst>
+          </p:cNvPr>
+          <p:cNvGrpSpPr/>
           <p:nvPr/>
-        </p:nvSpPr>
-        <p:spPr>
+        </p:nvGrpSpPr>
+        <p:grpSpPr>
           <a:xfrm>
-            <a:off x="1217465" y="1447800"/>
-            <a:ext cx="4917083" cy="3962400"/>
+            <a:off x="644735" y="1277075"/>
+            <a:ext cx="6418826" cy="5047521"/>
+            <a:chOff x="644735" y="1277075"/>
+            <a:chExt cx="6418826" cy="5047521"/>
           </a:xfrm>
-          <a:prstGeom prst="roundRect">
-            <a:avLst>
-              <a:gd name="adj" fmla="val 3484"/>
-            </a:avLst>
-          </a:prstGeom>
-          <a:solidFill>
-            <a:srgbClr val="F1F5E9"/>
-          </a:solidFill>
-          <a:ln w="19050">
-            <a:noFill/>
-          </a:ln>
-          <a:effectLst/>
-        </p:spPr>
-        <p:style>
-          <a:lnRef idx="1">
-            <a:schemeClr val="accent2"/>
-          </a:lnRef>
-          <a:fillRef idx="2">
-            <a:schemeClr val="accent2"/>
-          </a:fillRef>
-          <a:effectRef idx="1">
-            <a:schemeClr val="accent2"/>
-          </a:effectRef>
-          <a:fontRef idx="minor">
-            <a:schemeClr val="dk1"/>
-          </a:fontRef>
-        </p:style>
-        <p:txBody>
-          <a:bodyPr rtlCol="0" anchor="t"/>
-          <a:lstStyle/>
-          <a:p>
-            <a:r>
-              <a:rPr lang="en-US" sz="1200" b="1" dirty="0">
+        </p:grpSpPr>
+        <p:sp>
+          <p:nvSpPr>
+            <p:cNvPr id="23" name="Rectangle 65"/>
+            <p:cNvSpPr/>
+            <p:nvPr/>
+          </p:nvSpPr>
+          <p:spPr>
+            <a:xfrm>
+              <a:off x="1024477" y="1277075"/>
+              <a:ext cx="5389863" cy="5047521"/>
+            </a:xfrm>
+            <a:prstGeom prst="roundRect">
+              <a:avLst>
+                <a:gd name="adj" fmla="val 3484"/>
+              </a:avLst>
+            </a:prstGeom>
+            <a:solidFill>
+              <a:srgbClr val="F1F5E9"/>
+            </a:solidFill>
+            <a:ln w="19050">
+              <a:noFill/>
+            </a:ln>
+            <a:effectLst/>
+          </p:spPr>
+          <p:style>
+            <a:lnRef idx="1">
+              <a:schemeClr val="accent2"/>
+            </a:lnRef>
+            <a:fillRef idx="2">
+              <a:schemeClr val="accent2"/>
+            </a:fillRef>
+            <a:effectRef idx="1">
+              <a:schemeClr val="accent2"/>
+            </a:effectRef>
+            <a:fontRef idx="minor">
+              <a:schemeClr val="dk1"/>
+            </a:fontRef>
+          </p:style>
+          <p:txBody>
+            <a:bodyPr rtlCol="0" anchor="t"/>
+            <a:lstStyle/>
+            <a:p>
+              <a:r>
+                <a:rPr lang="en-US" sz="1200" b="1" dirty="0">
+                  <a:solidFill>
+                    <a:schemeClr val="accent3">
+                      <a:lumMod val="75000"/>
+                    </a:schemeClr>
+                  </a:solidFill>
+                </a:rPr>
+                <a:t>UI</a:t>
+              </a:r>
+              <a:endParaRPr lang="en-SG" sz="1200" b="1" dirty="0">
                 <a:solidFill>
                   <a:schemeClr val="accent3">
                     <a:lumMod val="75000"/>
                   </a:schemeClr>
                 </a:solidFill>
-              </a:rPr>
-              <a:t>UI</a:t>
-            </a:r>
-            <a:endParaRPr lang="en-SG" sz="1200" b="1" dirty="0">
+              </a:endParaRPr>
+            </a:p>
+          </p:txBody>
+        </p:sp>
+        <p:sp>
+          <p:nvSpPr>
+            <p:cNvPr id="2" name="Rectangle 8"/>
+            <p:cNvSpPr/>
+            <p:nvPr/>
+          </p:nvSpPr>
+          <p:spPr>
+            <a:xfrm>
+              <a:off x="2095948" y="2341220"/>
+              <a:ext cx="1093635" cy="346760"/>
+            </a:xfrm>
+            <a:prstGeom prst="rect">
+              <a:avLst/>
+            </a:prstGeom>
+            <a:ln w="19050">
               <a:solidFill>
-                <a:schemeClr val="accent3">
-                  <a:lumMod val="75000"/>
-                </a:schemeClr>
+                <a:schemeClr val="accent3"/>
               </a:solidFill>
-            </a:endParaRPr>
-          </a:p>
-        </p:txBody>
-      </p:sp>
-      <p:sp>
-        <p:nvSpPr>
-          <p:cNvPr id="2" name="Rectangle 8"/>
-          <p:cNvSpPr/>
-          <p:nvPr/>
-        </p:nvSpPr>
-        <p:spPr>
-          <a:xfrm>
-            <a:off x="2095948" y="2341220"/>
-            <a:ext cx="1093635" cy="346760"/>
-          </a:xfrm>
-          <a:prstGeom prst="rect">
-            <a:avLst/>
-          </a:prstGeom>
-          <a:ln w="19050">
-            <a:solidFill>
+            </a:ln>
+            <a:effectLst/>
+          </p:spPr>
+          <p:style>
+            <a:lnRef idx="1">
               <a:schemeClr val="accent3"/>
-            </a:solidFill>
-          </a:ln>
-          <a:effectLst/>
-        </p:spPr>
-        <p:style>
-          <a:lnRef idx="1">
-            <a:schemeClr val="accent3"/>
-          </a:lnRef>
-          <a:fillRef idx="2">
-            <a:schemeClr val="accent3"/>
-          </a:fillRef>
-          <a:effectRef idx="1">
-            <a:schemeClr val="accent3"/>
-          </a:effectRef>
-          <a:fontRef idx="minor">
-            <a:schemeClr val="dk1"/>
-          </a:fontRef>
-        </p:style>
-        <p:txBody>
-          <a:bodyPr rtlCol="0" anchor="ctr"/>
-          <a:lstStyle/>
-          <a:p>
-            <a:pPr algn="ctr"/>
-            <a:r>
-              <a:rPr lang="en-US" sz="1050" b="1" dirty="0" err="1">
+            </a:lnRef>
+            <a:fillRef idx="2">
+              <a:schemeClr val="accent3"/>
+            </a:fillRef>
+            <a:effectRef idx="1">
+              <a:schemeClr val="accent3"/>
+            </a:effectRef>
+            <a:fontRef idx="minor">
+              <a:schemeClr val="dk1"/>
+            </a:fontRef>
+          </p:style>
+          <p:txBody>
+            <a:bodyPr rtlCol="0" anchor="ctr"/>
+            <a:lstStyle/>
+            <a:p>
+              <a:pPr algn="ctr"/>
+              <a:r>
+                <a:rPr lang="en-US" sz="1050" b="1" dirty="0" err="1">
+                  <a:solidFill>
+                    <a:schemeClr val="accent3">
+                      <a:lumMod val="75000"/>
+                    </a:schemeClr>
+                  </a:solidFill>
+                </a:rPr>
+                <a:t>MainWindow</a:t>
+              </a:r>
+              <a:endParaRPr lang="en-SG" sz="1050" b="1" dirty="0">
                 <a:solidFill>
                   <a:schemeClr val="accent3">
                     <a:lumMod val="75000"/>
                   </a:schemeClr>
                 </a:solidFill>
-              </a:rPr>
-              <a:t>MainWindow</a:t>
-            </a:r>
-            <a:endParaRPr lang="en-SG" sz="1050" b="1" dirty="0">
+              </a:endParaRPr>
+            </a:p>
+          </p:txBody>
+        </p:sp>
+        <p:sp>
+          <p:nvSpPr>
+            <p:cNvPr id="3" name="Rectangle 11"/>
+            <p:cNvSpPr/>
+            <p:nvPr/>
+          </p:nvSpPr>
+          <p:spPr>
+            <a:xfrm>
+              <a:off x="2592528" y="2971800"/>
+              <a:ext cx="1093635" cy="236841"/>
+            </a:xfrm>
+            <a:prstGeom prst="rect">
+              <a:avLst/>
+            </a:prstGeom>
+            <a:ln w="19050">
               <a:solidFill>
-                <a:schemeClr val="accent3">
-                  <a:lumMod val="75000"/>
-                </a:schemeClr>
+                <a:schemeClr val="accent3"/>
               </a:solidFill>
-            </a:endParaRPr>
-          </a:p>
-        </p:txBody>
-      </p:sp>
-      <p:sp>
-        <p:nvSpPr>
-          <p:cNvPr id="3" name="Rectangle 11"/>
-          <p:cNvSpPr/>
-          <p:nvPr/>
-        </p:nvSpPr>
-        <p:spPr>
-          <a:xfrm>
-            <a:off x="2592528" y="2971800"/>
-            <a:ext cx="1093635" cy="236841"/>
-          </a:xfrm>
-          <a:prstGeom prst="rect">
-            <a:avLst/>
-          </a:prstGeom>
-          <a:ln w="19050">
-            <a:solidFill>
+            </a:ln>
+            <a:effectLst/>
+          </p:spPr>
+          <p:style>
+            <a:lnRef idx="1">
               <a:schemeClr val="accent3"/>
-            </a:solidFill>
-          </a:ln>
-          <a:effectLst/>
-        </p:spPr>
-        <p:style>
-          <a:lnRef idx="1">
-            <a:schemeClr val="accent3"/>
-          </a:lnRef>
-          <a:fillRef idx="2">
-            <a:schemeClr val="accent3"/>
-          </a:fillRef>
-          <a:effectRef idx="1">
-            <a:schemeClr val="accent3"/>
-          </a:effectRef>
-          <a:fontRef idx="minor">
-            <a:schemeClr val="dk1"/>
-          </a:fontRef>
-        </p:style>
-        <p:txBody>
-          <a:bodyPr rtlCol="0" anchor="ctr"/>
-          <a:lstStyle/>
-          <a:p>
-            <a:pPr algn="ctr"/>
-            <a:r>
-              <a:rPr lang="en-US" sz="1050" b="1" dirty="0" err="1">
+            </a:lnRef>
+            <a:fillRef idx="2">
+              <a:schemeClr val="accent3"/>
+            </a:fillRef>
+            <a:effectRef idx="1">
+              <a:schemeClr val="accent3"/>
+            </a:effectRef>
+            <a:fontRef idx="minor">
+              <a:schemeClr val="dk1"/>
+            </a:fontRef>
+          </p:style>
+          <p:txBody>
+            <a:bodyPr rtlCol="0" anchor="ctr"/>
+            <a:lstStyle/>
+            <a:p>
+              <a:pPr algn="ctr"/>
+              <a:r>
+                <a:rPr lang="en-US" sz="1050" b="1" dirty="0" err="1">
+                  <a:solidFill>
+                    <a:schemeClr val="accent3">
+                      <a:lumMod val="75000"/>
+                    </a:schemeClr>
+                  </a:solidFill>
+                </a:rPr>
+                <a:t>CommandBox</a:t>
+              </a:r>
+              <a:endParaRPr lang="en-SG" sz="1050" b="1" dirty="0">
                 <a:solidFill>
                   <a:schemeClr val="accent3">
                     <a:lumMod val="75000"/>
                   </a:schemeClr>
                 </a:solidFill>
-              </a:rPr>
-              <a:t>CommandBox</a:t>
-            </a:r>
-            <a:endParaRPr lang="en-SG" sz="1050" b="1" dirty="0">
+              </a:endParaRPr>
+            </a:p>
+          </p:txBody>
+        </p:sp>
+        <p:sp>
+          <p:nvSpPr>
+            <p:cNvPr id="9" name="Rectangle 62"/>
+            <p:cNvSpPr/>
+            <p:nvPr/>
+          </p:nvSpPr>
+          <p:spPr>
+            <a:xfrm>
+              <a:off x="2092842" y="1770924"/>
+              <a:ext cx="1093635" cy="346760"/>
+            </a:xfrm>
+            <a:prstGeom prst="rect">
+              <a:avLst/>
+            </a:prstGeom>
+            <a:solidFill>
+              <a:srgbClr val="00B050"/>
+            </a:solidFill>
+            <a:ln w="19050">
               <a:solidFill>
-                <a:schemeClr val="accent3">
+                <a:srgbClr val="00B050"/>
+              </a:solidFill>
+            </a:ln>
+            <a:effectLst/>
+          </p:spPr>
+          <p:style>
+            <a:lnRef idx="1">
+              <a:schemeClr val="accent2"/>
+            </a:lnRef>
+            <a:fillRef idx="2">
+              <a:schemeClr val="accent2"/>
+            </a:fillRef>
+            <a:effectRef idx="1">
+              <a:schemeClr val="accent2"/>
+            </a:effectRef>
+            <a:fontRef idx="minor">
+              <a:schemeClr val="dk1"/>
+            </a:fontRef>
+          </p:style>
+          <p:txBody>
+            <a:bodyPr rtlCol="0" anchor="ctr"/>
+            <a:lstStyle/>
+            <a:p>
+              <a:pPr algn="ctr"/>
+              <a:r>
+                <a:rPr lang="en-US" sz="1050" dirty="0" err="1">
+                  <a:solidFill>
+                    <a:schemeClr val="bg1"/>
+                  </a:solidFill>
+                </a:rPr>
+                <a:t>UiManager</a:t>
+              </a:r>
+              <a:endParaRPr lang="en-SG" sz="1050" dirty="0">
+                <a:solidFill>
+                  <a:schemeClr val="bg1"/>
+                </a:solidFill>
+              </a:endParaRPr>
+            </a:p>
+          </p:txBody>
+        </p:sp>
+        <p:cxnSp>
+          <p:nvCxnSpPr>
+            <p:cNvPr id="10" name="Elbow Connector 63"/>
+            <p:cNvCxnSpPr>
+              <a:stCxn id="9" idx="2"/>
+              <a:endCxn id="2" idx="0"/>
+            </p:cNvCxnSpPr>
+            <p:nvPr/>
+          </p:nvCxnSpPr>
+          <p:spPr>
+            <a:xfrm rot="16200000" flipH="1">
+              <a:off x="2529445" y="2227899"/>
+              <a:ext cx="223536" cy="3106"/>
+            </a:xfrm>
+            <a:prstGeom prst="bentConnector3">
+              <a:avLst>
+                <a:gd name="adj1" fmla="val 50000"/>
+              </a:avLst>
+            </a:prstGeom>
+            <a:ln w="19050">
+              <a:solidFill>
+                <a:srgbClr val="00B050"/>
+              </a:solidFill>
+              <a:headEnd type="none" w="med" len="med"/>
+              <a:tailEnd type="arrow" w="med" len="med"/>
+            </a:ln>
+            <a:effectLst/>
+          </p:spPr>
+          <p:style>
+            <a:lnRef idx="1">
+              <a:schemeClr val="accent2"/>
+            </a:lnRef>
+            <a:fillRef idx="2">
+              <a:schemeClr val="accent2"/>
+            </a:fillRef>
+            <a:effectRef idx="1">
+              <a:schemeClr val="accent2"/>
+            </a:effectRef>
+            <a:fontRef idx="minor">
+              <a:schemeClr val="dk1"/>
+            </a:fontRef>
+          </p:style>
+        </p:cxnSp>
+        <p:sp>
+          <p:nvSpPr>
+            <p:cNvPr id="16" name="Isosceles Triangle 102"/>
+            <p:cNvSpPr/>
+            <p:nvPr/>
+          </p:nvSpPr>
+          <p:spPr>
+            <a:xfrm rot="10800000" flipV="1">
+              <a:off x="5394717" y="2110477"/>
+              <a:ext cx="270504" cy="175523"/>
+            </a:xfrm>
+            <a:prstGeom prst="triangle">
+              <a:avLst/>
+            </a:prstGeom>
+            <a:ln w="6350">
+              <a:solidFill>
+                <a:schemeClr val="accent3"/>
+              </a:solidFill>
+            </a:ln>
+            <a:effectLst/>
+          </p:spPr>
+          <p:style>
+            <a:lnRef idx="1">
+              <a:schemeClr val="accent3"/>
+            </a:lnRef>
+            <a:fillRef idx="2">
+              <a:schemeClr val="accent3"/>
+            </a:fillRef>
+            <a:effectRef idx="1">
+              <a:schemeClr val="accent3"/>
+            </a:effectRef>
+            <a:fontRef idx="minor">
+              <a:schemeClr val="dk1"/>
+            </a:fontRef>
+          </p:style>
+          <p:txBody>
+            <a:bodyPr rtlCol="0" anchor="ctr"/>
+            <a:lstStyle/>
+            <a:p>
+              <a:pPr algn="ctr"/>
+              <a:endParaRPr lang="en-SG" sz="1050" b="1">
+                <a:solidFill>
+                  <a:srgbClr val="92D050"/>
+                </a:solidFill>
+              </a:endParaRPr>
+            </a:p>
+          </p:txBody>
+        </p:sp>
+        <p:cxnSp>
+          <p:nvCxnSpPr>
+            <p:cNvPr id="19" name="Elbow Connector 122"/>
+            <p:cNvCxnSpPr/>
+            <p:nvPr/>
+          </p:nvCxnSpPr>
+          <p:spPr>
+            <a:xfrm flipV="1">
+              <a:off x="644735" y="2991937"/>
+              <a:ext cx="684904" cy="1"/>
+            </a:xfrm>
+            <a:prstGeom prst="bentConnector3">
+              <a:avLst>
+                <a:gd name="adj1" fmla="val 50000"/>
+              </a:avLst>
+            </a:prstGeom>
+            <a:ln w="19050">
+              <a:solidFill>
+                <a:schemeClr val="bg1">
                   <a:lumMod val="75000"/>
                 </a:schemeClr>
               </a:solidFill>
-            </a:endParaRPr>
-          </a:p>
-        </p:txBody>
-      </p:sp>
-      <p:sp>
-        <p:nvSpPr>
-          <p:cNvPr id="9" name="Rectangle 62"/>
-          <p:cNvSpPr/>
-          <p:nvPr/>
-        </p:nvSpPr>
-        <p:spPr>
-          <a:xfrm>
-            <a:off x="2092842" y="1770924"/>
-            <a:ext cx="1093635" cy="346760"/>
-          </a:xfrm>
-          <a:prstGeom prst="rect">
-            <a:avLst/>
-          </a:prstGeom>
-          <a:solidFill>
-            <a:srgbClr val="00B050"/>
-          </a:solidFill>
-          <a:ln w="19050">
+              <a:prstDash val="sysDot"/>
+              <a:headEnd type="none" w="med" len="med"/>
+              <a:tailEnd type="arrow" w="med" len="med"/>
+            </a:ln>
+            <a:effectLst/>
+          </p:spPr>
+          <p:style>
+            <a:lnRef idx="1">
+              <a:schemeClr val="accent2"/>
+            </a:lnRef>
+            <a:fillRef idx="2">
+              <a:schemeClr val="accent2"/>
+            </a:fillRef>
+            <a:effectRef idx="1">
+              <a:schemeClr val="accent2"/>
+            </a:effectRef>
+            <a:fontRef idx="minor">
+              <a:schemeClr val="dk1"/>
+            </a:fontRef>
+          </p:style>
+        </p:cxnSp>
+        <p:sp>
+          <p:nvSpPr>
+            <p:cNvPr id="22" name="Rectangle 65"/>
+            <p:cNvSpPr/>
+            <p:nvPr/>
+          </p:nvSpPr>
+          <p:spPr>
+            <a:xfrm rot="16200000">
+              <a:off x="5703829" y="2464877"/>
+              <a:ext cx="2362201" cy="328045"/>
+            </a:xfrm>
+            <a:prstGeom prst="roundRect">
+              <a:avLst/>
+            </a:prstGeom>
             <a:solidFill>
-              <a:srgbClr val="00B050"/>
+              <a:schemeClr val="accent1">
+                <a:lumMod val="20000"/>
+                <a:lumOff val="80000"/>
+              </a:schemeClr>
             </a:solidFill>
-          </a:ln>
-          <a:effectLst/>
-        </p:spPr>
-        <p:style>
-          <a:lnRef idx="1">
-            <a:schemeClr val="accent2"/>
-          </a:lnRef>
-          <a:fillRef idx="2">
-            <a:schemeClr val="accent2"/>
-          </a:fillRef>
-          <a:effectRef idx="1">
-            <a:schemeClr val="accent2"/>
-          </a:effectRef>
-          <a:fontRef idx="minor">
-            <a:schemeClr val="dk1"/>
-          </a:fontRef>
-        </p:style>
-        <p:txBody>
-          <a:bodyPr rtlCol="0" anchor="ctr"/>
-          <a:lstStyle/>
-          <a:p>
-            <a:pPr algn="ctr"/>
-            <a:r>
-              <a:rPr lang="en-US" sz="1050" dirty="0" err="1">
+            <a:ln w="19050">
+              <a:noFill/>
+            </a:ln>
+            <a:effectLst/>
+          </p:spPr>
+          <p:style>
+            <a:lnRef idx="1">
+              <a:schemeClr val="accent2"/>
+            </a:lnRef>
+            <a:fillRef idx="2">
+              <a:schemeClr val="accent2"/>
+            </a:fillRef>
+            <a:effectRef idx="1">
+              <a:schemeClr val="accent2"/>
+            </a:effectRef>
+            <a:fontRef idx="minor">
+              <a:schemeClr val="dk1"/>
+            </a:fontRef>
+          </p:style>
+          <p:txBody>
+            <a:bodyPr rtlCol="0" anchor="ctr"/>
+            <a:lstStyle/>
+            <a:p>
+              <a:pPr algn="ctr"/>
+              <a:r>
+                <a:rPr lang="en-US" sz="1100" b="1" dirty="0">
+                  <a:solidFill>
+                    <a:schemeClr val="bg1"/>
+                  </a:solidFill>
+                </a:rPr>
+                <a:t>Logic</a:t>
+              </a:r>
+              <a:endParaRPr lang="en-SG" sz="1100" b="1" dirty="0">
                 <a:solidFill>
                   <a:schemeClr val="bg1"/>
                 </a:solidFill>
-              </a:rPr>
-              <a:t>UiManager</a:t>
-            </a:r>
-            <a:endParaRPr lang="en-SG" sz="1050" dirty="0">
+              </a:endParaRPr>
+            </a:p>
+          </p:txBody>
+        </p:sp>
+        <p:sp>
+          <p:nvSpPr>
+            <p:cNvPr id="34" name="Rectangle 11"/>
+            <p:cNvSpPr/>
+            <p:nvPr/>
+          </p:nvSpPr>
+          <p:spPr>
+            <a:xfrm>
+              <a:off x="2592528" y="3649359"/>
+              <a:ext cx="1093635" cy="236841"/>
+            </a:xfrm>
+            <a:prstGeom prst="rect">
+              <a:avLst/>
+            </a:prstGeom>
+            <a:ln w="19050">
               <a:solidFill>
-                <a:schemeClr val="bg1"/>
+                <a:schemeClr val="accent3"/>
               </a:solidFill>
-            </a:endParaRPr>
-          </a:p>
-        </p:txBody>
-      </p:sp>
-      <p:cxnSp>
-        <p:nvCxnSpPr>
-          <p:cNvPr id="10" name="Elbow Connector 63"/>
-          <p:cNvCxnSpPr>
-            <a:stCxn id="9" idx="2"/>
-            <a:endCxn id="2" idx="0"/>
-          </p:cNvCxnSpPr>
-          <p:nvPr/>
-        </p:nvCxnSpPr>
-        <p:spPr>
-          <a:xfrm rot="16200000" flipH="1">
-            <a:off x="2529445" y="2227899"/>
-            <a:ext cx="223536" cy="3106"/>
-          </a:xfrm>
-          <a:prstGeom prst="bentConnector3">
-            <a:avLst>
-              <a:gd name="adj1" fmla="val 50000"/>
-            </a:avLst>
-          </a:prstGeom>
-          <a:ln w="19050">
-            <a:solidFill>
-              <a:srgbClr val="00B050"/>
-            </a:solidFill>
-            <a:headEnd type="none" w="med" len="med"/>
-            <a:tailEnd type="arrow" w="med" len="med"/>
-          </a:ln>
-          <a:effectLst/>
-        </p:spPr>
-        <p:style>
-          <a:lnRef idx="1">
-            <a:schemeClr val="accent2"/>
-          </a:lnRef>
-          <a:fillRef idx="2">
-            <a:schemeClr val="accent2"/>
-          </a:fillRef>
-          <a:effectRef idx="1">
-            <a:schemeClr val="accent2"/>
-          </a:effectRef>
-          <a:fontRef idx="minor">
-            <a:schemeClr val="dk1"/>
-          </a:fontRef>
-        </p:style>
-      </p:cxnSp>
-      <p:sp>
-        <p:nvSpPr>
-          <p:cNvPr id="16" name="Isosceles Triangle 102"/>
-          <p:cNvSpPr/>
-          <p:nvPr/>
-        </p:nvSpPr>
-        <p:spPr>
-          <a:xfrm rot="10800000" flipV="1">
-            <a:off x="5394717" y="2110477"/>
-            <a:ext cx="270504" cy="175523"/>
-          </a:xfrm>
-          <a:prstGeom prst="triangle">
-            <a:avLst/>
-          </a:prstGeom>
-          <a:ln w="6350">
-            <a:solidFill>
+            </a:ln>
+            <a:effectLst/>
+          </p:spPr>
+          <p:style>
+            <a:lnRef idx="1">
               <a:schemeClr val="accent3"/>
-            </a:solidFill>
-          </a:ln>
-          <a:effectLst/>
-        </p:spPr>
-        <p:style>
-          <a:lnRef idx="1">
-            <a:schemeClr val="accent3"/>
-          </a:lnRef>
-          <a:fillRef idx="2">
-            <a:schemeClr val="accent3"/>
-          </a:fillRef>
-          <a:effectRef idx="1">
-            <a:schemeClr val="accent3"/>
-          </a:effectRef>
-          <a:fontRef idx="minor">
-            <a:schemeClr val="dk1"/>
-          </a:fontRef>
-        </p:style>
-        <p:txBody>
-          <a:bodyPr rtlCol="0" anchor="ctr"/>
-          <a:lstStyle/>
-          <a:p>
-            <a:pPr algn="ctr"/>
-            <a:endParaRPr lang="en-SG" sz="1050" b="1">
-              <a:solidFill>
-                <a:srgbClr val="92D050"/>
-              </a:solidFill>
-            </a:endParaRPr>
-          </a:p>
-        </p:txBody>
-      </p:sp>
-      <p:cxnSp>
-        <p:nvCxnSpPr>
-          <p:cNvPr id="19" name="Elbow Connector 122"/>
-          <p:cNvCxnSpPr/>
-          <p:nvPr/>
-        </p:nvCxnSpPr>
-        <p:spPr>
-          <a:xfrm flipV="1">
-            <a:off x="644735" y="2991937"/>
-            <a:ext cx="684904" cy="1"/>
-          </a:xfrm>
-          <a:prstGeom prst="bentConnector3">
-            <a:avLst>
-              <a:gd name="adj1" fmla="val 50000"/>
-            </a:avLst>
-          </a:prstGeom>
-          <a:ln w="19050">
-            <a:solidFill>
-              <a:schemeClr val="bg1">
-                <a:lumMod val="75000"/>
-              </a:schemeClr>
-            </a:solidFill>
-            <a:prstDash val="sysDot"/>
-            <a:headEnd type="none" w="med" len="med"/>
-            <a:tailEnd type="arrow" w="med" len="med"/>
-          </a:ln>
-          <a:effectLst/>
-        </p:spPr>
-        <p:style>
-          <a:lnRef idx="1">
-            <a:schemeClr val="accent2"/>
-          </a:lnRef>
-          <a:fillRef idx="2">
-            <a:schemeClr val="accent2"/>
-          </a:fillRef>
-          <a:effectRef idx="1">
-            <a:schemeClr val="accent2"/>
-          </a:effectRef>
-          <a:fontRef idx="minor">
-            <a:schemeClr val="dk1"/>
-          </a:fontRef>
-        </p:style>
-      </p:cxnSp>
-      <p:sp>
-        <p:nvSpPr>
-          <p:cNvPr id="22" name="Rectangle 65"/>
-          <p:cNvSpPr/>
-          <p:nvPr/>
-        </p:nvSpPr>
-        <p:spPr>
-          <a:xfrm rot="16200000">
-            <a:off x="5703829" y="2464877"/>
-            <a:ext cx="2362201" cy="328045"/>
-          </a:xfrm>
-          <a:prstGeom prst="roundRect">
-            <a:avLst/>
-          </a:prstGeom>
-          <a:solidFill>
-            <a:schemeClr val="accent1">
-              <a:lumMod val="20000"/>
-              <a:lumOff val="80000"/>
-            </a:schemeClr>
-          </a:solidFill>
-          <a:ln w="19050">
-            <a:noFill/>
-          </a:ln>
-          <a:effectLst/>
-        </p:spPr>
-        <p:style>
-          <a:lnRef idx="1">
-            <a:schemeClr val="accent2"/>
-          </a:lnRef>
-          <a:fillRef idx="2">
-            <a:schemeClr val="accent2"/>
-          </a:fillRef>
-          <a:effectRef idx="1">
-            <a:schemeClr val="accent2"/>
-          </a:effectRef>
-          <a:fontRef idx="minor">
-            <a:schemeClr val="dk1"/>
-          </a:fontRef>
-        </p:style>
-        <p:txBody>
-          <a:bodyPr rtlCol="0" anchor="ctr"/>
-          <a:lstStyle/>
-          <a:p>
-            <a:pPr algn="ctr"/>
-            <a:r>
-              <a:rPr lang="en-US" sz="1100" b="1" dirty="0">
-                <a:solidFill>
-                  <a:schemeClr val="bg1"/>
-                </a:solidFill>
-              </a:rPr>
-              <a:t>Logic</a:t>
-            </a:r>
-            <a:endParaRPr lang="en-SG" sz="1100" b="1" dirty="0">
-              <a:solidFill>
-                <a:schemeClr val="bg1"/>
-              </a:solidFill>
-            </a:endParaRPr>
-          </a:p>
-        </p:txBody>
-      </p:sp>
-      <p:sp>
-        <p:nvSpPr>
-          <p:cNvPr id="34" name="Rectangle 11"/>
-          <p:cNvSpPr/>
-          <p:nvPr/>
-        </p:nvSpPr>
-        <p:spPr>
-          <a:xfrm>
-            <a:off x="2592528" y="3649359"/>
-            <a:ext cx="1093635" cy="236841"/>
-          </a:xfrm>
-          <a:prstGeom prst="rect">
-            <a:avLst/>
-          </a:prstGeom>
-          <a:ln w="19050">
-            <a:solidFill>
+            </a:lnRef>
+            <a:fillRef idx="2">
               <a:schemeClr val="accent3"/>
-            </a:solidFill>
-          </a:ln>
-          <a:effectLst/>
-        </p:spPr>
-        <p:style>
-          <a:lnRef idx="1">
-            <a:schemeClr val="accent3"/>
-          </a:lnRef>
-          <a:fillRef idx="2">
-            <a:schemeClr val="accent3"/>
-          </a:fillRef>
-          <a:effectRef idx="1">
-            <a:schemeClr val="accent3"/>
-          </a:effectRef>
-          <a:fontRef idx="minor">
-            <a:schemeClr val="dk1"/>
-          </a:fontRef>
-        </p:style>
-        <p:txBody>
-          <a:bodyPr rtlCol="0" anchor="ctr"/>
-          <a:lstStyle/>
-          <a:p>
-            <a:pPr algn="ctr"/>
-            <a:r>
-              <a:rPr lang="en-US" sz="1050" b="1" dirty="0" err="1">
+            </a:fillRef>
+            <a:effectRef idx="1">
+              <a:schemeClr val="accent3"/>
+            </a:effectRef>
+            <a:fontRef idx="minor">
+              <a:schemeClr val="dk1"/>
+            </a:fontRef>
+          </p:style>
+          <p:txBody>
+            <a:bodyPr rtlCol="0" anchor="ctr"/>
+            <a:lstStyle/>
+            <a:p>
+              <a:pPr algn="ctr"/>
+              <a:r>
+                <a:rPr lang="en-US" sz="1050" b="1" dirty="0" err="1">
+                  <a:solidFill>
+                    <a:schemeClr val="accent3">
+                      <a:lumMod val="75000"/>
+                    </a:schemeClr>
+                  </a:solidFill>
+                </a:rPr>
+                <a:t>BrowserPanel</a:t>
+              </a:r>
+              <a:endParaRPr lang="en-SG" sz="1050" b="1" dirty="0">
                 <a:solidFill>
                   <a:schemeClr val="accent3">
                     <a:lumMod val="75000"/>
                   </a:schemeClr>
                 </a:solidFill>
-              </a:rPr>
-              <a:t>BrowserPanel</a:t>
-            </a:r>
-            <a:endParaRPr lang="en-SG" sz="1050" b="1" dirty="0">
+              </a:endParaRPr>
+            </a:p>
+          </p:txBody>
+        </p:sp>
+        <p:sp>
+          <p:nvSpPr>
+            <p:cNvPr id="35" name="Rectangle 11"/>
+            <p:cNvSpPr/>
+            <p:nvPr/>
+          </p:nvSpPr>
+          <p:spPr>
+            <a:xfrm>
+              <a:off x="2606286" y="5797206"/>
+              <a:ext cx="1093635" cy="236841"/>
+            </a:xfrm>
+            <a:prstGeom prst="rect">
+              <a:avLst/>
+            </a:prstGeom>
+            <a:ln w="19050">
               <a:solidFill>
-                <a:schemeClr val="accent3">
-                  <a:lumMod val="75000"/>
-                </a:schemeClr>
+                <a:schemeClr val="accent3"/>
               </a:solidFill>
-            </a:endParaRPr>
-          </a:p>
-        </p:txBody>
-      </p:sp>
-      <p:sp>
-        <p:nvSpPr>
-          <p:cNvPr id="35" name="Rectangle 11"/>
-          <p:cNvSpPr/>
-          <p:nvPr/>
-        </p:nvSpPr>
-        <p:spPr>
-          <a:xfrm>
-            <a:off x="2592527" y="4563759"/>
-            <a:ext cx="1093635" cy="236841"/>
-          </a:xfrm>
-          <a:prstGeom prst="rect">
-            <a:avLst/>
-          </a:prstGeom>
-          <a:ln w="19050">
-            <a:solidFill>
+            </a:ln>
+            <a:effectLst/>
+          </p:spPr>
+          <p:style>
+            <a:lnRef idx="1">
               <a:schemeClr val="accent3"/>
-            </a:solidFill>
-          </a:ln>
-          <a:effectLst/>
-        </p:spPr>
-        <p:style>
-          <a:lnRef idx="1">
-            <a:schemeClr val="accent3"/>
-          </a:lnRef>
-          <a:fillRef idx="2">
-            <a:schemeClr val="accent3"/>
-          </a:fillRef>
-          <a:effectRef idx="1">
-            <a:schemeClr val="accent3"/>
-          </a:effectRef>
-          <a:fontRef idx="minor">
-            <a:schemeClr val="dk1"/>
-          </a:fontRef>
-        </p:style>
-        <p:txBody>
-          <a:bodyPr rtlCol="0" anchor="ctr"/>
-          <a:lstStyle/>
-          <a:p>
-            <a:pPr algn="ctr"/>
-            <a:r>
-              <a:rPr lang="en-US" sz="1050" b="1" dirty="0" err="1">
+            </a:lnRef>
+            <a:fillRef idx="2">
+              <a:schemeClr val="accent3"/>
+            </a:fillRef>
+            <a:effectRef idx="1">
+              <a:schemeClr val="accent3"/>
+            </a:effectRef>
+            <a:fontRef idx="minor">
+              <a:schemeClr val="dk1"/>
+            </a:fontRef>
+          </p:style>
+          <p:txBody>
+            <a:bodyPr rtlCol="0" anchor="ctr"/>
+            <a:lstStyle/>
+            <a:p>
+              <a:pPr algn="ctr"/>
+              <a:r>
+                <a:rPr lang="en-US" sz="1050" b="1">
+                  <a:solidFill>
+                    <a:schemeClr val="accent3">
+                      <a:lumMod val="75000"/>
+                    </a:schemeClr>
+                  </a:solidFill>
+                </a:rPr>
+                <a:t>StatusBarFooter</a:t>
+              </a:r>
+              <a:endParaRPr lang="en-SG" sz="1050" b="1" dirty="0">
                 <a:solidFill>
                   <a:schemeClr val="accent3">
                     <a:lumMod val="75000"/>
                   </a:schemeClr>
                 </a:solidFill>
-              </a:rPr>
-              <a:t>StatusBarFooter</a:t>
-            </a:r>
-            <a:endParaRPr lang="en-SG" sz="1050" b="1" dirty="0">
+              </a:endParaRPr>
+            </a:p>
+          </p:txBody>
+        </p:sp>
+        <p:sp>
+          <p:nvSpPr>
+            <p:cNvPr id="36" name="Rectangle 11"/>
+            <p:cNvSpPr/>
+            <p:nvPr/>
+          </p:nvSpPr>
+          <p:spPr>
+            <a:xfrm>
+              <a:off x="2592526" y="3991960"/>
+              <a:ext cx="1093635" cy="236841"/>
+            </a:xfrm>
+            <a:prstGeom prst="rect">
+              <a:avLst/>
+            </a:prstGeom>
+            <a:ln w="19050">
               <a:solidFill>
-                <a:schemeClr val="accent3">
-                  <a:lumMod val="75000"/>
-                </a:schemeClr>
+                <a:schemeClr val="accent3"/>
               </a:solidFill>
-            </a:endParaRPr>
-          </a:p>
-        </p:txBody>
-      </p:sp>
-      <p:sp>
-        <p:nvSpPr>
-          <p:cNvPr id="36" name="Rectangle 11"/>
-          <p:cNvSpPr/>
-          <p:nvPr/>
-        </p:nvSpPr>
-        <p:spPr>
-          <a:xfrm>
-            <a:off x="2592526" y="3991960"/>
-            <a:ext cx="1093635" cy="236841"/>
-          </a:xfrm>
-          <a:prstGeom prst="rect">
-            <a:avLst/>
-          </a:prstGeom>
-          <a:ln w="19050">
-            <a:solidFill>
+            </a:ln>
+            <a:effectLst/>
+          </p:spPr>
+          <p:style>
+            <a:lnRef idx="1">
               <a:schemeClr val="accent3"/>
-            </a:solidFill>
-          </a:ln>
-          <a:effectLst/>
-        </p:spPr>
-        <p:style>
-          <a:lnRef idx="1">
-            <a:schemeClr val="accent3"/>
-          </a:lnRef>
-          <a:fillRef idx="2">
-            <a:schemeClr val="accent3"/>
-          </a:fillRef>
-          <a:effectRef idx="1">
-            <a:schemeClr val="accent3"/>
-          </a:effectRef>
-          <a:fontRef idx="minor">
-            <a:schemeClr val="dk1"/>
-          </a:fontRef>
-        </p:style>
-        <p:txBody>
-          <a:bodyPr rtlCol="0" anchor="ctr"/>
-          <a:lstStyle/>
-          <a:p>
-            <a:pPr algn="ctr"/>
-            <a:r>
-              <a:rPr lang="en-US" sz="1050" b="1" dirty="0" err="1">
+            </a:lnRef>
+            <a:fillRef idx="2">
+              <a:schemeClr val="accent3"/>
+            </a:fillRef>
+            <a:effectRef idx="1">
+              <a:schemeClr val="accent3"/>
+            </a:effectRef>
+            <a:fontRef idx="minor">
+              <a:schemeClr val="dk1"/>
+            </a:fontRef>
+          </p:style>
+          <p:txBody>
+            <a:bodyPr rtlCol="0" anchor="ctr"/>
+            <a:lstStyle/>
+            <a:p>
+              <a:pPr algn="ctr"/>
+              <a:r>
+                <a:rPr lang="en-US" sz="1050" b="1" dirty="0" err="1">
+                  <a:solidFill>
+                    <a:schemeClr val="accent3">
+                      <a:lumMod val="75000"/>
+                    </a:schemeClr>
+                  </a:solidFill>
+                </a:rPr>
+                <a:t>PersonListPanel</a:t>
+              </a:r>
+              <a:endParaRPr lang="en-SG" sz="1050" b="1" dirty="0">
                 <a:solidFill>
                   <a:schemeClr val="accent3">
                     <a:lumMod val="75000"/>
                   </a:schemeClr>
                 </a:solidFill>
-              </a:rPr>
-              <a:t>PersonListPanel</a:t>
-            </a:r>
-            <a:endParaRPr lang="en-SG" sz="1050" b="1" dirty="0">
+              </a:endParaRPr>
+            </a:p>
+          </p:txBody>
+        </p:sp>
+        <p:sp>
+          <p:nvSpPr>
+            <p:cNvPr id="37" name="Rectangle 11"/>
+            <p:cNvSpPr/>
+            <p:nvPr/>
+          </p:nvSpPr>
+          <p:spPr>
+            <a:xfrm>
+              <a:off x="3839323" y="4228801"/>
+              <a:ext cx="1040906" cy="236841"/>
+            </a:xfrm>
+            <a:prstGeom prst="rect">
+              <a:avLst/>
+            </a:prstGeom>
+            <a:ln w="19050">
               <a:solidFill>
-                <a:schemeClr val="accent3">
-                  <a:lumMod val="75000"/>
-                </a:schemeClr>
+                <a:schemeClr val="accent3"/>
               </a:solidFill>
-            </a:endParaRPr>
-          </a:p>
-        </p:txBody>
-      </p:sp>
-      <p:sp>
-        <p:nvSpPr>
-          <p:cNvPr id="37" name="Rectangle 11"/>
-          <p:cNvSpPr/>
-          <p:nvPr/>
-        </p:nvSpPr>
-        <p:spPr>
-          <a:xfrm>
-            <a:off x="3839323" y="4228801"/>
-            <a:ext cx="1040906" cy="236841"/>
-          </a:xfrm>
-          <a:prstGeom prst="rect">
-            <a:avLst/>
-          </a:prstGeom>
-          <a:ln w="19050">
-            <a:solidFill>
+            </a:ln>
+            <a:effectLst/>
+          </p:spPr>
+          <p:style>
+            <a:lnRef idx="1">
               <a:schemeClr val="accent3"/>
-            </a:solidFill>
-          </a:ln>
-          <a:effectLst/>
-        </p:spPr>
-        <p:style>
-          <a:lnRef idx="1">
-            <a:schemeClr val="accent3"/>
-          </a:lnRef>
-          <a:fillRef idx="2">
-            <a:schemeClr val="accent3"/>
-          </a:fillRef>
-          <a:effectRef idx="1">
-            <a:schemeClr val="accent3"/>
-          </a:effectRef>
-          <a:fontRef idx="minor">
-            <a:schemeClr val="dk1"/>
-          </a:fontRef>
-        </p:style>
-        <p:txBody>
-          <a:bodyPr rtlCol="0" anchor="ctr"/>
-          <a:lstStyle/>
-          <a:p>
-            <a:pPr algn="ctr"/>
-            <a:r>
-              <a:rPr lang="en-US" sz="1050" b="1" dirty="0" err="1">
+            </a:lnRef>
+            <a:fillRef idx="2">
+              <a:schemeClr val="accent3"/>
+            </a:fillRef>
+            <a:effectRef idx="1">
+              <a:schemeClr val="accent3"/>
+            </a:effectRef>
+            <a:fontRef idx="minor">
+              <a:schemeClr val="dk1"/>
+            </a:fontRef>
+          </p:style>
+          <p:txBody>
+            <a:bodyPr rtlCol="0" anchor="ctr"/>
+            <a:lstStyle/>
+            <a:p>
+              <a:pPr algn="ctr"/>
+              <a:r>
+                <a:rPr lang="en-US" sz="1050" b="1" dirty="0" err="1">
+                  <a:solidFill>
+                    <a:schemeClr val="accent3">
+                      <a:lumMod val="75000"/>
+                    </a:schemeClr>
+                  </a:solidFill>
+                </a:rPr>
+                <a:t>PersonCard</a:t>
+              </a:r>
+              <a:endParaRPr lang="en-SG" sz="1050" b="1" dirty="0">
                 <a:solidFill>
                   <a:schemeClr val="accent3">
                     <a:lumMod val="75000"/>
                   </a:schemeClr>
                 </a:solidFill>
-              </a:rPr>
-              <a:t>PersonCard</a:t>
-            </a:r>
-            <a:endParaRPr lang="en-SG" sz="1050" b="1" dirty="0">
+              </a:endParaRPr>
+            </a:p>
+          </p:txBody>
+        </p:sp>
+        <p:sp>
+          <p:nvSpPr>
+            <p:cNvPr id="38" name="Rectangle 11"/>
+            <p:cNvSpPr/>
+            <p:nvPr/>
+          </p:nvSpPr>
+          <p:spPr>
+            <a:xfrm>
+              <a:off x="2621105" y="6072297"/>
+              <a:ext cx="1093635" cy="236841"/>
+            </a:xfrm>
+            <a:prstGeom prst="rect">
+              <a:avLst/>
+            </a:prstGeom>
+            <a:ln w="19050">
               <a:solidFill>
-                <a:schemeClr val="accent3">
-                  <a:lumMod val="75000"/>
-                </a:schemeClr>
+                <a:schemeClr val="accent3"/>
               </a:solidFill>
-            </a:endParaRPr>
-          </a:p>
-        </p:txBody>
-      </p:sp>
-      <p:sp>
-        <p:nvSpPr>
-          <p:cNvPr id="38" name="Rectangle 11"/>
-          <p:cNvSpPr/>
-          <p:nvPr/>
-        </p:nvSpPr>
-        <p:spPr>
-          <a:xfrm>
-            <a:off x="2592528" y="4966000"/>
-            <a:ext cx="1093635" cy="236841"/>
-          </a:xfrm>
-          <a:prstGeom prst="rect">
-            <a:avLst/>
-          </a:prstGeom>
-          <a:ln w="19050">
-            <a:solidFill>
+            </a:ln>
+            <a:effectLst/>
+          </p:spPr>
+          <p:style>
+            <a:lnRef idx="1">
               <a:schemeClr val="accent3"/>
-            </a:solidFill>
-          </a:ln>
-          <a:effectLst/>
-        </p:spPr>
-        <p:style>
-          <a:lnRef idx="1">
-            <a:schemeClr val="accent3"/>
-          </a:lnRef>
-          <a:fillRef idx="2">
-            <a:schemeClr val="accent3"/>
-          </a:fillRef>
-          <a:effectRef idx="1">
-            <a:schemeClr val="accent3"/>
-          </a:effectRef>
-          <a:fontRef idx="minor">
-            <a:schemeClr val="dk1"/>
-          </a:fontRef>
-        </p:style>
-        <p:txBody>
-          <a:bodyPr rtlCol="0" anchor="ctr"/>
-          <a:lstStyle/>
-          <a:p>
-            <a:pPr algn="ctr"/>
-            <a:r>
-              <a:rPr lang="en-US" sz="1050" b="1" dirty="0" err="1">
+            </a:lnRef>
+            <a:fillRef idx="2">
+              <a:schemeClr val="accent3"/>
+            </a:fillRef>
+            <a:effectRef idx="1">
+              <a:schemeClr val="accent3"/>
+            </a:effectRef>
+            <a:fontRef idx="minor">
+              <a:schemeClr val="dk1"/>
+            </a:fontRef>
+          </p:style>
+          <p:txBody>
+            <a:bodyPr rtlCol="0" anchor="ctr"/>
+            <a:lstStyle/>
+            <a:p>
+              <a:pPr algn="ctr"/>
+              <a:r>
+                <a:rPr lang="en-US" sz="1050" b="1" dirty="0" err="1">
+                  <a:solidFill>
+                    <a:schemeClr val="accent3">
+                      <a:lumMod val="75000"/>
+                    </a:schemeClr>
+                  </a:solidFill>
+                </a:rPr>
+                <a:t>HelpWindow</a:t>
+              </a:r>
+              <a:endParaRPr lang="en-SG" sz="1050" b="1" dirty="0">
                 <a:solidFill>
                   <a:schemeClr val="accent3">
                     <a:lumMod val="75000"/>
                   </a:schemeClr>
                 </a:solidFill>
-              </a:rPr>
-              <a:t>HelpWindow</a:t>
-            </a:r>
-            <a:endParaRPr lang="en-SG" sz="1050" b="1" dirty="0">
-              <a:solidFill>
-                <a:schemeClr val="accent3">
-                  <a:lumMod val="75000"/>
-                </a:schemeClr>
-              </a:solidFill>
-            </a:endParaRPr>
-          </a:p>
-        </p:txBody>
-      </p:sp>
-      <p:sp>
-        <p:nvSpPr>
-          <p:cNvPr id="39" name="Flowchart: Decision 38"/>
-          <p:cNvSpPr/>
-          <p:nvPr/>
-        </p:nvSpPr>
-        <p:spPr>
-          <a:xfrm>
-            <a:off x="2324548" y="2706452"/>
-            <a:ext cx="183156" cy="161573"/>
-          </a:xfrm>
-          <a:prstGeom prst="flowChartDecision">
-            <a:avLst/>
-          </a:prstGeom>
-          <a:solidFill>
-            <a:schemeClr val="accent3"/>
-          </a:solidFill>
-          <a:ln>
+              </a:endParaRPr>
+            </a:p>
+          </p:txBody>
+        </p:sp>
+        <p:sp>
+          <p:nvSpPr>
+            <p:cNvPr id="39" name="Flowchart: Decision 38"/>
+            <p:cNvSpPr/>
+            <p:nvPr/>
+          </p:nvSpPr>
+          <p:spPr>
+            <a:xfrm>
+              <a:off x="2324548" y="2706452"/>
+              <a:ext cx="183156" cy="161573"/>
+            </a:xfrm>
+            <a:prstGeom prst="flowChartDecision">
+              <a:avLst/>
+            </a:prstGeom>
             <a:solidFill>
               <a:schemeClr val="accent3"/>
             </a:solidFill>
-          </a:ln>
-        </p:spPr>
-        <p:style>
-          <a:lnRef idx="2">
-            <a:schemeClr val="accent1">
-              <a:shade val="50000"/>
-            </a:schemeClr>
-          </a:lnRef>
-          <a:fillRef idx="1">
-            <a:schemeClr val="accent1"/>
-          </a:fillRef>
-          <a:effectRef idx="0">
-            <a:schemeClr val="accent1"/>
-          </a:effectRef>
-          <a:fontRef idx="minor">
-            <a:schemeClr val="lt1"/>
-          </a:fontRef>
-        </p:style>
-        <p:txBody>
-          <a:bodyPr rtlCol="0" anchor="ctr"/>
-          <a:lstStyle/>
-          <a:p>
-            <a:pPr algn="ctr"/>
-            <a:endParaRPr lang="en-SG"/>
-          </a:p>
-        </p:txBody>
-      </p:sp>
-      <p:cxnSp>
-        <p:nvCxnSpPr>
-          <p:cNvPr id="40" name="Elbow Connector 63"/>
-          <p:cNvCxnSpPr>
-            <a:stCxn id="39" idx="2"/>
-            <a:endCxn id="3" idx="1"/>
-          </p:cNvCxnSpPr>
-          <p:nvPr/>
-        </p:nvCxnSpPr>
-        <p:spPr>
-          <a:xfrm rot="16200000" flipH="1">
-            <a:off x="2393229" y="2890922"/>
-            <a:ext cx="222196" cy="176402"/>
-          </a:xfrm>
-          <a:prstGeom prst="bentConnector2">
-            <a:avLst/>
-          </a:prstGeom>
-          <a:ln w="19050">
-            <a:solidFill>
+            <a:ln>
+              <a:solidFill>
+                <a:schemeClr val="accent3"/>
+              </a:solidFill>
+            </a:ln>
+          </p:spPr>
+          <p:style>
+            <a:lnRef idx="2">
+              <a:schemeClr val="accent1">
+                <a:shade val="50000"/>
+              </a:schemeClr>
+            </a:lnRef>
+            <a:fillRef idx="1">
+              <a:schemeClr val="accent1"/>
+            </a:fillRef>
+            <a:effectRef idx="0">
+              <a:schemeClr val="accent1"/>
+            </a:effectRef>
+            <a:fontRef idx="minor">
+              <a:schemeClr val="lt1"/>
+            </a:fontRef>
+          </p:style>
+          <p:txBody>
+            <a:bodyPr rtlCol="0" anchor="ctr"/>
+            <a:lstStyle/>
+            <a:p>
+              <a:pPr algn="ctr"/>
+              <a:endParaRPr lang="en-SG"/>
+            </a:p>
+          </p:txBody>
+        </p:sp>
+        <p:cxnSp>
+          <p:nvCxnSpPr>
+            <p:cNvPr id="40" name="Elbow Connector 63"/>
+            <p:cNvCxnSpPr>
+              <a:stCxn id="39" idx="2"/>
+              <a:endCxn id="3" idx="1"/>
+            </p:cNvCxnSpPr>
+            <p:nvPr/>
+          </p:nvCxnSpPr>
+          <p:spPr>
+            <a:xfrm rot="16200000" flipH="1">
+              <a:off x="2393229" y="2890922"/>
+              <a:ext cx="222196" cy="176402"/>
+            </a:xfrm>
+            <a:prstGeom prst="bentConnector2">
+              <a:avLst/>
+            </a:prstGeom>
+            <a:ln w="19050">
+              <a:solidFill>
+                <a:schemeClr val="accent3"/>
+              </a:solidFill>
+              <a:headEnd type="none" w="med" len="med"/>
+              <a:tailEnd type="arrow" w="med" len="med"/>
+            </a:ln>
+            <a:effectLst/>
+          </p:spPr>
+          <p:style>
+            <a:lnRef idx="1">
+              <a:schemeClr val="accent2"/>
+            </a:lnRef>
+            <a:fillRef idx="2">
+              <a:schemeClr val="accent2"/>
+            </a:fillRef>
+            <a:effectRef idx="1">
+              <a:schemeClr val="accent2"/>
+            </a:effectRef>
+            <a:fontRef idx="minor">
+              <a:schemeClr val="dk1"/>
+            </a:fontRef>
+          </p:style>
+        </p:cxnSp>
+        <p:sp>
+          <p:nvSpPr>
+            <p:cNvPr id="43" name="Rectangle 11"/>
+            <p:cNvSpPr/>
+            <p:nvPr/>
+          </p:nvSpPr>
+          <p:spPr>
+            <a:xfrm>
+              <a:off x="2590799" y="3304308"/>
+              <a:ext cx="1095361" cy="236841"/>
+            </a:xfrm>
+            <a:prstGeom prst="rect">
+              <a:avLst/>
+            </a:prstGeom>
+            <a:ln w="19050">
+              <a:solidFill>
+                <a:schemeClr val="accent3"/>
+              </a:solidFill>
+            </a:ln>
+            <a:effectLst/>
+          </p:spPr>
+          <p:style>
+            <a:lnRef idx="1">
               <a:schemeClr val="accent3"/>
-            </a:solidFill>
-            <a:headEnd type="none" w="med" len="med"/>
-            <a:tailEnd type="arrow" w="med" len="med"/>
-          </a:ln>
-          <a:effectLst/>
-        </p:spPr>
-        <p:style>
-          <a:lnRef idx="1">
-            <a:schemeClr val="accent2"/>
-          </a:lnRef>
-          <a:fillRef idx="2">
-            <a:schemeClr val="accent2"/>
-          </a:fillRef>
-          <a:effectRef idx="1">
-            <a:schemeClr val="accent2"/>
-          </a:effectRef>
-          <a:fontRef idx="minor">
-            <a:schemeClr val="dk1"/>
-          </a:fontRef>
-        </p:style>
-      </p:cxnSp>
-      <p:sp>
-        <p:nvSpPr>
-          <p:cNvPr id="43" name="Rectangle 11"/>
-          <p:cNvSpPr/>
-          <p:nvPr/>
-        </p:nvSpPr>
-        <p:spPr>
-          <a:xfrm>
-            <a:off x="2590799" y="3304308"/>
-            <a:ext cx="1095361" cy="236841"/>
-          </a:xfrm>
-          <a:prstGeom prst="rect">
-            <a:avLst/>
-          </a:prstGeom>
-          <a:ln w="19050">
-            <a:solidFill>
+            </a:lnRef>
+            <a:fillRef idx="2">
               <a:schemeClr val="accent3"/>
-            </a:solidFill>
-          </a:ln>
-          <a:effectLst/>
-        </p:spPr>
-        <p:style>
-          <a:lnRef idx="1">
-            <a:schemeClr val="accent3"/>
-          </a:lnRef>
-          <a:fillRef idx="2">
-            <a:schemeClr val="accent3"/>
-          </a:fillRef>
-          <a:effectRef idx="1">
-            <a:schemeClr val="accent3"/>
-          </a:effectRef>
-          <a:fontRef idx="minor">
-            <a:schemeClr val="dk1"/>
-          </a:fontRef>
-        </p:style>
-        <p:txBody>
-          <a:bodyPr rtlCol="0" anchor="ctr"/>
-          <a:lstStyle/>
-          <a:p>
-            <a:pPr algn="ctr"/>
-            <a:r>
-              <a:rPr lang="en-US" sz="1050" b="1" dirty="0" err="1">
+            </a:fillRef>
+            <a:effectRef idx="1">
+              <a:schemeClr val="accent3"/>
+            </a:effectRef>
+            <a:fontRef idx="minor">
+              <a:schemeClr val="dk1"/>
+            </a:fontRef>
+          </p:style>
+          <p:txBody>
+            <a:bodyPr rtlCol="0" anchor="ctr"/>
+            <a:lstStyle/>
+            <a:p>
+              <a:pPr algn="ctr"/>
+              <a:r>
+                <a:rPr lang="en-US" sz="1050" b="1" dirty="0" err="1">
+                  <a:solidFill>
+                    <a:schemeClr val="accent3">
+                      <a:lumMod val="75000"/>
+                    </a:schemeClr>
+                  </a:solidFill>
+                </a:rPr>
+                <a:t>ResultDisplay</a:t>
+              </a:r>
+              <a:endParaRPr lang="en-SG" sz="1050" b="1" dirty="0">
                 <a:solidFill>
                   <a:schemeClr val="accent3">
                     <a:lumMod val="75000"/>
                   </a:schemeClr>
                 </a:solidFill>
-              </a:rPr>
-              <a:t>ResultDisplay</a:t>
-            </a:r>
-            <a:endParaRPr lang="en-SG" sz="1050" b="1" dirty="0">
+              </a:endParaRPr>
+            </a:p>
+          </p:txBody>
+        </p:sp>
+        <p:cxnSp>
+          <p:nvCxnSpPr>
+            <p:cNvPr id="44" name="Elbow Connector 63"/>
+            <p:cNvCxnSpPr>
+              <a:stCxn id="39" idx="2"/>
+              <a:endCxn id="34" idx="1"/>
+            </p:cNvCxnSpPr>
+            <p:nvPr/>
+          </p:nvCxnSpPr>
+          <p:spPr>
+            <a:xfrm rot="16200000" flipH="1">
+              <a:off x="2054450" y="3229701"/>
+              <a:ext cx="899755" cy="176402"/>
+            </a:xfrm>
+            <a:prstGeom prst="bentConnector2">
+              <a:avLst/>
+            </a:prstGeom>
+            <a:ln w="19050">
               <a:solidFill>
-                <a:schemeClr val="accent3">
-                  <a:lumMod val="75000"/>
-                </a:schemeClr>
+                <a:schemeClr val="accent3"/>
               </a:solidFill>
-            </a:endParaRPr>
-          </a:p>
-        </p:txBody>
-      </p:sp>
-      <p:cxnSp>
-        <p:nvCxnSpPr>
-          <p:cNvPr id="44" name="Elbow Connector 63"/>
-          <p:cNvCxnSpPr>
-            <a:stCxn id="39" idx="2"/>
-            <a:endCxn id="34" idx="1"/>
-          </p:cNvCxnSpPr>
-          <p:nvPr/>
-        </p:nvCxnSpPr>
-        <p:spPr>
-          <a:xfrm rot="16200000" flipH="1">
-            <a:off x="2054450" y="3229701"/>
-            <a:ext cx="899755" cy="176402"/>
-          </a:xfrm>
-          <a:prstGeom prst="bentConnector2">
-            <a:avLst/>
-          </a:prstGeom>
-          <a:ln w="19050">
-            <a:solidFill>
+              <a:headEnd type="none" w="med" len="med"/>
+              <a:tailEnd type="arrow" w="med" len="med"/>
+            </a:ln>
+            <a:effectLst/>
+          </p:spPr>
+          <p:style>
+            <a:lnRef idx="1">
+              <a:schemeClr val="accent2"/>
+            </a:lnRef>
+            <a:fillRef idx="2">
+              <a:schemeClr val="accent2"/>
+            </a:fillRef>
+            <a:effectRef idx="1">
+              <a:schemeClr val="accent2"/>
+            </a:effectRef>
+            <a:fontRef idx="minor">
+              <a:schemeClr val="dk1"/>
+            </a:fontRef>
+          </p:style>
+        </p:cxnSp>
+        <p:cxnSp>
+          <p:nvCxnSpPr>
+            <p:cNvPr id="47" name="Elbow Connector 63"/>
+            <p:cNvCxnSpPr>
+              <a:stCxn id="39" idx="2"/>
+              <a:endCxn id="36" idx="1"/>
+            </p:cNvCxnSpPr>
+            <p:nvPr/>
+          </p:nvCxnSpPr>
+          <p:spPr>
+            <a:xfrm rot="16200000" flipH="1">
+              <a:off x="1883148" y="3401003"/>
+              <a:ext cx="1242356" cy="176400"/>
+            </a:xfrm>
+            <a:prstGeom prst="bentConnector2">
+              <a:avLst/>
+            </a:prstGeom>
+            <a:ln w="19050">
+              <a:solidFill>
+                <a:schemeClr val="accent3"/>
+              </a:solidFill>
+              <a:headEnd type="none" w="med" len="med"/>
+              <a:tailEnd type="arrow" w="med" len="med"/>
+            </a:ln>
+            <a:effectLst/>
+          </p:spPr>
+          <p:style>
+            <a:lnRef idx="1">
+              <a:schemeClr val="accent2"/>
+            </a:lnRef>
+            <a:fillRef idx="2">
+              <a:schemeClr val="accent2"/>
+            </a:fillRef>
+            <a:effectRef idx="1">
+              <a:schemeClr val="accent2"/>
+            </a:effectRef>
+            <a:fontRef idx="minor">
+              <a:schemeClr val="dk1"/>
+            </a:fontRef>
+          </p:style>
+        </p:cxnSp>
+        <p:cxnSp>
+          <p:nvCxnSpPr>
+            <p:cNvPr id="50" name="Elbow Connector 63"/>
+            <p:cNvCxnSpPr>
+              <a:cxnSpLocks/>
+              <a:endCxn id="35" idx="1"/>
+            </p:cNvCxnSpPr>
+            <p:nvPr/>
+          </p:nvCxnSpPr>
+          <p:spPr>
+            <a:xfrm rot="16200000" flipH="1">
+              <a:off x="1407770" y="4717111"/>
+              <a:ext cx="2206342" cy="190690"/>
+            </a:xfrm>
+            <a:prstGeom prst="bentConnector2">
+              <a:avLst/>
+            </a:prstGeom>
+            <a:ln w="19050">
+              <a:solidFill>
+                <a:schemeClr val="accent3"/>
+              </a:solidFill>
+              <a:headEnd type="none" w="med" len="med"/>
+              <a:tailEnd type="arrow" w="med" len="med"/>
+            </a:ln>
+            <a:effectLst/>
+          </p:spPr>
+          <p:style>
+            <a:lnRef idx="1">
+              <a:schemeClr val="accent2"/>
+            </a:lnRef>
+            <a:fillRef idx="2">
+              <a:schemeClr val="accent2"/>
+            </a:fillRef>
+            <a:effectRef idx="1">
+              <a:schemeClr val="accent2"/>
+            </a:effectRef>
+            <a:fontRef idx="minor">
+              <a:schemeClr val="dk1"/>
+            </a:fontRef>
+          </p:style>
+        </p:cxnSp>
+        <p:cxnSp>
+          <p:nvCxnSpPr>
+            <p:cNvPr id="53" name="Elbow Connector 63"/>
+            <p:cNvCxnSpPr>
+              <a:cxnSpLocks/>
+              <a:endCxn id="38" idx="1"/>
+            </p:cNvCxnSpPr>
+            <p:nvPr/>
+          </p:nvCxnSpPr>
+          <p:spPr>
+            <a:xfrm rot="16200000" flipH="1">
+              <a:off x="732100" y="4301712"/>
+              <a:ext cx="3365305" cy="412705"/>
+            </a:xfrm>
+            <a:prstGeom prst="bentConnector2">
+              <a:avLst/>
+            </a:prstGeom>
+            <a:ln w="19050">
+              <a:solidFill>
+                <a:schemeClr val="accent3"/>
+              </a:solidFill>
+              <a:headEnd type="none" w="med" len="med"/>
+              <a:tailEnd type="arrow" w="med" len="med"/>
+            </a:ln>
+            <a:effectLst/>
+          </p:spPr>
+          <p:style>
+            <a:lnRef idx="1">
+              <a:schemeClr val="accent2"/>
+            </a:lnRef>
+            <a:fillRef idx="2">
+              <a:schemeClr val="accent2"/>
+            </a:fillRef>
+            <a:effectRef idx="1">
+              <a:schemeClr val="accent2"/>
+            </a:effectRef>
+            <a:fontRef idx="minor">
+              <a:schemeClr val="dk1"/>
+            </a:fontRef>
+          </p:style>
+        </p:cxnSp>
+        <p:sp>
+          <p:nvSpPr>
+            <p:cNvPr id="73" name="Rectangle 62"/>
+            <p:cNvSpPr/>
+            <p:nvPr/>
+          </p:nvSpPr>
+          <p:spPr>
+            <a:xfrm>
+              <a:off x="5143948" y="1770924"/>
+              <a:ext cx="772043" cy="346760"/>
+            </a:xfrm>
+            <a:prstGeom prst="rect">
+              <a:avLst/>
+            </a:prstGeom>
+            <a:ln w="6350">
+              <a:solidFill>
+                <a:schemeClr val="accent3"/>
+              </a:solidFill>
+            </a:ln>
+            <a:effectLst/>
+          </p:spPr>
+          <p:style>
+            <a:lnRef idx="1">
               <a:schemeClr val="accent3"/>
-            </a:solidFill>
-            <a:headEnd type="none" w="med" len="med"/>
-            <a:tailEnd type="arrow" w="med" len="med"/>
-          </a:ln>
-          <a:effectLst/>
-        </p:spPr>
-        <p:style>
-          <a:lnRef idx="1">
-            <a:schemeClr val="accent2"/>
-          </a:lnRef>
-          <a:fillRef idx="2">
-            <a:schemeClr val="accent2"/>
-          </a:fillRef>
-          <a:effectRef idx="1">
-            <a:schemeClr val="accent2"/>
-          </a:effectRef>
-          <a:fontRef idx="minor">
-            <a:schemeClr val="dk1"/>
-          </a:fontRef>
-        </p:style>
-      </p:cxnSp>
-      <p:cxnSp>
-        <p:nvCxnSpPr>
-          <p:cNvPr id="47" name="Elbow Connector 63"/>
-          <p:cNvCxnSpPr>
-            <a:stCxn id="39" idx="2"/>
-            <a:endCxn id="36" idx="1"/>
-          </p:cNvCxnSpPr>
-          <p:nvPr/>
-        </p:nvCxnSpPr>
-        <p:spPr>
-          <a:xfrm rot="16200000" flipH="1">
-            <a:off x="1883148" y="3401003"/>
-            <a:ext cx="1242356" cy="176400"/>
-          </a:xfrm>
-          <a:prstGeom prst="bentConnector2">
-            <a:avLst/>
-          </a:prstGeom>
-          <a:ln w="19050">
-            <a:solidFill>
+            </a:lnRef>
+            <a:fillRef idx="2">
               <a:schemeClr val="accent3"/>
-            </a:solidFill>
-            <a:headEnd type="none" w="med" len="med"/>
-            <a:tailEnd type="arrow" w="med" len="med"/>
-          </a:ln>
-          <a:effectLst/>
-        </p:spPr>
-        <p:style>
-          <a:lnRef idx="1">
-            <a:schemeClr val="accent2"/>
-          </a:lnRef>
-          <a:fillRef idx="2">
-            <a:schemeClr val="accent2"/>
-          </a:fillRef>
-          <a:effectRef idx="1">
-            <a:schemeClr val="accent2"/>
-          </a:effectRef>
-          <a:fontRef idx="minor">
-            <a:schemeClr val="dk1"/>
-          </a:fontRef>
-        </p:style>
-      </p:cxnSp>
-      <p:cxnSp>
-        <p:nvCxnSpPr>
-          <p:cNvPr id="50" name="Elbow Connector 63"/>
-          <p:cNvCxnSpPr>
-            <a:stCxn id="39" idx="2"/>
-            <a:endCxn id="35" idx="1"/>
-          </p:cNvCxnSpPr>
-          <p:nvPr/>
-        </p:nvCxnSpPr>
-        <p:spPr>
-          <a:xfrm rot="16200000" flipH="1">
-            <a:off x="1597249" y="3686901"/>
-            <a:ext cx="1814155" cy="176401"/>
-          </a:xfrm>
-          <a:prstGeom prst="bentConnector2">
-            <a:avLst/>
-          </a:prstGeom>
-          <a:ln w="19050">
-            <a:solidFill>
+            </a:fillRef>
+            <a:effectRef idx="1">
               <a:schemeClr val="accent3"/>
-            </a:solidFill>
-            <a:headEnd type="none" w="med" len="med"/>
-            <a:tailEnd type="arrow" w="med" len="med"/>
-          </a:ln>
-          <a:effectLst/>
-        </p:spPr>
-        <p:style>
-          <a:lnRef idx="1">
-            <a:schemeClr val="accent2"/>
-          </a:lnRef>
-          <a:fillRef idx="2">
-            <a:schemeClr val="accent2"/>
-          </a:fillRef>
-          <a:effectRef idx="1">
-            <a:schemeClr val="accent2"/>
-          </a:effectRef>
-          <a:fontRef idx="minor">
-            <a:schemeClr val="dk1"/>
-          </a:fontRef>
-        </p:style>
-      </p:cxnSp>
-      <p:cxnSp>
-        <p:nvCxnSpPr>
-          <p:cNvPr id="53" name="Elbow Connector 63"/>
-          <p:cNvCxnSpPr>
-            <a:endCxn id="38" idx="1"/>
-          </p:cNvCxnSpPr>
-          <p:nvPr/>
-        </p:nvCxnSpPr>
-        <p:spPr>
-          <a:xfrm rot="16200000" flipH="1">
-            <a:off x="1184119" y="3676012"/>
-            <a:ext cx="2396440" cy="420377"/>
-          </a:xfrm>
-          <a:prstGeom prst="bentConnector2">
-            <a:avLst/>
-          </a:prstGeom>
-          <a:ln w="19050">
-            <a:solidFill>
-              <a:schemeClr val="accent3"/>
-            </a:solidFill>
-            <a:headEnd type="none" w="med" len="med"/>
-            <a:tailEnd type="arrow" w="med" len="med"/>
-          </a:ln>
-          <a:effectLst/>
-        </p:spPr>
-        <p:style>
-          <a:lnRef idx="1">
-            <a:schemeClr val="accent2"/>
-          </a:lnRef>
-          <a:fillRef idx="2">
-            <a:schemeClr val="accent2"/>
-          </a:fillRef>
-          <a:effectRef idx="1">
-            <a:schemeClr val="accent2"/>
-          </a:effectRef>
-          <a:fontRef idx="minor">
-            <a:schemeClr val="dk1"/>
-          </a:fontRef>
-        </p:style>
-      </p:cxnSp>
-      <p:sp>
-        <p:nvSpPr>
-          <p:cNvPr id="73" name="Rectangle 62"/>
-          <p:cNvSpPr/>
-          <p:nvPr/>
-        </p:nvSpPr>
-        <p:spPr>
-          <a:xfrm>
-            <a:off x="5143948" y="1770924"/>
-            <a:ext cx="772043" cy="346760"/>
-          </a:xfrm>
-          <a:prstGeom prst="rect">
-            <a:avLst/>
-          </a:prstGeom>
-          <a:ln w="6350">
-            <a:solidFill>
-              <a:schemeClr val="accent3"/>
-            </a:solidFill>
-          </a:ln>
-          <a:effectLst/>
-        </p:spPr>
-        <p:style>
-          <a:lnRef idx="1">
-            <a:schemeClr val="accent3"/>
-          </a:lnRef>
-          <a:fillRef idx="2">
-            <a:schemeClr val="accent3"/>
-          </a:fillRef>
-          <a:effectRef idx="1">
-            <a:schemeClr val="accent3"/>
-          </a:effectRef>
-          <a:fontRef idx="minor">
-            <a:schemeClr val="dk1"/>
-          </a:fontRef>
-        </p:style>
-        <p:txBody>
-          <a:bodyPr rtlCol="0" anchor="ctr"/>
-          <a:lstStyle/>
-          <a:p>
-            <a:pPr algn="ctr"/>
-            <a:r>
-              <a:rPr lang="en-US" sz="1050" b="1" dirty="0">
+            </a:effectRef>
+            <a:fontRef idx="minor">
+              <a:schemeClr val="dk1"/>
+            </a:fontRef>
+          </p:style>
+          <p:txBody>
+            <a:bodyPr rtlCol="0" anchor="ctr"/>
+            <a:lstStyle/>
+            <a:p>
+              <a:pPr algn="ctr"/>
+              <a:r>
+                <a:rPr lang="en-US" sz="1050" b="1" dirty="0">
+                  <a:solidFill>
+                    <a:schemeClr val="accent3">
+                      <a:lumMod val="75000"/>
+                    </a:schemeClr>
+                  </a:solidFill>
+                </a:rPr>
+                <a:t>{abstract}</a:t>
+              </a:r>
+              <a:br>
+                <a:rPr lang="en-US" sz="1050" b="1" dirty="0">
+                  <a:solidFill>
+                    <a:schemeClr val="accent3">
+                      <a:lumMod val="75000"/>
+                    </a:schemeClr>
+                  </a:solidFill>
+                </a:rPr>
+              </a:br>
+              <a:r>
+                <a:rPr lang="en-US" sz="1050" b="1" dirty="0" err="1">
+                  <a:solidFill>
+                    <a:schemeClr val="accent3">
+                      <a:lumMod val="75000"/>
+                    </a:schemeClr>
+                  </a:solidFill>
+                </a:rPr>
+                <a:t>UiPart</a:t>
+              </a:r>
+              <a:endParaRPr lang="en-SG" sz="1050" b="1" dirty="0">
                 <a:solidFill>
                   <a:schemeClr val="accent3">
                     <a:lumMod val="75000"/>
                   </a:schemeClr>
                 </a:solidFill>
-              </a:rPr>
-              <a:t>{abstract}</a:t>
-            </a:r>
-            <a:br>
-              <a:rPr lang="en-US" sz="1050" b="1" dirty="0">
+              </a:endParaRPr>
+            </a:p>
+          </p:txBody>
+        </p:sp>
+        <p:cxnSp>
+          <p:nvCxnSpPr>
+            <p:cNvPr id="74" name="Elbow Connector 63"/>
+            <p:cNvCxnSpPr>
+              <a:stCxn id="43" idx="3"/>
+              <a:endCxn id="16" idx="3"/>
+            </p:cNvCxnSpPr>
+            <p:nvPr/>
+          </p:nvCxnSpPr>
+          <p:spPr>
+            <a:xfrm flipV="1">
+              <a:off x="3686160" y="2286000"/>
+              <a:ext cx="1843809" cy="1136729"/>
+            </a:xfrm>
+            <a:prstGeom prst="bentConnector2">
+              <a:avLst/>
+            </a:prstGeom>
+            <a:ln w="6350">
+              <a:solidFill>
+                <a:schemeClr val="accent3"/>
+              </a:solidFill>
+              <a:headEnd type="none" w="med" len="med"/>
+              <a:tailEnd type="none" w="med" len="med"/>
+            </a:ln>
+            <a:effectLst/>
+          </p:spPr>
+          <p:style>
+            <a:lnRef idx="1">
+              <a:schemeClr val="accent2"/>
+            </a:lnRef>
+            <a:fillRef idx="2">
+              <a:schemeClr val="accent2"/>
+            </a:fillRef>
+            <a:effectRef idx="1">
+              <a:schemeClr val="accent2"/>
+            </a:effectRef>
+            <a:fontRef idx="minor">
+              <a:schemeClr val="dk1"/>
+            </a:fontRef>
+          </p:style>
+        </p:cxnSp>
+        <p:cxnSp>
+          <p:nvCxnSpPr>
+            <p:cNvPr id="77" name="Elbow Connector 63"/>
+            <p:cNvCxnSpPr>
+              <a:stCxn id="16" idx="3"/>
+              <a:endCxn id="37" idx="3"/>
+            </p:cNvCxnSpPr>
+            <p:nvPr/>
+          </p:nvCxnSpPr>
+          <p:spPr>
+            <a:xfrm rot="5400000">
+              <a:off x="4174488" y="2991741"/>
+              <a:ext cx="2061222" cy="649740"/>
+            </a:xfrm>
+            <a:prstGeom prst="bentConnector2">
+              <a:avLst/>
+            </a:prstGeom>
+            <a:ln w="6350">
+              <a:solidFill>
+                <a:schemeClr val="accent3"/>
+              </a:solidFill>
+              <a:headEnd type="none" w="med" len="med"/>
+              <a:tailEnd type="none" w="med" len="med"/>
+            </a:ln>
+            <a:effectLst/>
+          </p:spPr>
+          <p:style>
+            <a:lnRef idx="1">
+              <a:schemeClr val="accent2"/>
+            </a:lnRef>
+            <a:fillRef idx="2">
+              <a:schemeClr val="accent2"/>
+            </a:fillRef>
+            <a:effectRef idx="1">
+              <a:schemeClr val="accent2"/>
+            </a:effectRef>
+            <a:fontRef idx="minor">
+              <a:schemeClr val="dk1"/>
+            </a:fontRef>
+          </p:style>
+        </p:cxnSp>
+        <p:cxnSp>
+          <p:nvCxnSpPr>
+            <p:cNvPr id="82" name="Elbow Connector 63"/>
+            <p:cNvCxnSpPr>
+              <a:stCxn id="16" idx="3"/>
+              <a:endCxn id="34" idx="3"/>
+            </p:cNvCxnSpPr>
+            <p:nvPr/>
+          </p:nvCxnSpPr>
+          <p:spPr>
+            <a:xfrm rot="5400000">
+              <a:off x="3867176" y="2104987"/>
+              <a:ext cx="1481780" cy="1843806"/>
+            </a:xfrm>
+            <a:prstGeom prst="bentConnector2">
+              <a:avLst/>
+            </a:prstGeom>
+            <a:ln w="6350">
+              <a:solidFill>
+                <a:schemeClr val="accent3"/>
+              </a:solidFill>
+              <a:headEnd type="none" w="med" len="med"/>
+              <a:tailEnd type="none" w="med" len="med"/>
+            </a:ln>
+            <a:effectLst/>
+          </p:spPr>
+          <p:style>
+            <a:lnRef idx="1">
+              <a:schemeClr val="accent2"/>
+            </a:lnRef>
+            <a:fillRef idx="2">
+              <a:schemeClr val="accent2"/>
+            </a:fillRef>
+            <a:effectRef idx="1">
+              <a:schemeClr val="accent2"/>
+            </a:effectRef>
+            <a:fontRef idx="minor">
+              <a:schemeClr val="dk1"/>
+            </a:fontRef>
+          </p:style>
+        </p:cxnSp>
+        <p:cxnSp>
+          <p:nvCxnSpPr>
+            <p:cNvPr id="88" name="Elbow Connector 63"/>
+            <p:cNvCxnSpPr>
+              <a:stCxn id="2" idx="3"/>
+              <a:endCxn id="16" idx="3"/>
+            </p:cNvCxnSpPr>
+            <p:nvPr/>
+          </p:nvCxnSpPr>
+          <p:spPr>
+            <a:xfrm flipV="1">
+              <a:off x="3189583" y="2286000"/>
+              <a:ext cx="2340386" cy="228600"/>
+            </a:xfrm>
+            <a:prstGeom prst="bentConnector2">
+              <a:avLst/>
+            </a:prstGeom>
+            <a:ln w="6350">
+              <a:solidFill>
+                <a:schemeClr val="accent3"/>
+              </a:solidFill>
+              <a:headEnd type="none" w="med" len="med"/>
+              <a:tailEnd type="none" w="med" len="med"/>
+            </a:ln>
+            <a:effectLst/>
+          </p:spPr>
+          <p:style>
+            <a:lnRef idx="1">
+              <a:schemeClr val="accent2"/>
+            </a:lnRef>
+            <a:fillRef idx="2">
+              <a:schemeClr val="accent2"/>
+            </a:fillRef>
+            <a:effectRef idx="1">
+              <a:schemeClr val="accent2"/>
+            </a:effectRef>
+            <a:fontRef idx="minor">
+              <a:schemeClr val="dk1"/>
+            </a:fontRef>
+          </p:style>
+        </p:cxnSp>
+        <p:cxnSp>
+          <p:nvCxnSpPr>
+            <p:cNvPr id="91" name="Elbow Connector 63"/>
+            <p:cNvCxnSpPr>
+              <a:cxnSpLocks/>
+              <a:endCxn id="35" idx="3"/>
+            </p:cNvCxnSpPr>
+            <p:nvPr/>
+          </p:nvCxnSpPr>
+          <p:spPr>
+            <a:xfrm rot="5400000">
+              <a:off x="3220497" y="3606684"/>
+              <a:ext cx="2788367" cy="1829518"/>
+            </a:xfrm>
+            <a:prstGeom prst="bentConnector2">
+              <a:avLst/>
+            </a:prstGeom>
+            <a:ln w="6350">
+              <a:solidFill>
+                <a:schemeClr val="accent3"/>
+              </a:solidFill>
+              <a:headEnd type="none" w="med" len="med"/>
+              <a:tailEnd type="none" w="med" len="med"/>
+            </a:ln>
+            <a:effectLst/>
+          </p:spPr>
+          <p:style>
+            <a:lnRef idx="1">
+              <a:schemeClr val="accent2"/>
+            </a:lnRef>
+            <a:fillRef idx="2">
+              <a:schemeClr val="accent2"/>
+            </a:fillRef>
+            <a:effectRef idx="1">
+              <a:schemeClr val="accent2"/>
+            </a:effectRef>
+            <a:fontRef idx="minor">
+              <a:schemeClr val="dk1"/>
+            </a:fontRef>
+          </p:style>
+        </p:cxnSp>
+        <p:cxnSp>
+          <p:nvCxnSpPr>
+            <p:cNvPr id="94" name="Elbow Connector 63"/>
+            <p:cNvCxnSpPr>
+              <a:cxnSpLocks/>
+              <a:endCxn id="38" idx="3"/>
+            </p:cNvCxnSpPr>
+            <p:nvPr/>
+          </p:nvCxnSpPr>
+          <p:spPr>
+            <a:xfrm rot="5400000">
+              <a:off x="3035936" y="3696685"/>
+              <a:ext cx="3172837" cy="1815228"/>
+            </a:xfrm>
+            <a:prstGeom prst="bentConnector2">
+              <a:avLst/>
+            </a:prstGeom>
+            <a:ln w="6350">
+              <a:solidFill>
+                <a:schemeClr val="accent3"/>
+              </a:solidFill>
+              <a:headEnd type="none" w="med" len="med"/>
+              <a:tailEnd type="none" w="med" len="med"/>
+            </a:ln>
+            <a:effectLst/>
+          </p:spPr>
+          <p:style>
+            <a:lnRef idx="1">
+              <a:schemeClr val="accent2"/>
+            </a:lnRef>
+            <a:fillRef idx="2">
+              <a:schemeClr val="accent2"/>
+            </a:fillRef>
+            <a:effectRef idx="1">
+              <a:schemeClr val="accent2"/>
+            </a:effectRef>
+            <a:fontRef idx="minor">
+              <a:schemeClr val="dk1"/>
+            </a:fontRef>
+          </p:style>
+        </p:cxnSp>
+        <p:cxnSp>
+          <p:nvCxnSpPr>
+            <p:cNvPr id="107" name="Elbow Connector 106"/>
+            <p:cNvCxnSpPr>
+              <a:stCxn id="9" idx="0"/>
+            </p:cNvCxnSpPr>
+            <p:nvPr/>
+          </p:nvCxnSpPr>
+          <p:spPr>
+            <a:xfrm rot="5400000" flipH="1" flipV="1">
+              <a:off x="4594921" y="-355061"/>
+              <a:ext cx="170724" cy="4081246"/>
+            </a:xfrm>
+            <a:prstGeom prst="bentConnector2">
+              <a:avLst/>
+            </a:prstGeom>
+            <a:ln w="19050">
+              <a:solidFill>
+                <a:srgbClr val="00B050"/>
+              </a:solidFill>
+              <a:prstDash val="solid"/>
+              <a:headEnd type="none" w="med" len="med"/>
+              <a:tailEnd type="arrow" w="med" len="med"/>
+            </a:ln>
+            <a:effectLst/>
+          </p:spPr>
+          <p:style>
+            <a:lnRef idx="1">
+              <a:schemeClr val="accent2"/>
+            </a:lnRef>
+            <a:fillRef idx="2">
+              <a:schemeClr val="accent2"/>
+            </a:fillRef>
+            <a:effectRef idx="1">
+              <a:schemeClr val="accent2"/>
+            </a:effectRef>
+            <a:fontRef idx="minor">
+              <a:schemeClr val="dk1"/>
+            </a:fontRef>
+          </p:style>
+        </p:cxnSp>
+        <p:sp>
+          <p:nvSpPr>
+            <p:cNvPr id="117" name="Rectangle 65"/>
+            <p:cNvSpPr/>
+            <p:nvPr/>
+          </p:nvSpPr>
+          <p:spPr>
+            <a:xfrm rot="16200000">
+              <a:off x="5909217" y="4864897"/>
+              <a:ext cx="1980643" cy="328045"/>
+            </a:xfrm>
+            <a:prstGeom prst="roundRect">
+              <a:avLst/>
+            </a:prstGeom>
+            <a:solidFill>
+              <a:schemeClr val="accent4">
+                <a:lumMod val="20000"/>
+                <a:lumOff val="80000"/>
+              </a:schemeClr>
+            </a:solidFill>
+            <a:ln w="19050">
+              <a:noFill/>
+            </a:ln>
+            <a:effectLst/>
+          </p:spPr>
+          <p:style>
+            <a:lnRef idx="1">
+              <a:schemeClr val="accent2"/>
+            </a:lnRef>
+            <a:fillRef idx="2">
+              <a:schemeClr val="accent2"/>
+            </a:fillRef>
+            <a:effectRef idx="1">
+              <a:schemeClr val="accent2"/>
+            </a:effectRef>
+            <a:fontRef idx="minor">
+              <a:schemeClr val="dk1"/>
+            </a:fontRef>
+          </p:style>
+          <p:txBody>
+            <a:bodyPr rtlCol="0" anchor="ctr"/>
+            <a:lstStyle/>
+            <a:p>
+              <a:pPr algn="ctr"/>
+              <a:r>
+                <a:rPr lang="en-US" sz="1100" b="1" dirty="0">
+                  <a:solidFill>
+                    <a:schemeClr val="bg1"/>
+                  </a:solidFill>
+                </a:rPr>
+                <a:t>Model</a:t>
+              </a:r>
+              <a:endParaRPr lang="en-SG" sz="1100" b="1" dirty="0">
+                <a:solidFill>
+                  <a:schemeClr val="bg1"/>
+                </a:solidFill>
+              </a:endParaRPr>
+            </a:p>
+          </p:txBody>
+        </p:sp>
+        <p:sp>
+          <p:nvSpPr>
+            <p:cNvPr id="119" name="Rectangle 62"/>
+            <p:cNvSpPr/>
+            <p:nvPr/>
+          </p:nvSpPr>
+          <p:spPr>
+            <a:xfrm rot="16200000">
+              <a:off x="956202" y="2861202"/>
+              <a:ext cx="1093635" cy="346760"/>
+            </a:xfrm>
+            <a:prstGeom prst="rect">
+              <a:avLst/>
+            </a:prstGeom>
+            <a:solidFill>
+              <a:srgbClr val="00B050"/>
+            </a:solidFill>
+            <a:ln w="19050">
+              <a:solidFill>
+                <a:srgbClr val="00B050"/>
+              </a:solidFill>
+            </a:ln>
+            <a:effectLst/>
+          </p:spPr>
+          <p:style>
+            <a:lnRef idx="1">
+              <a:schemeClr val="accent2"/>
+            </a:lnRef>
+            <a:fillRef idx="2">
+              <a:schemeClr val="accent2"/>
+            </a:fillRef>
+            <a:effectRef idx="1">
+              <a:schemeClr val="accent2"/>
+            </a:effectRef>
+            <a:fontRef idx="minor">
+              <a:schemeClr val="dk1"/>
+            </a:fontRef>
+          </p:style>
+          <p:txBody>
+            <a:bodyPr rtlCol="0" anchor="ctr"/>
+            <a:lstStyle/>
+            <a:p>
+              <a:pPr algn="ctr"/>
+              <a:r>
+                <a:rPr lang="en-US" sz="1050" dirty="0">
+                  <a:solidFill>
+                    <a:schemeClr val="bg1"/>
+                  </a:solidFill>
+                </a:rPr>
+                <a:t>&lt;&lt;interface&gt;&gt;</a:t>
+              </a:r>
+            </a:p>
+            <a:p>
+              <a:pPr algn="ctr"/>
+              <a:r>
+                <a:rPr lang="en-US" sz="1050" dirty="0" err="1">
+                  <a:solidFill>
+                    <a:schemeClr val="bg1"/>
+                  </a:solidFill>
+                </a:rPr>
+                <a:t>Ui</a:t>
+              </a:r>
+              <a:endParaRPr lang="en-SG" sz="1050" dirty="0">
+                <a:solidFill>
+                  <a:schemeClr val="bg1"/>
+                </a:solidFill>
+              </a:endParaRPr>
+            </a:p>
+          </p:txBody>
+        </p:sp>
+        <p:sp>
+          <p:nvSpPr>
+            <p:cNvPr id="120" name="Isosceles Triangle 102"/>
+            <p:cNvSpPr/>
+            <p:nvPr/>
+          </p:nvSpPr>
+          <p:spPr>
+            <a:xfrm flipV="1">
+              <a:off x="1367767" y="2286001"/>
+              <a:ext cx="270504" cy="175523"/>
+            </a:xfrm>
+            <a:prstGeom prst="triangle">
+              <a:avLst/>
+            </a:prstGeom>
+            <a:ln w="19050">
+              <a:solidFill>
+                <a:srgbClr val="00B050"/>
+              </a:solidFill>
+            </a:ln>
+            <a:effectLst/>
+          </p:spPr>
+          <p:style>
+            <a:lnRef idx="1">
+              <a:schemeClr val="accent3"/>
+            </a:lnRef>
+            <a:fillRef idx="2">
+              <a:schemeClr val="accent3"/>
+            </a:fillRef>
+            <a:effectRef idx="1">
+              <a:schemeClr val="accent3"/>
+            </a:effectRef>
+            <a:fontRef idx="minor">
+              <a:schemeClr val="dk1"/>
+            </a:fontRef>
+          </p:style>
+          <p:txBody>
+            <a:bodyPr rtlCol="0" anchor="ctr"/>
+            <a:lstStyle/>
+            <a:p>
+              <a:pPr algn="ctr"/>
+              <a:endParaRPr lang="en-SG" sz="1050" b="1">
+                <a:solidFill>
+                  <a:srgbClr val="92D050"/>
+                </a:solidFill>
+              </a:endParaRPr>
+            </a:p>
+          </p:txBody>
+        </p:sp>
+        <p:cxnSp>
+          <p:nvCxnSpPr>
+            <p:cNvPr id="121" name="Elbow Connector 63"/>
+            <p:cNvCxnSpPr>
+              <a:stCxn id="9" idx="1"/>
+              <a:endCxn id="120" idx="3"/>
+            </p:cNvCxnSpPr>
+            <p:nvPr/>
+          </p:nvCxnSpPr>
+          <p:spPr>
+            <a:xfrm rot="10800000" flipV="1">
+              <a:off x="1503020" y="1944303"/>
+              <a:ext cx="589823" cy="341697"/>
+            </a:xfrm>
+            <a:prstGeom prst="bentConnector2">
+              <a:avLst/>
+            </a:prstGeom>
+            <a:ln w="19050">
+              <a:solidFill>
+                <a:srgbClr val="00B050"/>
+              </a:solidFill>
+              <a:prstDash val="sysDot"/>
+              <a:headEnd type="none" w="med" len="med"/>
+              <a:tailEnd type="none" w="med" len="med"/>
+            </a:ln>
+            <a:effectLst/>
+          </p:spPr>
+          <p:style>
+            <a:lnRef idx="1">
+              <a:schemeClr val="accent2"/>
+            </a:lnRef>
+            <a:fillRef idx="2">
+              <a:schemeClr val="accent2"/>
+            </a:fillRef>
+            <a:effectRef idx="1">
+              <a:schemeClr val="accent2"/>
+            </a:effectRef>
+            <a:fontRef idx="minor">
+              <a:schemeClr val="dk1"/>
+            </a:fontRef>
+          </p:style>
+        </p:cxnSp>
+        <p:cxnSp>
+          <p:nvCxnSpPr>
+            <p:cNvPr id="131" name="Elbow Connector 130"/>
+            <p:cNvCxnSpPr>
+              <a:stCxn id="39" idx="2"/>
+              <a:endCxn id="43" idx="1"/>
+            </p:cNvCxnSpPr>
+            <p:nvPr/>
+          </p:nvCxnSpPr>
+          <p:spPr>
+            <a:xfrm rot="16200000" flipH="1">
+              <a:off x="2226110" y="3058040"/>
+              <a:ext cx="554704" cy="174673"/>
+            </a:xfrm>
+            <a:prstGeom prst="bentConnector2">
+              <a:avLst/>
+            </a:prstGeom>
+            <a:ln w="19050">
+              <a:solidFill>
+                <a:schemeClr val="accent3"/>
+              </a:solidFill>
+              <a:headEnd type="none" w="med" len="med"/>
+              <a:tailEnd type="arrow" w="med" len="med"/>
+            </a:ln>
+            <a:effectLst/>
+          </p:spPr>
+          <p:style>
+            <a:lnRef idx="1">
+              <a:schemeClr val="accent2"/>
+            </a:lnRef>
+            <a:fillRef idx="2">
+              <a:schemeClr val="accent2"/>
+            </a:fillRef>
+            <a:effectRef idx="1">
+              <a:schemeClr val="accent2"/>
+            </a:effectRef>
+            <a:fontRef idx="minor">
+              <a:schemeClr val="dk1"/>
+            </a:fontRef>
+          </p:style>
+        </p:cxnSp>
+        <p:cxnSp>
+          <p:nvCxnSpPr>
+            <p:cNvPr id="132" name="Elbow Connector 63"/>
+            <p:cNvCxnSpPr>
+              <a:stCxn id="16" idx="3"/>
+              <a:endCxn id="3" idx="3"/>
+            </p:cNvCxnSpPr>
+            <p:nvPr/>
+          </p:nvCxnSpPr>
+          <p:spPr>
+            <a:xfrm rot="5400000">
+              <a:off x="4205956" y="1766207"/>
+              <a:ext cx="804221" cy="1843806"/>
+            </a:xfrm>
+            <a:prstGeom prst="bentConnector2">
+              <a:avLst/>
+            </a:prstGeom>
+            <a:ln w="6350">
+              <a:solidFill>
+                <a:schemeClr val="accent3"/>
+              </a:solidFill>
+              <a:headEnd type="none" w="med" len="med"/>
+              <a:tailEnd type="none" w="med" len="med"/>
+            </a:ln>
+            <a:effectLst/>
+          </p:spPr>
+          <p:style>
+            <a:lnRef idx="1">
+              <a:schemeClr val="accent2"/>
+            </a:lnRef>
+            <a:fillRef idx="2">
+              <a:schemeClr val="accent2"/>
+            </a:fillRef>
+            <a:effectRef idx="1">
+              <a:schemeClr val="accent2"/>
+            </a:effectRef>
+            <a:fontRef idx="minor">
+              <a:schemeClr val="dk1"/>
+            </a:fontRef>
+          </p:style>
+        </p:cxnSp>
+        <p:cxnSp>
+          <p:nvCxnSpPr>
+            <p:cNvPr id="137" name="Elbow Connector 136"/>
+            <p:cNvCxnSpPr>
+              <a:stCxn id="36" idx="2"/>
+              <a:endCxn id="37" idx="1"/>
+            </p:cNvCxnSpPr>
+            <p:nvPr/>
+          </p:nvCxnSpPr>
+          <p:spPr>
+            <a:xfrm rot="16200000" flipH="1">
+              <a:off x="3430123" y="3938021"/>
+              <a:ext cx="118421" cy="699979"/>
+            </a:xfrm>
+            <a:prstGeom prst="bentConnector2">
+              <a:avLst/>
+            </a:prstGeom>
+            <a:ln w="19050">
+              <a:solidFill>
+                <a:schemeClr val="accent3"/>
+              </a:solidFill>
+              <a:headEnd type="none" w="med" len="med"/>
+              <a:tailEnd type="arrow" w="med" len="med"/>
+            </a:ln>
+            <a:effectLst/>
+          </p:spPr>
+          <p:style>
+            <a:lnRef idx="1">
+              <a:schemeClr val="accent2"/>
+            </a:lnRef>
+            <a:fillRef idx="2">
+              <a:schemeClr val="accent2"/>
+            </a:fillRef>
+            <a:effectRef idx="1">
+              <a:schemeClr val="accent2"/>
+            </a:effectRef>
+            <a:fontRef idx="minor">
+              <a:schemeClr val="dk1"/>
+            </a:fontRef>
+          </p:style>
+        </p:cxnSp>
+        <p:cxnSp>
+          <p:nvCxnSpPr>
+            <p:cNvPr id="140" name="Elbow Connector 63"/>
+            <p:cNvCxnSpPr>
+              <a:stCxn id="16" idx="3"/>
+              <a:endCxn id="36" idx="3"/>
+            </p:cNvCxnSpPr>
+            <p:nvPr/>
+          </p:nvCxnSpPr>
+          <p:spPr>
+            <a:xfrm rot="5400000">
+              <a:off x="3695875" y="2276286"/>
+              <a:ext cx="1824381" cy="1843808"/>
+            </a:xfrm>
+            <a:prstGeom prst="bentConnector2">
+              <a:avLst/>
+            </a:prstGeom>
+            <a:ln w="6350">
+              <a:solidFill>
+                <a:schemeClr val="accent3"/>
+              </a:solidFill>
+              <a:headEnd type="none" w="med" len="med"/>
+              <a:tailEnd type="none" w="med" len="med"/>
+            </a:ln>
+            <a:effectLst/>
+          </p:spPr>
+          <p:style>
+            <a:lnRef idx="1">
+              <a:schemeClr val="accent2"/>
+            </a:lnRef>
+            <a:fillRef idx="2">
+              <a:schemeClr val="accent2"/>
+            </a:fillRef>
+            <a:effectRef idx="1">
+              <a:schemeClr val="accent2"/>
+            </a:effectRef>
+            <a:fontRef idx="minor">
+              <a:schemeClr val="dk1"/>
+            </a:fontRef>
+          </p:style>
+        </p:cxnSp>
+        <p:sp>
+          <p:nvSpPr>
+            <p:cNvPr id="143" name="Rectangle 142"/>
+            <p:cNvSpPr/>
+            <p:nvPr/>
+          </p:nvSpPr>
+          <p:spPr>
+            <a:xfrm>
+              <a:off x="5435896" y="2743200"/>
+              <a:ext cx="229325" cy="166560"/>
+            </a:xfrm>
+            <a:prstGeom prst="rect">
+              <a:avLst/>
+            </a:prstGeom>
+            <a:solidFill>
+              <a:schemeClr val="accent3">
+                <a:lumMod val="20000"/>
+                <a:lumOff val="80000"/>
+                <a:alpha val="80000"/>
+              </a:schemeClr>
+            </a:solidFill>
+            <a:ln>
+              <a:noFill/>
+            </a:ln>
+            <a:effectLst>
+              <a:softEdge rad="31750"/>
+            </a:effectLst>
+          </p:spPr>
+          <p:style>
+            <a:lnRef idx="2">
+              <a:schemeClr val="accent1">
+                <a:shade val="50000"/>
+              </a:schemeClr>
+            </a:lnRef>
+            <a:fillRef idx="1">
+              <a:schemeClr val="accent1"/>
+            </a:fillRef>
+            <a:effectRef idx="0">
+              <a:schemeClr val="accent1"/>
+            </a:effectRef>
+            <a:fontRef idx="minor">
+              <a:schemeClr val="lt1"/>
+            </a:fontRef>
+          </p:style>
+          <p:txBody>
+            <a:bodyPr rtlCol="0" anchor="ctr"/>
+            <a:lstStyle/>
+            <a:p>
+              <a:pPr algn="ctr"/>
+              <a:endParaRPr lang="en-SG"/>
+            </a:p>
+          </p:txBody>
+        </p:sp>
+        <p:sp>
+          <p:nvSpPr>
+            <p:cNvPr id="116" name="Freeform 115"/>
+            <p:cNvSpPr/>
+            <p:nvPr/>
+          </p:nvSpPr>
+          <p:spPr>
+            <a:xfrm>
+              <a:off x="3687515" y="2828802"/>
+              <a:ext cx="3048000" cy="203200"/>
+            </a:xfrm>
+            <a:custGeom>
+              <a:avLst/>
+              <a:gdLst>
+                <a:gd name="connsiteX0" fmla="*/ 0 w 3048000"/>
+                <a:gd name="connsiteY0" fmla="*/ 203200 h 203200"/>
+                <a:gd name="connsiteX1" fmla="*/ 221673 w 3048000"/>
+                <a:gd name="connsiteY1" fmla="*/ 0 h 203200"/>
+                <a:gd name="connsiteX2" fmla="*/ 3048000 w 3048000"/>
+                <a:gd name="connsiteY2" fmla="*/ 0 h 203200"/>
+              </a:gdLst>
+              <a:ahLst/>
+              <a:cxnLst>
+                <a:cxn ang="0">
+                  <a:pos x="connsiteX0" y="connsiteY0"/>
+                </a:cxn>
+                <a:cxn ang="0">
+                  <a:pos x="connsiteX1" y="connsiteY1"/>
+                </a:cxn>
+                <a:cxn ang="0">
+                  <a:pos x="connsiteX2" y="connsiteY2"/>
+                </a:cxn>
+              </a:cxnLst>
+              <a:rect l="l" t="t" r="r" b="b"/>
+              <a:pathLst>
+                <a:path w="3048000" h="203200">
+                  <a:moveTo>
+                    <a:pt x="0" y="203200"/>
+                  </a:moveTo>
+                  <a:lnTo>
+                    <a:pt x="221673" y="0"/>
+                  </a:lnTo>
+                  <a:lnTo>
+                    <a:pt x="3048000" y="0"/>
+                  </a:lnTo>
+                </a:path>
+              </a:pathLst>
+            </a:custGeom>
+            <a:noFill/>
+            <a:ln w="19050">
+              <a:solidFill>
+                <a:schemeClr val="accent3"/>
+              </a:solidFill>
+              <a:prstDash val="solid"/>
+              <a:headEnd type="none" w="med" len="med"/>
+              <a:tailEnd type="arrow" w="med" len="med"/>
+            </a:ln>
+            <a:effectLst/>
+          </p:spPr>
+          <p:style>
+            <a:lnRef idx="1">
+              <a:schemeClr val="accent2"/>
+            </a:lnRef>
+            <a:fillRef idx="2">
+              <a:schemeClr val="accent2"/>
+            </a:fillRef>
+            <a:effectRef idx="1">
+              <a:schemeClr val="accent2"/>
+            </a:effectRef>
+            <a:fontRef idx="minor">
+              <a:schemeClr val="dk1"/>
+            </a:fontRef>
+          </p:style>
+          <p:txBody>
+            <a:bodyPr rtlCol="0" anchor="ctr"/>
+            <a:lstStyle/>
+            <a:p>
+              <a:pPr algn="ctr"/>
+              <a:endParaRPr lang="en-SG"/>
+            </a:p>
+          </p:txBody>
+        </p:sp>
+        <p:sp>
+          <p:nvSpPr>
+            <p:cNvPr id="144" name="Rectangle 143"/>
+            <p:cNvSpPr/>
+            <p:nvPr/>
+          </p:nvSpPr>
+          <p:spPr>
+            <a:xfrm>
+              <a:off x="5431573" y="4488138"/>
+              <a:ext cx="229325" cy="160062"/>
+            </a:xfrm>
+            <a:prstGeom prst="rect">
+              <a:avLst/>
+            </a:prstGeom>
+            <a:solidFill>
+              <a:schemeClr val="accent3">
+                <a:lumMod val="20000"/>
+                <a:lumOff val="80000"/>
+                <a:alpha val="80000"/>
+              </a:schemeClr>
+            </a:solidFill>
+            <a:ln>
+              <a:noFill/>
+            </a:ln>
+            <a:effectLst>
+              <a:softEdge rad="31750"/>
+            </a:effectLst>
+          </p:spPr>
+          <p:style>
+            <a:lnRef idx="2">
+              <a:schemeClr val="accent1">
+                <a:shade val="50000"/>
+              </a:schemeClr>
+            </a:lnRef>
+            <a:fillRef idx="1">
+              <a:schemeClr val="accent1"/>
+            </a:fillRef>
+            <a:effectRef idx="0">
+              <a:schemeClr val="accent1"/>
+            </a:effectRef>
+            <a:fontRef idx="minor">
+              <a:schemeClr val="lt1"/>
+            </a:fontRef>
+          </p:style>
+          <p:txBody>
+            <a:bodyPr rtlCol="0" anchor="ctr"/>
+            <a:lstStyle/>
+            <a:p>
+              <a:pPr algn="ctr"/>
+              <a:endParaRPr lang="en-SG"/>
+            </a:p>
+          </p:txBody>
+        </p:sp>
+        <p:sp>
+          <p:nvSpPr>
+            <p:cNvPr id="118" name="Freeform 117"/>
+            <p:cNvSpPr/>
+            <p:nvPr/>
+          </p:nvSpPr>
+          <p:spPr>
+            <a:xfrm flipV="1">
+              <a:off x="4114799" y="4472708"/>
+              <a:ext cx="2642195" cy="101600"/>
+            </a:xfrm>
+            <a:custGeom>
+              <a:avLst/>
+              <a:gdLst>
+                <a:gd name="connsiteX0" fmla="*/ 0 w 3048000"/>
+                <a:gd name="connsiteY0" fmla="*/ 203200 h 203200"/>
+                <a:gd name="connsiteX1" fmla="*/ 221673 w 3048000"/>
+                <a:gd name="connsiteY1" fmla="*/ 0 h 203200"/>
+                <a:gd name="connsiteX2" fmla="*/ 3048000 w 3048000"/>
+                <a:gd name="connsiteY2" fmla="*/ 0 h 203200"/>
+              </a:gdLst>
+              <a:ahLst/>
+              <a:cxnLst>
+                <a:cxn ang="0">
+                  <a:pos x="connsiteX0" y="connsiteY0"/>
+                </a:cxn>
+                <a:cxn ang="0">
+                  <a:pos x="connsiteX1" y="connsiteY1"/>
+                </a:cxn>
+                <a:cxn ang="0">
+                  <a:pos x="connsiteX2" y="connsiteY2"/>
+                </a:cxn>
+              </a:cxnLst>
+              <a:rect l="l" t="t" r="r" b="b"/>
+              <a:pathLst>
+                <a:path w="3048000" h="203200">
+                  <a:moveTo>
+                    <a:pt x="0" y="203200"/>
+                  </a:moveTo>
+                  <a:lnTo>
+                    <a:pt x="221673" y="0"/>
+                  </a:lnTo>
+                  <a:lnTo>
+                    <a:pt x="3048000" y="0"/>
+                  </a:lnTo>
+                </a:path>
+              </a:pathLst>
+            </a:custGeom>
+            <a:noFill/>
+            <a:ln w="19050">
+              <a:solidFill>
+                <a:schemeClr val="accent3"/>
+              </a:solidFill>
+              <a:prstDash val="sysDot"/>
+              <a:headEnd type="none" w="med" len="med"/>
+              <a:tailEnd type="arrow" w="med" len="med"/>
+            </a:ln>
+            <a:effectLst/>
+          </p:spPr>
+          <p:style>
+            <a:lnRef idx="1">
+              <a:schemeClr val="accent2"/>
+            </a:lnRef>
+            <a:fillRef idx="2">
+              <a:schemeClr val="accent2"/>
+            </a:fillRef>
+            <a:effectRef idx="1">
+              <a:schemeClr val="accent2"/>
+            </a:effectRef>
+            <a:fontRef idx="minor">
+              <a:schemeClr val="dk1"/>
+            </a:fontRef>
+          </p:style>
+          <p:txBody>
+            <a:bodyPr rtlCol="0" anchor="ctr"/>
+            <a:lstStyle/>
+            <a:p>
+              <a:pPr algn="ctr"/>
+              <a:endParaRPr lang="en-SG"/>
+            </a:p>
+          </p:txBody>
+        </p:sp>
+        <p:cxnSp>
+          <p:nvCxnSpPr>
+            <p:cNvPr id="17" name="Straight Arrow Connector 16">
+              <a:extLst>
+                <a:ext uri="{FF2B5EF4-FFF2-40B4-BE49-F238E27FC236}">
+                  <a16:creationId xmlns:a16="http://schemas.microsoft.com/office/drawing/2014/main" id="{A34D76EB-4BA2-4874-9DF0-E21546CD23BD}"/>
+                </a:ext>
+              </a:extLst>
+            </p:cNvPr>
+            <p:cNvCxnSpPr>
+              <a:cxnSpLocks/>
+            </p:cNvCxnSpPr>
+            <p:nvPr/>
+          </p:nvCxnSpPr>
+          <p:spPr>
+            <a:xfrm>
+              <a:off x="2415595" y="5189003"/>
+              <a:ext cx="174674" cy="0"/>
+            </a:xfrm>
+            <a:prstGeom prst="straightConnector1">
+              <a:avLst/>
+            </a:prstGeom>
+            <a:ln w="19050" cap="flat" cmpd="sng" algn="ctr">
+              <a:solidFill>
+                <a:schemeClr val="accent3"/>
+              </a:solidFill>
+              <a:prstDash val="solid"/>
+              <a:round/>
+              <a:headEnd type="none" w="med" len="med"/>
+              <a:tailEnd type="arrow" w="med" len="med"/>
+            </a:ln>
+          </p:spPr>
+          <p:style>
+            <a:lnRef idx="0">
+              <a:scrgbClr r="0" g="0" b="0"/>
+            </a:lnRef>
+            <a:fillRef idx="0">
+              <a:scrgbClr r="0" g="0" b="0"/>
+            </a:fillRef>
+            <a:effectRef idx="0">
+              <a:scrgbClr r="0" g="0" b="0"/>
+            </a:effectRef>
+            <a:fontRef idx="minor">
+              <a:schemeClr val="tx1"/>
+            </a:fontRef>
+          </p:style>
+        </p:cxnSp>
+        <p:sp>
+          <p:nvSpPr>
+            <p:cNvPr id="60" name="Rectangle 11">
+              <a:extLst>
+                <a:ext uri="{FF2B5EF4-FFF2-40B4-BE49-F238E27FC236}">
+                  <a16:creationId xmlns:a16="http://schemas.microsoft.com/office/drawing/2014/main" id="{93D5E4E5-D81D-4A73-96E9-EA3C4CB3F1C5}"/>
+                </a:ext>
+              </a:extLst>
+            </p:cNvPr>
+            <p:cNvSpPr/>
+            <p:nvPr/>
+          </p:nvSpPr>
+          <p:spPr>
+            <a:xfrm>
+              <a:off x="2566432" y="5063420"/>
+              <a:ext cx="1093635" cy="236841"/>
+            </a:xfrm>
+            <a:prstGeom prst="rect">
+              <a:avLst/>
+            </a:prstGeom>
+            <a:ln w="19050">
+              <a:solidFill>
+                <a:schemeClr val="accent3"/>
+              </a:solidFill>
+            </a:ln>
+            <a:effectLst/>
+          </p:spPr>
+          <p:style>
+            <a:lnRef idx="1">
+              <a:schemeClr val="accent3"/>
+            </a:lnRef>
+            <a:fillRef idx="2">
+              <a:schemeClr val="accent3"/>
+            </a:fillRef>
+            <a:effectRef idx="1">
+              <a:schemeClr val="accent3"/>
+            </a:effectRef>
+            <a:fontRef idx="minor">
+              <a:schemeClr val="dk1"/>
+            </a:fontRef>
+          </p:style>
+          <p:txBody>
+            <a:bodyPr rtlCol="0" anchor="ctr"/>
+            <a:lstStyle/>
+            <a:p>
+              <a:pPr algn="ctr"/>
+              <a:r>
+                <a:rPr lang="en-US" sz="1050" b="1" dirty="0" err="1">
+                  <a:solidFill>
+                    <a:schemeClr val="accent3">
+                      <a:lumMod val="75000"/>
+                    </a:schemeClr>
+                  </a:solidFill>
+                </a:rPr>
+                <a:t>QueueListPanel</a:t>
+              </a:r>
+              <a:endParaRPr lang="en-SG" sz="1050" b="1" dirty="0">
                 <a:solidFill>
                   <a:schemeClr val="accent3">
                     <a:lumMod val="75000"/>
                   </a:schemeClr>
                 </a:solidFill>
-              </a:rPr>
-            </a:br>
-            <a:r>
-              <a:rPr lang="en-US" sz="1050" b="1" dirty="0" err="1">
+              </a:endParaRPr>
+            </a:p>
+          </p:txBody>
+        </p:sp>
+        <p:sp>
+          <p:nvSpPr>
+            <p:cNvPr id="61" name="Rectangle 11">
+              <a:extLst>
+                <a:ext uri="{FF2B5EF4-FFF2-40B4-BE49-F238E27FC236}">
+                  <a16:creationId xmlns:a16="http://schemas.microsoft.com/office/drawing/2014/main" id="{B9AB03DC-E9AB-4B31-95B9-2C54E45ADC29}"/>
+                </a:ext>
+              </a:extLst>
+            </p:cNvPr>
+            <p:cNvSpPr/>
+            <p:nvPr/>
+          </p:nvSpPr>
+          <p:spPr>
+            <a:xfrm>
+              <a:off x="3813229" y="5300261"/>
+              <a:ext cx="1040906" cy="236841"/>
+            </a:xfrm>
+            <a:prstGeom prst="rect">
+              <a:avLst/>
+            </a:prstGeom>
+            <a:ln w="19050">
+              <a:solidFill>
+                <a:schemeClr val="accent3"/>
+              </a:solidFill>
+            </a:ln>
+            <a:effectLst/>
+          </p:spPr>
+          <p:style>
+            <a:lnRef idx="1">
+              <a:schemeClr val="accent3"/>
+            </a:lnRef>
+            <a:fillRef idx="2">
+              <a:schemeClr val="accent3"/>
+            </a:fillRef>
+            <a:effectRef idx="1">
+              <a:schemeClr val="accent3"/>
+            </a:effectRef>
+            <a:fontRef idx="minor">
+              <a:schemeClr val="dk1"/>
+            </a:fontRef>
+          </p:style>
+          <p:txBody>
+            <a:bodyPr rtlCol="0" anchor="ctr"/>
+            <a:lstStyle/>
+            <a:p>
+              <a:pPr algn="ctr"/>
+              <a:r>
+                <a:rPr lang="en-US" sz="1050" b="1" dirty="0" err="1">
+                  <a:solidFill>
+                    <a:schemeClr val="accent3">
+                      <a:lumMod val="75000"/>
+                    </a:schemeClr>
+                  </a:solidFill>
+                </a:rPr>
+                <a:t>QueueCard</a:t>
+              </a:r>
+              <a:endParaRPr lang="en-SG" sz="1050" b="1" dirty="0">
                 <a:solidFill>
                   <a:schemeClr val="accent3">
                     <a:lumMod val="75000"/>
                   </a:schemeClr>
                 </a:solidFill>
-              </a:rPr>
-              <a:t>UiPart</a:t>
-            </a:r>
-            <a:endParaRPr lang="en-SG" sz="1050" b="1" dirty="0">
+              </a:endParaRPr>
+            </a:p>
+          </p:txBody>
+        </p:sp>
+        <p:cxnSp>
+          <p:nvCxnSpPr>
+            <p:cNvPr id="62" name="Elbow Connector 136">
+              <a:extLst>
+                <a:ext uri="{FF2B5EF4-FFF2-40B4-BE49-F238E27FC236}">
+                  <a16:creationId xmlns:a16="http://schemas.microsoft.com/office/drawing/2014/main" id="{77A7C037-4DD9-4DF2-8CD0-6609B017891C}"/>
+                </a:ext>
+              </a:extLst>
+            </p:cNvPr>
+            <p:cNvCxnSpPr>
+              <a:cxnSpLocks/>
+              <a:endCxn id="61" idx="1"/>
+            </p:cNvCxnSpPr>
+            <p:nvPr/>
+          </p:nvCxnSpPr>
+          <p:spPr>
+            <a:xfrm>
+              <a:off x="3022678" y="5302539"/>
+              <a:ext cx="790551" cy="116143"/>
+            </a:xfrm>
+            <a:prstGeom prst="bentConnector3">
+              <a:avLst>
+                <a:gd name="adj1" fmla="val 50000"/>
+              </a:avLst>
+            </a:prstGeom>
+            <a:ln w="19050">
               <a:solidFill>
-                <a:schemeClr val="accent3">
-                  <a:lumMod val="75000"/>
-                </a:schemeClr>
+                <a:schemeClr val="accent3"/>
               </a:solidFill>
-            </a:endParaRPr>
-          </a:p>
-        </p:txBody>
-      </p:sp>
-      <p:cxnSp>
-        <p:nvCxnSpPr>
-          <p:cNvPr id="74" name="Elbow Connector 63"/>
-          <p:cNvCxnSpPr>
-            <a:stCxn id="43" idx="3"/>
-            <a:endCxn id="16" idx="3"/>
-          </p:cNvCxnSpPr>
-          <p:nvPr/>
-        </p:nvCxnSpPr>
-        <p:spPr>
-          <a:xfrm flipV="1">
-            <a:off x="3686160" y="2286000"/>
-            <a:ext cx="1843809" cy="1136729"/>
-          </a:xfrm>
-          <a:prstGeom prst="bentConnector2">
-            <a:avLst/>
-          </a:prstGeom>
-          <a:ln w="6350">
-            <a:solidFill>
+              <a:headEnd type="none" w="med" len="med"/>
+              <a:tailEnd type="arrow" w="med" len="med"/>
+            </a:ln>
+            <a:effectLst/>
+          </p:spPr>
+          <p:style>
+            <a:lnRef idx="1">
+              <a:schemeClr val="accent2"/>
+            </a:lnRef>
+            <a:fillRef idx="2">
+              <a:schemeClr val="accent2"/>
+            </a:fillRef>
+            <a:effectRef idx="1">
+              <a:schemeClr val="accent2"/>
+            </a:effectRef>
+            <a:fontRef idx="minor">
+              <a:schemeClr val="dk1"/>
+            </a:fontRef>
+          </p:style>
+        </p:cxnSp>
+        <p:sp>
+          <p:nvSpPr>
+            <p:cNvPr id="64" name="Freeform 117">
+              <a:extLst>
+                <a:ext uri="{FF2B5EF4-FFF2-40B4-BE49-F238E27FC236}">
+                  <a16:creationId xmlns:a16="http://schemas.microsoft.com/office/drawing/2014/main" id="{8AB454C9-E153-4781-BBDF-38FC377F5613}"/>
+                </a:ext>
+              </a:extLst>
+            </p:cNvPr>
+            <p:cNvSpPr/>
+            <p:nvPr/>
+          </p:nvSpPr>
+          <p:spPr>
+            <a:xfrm flipV="1">
+              <a:off x="3615227" y="5691662"/>
+              <a:ext cx="3105679" cy="164687"/>
+            </a:xfrm>
+            <a:custGeom>
+              <a:avLst/>
+              <a:gdLst>
+                <a:gd name="connsiteX0" fmla="*/ 0 w 3048000"/>
+                <a:gd name="connsiteY0" fmla="*/ 203200 h 203200"/>
+                <a:gd name="connsiteX1" fmla="*/ 221673 w 3048000"/>
+                <a:gd name="connsiteY1" fmla="*/ 0 h 203200"/>
+                <a:gd name="connsiteX2" fmla="*/ 3048000 w 3048000"/>
+                <a:gd name="connsiteY2" fmla="*/ 0 h 203200"/>
+              </a:gdLst>
+              <a:ahLst/>
+              <a:cxnLst>
+                <a:cxn ang="0">
+                  <a:pos x="connsiteX0" y="connsiteY0"/>
+                </a:cxn>
+                <a:cxn ang="0">
+                  <a:pos x="connsiteX1" y="connsiteY1"/>
+                </a:cxn>
+                <a:cxn ang="0">
+                  <a:pos x="connsiteX2" y="connsiteY2"/>
+                </a:cxn>
+              </a:cxnLst>
+              <a:rect l="l" t="t" r="r" b="b"/>
+              <a:pathLst>
+                <a:path w="3048000" h="203200">
+                  <a:moveTo>
+                    <a:pt x="0" y="203200"/>
+                  </a:moveTo>
+                  <a:lnTo>
+                    <a:pt x="221673" y="0"/>
+                  </a:lnTo>
+                  <a:lnTo>
+                    <a:pt x="3048000" y="0"/>
+                  </a:lnTo>
+                </a:path>
+              </a:pathLst>
+            </a:custGeom>
+            <a:noFill/>
+            <a:ln w="19050">
+              <a:solidFill>
+                <a:schemeClr val="accent3"/>
+              </a:solidFill>
+              <a:prstDash val="sysDot"/>
+              <a:headEnd type="none" w="med" len="med"/>
+              <a:tailEnd type="arrow" w="med" len="med"/>
+            </a:ln>
+            <a:effectLst/>
+          </p:spPr>
+          <p:style>
+            <a:lnRef idx="1">
+              <a:schemeClr val="accent2"/>
+            </a:lnRef>
+            <a:fillRef idx="2">
+              <a:schemeClr val="accent2"/>
+            </a:fillRef>
+            <a:effectRef idx="1">
+              <a:schemeClr val="accent2"/>
+            </a:effectRef>
+            <a:fontRef idx="minor">
+              <a:schemeClr val="dk1"/>
+            </a:fontRef>
+          </p:style>
+          <p:txBody>
+            <a:bodyPr rtlCol="0" anchor="ctr"/>
+            <a:lstStyle/>
+            <a:p>
+              <a:pPr algn="ctr"/>
+              <a:endParaRPr lang="en-SG"/>
+            </a:p>
+          </p:txBody>
+        </p:sp>
+        <p:cxnSp>
+          <p:nvCxnSpPr>
+            <p:cNvPr id="28" name="Straight Connector 27">
+              <a:extLst>
+                <a:ext uri="{FF2B5EF4-FFF2-40B4-BE49-F238E27FC236}">
+                  <a16:creationId xmlns:a16="http://schemas.microsoft.com/office/drawing/2014/main" id="{A6E20C39-660B-4865-AA4D-BD6CDF2FB39F}"/>
+                </a:ext>
+              </a:extLst>
+            </p:cNvPr>
+            <p:cNvCxnSpPr>
+              <a:cxnSpLocks/>
+            </p:cNvCxnSpPr>
+            <p:nvPr/>
+          </p:nvCxnSpPr>
+          <p:spPr>
+            <a:xfrm>
+              <a:off x="3644890" y="5175841"/>
+              <a:ext cx="1868999" cy="0"/>
+            </a:xfrm>
+            <a:prstGeom prst="line">
+              <a:avLst/>
+            </a:prstGeom>
+          </p:spPr>
+          <p:style>
+            <a:lnRef idx="1">
               <a:schemeClr val="accent3"/>
-            </a:solidFill>
-            <a:headEnd type="none" w="med" len="med"/>
-            <a:tailEnd type="none" w="med" len="med"/>
-          </a:ln>
-          <a:effectLst/>
-        </p:spPr>
-        <p:style>
-          <a:lnRef idx="1">
-            <a:schemeClr val="accent2"/>
-          </a:lnRef>
-          <a:fillRef idx="2">
-            <a:schemeClr val="accent2"/>
-          </a:fillRef>
-          <a:effectRef idx="1">
-            <a:schemeClr val="accent2"/>
-          </a:effectRef>
-          <a:fontRef idx="minor">
-            <a:schemeClr val="dk1"/>
-          </a:fontRef>
-        </p:style>
-      </p:cxnSp>
-      <p:cxnSp>
-        <p:nvCxnSpPr>
-          <p:cNvPr id="77" name="Elbow Connector 63"/>
-          <p:cNvCxnSpPr>
-            <a:stCxn id="16" idx="3"/>
-            <a:endCxn id="37" idx="3"/>
-          </p:cNvCxnSpPr>
-          <p:nvPr/>
-        </p:nvCxnSpPr>
-        <p:spPr>
-          <a:xfrm rot="5400000">
-            <a:off x="4174488" y="2991741"/>
-            <a:ext cx="2061222" cy="649740"/>
-          </a:xfrm>
-          <a:prstGeom prst="bentConnector2">
-            <a:avLst/>
-          </a:prstGeom>
-          <a:ln w="6350">
-            <a:solidFill>
+            </a:lnRef>
+            <a:fillRef idx="0">
               <a:schemeClr val="accent3"/>
-            </a:solidFill>
-            <a:headEnd type="none" w="med" len="med"/>
-            <a:tailEnd type="none" w="med" len="med"/>
-          </a:ln>
-          <a:effectLst/>
-        </p:spPr>
-        <p:style>
-          <a:lnRef idx="1">
-            <a:schemeClr val="accent2"/>
-          </a:lnRef>
-          <a:fillRef idx="2">
-            <a:schemeClr val="accent2"/>
-          </a:fillRef>
-          <a:effectRef idx="1">
-            <a:schemeClr val="accent2"/>
-          </a:effectRef>
-          <a:fontRef idx="minor">
-            <a:schemeClr val="dk1"/>
-          </a:fontRef>
-        </p:style>
-      </p:cxnSp>
-      <p:cxnSp>
-        <p:nvCxnSpPr>
-          <p:cNvPr id="82" name="Elbow Connector 63"/>
-          <p:cNvCxnSpPr>
-            <a:stCxn id="16" idx="3"/>
-            <a:endCxn id="34" idx="3"/>
-          </p:cNvCxnSpPr>
-          <p:nvPr/>
-        </p:nvCxnSpPr>
-        <p:spPr>
-          <a:xfrm rot="5400000">
-            <a:off x="3867176" y="2104987"/>
-            <a:ext cx="1481780" cy="1843806"/>
-          </a:xfrm>
-          <a:prstGeom prst="bentConnector2">
-            <a:avLst/>
-          </a:prstGeom>
-          <a:ln w="6350">
-            <a:solidFill>
+            </a:fillRef>
+            <a:effectRef idx="0">
               <a:schemeClr val="accent3"/>
-            </a:solidFill>
-            <a:headEnd type="none" w="med" len="med"/>
-            <a:tailEnd type="none" w="med" len="med"/>
-          </a:ln>
-          <a:effectLst/>
-        </p:spPr>
-        <p:style>
-          <a:lnRef idx="1">
-            <a:schemeClr val="accent2"/>
-          </a:lnRef>
-          <a:fillRef idx="2">
-            <a:schemeClr val="accent2"/>
-          </a:fillRef>
-          <a:effectRef idx="1">
-            <a:schemeClr val="accent2"/>
-          </a:effectRef>
-          <a:fontRef idx="minor">
-            <a:schemeClr val="dk1"/>
-          </a:fontRef>
-        </p:style>
-      </p:cxnSp>
-      <p:cxnSp>
-        <p:nvCxnSpPr>
-          <p:cNvPr id="88" name="Elbow Connector 63"/>
-          <p:cNvCxnSpPr>
-            <a:stCxn id="2" idx="3"/>
-            <a:endCxn id="16" idx="3"/>
-          </p:cNvCxnSpPr>
-          <p:nvPr/>
-        </p:nvCxnSpPr>
-        <p:spPr>
-          <a:xfrm flipV="1">
-            <a:off x="3189583" y="2286000"/>
-            <a:ext cx="2340386" cy="228600"/>
-          </a:xfrm>
-          <a:prstGeom prst="bentConnector2">
-            <a:avLst/>
-          </a:prstGeom>
-          <a:ln w="6350">
-            <a:solidFill>
+            </a:effectRef>
+            <a:fontRef idx="minor">
+              <a:schemeClr val="tx1"/>
+            </a:fontRef>
+          </p:style>
+        </p:cxnSp>
+        <p:cxnSp>
+          <p:nvCxnSpPr>
+            <p:cNvPr id="75" name="Straight Arrow Connector 74">
+              <a:extLst>
+                <a:ext uri="{FF2B5EF4-FFF2-40B4-BE49-F238E27FC236}">
+                  <a16:creationId xmlns:a16="http://schemas.microsoft.com/office/drawing/2014/main" id="{9AAF7026-CBC7-4E28-A272-B06D7B3F98D1}"/>
+                </a:ext>
+              </a:extLst>
+            </p:cNvPr>
+            <p:cNvCxnSpPr>
+              <a:cxnSpLocks/>
+            </p:cNvCxnSpPr>
+            <p:nvPr/>
+          </p:nvCxnSpPr>
+          <p:spPr>
+            <a:xfrm>
+              <a:off x="2408864" y="4618519"/>
+              <a:ext cx="174674" cy="0"/>
+            </a:xfrm>
+            <a:prstGeom prst="straightConnector1">
+              <a:avLst/>
+            </a:prstGeom>
+            <a:ln w="19050" cap="flat" cmpd="sng" algn="ctr">
+              <a:solidFill>
+                <a:schemeClr val="accent3"/>
+              </a:solidFill>
+              <a:prstDash val="solid"/>
+              <a:round/>
+              <a:headEnd type="none" w="med" len="med"/>
+              <a:tailEnd type="arrow" w="med" len="med"/>
+            </a:ln>
+          </p:spPr>
+          <p:style>
+            <a:lnRef idx="0">
+              <a:scrgbClr r="0" g="0" b="0"/>
+            </a:lnRef>
+            <a:fillRef idx="0">
+              <a:scrgbClr r="0" g="0" b="0"/>
+            </a:fillRef>
+            <a:effectRef idx="0">
+              <a:scrgbClr r="0" g="0" b="0"/>
+            </a:effectRef>
+            <a:fontRef idx="minor">
+              <a:schemeClr val="tx1"/>
+            </a:fontRef>
+          </p:style>
+        </p:cxnSp>
+        <p:sp>
+          <p:nvSpPr>
+            <p:cNvPr id="76" name="Rectangle 11">
+              <a:extLst>
+                <a:ext uri="{FF2B5EF4-FFF2-40B4-BE49-F238E27FC236}">
+                  <a16:creationId xmlns:a16="http://schemas.microsoft.com/office/drawing/2014/main" id="{2944067F-3B71-420E-91B0-6AADC241EEDF}"/>
+                </a:ext>
+              </a:extLst>
+            </p:cNvPr>
+            <p:cNvSpPr/>
+            <p:nvPr/>
+          </p:nvSpPr>
+          <p:spPr>
+            <a:xfrm>
+              <a:off x="2551255" y="4423098"/>
+              <a:ext cx="1093635" cy="346357"/>
+            </a:xfrm>
+            <a:prstGeom prst="rect">
+              <a:avLst/>
+            </a:prstGeom>
+            <a:ln w="19050">
+              <a:solidFill>
+                <a:schemeClr val="accent3"/>
+              </a:solidFill>
+            </a:ln>
+            <a:effectLst/>
+          </p:spPr>
+          <p:style>
+            <a:lnRef idx="1">
               <a:schemeClr val="accent3"/>
-            </a:solidFill>
-            <a:headEnd type="none" w="med" len="med"/>
-            <a:tailEnd type="none" w="med" len="med"/>
-          </a:ln>
-          <a:effectLst/>
-        </p:spPr>
-        <p:style>
-          <a:lnRef idx="1">
-            <a:schemeClr val="accent2"/>
-          </a:lnRef>
-          <a:fillRef idx="2">
-            <a:schemeClr val="accent2"/>
-          </a:fillRef>
-          <a:effectRef idx="1">
-            <a:schemeClr val="accent2"/>
-          </a:effectRef>
-          <a:fontRef idx="minor">
-            <a:schemeClr val="dk1"/>
-          </a:fontRef>
-        </p:style>
-      </p:cxnSp>
-      <p:cxnSp>
-        <p:nvCxnSpPr>
-          <p:cNvPr id="91" name="Elbow Connector 63"/>
-          <p:cNvCxnSpPr>
-            <a:stCxn id="16" idx="3"/>
-            <a:endCxn id="35" idx="3"/>
-          </p:cNvCxnSpPr>
-          <p:nvPr/>
-        </p:nvCxnSpPr>
-        <p:spPr>
-          <a:xfrm rot="5400000">
-            <a:off x="3409976" y="2562187"/>
-            <a:ext cx="2396180" cy="1843807"/>
-          </a:xfrm>
-          <a:prstGeom prst="bentConnector2">
-            <a:avLst/>
-          </a:prstGeom>
-          <a:ln w="6350">
-            <a:solidFill>
+            </a:lnRef>
+            <a:fillRef idx="2">
               <a:schemeClr val="accent3"/>
-            </a:solidFill>
-            <a:headEnd type="none" w="med" len="med"/>
-            <a:tailEnd type="none" w="med" len="med"/>
-          </a:ln>
-          <a:effectLst/>
-        </p:spPr>
-        <p:style>
-          <a:lnRef idx="1">
-            <a:schemeClr val="accent2"/>
-          </a:lnRef>
-          <a:fillRef idx="2">
-            <a:schemeClr val="accent2"/>
-          </a:fillRef>
-          <a:effectRef idx="1">
-            <a:schemeClr val="accent2"/>
-          </a:effectRef>
-          <a:fontRef idx="minor">
-            <a:schemeClr val="dk1"/>
-          </a:fontRef>
-        </p:style>
-      </p:cxnSp>
-      <p:cxnSp>
-        <p:nvCxnSpPr>
-          <p:cNvPr id="94" name="Elbow Connector 63"/>
-          <p:cNvCxnSpPr>
-            <a:stCxn id="16" idx="3"/>
-            <a:endCxn id="38" idx="3"/>
-          </p:cNvCxnSpPr>
-          <p:nvPr/>
-        </p:nvCxnSpPr>
-        <p:spPr>
-          <a:xfrm rot="5400000">
-            <a:off x="3208856" y="2763307"/>
-            <a:ext cx="2798421" cy="1843806"/>
-          </a:xfrm>
-          <a:prstGeom prst="bentConnector2">
-            <a:avLst/>
-          </a:prstGeom>
-          <a:ln w="6350">
-            <a:solidFill>
+            </a:fillRef>
+            <a:effectRef idx="1">
               <a:schemeClr val="accent3"/>
-            </a:solidFill>
-            <a:headEnd type="none" w="med" len="med"/>
-            <a:tailEnd type="none" w="med" len="med"/>
-          </a:ln>
-          <a:effectLst/>
-        </p:spPr>
-        <p:style>
-          <a:lnRef idx="1">
-            <a:schemeClr val="accent2"/>
-          </a:lnRef>
-          <a:fillRef idx="2">
-            <a:schemeClr val="accent2"/>
-          </a:fillRef>
-          <a:effectRef idx="1">
-            <a:schemeClr val="accent2"/>
-          </a:effectRef>
-          <a:fontRef idx="minor">
-            <a:schemeClr val="dk1"/>
-          </a:fontRef>
-        </p:style>
-      </p:cxnSp>
-      <p:cxnSp>
-        <p:nvCxnSpPr>
-          <p:cNvPr id="107" name="Elbow Connector 106"/>
-          <p:cNvCxnSpPr>
-            <a:stCxn id="9" idx="0"/>
-          </p:cNvCxnSpPr>
-          <p:nvPr/>
-        </p:nvCxnSpPr>
-        <p:spPr>
-          <a:xfrm rot="5400000" flipH="1" flipV="1">
-            <a:off x="4594921" y="-355061"/>
-            <a:ext cx="170724" cy="4081246"/>
-          </a:xfrm>
-          <a:prstGeom prst="bentConnector2">
-            <a:avLst/>
-          </a:prstGeom>
-          <a:ln w="19050">
-            <a:solidFill>
-              <a:srgbClr val="00B050"/>
-            </a:solidFill>
-            <a:prstDash val="solid"/>
-            <a:headEnd type="none" w="med" len="med"/>
-            <a:tailEnd type="arrow" w="med" len="med"/>
-          </a:ln>
-          <a:effectLst/>
-        </p:spPr>
-        <p:style>
-          <a:lnRef idx="1">
-            <a:schemeClr val="accent2"/>
-          </a:lnRef>
-          <a:fillRef idx="2">
-            <a:schemeClr val="accent2"/>
-          </a:fillRef>
-          <a:effectRef idx="1">
-            <a:schemeClr val="accent2"/>
-          </a:effectRef>
-          <a:fontRef idx="minor">
-            <a:schemeClr val="dk1"/>
-          </a:fontRef>
-        </p:style>
-      </p:cxnSp>
-      <p:sp>
-        <p:nvSpPr>
-          <p:cNvPr id="117" name="Rectangle 65"/>
-          <p:cNvSpPr/>
-          <p:nvPr/>
-        </p:nvSpPr>
-        <p:spPr>
-          <a:xfrm rot="16200000">
-            <a:off x="6213739" y="4560376"/>
-            <a:ext cx="1371599" cy="328045"/>
-          </a:xfrm>
-          <a:prstGeom prst="roundRect">
-            <a:avLst/>
-          </a:prstGeom>
-          <a:solidFill>
-            <a:schemeClr val="accent4">
-              <a:lumMod val="20000"/>
-              <a:lumOff val="80000"/>
-            </a:schemeClr>
-          </a:solidFill>
-          <a:ln w="19050">
+            </a:effectRef>
+            <a:fontRef idx="minor">
+              <a:schemeClr val="dk1"/>
+            </a:fontRef>
+          </p:style>
+          <p:txBody>
+            <a:bodyPr rtlCol="0" anchor="ctr"/>
+            <a:lstStyle/>
+            <a:p>
+              <a:pPr algn="ctr"/>
+              <a:r>
+                <a:rPr lang="en-US" sz="1050" b="1" dirty="0" err="1">
+                  <a:solidFill>
+                    <a:schemeClr val="accent3">
+                      <a:lumMod val="75000"/>
+                    </a:schemeClr>
+                  </a:solidFill>
+                </a:rPr>
+                <a:t>PatientAppointmentPanel</a:t>
+              </a:r>
+              <a:endParaRPr lang="en-SG" sz="1050" b="1" dirty="0">
+                <a:solidFill>
+                  <a:schemeClr val="accent3">
+                    <a:lumMod val="75000"/>
+                  </a:schemeClr>
+                </a:solidFill>
+              </a:endParaRPr>
+            </a:p>
+          </p:txBody>
+        </p:sp>
+        <p:sp>
+          <p:nvSpPr>
+            <p:cNvPr id="78" name="Rectangle 11">
+              <a:extLst>
+                <a:ext uri="{FF2B5EF4-FFF2-40B4-BE49-F238E27FC236}">
+                  <a16:creationId xmlns:a16="http://schemas.microsoft.com/office/drawing/2014/main" id="{E3337880-4892-4E8B-9C00-744D766B3950}"/>
+                </a:ext>
+              </a:extLst>
+            </p:cNvPr>
+            <p:cNvSpPr/>
+            <p:nvPr/>
+          </p:nvSpPr>
+          <p:spPr>
+            <a:xfrm>
+              <a:off x="3798052" y="4769455"/>
+              <a:ext cx="1040906" cy="304227"/>
+            </a:xfrm>
+            <a:prstGeom prst="rect">
+              <a:avLst/>
+            </a:prstGeom>
+            <a:ln w="19050">
+              <a:solidFill>
+                <a:schemeClr val="accent3"/>
+              </a:solidFill>
+            </a:ln>
+            <a:effectLst/>
+          </p:spPr>
+          <p:style>
+            <a:lnRef idx="1">
+              <a:schemeClr val="accent3"/>
+            </a:lnRef>
+            <a:fillRef idx="2">
+              <a:schemeClr val="accent3"/>
+            </a:fillRef>
+            <a:effectRef idx="1">
+              <a:schemeClr val="accent3"/>
+            </a:effectRef>
+            <a:fontRef idx="minor">
+              <a:schemeClr val="dk1"/>
+            </a:fontRef>
+          </p:style>
+          <p:txBody>
+            <a:bodyPr rtlCol="0" anchor="ctr"/>
+            <a:lstStyle/>
+            <a:p>
+              <a:pPr algn="ctr"/>
+              <a:r>
+                <a:rPr lang="en-US" sz="1050" b="1" dirty="0" err="1">
+                  <a:solidFill>
+                    <a:schemeClr val="accent3">
+                      <a:lumMod val="75000"/>
+                    </a:schemeClr>
+                  </a:solidFill>
+                </a:rPr>
+                <a:t>AppointmentCard</a:t>
+              </a:r>
+              <a:endParaRPr lang="en-SG" sz="1050" b="1" dirty="0">
+                <a:solidFill>
+                  <a:schemeClr val="accent3">
+                    <a:lumMod val="75000"/>
+                  </a:schemeClr>
+                </a:solidFill>
+              </a:endParaRPr>
+            </a:p>
+          </p:txBody>
+        </p:sp>
+        <p:cxnSp>
+          <p:nvCxnSpPr>
+            <p:cNvPr id="79" name="Elbow Connector 136">
+              <a:extLst>
+                <a:ext uri="{FF2B5EF4-FFF2-40B4-BE49-F238E27FC236}">
+                  <a16:creationId xmlns:a16="http://schemas.microsoft.com/office/drawing/2014/main" id="{4E40B83E-1A25-4B6C-9703-7D4F8758F91F}"/>
+                </a:ext>
+              </a:extLst>
+            </p:cNvPr>
+            <p:cNvCxnSpPr>
+              <a:cxnSpLocks/>
+              <a:endCxn id="78" idx="1"/>
+            </p:cNvCxnSpPr>
+            <p:nvPr/>
+          </p:nvCxnSpPr>
+          <p:spPr>
+            <a:xfrm>
+              <a:off x="3007501" y="4771733"/>
+              <a:ext cx="790551" cy="149836"/>
+            </a:xfrm>
+            <a:prstGeom prst="bentConnector3">
+              <a:avLst>
+                <a:gd name="adj1" fmla="val 50000"/>
+              </a:avLst>
+            </a:prstGeom>
+            <a:ln w="19050">
+              <a:solidFill>
+                <a:schemeClr val="accent3"/>
+              </a:solidFill>
+              <a:headEnd type="none" w="med" len="med"/>
+              <a:tailEnd type="arrow" w="med" len="med"/>
+            </a:ln>
+            <a:effectLst/>
+          </p:spPr>
+          <p:style>
+            <a:lnRef idx="1">
+              <a:schemeClr val="accent2"/>
+            </a:lnRef>
+            <a:fillRef idx="2">
+              <a:schemeClr val="accent2"/>
+            </a:fillRef>
+            <a:effectRef idx="1">
+              <a:schemeClr val="accent2"/>
+            </a:effectRef>
+            <a:fontRef idx="minor">
+              <a:schemeClr val="dk1"/>
+            </a:fontRef>
+          </p:style>
+        </p:cxnSp>
+        <p:sp>
+          <p:nvSpPr>
+            <p:cNvPr id="80" name="Freeform 117">
+              <a:extLst>
+                <a:ext uri="{FF2B5EF4-FFF2-40B4-BE49-F238E27FC236}">
+                  <a16:creationId xmlns:a16="http://schemas.microsoft.com/office/drawing/2014/main" id="{C7142AC6-C01E-4F55-921C-757025F6CEB9}"/>
+                </a:ext>
+              </a:extLst>
+            </p:cNvPr>
+            <p:cNvSpPr/>
+            <p:nvPr/>
+          </p:nvSpPr>
+          <p:spPr>
+            <a:xfrm flipV="1">
+              <a:off x="4833794" y="4869516"/>
+              <a:ext cx="1915939" cy="101598"/>
+            </a:xfrm>
+            <a:custGeom>
+              <a:avLst/>
+              <a:gdLst>
+                <a:gd name="connsiteX0" fmla="*/ 0 w 3048000"/>
+                <a:gd name="connsiteY0" fmla="*/ 203200 h 203200"/>
+                <a:gd name="connsiteX1" fmla="*/ 221673 w 3048000"/>
+                <a:gd name="connsiteY1" fmla="*/ 0 h 203200"/>
+                <a:gd name="connsiteX2" fmla="*/ 3048000 w 3048000"/>
+                <a:gd name="connsiteY2" fmla="*/ 0 h 203200"/>
+              </a:gdLst>
+              <a:ahLst/>
+              <a:cxnLst>
+                <a:cxn ang="0">
+                  <a:pos x="connsiteX0" y="connsiteY0"/>
+                </a:cxn>
+                <a:cxn ang="0">
+                  <a:pos x="connsiteX1" y="connsiteY1"/>
+                </a:cxn>
+                <a:cxn ang="0">
+                  <a:pos x="connsiteX2" y="connsiteY2"/>
+                </a:cxn>
+              </a:cxnLst>
+              <a:rect l="l" t="t" r="r" b="b"/>
+              <a:pathLst>
+                <a:path w="3048000" h="203200">
+                  <a:moveTo>
+                    <a:pt x="0" y="203200"/>
+                  </a:moveTo>
+                  <a:lnTo>
+                    <a:pt x="221673" y="0"/>
+                  </a:lnTo>
+                  <a:lnTo>
+                    <a:pt x="3048000" y="0"/>
+                  </a:lnTo>
+                </a:path>
+              </a:pathLst>
+            </a:custGeom>
             <a:noFill/>
-          </a:ln>
-          <a:effectLst/>
-        </p:spPr>
-        <p:style>
-          <a:lnRef idx="1">
-            <a:schemeClr val="accent2"/>
-          </a:lnRef>
-          <a:fillRef idx="2">
-            <a:schemeClr val="accent2"/>
-          </a:fillRef>
-          <a:effectRef idx="1">
-            <a:schemeClr val="accent2"/>
-          </a:effectRef>
-          <a:fontRef idx="minor">
-            <a:schemeClr val="dk1"/>
-          </a:fontRef>
-        </p:style>
-        <p:txBody>
-          <a:bodyPr rtlCol="0" anchor="ctr"/>
-          <a:lstStyle/>
-          <a:p>
-            <a:pPr algn="ctr"/>
-            <a:r>
-              <a:rPr lang="en-US" sz="1100" b="1" dirty="0">
+            <a:ln w="19050">
+              <a:solidFill>
+                <a:schemeClr val="accent3"/>
+              </a:solidFill>
+              <a:prstDash val="sysDot"/>
+              <a:headEnd type="none" w="med" len="med"/>
+              <a:tailEnd type="arrow" w="med" len="med"/>
+            </a:ln>
+            <a:effectLst/>
+          </p:spPr>
+          <p:style>
+            <a:lnRef idx="1">
+              <a:schemeClr val="accent2"/>
+            </a:lnRef>
+            <a:fillRef idx="2">
+              <a:schemeClr val="accent2"/>
+            </a:fillRef>
+            <a:effectRef idx="1">
+              <a:schemeClr val="accent2"/>
+            </a:effectRef>
+            <a:fontRef idx="minor">
+              <a:schemeClr val="dk1"/>
+            </a:fontRef>
+          </p:style>
+          <p:txBody>
+            <a:bodyPr rtlCol="0" anchor="ctr"/>
+            <a:lstStyle/>
+            <a:p>
+              <a:pPr algn="ctr"/>
+              <a:endParaRPr lang="en-SG"/>
+            </a:p>
+          </p:txBody>
+        </p:sp>
+        <p:cxnSp>
+          <p:nvCxnSpPr>
+            <p:cNvPr id="81" name="Straight Arrow Connector 80">
+              <a:extLst>
+                <a:ext uri="{FF2B5EF4-FFF2-40B4-BE49-F238E27FC236}">
+                  <a16:creationId xmlns:a16="http://schemas.microsoft.com/office/drawing/2014/main" id="{39840751-3E76-43B6-B791-7829995F63EF}"/>
+                </a:ext>
+              </a:extLst>
+            </p:cNvPr>
+            <p:cNvCxnSpPr>
+              <a:cxnSpLocks/>
+            </p:cNvCxnSpPr>
+            <p:nvPr/>
+          </p:nvCxnSpPr>
+          <p:spPr>
+            <a:xfrm>
+              <a:off x="2421023" y="5586912"/>
+              <a:ext cx="174674" cy="0"/>
+            </a:xfrm>
+            <a:prstGeom prst="straightConnector1">
+              <a:avLst/>
+            </a:prstGeom>
+            <a:ln w="19050" cap="flat" cmpd="sng" algn="ctr">
+              <a:solidFill>
+                <a:schemeClr val="accent3"/>
+              </a:solidFill>
+              <a:prstDash val="solid"/>
+              <a:round/>
+              <a:headEnd type="none" w="med" len="med"/>
+              <a:tailEnd type="arrow" w="med" len="med"/>
+            </a:ln>
+          </p:spPr>
+          <p:style>
+            <a:lnRef idx="0">
+              <a:scrgbClr r="0" g="0" b="0"/>
+            </a:lnRef>
+            <a:fillRef idx="0">
+              <a:scrgbClr r="0" g="0" b="0"/>
+            </a:fillRef>
+            <a:effectRef idx="0">
+              <a:scrgbClr r="0" g="0" b="0"/>
+            </a:effectRef>
+            <a:fontRef idx="minor">
+              <a:schemeClr val="tx1"/>
+            </a:fontRef>
+          </p:style>
+        </p:cxnSp>
+        <p:sp>
+          <p:nvSpPr>
+            <p:cNvPr id="83" name="Rectangle 11">
+              <a:extLst>
+                <a:ext uri="{FF2B5EF4-FFF2-40B4-BE49-F238E27FC236}">
+                  <a16:creationId xmlns:a16="http://schemas.microsoft.com/office/drawing/2014/main" id="{F0EF241A-D693-4712-852B-FF6ABC5D4A5A}"/>
+                </a:ext>
+              </a:extLst>
+            </p:cNvPr>
+            <p:cNvSpPr/>
+            <p:nvPr/>
+          </p:nvSpPr>
+          <p:spPr>
+            <a:xfrm>
+              <a:off x="2571860" y="5461329"/>
+              <a:ext cx="1093635" cy="236841"/>
+            </a:xfrm>
+            <a:prstGeom prst="rect">
+              <a:avLst/>
+            </a:prstGeom>
+            <a:ln w="19050">
+              <a:solidFill>
+                <a:schemeClr val="accent3"/>
+              </a:solidFill>
+            </a:ln>
+            <a:effectLst/>
+          </p:spPr>
+          <p:style>
+            <a:lnRef idx="1">
+              <a:schemeClr val="accent3"/>
+            </a:lnRef>
+            <a:fillRef idx="2">
+              <a:schemeClr val="accent3"/>
+            </a:fillRef>
+            <a:effectRef idx="1">
+              <a:schemeClr val="accent3"/>
+            </a:effectRef>
+            <a:fontRef idx="minor">
+              <a:schemeClr val="dk1"/>
+            </a:fontRef>
+          </p:style>
+          <p:txBody>
+            <a:bodyPr rtlCol="0" anchor="ctr"/>
+            <a:lstStyle/>
+            <a:p>
+              <a:pPr algn="ctr"/>
+              <a:r>
+                <a:rPr lang="en-US" sz="1050" b="1" dirty="0" err="1">
+                  <a:solidFill>
+                    <a:schemeClr val="accent3">
+                      <a:lumMod val="75000"/>
+                    </a:schemeClr>
+                  </a:solidFill>
+                </a:rPr>
+                <a:t>CalendarPanel</a:t>
+              </a:r>
+              <a:endParaRPr lang="en-SG" sz="1050" b="1" dirty="0">
                 <a:solidFill>
-                  <a:schemeClr val="bg1"/>
+                  <a:schemeClr val="accent3">
+                    <a:lumMod val="75000"/>
+                  </a:schemeClr>
                 </a:solidFill>
-              </a:rPr>
-              <a:t>Model</a:t>
-            </a:r>
-            <a:endParaRPr lang="en-SG" sz="1100" b="1" dirty="0">
+              </a:endParaRPr>
+            </a:p>
+          </p:txBody>
+        </p:sp>
+        <p:cxnSp>
+          <p:nvCxnSpPr>
+            <p:cNvPr id="84" name="Straight Connector 83">
+              <a:extLst>
+                <a:ext uri="{FF2B5EF4-FFF2-40B4-BE49-F238E27FC236}">
+                  <a16:creationId xmlns:a16="http://schemas.microsoft.com/office/drawing/2014/main" id="{E9DEAE7D-F260-4074-BEBE-9D0CB47C2F31}"/>
+                </a:ext>
+              </a:extLst>
+            </p:cNvPr>
+            <p:cNvCxnSpPr>
+              <a:cxnSpLocks/>
+            </p:cNvCxnSpPr>
+            <p:nvPr/>
+          </p:nvCxnSpPr>
+          <p:spPr>
+            <a:xfrm>
+              <a:off x="3660067" y="5562600"/>
+              <a:ext cx="1868999" cy="0"/>
+            </a:xfrm>
+            <a:prstGeom prst="line">
+              <a:avLst/>
+            </a:prstGeom>
+          </p:spPr>
+          <p:style>
+            <a:lnRef idx="1">
+              <a:schemeClr val="accent3"/>
+            </a:lnRef>
+            <a:fillRef idx="0">
+              <a:schemeClr val="accent3"/>
+            </a:fillRef>
+            <a:effectRef idx="0">
+              <a:schemeClr val="accent3"/>
+            </a:effectRef>
+            <a:fontRef idx="minor">
+              <a:schemeClr val="tx1"/>
+            </a:fontRef>
+          </p:style>
+        </p:cxnSp>
+        <p:sp>
+          <p:nvSpPr>
+            <p:cNvPr id="85" name="Freeform 117">
+              <a:extLst>
+                <a:ext uri="{FF2B5EF4-FFF2-40B4-BE49-F238E27FC236}">
+                  <a16:creationId xmlns:a16="http://schemas.microsoft.com/office/drawing/2014/main" id="{2DE7435E-690E-431D-9711-54E945261477}"/>
+                </a:ext>
+              </a:extLst>
+            </p:cNvPr>
+            <p:cNvSpPr/>
+            <p:nvPr/>
+          </p:nvSpPr>
+          <p:spPr>
+            <a:xfrm flipV="1">
+              <a:off x="4811997" y="5405694"/>
+              <a:ext cx="1944998" cy="50079"/>
+            </a:xfrm>
+            <a:custGeom>
+              <a:avLst/>
+              <a:gdLst>
+                <a:gd name="connsiteX0" fmla="*/ 0 w 3048000"/>
+                <a:gd name="connsiteY0" fmla="*/ 203200 h 203200"/>
+                <a:gd name="connsiteX1" fmla="*/ 221673 w 3048000"/>
+                <a:gd name="connsiteY1" fmla="*/ 0 h 203200"/>
+                <a:gd name="connsiteX2" fmla="*/ 3048000 w 3048000"/>
+                <a:gd name="connsiteY2" fmla="*/ 0 h 203200"/>
+              </a:gdLst>
+              <a:ahLst/>
+              <a:cxnLst>
+                <a:cxn ang="0">
+                  <a:pos x="connsiteX0" y="connsiteY0"/>
+                </a:cxn>
+                <a:cxn ang="0">
+                  <a:pos x="connsiteX1" y="connsiteY1"/>
+                </a:cxn>
+                <a:cxn ang="0">
+                  <a:pos x="connsiteX2" y="connsiteY2"/>
+                </a:cxn>
+              </a:cxnLst>
+              <a:rect l="l" t="t" r="r" b="b"/>
+              <a:pathLst>
+                <a:path w="3048000" h="203200">
+                  <a:moveTo>
+                    <a:pt x="0" y="203200"/>
+                  </a:moveTo>
+                  <a:lnTo>
+                    <a:pt x="221673" y="0"/>
+                  </a:lnTo>
+                  <a:lnTo>
+                    <a:pt x="3048000" y="0"/>
+                  </a:lnTo>
+                </a:path>
+              </a:pathLst>
+            </a:custGeom>
+            <a:noFill/>
+            <a:ln w="19050">
               <a:solidFill>
-                <a:schemeClr val="bg1"/>
+                <a:schemeClr val="accent3"/>
               </a:solidFill>
-            </a:endParaRPr>
-          </a:p>
-        </p:txBody>
-      </p:sp>
-      <p:sp>
-        <p:nvSpPr>
-          <p:cNvPr id="119" name="Rectangle 62"/>
-          <p:cNvSpPr/>
-          <p:nvPr/>
-        </p:nvSpPr>
-        <p:spPr>
-          <a:xfrm rot="16200000">
-            <a:off x="956202" y="2861202"/>
-            <a:ext cx="1093635" cy="346760"/>
-          </a:xfrm>
-          <a:prstGeom prst="rect">
-            <a:avLst/>
-          </a:prstGeom>
-          <a:solidFill>
-            <a:srgbClr val="00B050"/>
-          </a:solidFill>
-          <a:ln w="19050">
-            <a:solidFill>
-              <a:srgbClr val="00B050"/>
-            </a:solidFill>
-          </a:ln>
-          <a:effectLst/>
-        </p:spPr>
-        <p:style>
-          <a:lnRef idx="1">
-            <a:schemeClr val="accent2"/>
-          </a:lnRef>
-          <a:fillRef idx="2">
-            <a:schemeClr val="accent2"/>
-          </a:fillRef>
-          <a:effectRef idx="1">
-            <a:schemeClr val="accent2"/>
-          </a:effectRef>
-          <a:fontRef idx="minor">
-            <a:schemeClr val="dk1"/>
-          </a:fontRef>
-        </p:style>
-        <p:txBody>
-          <a:bodyPr rtlCol="0" anchor="ctr"/>
-          <a:lstStyle/>
-          <a:p>
-            <a:pPr algn="ctr"/>
-            <a:r>
-              <a:rPr lang="en-US" sz="1050" dirty="0">
-                <a:solidFill>
-                  <a:schemeClr val="bg1"/>
-                </a:solidFill>
-              </a:rPr>
-              <a:t>&lt;&lt;interface&gt;&gt;</a:t>
-            </a:r>
-          </a:p>
-          <a:p>
-            <a:pPr algn="ctr"/>
-            <a:r>
-              <a:rPr lang="en-US" sz="1050" dirty="0" err="1">
-                <a:solidFill>
-                  <a:schemeClr val="bg1"/>
-                </a:solidFill>
-              </a:rPr>
-              <a:t>Ui</a:t>
-            </a:r>
-            <a:endParaRPr lang="en-SG" sz="1050" dirty="0">
-              <a:solidFill>
-                <a:schemeClr val="bg1"/>
-              </a:solidFill>
-            </a:endParaRPr>
-          </a:p>
-        </p:txBody>
-      </p:sp>
-      <p:sp>
-        <p:nvSpPr>
-          <p:cNvPr id="120" name="Isosceles Triangle 102"/>
-          <p:cNvSpPr/>
-          <p:nvPr/>
-        </p:nvSpPr>
-        <p:spPr>
-          <a:xfrm flipV="1">
-            <a:off x="1367767" y="2286001"/>
-            <a:ext cx="270504" cy="175523"/>
-          </a:xfrm>
-          <a:prstGeom prst="triangle">
-            <a:avLst/>
-          </a:prstGeom>
-          <a:ln w="19050">
-            <a:solidFill>
-              <a:srgbClr val="00B050"/>
-            </a:solidFill>
-          </a:ln>
-          <a:effectLst/>
-        </p:spPr>
-        <p:style>
-          <a:lnRef idx="1">
-            <a:schemeClr val="accent3"/>
-          </a:lnRef>
-          <a:fillRef idx="2">
-            <a:schemeClr val="accent3"/>
-          </a:fillRef>
-          <a:effectRef idx="1">
-            <a:schemeClr val="accent3"/>
-          </a:effectRef>
-          <a:fontRef idx="minor">
-            <a:schemeClr val="dk1"/>
-          </a:fontRef>
-        </p:style>
-        <p:txBody>
-          <a:bodyPr rtlCol="0" anchor="ctr"/>
-          <a:lstStyle/>
-          <a:p>
-            <a:pPr algn="ctr"/>
-            <a:endParaRPr lang="en-SG" sz="1050" b="1">
-              <a:solidFill>
-                <a:srgbClr val="92D050"/>
-              </a:solidFill>
-            </a:endParaRPr>
-          </a:p>
-        </p:txBody>
-      </p:sp>
-      <p:cxnSp>
-        <p:nvCxnSpPr>
-          <p:cNvPr id="121" name="Elbow Connector 63"/>
-          <p:cNvCxnSpPr>
-            <a:stCxn id="9" idx="1"/>
-            <a:endCxn id="120" idx="3"/>
-          </p:cNvCxnSpPr>
-          <p:nvPr/>
-        </p:nvCxnSpPr>
-        <p:spPr>
-          <a:xfrm rot="10800000" flipV="1">
-            <a:off x="1503020" y="1944303"/>
-            <a:ext cx="589823" cy="341697"/>
-          </a:xfrm>
-          <a:prstGeom prst="bentConnector2">
-            <a:avLst/>
-          </a:prstGeom>
-          <a:ln w="19050">
-            <a:solidFill>
-              <a:srgbClr val="00B050"/>
-            </a:solidFill>
-            <a:prstDash val="sysDot"/>
-            <a:headEnd type="none" w="med" len="med"/>
-            <a:tailEnd type="none" w="med" len="med"/>
-          </a:ln>
-          <a:effectLst/>
-        </p:spPr>
-        <p:style>
-          <a:lnRef idx="1">
-            <a:schemeClr val="accent2"/>
-          </a:lnRef>
-          <a:fillRef idx="2">
-            <a:schemeClr val="accent2"/>
-          </a:fillRef>
-          <a:effectRef idx="1">
-            <a:schemeClr val="accent2"/>
-          </a:effectRef>
-          <a:fontRef idx="minor">
-            <a:schemeClr val="dk1"/>
-          </a:fontRef>
-        </p:style>
-      </p:cxnSp>
-      <p:cxnSp>
-        <p:nvCxnSpPr>
-          <p:cNvPr id="131" name="Elbow Connector 130"/>
-          <p:cNvCxnSpPr>
-            <a:stCxn id="39" idx="2"/>
-            <a:endCxn id="43" idx="1"/>
-          </p:cNvCxnSpPr>
-          <p:nvPr/>
-        </p:nvCxnSpPr>
-        <p:spPr>
-          <a:xfrm rot="16200000" flipH="1">
-            <a:off x="2226110" y="3058040"/>
-            <a:ext cx="554704" cy="174673"/>
-          </a:xfrm>
-          <a:prstGeom prst="bentConnector2">
-            <a:avLst/>
-          </a:prstGeom>
-          <a:ln w="19050">
-            <a:solidFill>
+              <a:prstDash val="sysDot"/>
+              <a:headEnd type="none" w="med" len="med"/>
+              <a:tailEnd type="arrow" w="med" len="med"/>
+            </a:ln>
+            <a:effectLst/>
+          </p:spPr>
+          <p:style>
+            <a:lnRef idx="1">
+              <a:schemeClr val="accent2"/>
+            </a:lnRef>
+            <a:fillRef idx="2">
+              <a:schemeClr val="accent2"/>
+            </a:fillRef>
+            <a:effectRef idx="1">
+              <a:schemeClr val="accent2"/>
+            </a:effectRef>
+            <a:fontRef idx="minor">
+              <a:schemeClr val="dk1"/>
+            </a:fontRef>
+          </p:style>
+          <p:txBody>
+            <a:bodyPr rtlCol="0" anchor="ctr"/>
+            <a:lstStyle/>
+            <a:p>
+              <a:pPr algn="ctr"/>
+              <a:endParaRPr lang="en-SG"/>
+            </a:p>
+          </p:txBody>
+        </p:sp>
+        <p:cxnSp>
+          <p:nvCxnSpPr>
+            <p:cNvPr id="86" name="Straight Connector 85">
+              <a:extLst>
+                <a:ext uri="{FF2B5EF4-FFF2-40B4-BE49-F238E27FC236}">
+                  <a16:creationId xmlns:a16="http://schemas.microsoft.com/office/drawing/2014/main" id="{52D36F72-C830-45B8-A273-A4D2A976B69C}"/>
+                </a:ext>
+              </a:extLst>
+            </p:cNvPr>
+            <p:cNvCxnSpPr>
+              <a:cxnSpLocks/>
+            </p:cNvCxnSpPr>
+            <p:nvPr/>
+          </p:nvCxnSpPr>
+          <p:spPr>
+            <a:xfrm>
+              <a:off x="3637500" y="4657992"/>
+              <a:ext cx="1891566" cy="0"/>
+            </a:xfrm>
+            <a:prstGeom prst="line">
+              <a:avLst/>
+            </a:prstGeom>
+          </p:spPr>
+          <p:style>
+            <a:lnRef idx="1">
               <a:schemeClr val="accent3"/>
-            </a:solidFill>
-            <a:headEnd type="none" w="med" len="med"/>
-            <a:tailEnd type="arrow" w="med" len="med"/>
-          </a:ln>
-          <a:effectLst/>
-        </p:spPr>
-        <p:style>
-          <a:lnRef idx="1">
-            <a:schemeClr val="accent2"/>
-          </a:lnRef>
-          <a:fillRef idx="2">
-            <a:schemeClr val="accent2"/>
-          </a:fillRef>
-          <a:effectRef idx="1">
-            <a:schemeClr val="accent2"/>
-          </a:effectRef>
-          <a:fontRef idx="minor">
-            <a:schemeClr val="dk1"/>
-          </a:fontRef>
-        </p:style>
-      </p:cxnSp>
-      <p:cxnSp>
-        <p:nvCxnSpPr>
-          <p:cNvPr id="132" name="Elbow Connector 63"/>
-          <p:cNvCxnSpPr>
-            <a:stCxn id="16" idx="3"/>
-            <a:endCxn id="3" idx="3"/>
-          </p:cNvCxnSpPr>
-          <p:nvPr/>
-        </p:nvCxnSpPr>
-        <p:spPr>
-          <a:xfrm rot="5400000">
-            <a:off x="4205956" y="1766207"/>
-            <a:ext cx="804221" cy="1843806"/>
-          </a:xfrm>
-          <a:prstGeom prst="bentConnector2">
-            <a:avLst/>
-          </a:prstGeom>
-          <a:ln w="6350">
-            <a:solidFill>
+            </a:lnRef>
+            <a:fillRef idx="0">
               <a:schemeClr val="accent3"/>
-            </a:solidFill>
-            <a:headEnd type="none" w="med" len="med"/>
-            <a:tailEnd type="none" w="med" len="med"/>
-          </a:ln>
-          <a:effectLst/>
-        </p:spPr>
-        <p:style>
-          <a:lnRef idx="1">
-            <a:schemeClr val="accent2"/>
-          </a:lnRef>
-          <a:fillRef idx="2">
-            <a:schemeClr val="accent2"/>
-          </a:fillRef>
-          <a:effectRef idx="1">
-            <a:schemeClr val="accent2"/>
-          </a:effectRef>
-          <a:fontRef idx="minor">
-            <a:schemeClr val="dk1"/>
-          </a:fontRef>
-        </p:style>
-      </p:cxnSp>
-      <p:cxnSp>
-        <p:nvCxnSpPr>
-          <p:cNvPr id="137" name="Elbow Connector 136"/>
-          <p:cNvCxnSpPr>
-            <a:stCxn id="36" idx="2"/>
-            <a:endCxn id="37" idx="1"/>
-          </p:cNvCxnSpPr>
-          <p:nvPr/>
-        </p:nvCxnSpPr>
-        <p:spPr>
-          <a:xfrm rot="16200000" flipH="1">
-            <a:off x="3430123" y="3938021"/>
-            <a:ext cx="118421" cy="699979"/>
-          </a:xfrm>
-          <a:prstGeom prst="bentConnector2">
-            <a:avLst/>
-          </a:prstGeom>
-          <a:ln w="19050">
-            <a:solidFill>
+            </a:fillRef>
+            <a:effectRef idx="0">
               <a:schemeClr val="accent3"/>
-            </a:solidFill>
-            <a:headEnd type="none" w="med" len="med"/>
-            <a:tailEnd type="arrow" w="med" len="med"/>
-          </a:ln>
-          <a:effectLst/>
-        </p:spPr>
-        <p:style>
-          <a:lnRef idx="1">
-            <a:schemeClr val="accent2"/>
-          </a:lnRef>
-          <a:fillRef idx="2">
-            <a:schemeClr val="accent2"/>
-          </a:fillRef>
-          <a:effectRef idx="1">
-            <a:schemeClr val="accent2"/>
-          </a:effectRef>
-          <a:fontRef idx="minor">
-            <a:schemeClr val="dk1"/>
-          </a:fontRef>
-        </p:style>
-      </p:cxnSp>
-      <p:cxnSp>
-        <p:nvCxnSpPr>
-          <p:cNvPr id="140" name="Elbow Connector 63"/>
-          <p:cNvCxnSpPr>
-            <a:stCxn id="16" idx="3"/>
-            <a:endCxn id="36" idx="3"/>
-          </p:cNvCxnSpPr>
-          <p:nvPr/>
-        </p:nvCxnSpPr>
-        <p:spPr>
-          <a:xfrm rot="5400000">
-            <a:off x="3695875" y="2276286"/>
-            <a:ext cx="1824381" cy="1843808"/>
-          </a:xfrm>
-          <a:prstGeom prst="bentConnector2">
-            <a:avLst/>
-          </a:prstGeom>
-          <a:ln w="6350">
-            <a:solidFill>
-              <a:schemeClr val="accent3"/>
-            </a:solidFill>
-            <a:headEnd type="none" w="med" len="med"/>
-            <a:tailEnd type="none" w="med" len="med"/>
-          </a:ln>
-          <a:effectLst/>
-        </p:spPr>
-        <p:style>
-          <a:lnRef idx="1">
-            <a:schemeClr val="accent2"/>
-          </a:lnRef>
-          <a:fillRef idx="2">
-            <a:schemeClr val="accent2"/>
-          </a:fillRef>
-          <a:effectRef idx="1">
-            <a:schemeClr val="accent2"/>
-          </a:effectRef>
-          <a:fontRef idx="minor">
-            <a:schemeClr val="dk1"/>
-          </a:fontRef>
-        </p:style>
-      </p:cxnSp>
-      <p:sp>
-        <p:nvSpPr>
-          <p:cNvPr id="143" name="Rectangle 142"/>
-          <p:cNvSpPr/>
-          <p:nvPr/>
-        </p:nvSpPr>
-        <p:spPr>
-          <a:xfrm>
-            <a:off x="5435896" y="2743200"/>
-            <a:ext cx="229325" cy="166560"/>
-          </a:xfrm>
-          <a:prstGeom prst="rect">
-            <a:avLst/>
-          </a:prstGeom>
-          <a:solidFill>
-            <a:schemeClr val="accent3">
-              <a:lumMod val="20000"/>
-              <a:lumOff val="80000"/>
-              <a:alpha val="80000"/>
-            </a:schemeClr>
-          </a:solidFill>
-          <a:ln>
-            <a:noFill/>
-          </a:ln>
-          <a:effectLst>
-            <a:softEdge rad="31750"/>
-          </a:effectLst>
-        </p:spPr>
-        <p:style>
-          <a:lnRef idx="2">
-            <a:schemeClr val="accent1">
-              <a:shade val="50000"/>
-            </a:schemeClr>
-          </a:lnRef>
-          <a:fillRef idx="1">
-            <a:schemeClr val="accent1"/>
-          </a:fillRef>
-          <a:effectRef idx="0">
-            <a:schemeClr val="accent1"/>
-          </a:effectRef>
-          <a:fontRef idx="minor">
-            <a:schemeClr val="lt1"/>
-          </a:fontRef>
-        </p:style>
-        <p:txBody>
-          <a:bodyPr rtlCol="0" anchor="ctr"/>
-          <a:lstStyle/>
-          <a:p>
-            <a:pPr algn="ctr"/>
-            <a:endParaRPr lang="en-SG"/>
-          </a:p>
-        </p:txBody>
-      </p:sp>
-      <p:sp>
-        <p:nvSpPr>
-          <p:cNvPr id="116" name="Freeform 115"/>
-          <p:cNvSpPr/>
-          <p:nvPr/>
-        </p:nvSpPr>
-        <p:spPr>
-          <a:xfrm>
-            <a:off x="3687515" y="2828802"/>
-            <a:ext cx="3048000" cy="203200"/>
-          </a:xfrm>
-          <a:custGeom>
-            <a:avLst/>
-            <a:gdLst>
-              <a:gd name="connsiteX0" fmla="*/ 0 w 3048000"/>
-              <a:gd name="connsiteY0" fmla="*/ 203200 h 203200"/>
-              <a:gd name="connsiteX1" fmla="*/ 221673 w 3048000"/>
-              <a:gd name="connsiteY1" fmla="*/ 0 h 203200"/>
-              <a:gd name="connsiteX2" fmla="*/ 3048000 w 3048000"/>
-              <a:gd name="connsiteY2" fmla="*/ 0 h 203200"/>
-            </a:gdLst>
-            <a:ahLst/>
-            <a:cxnLst>
-              <a:cxn ang="0">
-                <a:pos x="connsiteX0" y="connsiteY0"/>
-              </a:cxn>
-              <a:cxn ang="0">
-                <a:pos x="connsiteX1" y="connsiteY1"/>
-              </a:cxn>
-              <a:cxn ang="0">
-                <a:pos x="connsiteX2" y="connsiteY2"/>
-              </a:cxn>
-            </a:cxnLst>
-            <a:rect l="l" t="t" r="r" b="b"/>
-            <a:pathLst>
-              <a:path w="3048000" h="203200">
-                <a:moveTo>
-                  <a:pt x="0" y="203200"/>
-                </a:moveTo>
-                <a:lnTo>
-                  <a:pt x="221673" y="0"/>
-                </a:lnTo>
-                <a:lnTo>
-                  <a:pt x="3048000" y="0"/>
-                </a:lnTo>
-              </a:path>
-            </a:pathLst>
-          </a:custGeom>
-          <a:noFill/>
-          <a:ln w="19050">
-            <a:solidFill>
-              <a:schemeClr val="accent3"/>
-            </a:solidFill>
-            <a:prstDash val="solid"/>
-            <a:headEnd type="none" w="med" len="med"/>
-            <a:tailEnd type="arrow" w="med" len="med"/>
-          </a:ln>
-          <a:effectLst/>
-        </p:spPr>
-        <p:style>
-          <a:lnRef idx="1">
-            <a:schemeClr val="accent2"/>
-          </a:lnRef>
-          <a:fillRef idx="2">
-            <a:schemeClr val="accent2"/>
-          </a:fillRef>
-          <a:effectRef idx="1">
-            <a:schemeClr val="accent2"/>
-          </a:effectRef>
-          <a:fontRef idx="minor">
-            <a:schemeClr val="dk1"/>
-          </a:fontRef>
-        </p:style>
-        <p:txBody>
-          <a:bodyPr rtlCol="0" anchor="ctr"/>
-          <a:lstStyle/>
-          <a:p>
-            <a:pPr algn="ctr"/>
-            <a:endParaRPr lang="en-SG"/>
-          </a:p>
-        </p:txBody>
-      </p:sp>
-      <p:sp>
-        <p:nvSpPr>
-          <p:cNvPr id="144" name="Rectangle 143"/>
-          <p:cNvSpPr/>
-          <p:nvPr/>
-        </p:nvSpPr>
-        <p:spPr>
-          <a:xfrm>
-            <a:off x="5431573" y="4488138"/>
-            <a:ext cx="229325" cy="160062"/>
-          </a:xfrm>
-          <a:prstGeom prst="rect">
-            <a:avLst/>
-          </a:prstGeom>
-          <a:solidFill>
-            <a:schemeClr val="accent3">
-              <a:lumMod val="20000"/>
-              <a:lumOff val="80000"/>
-              <a:alpha val="80000"/>
-            </a:schemeClr>
-          </a:solidFill>
-          <a:ln>
-            <a:noFill/>
-          </a:ln>
-          <a:effectLst>
-            <a:softEdge rad="31750"/>
-          </a:effectLst>
-        </p:spPr>
-        <p:style>
-          <a:lnRef idx="2">
-            <a:schemeClr val="accent1">
-              <a:shade val="50000"/>
-            </a:schemeClr>
-          </a:lnRef>
-          <a:fillRef idx="1">
-            <a:schemeClr val="accent1"/>
-          </a:fillRef>
-          <a:effectRef idx="0">
-            <a:schemeClr val="accent1"/>
-          </a:effectRef>
-          <a:fontRef idx="minor">
-            <a:schemeClr val="lt1"/>
-          </a:fontRef>
-        </p:style>
-        <p:txBody>
-          <a:bodyPr rtlCol="0" anchor="ctr"/>
-          <a:lstStyle/>
-          <a:p>
-            <a:pPr algn="ctr"/>
-            <a:endParaRPr lang="en-SG"/>
-          </a:p>
-        </p:txBody>
-      </p:sp>
-      <p:sp>
-        <p:nvSpPr>
-          <p:cNvPr id="118" name="Freeform 117"/>
-          <p:cNvSpPr/>
-          <p:nvPr/>
-        </p:nvSpPr>
-        <p:spPr>
-          <a:xfrm flipV="1">
-            <a:off x="4114799" y="4472708"/>
-            <a:ext cx="2642195" cy="101600"/>
-          </a:xfrm>
-          <a:custGeom>
-            <a:avLst/>
-            <a:gdLst>
-              <a:gd name="connsiteX0" fmla="*/ 0 w 3048000"/>
-              <a:gd name="connsiteY0" fmla="*/ 203200 h 203200"/>
-              <a:gd name="connsiteX1" fmla="*/ 221673 w 3048000"/>
-              <a:gd name="connsiteY1" fmla="*/ 0 h 203200"/>
-              <a:gd name="connsiteX2" fmla="*/ 3048000 w 3048000"/>
-              <a:gd name="connsiteY2" fmla="*/ 0 h 203200"/>
-            </a:gdLst>
-            <a:ahLst/>
-            <a:cxnLst>
-              <a:cxn ang="0">
-                <a:pos x="connsiteX0" y="connsiteY0"/>
-              </a:cxn>
-              <a:cxn ang="0">
-                <a:pos x="connsiteX1" y="connsiteY1"/>
-              </a:cxn>
-              <a:cxn ang="0">
-                <a:pos x="connsiteX2" y="connsiteY2"/>
-              </a:cxn>
-            </a:cxnLst>
-            <a:rect l="l" t="t" r="r" b="b"/>
-            <a:pathLst>
-              <a:path w="3048000" h="203200">
-                <a:moveTo>
-                  <a:pt x="0" y="203200"/>
-                </a:moveTo>
-                <a:lnTo>
-                  <a:pt x="221673" y="0"/>
-                </a:lnTo>
-                <a:lnTo>
-                  <a:pt x="3048000" y="0"/>
-                </a:lnTo>
-              </a:path>
-            </a:pathLst>
-          </a:custGeom>
-          <a:noFill/>
-          <a:ln w="19050">
-            <a:solidFill>
-              <a:schemeClr val="accent3"/>
-            </a:solidFill>
-            <a:prstDash val="sysDot"/>
-            <a:headEnd type="none" w="med" len="med"/>
-            <a:tailEnd type="arrow" w="med" len="med"/>
-          </a:ln>
-          <a:effectLst/>
-        </p:spPr>
-        <p:style>
-          <a:lnRef idx="1">
-            <a:schemeClr val="accent2"/>
-          </a:lnRef>
-          <a:fillRef idx="2">
-            <a:schemeClr val="accent2"/>
-          </a:fillRef>
-          <a:effectRef idx="1">
-            <a:schemeClr val="accent2"/>
-          </a:effectRef>
-          <a:fontRef idx="minor">
-            <a:schemeClr val="dk1"/>
-          </a:fontRef>
-        </p:style>
-        <p:txBody>
-          <a:bodyPr rtlCol="0" anchor="ctr"/>
-          <a:lstStyle/>
-          <a:p>
-            <a:pPr algn="ctr"/>
-            <a:endParaRPr lang="en-SG"/>
-          </a:p>
-        </p:txBody>
-      </p:sp>
+            </a:effectRef>
+            <a:fontRef idx="minor">
+              <a:schemeClr val="tx1"/>
+            </a:fontRef>
+          </p:style>
+        </p:cxnSp>
+      </p:grpSp>
     </p:spTree>
     <p:extLst>
       <p:ext uri="{BB962C8B-B14F-4D97-AF65-F5344CB8AC3E}">

--- a/docs/diagrams/UiComponentClassDiagram.pptx
+++ b/docs/diagrams/UiComponentClassDiagram.pptx
@@ -208,7 +208,7 @@
           <a:p>
             <a:fld id="{F5CC4B3F-88C1-4FFA-B1B6-F41C21DC6924}" type="datetimeFigureOut">
               <a:rPr lang="en-US" smtClean="0"/>
-              <a:t>1/7/2017</a:t>
+              <a:t>15-Apr-18</a:t>
             </a:fld>
             <a:endParaRPr lang="en-US"/>
           </a:p>
@@ -654,7 +654,7 @@
           <a:p>
             <a:fld id="{78C97017-6FC3-485B-9764-EAC9E56C1D49}" type="datetimeFigureOut">
               <a:rPr lang="en-US" smtClean="0"/>
-              <a:t>1/7/2017</a:t>
+              <a:t>15-Apr-18</a:t>
             </a:fld>
             <a:endParaRPr lang="en-US"/>
           </a:p>
@@ -822,7 +822,7 @@
           <a:p>
             <a:fld id="{78C97017-6FC3-485B-9764-EAC9E56C1D49}" type="datetimeFigureOut">
               <a:rPr lang="en-US" smtClean="0"/>
-              <a:t>1/7/2017</a:t>
+              <a:t>15-Apr-18</a:t>
             </a:fld>
             <a:endParaRPr lang="en-US"/>
           </a:p>
@@ -1000,7 +1000,7 @@
           <a:p>
             <a:fld id="{78C97017-6FC3-485B-9764-EAC9E56C1D49}" type="datetimeFigureOut">
               <a:rPr lang="en-US" smtClean="0"/>
-              <a:t>1/7/2017</a:t>
+              <a:t>15-Apr-18</a:t>
             </a:fld>
             <a:endParaRPr lang="en-US"/>
           </a:p>
@@ -1168,7 +1168,7 @@
           <a:p>
             <a:fld id="{78C97017-6FC3-485B-9764-EAC9E56C1D49}" type="datetimeFigureOut">
               <a:rPr lang="en-US" smtClean="0"/>
-              <a:t>1/7/2017</a:t>
+              <a:t>15-Apr-18</a:t>
             </a:fld>
             <a:endParaRPr lang="en-US"/>
           </a:p>
@@ -1413,7 +1413,7 @@
           <a:p>
             <a:fld id="{78C97017-6FC3-485B-9764-EAC9E56C1D49}" type="datetimeFigureOut">
               <a:rPr lang="en-US" smtClean="0"/>
-              <a:t>1/7/2017</a:t>
+              <a:t>15-Apr-18</a:t>
             </a:fld>
             <a:endParaRPr lang="en-US"/>
           </a:p>
@@ -1698,7 +1698,7 @@
           <a:p>
             <a:fld id="{78C97017-6FC3-485B-9764-EAC9E56C1D49}" type="datetimeFigureOut">
               <a:rPr lang="en-US" smtClean="0"/>
-              <a:t>1/7/2017</a:t>
+              <a:t>15-Apr-18</a:t>
             </a:fld>
             <a:endParaRPr lang="en-US"/>
           </a:p>
@@ -2117,7 +2117,7 @@
           <a:p>
             <a:fld id="{78C97017-6FC3-485B-9764-EAC9E56C1D49}" type="datetimeFigureOut">
               <a:rPr lang="en-US" smtClean="0"/>
-              <a:t>1/7/2017</a:t>
+              <a:t>15-Apr-18</a:t>
             </a:fld>
             <a:endParaRPr lang="en-US"/>
           </a:p>
@@ -2234,7 +2234,7 @@
           <a:p>
             <a:fld id="{78C97017-6FC3-485B-9764-EAC9E56C1D49}" type="datetimeFigureOut">
               <a:rPr lang="en-US" smtClean="0"/>
-              <a:t>1/7/2017</a:t>
+              <a:t>15-Apr-18</a:t>
             </a:fld>
             <a:endParaRPr lang="en-US"/>
           </a:p>
@@ -2329,7 +2329,7 @@
           <a:p>
             <a:fld id="{78C97017-6FC3-485B-9764-EAC9E56C1D49}" type="datetimeFigureOut">
               <a:rPr lang="en-US" smtClean="0"/>
-              <a:t>1/7/2017</a:t>
+              <a:t>15-Apr-18</a:t>
             </a:fld>
             <a:endParaRPr lang="en-US"/>
           </a:p>
@@ -2604,7 +2604,7 @@
           <a:p>
             <a:fld id="{78C97017-6FC3-485B-9764-EAC9E56C1D49}" type="datetimeFigureOut">
               <a:rPr lang="en-US" smtClean="0"/>
-              <a:t>1/7/2017</a:t>
+              <a:t>15-Apr-18</a:t>
             </a:fld>
             <a:endParaRPr lang="en-US"/>
           </a:p>
@@ -2856,7 +2856,7 @@
           <a:p>
             <a:fld id="{78C97017-6FC3-485B-9764-EAC9E56C1D49}" type="datetimeFigureOut">
               <a:rPr lang="en-US" smtClean="0"/>
-              <a:t>1/7/2017</a:t>
+              <a:t>15-Apr-18</a:t>
             </a:fld>
             <a:endParaRPr lang="en-US"/>
           </a:p>
@@ -3067,7 +3067,7 @@
           <a:p>
             <a:fld id="{78C97017-6FC3-485B-9764-EAC9E56C1D49}" type="datetimeFigureOut">
               <a:rPr lang="en-US" smtClean="0"/>
-              <a:t>1/7/2017</a:t>
+              <a:t>15-Apr-18</a:t>
             </a:fld>
             <a:endParaRPr lang="en-US"/>
           </a:p>
@@ -3925,7 +3925,7 @@
                   </a:schemeClr>
                 </a:solidFill>
               </a:rPr>
-              <a:t>BrowserPanel</a:t>
+              <a:t>DetailPanel</a:t>
             </a:r>
             <a:endParaRPr lang="en-SG" sz="1050" b="1" dirty="0">
               <a:solidFill>
